--- a/presentation/PhD-comprehensive-exam.pptx
+++ b/presentation/PhD-comprehensive-exam.pptx
@@ -4,11 +4,25 @@
   <p:sldMasterIdLst>
     <p:sldMasterId id="2147483648" r:id="rId1"/>
   </p:sldMasterIdLst>
+  <p:notesMasterIdLst>
+    <p:notesMasterId r:id="rId17"/>
+  </p:notesMasterIdLst>
   <p:sldIdLst>
     <p:sldId id="257" r:id="rId2"/>
     <p:sldId id="256" r:id="rId3"/>
-    <p:sldId id="258" r:id="rId4"/>
-    <p:sldId id="259" r:id="rId5"/>
+    <p:sldId id="260" r:id="rId4"/>
+    <p:sldId id="261" r:id="rId5"/>
+    <p:sldId id="262" r:id="rId6"/>
+    <p:sldId id="263" r:id="rId7"/>
+    <p:sldId id="264" r:id="rId8"/>
+    <p:sldId id="265" r:id="rId9"/>
+    <p:sldId id="266" r:id="rId10"/>
+    <p:sldId id="267" r:id="rId11"/>
+    <p:sldId id="268" r:id="rId12"/>
+    <p:sldId id="269" r:id="rId13"/>
+    <p:sldId id="270" r:id="rId14"/>
+    <p:sldId id="258" r:id="rId15"/>
+    <p:sldId id="259" r:id="rId16"/>
   </p:sldIdLst>
   <p:sldSz cx="9144000" cy="6858000" type="screen4x3"/>
   <p:notesSz cx="6858000" cy="9144000"/>
@@ -108,6 +122,708 @@
     </a:lvl9pPr>
   </p:defaultTextStyle>
 </p:presentation>
+</file>
+
+<file path=ppt/notesMasters/notesMaster1.xml><?xml version="1.0" encoding="utf-8"?>
+<p:notesMaster xmlns:a="http://schemas.openxmlformats.org/drawingml/2006/main" xmlns:r="http://schemas.openxmlformats.org/officeDocument/2006/relationships" xmlns:p="http://schemas.openxmlformats.org/presentationml/2006/main">
+  <p:cSld>
+    <p:bg>
+      <p:bgRef idx="1001">
+        <a:schemeClr val="bg1"/>
+      </p:bgRef>
+    </p:bg>
+    <p:spTree>
+      <p:nvGrpSpPr>
+        <p:cNvPr id="1" name=""/>
+        <p:cNvGrpSpPr/>
+        <p:nvPr/>
+      </p:nvGrpSpPr>
+      <p:grpSpPr>
+        <a:xfrm>
+          <a:off x="0" y="0"/>
+          <a:ext cx="0" cy="0"/>
+          <a:chOff x="0" y="0"/>
+          <a:chExt cx="0" cy="0"/>
+        </a:xfrm>
+      </p:grpSpPr>
+      <p:sp>
+        <p:nvSpPr>
+          <p:cNvPr id="2" name="Header Placeholder 1"/>
+          <p:cNvSpPr>
+            <a:spLocks noGrp="1"/>
+          </p:cNvSpPr>
+          <p:nvPr>
+            <p:ph type="hdr" sz="quarter"/>
+          </p:nvPr>
+        </p:nvSpPr>
+        <p:spPr>
+          <a:xfrm>
+            <a:off x="0" y="0"/>
+            <a:ext cx="2971800" cy="457200"/>
+          </a:xfrm>
+          <a:prstGeom prst="rect">
+            <a:avLst/>
+          </a:prstGeom>
+        </p:spPr>
+        <p:txBody>
+          <a:bodyPr vert="horz" lIns="91440" tIns="45720" rIns="91440" bIns="45720" rtlCol="0"/>
+          <a:lstStyle>
+            <a:lvl1pPr algn="l">
+              <a:defRPr sz="1200"/>
+            </a:lvl1pPr>
+          </a:lstStyle>
+          <a:p>
+            <a:endParaRPr lang="en-US"/>
+          </a:p>
+        </p:txBody>
+      </p:sp>
+      <p:sp>
+        <p:nvSpPr>
+          <p:cNvPr id="3" name="Date Placeholder 2"/>
+          <p:cNvSpPr>
+            <a:spLocks noGrp="1"/>
+          </p:cNvSpPr>
+          <p:nvPr>
+            <p:ph type="dt" idx="1"/>
+          </p:nvPr>
+        </p:nvSpPr>
+        <p:spPr>
+          <a:xfrm>
+            <a:off x="3884613" y="0"/>
+            <a:ext cx="2971800" cy="457200"/>
+          </a:xfrm>
+          <a:prstGeom prst="rect">
+            <a:avLst/>
+          </a:prstGeom>
+        </p:spPr>
+        <p:txBody>
+          <a:bodyPr vert="horz" lIns="91440" tIns="45720" rIns="91440" bIns="45720" rtlCol="0"/>
+          <a:lstStyle>
+            <a:lvl1pPr algn="r">
+              <a:defRPr sz="1200"/>
+            </a:lvl1pPr>
+          </a:lstStyle>
+          <a:p>
+            <a:fld id="{ECB03A7B-E1AF-4D30-A0B4-25BD99B9AC12}" type="datetimeFigureOut">
+              <a:rPr lang="en-US" smtClean="0"/>
+              <a:t>6/17/2015</a:t>
+            </a:fld>
+            <a:endParaRPr lang="en-US"/>
+          </a:p>
+        </p:txBody>
+      </p:sp>
+      <p:sp>
+        <p:nvSpPr>
+          <p:cNvPr id="4" name="Slide Image Placeholder 3"/>
+          <p:cNvSpPr>
+            <a:spLocks noGrp="1" noRot="1" noChangeAspect="1"/>
+          </p:cNvSpPr>
+          <p:nvPr>
+            <p:ph type="sldImg" idx="2"/>
+          </p:nvPr>
+        </p:nvSpPr>
+        <p:spPr>
+          <a:xfrm>
+            <a:off x="1143000" y="685800"/>
+            <a:ext cx="4572000" cy="3429000"/>
+          </a:xfrm>
+          <a:prstGeom prst="rect">
+            <a:avLst/>
+          </a:prstGeom>
+          <a:noFill/>
+          <a:ln w="12700">
+            <a:solidFill>
+              <a:prstClr val="black"/>
+            </a:solidFill>
+          </a:ln>
+        </p:spPr>
+        <p:txBody>
+          <a:bodyPr vert="horz" lIns="91440" tIns="45720" rIns="91440" bIns="45720" rtlCol="0" anchor="ctr"/>
+          <a:lstStyle/>
+          <a:p>
+            <a:endParaRPr lang="en-US"/>
+          </a:p>
+        </p:txBody>
+      </p:sp>
+      <p:sp>
+        <p:nvSpPr>
+          <p:cNvPr id="5" name="Notes Placeholder 4"/>
+          <p:cNvSpPr>
+            <a:spLocks noGrp="1"/>
+          </p:cNvSpPr>
+          <p:nvPr>
+            <p:ph type="body" sz="quarter" idx="3"/>
+          </p:nvPr>
+        </p:nvSpPr>
+        <p:spPr>
+          <a:xfrm>
+            <a:off x="685800" y="4343400"/>
+            <a:ext cx="5486400" cy="4114800"/>
+          </a:xfrm>
+          <a:prstGeom prst="rect">
+            <a:avLst/>
+          </a:prstGeom>
+        </p:spPr>
+        <p:txBody>
+          <a:bodyPr vert="horz" lIns="91440" tIns="45720" rIns="91440" bIns="45720" rtlCol="0"/>
+          <a:lstStyle/>
+          <a:p>
+            <a:pPr lvl="0"/>
+            <a:r>
+              <a:rPr lang="en-US" smtClean="0"/>
+              <a:t>Click to edit Master text styles</a:t>
+            </a:r>
+          </a:p>
+          <a:p>
+            <a:pPr lvl="1"/>
+            <a:r>
+              <a:rPr lang="en-US" smtClean="0"/>
+              <a:t>Second level</a:t>
+            </a:r>
+          </a:p>
+          <a:p>
+            <a:pPr lvl="2"/>
+            <a:r>
+              <a:rPr lang="en-US" smtClean="0"/>
+              <a:t>Third level</a:t>
+            </a:r>
+          </a:p>
+          <a:p>
+            <a:pPr lvl="3"/>
+            <a:r>
+              <a:rPr lang="en-US" smtClean="0"/>
+              <a:t>Fourth level</a:t>
+            </a:r>
+          </a:p>
+          <a:p>
+            <a:pPr lvl="4"/>
+            <a:r>
+              <a:rPr lang="en-US" smtClean="0"/>
+              <a:t>Fifth level</a:t>
+            </a:r>
+            <a:endParaRPr lang="en-US"/>
+          </a:p>
+        </p:txBody>
+      </p:sp>
+      <p:sp>
+        <p:nvSpPr>
+          <p:cNvPr id="6" name="Footer Placeholder 5"/>
+          <p:cNvSpPr>
+            <a:spLocks noGrp="1"/>
+          </p:cNvSpPr>
+          <p:nvPr>
+            <p:ph type="ftr" sz="quarter" idx="4"/>
+          </p:nvPr>
+        </p:nvSpPr>
+        <p:spPr>
+          <a:xfrm>
+            <a:off x="0" y="8685213"/>
+            <a:ext cx="2971800" cy="457200"/>
+          </a:xfrm>
+          <a:prstGeom prst="rect">
+            <a:avLst/>
+          </a:prstGeom>
+        </p:spPr>
+        <p:txBody>
+          <a:bodyPr vert="horz" lIns="91440" tIns="45720" rIns="91440" bIns="45720" rtlCol="0" anchor="b"/>
+          <a:lstStyle>
+            <a:lvl1pPr algn="l">
+              <a:defRPr sz="1200"/>
+            </a:lvl1pPr>
+          </a:lstStyle>
+          <a:p>
+            <a:endParaRPr lang="en-US"/>
+          </a:p>
+        </p:txBody>
+      </p:sp>
+      <p:sp>
+        <p:nvSpPr>
+          <p:cNvPr id="7" name="Slide Number Placeholder 6"/>
+          <p:cNvSpPr>
+            <a:spLocks noGrp="1"/>
+          </p:cNvSpPr>
+          <p:nvPr>
+            <p:ph type="sldNum" sz="quarter" idx="5"/>
+          </p:nvPr>
+        </p:nvSpPr>
+        <p:spPr>
+          <a:xfrm>
+            <a:off x="3884613" y="8685213"/>
+            <a:ext cx="2971800" cy="457200"/>
+          </a:xfrm>
+          <a:prstGeom prst="rect">
+            <a:avLst/>
+          </a:prstGeom>
+        </p:spPr>
+        <p:txBody>
+          <a:bodyPr vert="horz" lIns="91440" tIns="45720" rIns="91440" bIns="45720" rtlCol="0" anchor="b"/>
+          <a:lstStyle>
+            <a:lvl1pPr algn="r">
+              <a:defRPr sz="1200"/>
+            </a:lvl1pPr>
+          </a:lstStyle>
+          <a:p>
+            <a:fld id="{D91B34AF-DFC3-47C6-893A-07AE93C6324A}" type="slidenum">
+              <a:rPr lang="en-US" smtClean="0"/>
+              <a:t>‹#›</a:t>
+            </a:fld>
+            <a:endParaRPr lang="en-US"/>
+          </a:p>
+        </p:txBody>
+      </p:sp>
+    </p:spTree>
+    <p:extLst>
+      <p:ext uri="{BB962C8B-B14F-4D97-AF65-F5344CB8AC3E}">
+        <p14:creationId xmlns:p14="http://schemas.microsoft.com/office/powerpoint/2010/main" val="3483930045"/>
+      </p:ext>
+    </p:extLst>
+  </p:cSld>
+  <p:clrMap bg1="lt1" tx1="dk1" bg2="lt2" tx2="dk2" accent1="accent1" accent2="accent2" accent3="accent3" accent4="accent4" accent5="accent5" accent6="accent6" hlink="hlink" folHlink="folHlink"/>
+  <p:notesStyle>
+    <a:lvl1pPr marL="0" algn="l" defTabSz="914400" rtl="0" eaLnBrk="1" latinLnBrk="0" hangingPunct="1">
+      <a:defRPr sz="1200" kern="1200">
+        <a:solidFill>
+          <a:schemeClr val="tx1"/>
+        </a:solidFill>
+        <a:latin typeface="+mn-lt"/>
+        <a:ea typeface="+mn-ea"/>
+        <a:cs typeface="+mn-cs"/>
+      </a:defRPr>
+    </a:lvl1pPr>
+    <a:lvl2pPr marL="457200" algn="l" defTabSz="914400" rtl="0" eaLnBrk="1" latinLnBrk="0" hangingPunct="1">
+      <a:defRPr sz="1200" kern="1200">
+        <a:solidFill>
+          <a:schemeClr val="tx1"/>
+        </a:solidFill>
+        <a:latin typeface="+mn-lt"/>
+        <a:ea typeface="+mn-ea"/>
+        <a:cs typeface="+mn-cs"/>
+      </a:defRPr>
+    </a:lvl2pPr>
+    <a:lvl3pPr marL="914400" algn="l" defTabSz="914400" rtl="0" eaLnBrk="1" latinLnBrk="0" hangingPunct="1">
+      <a:defRPr sz="1200" kern="1200">
+        <a:solidFill>
+          <a:schemeClr val="tx1"/>
+        </a:solidFill>
+        <a:latin typeface="+mn-lt"/>
+        <a:ea typeface="+mn-ea"/>
+        <a:cs typeface="+mn-cs"/>
+      </a:defRPr>
+    </a:lvl3pPr>
+    <a:lvl4pPr marL="1371600" algn="l" defTabSz="914400" rtl="0" eaLnBrk="1" latinLnBrk="0" hangingPunct="1">
+      <a:defRPr sz="1200" kern="1200">
+        <a:solidFill>
+          <a:schemeClr val="tx1"/>
+        </a:solidFill>
+        <a:latin typeface="+mn-lt"/>
+        <a:ea typeface="+mn-ea"/>
+        <a:cs typeface="+mn-cs"/>
+      </a:defRPr>
+    </a:lvl4pPr>
+    <a:lvl5pPr marL="1828800" algn="l" defTabSz="914400" rtl="0" eaLnBrk="1" latinLnBrk="0" hangingPunct="1">
+      <a:defRPr sz="1200" kern="1200">
+        <a:solidFill>
+          <a:schemeClr val="tx1"/>
+        </a:solidFill>
+        <a:latin typeface="+mn-lt"/>
+        <a:ea typeface="+mn-ea"/>
+        <a:cs typeface="+mn-cs"/>
+      </a:defRPr>
+    </a:lvl5pPr>
+    <a:lvl6pPr marL="2286000" algn="l" defTabSz="914400" rtl="0" eaLnBrk="1" latinLnBrk="0" hangingPunct="1">
+      <a:defRPr sz="1200" kern="1200">
+        <a:solidFill>
+          <a:schemeClr val="tx1"/>
+        </a:solidFill>
+        <a:latin typeface="+mn-lt"/>
+        <a:ea typeface="+mn-ea"/>
+        <a:cs typeface="+mn-cs"/>
+      </a:defRPr>
+    </a:lvl6pPr>
+    <a:lvl7pPr marL="2743200" algn="l" defTabSz="914400" rtl="0" eaLnBrk="1" latinLnBrk="0" hangingPunct="1">
+      <a:defRPr sz="1200" kern="1200">
+        <a:solidFill>
+          <a:schemeClr val="tx1"/>
+        </a:solidFill>
+        <a:latin typeface="+mn-lt"/>
+        <a:ea typeface="+mn-ea"/>
+        <a:cs typeface="+mn-cs"/>
+      </a:defRPr>
+    </a:lvl7pPr>
+    <a:lvl8pPr marL="3200400" algn="l" defTabSz="914400" rtl="0" eaLnBrk="1" latinLnBrk="0" hangingPunct="1">
+      <a:defRPr sz="1200" kern="1200">
+        <a:solidFill>
+          <a:schemeClr val="tx1"/>
+        </a:solidFill>
+        <a:latin typeface="+mn-lt"/>
+        <a:ea typeface="+mn-ea"/>
+        <a:cs typeface="+mn-cs"/>
+      </a:defRPr>
+    </a:lvl8pPr>
+    <a:lvl9pPr marL="3657600" algn="l" defTabSz="914400" rtl="0" eaLnBrk="1" latinLnBrk="0" hangingPunct="1">
+      <a:defRPr sz="1200" kern="1200">
+        <a:solidFill>
+          <a:schemeClr val="tx1"/>
+        </a:solidFill>
+        <a:latin typeface="+mn-lt"/>
+        <a:ea typeface="+mn-ea"/>
+        <a:cs typeface="+mn-cs"/>
+      </a:defRPr>
+    </a:lvl9pPr>
+  </p:notesStyle>
+</p:notesMaster>
+</file>
+
+<file path=ppt/notesSlides/notesSlide1.xml><?xml version="1.0" encoding="utf-8"?>
+<p:notes xmlns:a="http://schemas.openxmlformats.org/drawingml/2006/main" xmlns:r="http://schemas.openxmlformats.org/officeDocument/2006/relationships" xmlns:p="http://schemas.openxmlformats.org/presentationml/2006/main">
+  <p:cSld>
+    <p:spTree>
+      <p:nvGrpSpPr>
+        <p:cNvPr id="1" name=""/>
+        <p:cNvGrpSpPr/>
+        <p:nvPr/>
+      </p:nvGrpSpPr>
+      <p:grpSpPr>
+        <a:xfrm>
+          <a:off x="0" y="0"/>
+          <a:ext cx="0" cy="0"/>
+          <a:chOff x="0" y="0"/>
+          <a:chExt cx="0" cy="0"/>
+        </a:xfrm>
+      </p:grpSpPr>
+      <p:sp>
+        <p:nvSpPr>
+          <p:cNvPr id="2" name="Slide Image Placeholder 1"/>
+          <p:cNvSpPr>
+            <a:spLocks noGrp="1" noRot="1" noChangeAspect="1"/>
+          </p:cNvSpPr>
+          <p:nvPr>
+            <p:ph type="sldImg"/>
+          </p:nvPr>
+        </p:nvSpPr>
+        <p:spPr/>
+      </p:sp>
+      <p:sp>
+        <p:nvSpPr>
+          <p:cNvPr id="3" name="Notes Placeholder 2"/>
+          <p:cNvSpPr>
+            <a:spLocks noGrp="1"/>
+          </p:cNvSpPr>
+          <p:nvPr>
+            <p:ph type="body" idx="1"/>
+          </p:nvPr>
+        </p:nvSpPr>
+        <p:spPr/>
+        <p:txBody>
+          <a:bodyPr/>
+          <a:lstStyle/>
+          <a:p>
+            <a:r>
+              <a:rPr lang="en-US" dirty="0" smtClean="0"/>
+              <a:t>I found commitment as an essential issue in collaborative activities.</a:t>
+            </a:r>
+            <a:endParaRPr lang="en-US" dirty="0"/>
+          </a:p>
+        </p:txBody>
+      </p:sp>
+      <p:sp>
+        <p:nvSpPr>
+          <p:cNvPr id="4" name="Slide Number Placeholder 3"/>
+          <p:cNvSpPr>
+            <a:spLocks noGrp="1"/>
+          </p:cNvSpPr>
+          <p:nvPr>
+            <p:ph type="sldNum" sz="quarter" idx="10"/>
+          </p:nvPr>
+        </p:nvSpPr>
+        <p:spPr/>
+        <p:txBody>
+          <a:bodyPr/>
+          <a:lstStyle/>
+          <a:p>
+            <a:fld id="{D91B34AF-DFC3-47C6-893A-07AE93C6324A}" type="slidenum">
+              <a:rPr lang="en-US" smtClean="0"/>
+              <a:t>10</a:t>
+            </a:fld>
+            <a:endParaRPr lang="en-US"/>
+          </a:p>
+        </p:txBody>
+      </p:sp>
+    </p:spTree>
+    <p:extLst>
+      <p:ext uri="{BB962C8B-B14F-4D97-AF65-F5344CB8AC3E}">
+        <p14:creationId xmlns:p14="http://schemas.microsoft.com/office/powerpoint/2010/main" val="1845102120"/>
+      </p:ext>
+    </p:extLst>
+  </p:cSld>
+  <p:clrMapOvr>
+    <a:masterClrMapping/>
+  </p:clrMapOvr>
+</p:notes>
+</file>
+
+<file path=ppt/notesSlides/notesSlide2.xml><?xml version="1.0" encoding="utf-8"?>
+<p:notes xmlns:a="http://schemas.openxmlformats.org/drawingml/2006/main" xmlns:r="http://schemas.openxmlformats.org/officeDocument/2006/relationships" xmlns:p="http://schemas.openxmlformats.org/presentationml/2006/main">
+  <p:cSld>
+    <p:spTree>
+      <p:nvGrpSpPr>
+        <p:cNvPr id="1" name=""/>
+        <p:cNvGrpSpPr/>
+        <p:nvPr/>
+      </p:nvGrpSpPr>
+      <p:grpSpPr>
+        <a:xfrm>
+          <a:off x="0" y="0"/>
+          <a:ext cx="0" cy="0"/>
+          <a:chOff x="0" y="0"/>
+          <a:chExt cx="0" cy="0"/>
+        </a:xfrm>
+      </p:grpSpPr>
+      <p:sp>
+        <p:nvSpPr>
+          <p:cNvPr id="2" name="Slide Image Placeholder 1"/>
+          <p:cNvSpPr>
+            <a:spLocks noGrp="1" noRot="1" noChangeAspect="1"/>
+          </p:cNvSpPr>
+          <p:nvPr>
+            <p:ph type="sldImg"/>
+          </p:nvPr>
+        </p:nvSpPr>
+        <p:spPr/>
+      </p:sp>
+      <p:sp>
+        <p:nvSpPr>
+          <p:cNvPr id="3" name="Notes Placeholder 2"/>
+          <p:cNvSpPr>
+            <a:spLocks noGrp="1"/>
+          </p:cNvSpPr>
+          <p:nvPr>
+            <p:ph type="body" idx="1"/>
+          </p:nvPr>
+        </p:nvSpPr>
+        <p:spPr/>
+        <p:txBody>
+          <a:bodyPr/>
+          <a:lstStyle/>
+          <a:p>
+            <a:r>
+              <a:rPr lang="en-US" dirty="0" smtClean="0"/>
+              <a:t>I found commitment as an essential issue in collaborative activities.</a:t>
+            </a:r>
+            <a:endParaRPr lang="en-US" dirty="0"/>
+          </a:p>
+        </p:txBody>
+      </p:sp>
+      <p:sp>
+        <p:nvSpPr>
+          <p:cNvPr id="4" name="Slide Number Placeholder 3"/>
+          <p:cNvSpPr>
+            <a:spLocks noGrp="1"/>
+          </p:cNvSpPr>
+          <p:nvPr>
+            <p:ph type="sldNum" sz="quarter" idx="10"/>
+          </p:nvPr>
+        </p:nvSpPr>
+        <p:spPr/>
+        <p:txBody>
+          <a:bodyPr/>
+          <a:lstStyle/>
+          <a:p>
+            <a:fld id="{D91B34AF-DFC3-47C6-893A-07AE93C6324A}" type="slidenum">
+              <a:rPr lang="en-US" smtClean="0"/>
+              <a:t>11</a:t>
+            </a:fld>
+            <a:endParaRPr lang="en-US"/>
+          </a:p>
+        </p:txBody>
+      </p:sp>
+    </p:spTree>
+    <p:extLst>
+      <p:ext uri="{BB962C8B-B14F-4D97-AF65-F5344CB8AC3E}">
+        <p14:creationId xmlns:p14="http://schemas.microsoft.com/office/powerpoint/2010/main" val="1845102120"/>
+      </p:ext>
+    </p:extLst>
+  </p:cSld>
+  <p:clrMapOvr>
+    <a:masterClrMapping/>
+  </p:clrMapOvr>
+</p:notes>
+</file>
+
+<file path=ppt/notesSlides/notesSlide3.xml><?xml version="1.0" encoding="utf-8"?>
+<p:notes xmlns:a="http://schemas.openxmlformats.org/drawingml/2006/main" xmlns:r="http://schemas.openxmlformats.org/officeDocument/2006/relationships" xmlns:p="http://schemas.openxmlformats.org/presentationml/2006/main">
+  <p:cSld>
+    <p:spTree>
+      <p:nvGrpSpPr>
+        <p:cNvPr id="1" name=""/>
+        <p:cNvGrpSpPr/>
+        <p:nvPr/>
+      </p:nvGrpSpPr>
+      <p:grpSpPr>
+        <a:xfrm>
+          <a:off x="0" y="0"/>
+          <a:ext cx="0" cy="0"/>
+          <a:chOff x="0" y="0"/>
+          <a:chExt cx="0" cy="0"/>
+        </a:xfrm>
+      </p:grpSpPr>
+      <p:sp>
+        <p:nvSpPr>
+          <p:cNvPr id="2" name="Slide Image Placeholder 1"/>
+          <p:cNvSpPr>
+            <a:spLocks noGrp="1" noRot="1" noChangeAspect="1"/>
+          </p:cNvSpPr>
+          <p:nvPr>
+            <p:ph type="sldImg"/>
+          </p:nvPr>
+        </p:nvSpPr>
+        <p:spPr/>
+      </p:sp>
+      <p:sp>
+        <p:nvSpPr>
+          <p:cNvPr id="3" name="Notes Placeholder 2"/>
+          <p:cNvSpPr>
+            <a:spLocks noGrp="1"/>
+          </p:cNvSpPr>
+          <p:nvPr>
+            <p:ph type="body" idx="1"/>
+          </p:nvPr>
+        </p:nvSpPr>
+        <p:spPr/>
+        <p:txBody>
+          <a:bodyPr/>
+          <a:lstStyle/>
+          <a:p>
+            <a:r>
+              <a:rPr lang="en-US" dirty="0" smtClean="0"/>
+              <a:t>I found commitment as an essential issue in collaborative activities.</a:t>
+            </a:r>
+            <a:endParaRPr lang="en-US" dirty="0"/>
+          </a:p>
+        </p:txBody>
+      </p:sp>
+      <p:sp>
+        <p:nvSpPr>
+          <p:cNvPr id="4" name="Slide Number Placeholder 3"/>
+          <p:cNvSpPr>
+            <a:spLocks noGrp="1"/>
+          </p:cNvSpPr>
+          <p:nvPr>
+            <p:ph type="sldNum" sz="quarter" idx="10"/>
+          </p:nvPr>
+        </p:nvSpPr>
+        <p:spPr/>
+        <p:txBody>
+          <a:bodyPr/>
+          <a:lstStyle/>
+          <a:p>
+            <a:fld id="{D91B34AF-DFC3-47C6-893A-07AE93C6324A}" type="slidenum">
+              <a:rPr lang="en-US" smtClean="0"/>
+              <a:t>12</a:t>
+            </a:fld>
+            <a:endParaRPr lang="en-US"/>
+          </a:p>
+        </p:txBody>
+      </p:sp>
+    </p:spTree>
+    <p:extLst>
+      <p:ext uri="{BB962C8B-B14F-4D97-AF65-F5344CB8AC3E}">
+        <p14:creationId xmlns:p14="http://schemas.microsoft.com/office/powerpoint/2010/main" val="1845102120"/>
+      </p:ext>
+    </p:extLst>
+  </p:cSld>
+  <p:clrMapOvr>
+    <a:masterClrMapping/>
+  </p:clrMapOvr>
+</p:notes>
+</file>
+
+<file path=ppt/notesSlides/notesSlide4.xml><?xml version="1.0" encoding="utf-8"?>
+<p:notes xmlns:a="http://schemas.openxmlformats.org/drawingml/2006/main" xmlns:r="http://schemas.openxmlformats.org/officeDocument/2006/relationships" xmlns:p="http://schemas.openxmlformats.org/presentationml/2006/main">
+  <p:cSld>
+    <p:spTree>
+      <p:nvGrpSpPr>
+        <p:cNvPr id="1" name=""/>
+        <p:cNvGrpSpPr/>
+        <p:nvPr/>
+      </p:nvGrpSpPr>
+      <p:grpSpPr>
+        <a:xfrm>
+          <a:off x="0" y="0"/>
+          <a:ext cx="0" cy="0"/>
+          <a:chOff x="0" y="0"/>
+          <a:chExt cx="0" cy="0"/>
+        </a:xfrm>
+      </p:grpSpPr>
+      <p:sp>
+        <p:nvSpPr>
+          <p:cNvPr id="2" name="Slide Image Placeholder 1"/>
+          <p:cNvSpPr>
+            <a:spLocks noGrp="1" noRot="1" noChangeAspect="1"/>
+          </p:cNvSpPr>
+          <p:nvPr>
+            <p:ph type="sldImg"/>
+          </p:nvPr>
+        </p:nvSpPr>
+        <p:spPr/>
+      </p:sp>
+      <p:sp>
+        <p:nvSpPr>
+          <p:cNvPr id="3" name="Notes Placeholder 2"/>
+          <p:cNvSpPr>
+            <a:spLocks noGrp="1"/>
+          </p:cNvSpPr>
+          <p:nvPr>
+            <p:ph type="body" idx="1"/>
+          </p:nvPr>
+        </p:nvSpPr>
+        <p:spPr/>
+        <p:txBody>
+          <a:bodyPr/>
+          <a:lstStyle/>
+          <a:p>
+            <a:r>
+              <a:rPr lang="en-US" dirty="0" smtClean="0"/>
+              <a:t>I found commitment as an essential issue in collaborative activities.</a:t>
+            </a:r>
+            <a:endParaRPr lang="en-US" dirty="0"/>
+          </a:p>
+        </p:txBody>
+      </p:sp>
+      <p:sp>
+        <p:nvSpPr>
+          <p:cNvPr id="4" name="Slide Number Placeholder 3"/>
+          <p:cNvSpPr>
+            <a:spLocks noGrp="1"/>
+          </p:cNvSpPr>
+          <p:nvPr>
+            <p:ph type="sldNum" sz="quarter" idx="10"/>
+          </p:nvPr>
+        </p:nvSpPr>
+        <p:spPr/>
+        <p:txBody>
+          <a:bodyPr/>
+          <a:lstStyle/>
+          <a:p>
+            <a:fld id="{D91B34AF-DFC3-47C6-893A-07AE93C6324A}" type="slidenum">
+              <a:rPr lang="en-US" smtClean="0"/>
+              <a:t>13</a:t>
+            </a:fld>
+            <a:endParaRPr lang="en-US"/>
+          </a:p>
+        </p:txBody>
+      </p:sp>
+    </p:spTree>
+    <p:extLst>
+      <p:ext uri="{BB962C8B-B14F-4D97-AF65-F5344CB8AC3E}">
+        <p14:creationId xmlns:p14="http://schemas.microsoft.com/office/powerpoint/2010/main" val="1845102120"/>
+      </p:ext>
+    </p:extLst>
+  </p:cSld>
+  <p:clrMapOvr>
+    <a:masterClrMapping/>
+  </p:clrMapOvr>
+</p:notes>
 </file>
 
 <file path=ppt/slideLayouts/slideLayout1.xml><?xml version="1.0" encoding="utf-8"?>
@@ -3544,7 +4260,7 @@
 </p:sld>
 </file>
 
-<file path=ppt/slides/slide2.xml><?xml version="1.0" encoding="utf-8"?>
+<file path=ppt/slides/slide10.xml><?xml version="1.0" encoding="utf-8"?>
 <p:sld xmlns:a="http://schemas.openxmlformats.org/drawingml/2006/main" xmlns:r="http://schemas.openxmlformats.org/officeDocument/2006/relationships" xmlns:p="http://schemas.openxmlformats.org/presentationml/2006/main">
   <p:cSld>
     <p:spTree>
@@ -3563,56 +4279,1210 @@
       </p:grpSpPr>
       <p:sp>
         <p:nvSpPr>
-          <p:cNvPr id="2" name="Title 1"/>
-          <p:cNvSpPr>
-            <a:spLocks noGrp="1"/>
-          </p:cNvSpPr>
-          <p:nvPr>
-            <p:ph type="ctrTitle"/>
-          </p:nvPr>
-        </p:nvSpPr>
-        <p:spPr/>
-        <p:txBody>
-          <a:bodyPr/>
-          <a:lstStyle/>
-          <a:p>
-            <a:endParaRPr lang="en-US"/>
-          </a:p>
-        </p:txBody>
-      </p:sp>
-      <p:sp>
-        <p:nvSpPr>
-          <p:cNvPr id="3" name="Subtitle 2"/>
-          <p:cNvSpPr>
-            <a:spLocks noGrp="1"/>
-          </p:cNvSpPr>
-          <p:nvPr>
-            <p:ph type="subTitle" idx="1"/>
-          </p:nvPr>
-        </p:nvSpPr>
-        <p:spPr/>
-        <p:txBody>
-          <a:bodyPr/>
-          <a:lstStyle/>
-          <a:p>
-            <a:endParaRPr lang="en-US"/>
+          <p:cNvPr id="5" name="Content Placeholder 2"/>
+          <p:cNvSpPr txBox="1">
+            <a:spLocks/>
+          </p:cNvSpPr>
+          <p:nvPr/>
+        </p:nvSpPr>
+        <p:spPr>
+          <a:xfrm>
+            <a:off x="457199" y="1219201"/>
+            <a:ext cx="8206611" cy="5181599"/>
+          </a:xfrm>
+          <a:prstGeom prst="rect">
+            <a:avLst/>
+          </a:prstGeom>
+        </p:spPr>
+        <p:txBody>
+          <a:bodyPr vert="horz" lIns="91440" tIns="45720" rIns="91440" bIns="45720" rtlCol="0">
+            <a:normAutofit/>
+          </a:bodyPr>
+          <a:lstStyle>
+            <a:lvl1pPr marL="342900" indent="-342900" algn="l" defTabSz="914400" rtl="0" eaLnBrk="1" latinLnBrk="0" hangingPunct="1">
+              <a:spcBef>
+                <a:spcPct val="20000"/>
+              </a:spcBef>
+              <a:buFont typeface="Arial" panose="020B0604020202020204" pitchFamily="34" charset="0"/>
+              <a:buChar char="•"/>
+              <a:defRPr sz="3200" kern="1200">
+                <a:solidFill>
+                  <a:schemeClr val="tx1"/>
+                </a:solidFill>
+                <a:latin typeface="+mn-lt"/>
+                <a:ea typeface="+mn-ea"/>
+                <a:cs typeface="+mn-cs"/>
+              </a:defRPr>
+            </a:lvl1pPr>
+            <a:lvl2pPr marL="742950" indent="-285750" algn="l" defTabSz="914400" rtl="0" eaLnBrk="1" latinLnBrk="0" hangingPunct="1">
+              <a:spcBef>
+                <a:spcPct val="20000"/>
+              </a:spcBef>
+              <a:buFont typeface="Arial" panose="020B0604020202020204" pitchFamily="34" charset="0"/>
+              <a:buChar char="–"/>
+              <a:defRPr sz="2800" kern="1200">
+                <a:solidFill>
+                  <a:schemeClr val="tx1"/>
+                </a:solidFill>
+                <a:latin typeface="+mn-lt"/>
+                <a:ea typeface="+mn-ea"/>
+                <a:cs typeface="+mn-cs"/>
+              </a:defRPr>
+            </a:lvl2pPr>
+            <a:lvl3pPr marL="1143000" indent="-228600" algn="l" defTabSz="914400" rtl="0" eaLnBrk="1" latinLnBrk="0" hangingPunct="1">
+              <a:spcBef>
+                <a:spcPct val="20000"/>
+              </a:spcBef>
+              <a:buFont typeface="Arial" panose="020B0604020202020204" pitchFamily="34" charset="0"/>
+              <a:buChar char="•"/>
+              <a:defRPr sz="2400" kern="1200">
+                <a:solidFill>
+                  <a:schemeClr val="tx1"/>
+                </a:solidFill>
+                <a:latin typeface="+mn-lt"/>
+                <a:ea typeface="+mn-ea"/>
+                <a:cs typeface="+mn-cs"/>
+              </a:defRPr>
+            </a:lvl3pPr>
+            <a:lvl4pPr marL="1600200" indent="-228600" algn="l" defTabSz="914400" rtl="0" eaLnBrk="1" latinLnBrk="0" hangingPunct="1">
+              <a:spcBef>
+                <a:spcPct val="20000"/>
+              </a:spcBef>
+              <a:buFont typeface="Arial" panose="020B0604020202020204" pitchFamily="34" charset="0"/>
+              <a:buChar char="–"/>
+              <a:defRPr sz="2000" kern="1200">
+                <a:solidFill>
+                  <a:schemeClr val="tx1"/>
+                </a:solidFill>
+                <a:latin typeface="+mn-lt"/>
+                <a:ea typeface="+mn-ea"/>
+                <a:cs typeface="+mn-cs"/>
+              </a:defRPr>
+            </a:lvl4pPr>
+            <a:lvl5pPr marL="2057400" indent="-228600" algn="l" defTabSz="914400" rtl="0" eaLnBrk="1" latinLnBrk="0" hangingPunct="1">
+              <a:spcBef>
+                <a:spcPct val="20000"/>
+              </a:spcBef>
+              <a:buFont typeface="Arial" panose="020B0604020202020204" pitchFamily="34" charset="0"/>
+              <a:buChar char="»"/>
+              <a:defRPr sz="2000" kern="1200">
+                <a:solidFill>
+                  <a:schemeClr val="tx1"/>
+                </a:solidFill>
+                <a:latin typeface="+mn-lt"/>
+                <a:ea typeface="+mn-ea"/>
+                <a:cs typeface="+mn-cs"/>
+              </a:defRPr>
+            </a:lvl5pPr>
+            <a:lvl6pPr marL="2514600" indent="-228600" algn="l" defTabSz="914400" rtl="0" eaLnBrk="1" latinLnBrk="0" hangingPunct="1">
+              <a:spcBef>
+                <a:spcPct val="20000"/>
+              </a:spcBef>
+              <a:buFont typeface="Arial" panose="020B0604020202020204" pitchFamily="34" charset="0"/>
+              <a:buChar char="•"/>
+              <a:defRPr sz="2000" kern="1200">
+                <a:solidFill>
+                  <a:schemeClr val="tx1"/>
+                </a:solidFill>
+                <a:latin typeface="+mn-lt"/>
+                <a:ea typeface="+mn-ea"/>
+                <a:cs typeface="+mn-cs"/>
+              </a:defRPr>
+            </a:lvl6pPr>
+            <a:lvl7pPr marL="2971800" indent="-228600" algn="l" defTabSz="914400" rtl="0" eaLnBrk="1" latinLnBrk="0" hangingPunct="1">
+              <a:spcBef>
+                <a:spcPct val="20000"/>
+              </a:spcBef>
+              <a:buFont typeface="Arial" panose="020B0604020202020204" pitchFamily="34" charset="0"/>
+              <a:buChar char="•"/>
+              <a:defRPr sz="2000" kern="1200">
+                <a:solidFill>
+                  <a:schemeClr val="tx1"/>
+                </a:solidFill>
+                <a:latin typeface="+mn-lt"/>
+                <a:ea typeface="+mn-ea"/>
+                <a:cs typeface="+mn-cs"/>
+              </a:defRPr>
+            </a:lvl7pPr>
+            <a:lvl8pPr marL="3429000" indent="-228600" algn="l" defTabSz="914400" rtl="0" eaLnBrk="1" latinLnBrk="0" hangingPunct="1">
+              <a:spcBef>
+                <a:spcPct val="20000"/>
+              </a:spcBef>
+              <a:buFont typeface="Arial" panose="020B0604020202020204" pitchFamily="34" charset="0"/>
+              <a:buChar char="•"/>
+              <a:defRPr sz="2000" kern="1200">
+                <a:solidFill>
+                  <a:schemeClr val="tx1"/>
+                </a:solidFill>
+                <a:latin typeface="+mn-lt"/>
+                <a:ea typeface="+mn-ea"/>
+                <a:cs typeface="+mn-cs"/>
+              </a:defRPr>
+            </a:lvl8pPr>
+            <a:lvl9pPr marL="3886200" indent="-228600" algn="l" defTabSz="914400" rtl="0" eaLnBrk="1" latinLnBrk="0" hangingPunct="1">
+              <a:spcBef>
+                <a:spcPct val="20000"/>
+              </a:spcBef>
+              <a:buFont typeface="Arial" panose="020B0604020202020204" pitchFamily="34" charset="0"/>
+              <a:buChar char="•"/>
+              <a:defRPr sz="2000" kern="1200">
+                <a:solidFill>
+                  <a:schemeClr val="tx1"/>
+                </a:solidFill>
+                <a:latin typeface="+mn-lt"/>
+                <a:ea typeface="+mn-ea"/>
+                <a:cs typeface="+mn-cs"/>
+              </a:defRPr>
+            </a:lvl9pPr>
+          </a:lstStyle>
+          <a:p>
+            <a:pPr marL="0" indent="0">
+              <a:buNone/>
+            </a:pPr>
+            <a:r>
+              <a:rPr lang="en-US" sz="2000" dirty="0" smtClean="0"/>
+              <a:t>Prominent collaboration theories are based on BDI paradigm (</a:t>
+            </a:r>
+            <a:r>
+              <a:rPr lang="en-US" sz="2000" dirty="0" err="1" smtClean="0"/>
+              <a:t>Bratman</a:t>
+            </a:r>
+            <a:r>
+              <a:rPr lang="en-US" sz="2000" dirty="0" smtClean="0"/>
+              <a:t>):</a:t>
+            </a:r>
+          </a:p>
+          <a:p>
+            <a:pPr marL="0" indent="0">
+              <a:buNone/>
+            </a:pPr>
+            <a:endParaRPr lang="en-US" sz="2000" dirty="0" smtClean="0"/>
+          </a:p>
+          <a:p>
+            <a:r>
+              <a:rPr lang="en-US" sz="2000" dirty="0" smtClean="0"/>
+              <a:t>SharedPlans (Grosz &amp; Sidner),</a:t>
+            </a:r>
+          </a:p>
+          <a:p>
+            <a:r>
+              <a:rPr lang="en-US" sz="2000" dirty="0" smtClean="0"/>
+              <a:t>Joint Intentions (Cohen &amp; Levesque)</a:t>
+            </a:r>
+            <a:endParaRPr lang="en-US" sz="2400" dirty="0" smtClean="0"/>
+          </a:p>
+          <a:p>
+            <a:endParaRPr lang="en-US" sz="2800" dirty="0"/>
+          </a:p>
+        </p:txBody>
+      </p:sp>
+      <p:sp>
+        <p:nvSpPr>
+          <p:cNvPr id="9" name="Title 1"/>
+          <p:cNvSpPr txBox="1">
+            <a:spLocks/>
+          </p:cNvSpPr>
+          <p:nvPr/>
+        </p:nvSpPr>
+        <p:spPr>
+          <a:xfrm>
+            <a:off x="457200" y="0"/>
+            <a:ext cx="8229600" cy="1143000"/>
+          </a:xfrm>
+          <a:prstGeom prst="rect">
+            <a:avLst/>
+          </a:prstGeom>
+        </p:spPr>
+        <p:txBody>
+          <a:bodyPr vert="horz" lIns="91440" tIns="45720" rIns="91440" bIns="45720" rtlCol="0" anchor="ctr">
+            <a:normAutofit/>
+          </a:bodyPr>
+          <a:lstStyle>
+            <a:lvl1pPr algn="ctr" defTabSz="914400" rtl="0" eaLnBrk="1" latinLnBrk="0" hangingPunct="1">
+              <a:spcBef>
+                <a:spcPct val="0"/>
+              </a:spcBef>
+              <a:buNone/>
+              <a:defRPr sz="4400" kern="1200">
+                <a:solidFill>
+                  <a:schemeClr val="tx1"/>
+                </a:solidFill>
+                <a:latin typeface="+mj-lt"/>
+                <a:ea typeface="+mj-ea"/>
+                <a:cs typeface="+mj-cs"/>
+              </a:defRPr>
+            </a:lvl1pPr>
+          </a:lstStyle>
+          <a:p>
+            <a:pPr algn="l"/>
+            <a:r>
+              <a:rPr lang="en-US" sz="2400" b="1" dirty="0" smtClean="0"/>
+              <a:t>Collaboration Theories</a:t>
+            </a:r>
+            <a:endParaRPr lang="en-US" sz="2400" b="1" dirty="0"/>
           </a:p>
         </p:txBody>
       </p:sp>
     </p:spTree>
     <p:extLst>
       <p:ext uri="{BB962C8B-B14F-4D97-AF65-F5344CB8AC3E}">
-        <p14:creationId xmlns:p14="http://schemas.microsoft.com/office/powerpoint/2010/main" val="3582610307"/>
+        <p14:creationId xmlns:p14="http://schemas.microsoft.com/office/powerpoint/2010/main" val="1739786129"/>
       </p:ext>
     </p:extLst>
   </p:cSld>
   <p:clrMapOvr>
     <a:masterClrMapping/>
   </p:clrMapOvr>
+  <p:timing>
+    <p:tnLst>
+      <p:par>
+        <p:cTn id="1" dur="indefinite" restart="never" nodeType="tmRoot"/>
+      </p:par>
+    </p:tnLst>
+  </p:timing>
 </p:sld>
 </file>
 
-<file path=ppt/slides/slide3.xml><?xml version="1.0" encoding="utf-8"?>
+<file path=ppt/slides/slide11.xml><?xml version="1.0" encoding="utf-8"?>
+<p:sld xmlns:a="http://schemas.openxmlformats.org/drawingml/2006/main" xmlns:r="http://schemas.openxmlformats.org/officeDocument/2006/relationships" xmlns:p="http://schemas.openxmlformats.org/presentationml/2006/main">
+  <p:cSld>
+    <p:spTree>
+      <p:nvGrpSpPr>
+        <p:cNvPr id="1" name=""/>
+        <p:cNvGrpSpPr/>
+        <p:nvPr/>
+      </p:nvGrpSpPr>
+      <p:grpSpPr>
+        <a:xfrm>
+          <a:off x="0" y="0"/>
+          <a:ext cx="0" cy="0"/>
+          <a:chOff x="0" y="0"/>
+          <a:chExt cx="0" cy="0"/>
+        </a:xfrm>
+      </p:grpSpPr>
+      <p:sp>
+        <p:nvSpPr>
+          <p:cNvPr id="5" name="Content Placeholder 2"/>
+          <p:cNvSpPr txBox="1">
+            <a:spLocks/>
+          </p:cNvSpPr>
+          <p:nvPr/>
+        </p:nvSpPr>
+        <p:spPr>
+          <a:xfrm>
+            <a:off x="457199" y="1219201"/>
+            <a:ext cx="8206611" cy="5181599"/>
+          </a:xfrm>
+          <a:prstGeom prst="rect">
+            <a:avLst/>
+          </a:prstGeom>
+        </p:spPr>
+        <p:txBody>
+          <a:bodyPr vert="horz" lIns="91440" tIns="45720" rIns="91440" bIns="45720" rtlCol="0">
+            <a:normAutofit/>
+          </a:bodyPr>
+          <a:lstStyle>
+            <a:lvl1pPr marL="342900" indent="-342900" algn="l" defTabSz="914400" rtl="0" eaLnBrk="1" latinLnBrk="0" hangingPunct="1">
+              <a:spcBef>
+                <a:spcPct val="20000"/>
+              </a:spcBef>
+              <a:buFont typeface="Arial" panose="020B0604020202020204" pitchFamily="34" charset="0"/>
+              <a:buChar char="•"/>
+              <a:defRPr sz="3200" kern="1200">
+                <a:solidFill>
+                  <a:schemeClr val="tx1"/>
+                </a:solidFill>
+                <a:latin typeface="+mn-lt"/>
+                <a:ea typeface="+mn-ea"/>
+                <a:cs typeface="+mn-cs"/>
+              </a:defRPr>
+            </a:lvl1pPr>
+            <a:lvl2pPr marL="742950" indent="-285750" algn="l" defTabSz="914400" rtl="0" eaLnBrk="1" latinLnBrk="0" hangingPunct="1">
+              <a:spcBef>
+                <a:spcPct val="20000"/>
+              </a:spcBef>
+              <a:buFont typeface="Arial" panose="020B0604020202020204" pitchFamily="34" charset="0"/>
+              <a:buChar char="–"/>
+              <a:defRPr sz="2800" kern="1200">
+                <a:solidFill>
+                  <a:schemeClr val="tx1"/>
+                </a:solidFill>
+                <a:latin typeface="+mn-lt"/>
+                <a:ea typeface="+mn-ea"/>
+                <a:cs typeface="+mn-cs"/>
+              </a:defRPr>
+            </a:lvl2pPr>
+            <a:lvl3pPr marL="1143000" indent="-228600" algn="l" defTabSz="914400" rtl="0" eaLnBrk="1" latinLnBrk="0" hangingPunct="1">
+              <a:spcBef>
+                <a:spcPct val="20000"/>
+              </a:spcBef>
+              <a:buFont typeface="Arial" panose="020B0604020202020204" pitchFamily="34" charset="0"/>
+              <a:buChar char="•"/>
+              <a:defRPr sz="2400" kern="1200">
+                <a:solidFill>
+                  <a:schemeClr val="tx1"/>
+                </a:solidFill>
+                <a:latin typeface="+mn-lt"/>
+                <a:ea typeface="+mn-ea"/>
+                <a:cs typeface="+mn-cs"/>
+              </a:defRPr>
+            </a:lvl3pPr>
+            <a:lvl4pPr marL="1600200" indent="-228600" algn="l" defTabSz="914400" rtl="0" eaLnBrk="1" latinLnBrk="0" hangingPunct="1">
+              <a:spcBef>
+                <a:spcPct val="20000"/>
+              </a:spcBef>
+              <a:buFont typeface="Arial" panose="020B0604020202020204" pitchFamily="34" charset="0"/>
+              <a:buChar char="–"/>
+              <a:defRPr sz="2000" kern="1200">
+                <a:solidFill>
+                  <a:schemeClr val="tx1"/>
+                </a:solidFill>
+                <a:latin typeface="+mn-lt"/>
+                <a:ea typeface="+mn-ea"/>
+                <a:cs typeface="+mn-cs"/>
+              </a:defRPr>
+            </a:lvl4pPr>
+            <a:lvl5pPr marL="2057400" indent="-228600" algn="l" defTabSz="914400" rtl="0" eaLnBrk="1" latinLnBrk="0" hangingPunct="1">
+              <a:spcBef>
+                <a:spcPct val="20000"/>
+              </a:spcBef>
+              <a:buFont typeface="Arial" panose="020B0604020202020204" pitchFamily="34" charset="0"/>
+              <a:buChar char="»"/>
+              <a:defRPr sz="2000" kern="1200">
+                <a:solidFill>
+                  <a:schemeClr val="tx1"/>
+                </a:solidFill>
+                <a:latin typeface="+mn-lt"/>
+                <a:ea typeface="+mn-ea"/>
+                <a:cs typeface="+mn-cs"/>
+              </a:defRPr>
+            </a:lvl5pPr>
+            <a:lvl6pPr marL="2514600" indent="-228600" algn="l" defTabSz="914400" rtl="0" eaLnBrk="1" latinLnBrk="0" hangingPunct="1">
+              <a:spcBef>
+                <a:spcPct val="20000"/>
+              </a:spcBef>
+              <a:buFont typeface="Arial" panose="020B0604020202020204" pitchFamily="34" charset="0"/>
+              <a:buChar char="•"/>
+              <a:defRPr sz="2000" kern="1200">
+                <a:solidFill>
+                  <a:schemeClr val="tx1"/>
+                </a:solidFill>
+                <a:latin typeface="+mn-lt"/>
+                <a:ea typeface="+mn-ea"/>
+                <a:cs typeface="+mn-cs"/>
+              </a:defRPr>
+            </a:lvl6pPr>
+            <a:lvl7pPr marL="2971800" indent="-228600" algn="l" defTabSz="914400" rtl="0" eaLnBrk="1" latinLnBrk="0" hangingPunct="1">
+              <a:spcBef>
+                <a:spcPct val="20000"/>
+              </a:spcBef>
+              <a:buFont typeface="Arial" panose="020B0604020202020204" pitchFamily="34" charset="0"/>
+              <a:buChar char="•"/>
+              <a:defRPr sz="2000" kern="1200">
+                <a:solidFill>
+                  <a:schemeClr val="tx1"/>
+                </a:solidFill>
+                <a:latin typeface="+mn-lt"/>
+                <a:ea typeface="+mn-ea"/>
+                <a:cs typeface="+mn-cs"/>
+              </a:defRPr>
+            </a:lvl7pPr>
+            <a:lvl8pPr marL="3429000" indent="-228600" algn="l" defTabSz="914400" rtl="0" eaLnBrk="1" latinLnBrk="0" hangingPunct="1">
+              <a:spcBef>
+                <a:spcPct val="20000"/>
+              </a:spcBef>
+              <a:buFont typeface="Arial" panose="020B0604020202020204" pitchFamily="34" charset="0"/>
+              <a:buChar char="•"/>
+              <a:defRPr sz="2000" kern="1200">
+                <a:solidFill>
+                  <a:schemeClr val="tx1"/>
+                </a:solidFill>
+                <a:latin typeface="+mn-lt"/>
+                <a:ea typeface="+mn-ea"/>
+                <a:cs typeface="+mn-cs"/>
+              </a:defRPr>
+            </a:lvl8pPr>
+            <a:lvl9pPr marL="3886200" indent="-228600" algn="l" defTabSz="914400" rtl="0" eaLnBrk="1" latinLnBrk="0" hangingPunct="1">
+              <a:spcBef>
+                <a:spcPct val="20000"/>
+              </a:spcBef>
+              <a:buFont typeface="Arial" panose="020B0604020202020204" pitchFamily="34" charset="0"/>
+              <a:buChar char="•"/>
+              <a:defRPr sz="2000" kern="1200">
+                <a:solidFill>
+                  <a:schemeClr val="tx1"/>
+                </a:solidFill>
+                <a:latin typeface="+mn-lt"/>
+                <a:ea typeface="+mn-ea"/>
+                <a:cs typeface="+mn-cs"/>
+              </a:defRPr>
+            </a:lvl9pPr>
+          </a:lstStyle>
+          <a:p>
+            <a:pPr marL="0" indent="0">
+              <a:buNone/>
+            </a:pPr>
+            <a:r>
+              <a:rPr lang="en-US" sz="2000" dirty="0" smtClean="0"/>
+              <a:t>Prominent collaboration theories are based on BDI paradigm (</a:t>
+            </a:r>
+            <a:r>
+              <a:rPr lang="en-US" sz="2000" dirty="0" err="1" smtClean="0"/>
+              <a:t>Bratman</a:t>
+            </a:r>
+            <a:r>
+              <a:rPr lang="en-US" sz="2000" dirty="0" smtClean="0"/>
+              <a:t>):</a:t>
+            </a:r>
+          </a:p>
+          <a:p>
+            <a:pPr marL="0" indent="0">
+              <a:buNone/>
+            </a:pPr>
+            <a:endParaRPr lang="en-US" sz="2000" dirty="0" smtClean="0"/>
+          </a:p>
+          <a:p>
+            <a:r>
+              <a:rPr lang="en-US" sz="2000" dirty="0" smtClean="0"/>
+              <a:t>SharedPlans (Grosz &amp; Sidner),</a:t>
+            </a:r>
+          </a:p>
+          <a:p>
+            <a:r>
+              <a:rPr lang="en-US" sz="2000" dirty="0" smtClean="0"/>
+              <a:t>Joint Intentions (Cohen &amp; Levesque)</a:t>
+            </a:r>
+          </a:p>
+          <a:p>
+            <a:endParaRPr lang="en-US" sz="2000" dirty="0"/>
+          </a:p>
+          <a:p>
+            <a:pPr marL="0" indent="0">
+              <a:buNone/>
+            </a:pPr>
+            <a:r>
+              <a:rPr lang="en-US" sz="2000" dirty="0" err="1" smtClean="0"/>
+              <a:t>Bratman’s</a:t>
+            </a:r>
+            <a:r>
+              <a:rPr lang="en-US" sz="2000" dirty="0" smtClean="0"/>
+              <a:t> view of commitment:</a:t>
+            </a:r>
+          </a:p>
+          <a:p>
+            <a:r>
+              <a:rPr lang="en-US" sz="2000" dirty="0"/>
+              <a:t>Mutual commitment to joint </a:t>
+            </a:r>
+            <a:r>
+              <a:rPr lang="en-US" sz="2000" dirty="0" smtClean="0"/>
+              <a:t>activity</a:t>
+            </a:r>
+          </a:p>
+          <a:p>
+            <a:r>
+              <a:rPr lang="en-US" sz="2000" dirty="0"/>
+              <a:t>Mutual </a:t>
+            </a:r>
+            <a:r>
+              <a:rPr lang="en-US" sz="2000" dirty="0" smtClean="0"/>
+              <a:t>support</a:t>
+            </a:r>
+          </a:p>
+          <a:p>
+            <a:r>
+              <a:rPr lang="en-US" sz="2000" dirty="0"/>
+              <a:t>Mutual </a:t>
+            </a:r>
+            <a:r>
+              <a:rPr lang="en-US" sz="2000" dirty="0" smtClean="0"/>
+              <a:t>responsiveness</a:t>
+            </a:r>
+            <a:endParaRPr lang="en-US" sz="2400" dirty="0" smtClean="0"/>
+          </a:p>
+          <a:p>
+            <a:endParaRPr lang="en-US" sz="2800" dirty="0"/>
+          </a:p>
+        </p:txBody>
+      </p:sp>
+      <p:sp>
+        <p:nvSpPr>
+          <p:cNvPr id="9" name="Title 1"/>
+          <p:cNvSpPr txBox="1">
+            <a:spLocks/>
+          </p:cNvSpPr>
+          <p:nvPr/>
+        </p:nvSpPr>
+        <p:spPr>
+          <a:xfrm>
+            <a:off x="457200" y="0"/>
+            <a:ext cx="8229600" cy="1143000"/>
+          </a:xfrm>
+          <a:prstGeom prst="rect">
+            <a:avLst/>
+          </a:prstGeom>
+        </p:spPr>
+        <p:txBody>
+          <a:bodyPr vert="horz" lIns="91440" tIns="45720" rIns="91440" bIns="45720" rtlCol="0" anchor="ctr">
+            <a:normAutofit/>
+          </a:bodyPr>
+          <a:lstStyle>
+            <a:lvl1pPr algn="ctr" defTabSz="914400" rtl="0" eaLnBrk="1" latinLnBrk="0" hangingPunct="1">
+              <a:spcBef>
+                <a:spcPct val="0"/>
+              </a:spcBef>
+              <a:buNone/>
+              <a:defRPr sz="4400" kern="1200">
+                <a:solidFill>
+                  <a:schemeClr val="tx1"/>
+                </a:solidFill>
+                <a:latin typeface="+mj-lt"/>
+                <a:ea typeface="+mj-ea"/>
+                <a:cs typeface="+mj-cs"/>
+              </a:defRPr>
+            </a:lvl1pPr>
+          </a:lstStyle>
+          <a:p>
+            <a:pPr algn="l"/>
+            <a:r>
+              <a:rPr lang="en-US" sz="2400" b="1" dirty="0" smtClean="0"/>
+              <a:t>Collaboration Theories</a:t>
+            </a:r>
+            <a:endParaRPr lang="en-US" sz="2400" b="1" dirty="0"/>
+          </a:p>
+        </p:txBody>
+      </p:sp>
+    </p:spTree>
+    <p:extLst>
+      <p:ext uri="{BB962C8B-B14F-4D97-AF65-F5344CB8AC3E}">
+        <p14:creationId xmlns:p14="http://schemas.microsoft.com/office/powerpoint/2010/main" val="355014128"/>
+      </p:ext>
+    </p:extLst>
+  </p:cSld>
+  <p:clrMapOvr>
+    <a:masterClrMapping/>
+  </p:clrMapOvr>
+  <p:timing>
+    <p:tnLst>
+      <p:par>
+        <p:cTn id="1" dur="indefinite" restart="never" nodeType="tmRoot"/>
+      </p:par>
+    </p:tnLst>
+  </p:timing>
+</p:sld>
+</file>
+
+<file path=ppt/slides/slide12.xml><?xml version="1.0" encoding="utf-8"?>
+<p:sld xmlns:a="http://schemas.openxmlformats.org/drawingml/2006/main" xmlns:r="http://schemas.openxmlformats.org/officeDocument/2006/relationships" xmlns:p="http://schemas.openxmlformats.org/presentationml/2006/main">
+  <p:cSld>
+    <p:spTree>
+      <p:nvGrpSpPr>
+        <p:cNvPr id="1" name=""/>
+        <p:cNvGrpSpPr/>
+        <p:nvPr/>
+      </p:nvGrpSpPr>
+      <p:grpSpPr>
+        <a:xfrm>
+          <a:off x="0" y="0"/>
+          <a:ext cx="0" cy="0"/>
+          <a:chOff x="0" y="0"/>
+          <a:chExt cx="0" cy="0"/>
+        </a:xfrm>
+      </p:grpSpPr>
+      <p:sp>
+        <p:nvSpPr>
+          <p:cNvPr id="5" name="Content Placeholder 2"/>
+          <p:cNvSpPr txBox="1">
+            <a:spLocks/>
+          </p:cNvSpPr>
+          <p:nvPr/>
+        </p:nvSpPr>
+        <p:spPr>
+          <a:xfrm>
+            <a:off x="457199" y="1219201"/>
+            <a:ext cx="8206611" cy="5181599"/>
+          </a:xfrm>
+          <a:prstGeom prst="rect">
+            <a:avLst/>
+          </a:prstGeom>
+        </p:spPr>
+        <p:txBody>
+          <a:bodyPr vert="horz" lIns="91440" tIns="45720" rIns="91440" bIns="45720" rtlCol="0">
+            <a:normAutofit/>
+          </a:bodyPr>
+          <a:lstStyle>
+            <a:lvl1pPr marL="342900" indent="-342900" algn="l" defTabSz="914400" rtl="0" eaLnBrk="1" latinLnBrk="0" hangingPunct="1">
+              <a:spcBef>
+                <a:spcPct val="20000"/>
+              </a:spcBef>
+              <a:buFont typeface="Arial" panose="020B0604020202020204" pitchFamily="34" charset="0"/>
+              <a:buChar char="•"/>
+              <a:defRPr sz="3200" kern="1200">
+                <a:solidFill>
+                  <a:schemeClr val="tx1"/>
+                </a:solidFill>
+                <a:latin typeface="+mn-lt"/>
+                <a:ea typeface="+mn-ea"/>
+                <a:cs typeface="+mn-cs"/>
+              </a:defRPr>
+            </a:lvl1pPr>
+            <a:lvl2pPr marL="742950" indent="-285750" algn="l" defTabSz="914400" rtl="0" eaLnBrk="1" latinLnBrk="0" hangingPunct="1">
+              <a:spcBef>
+                <a:spcPct val="20000"/>
+              </a:spcBef>
+              <a:buFont typeface="Arial" panose="020B0604020202020204" pitchFamily="34" charset="0"/>
+              <a:buChar char="–"/>
+              <a:defRPr sz="2800" kern="1200">
+                <a:solidFill>
+                  <a:schemeClr val="tx1"/>
+                </a:solidFill>
+                <a:latin typeface="+mn-lt"/>
+                <a:ea typeface="+mn-ea"/>
+                <a:cs typeface="+mn-cs"/>
+              </a:defRPr>
+            </a:lvl2pPr>
+            <a:lvl3pPr marL="1143000" indent="-228600" algn="l" defTabSz="914400" rtl="0" eaLnBrk="1" latinLnBrk="0" hangingPunct="1">
+              <a:spcBef>
+                <a:spcPct val="20000"/>
+              </a:spcBef>
+              <a:buFont typeface="Arial" panose="020B0604020202020204" pitchFamily="34" charset="0"/>
+              <a:buChar char="•"/>
+              <a:defRPr sz="2400" kern="1200">
+                <a:solidFill>
+                  <a:schemeClr val="tx1"/>
+                </a:solidFill>
+                <a:latin typeface="+mn-lt"/>
+                <a:ea typeface="+mn-ea"/>
+                <a:cs typeface="+mn-cs"/>
+              </a:defRPr>
+            </a:lvl3pPr>
+            <a:lvl4pPr marL="1600200" indent="-228600" algn="l" defTabSz="914400" rtl="0" eaLnBrk="1" latinLnBrk="0" hangingPunct="1">
+              <a:spcBef>
+                <a:spcPct val="20000"/>
+              </a:spcBef>
+              <a:buFont typeface="Arial" panose="020B0604020202020204" pitchFamily="34" charset="0"/>
+              <a:buChar char="–"/>
+              <a:defRPr sz="2000" kern="1200">
+                <a:solidFill>
+                  <a:schemeClr val="tx1"/>
+                </a:solidFill>
+                <a:latin typeface="+mn-lt"/>
+                <a:ea typeface="+mn-ea"/>
+                <a:cs typeface="+mn-cs"/>
+              </a:defRPr>
+            </a:lvl4pPr>
+            <a:lvl5pPr marL="2057400" indent="-228600" algn="l" defTabSz="914400" rtl="0" eaLnBrk="1" latinLnBrk="0" hangingPunct="1">
+              <a:spcBef>
+                <a:spcPct val="20000"/>
+              </a:spcBef>
+              <a:buFont typeface="Arial" panose="020B0604020202020204" pitchFamily="34" charset="0"/>
+              <a:buChar char="»"/>
+              <a:defRPr sz="2000" kern="1200">
+                <a:solidFill>
+                  <a:schemeClr val="tx1"/>
+                </a:solidFill>
+                <a:latin typeface="+mn-lt"/>
+                <a:ea typeface="+mn-ea"/>
+                <a:cs typeface="+mn-cs"/>
+              </a:defRPr>
+            </a:lvl5pPr>
+            <a:lvl6pPr marL="2514600" indent="-228600" algn="l" defTabSz="914400" rtl="0" eaLnBrk="1" latinLnBrk="0" hangingPunct="1">
+              <a:spcBef>
+                <a:spcPct val="20000"/>
+              </a:spcBef>
+              <a:buFont typeface="Arial" panose="020B0604020202020204" pitchFamily="34" charset="0"/>
+              <a:buChar char="•"/>
+              <a:defRPr sz="2000" kern="1200">
+                <a:solidFill>
+                  <a:schemeClr val="tx1"/>
+                </a:solidFill>
+                <a:latin typeface="+mn-lt"/>
+                <a:ea typeface="+mn-ea"/>
+                <a:cs typeface="+mn-cs"/>
+              </a:defRPr>
+            </a:lvl6pPr>
+            <a:lvl7pPr marL="2971800" indent="-228600" algn="l" defTabSz="914400" rtl="0" eaLnBrk="1" latinLnBrk="0" hangingPunct="1">
+              <a:spcBef>
+                <a:spcPct val="20000"/>
+              </a:spcBef>
+              <a:buFont typeface="Arial" panose="020B0604020202020204" pitchFamily="34" charset="0"/>
+              <a:buChar char="•"/>
+              <a:defRPr sz="2000" kern="1200">
+                <a:solidFill>
+                  <a:schemeClr val="tx1"/>
+                </a:solidFill>
+                <a:latin typeface="+mn-lt"/>
+                <a:ea typeface="+mn-ea"/>
+                <a:cs typeface="+mn-cs"/>
+              </a:defRPr>
+            </a:lvl7pPr>
+            <a:lvl8pPr marL="3429000" indent="-228600" algn="l" defTabSz="914400" rtl="0" eaLnBrk="1" latinLnBrk="0" hangingPunct="1">
+              <a:spcBef>
+                <a:spcPct val="20000"/>
+              </a:spcBef>
+              <a:buFont typeface="Arial" panose="020B0604020202020204" pitchFamily="34" charset="0"/>
+              <a:buChar char="•"/>
+              <a:defRPr sz="2000" kern="1200">
+                <a:solidFill>
+                  <a:schemeClr val="tx1"/>
+                </a:solidFill>
+                <a:latin typeface="+mn-lt"/>
+                <a:ea typeface="+mn-ea"/>
+                <a:cs typeface="+mn-cs"/>
+              </a:defRPr>
+            </a:lvl8pPr>
+            <a:lvl9pPr marL="3886200" indent="-228600" algn="l" defTabSz="914400" rtl="0" eaLnBrk="1" latinLnBrk="0" hangingPunct="1">
+              <a:spcBef>
+                <a:spcPct val="20000"/>
+              </a:spcBef>
+              <a:buFont typeface="Arial" panose="020B0604020202020204" pitchFamily="34" charset="0"/>
+              <a:buChar char="•"/>
+              <a:defRPr sz="2000" kern="1200">
+                <a:solidFill>
+                  <a:schemeClr val="tx1"/>
+                </a:solidFill>
+                <a:latin typeface="+mn-lt"/>
+                <a:ea typeface="+mn-ea"/>
+                <a:cs typeface="+mn-cs"/>
+              </a:defRPr>
+            </a:lvl9pPr>
+          </a:lstStyle>
+          <a:p>
+            <a:pPr marL="0" indent="0">
+              <a:buNone/>
+            </a:pPr>
+            <a:r>
+              <a:rPr lang="en-US" sz="2000" dirty="0" smtClean="0"/>
+              <a:t>Prominent collaboration theories are based on BDI paradigm (</a:t>
+            </a:r>
+            <a:r>
+              <a:rPr lang="en-US" sz="2000" dirty="0" err="1" smtClean="0"/>
+              <a:t>Bratman</a:t>
+            </a:r>
+            <a:r>
+              <a:rPr lang="en-US" sz="2000" dirty="0" smtClean="0"/>
+              <a:t>):</a:t>
+            </a:r>
+          </a:p>
+          <a:p>
+            <a:pPr marL="0" indent="0">
+              <a:buNone/>
+            </a:pPr>
+            <a:endParaRPr lang="en-US" sz="2000" dirty="0" smtClean="0"/>
+          </a:p>
+          <a:p>
+            <a:r>
+              <a:rPr lang="en-US" sz="2000" dirty="0" smtClean="0"/>
+              <a:t>SharedPlans (Grosz &amp; Sidner),</a:t>
+            </a:r>
+          </a:p>
+          <a:p>
+            <a:r>
+              <a:rPr lang="en-US" sz="2000" dirty="0" smtClean="0"/>
+              <a:t>Joint Intentions (Cohen &amp; Levesque)</a:t>
+            </a:r>
+          </a:p>
+          <a:p>
+            <a:endParaRPr lang="en-US" sz="2000" dirty="0"/>
+          </a:p>
+          <a:p>
+            <a:pPr marL="0" indent="0">
+              <a:buNone/>
+            </a:pPr>
+            <a:r>
+              <a:rPr lang="en-US" sz="2000" dirty="0" err="1" smtClean="0"/>
+              <a:t>Bratman’s</a:t>
+            </a:r>
+            <a:r>
+              <a:rPr lang="en-US" sz="2000" dirty="0" smtClean="0"/>
+              <a:t> view of commitment:</a:t>
+            </a:r>
+          </a:p>
+          <a:p>
+            <a:r>
+              <a:rPr lang="en-US" sz="2000" dirty="0"/>
+              <a:t>Mutual commitment to joint </a:t>
+            </a:r>
+            <a:r>
+              <a:rPr lang="en-US" sz="2000" dirty="0" smtClean="0"/>
+              <a:t>activity</a:t>
+            </a:r>
+          </a:p>
+          <a:p>
+            <a:r>
+              <a:rPr lang="en-US" sz="2000" dirty="0"/>
+              <a:t>Mutual </a:t>
+            </a:r>
+            <a:r>
+              <a:rPr lang="en-US" sz="2000" dirty="0" smtClean="0"/>
+              <a:t>support</a:t>
+            </a:r>
+          </a:p>
+          <a:p>
+            <a:r>
+              <a:rPr lang="en-US" sz="2000" dirty="0"/>
+              <a:t>Mutual responsiveness</a:t>
+            </a:r>
+          </a:p>
+          <a:p>
+            <a:endParaRPr lang="en-US" sz="2900" dirty="0" smtClean="0"/>
+          </a:p>
+          <a:p>
+            <a:pPr marL="0" indent="0">
+              <a:buNone/>
+            </a:pPr>
+            <a:r>
+              <a:rPr lang="en-US" sz="2000" dirty="0" smtClean="0"/>
+              <a:t>Commitment and  other fundamental concepts of </a:t>
+            </a:r>
+            <a:r>
+              <a:rPr lang="en-US" sz="2000" dirty="0"/>
+              <a:t>collaboration </a:t>
+            </a:r>
+            <a:r>
+              <a:rPr lang="en-US" sz="2000" dirty="0" smtClean="0"/>
+              <a:t>such as mutual beliefs, joint intentions, shared goals, and shared plans mutually support each other to establish a collaborative activity.</a:t>
+            </a:r>
+          </a:p>
+          <a:p>
+            <a:pPr lvl="1"/>
+            <a:endParaRPr lang="en-US" sz="2400" dirty="0" smtClean="0"/>
+          </a:p>
+          <a:p>
+            <a:endParaRPr lang="en-US" sz="2800" dirty="0"/>
+          </a:p>
+        </p:txBody>
+      </p:sp>
+      <p:sp>
+        <p:nvSpPr>
+          <p:cNvPr id="9" name="Title 1"/>
+          <p:cNvSpPr txBox="1">
+            <a:spLocks/>
+          </p:cNvSpPr>
+          <p:nvPr/>
+        </p:nvSpPr>
+        <p:spPr>
+          <a:xfrm>
+            <a:off x="457200" y="0"/>
+            <a:ext cx="8229600" cy="1143000"/>
+          </a:xfrm>
+          <a:prstGeom prst="rect">
+            <a:avLst/>
+          </a:prstGeom>
+        </p:spPr>
+        <p:txBody>
+          <a:bodyPr vert="horz" lIns="91440" tIns="45720" rIns="91440" bIns="45720" rtlCol="0" anchor="ctr">
+            <a:normAutofit/>
+          </a:bodyPr>
+          <a:lstStyle>
+            <a:lvl1pPr algn="ctr" defTabSz="914400" rtl="0" eaLnBrk="1" latinLnBrk="0" hangingPunct="1">
+              <a:spcBef>
+                <a:spcPct val="0"/>
+              </a:spcBef>
+              <a:buNone/>
+              <a:defRPr sz="4400" kern="1200">
+                <a:solidFill>
+                  <a:schemeClr val="tx1"/>
+                </a:solidFill>
+                <a:latin typeface="+mj-lt"/>
+                <a:ea typeface="+mj-ea"/>
+                <a:cs typeface="+mj-cs"/>
+              </a:defRPr>
+            </a:lvl1pPr>
+          </a:lstStyle>
+          <a:p>
+            <a:pPr algn="l"/>
+            <a:r>
+              <a:rPr lang="en-US" sz="2400" b="1" dirty="0" smtClean="0"/>
+              <a:t>Collaboration Theories</a:t>
+            </a:r>
+            <a:endParaRPr lang="en-US" sz="2400" b="1" dirty="0"/>
+          </a:p>
+        </p:txBody>
+      </p:sp>
+    </p:spTree>
+    <p:extLst>
+      <p:ext uri="{BB962C8B-B14F-4D97-AF65-F5344CB8AC3E}">
+        <p14:creationId xmlns:p14="http://schemas.microsoft.com/office/powerpoint/2010/main" val="355014128"/>
+      </p:ext>
+    </p:extLst>
+  </p:cSld>
+  <p:clrMapOvr>
+    <a:masterClrMapping/>
+  </p:clrMapOvr>
+  <p:timing>
+    <p:tnLst>
+      <p:par>
+        <p:cTn id="1" dur="indefinite" restart="never" nodeType="tmRoot"/>
+      </p:par>
+    </p:tnLst>
+  </p:timing>
+</p:sld>
+</file>
+
+<file path=ppt/slides/slide13.xml><?xml version="1.0" encoding="utf-8"?>
+<p:sld xmlns:a="http://schemas.openxmlformats.org/drawingml/2006/main" xmlns:r="http://schemas.openxmlformats.org/officeDocument/2006/relationships" xmlns:p="http://schemas.openxmlformats.org/presentationml/2006/main">
+  <p:cSld>
+    <p:spTree>
+      <p:nvGrpSpPr>
+        <p:cNvPr id="1" name=""/>
+        <p:cNvGrpSpPr/>
+        <p:nvPr/>
+      </p:nvGrpSpPr>
+      <p:grpSpPr>
+        <a:xfrm>
+          <a:off x="0" y="0"/>
+          <a:ext cx="0" cy="0"/>
+          <a:chOff x="0" y="0"/>
+          <a:chExt cx="0" cy="0"/>
+        </a:xfrm>
+      </p:grpSpPr>
+      <p:sp>
+        <p:nvSpPr>
+          <p:cNvPr id="5" name="Content Placeholder 2"/>
+          <p:cNvSpPr txBox="1">
+            <a:spLocks/>
+          </p:cNvSpPr>
+          <p:nvPr/>
+        </p:nvSpPr>
+        <p:spPr>
+          <a:xfrm>
+            <a:off x="457199" y="1219201"/>
+            <a:ext cx="8206611" cy="5181599"/>
+          </a:xfrm>
+          <a:prstGeom prst="rect">
+            <a:avLst/>
+          </a:prstGeom>
+        </p:spPr>
+        <p:txBody>
+          <a:bodyPr vert="horz" lIns="91440" tIns="45720" rIns="91440" bIns="45720" rtlCol="0">
+            <a:normAutofit/>
+          </a:bodyPr>
+          <a:lstStyle>
+            <a:lvl1pPr marL="342900" indent="-342900" algn="l" defTabSz="914400" rtl="0" eaLnBrk="1" latinLnBrk="0" hangingPunct="1">
+              <a:spcBef>
+                <a:spcPct val="20000"/>
+              </a:spcBef>
+              <a:buFont typeface="Arial" panose="020B0604020202020204" pitchFamily="34" charset="0"/>
+              <a:buChar char="•"/>
+              <a:defRPr sz="3200" kern="1200">
+                <a:solidFill>
+                  <a:schemeClr val="tx1"/>
+                </a:solidFill>
+                <a:latin typeface="+mn-lt"/>
+                <a:ea typeface="+mn-ea"/>
+                <a:cs typeface="+mn-cs"/>
+              </a:defRPr>
+            </a:lvl1pPr>
+            <a:lvl2pPr marL="742950" indent="-285750" algn="l" defTabSz="914400" rtl="0" eaLnBrk="1" latinLnBrk="0" hangingPunct="1">
+              <a:spcBef>
+                <a:spcPct val="20000"/>
+              </a:spcBef>
+              <a:buFont typeface="Arial" panose="020B0604020202020204" pitchFamily="34" charset="0"/>
+              <a:buChar char="–"/>
+              <a:defRPr sz="2800" kern="1200">
+                <a:solidFill>
+                  <a:schemeClr val="tx1"/>
+                </a:solidFill>
+                <a:latin typeface="+mn-lt"/>
+                <a:ea typeface="+mn-ea"/>
+                <a:cs typeface="+mn-cs"/>
+              </a:defRPr>
+            </a:lvl2pPr>
+            <a:lvl3pPr marL="1143000" indent="-228600" algn="l" defTabSz="914400" rtl="0" eaLnBrk="1" latinLnBrk="0" hangingPunct="1">
+              <a:spcBef>
+                <a:spcPct val="20000"/>
+              </a:spcBef>
+              <a:buFont typeface="Arial" panose="020B0604020202020204" pitchFamily="34" charset="0"/>
+              <a:buChar char="•"/>
+              <a:defRPr sz="2400" kern="1200">
+                <a:solidFill>
+                  <a:schemeClr val="tx1"/>
+                </a:solidFill>
+                <a:latin typeface="+mn-lt"/>
+                <a:ea typeface="+mn-ea"/>
+                <a:cs typeface="+mn-cs"/>
+              </a:defRPr>
+            </a:lvl3pPr>
+            <a:lvl4pPr marL="1600200" indent="-228600" algn="l" defTabSz="914400" rtl="0" eaLnBrk="1" latinLnBrk="0" hangingPunct="1">
+              <a:spcBef>
+                <a:spcPct val="20000"/>
+              </a:spcBef>
+              <a:buFont typeface="Arial" panose="020B0604020202020204" pitchFamily="34" charset="0"/>
+              <a:buChar char="–"/>
+              <a:defRPr sz="2000" kern="1200">
+                <a:solidFill>
+                  <a:schemeClr val="tx1"/>
+                </a:solidFill>
+                <a:latin typeface="+mn-lt"/>
+                <a:ea typeface="+mn-ea"/>
+                <a:cs typeface="+mn-cs"/>
+              </a:defRPr>
+            </a:lvl4pPr>
+            <a:lvl5pPr marL="2057400" indent="-228600" algn="l" defTabSz="914400" rtl="0" eaLnBrk="1" latinLnBrk="0" hangingPunct="1">
+              <a:spcBef>
+                <a:spcPct val="20000"/>
+              </a:spcBef>
+              <a:buFont typeface="Arial" panose="020B0604020202020204" pitchFamily="34" charset="0"/>
+              <a:buChar char="»"/>
+              <a:defRPr sz="2000" kern="1200">
+                <a:solidFill>
+                  <a:schemeClr val="tx1"/>
+                </a:solidFill>
+                <a:latin typeface="+mn-lt"/>
+                <a:ea typeface="+mn-ea"/>
+                <a:cs typeface="+mn-cs"/>
+              </a:defRPr>
+            </a:lvl5pPr>
+            <a:lvl6pPr marL="2514600" indent="-228600" algn="l" defTabSz="914400" rtl="0" eaLnBrk="1" latinLnBrk="0" hangingPunct="1">
+              <a:spcBef>
+                <a:spcPct val="20000"/>
+              </a:spcBef>
+              <a:buFont typeface="Arial" panose="020B0604020202020204" pitchFamily="34" charset="0"/>
+              <a:buChar char="•"/>
+              <a:defRPr sz="2000" kern="1200">
+                <a:solidFill>
+                  <a:schemeClr val="tx1"/>
+                </a:solidFill>
+                <a:latin typeface="+mn-lt"/>
+                <a:ea typeface="+mn-ea"/>
+                <a:cs typeface="+mn-cs"/>
+              </a:defRPr>
+            </a:lvl6pPr>
+            <a:lvl7pPr marL="2971800" indent="-228600" algn="l" defTabSz="914400" rtl="0" eaLnBrk="1" latinLnBrk="0" hangingPunct="1">
+              <a:spcBef>
+                <a:spcPct val="20000"/>
+              </a:spcBef>
+              <a:buFont typeface="Arial" panose="020B0604020202020204" pitchFamily="34" charset="0"/>
+              <a:buChar char="•"/>
+              <a:defRPr sz="2000" kern="1200">
+                <a:solidFill>
+                  <a:schemeClr val="tx1"/>
+                </a:solidFill>
+                <a:latin typeface="+mn-lt"/>
+                <a:ea typeface="+mn-ea"/>
+                <a:cs typeface="+mn-cs"/>
+              </a:defRPr>
+            </a:lvl7pPr>
+            <a:lvl8pPr marL="3429000" indent="-228600" algn="l" defTabSz="914400" rtl="0" eaLnBrk="1" latinLnBrk="0" hangingPunct="1">
+              <a:spcBef>
+                <a:spcPct val="20000"/>
+              </a:spcBef>
+              <a:buFont typeface="Arial" panose="020B0604020202020204" pitchFamily="34" charset="0"/>
+              <a:buChar char="•"/>
+              <a:defRPr sz="2000" kern="1200">
+                <a:solidFill>
+                  <a:schemeClr val="tx1"/>
+                </a:solidFill>
+                <a:latin typeface="+mn-lt"/>
+                <a:ea typeface="+mn-ea"/>
+                <a:cs typeface="+mn-cs"/>
+              </a:defRPr>
+            </a:lvl8pPr>
+            <a:lvl9pPr marL="3886200" indent="-228600" algn="l" defTabSz="914400" rtl="0" eaLnBrk="1" latinLnBrk="0" hangingPunct="1">
+              <a:spcBef>
+                <a:spcPct val="20000"/>
+              </a:spcBef>
+              <a:buFont typeface="Arial" panose="020B0604020202020204" pitchFamily="34" charset="0"/>
+              <a:buChar char="•"/>
+              <a:defRPr sz="2000" kern="1200">
+                <a:solidFill>
+                  <a:schemeClr val="tx1"/>
+                </a:solidFill>
+                <a:latin typeface="+mn-lt"/>
+                <a:ea typeface="+mn-ea"/>
+                <a:cs typeface="+mn-cs"/>
+              </a:defRPr>
+            </a:lvl9pPr>
+          </a:lstStyle>
+          <a:p>
+            <a:pPr marL="0" indent="0">
+              <a:buNone/>
+            </a:pPr>
+            <a:r>
+              <a:rPr lang="en-US" sz="2000" dirty="0" smtClean="0"/>
+              <a:t>Prominent collaboration theories are based on BDI paradigm (</a:t>
+            </a:r>
+            <a:r>
+              <a:rPr lang="en-US" sz="2000" dirty="0" err="1" smtClean="0"/>
+              <a:t>Bratman</a:t>
+            </a:r>
+            <a:r>
+              <a:rPr lang="en-US" sz="2000" smtClean="0"/>
+              <a:t>):</a:t>
+            </a:r>
+            <a:endParaRPr lang="en-US" sz="2000" dirty="0" smtClean="0"/>
+          </a:p>
+        </p:txBody>
+      </p:sp>
+      <p:sp>
+        <p:nvSpPr>
+          <p:cNvPr id="9" name="Title 1"/>
+          <p:cNvSpPr txBox="1">
+            <a:spLocks/>
+          </p:cNvSpPr>
+          <p:nvPr/>
+        </p:nvSpPr>
+        <p:spPr>
+          <a:xfrm>
+            <a:off x="457200" y="0"/>
+            <a:ext cx="8229600" cy="1143000"/>
+          </a:xfrm>
+          <a:prstGeom prst="rect">
+            <a:avLst/>
+          </a:prstGeom>
+        </p:spPr>
+        <p:txBody>
+          <a:bodyPr vert="horz" lIns="91440" tIns="45720" rIns="91440" bIns="45720" rtlCol="0" anchor="ctr">
+            <a:normAutofit/>
+          </a:bodyPr>
+          <a:lstStyle>
+            <a:lvl1pPr algn="ctr" defTabSz="914400" rtl="0" eaLnBrk="1" latinLnBrk="0" hangingPunct="1">
+              <a:spcBef>
+                <a:spcPct val="0"/>
+              </a:spcBef>
+              <a:buNone/>
+              <a:defRPr sz="4400" kern="1200">
+                <a:solidFill>
+                  <a:schemeClr val="tx1"/>
+                </a:solidFill>
+                <a:latin typeface="+mj-lt"/>
+                <a:ea typeface="+mj-ea"/>
+                <a:cs typeface="+mj-cs"/>
+              </a:defRPr>
+            </a:lvl1pPr>
+          </a:lstStyle>
+          <a:p>
+            <a:pPr algn="l"/>
+            <a:r>
+              <a:rPr lang="en-US" sz="2400" b="1" dirty="0" smtClean="0"/>
+              <a:t>SharedPlans Theory</a:t>
+            </a:r>
+            <a:endParaRPr lang="en-US" sz="2400" b="1" dirty="0"/>
+          </a:p>
+        </p:txBody>
+      </p:sp>
+    </p:spTree>
+    <p:extLst>
+      <p:ext uri="{BB962C8B-B14F-4D97-AF65-F5344CB8AC3E}">
+        <p14:creationId xmlns:p14="http://schemas.microsoft.com/office/powerpoint/2010/main" val="58880740"/>
+      </p:ext>
+    </p:extLst>
+  </p:cSld>
+  <p:clrMapOvr>
+    <a:masterClrMapping/>
+  </p:clrMapOvr>
+  <p:timing>
+    <p:tnLst>
+      <p:par>
+        <p:cTn id="1" dur="indefinite" restart="never" nodeType="tmRoot"/>
+      </p:par>
+    </p:tnLst>
+  </p:timing>
+</p:sld>
+</file>
+
+<file path=ppt/slides/slide14.xml><?xml version="1.0" encoding="utf-8"?>
 <p:sld xmlns:a="http://schemas.openxmlformats.org/drawingml/2006/main" xmlns:r="http://schemas.openxmlformats.org/officeDocument/2006/relationships" xmlns:p="http://schemas.openxmlformats.org/presentationml/2006/main">
   <p:cSld>
     <p:spTree>
@@ -3759,7 +5629,7 @@
 </p:sld>
 </file>
 
-<file path=ppt/slides/slide4.xml><?xml version="1.0" encoding="utf-8"?>
+<file path=ppt/slides/slide15.xml><?xml version="1.0" encoding="utf-8"?>
 <p:sld xmlns:a="http://schemas.openxmlformats.org/drawingml/2006/main" xmlns:r="http://schemas.openxmlformats.org/officeDocument/2006/relationships" xmlns:p="http://schemas.openxmlformats.org/presentationml/2006/main">
   <p:cSld>
     <p:spTree>
@@ -3890,6 +5760,3799 @@
     <p:extLst>
       <p:ext uri="{BB962C8B-B14F-4D97-AF65-F5344CB8AC3E}">
         <p14:creationId xmlns:p14="http://schemas.microsoft.com/office/powerpoint/2010/main" val="723416440"/>
+      </p:ext>
+    </p:extLst>
+  </p:cSld>
+  <p:clrMapOvr>
+    <a:masterClrMapping/>
+  </p:clrMapOvr>
+  <p:timing>
+    <p:tnLst>
+      <p:par>
+        <p:cTn id="1" dur="indefinite" restart="never" nodeType="tmRoot"/>
+      </p:par>
+    </p:tnLst>
+  </p:timing>
+</p:sld>
+</file>
+
+<file path=ppt/slides/slide2.xml><?xml version="1.0" encoding="utf-8"?>
+<p:sld xmlns:a="http://schemas.openxmlformats.org/drawingml/2006/main" xmlns:r="http://schemas.openxmlformats.org/officeDocument/2006/relationships" xmlns:p="http://schemas.openxmlformats.org/presentationml/2006/main">
+  <p:cSld>
+    <p:spTree>
+      <p:nvGrpSpPr>
+        <p:cNvPr id="1" name=""/>
+        <p:cNvGrpSpPr/>
+        <p:nvPr/>
+      </p:nvGrpSpPr>
+      <p:grpSpPr>
+        <a:xfrm>
+          <a:off x="0" y="0"/>
+          <a:ext cx="0" cy="0"/>
+          <a:chOff x="0" y="0"/>
+          <a:chExt cx="0" cy="0"/>
+        </a:xfrm>
+      </p:grpSpPr>
+      <p:sp>
+        <p:nvSpPr>
+          <p:cNvPr id="2" name="Title 1"/>
+          <p:cNvSpPr>
+            <a:spLocks noGrp="1"/>
+          </p:cNvSpPr>
+          <p:nvPr>
+            <p:ph type="ctrTitle"/>
+          </p:nvPr>
+        </p:nvSpPr>
+        <p:spPr>
+          <a:xfrm>
+            <a:off x="685800" y="762000"/>
+            <a:ext cx="7772400" cy="1165225"/>
+          </a:xfrm>
+        </p:spPr>
+        <p:txBody>
+          <a:bodyPr>
+            <a:noAutofit/>
+          </a:bodyPr>
+          <a:lstStyle/>
+          <a:p>
+            <a:pPr algn="l"/>
+            <a:r>
+              <a:rPr lang="en-US" sz="2000" b="1" dirty="0" smtClean="0"/>
+              <a:t>Collaboration</a:t>
+            </a:r>
+            <a:r>
+              <a:rPr lang="en-US" sz="2000" dirty="0" smtClean="0"/>
+              <a:t> is a special type of </a:t>
+            </a:r>
+            <a:r>
+              <a:rPr lang="en-US" sz="2000" dirty="0" smtClean="0">
+                <a:solidFill>
+                  <a:srgbClr val="FF0000"/>
+                </a:solidFill>
+              </a:rPr>
+              <a:t>coordinated activity</a:t>
+            </a:r>
+            <a:r>
+              <a:rPr lang="en-US" sz="2000" dirty="0" smtClean="0"/>
+              <a:t> in which the participants </a:t>
+            </a:r>
+            <a:r>
+              <a:rPr lang="en-US" sz="2000" dirty="0" smtClean="0">
+                <a:solidFill>
+                  <a:srgbClr val="FF0000"/>
+                </a:solidFill>
+              </a:rPr>
+              <a:t>work jointly</a:t>
+            </a:r>
+            <a:r>
+              <a:rPr lang="en-US" sz="2000" dirty="0" smtClean="0"/>
+              <a:t>, together performing a task or carrying out the activities needed to satisfy a </a:t>
+            </a:r>
+            <a:r>
+              <a:rPr lang="en-US" sz="2000" dirty="0" smtClean="0">
+                <a:solidFill>
+                  <a:srgbClr val="FF0000"/>
+                </a:solidFill>
+              </a:rPr>
+              <a:t>shared goal</a:t>
+            </a:r>
+            <a:r>
+              <a:rPr lang="en-US" sz="2000" dirty="0" smtClean="0"/>
+              <a:t>.</a:t>
+            </a:r>
+            <a:endParaRPr lang="en-US" sz="1800" dirty="0"/>
+          </a:p>
+        </p:txBody>
+      </p:sp>
+      <p:sp>
+        <p:nvSpPr>
+          <p:cNvPr id="5" name="Content Placeholder 2"/>
+          <p:cNvSpPr txBox="1">
+            <a:spLocks/>
+          </p:cNvSpPr>
+          <p:nvPr/>
+        </p:nvSpPr>
+        <p:spPr>
+          <a:xfrm>
+            <a:off x="457199" y="1981201"/>
+            <a:ext cx="8206611" cy="1142999"/>
+          </a:xfrm>
+          <a:prstGeom prst="rect">
+            <a:avLst/>
+          </a:prstGeom>
+        </p:spPr>
+        <p:txBody>
+          <a:bodyPr vert="horz" lIns="91440" tIns="45720" rIns="91440" bIns="45720" rtlCol="0">
+            <a:normAutofit fontScale="77500" lnSpcReduction="20000"/>
+          </a:bodyPr>
+          <a:lstStyle>
+            <a:lvl1pPr marL="342900" indent="-342900" algn="l" defTabSz="914400" rtl="0" eaLnBrk="1" latinLnBrk="0" hangingPunct="1">
+              <a:spcBef>
+                <a:spcPct val="20000"/>
+              </a:spcBef>
+              <a:buFont typeface="Arial" panose="020B0604020202020204" pitchFamily="34" charset="0"/>
+              <a:buChar char="•"/>
+              <a:defRPr sz="3200" kern="1200">
+                <a:solidFill>
+                  <a:schemeClr val="tx1"/>
+                </a:solidFill>
+                <a:latin typeface="+mn-lt"/>
+                <a:ea typeface="+mn-ea"/>
+                <a:cs typeface="+mn-cs"/>
+              </a:defRPr>
+            </a:lvl1pPr>
+            <a:lvl2pPr marL="742950" indent="-285750" algn="l" defTabSz="914400" rtl="0" eaLnBrk="1" latinLnBrk="0" hangingPunct="1">
+              <a:spcBef>
+                <a:spcPct val="20000"/>
+              </a:spcBef>
+              <a:buFont typeface="Arial" panose="020B0604020202020204" pitchFamily="34" charset="0"/>
+              <a:buChar char="–"/>
+              <a:defRPr sz="2800" kern="1200">
+                <a:solidFill>
+                  <a:schemeClr val="tx1"/>
+                </a:solidFill>
+                <a:latin typeface="+mn-lt"/>
+                <a:ea typeface="+mn-ea"/>
+                <a:cs typeface="+mn-cs"/>
+              </a:defRPr>
+            </a:lvl2pPr>
+            <a:lvl3pPr marL="1143000" indent="-228600" algn="l" defTabSz="914400" rtl="0" eaLnBrk="1" latinLnBrk="0" hangingPunct="1">
+              <a:spcBef>
+                <a:spcPct val="20000"/>
+              </a:spcBef>
+              <a:buFont typeface="Arial" panose="020B0604020202020204" pitchFamily="34" charset="0"/>
+              <a:buChar char="•"/>
+              <a:defRPr sz="2400" kern="1200">
+                <a:solidFill>
+                  <a:schemeClr val="tx1"/>
+                </a:solidFill>
+                <a:latin typeface="+mn-lt"/>
+                <a:ea typeface="+mn-ea"/>
+                <a:cs typeface="+mn-cs"/>
+              </a:defRPr>
+            </a:lvl3pPr>
+            <a:lvl4pPr marL="1600200" indent="-228600" algn="l" defTabSz="914400" rtl="0" eaLnBrk="1" latinLnBrk="0" hangingPunct="1">
+              <a:spcBef>
+                <a:spcPct val="20000"/>
+              </a:spcBef>
+              <a:buFont typeface="Arial" panose="020B0604020202020204" pitchFamily="34" charset="0"/>
+              <a:buChar char="–"/>
+              <a:defRPr sz="2000" kern="1200">
+                <a:solidFill>
+                  <a:schemeClr val="tx1"/>
+                </a:solidFill>
+                <a:latin typeface="+mn-lt"/>
+                <a:ea typeface="+mn-ea"/>
+                <a:cs typeface="+mn-cs"/>
+              </a:defRPr>
+            </a:lvl4pPr>
+            <a:lvl5pPr marL="2057400" indent="-228600" algn="l" defTabSz="914400" rtl="0" eaLnBrk="1" latinLnBrk="0" hangingPunct="1">
+              <a:spcBef>
+                <a:spcPct val="20000"/>
+              </a:spcBef>
+              <a:buFont typeface="Arial" panose="020B0604020202020204" pitchFamily="34" charset="0"/>
+              <a:buChar char="»"/>
+              <a:defRPr sz="2000" kern="1200">
+                <a:solidFill>
+                  <a:schemeClr val="tx1"/>
+                </a:solidFill>
+                <a:latin typeface="+mn-lt"/>
+                <a:ea typeface="+mn-ea"/>
+                <a:cs typeface="+mn-cs"/>
+              </a:defRPr>
+            </a:lvl5pPr>
+            <a:lvl6pPr marL="2514600" indent="-228600" algn="l" defTabSz="914400" rtl="0" eaLnBrk="1" latinLnBrk="0" hangingPunct="1">
+              <a:spcBef>
+                <a:spcPct val="20000"/>
+              </a:spcBef>
+              <a:buFont typeface="Arial" panose="020B0604020202020204" pitchFamily="34" charset="0"/>
+              <a:buChar char="•"/>
+              <a:defRPr sz="2000" kern="1200">
+                <a:solidFill>
+                  <a:schemeClr val="tx1"/>
+                </a:solidFill>
+                <a:latin typeface="+mn-lt"/>
+                <a:ea typeface="+mn-ea"/>
+                <a:cs typeface="+mn-cs"/>
+              </a:defRPr>
+            </a:lvl6pPr>
+            <a:lvl7pPr marL="2971800" indent="-228600" algn="l" defTabSz="914400" rtl="0" eaLnBrk="1" latinLnBrk="0" hangingPunct="1">
+              <a:spcBef>
+                <a:spcPct val="20000"/>
+              </a:spcBef>
+              <a:buFont typeface="Arial" panose="020B0604020202020204" pitchFamily="34" charset="0"/>
+              <a:buChar char="•"/>
+              <a:defRPr sz="2000" kern="1200">
+                <a:solidFill>
+                  <a:schemeClr val="tx1"/>
+                </a:solidFill>
+                <a:latin typeface="+mn-lt"/>
+                <a:ea typeface="+mn-ea"/>
+                <a:cs typeface="+mn-cs"/>
+              </a:defRPr>
+            </a:lvl7pPr>
+            <a:lvl8pPr marL="3429000" indent="-228600" algn="l" defTabSz="914400" rtl="0" eaLnBrk="1" latinLnBrk="0" hangingPunct="1">
+              <a:spcBef>
+                <a:spcPct val="20000"/>
+              </a:spcBef>
+              <a:buFont typeface="Arial" panose="020B0604020202020204" pitchFamily="34" charset="0"/>
+              <a:buChar char="•"/>
+              <a:defRPr sz="2000" kern="1200">
+                <a:solidFill>
+                  <a:schemeClr val="tx1"/>
+                </a:solidFill>
+                <a:latin typeface="+mn-lt"/>
+                <a:ea typeface="+mn-ea"/>
+                <a:cs typeface="+mn-cs"/>
+              </a:defRPr>
+            </a:lvl8pPr>
+            <a:lvl9pPr marL="3886200" indent="-228600" algn="l" defTabSz="914400" rtl="0" eaLnBrk="1" latinLnBrk="0" hangingPunct="1">
+              <a:spcBef>
+                <a:spcPct val="20000"/>
+              </a:spcBef>
+              <a:buFont typeface="Arial" panose="020B0604020202020204" pitchFamily="34" charset="0"/>
+              <a:buChar char="•"/>
+              <a:defRPr sz="2000" kern="1200">
+                <a:solidFill>
+                  <a:schemeClr val="tx1"/>
+                </a:solidFill>
+                <a:latin typeface="+mn-lt"/>
+                <a:ea typeface="+mn-ea"/>
+                <a:cs typeface="+mn-cs"/>
+              </a:defRPr>
+            </a:lvl9pPr>
+          </a:lstStyle>
+          <a:p>
+            <a:pPr marL="0" indent="0">
+              <a:buNone/>
+            </a:pPr>
+            <a:r>
+              <a:rPr lang="en-US" sz="2900" dirty="0"/>
+              <a:t>Some of the </a:t>
+            </a:r>
+            <a:r>
+              <a:rPr lang="en-US" sz="2900" dirty="0" smtClean="0"/>
+              <a:t>key points about collaboration:</a:t>
+            </a:r>
+          </a:p>
+          <a:p>
+            <a:pPr marL="0" indent="0">
+              <a:buNone/>
+            </a:pPr>
+            <a:endParaRPr lang="en-US" sz="2900" dirty="0" smtClean="0"/>
+          </a:p>
+          <a:p>
+            <a:r>
+              <a:rPr lang="en-US" sz="2900" dirty="0" smtClean="0"/>
+              <a:t>Participants </a:t>
+            </a:r>
+            <a:r>
+              <a:rPr lang="en-US" sz="2900" dirty="0"/>
+              <a:t>with </a:t>
+            </a:r>
+            <a:r>
+              <a:rPr lang="en-US" sz="2900" dirty="0">
+                <a:solidFill>
+                  <a:srgbClr val="FF0000"/>
+                </a:solidFill>
+              </a:rPr>
+              <a:t>different beliefs</a:t>
+            </a:r>
+            <a:r>
+              <a:rPr lang="en-US" sz="2900" dirty="0"/>
+              <a:t> and </a:t>
+            </a:r>
+            <a:r>
+              <a:rPr lang="en-US" sz="2900" dirty="0" smtClean="0"/>
+              <a:t>capabilities,</a:t>
+            </a:r>
+          </a:p>
+          <a:p>
+            <a:pPr lvl="1"/>
+            <a:endParaRPr lang="en-US" sz="2400" dirty="0" smtClean="0"/>
+          </a:p>
+          <a:p>
+            <a:endParaRPr lang="en-US" sz="2800" dirty="0"/>
+          </a:p>
+        </p:txBody>
+      </p:sp>
+      <p:sp>
+        <p:nvSpPr>
+          <p:cNvPr id="6" name="Title 1"/>
+          <p:cNvSpPr txBox="1">
+            <a:spLocks/>
+          </p:cNvSpPr>
+          <p:nvPr/>
+        </p:nvSpPr>
+        <p:spPr>
+          <a:xfrm>
+            <a:off x="457200" y="0"/>
+            <a:ext cx="8229600" cy="1143000"/>
+          </a:xfrm>
+          <a:prstGeom prst="rect">
+            <a:avLst/>
+          </a:prstGeom>
+        </p:spPr>
+        <p:txBody>
+          <a:bodyPr vert="horz" lIns="91440" tIns="45720" rIns="91440" bIns="45720" rtlCol="0" anchor="ctr">
+            <a:normAutofit/>
+          </a:bodyPr>
+          <a:lstStyle>
+            <a:lvl1pPr algn="ctr" defTabSz="914400" rtl="0" eaLnBrk="1" latinLnBrk="0" hangingPunct="1">
+              <a:spcBef>
+                <a:spcPct val="0"/>
+              </a:spcBef>
+              <a:buNone/>
+              <a:defRPr sz="4400" kern="1200">
+                <a:solidFill>
+                  <a:schemeClr val="tx1"/>
+                </a:solidFill>
+                <a:latin typeface="+mj-lt"/>
+                <a:ea typeface="+mj-ea"/>
+                <a:cs typeface="+mj-cs"/>
+              </a:defRPr>
+            </a:lvl1pPr>
+          </a:lstStyle>
+          <a:p>
+            <a:pPr algn="l"/>
+            <a:r>
+              <a:rPr lang="en-US" sz="2400" b="1" dirty="0" smtClean="0"/>
+              <a:t>Collaboration</a:t>
+            </a:r>
+            <a:endParaRPr lang="en-US" sz="2400" b="1" dirty="0"/>
+          </a:p>
+        </p:txBody>
+      </p:sp>
+    </p:spTree>
+    <p:extLst>
+      <p:ext uri="{BB962C8B-B14F-4D97-AF65-F5344CB8AC3E}">
+        <p14:creationId xmlns:p14="http://schemas.microsoft.com/office/powerpoint/2010/main" val="3582610307"/>
+      </p:ext>
+    </p:extLst>
+  </p:cSld>
+  <p:clrMapOvr>
+    <a:masterClrMapping/>
+  </p:clrMapOvr>
+  <p:timing>
+    <p:tnLst>
+      <p:par>
+        <p:cTn id="1" dur="indefinite" restart="never" nodeType="tmRoot"/>
+      </p:par>
+    </p:tnLst>
+  </p:timing>
+</p:sld>
+</file>
+
+<file path=ppt/slides/slide3.xml><?xml version="1.0" encoding="utf-8"?>
+<p:sld xmlns:a="http://schemas.openxmlformats.org/drawingml/2006/main" xmlns:r="http://schemas.openxmlformats.org/officeDocument/2006/relationships" xmlns:p="http://schemas.openxmlformats.org/presentationml/2006/main">
+  <p:cSld>
+    <p:spTree>
+      <p:nvGrpSpPr>
+        <p:cNvPr id="1" name=""/>
+        <p:cNvGrpSpPr/>
+        <p:nvPr/>
+      </p:nvGrpSpPr>
+      <p:grpSpPr>
+        <a:xfrm>
+          <a:off x="0" y="0"/>
+          <a:ext cx="0" cy="0"/>
+          <a:chOff x="0" y="0"/>
+          <a:chExt cx="0" cy="0"/>
+        </a:xfrm>
+      </p:grpSpPr>
+      <p:sp>
+        <p:nvSpPr>
+          <p:cNvPr id="5" name="Content Placeholder 2"/>
+          <p:cNvSpPr txBox="1">
+            <a:spLocks/>
+          </p:cNvSpPr>
+          <p:nvPr/>
+        </p:nvSpPr>
+        <p:spPr>
+          <a:xfrm>
+            <a:off x="457199" y="1981201"/>
+            <a:ext cx="8206611" cy="1752600"/>
+          </a:xfrm>
+          <a:prstGeom prst="rect">
+            <a:avLst/>
+          </a:prstGeom>
+        </p:spPr>
+        <p:txBody>
+          <a:bodyPr vert="horz" lIns="91440" tIns="45720" rIns="91440" bIns="45720" rtlCol="0">
+            <a:normAutofit fontScale="77500" lnSpcReduction="20000"/>
+          </a:bodyPr>
+          <a:lstStyle>
+            <a:lvl1pPr marL="342900" indent="-342900" algn="l" defTabSz="914400" rtl="0" eaLnBrk="1" latinLnBrk="0" hangingPunct="1">
+              <a:spcBef>
+                <a:spcPct val="20000"/>
+              </a:spcBef>
+              <a:buFont typeface="Arial" panose="020B0604020202020204" pitchFamily="34" charset="0"/>
+              <a:buChar char="•"/>
+              <a:defRPr sz="3200" kern="1200">
+                <a:solidFill>
+                  <a:schemeClr val="tx1"/>
+                </a:solidFill>
+                <a:latin typeface="+mn-lt"/>
+                <a:ea typeface="+mn-ea"/>
+                <a:cs typeface="+mn-cs"/>
+              </a:defRPr>
+            </a:lvl1pPr>
+            <a:lvl2pPr marL="742950" indent="-285750" algn="l" defTabSz="914400" rtl="0" eaLnBrk="1" latinLnBrk="0" hangingPunct="1">
+              <a:spcBef>
+                <a:spcPct val="20000"/>
+              </a:spcBef>
+              <a:buFont typeface="Arial" panose="020B0604020202020204" pitchFamily="34" charset="0"/>
+              <a:buChar char="–"/>
+              <a:defRPr sz="2800" kern="1200">
+                <a:solidFill>
+                  <a:schemeClr val="tx1"/>
+                </a:solidFill>
+                <a:latin typeface="+mn-lt"/>
+                <a:ea typeface="+mn-ea"/>
+                <a:cs typeface="+mn-cs"/>
+              </a:defRPr>
+            </a:lvl2pPr>
+            <a:lvl3pPr marL="1143000" indent="-228600" algn="l" defTabSz="914400" rtl="0" eaLnBrk="1" latinLnBrk="0" hangingPunct="1">
+              <a:spcBef>
+                <a:spcPct val="20000"/>
+              </a:spcBef>
+              <a:buFont typeface="Arial" panose="020B0604020202020204" pitchFamily="34" charset="0"/>
+              <a:buChar char="•"/>
+              <a:defRPr sz="2400" kern="1200">
+                <a:solidFill>
+                  <a:schemeClr val="tx1"/>
+                </a:solidFill>
+                <a:latin typeface="+mn-lt"/>
+                <a:ea typeface="+mn-ea"/>
+                <a:cs typeface="+mn-cs"/>
+              </a:defRPr>
+            </a:lvl3pPr>
+            <a:lvl4pPr marL="1600200" indent="-228600" algn="l" defTabSz="914400" rtl="0" eaLnBrk="1" latinLnBrk="0" hangingPunct="1">
+              <a:spcBef>
+                <a:spcPct val="20000"/>
+              </a:spcBef>
+              <a:buFont typeface="Arial" panose="020B0604020202020204" pitchFamily="34" charset="0"/>
+              <a:buChar char="–"/>
+              <a:defRPr sz="2000" kern="1200">
+                <a:solidFill>
+                  <a:schemeClr val="tx1"/>
+                </a:solidFill>
+                <a:latin typeface="+mn-lt"/>
+                <a:ea typeface="+mn-ea"/>
+                <a:cs typeface="+mn-cs"/>
+              </a:defRPr>
+            </a:lvl4pPr>
+            <a:lvl5pPr marL="2057400" indent="-228600" algn="l" defTabSz="914400" rtl="0" eaLnBrk="1" latinLnBrk="0" hangingPunct="1">
+              <a:spcBef>
+                <a:spcPct val="20000"/>
+              </a:spcBef>
+              <a:buFont typeface="Arial" panose="020B0604020202020204" pitchFamily="34" charset="0"/>
+              <a:buChar char="»"/>
+              <a:defRPr sz="2000" kern="1200">
+                <a:solidFill>
+                  <a:schemeClr val="tx1"/>
+                </a:solidFill>
+                <a:latin typeface="+mn-lt"/>
+                <a:ea typeface="+mn-ea"/>
+                <a:cs typeface="+mn-cs"/>
+              </a:defRPr>
+            </a:lvl5pPr>
+            <a:lvl6pPr marL="2514600" indent="-228600" algn="l" defTabSz="914400" rtl="0" eaLnBrk="1" latinLnBrk="0" hangingPunct="1">
+              <a:spcBef>
+                <a:spcPct val="20000"/>
+              </a:spcBef>
+              <a:buFont typeface="Arial" panose="020B0604020202020204" pitchFamily="34" charset="0"/>
+              <a:buChar char="•"/>
+              <a:defRPr sz="2000" kern="1200">
+                <a:solidFill>
+                  <a:schemeClr val="tx1"/>
+                </a:solidFill>
+                <a:latin typeface="+mn-lt"/>
+                <a:ea typeface="+mn-ea"/>
+                <a:cs typeface="+mn-cs"/>
+              </a:defRPr>
+            </a:lvl6pPr>
+            <a:lvl7pPr marL="2971800" indent="-228600" algn="l" defTabSz="914400" rtl="0" eaLnBrk="1" latinLnBrk="0" hangingPunct="1">
+              <a:spcBef>
+                <a:spcPct val="20000"/>
+              </a:spcBef>
+              <a:buFont typeface="Arial" panose="020B0604020202020204" pitchFamily="34" charset="0"/>
+              <a:buChar char="•"/>
+              <a:defRPr sz="2000" kern="1200">
+                <a:solidFill>
+                  <a:schemeClr val="tx1"/>
+                </a:solidFill>
+                <a:latin typeface="+mn-lt"/>
+                <a:ea typeface="+mn-ea"/>
+                <a:cs typeface="+mn-cs"/>
+              </a:defRPr>
+            </a:lvl7pPr>
+            <a:lvl8pPr marL="3429000" indent="-228600" algn="l" defTabSz="914400" rtl="0" eaLnBrk="1" latinLnBrk="0" hangingPunct="1">
+              <a:spcBef>
+                <a:spcPct val="20000"/>
+              </a:spcBef>
+              <a:buFont typeface="Arial" panose="020B0604020202020204" pitchFamily="34" charset="0"/>
+              <a:buChar char="•"/>
+              <a:defRPr sz="2000" kern="1200">
+                <a:solidFill>
+                  <a:schemeClr val="tx1"/>
+                </a:solidFill>
+                <a:latin typeface="+mn-lt"/>
+                <a:ea typeface="+mn-ea"/>
+                <a:cs typeface="+mn-cs"/>
+              </a:defRPr>
+            </a:lvl8pPr>
+            <a:lvl9pPr marL="3886200" indent="-228600" algn="l" defTabSz="914400" rtl="0" eaLnBrk="1" latinLnBrk="0" hangingPunct="1">
+              <a:spcBef>
+                <a:spcPct val="20000"/>
+              </a:spcBef>
+              <a:buFont typeface="Arial" panose="020B0604020202020204" pitchFamily="34" charset="0"/>
+              <a:buChar char="•"/>
+              <a:defRPr sz="2000" kern="1200">
+                <a:solidFill>
+                  <a:schemeClr val="tx1"/>
+                </a:solidFill>
+                <a:latin typeface="+mn-lt"/>
+                <a:ea typeface="+mn-ea"/>
+                <a:cs typeface="+mn-cs"/>
+              </a:defRPr>
+            </a:lvl9pPr>
+          </a:lstStyle>
+          <a:p>
+            <a:pPr marL="0" indent="0">
+              <a:buNone/>
+            </a:pPr>
+            <a:r>
+              <a:rPr lang="en-US" sz="2900" dirty="0"/>
+              <a:t>Some of the </a:t>
+            </a:r>
+            <a:r>
+              <a:rPr lang="en-US" sz="2900" dirty="0" smtClean="0"/>
+              <a:t>key points about collaboration:</a:t>
+            </a:r>
+          </a:p>
+          <a:p>
+            <a:pPr marL="0" indent="0">
+              <a:buNone/>
+            </a:pPr>
+            <a:endParaRPr lang="en-US" sz="2900" dirty="0" smtClean="0"/>
+          </a:p>
+          <a:p>
+            <a:r>
+              <a:rPr lang="en-US" sz="2900" dirty="0" smtClean="0"/>
+              <a:t>Participants </a:t>
+            </a:r>
+            <a:r>
+              <a:rPr lang="en-US" sz="2900" dirty="0"/>
+              <a:t>with </a:t>
+            </a:r>
+            <a:r>
+              <a:rPr lang="en-US" sz="2900" dirty="0">
+                <a:solidFill>
+                  <a:srgbClr val="FF0000"/>
+                </a:solidFill>
+              </a:rPr>
+              <a:t>different beliefs</a:t>
+            </a:r>
+            <a:r>
+              <a:rPr lang="en-US" sz="2900" dirty="0"/>
+              <a:t> and </a:t>
+            </a:r>
+            <a:r>
+              <a:rPr lang="en-US" sz="2900" dirty="0" smtClean="0"/>
+              <a:t>capabilities,</a:t>
+            </a:r>
+          </a:p>
+          <a:p>
+            <a:r>
+              <a:rPr lang="en-US" sz="2900" dirty="0"/>
+              <a:t>Participants with </a:t>
+            </a:r>
+            <a:r>
+              <a:rPr lang="en-US" sz="2900" dirty="0">
+                <a:solidFill>
+                  <a:srgbClr val="FF0000"/>
+                </a:solidFill>
+              </a:rPr>
+              <a:t>p</a:t>
+            </a:r>
+            <a:r>
+              <a:rPr lang="en-US" sz="2900" dirty="0" smtClean="0">
+                <a:solidFill>
+                  <a:srgbClr val="FF0000"/>
+                </a:solidFill>
+              </a:rPr>
+              <a:t>artial </a:t>
+            </a:r>
+            <a:r>
+              <a:rPr lang="en-US" sz="2900" dirty="0">
+                <a:solidFill>
+                  <a:srgbClr val="FF0000"/>
+                </a:solidFill>
+              </a:rPr>
+              <a:t>knowledge </a:t>
+            </a:r>
+            <a:r>
+              <a:rPr lang="en-US" sz="2900" dirty="0"/>
+              <a:t>of the collaborative </a:t>
+            </a:r>
+            <a:r>
+              <a:rPr lang="en-US" sz="2900" dirty="0" smtClean="0"/>
+              <a:t>activities,</a:t>
+            </a:r>
+          </a:p>
+          <a:p>
+            <a:pPr lvl="1"/>
+            <a:endParaRPr lang="en-US" sz="2400" dirty="0" smtClean="0"/>
+          </a:p>
+          <a:p>
+            <a:endParaRPr lang="en-US" sz="2800" dirty="0"/>
+          </a:p>
+        </p:txBody>
+      </p:sp>
+      <p:sp>
+        <p:nvSpPr>
+          <p:cNvPr id="6" name="Title 1"/>
+          <p:cNvSpPr txBox="1">
+            <a:spLocks/>
+          </p:cNvSpPr>
+          <p:nvPr/>
+        </p:nvSpPr>
+        <p:spPr>
+          <a:xfrm>
+            <a:off x="685800" y="762000"/>
+            <a:ext cx="7772400" cy="1165225"/>
+          </a:xfrm>
+          <a:prstGeom prst="rect">
+            <a:avLst/>
+          </a:prstGeom>
+        </p:spPr>
+        <p:txBody>
+          <a:bodyPr vert="horz" lIns="91440" tIns="45720" rIns="91440" bIns="45720" rtlCol="0" anchor="ctr">
+            <a:noAutofit/>
+          </a:bodyPr>
+          <a:lstStyle>
+            <a:lvl1pPr algn="ctr" defTabSz="914400" rtl="0" eaLnBrk="1" latinLnBrk="0" hangingPunct="1">
+              <a:spcBef>
+                <a:spcPct val="0"/>
+              </a:spcBef>
+              <a:buNone/>
+              <a:defRPr sz="4400" kern="1200">
+                <a:solidFill>
+                  <a:schemeClr val="tx1"/>
+                </a:solidFill>
+                <a:latin typeface="+mj-lt"/>
+                <a:ea typeface="+mj-ea"/>
+                <a:cs typeface="+mj-cs"/>
+              </a:defRPr>
+            </a:lvl1pPr>
+          </a:lstStyle>
+          <a:p>
+            <a:pPr algn="l"/>
+            <a:r>
+              <a:rPr lang="en-US" sz="2000" b="1" smtClean="0"/>
+              <a:t>Collaboration</a:t>
+            </a:r>
+            <a:r>
+              <a:rPr lang="en-US" sz="2000" smtClean="0"/>
+              <a:t> is a special type of </a:t>
+            </a:r>
+            <a:r>
+              <a:rPr lang="en-US" sz="2000" smtClean="0">
+                <a:solidFill>
+                  <a:srgbClr val="FF0000"/>
+                </a:solidFill>
+              </a:rPr>
+              <a:t>coordinated activity</a:t>
+            </a:r>
+            <a:r>
+              <a:rPr lang="en-US" sz="2000" smtClean="0"/>
+              <a:t> in which the participants </a:t>
+            </a:r>
+            <a:r>
+              <a:rPr lang="en-US" sz="2000" smtClean="0">
+                <a:solidFill>
+                  <a:srgbClr val="FF0000"/>
+                </a:solidFill>
+              </a:rPr>
+              <a:t>work jointly</a:t>
+            </a:r>
+            <a:r>
+              <a:rPr lang="en-US" sz="2000" smtClean="0"/>
+              <a:t>, together performing a task or carrying out the activities needed to satisfy a </a:t>
+            </a:r>
+            <a:r>
+              <a:rPr lang="en-US" sz="2000" smtClean="0">
+                <a:solidFill>
+                  <a:srgbClr val="FF0000"/>
+                </a:solidFill>
+              </a:rPr>
+              <a:t>shared goal</a:t>
+            </a:r>
+            <a:r>
+              <a:rPr lang="en-US" sz="2000" smtClean="0"/>
+              <a:t>.</a:t>
+            </a:r>
+            <a:endParaRPr lang="en-US" sz="1800" dirty="0"/>
+          </a:p>
+        </p:txBody>
+      </p:sp>
+      <p:sp>
+        <p:nvSpPr>
+          <p:cNvPr id="7" name="Title 1"/>
+          <p:cNvSpPr txBox="1">
+            <a:spLocks/>
+          </p:cNvSpPr>
+          <p:nvPr/>
+        </p:nvSpPr>
+        <p:spPr>
+          <a:xfrm>
+            <a:off x="457200" y="0"/>
+            <a:ext cx="8229600" cy="1143000"/>
+          </a:xfrm>
+          <a:prstGeom prst="rect">
+            <a:avLst/>
+          </a:prstGeom>
+        </p:spPr>
+        <p:txBody>
+          <a:bodyPr vert="horz" lIns="91440" tIns="45720" rIns="91440" bIns="45720" rtlCol="0" anchor="ctr">
+            <a:normAutofit/>
+          </a:bodyPr>
+          <a:lstStyle>
+            <a:lvl1pPr algn="ctr" defTabSz="914400" rtl="0" eaLnBrk="1" latinLnBrk="0" hangingPunct="1">
+              <a:spcBef>
+                <a:spcPct val="0"/>
+              </a:spcBef>
+              <a:buNone/>
+              <a:defRPr sz="4400" kern="1200">
+                <a:solidFill>
+                  <a:schemeClr val="tx1"/>
+                </a:solidFill>
+                <a:latin typeface="+mj-lt"/>
+                <a:ea typeface="+mj-ea"/>
+                <a:cs typeface="+mj-cs"/>
+              </a:defRPr>
+            </a:lvl1pPr>
+          </a:lstStyle>
+          <a:p>
+            <a:pPr algn="l"/>
+            <a:r>
+              <a:rPr lang="en-US" sz="2400" b="1" dirty="0" smtClean="0"/>
+              <a:t>Collaboration</a:t>
+            </a:r>
+            <a:endParaRPr lang="en-US" sz="2400" b="1" dirty="0"/>
+          </a:p>
+        </p:txBody>
+      </p:sp>
+    </p:spTree>
+    <p:extLst>
+      <p:ext uri="{BB962C8B-B14F-4D97-AF65-F5344CB8AC3E}">
+        <p14:creationId xmlns:p14="http://schemas.microsoft.com/office/powerpoint/2010/main" val="2668313360"/>
+      </p:ext>
+    </p:extLst>
+  </p:cSld>
+  <p:clrMapOvr>
+    <a:masterClrMapping/>
+  </p:clrMapOvr>
+  <p:timing>
+    <p:tnLst>
+      <p:par>
+        <p:cTn id="1" dur="indefinite" restart="never" nodeType="tmRoot"/>
+      </p:par>
+    </p:tnLst>
+  </p:timing>
+</p:sld>
+</file>
+
+<file path=ppt/slides/slide4.xml><?xml version="1.0" encoding="utf-8"?>
+<p:sld xmlns:a="http://schemas.openxmlformats.org/drawingml/2006/main" xmlns:r="http://schemas.openxmlformats.org/officeDocument/2006/relationships" xmlns:p="http://schemas.openxmlformats.org/presentationml/2006/main">
+  <p:cSld>
+    <p:spTree>
+      <p:nvGrpSpPr>
+        <p:cNvPr id="1" name=""/>
+        <p:cNvGrpSpPr/>
+        <p:nvPr/>
+      </p:nvGrpSpPr>
+      <p:grpSpPr>
+        <a:xfrm>
+          <a:off x="0" y="0"/>
+          <a:ext cx="0" cy="0"/>
+          <a:chOff x="0" y="0"/>
+          <a:chExt cx="0" cy="0"/>
+        </a:xfrm>
+      </p:grpSpPr>
+      <p:sp>
+        <p:nvSpPr>
+          <p:cNvPr id="5" name="Content Placeholder 2"/>
+          <p:cNvSpPr txBox="1">
+            <a:spLocks/>
+          </p:cNvSpPr>
+          <p:nvPr/>
+        </p:nvSpPr>
+        <p:spPr>
+          <a:xfrm>
+            <a:off x="457199" y="1981201"/>
+            <a:ext cx="8206611" cy="1828799"/>
+          </a:xfrm>
+          <a:prstGeom prst="rect">
+            <a:avLst/>
+          </a:prstGeom>
+        </p:spPr>
+        <p:txBody>
+          <a:bodyPr vert="horz" lIns="91440" tIns="45720" rIns="91440" bIns="45720" rtlCol="0">
+            <a:normAutofit fontScale="77500" lnSpcReduction="20000"/>
+          </a:bodyPr>
+          <a:lstStyle>
+            <a:lvl1pPr marL="342900" indent="-342900" algn="l" defTabSz="914400" rtl="0" eaLnBrk="1" latinLnBrk="0" hangingPunct="1">
+              <a:spcBef>
+                <a:spcPct val="20000"/>
+              </a:spcBef>
+              <a:buFont typeface="Arial" panose="020B0604020202020204" pitchFamily="34" charset="0"/>
+              <a:buChar char="•"/>
+              <a:defRPr sz="3200" kern="1200">
+                <a:solidFill>
+                  <a:schemeClr val="tx1"/>
+                </a:solidFill>
+                <a:latin typeface="+mn-lt"/>
+                <a:ea typeface="+mn-ea"/>
+                <a:cs typeface="+mn-cs"/>
+              </a:defRPr>
+            </a:lvl1pPr>
+            <a:lvl2pPr marL="742950" indent="-285750" algn="l" defTabSz="914400" rtl="0" eaLnBrk="1" latinLnBrk="0" hangingPunct="1">
+              <a:spcBef>
+                <a:spcPct val="20000"/>
+              </a:spcBef>
+              <a:buFont typeface="Arial" panose="020B0604020202020204" pitchFamily="34" charset="0"/>
+              <a:buChar char="–"/>
+              <a:defRPr sz="2800" kern="1200">
+                <a:solidFill>
+                  <a:schemeClr val="tx1"/>
+                </a:solidFill>
+                <a:latin typeface="+mn-lt"/>
+                <a:ea typeface="+mn-ea"/>
+                <a:cs typeface="+mn-cs"/>
+              </a:defRPr>
+            </a:lvl2pPr>
+            <a:lvl3pPr marL="1143000" indent="-228600" algn="l" defTabSz="914400" rtl="0" eaLnBrk="1" latinLnBrk="0" hangingPunct="1">
+              <a:spcBef>
+                <a:spcPct val="20000"/>
+              </a:spcBef>
+              <a:buFont typeface="Arial" panose="020B0604020202020204" pitchFamily="34" charset="0"/>
+              <a:buChar char="•"/>
+              <a:defRPr sz="2400" kern="1200">
+                <a:solidFill>
+                  <a:schemeClr val="tx1"/>
+                </a:solidFill>
+                <a:latin typeface="+mn-lt"/>
+                <a:ea typeface="+mn-ea"/>
+                <a:cs typeface="+mn-cs"/>
+              </a:defRPr>
+            </a:lvl3pPr>
+            <a:lvl4pPr marL="1600200" indent="-228600" algn="l" defTabSz="914400" rtl="0" eaLnBrk="1" latinLnBrk="0" hangingPunct="1">
+              <a:spcBef>
+                <a:spcPct val="20000"/>
+              </a:spcBef>
+              <a:buFont typeface="Arial" panose="020B0604020202020204" pitchFamily="34" charset="0"/>
+              <a:buChar char="–"/>
+              <a:defRPr sz="2000" kern="1200">
+                <a:solidFill>
+                  <a:schemeClr val="tx1"/>
+                </a:solidFill>
+                <a:latin typeface="+mn-lt"/>
+                <a:ea typeface="+mn-ea"/>
+                <a:cs typeface="+mn-cs"/>
+              </a:defRPr>
+            </a:lvl4pPr>
+            <a:lvl5pPr marL="2057400" indent="-228600" algn="l" defTabSz="914400" rtl="0" eaLnBrk="1" latinLnBrk="0" hangingPunct="1">
+              <a:spcBef>
+                <a:spcPct val="20000"/>
+              </a:spcBef>
+              <a:buFont typeface="Arial" panose="020B0604020202020204" pitchFamily="34" charset="0"/>
+              <a:buChar char="»"/>
+              <a:defRPr sz="2000" kern="1200">
+                <a:solidFill>
+                  <a:schemeClr val="tx1"/>
+                </a:solidFill>
+                <a:latin typeface="+mn-lt"/>
+                <a:ea typeface="+mn-ea"/>
+                <a:cs typeface="+mn-cs"/>
+              </a:defRPr>
+            </a:lvl5pPr>
+            <a:lvl6pPr marL="2514600" indent="-228600" algn="l" defTabSz="914400" rtl="0" eaLnBrk="1" latinLnBrk="0" hangingPunct="1">
+              <a:spcBef>
+                <a:spcPct val="20000"/>
+              </a:spcBef>
+              <a:buFont typeface="Arial" panose="020B0604020202020204" pitchFamily="34" charset="0"/>
+              <a:buChar char="•"/>
+              <a:defRPr sz="2000" kern="1200">
+                <a:solidFill>
+                  <a:schemeClr val="tx1"/>
+                </a:solidFill>
+                <a:latin typeface="+mn-lt"/>
+                <a:ea typeface="+mn-ea"/>
+                <a:cs typeface="+mn-cs"/>
+              </a:defRPr>
+            </a:lvl6pPr>
+            <a:lvl7pPr marL="2971800" indent="-228600" algn="l" defTabSz="914400" rtl="0" eaLnBrk="1" latinLnBrk="0" hangingPunct="1">
+              <a:spcBef>
+                <a:spcPct val="20000"/>
+              </a:spcBef>
+              <a:buFont typeface="Arial" panose="020B0604020202020204" pitchFamily="34" charset="0"/>
+              <a:buChar char="•"/>
+              <a:defRPr sz="2000" kern="1200">
+                <a:solidFill>
+                  <a:schemeClr val="tx1"/>
+                </a:solidFill>
+                <a:latin typeface="+mn-lt"/>
+                <a:ea typeface="+mn-ea"/>
+                <a:cs typeface="+mn-cs"/>
+              </a:defRPr>
+            </a:lvl7pPr>
+            <a:lvl8pPr marL="3429000" indent="-228600" algn="l" defTabSz="914400" rtl="0" eaLnBrk="1" latinLnBrk="0" hangingPunct="1">
+              <a:spcBef>
+                <a:spcPct val="20000"/>
+              </a:spcBef>
+              <a:buFont typeface="Arial" panose="020B0604020202020204" pitchFamily="34" charset="0"/>
+              <a:buChar char="•"/>
+              <a:defRPr sz="2000" kern="1200">
+                <a:solidFill>
+                  <a:schemeClr val="tx1"/>
+                </a:solidFill>
+                <a:latin typeface="+mn-lt"/>
+                <a:ea typeface="+mn-ea"/>
+                <a:cs typeface="+mn-cs"/>
+              </a:defRPr>
+            </a:lvl8pPr>
+            <a:lvl9pPr marL="3886200" indent="-228600" algn="l" defTabSz="914400" rtl="0" eaLnBrk="1" latinLnBrk="0" hangingPunct="1">
+              <a:spcBef>
+                <a:spcPct val="20000"/>
+              </a:spcBef>
+              <a:buFont typeface="Arial" panose="020B0604020202020204" pitchFamily="34" charset="0"/>
+              <a:buChar char="•"/>
+              <a:defRPr sz="2000" kern="1200">
+                <a:solidFill>
+                  <a:schemeClr val="tx1"/>
+                </a:solidFill>
+                <a:latin typeface="+mn-lt"/>
+                <a:ea typeface="+mn-ea"/>
+                <a:cs typeface="+mn-cs"/>
+              </a:defRPr>
+            </a:lvl9pPr>
+          </a:lstStyle>
+          <a:p>
+            <a:pPr marL="0" indent="0">
+              <a:buNone/>
+            </a:pPr>
+            <a:r>
+              <a:rPr lang="en-US" sz="2900" dirty="0"/>
+              <a:t>Some of the </a:t>
+            </a:r>
+            <a:r>
+              <a:rPr lang="en-US" sz="2900" dirty="0" smtClean="0"/>
+              <a:t>key points about collaboration:</a:t>
+            </a:r>
+          </a:p>
+          <a:p>
+            <a:pPr marL="0" indent="0">
+              <a:buNone/>
+            </a:pPr>
+            <a:endParaRPr lang="en-US" sz="2900" dirty="0" smtClean="0"/>
+          </a:p>
+          <a:p>
+            <a:r>
+              <a:rPr lang="en-US" sz="2900" dirty="0" smtClean="0"/>
+              <a:t>Participants </a:t>
+            </a:r>
+            <a:r>
+              <a:rPr lang="en-US" sz="2900" dirty="0"/>
+              <a:t>with </a:t>
+            </a:r>
+            <a:r>
+              <a:rPr lang="en-US" sz="2900" dirty="0">
+                <a:solidFill>
+                  <a:srgbClr val="FF0000"/>
+                </a:solidFill>
+              </a:rPr>
+              <a:t>different beliefs</a:t>
+            </a:r>
+            <a:r>
+              <a:rPr lang="en-US" sz="2900" dirty="0"/>
+              <a:t> and </a:t>
+            </a:r>
+            <a:r>
+              <a:rPr lang="en-US" sz="2900" dirty="0" smtClean="0"/>
+              <a:t>capabilities,</a:t>
+            </a:r>
+          </a:p>
+          <a:p>
+            <a:r>
+              <a:rPr lang="en-US" sz="2900" dirty="0"/>
+              <a:t>Participants with </a:t>
+            </a:r>
+            <a:r>
+              <a:rPr lang="en-US" sz="2900" dirty="0">
+                <a:solidFill>
+                  <a:srgbClr val="FF0000"/>
+                </a:solidFill>
+              </a:rPr>
+              <a:t>p</a:t>
+            </a:r>
+            <a:r>
+              <a:rPr lang="en-US" sz="2900" dirty="0" smtClean="0">
+                <a:solidFill>
+                  <a:srgbClr val="FF0000"/>
+                </a:solidFill>
+              </a:rPr>
+              <a:t>artial </a:t>
+            </a:r>
+            <a:r>
+              <a:rPr lang="en-US" sz="2900" dirty="0">
+                <a:solidFill>
+                  <a:srgbClr val="FF0000"/>
+                </a:solidFill>
+              </a:rPr>
+              <a:t>knowledge </a:t>
+            </a:r>
+            <a:r>
+              <a:rPr lang="en-US" sz="2900" dirty="0"/>
+              <a:t>of the collaborative </a:t>
+            </a:r>
+            <a:r>
+              <a:rPr lang="en-US" sz="2900" dirty="0" smtClean="0"/>
+              <a:t>activities,</a:t>
+            </a:r>
+          </a:p>
+          <a:p>
+            <a:r>
+              <a:rPr lang="en-US" sz="2900" dirty="0" smtClean="0"/>
+              <a:t>Collaborative </a:t>
+            </a:r>
+            <a:r>
+              <a:rPr lang="en-US" sz="2900" dirty="0"/>
+              <a:t>plans are </a:t>
+            </a:r>
+            <a:r>
+              <a:rPr lang="en-US" sz="2900" dirty="0">
+                <a:solidFill>
+                  <a:srgbClr val="FF0000"/>
+                </a:solidFill>
+              </a:rPr>
+              <a:t>more than the sum</a:t>
+            </a:r>
+            <a:r>
+              <a:rPr lang="en-US" sz="2900" dirty="0"/>
+              <a:t> of individual </a:t>
+            </a:r>
+            <a:r>
+              <a:rPr lang="en-US" sz="2900" dirty="0" smtClean="0"/>
+              <a:t>plans,</a:t>
+            </a:r>
+          </a:p>
+          <a:p>
+            <a:pPr lvl="1"/>
+            <a:endParaRPr lang="en-US" sz="2400" dirty="0" smtClean="0"/>
+          </a:p>
+          <a:p>
+            <a:endParaRPr lang="en-US" sz="2800" dirty="0"/>
+          </a:p>
+        </p:txBody>
+      </p:sp>
+      <p:sp>
+        <p:nvSpPr>
+          <p:cNvPr id="7" name="Title 1"/>
+          <p:cNvSpPr>
+            <a:spLocks noGrp="1"/>
+          </p:cNvSpPr>
+          <p:nvPr>
+            <p:ph type="ctrTitle"/>
+          </p:nvPr>
+        </p:nvSpPr>
+        <p:spPr>
+          <a:xfrm>
+            <a:off x="685800" y="762000"/>
+            <a:ext cx="7772400" cy="1165225"/>
+          </a:xfrm>
+        </p:spPr>
+        <p:txBody>
+          <a:bodyPr>
+            <a:noAutofit/>
+          </a:bodyPr>
+          <a:lstStyle/>
+          <a:p>
+            <a:pPr algn="l"/>
+            <a:r>
+              <a:rPr lang="en-US" sz="2000" b="1" dirty="0" smtClean="0"/>
+              <a:t>Collaboration</a:t>
+            </a:r>
+            <a:r>
+              <a:rPr lang="en-US" sz="2000" dirty="0" smtClean="0"/>
+              <a:t> is a special type of </a:t>
+            </a:r>
+            <a:r>
+              <a:rPr lang="en-US" sz="2000" dirty="0" smtClean="0">
+                <a:solidFill>
+                  <a:srgbClr val="FF0000"/>
+                </a:solidFill>
+              </a:rPr>
+              <a:t>coordinated activity</a:t>
+            </a:r>
+            <a:r>
+              <a:rPr lang="en-US" sz="2000" dirty="0" smtClean="0"/>
+              <a:t> in which the participants </a:t>
+            </a:r>
+            <a:r>
+              <a:rPr lang="en-US" sz="2000" dirty="0" smtClean="0">
+                <a:solidFill>
+                  <a:srgbClr val="FF0000"/>
+                </a:solidFill>
+              </a:rPr>
+              <a:t>work jointly</a:t>
+            </a:r>
+            <a:r>
+              <a:rPr lang="en-US" sz="2000" dirty="0" smtClean="0"/>
+              <a:t>, together performing a task or carrying out the activities needed to satisfy a </a:t>
+            </a:r>
+            <a:r>
+              <a:rPr lang="en-US" sz="2000" dirty="0" smtClean="0">
+                <a:solidFill>
+                  <a:srgbClr val="FF0000"/>
+                </a:solidFill>
+              </a:rPr>
+              <a:t>shared goal</a:t>
+            </a:r>
+            <a:r>
+              <a:rPr lang="en-US" sz="2000" dirty="0" smtClean="0"/>
+              <a:t>.</a:t>
+            </a:r>
+            <a:endParaRPr lang="en-US" sz="1800" dirty="0"/>
+          </a:p>
+        </p:txBody>
+      </p:sp>
+      <p:sp>
+        <p:nvSpPr>
+          <p:cNvPr id="8" name="Title 1"/>
+          <p:cNvSpPr txBox="1">
+            <a:spLocks/>
+          </p:cNvSpPr>
+          <p:nvPr/>
+        </p:nvSpPr>
+        <p:spPr>
+          <a:xfrm>
+            <a:off x="457200" y="0"/>
+            <a:ext cx="8229600" cy="1143000"/>
+          </a:xfrm>
+          <a:prstGeom prst="rect">
+            <a:avLst/>
+          </a:prstGeom>
+        </p:spPr>
+        <p:txBody>
+          <a:bodyPr vert="horz" lIns="91440" tIns="45720" rIns="91440" bIns="45720" rtlCol="0" anchor="ctr">
+            <a:normAutofit/>
+          </a:bodyPr>
+          <a:lstStyle>
+            <a:lvl1pPr algn="ctr" defTabSz="914400" rtl="0" eaLnBrk="1" latinLnBrk="0" hangingPunct="1">
+              <a:spcBef>
+                <a:spcPct val="0"/>
+              </a:spcBef>
+              <a:buNone/>
+              <a:defRPr sz="4400" kern="1200">
+                <a:solidFill>
+                  <a:schemeClr val="tx1"/>
+                </a:solidFill>
+                <a:latin typeface="+mj-lt"/>
+                <a:ea typeface="+mj-ea"/>
+                <a:cs typeface="+mj-cs"/>
+              </a:defRPr>
+            </a:lvl1pPr>
+          </a:lstStyle>
+          <a:p>
+            <a:pPr algn="l"/>
+            <a:r>
+              <a:rPr lang="en-US" sz="2400" b="1" dirty="0" smtClean="0"/>
+              <a:t>Collaboration</a:t>
+            </a:r>
+            <a:endParaRPr lang="en-US" sz="2400" b="1" dirty="0"/>
+          </a:p>
+        </p:txBody>
+      </p:sp>
+    </p:spTree>
+    <p:extLst>
+      <p:ext uri="{BB962C8B-B14F-4D97-AF65-F5344CB8AC3E}">
+        <p14:creationId xmlns:p14="http://schemas.microsoft.com/office/powerpoint/2010/main" val="2668313360"/>
+      </p:ext>
+    </p:extLst>
+  </p:cSld>
+  <p:clrMapOvr>
+    <a:masterClrMapping/>
+  </p:clrMapOvr>
+  <p:timing>
+    <p:tnLst>
+      <p:par>
+        <p:cTn id="1" dur="indefinite" restart="never" nodeType="tmRoot"/>
+      </p:par>
+    </p:tnLst>
+  </p:timing>
+</p:sld>
+</file>
+
+<file path=ppt/slides/slide5.xml><?xml version="1.0" encoding="utf-8"?>
+<p:sld xmlns:a="http://schemas.openxmlformats.org/drawingml/2006/main" xmlns:r="http://schemas.openxmlformats.org/officeDocument/2006/relationships" xmlns:p="http://schemas.openxmlformats.org/presentationml/2006/main">
+  <p:cSld>
+    <p:spTree>
+      <p:nvGrpSpPr>
+        <p:cNvPr id="1" name=""/>
+        <p:cNvGrpSpPr/>
+        <p:nvPr/>
+      </p:nvGrpSpPr>
+      <p:grpSpPr>
+        <a:xfrm>
+          <a:off x="0" y="0"/>
+          <a:ext cx="0" cy="0"/>
+          <a:chOff x="0" y="0"/>
+          <a:chExt cx="0" cy="0"/>
+        </a:xfrm>
+      </p:grpSpPr>
+      <p:sp>
+        <p:nvSpPr>
+          <p:cNvPr id="5" name="Content Placeholder 2"/>
+          <p:cNvSpPr txBox="1">
+            <a:spLocks/>
+          </p:cNvSpPr>
+          <p:nvPr/>
+        </p:nvSpPr>
+        <p:spPr>
+          <a:xfrm>
+            <a:off x="457199" y="1981201"/>
+            <a:ext cx="8206611" cy="2819400"/>
+          </a:xfrm>
+          <a:prstGeom prst="rect">
+            <a:avLst/>
+          </a:prstGeom>
+        </p:spPr>
+        <p:txBody>
+          <a:bodyPr vert="horz" lIns="91440" tIns="45720" rIns="91440" bIns="45720" rtlCol="0">
+            <a:normAutofit fontScale="77500" lnSpcReduction="20000"/>
+          </a:bodyPr>
+          <a:lstStyle>
+            <a:lvl1pPr marL="342900" indent="-342900" algn="l" defTabSz="914400" rtl="0" eaLnBrk="1" latinLnBrk="0" hangingPunct="1">
+              <a:spcBef>
+                <a:spcPct val="20000"/>
+              </a:spcBef>
+              <a:buFont typeface="Arial" panose="020B0604020202020204" pitchFamily="34" charset="0"/>
+              <a:buChar char="•"/>
+              <a:defRPr sz="3200" kern="1200">
+                <a:solidFill>
+                  <a:schemeClr val="tx1"/>
+                </a:solidFill>
+                <a:latin typeface="+mn-lt"/>
+                <a:ea typeface="+mn-ea"/>
+                <a:cs typeface="+mn-cs"/>
+              </a:defRPr>
+            </a:lvl1pPr>
+            <a:lvl2pPr marL="742950" indent="-285750" algn="l" defTabSz="914400" rtl="0" eaLnBrk="1" latinLnBrk="0" hangingPunct="1">
+              <a:spcBef>
+                <a:spcPct val="20000"/>
+              </a:spcBef>
+              <a:buFont typeface="Arial" panose="020B0604020202020204" pitchFamily="34" charset="0"/>
+              <a:buChar char="–"/>
+              <a:defRPr sz="2800" kern="1200">
+                <a:solidFill>
+                  <a:schemeClr val="tx1"/>
+                </a:solidFill>
+                <a:latin typeface="+mn-lt"/>
+                <a:ea typeface="+mn-ea"/>
+                <a:cs typeface="+mn-cs"/>
+              </a:defRPr>
+            </a:lvl2pPr>
+            <a:lvl3pPr marL="1143000" indent="-228600" algn="l" defTabSz="914400" rtl="0" eaLnBrk="1" latinLnBrk="0" hangingPunct="1">
+              <a:spcBef>
+                <a:spcPct val="20000"/>
+              </a:spcBef>
+              <a:buFont typeface="Arial" panose="020B0604020202020204" pitchFamily="34" charset="0"/>
+              <a:buChar char="•"/>
+              <a:defRPr sz="2400" kern="1200">
+                <a:solidFill>
+                  <a:schemeClr val="tx1"/>
+                </a:solidFill>
+                <a:latin typeface="+mn-lt"/>
+                <a:ea typeface="+mn-ea"/>
+                <a:cs typeface="+mn-cs"/>
+              </a:defRPr>
+            </a:lvl3pPr>
+            <a:lvl4pPr marL="1600200" indent="-228600" algn="l" defTabSz="914400" rtl="0" eaLnBrk="1" latinLnBrk="0" hangingPunct="1">
+              <a:spcBef>
+                <a:spcPct val="20000"/>
+              </a:spcBef>
+              <a:buFont typeface="Arial" panose="020B0604020202020204" pitchFamily="34" charset="0"/>
+              <a:buChar char="–"/>
+              <a:defRPr sz="2000" kern="1200">
+                <a:solidFill>
+                  <a:schemeClr val="tx1"/>
+                </a:solidFill>
+                <a:latin typeface="+mn-lt"/>
+                <a:ea typeface="+mn-ea"/>
+                <a:cs typeface="+mn-cs"/>
+              </a:defRPr>
+            </a:lvl4pPr>
+            <a:lvl5pPr marL="2057400" indent="-228600" algn="l" defTabSz="914400" rtl="0" eaLnBrk="1" latinLnBrk="0" hangingPunct="1">
+              <a:spcBef>
+                <a:spcPct val="20000"/>
+              </a:spcBef>
+              <a:buFont typeface="Arial" panose="020B0604020202020204" pitchFamily="34" charset="0"/>
+              <a:buChar char="»"/>
+              <a:defRPr sz="2000" kern="1200">
+                <a:solidFill>
+                  <a:schemeClr val="tx1"/>
+                </a:solidFill>
+                <a:latin typeface="+mn-lt"/>
+                <a:ea typeface="+mn-ea"/>
+                <a:cs typeface="+mn-cs"/>
+              </a:defRPr>
+            </a:lvl5pPr>
+            <a:lvl6pPr marL="2514600" indent="-228600" algn="l" defTabSz="914400" rtl="0" eaLnBrk="1" latinLnBrk="0" hangingPunct="1">
+              <a:spcBef>
+                <a:spcPct val="20000"/>
+              </a:spcBef>
+              <a:buFont typeface="Arial" panose="020B0604020202020204" pitchFamily="34" charset="0"/>
+              <a:buChar char="•"/>
+              <a:defRPr sz="2000" kern="1200">
+                <a:solidFill>
+                  <a:schemeClr val="tx1"/>
+                </a:solidFill>
+                <a:latin typeface="+mn-lt"/>
+                <a:ea typeface="+mn-ea"/>
+                <a:cs typeface="+mn-cs"/>
+              </a:defRPr>
+            </a:lvl6pPr>
+            <a:lvl7pPr marL="2971800" indent="-228600" algn="l" defTabSz="914400" rtl="0" eaLnBrk="1" latinLnBrk="0" hangingPunct="1">
+              <a:spcBef>
+                <a:spcPct val="20000"/>
+              </a:spcBef>
+              <a:buFont typeface="Arial" panose="020B0604020202020204" pitchFamily="34" charset="0"/>
+              <a:buChar char="•"/>
+              <a:defRPr sz="2000" kern="1200">
+                <a:solidFill>
+                  <a:schemeClr val="tx1"/>
+                </a:solidFill>
+                <a:latin typeface="+mn-lt"/>
+                <a:ea typeface="+mn-ea"/>
+                <a:cs typeface="+mn-cs"/>
+              </a:defRPr>
+            </a:lvl7pPr>
+            <a:lvl8pPr marL="3429000" indent="-228600" algn="l" defTabSz="914400" rtl="0" eaLnBrk="1" latinLnBrk="0" hangingPunct="1">
+              <a:spcBef>
+                <a:spcPct val="20000"/>
+              </a:spcBef>
+              <a:buFont typeface="Arial" panose="020B0604020202020204" pitchFamily="34" charset="0"/>
+              <a:buChar char="•"/>
+              <a:defRPr sz="2000" kern="1200">
+                <a:solidFill>
+                  <a:schemeClr val="tx1"/>
+                </a:solidFill>
+                <a:latin typeface="+mn-lt"/>
+                <a:ea typeface="+mn-ea"/>
+                <a:cs typeface="+mn-cs"/>
+              </a:defRPr>
+            </a:lvl8pPr>
+            <a:lvl9pPr marL="3886200" indent="-228600" algn="l" defTabSz="914400" rtl="0" eaLnBrk="1" latinLnBrk="0" hangingPunct="1">
+              <a:spcBef>
+                <a:spcPct val="20000"/>
+              </a:spcBef>
+              <a:buFont typeface="Arial" panose="020B0604020202020204" pitchFamily="34" charset="0"/>
+              <a:buChar char="•"/>
+              <a:defRPr sz="2000" kern="1200">
+                <a:solidFill>
+                  <a:schemeClr val="tx1"/>
+                </a:solidFill>
+                <a:latin typeface="+mn-lt"/>
+                <a:ea typeface="+mn-ea"/>
+                <a:cs typeface="+mn-cs"/>
+              </a:defRPr>
+            </a:lvl9pPr>
+          </a:lstStyle>
+          <a:p>
+            <a:pPr marL="0" indent="0">
+              <a:buNone/>
+            </a:pPr>
+            <a:r>
+              <a:rPr lang="en-US" sz="2900" dirty="0"/>
+              <a:t>Some of the </a:t>
+            </a:r>
+            <a:r>
+              <a:rPr lang="en-US" sz="2900" dirty="0" smtClean="0"/>
+              <a:t>key points about collaboration:</a:t>
+            </a:r>
+          </a:p>
+          <a:p>
+            <a:pPr marL="0" indent="0">
+              <a:buNone/>
+            </a:pPr>
+            <a:endParaRPr lang="en-US" sz="2900" dirty="0" smtClean="0"/>
+          </a:p>
+          <a:p>
+            <a:r>
+              <a:rPr lang="en-US" sz="2900" dirty="0" smtClean="0"/>
+              <a:t>Participants </a:t>
+            </a:r>
+            <a:r>
+              <a:rPr lang="en-US" sz="2900" dirty="0"/>
+              <a:t>with </a:t>
+            </a:r>
+            <a:r>
+              <a:rPr lang="en-US" sz="2900" dirty="0">
+                <a:solidFill>
+                  <a:srgbClr val="FF0000"/>
+                </a:solidFill>
+              </a:rPr>
+              <a:t>different beliefs</a:t>
+            </a:r>
+            <a:r>
+              <a:rPr lang="en-US" sz="2900" dirty="0"/>
+              <a:t> and </a:t>
+            </a:r>
+            <a:r>
+              <a:rPr lang="en-US" sz="2900" dirty="0" smtClean="0"/>
+              <a:t>capabilities,</a:t>
+            </a:r>
+          </a:p>
+          <a:p>
+            <a:r>
+              <a:rPr lang="en-US" sz="2900" dirty="0"/>
+              <a:t>Participants with </a:t>
+            </a:r>
+            <a:r>
+              <a:rPr lang="en-US" sz="2900" dirty="0">
+                <a:solidFill>
+                  <a:srgbClr val="FF0000"/>
+                </a:solidFill>
+              </a:rPr>
+              <a:t>p</a:t>
+            </a:r>
+            <a:r>
+              <a:rPr lang="en-US" sz="2900" dirty="0" smtClean="0">
+                <a:solidFill>
+                  <a:srgbClr val="FF0000"/>
+                </a:solidFill>
+              </a:rPr>
+              <a:t>artial </a:t>
+            </a:r>
+            <a:r>
+              <a:rPr lang="en-US" sz="2900" dirty="0">
+                <a:solidFill>
+                  <a:srgbClr val="FF0000"/>
+                </a:solidFill>
+              </a:rPr>
+              <a:t>knowledge </a:t>
+            </a:r>
+            <a:r>
+              <a:rPr lang="en-US" sz="2900" dirty="0"/>
+              <a:t>of the collaborative </a:t>
+            </a:r>
+            <a:r>
+              <a:rPr lang="en-US" sz="2900" dirty="0" smtClean="0"/>
+              <a:t>activities,</a:t>
+            </a:r>
+          </a:p>
+          <a:p>
+            <a:r>
+              <a:rPr lang="en-US" sz="2900" dirty="0" smtClean="0"/>
+              <a:t>Collaborative </a:t>
+            </a:r>
+            <a:r>
+              <a:rPr lang="en-US" sz="2900" dirty="0"/>
+              <a:t>plans are </a:t>
+            </a:r>
+            <a:r>
+              <a:rPr lang="en-US" sz="2900" dirty="0">
+                <a:solidFill>
+                  <a:srgbClr val="FF0000"/>
+                </a:solidFill>
+              </a:rPr>
+              <a:t>more than the sum</a:t>
+            </a:r>
+            <a:r>
+              <a:rPr lang="en-US" sz="2900" dirty="0"/>
+              <a:t> of individual </a:t>
+            </a:r>
+            <a:r>
+              <a:rPr lang="en-US" sz="2900" dirty="0" smtClean="0"/>
+              <a:t>plans,</a:t>
+            </a:r>
+          </a:p>
+          <a:p>
+            <a:r>
+              <a:rPr lang="en-US" sz="2900" dirty="0" smtClean="0"/>
+              <a:t>Collaborators </a:t>
+            </a:r>
+            <a:r>
+              <a:rPr lang="en-US" sz="2900" dirty="0"/>
+              <a:t>are required to </a:t>
+            </a:r>
+            <a:r>
+              <a:rPr lang="en-US" sz="2900" dirty="0">
+                <a:solidFill>
+                  <a:srgbClr val="FF0000"/>
+                </a:solidFill>
+              </a:rPr>
+              <a:t>maintain mutual beliefs </a:t>
+            </a:r>
+            <a:r>
+              <a:rPr lang="en-US" sz="2900" dirty="0"/>
+              <a:t>about their shared </a:t>
+            </a:r>
+            <a:r>
+              <a:rPr lang="en-US" sz="2900" dirty="0" smtClean="0"/>
+              <a:t>goal throughout </a:t>
+            </a:r>
+            <a:r>
+              <a:rPr lang="en-US" sz="2900" dirty="0"/>
+              <a:t>the collaboration</a:t>
+            </a:r>
+            <a:r>
+              <a:rPr lang="en-US" sz="2900" dirty="0" smtClean="0"/>
+              <a:t>,</a:t>
+            </a:r>
+          </a:p>
+          <a:p>
+            <a:pPr lvl="1"/>
+            <a:endParaRPr lang="en-US" sz="2400" dirty="0" smtClean="0"/>
+          </a:p>
+          <a:p>
+            <a:endParaRPr lang="en-US" sz="2800" dirty="0"/>
+          </a:p>
+        </p:txBody>
+      </p:sp>
+      <p:sp>
+        <p:nvSpPr>
+          <p:cNvPr id="6" name="Title 1"/>
+          <p:cNvSpPr>
+            <a:spLocks noGrp="1"/>
+          </p:cNvSpPr>
+          <p:nvPr>
+            <p:ph type="ctrTitle"/>
+          </p:nvPr>
+        </p:nvSpPr>
+        <p:spPr>
+          <a:xfrm>
+            <a:off x="685800" y="762000"/>
+            <a:ext cx="7772400" cy="1165225"/>
+          </a:xfrm>
+        </p:spPr>
+        <p:txBody>
+          <a:bodyPr>
+            <a:noAutofit/>
+          </a:bodyPr>
+          <a:lstStyle/>
+          <a:p>
+            <a:pPr algn="l"/>
+            <a:r>
+              <a:rPr lang="en-US" sz="2000" b="1" dirty="0" smtClean="0"/>
+              <a:t>Collaboration</a:t>
+            </a:r>
+            <a:r>
+              <a:rPr lang="en-US" sz="2000" dirty="0" smtClean="0"/>
+              <a:t> is a special type of </a:t>
+            </a:r>
+            <a:r>
+              <a:rPr lang="en-US" sz="2000" dirty="0" smtClean="0">
+                <a:solidFill>
+                  <a:srgbClr val="FF0000"/>
+                </a:solidFill>
+              </a:rPr>
+              <a:t>coordinated activity</a:t>
+            </a:r>
+            <a:r>
+              <a:rPr lang="en-US" sz="2000" dirty="0" smtClean="0"/>
+              <a:t> in which the participants </a:t>
+            </a:r>
+            <a:r>
+              <a:rPr lang="en-US" sz="2000" dirty="0" smtClean="0">
+                <a:solidFill>
+                  <a:srgbClr val="FF0000"/>
+                </a:solidFill>
+              </a:rPr>
+              <a:t>work jointly</a:t>
+            </a:r>
+            <a:r>
+              <a:rPr lang="en-US" sz="2000" dirty="0" smtClean="0"/>
+              <a:t>, together performing a task or carrying out the activities needed to satisfy a </a:t>
+            </a:r>
+            <a:r>
+              <a:rPr lang="en-US" sz="2000" dirty="0" smtClean="0">
+                <a:solidFill>
+                  <a:srgbClr val="FF0000"/>
+                </a:solidFill>
+              </a:rPr>
+              <a:t>shared goal</a:t>
+            </a:r>
+            <a:r>
+              <a:rPr lang="en-US" sz="2000" dirty="0" smtClean="0"/>
+              <a:t>.</a:t>
+            </a:r>
+            <a:endParaRPr lang="en-US" sz="1800" dirty="0"/>
+          </a:p>
+        </p:txBody>
+      </p:sp>
+      <p:sp>
+        <p:nvSpPr>
+          <p:cNvPr id="7" name="Title 1"/>
+          <p:cNvSpPr txBox="1">
+            <a:spLocks/>
+          </p:cNvSpPr>
+          <p:nvPr/>
+        </p:nvSpPr>
+        <p:spPr>
+          <a:xfrm>
+            <a:off x="457200" y="0"/>
+            <a:ext cx="8229600" cy="1143000"/>
+          </a:xfrm>
+          <a:prstGeom prst="rect">
+            <a:avLst/>
+          </a:prstGeom>
+        </p:spPr>
+        <p:txBody>
+          <a:bodyPr vert="horz" lIns="91440" tIns="45720" rIns="91440" bIns="45720" rtlCol="0" anchor="ctr">
+            <a:normAutofit/>
+          </a:bodyPr>
+          <a:lstStyle>
+            <a:lvl1pPr algn="ctr" defTabSz="914400" rtl="0" eaLnBrk="1" latinLnBrk="0" hangingPunct="1">
+              <a:spcBef>
+                <a:spcPct val="0"/>
+              </a:spcBef>
+              <a:buNone/>
+              <a:defRPr sz="4400" kern="1200">
+                <a:solidFill>
+                  <a:schemeClr val="tx1"/>
+                </a:solidFill>
+                <a:latin typeface="+mj-lt"/>
+                <a:ea typeface="+mj-ea"/>
+                <a:cs typeface="+mj-cs"/>
+              </a:defRPr>
+            </a:lvl1pPr>
+          </a:lstStyle>
+          <a:p>
+            <a:pPr algn="l"/>
+            <a:r>
+              <a:rPr lang="en-US" sz="2400" b="1" dirty="0" smtClean="0"/>
+              <a:t>Collaboration</a:t>
+            </a:r>
+            <a:endParaRPr lang="en-US" sz="2400" b="1" dirty="0"/>
+          </a:p>
+        </p:txBody>
+      </p:sp>
+    </p:spTree>
+    <p:extLst>
+      <p:ext uri="{BB962C8B-B14F-4D97-AF65-F5344CB8AC3E}">
+        <p14:creationId xmlns:p14="http://schemas.microsoft.com/office/powerpoint/2010/main" val="2668313360"/>
+      </p:ext>
+    </p:extLst>
+  </p:cSld>
+  <p:clrMapOvr>
+    <a:masterClrMapping/>
+  </p:clrMapOvr>
+  <p:timing>
+    <p:tnLst>
+      <p:par>
+        <p:cTn id="1" dur="indefinite" restart="never" nodeType="tmRoot"/>
+      </p:par>
+    </p:tnLst>
+  </p:timing>
+</p:sld>
+</file>
+
+<file path=ppt/slides/slide6.xml><?xml version="1.0" encoding="utf-8"?>
+<p:sld xmlns:a="http://schemas.openxmlformats.org/drawingml/2006/main" xmlns:r="http://schemas.openxmlformats.org/officeDocument/2006/relationships" xmlns:p="http://schemas.openxmlformats.org/presentationml/2006/main">
+  <p:cSld>
+    <p:spTree>
+      <p:nvGrpSpPr>
+        <p:cNvPr id="1" name=""/>
+        <p:cNvGrpSpPr/>
+        <p:nvPr/>
+      </p:nvGrpSpPr>
+      <p:grpSpPr>
+        <a:xfrm>
+          <a:off x="0" y="0"/>
+          <a:ext cx="0" cy="0"/>
+          <a:chOff x="0" y="0"/>
+          <a:chExt cx="0" cy="0"/>
+        </a:xfrm>
+      </p:grpSpPr>
+      <p:sp>
+        <p:nvSpPr>
+          <p:cNvPr id="5" name="Content Placeholder 2"/>
+          <p:cNvSpPr txBox="1">
+            <a:spLocks/>
+          </p:cNvSpPr>
+          <p:nvPr/>
+        </p:nvSpPr>
+        <p:spPr>
+          <a:xfrm>
+            <a:off x="457199" y="1981201"/>
+            <a:ext cx="8206611" cy="3505200"/>
+          </a:xfrm>
+          <a:prstGeom prst="rect">
+            <a:avLst/>
+          </a:prstGeom>
+        </p:spPr>
+        <p:txBody>
+          <a:bodyPr vert="horz" lIns="91440" tIns="45720" rIns="91440" bIns="45720" rtlCol="0">
+            <a:normAutofit fontScale="77500" lnSpcReduction="20000"/>
+          </a:bodyPr>
+          <a:lstStyle>
+            <a:lvl1pPr marL="342900" indent="-342900" algn="l" defTabSz="914400" rtl="0" eaLnBrk="1" latinLnBrk="0" hangingPunct="1">
+              <a:spcBef>
+                <a:spcPct val="20000"/>
+              </a:spcBef>
+              <a:buFont typeface="Arial" panose="020B0604020202020204" pitchFamily="34" charset="0"/>
+              <a:buChar char="•"/>
+              <a:defRPr sz="3200" kern="1200">
+                <a:solidFill>
+                  <a:schemeClr val="tx1"/>
+                </a:solidFill>
+                <a:latin typeface="+mn-lt"/>
+                <a:ea typeface="+mn-ea"/>
+                <a:cs typeface="+mn-cs"/>
+              </a:defRPr>
+            </a:lvl1pPr>
+            <a:lvl2pPr marL="742950" indent="-285750" algn="l" defTabSz="914400" rtl="0" eaLnBrk="1" latinLnBrk="0" hangingPunct="1">
+              <a:spcBef>
+                <a:spcPct val="20000"/>
+              </a:spcBef>
+              <a:buFont typeface="Arial" panose="020B0604020202020204" pitchFamily="34" charset="0"/>
+              <a:buChar char="–"/>
+              <a:defRPr sz="2800" kern="1200">
+                <a:solidFill>
+                  <a:schemeClr val="tx1"/>
+                </a:solidFill>
+                <a:latin typeface="+mn-lt"/>
+                <a:ea typeface="+mn-ea"/>
+                <a:cs typeface="+mn-cs"/>
+              </a:defRPr>
+            </a:lvl2pPr>
+            <a:lvl3pPr marL="1143000" indent="-228600" algn="l" defTabSz="914400" rtl="0" eaLnBrk="1" latinLnBrk="0" hangingPunct="1">
+              <a:spcBef>
+                <a:spcPct val="20000"/>
+              </a:spcBef>
+              <a:buFont typeface="Arial" panose="020B0604020202020204" pitchFamily="34" charset="0"/>
+              <a:buChar char="•"/>
+              <a:defRPr sz="2400" kern="1200">
+                <a:solidFill>
+                  <a:schemeClr val="tx1"/>
+                </a:solidFill>
+                <a:latin typeface="+mn-lt"/>
+                <a:ea typeface="+mn-ea"/>
+                <a:cs typeface="+mn-cs"/>
+              </a:defRPr>
+            </a:lvl3pPr>
+            <a:lvl4pPr marL="1600200" indent="-228600" algn="l" defTabSz="914400" rtl="0" eaLnBrk="1" latinLnBrk="0" hangingPunct="1">
+              <a:spcBef>
+                <a:spcPct val="20000"/>
+              </a:spcBef>
+              <a:buFont typeface="Arial" panose="020B0604020202020204" pitchFamily="34" charset="0"/>
+              <a:buChar char="–"/>
+              <a:defRPr sz="2000" kern="1200">
+                <a:solidFill>
+                  <a:schemeClr val="tx1"/>
+                </a:solidFill>
+                <a:latin typeface="+mn-lt"/>
+                <a:ea typeface="+mn-ea"/>
+                <a:cs typeface="+mn-cs"/>
+              </a:defRPr>
+            </a:lvl4pPr>
+            <a:lvl5pPr marL="2057400" indent="-228600" algn="l" defTabSz="914400" rtl="0" eaLnBrk="1" latinLnBrk="0" hangingPunct="1">
+              <a:spcBef>
+                <a:spcPct val="20000"/>
+              </a:spcBef>
+              <a:buFont typeface="Arial" panose="020B0604020202020204" pitchFamily="34" charset="0"/>
+              <a:buChar char="»"/>
+              <a:defRPr sz="2000" kern="1200">
+                <a:solidFill>
+                  <a:schemeClr val="tx1"/>
+                </a:solidFill>
+                <a:latin typeface="+mn-lt"/>
+                <a:ea typeface="+mn-ea"/>
+                <a:cs typeface="+mn-cs"/>
+              </a:defRPr>
+            </a:lvl5pPr>
+            <a:lvl6pPr marL="2514600" indent="-228600" algn="l" defTabSz="914400" rtl="0" eaLnBrk="1" latinLnBrk="0" hangingPunct="1">
+              <a:spcBef>
+                <a:spcPct val="20000"/>
+              </a:spcBef>
+              <a:buFont typeface="Arial" panose="020B0604020202020204" pitchFamily="34" charset="0"/>
+              <a:buChar char="•"/>
+              <a:defRPr sz="2000" kern="1200">
+                <a:solidFill>
+                  <a:schemeClr val="tx1"/>
+                </a:solidFill>
+                <a:latin typeface="+mn-lt"/>
+                <a:ea typeface="+mn-ea"/>
+                <a:cs typeface="+mn-cs"/>
+              </a:defRPr>
+            </a:lvl6pPr>
+            <a:lvl7pPr marL="2971800" indent="-228600" algn="l" defTabSz="914400" rtl="0" eaLnBrk="1" latinLnBrk="0" hangingPunct="1">
+              <a:spcBef>
+                <a:spcPct val="20000"/>
+              </a:spcBef>
+              <a:buFont typeface="Arial" panose="020B0604020202020204" pitchFamily="34" charset="0"/>
+              <a:buChar char="•"/>
+              <a:defRPr sz="2000" kern="1200">
+                <a:solidFill>
+                  <a:schemeClr val="tx1"/>
+                </a:solidFill>
+                <a:latin typeface="+mn-lt"/>
+                <a:ea typeface="+mn-ea"/>
+                <a:cs typeface="+mn-cs"/>
+              </a:defRPr>
+            </a:lvl7pPr>
+            <a:lvl8pPr marL="3429000" indent="-228600" algn="l" defTabSz="914400" rtl="0" eaLnBrk="1" latinLnBrk="0" hangingPunct="1">
+              <a:spcBef>
+                <a:spcPct val="20000"/>
+              </a:spcBef>
+              <a:buFont typeface="Arial" panose="020B0604020202020204" pitchFamily="34" charset="0"/>
+              <a:buChar char="•"/>
+              <a:defRPr sz="2000" kern="1200">
+                <a:solidFill>
+                  <a:schemeClr val="tx1"/>
+                </a:solidFill>
+                <a:latin typeface="+mn-lt"/>
+                <a:ea typeface="+mn-ea"/>
+                <a:cs typeface="+mn-cs"/>
+              </a:defRPr>
+            </a:lvl8pPr>
+            <a:lvl9pPr marL="3886200" indent="-228600" algn="l" defTabSz="914400" rtl="0" eaLnBrk="1" latinLnBrk="0" hangingPunct="1">
+              <a:spcBef>
+                <a:spcPct val="20000"/>
+              </a:spcBef>
+              <a:buFont typeface="Arial" panose="020B0604020202020204" pitchFamily="34" charset="0"/>
+              <a:buChar char="•"/>
+              <a:defRPr sz="2000" kern="1200">
+                <a:solidFill>
+                  <a:schemeClr val="tx1"/>
+                </a:solidFill>
+                <a:latin typeface="+mn-lt"/>
+                <a:ea typeface="+mn-ea"/>
+                <a:cs typeface="+mn-cs"/>
+              </a:defRPr>
+            </a:lvl9pPr>
+          </a:lstStyle>
+          <a:p>
+            <a:pPr marL="0" indent="0">
+              <a:buNone/>
+            </a:pPr>
+            <a:r>
+              <a:rPr lang="en-US" sz="2900" dirty="0"/>
+              <a:t>Some of the </a:t>
+            </a:r>
+            <a:r>
+              <a:rPr lang="en-US" sz="2900" dirty="0" smtClean="0"/>
+              <a:t>key points about collaboration:</a:t>
+            </a:r>
+          </a:p>
+          <a:p>
+            <a:pPr marL="0" indent="0">
+              <a:buNone/>
+            </a:pPr>
+            <a:endParaRPr lang="en-US" sz="2900" dirty="0" smtClean="0"/>
+          </a:p>
+          <a:p>
+            <a:r>
+              <a:rPr lang="en-US" sz="2900" dirty="0" smtClean="0"/>
+              <a:t>Participants </a:t>
+            </a:r>
+            <a:r>
+              <a:rPr lang="en-US" sz="2900" dirty="0"/>
+              <a:t>with </a:t>
+            </a:r>
+            <a:r>
+              <a:rPr lang="en-US" sz="2900" dirty="0">
+                <a:solidFill>
+                  <a:srgbClr val="FF0000"/>
+                </a:solidFill>
+              </a:rPr>
+              <a:t>different beliefs</a:t>
+            </a:r>
+            <a:r>
+              <a:rPr lang="en-US" sz="2900" dirty="0"/>
+              <a:t> and </a:t>
+            </a:r>
+            <a:r>
+              <a:rPr lang="en-US" sz="2900" dirty="0" smtClean="0"/>
+              <a:t>capabilities,</a:t>
+            </a:r>
+          </a:p>
+          <a:p>
+            <a:r>
+              <a:rPr lang="en-US" sz="2900" dirty="0"/>
+              <a:t>Participants with </a:t>
+            </a:r>
+            <a:r>
+              <a:rPr lang="en-US" sz="2900" dirty="0">
+                <a:solidFill>
+                  <a:srgbClr val="FF0000"/>
+                </a:solidFill>
+              </a:rPr>
+              <a:t>p</a:t>
+            </a:r>
+            <a:r>
+              <a:rPr lang="en-US" sz="2900" dirty="0" smtClean="0">
+                <a:solidFill>
+                  <a:srgbClr val="FF0000"/>
+                </a:solidFill>
+              </a:rPr>
+              <a:t>artial </a:t>
+            </a:r>
+            <a:r>
+              <a:rPr lang="en-US" sz="2900" dirty="0">
+                <a:solidFill>
+                  <a:srgbClr val="FF0000"/>
+                </a:solidFill>
+              </a:rPr>
+              <a:t>knowledge </a:t>
+            </a:r>
+            <a:r>
+              <a:rPr lang="en-US" sz="2900" dirty="0"/>
+              <a:t>of the collaborative </a:t>
+            </a:r>
+            <a:r>
+              <a:rPr lang="en-US" sz="2900" dirty="0" smtClean="0"/>
+              <a:t>activities,</a:t>
+            </a:r>
+          </a:p>
+          <a:p>
+            <a:r>
+              <a:rPr lang="en-US" sz="2900" dirty="0" smtClean="0"/>
+              <a:t>Collaborative </a:t>
+            </a:r>
+            <a:r>
+              <a:rPr lang="en-US" sz="2900" dirty="0"/>
+              <a:t>plans are </a:t>
+            </a:r>
+            <a:r>
+              <a:rPr lang="en-US" sz="2900" dirty="0">
+                <a:solidFill>
+                  <a:srgbClr val="FF0000"/>
+                </a:solidFill>
+              </a:rPr>
+              <a:t>more than the sum</a:t>
+            </a:r>
+            <a:r>
+              <a:rPr lang="en-US" sz="2900" dirty="0"/>
+              <a:t> of individual </a:t>
+            </a:r>
+            <a:r>
+              <a:rPr lang="en-US" sz="2900" dirty="0" smtClean="0"/>
+              <a:t>plans,</a:t>
+            </a:r>
+          </a:p>
+          <a:p>
+            <a:r>
+              <a:rPr lang="en-US" sz="2900" dirty="0" smtClean="0"/>
+              <a:t>Collaborators </a:t>
+            </a:r>
+            <a:r>
+              <a:rPr lang="en-US" sz="2900" dirty="0"/>
+              <a:t>are required to </a:t>
+            </a:r>
+            <a:r>
+              <a:rPr lang="en-US" sz="2900" dirty="0">
+                <a:solidFill>
+                  <a:srgbClr val="FF0000"/>
+                </a:solidFill>
+              </a:rPr>
+              <a:t>maintain mutual beliefs </a:t>
+            </a:r>
+            <a:r>
+              <a:rPr lang="en-US" sz="2900" dirty="0"/>
+              <a:t>about their shared </a:t>
+            </a:r>
+            <a:r>
+              <a:rPr lang="en-US" sz="2900" dirty="0" smtClean="0"/>
+              <a:t>goal throughout </a:t>
+            </a:r>
+            <a:r>
+              <a:rPr lang="en-US" sz="2900" dirty="0"/>
+              <a:t>the collaboration</a:t>
+            </a:r>
+            <a:r>
+              <a:rPr lang="en-US" sz="2900" dirty="0" smtClean="0"/>
+              <a:t>,</a:t>
+            </a:r>
+          </a:p>
+          <a:p>
+            <a:r>
+              <a:rPr lang="en-US" sz="2900" dirty="0" smtClean="0"/>
+              <a:t>Collaborators  </a:t>
+            </a:r>
+            <a:r>
+              <a:rPr lang="en-US" sz="2900" dirty="0"/>
+              <a:t>need to be able to </a:t>
+            </a:r>
+            <a:r>
+              <a:rPr lang="en-US" sz="2900" dirty="0">
+                <a:solidFill>
+                  <a:srgbClr val="FF0000"/>
+                </a:solidFill>
+              </a:rPr>
+              <a:t>communicate</a:t>
+            </a:r>
+            <a:r>
+              <a:rPr lang="en-US" sz="2900" dirty="0"/>
+              <a:t> with others effectively</a:t>
+            </a:r>
+            <a:r>
+              <a:rPr lang="en-US" sz="2900" dirty="0" smtClean="0"/>
+              <a:t>,</a:t>
+            </a:r>
+          </a:p>
+          <a:p>
+            <a:pPr lvl="1"/>
+            <a:endParaRPr lang="en-US" sz="2400" dirty="0" smtClean="0"/>
+          </a:p>
+          <a:p>
+            <a:endParaRPr lang="en-US" sz="2800" dirty="0"/>
+          </a:p>
+        </p:txBody>
+      </p:sp>
+      <p:sp>
+        <p:nvSpPr>
+          <p:cNvPr id="6" name="Title 1"/>
+          <p:cNvSpPr>
+            <a:spLocks noGrp="1"/>
+          </p:cNvSpPr>
+          <p:nvPr>
+            <p:ph type="ctrTitle"/>
+          </p:nvPr>
+        </p:nvSpPr>
+        <p:spPr>
+          <a:xfrm>
+            <a:off x="685800" y="762000"/>
+            <a:ext cx="7772400" cy="1165225"/>
+          </a:xfrm>
+        </p:spPr>
+        <p:txBody>
+          <a:bodyPr>
+            <a:noAutofit/>
+          </a:bodyPr>
+          <a:lstStyle/>
+          <a:p>
+            <a:pPr algn="l"/>
+            <a:r>
+              <a:rPr lang="en-US" sz="2000" b="1" dirty="0" smtClean="0"/>
+              <a:t>Collaboration</a:t>
+            </a:r>
+            <a:r>
+              <a:rPr lang="en-US" sz="2000" dirty="0" smtClean="0"/>
+              <a:t> is a special type of </a:t>
+            </a:r>
+            <a:r>
+              <a:rPr lang="en-US" sz="2000" dirty="0" smtClean="0">
+                <a:solidFill>
+                  <a:srgbClr val="FF0000"/>
+                </a:solidFill>
+              </a:rPr>
+              <a:t>coordinated activity</a:t>
+            </a:r>
+            <a:r>
+              <a:rPr lang="en-US" sz="2000" dirty="0" smtClean="0"/>
+              <a:t> in which the participants </a:t>
+            </a:r>
+            <a:r>
+              <a:rPr lang="en-US" sz="2000" dirty="0" smtClean="0">
+                <a:solidFill>
+                  <a:srgbClr val="FF0000"/>
+                </a:solidFill>
+              </a:rPr>
+              <a:t>work jointly</a:t>
+            </a:r>
+            <a:r>
+              <a:rPr lang="en-US" sz="2000" dirty="0" smtClean="0"/>
+              <a:t>, together performing a task or carrying out the activities needed to satisfy a </a:t>
+            </a:r>
+            <a:r>
+              <a:rPr lang="en-US" sz="2000" dirty="0" smtClean="0">
+                <a:solidFill>
+                  <a:srgbClr val="FF0000"/>
+                </a:solidFill>
+              </a:rPr>
+              <a:t>shared goal</a:t>
+            </a:r>
+            <a:r>
+              <a:rPr lang="en-US" sz="2000" dirty="0" smtClean="0"/>
+              <a:t>.</a:t>
+            </a:r>
+            <a:endParaRPr lang="en-US" sz="1800" dirty="0"/>
+          </a:p>
+        </p:txBody>
+      </p:sp>
+      <p:sp>
+        <p:nvSpPr>
+          <p:cNvPr id="7" name="Title 1"/>
+          <p:cNvSpPr txBox="1">
+            <a:spLocks/>
+          </p:cNvSpPr>
+          <p:nvPr/>
+        </p:nvSpPr>
+        <p:spPr>
+          <a:xfrm>
+            <a:off x="457200" y="0"/>
+            <a:ext cx="8229600" cy="1143000"/>
+          </a:xfrm>
+          <a:prstGeom prst="rect">
+            <a:avLst/>
+          </a:prstGeom>
+        </p:spPr>
+        <p:txBody>
+          <a:bodyPr vert="horz" lIns="91440" tIns="45720" rIns="91440" bIns="45720" rtlCol="0" anchor="ctr">
+            <a:normAutofit/>
+          </a:bodyPr>
+          <a:lstStyle>
+            <a:lvl1pPr algn="ctr" defTabSz="914400" rtl="0" eaLnBrk="1" latinLnBrk="0" hangingPunct="1">
+              <a:spcBef>
+                <a:spcPct val="0"/>
+              </a:spcBef>
+              <a:buNone/>
+              <a:defRPr sz="4400" kern="1200">
+                <a:solidFill>
+                  <a:schemeClr val="tx1"/>
+                </a:solidFill>
+                <a:latin typeface="+mj-lt"/>
+                <a:ea typeface="+mj-ea"/>
+                <a:cs typeface="+mj-cs"/>
+              </a:defRPr>
+            </a:lvl1pPr>
+          </a:lstStyle>
+          <a:p>
+            <a:pPr algn="l"/>
+            <a:r>
+              <a:rPr lang="en-US" sz="2400" b="1" dirty="0" smtClean="0"/>
+              <a:t>Collaboration</a:t>
+            </a:r>
+            <a:endParaRPr lang="en-US" sz="2400" b="1" dirty="0"/>
+          </a:p>
+        </p:txBody>
+      </p:sp>
+    </p:spTree>
+    <p:extLst>
+      <p:ext uri="{BB962C8B-B14F-4D97-AF65-F5344CB8AC3E}">
+        <p14:creationId xmlns:p14="http://schemas.microsoft.com/office/powerpoint/2010/main" val="2668313360"/>
+      </p:ext>
+    </p:extLst>
+  </p:cSld>
+  <p:clrMapOvr>
+    <a:masterClrMapping/>
+  </p:clrMapOvr>
+  <p:timing>
+    <p:tnLst>
+      <p:par>
+        <p:cTn id="1" dur="indefinite" restart="never" nodeType="tmRoot"/>
+      </p:par>
+    </p:tnLst>
+  </p:timing>
+</p:sld>
+</file>
+
+<file path=ppt/slides/slide7.xml><?xml version="1.0" encoding="utf-8"?>
+<p:sld xmlns:a="http://schemas.openxmlformats.org/drawingml/2006/main" xmlns:r="http://schemas.openxmlformats.org/officeDocument/2006/relationships" xmlns:p="http://schemas.openxmlformats.org/presentationml/2006/main">
+  <p:cSld>
+    <p:spTree>
+      <p:nvGrpSpPr>
+        <p:cNvPr id="1" name=""/>
+        <p:cNvGrpSpPr/>
+        <p:nvPr/>
+      </p:nvGrpSpPr>
+      <p:grpSpPr>
+        <a:xfrm>
+          <a:off x="0" y="0"/>
+          <a:ext cx="0" cy="0"/>
+          <a:chOff x="0" y="0"/>
+          <a:chExt cx="0" cy="0"/>
+        </a:xfrm>
+      </p:grpSpPr>
+      <p:sp>
+        <p:nvSpPr>
+          <p:cNvPr id="5" name="Content Placeholder 2"/>
+          <p:cNvSpPr txBox="1">
+            <a:spLocks/>
+          </p:cNvSpPr>
+          <p:nvPr/>
+        </p:nvSpPr>
+        <p:spPr>
+          <a:xfrm>
+            <a:off x="457199" y="1981200"/>
+            <a:ext cx="8206611" cy="4525963"/>
+          </a:xfrm>
+          <a:prstGeom prst="rect">
+            <a:avLst/>
+          </a:prstGeom>
+        </p:spPr>
+        <p:txBody>
+          <a:bodyPr vert="horz" lIns="91440" tIns="45720" rIns="91440" bIns="45720" rtlCol="0">
+            <a:normAutofit fontScale="77500" lnSpcReduction="20000"/>
+          </a:bodyPr>
+          <a:lstStyle>
+            <a:lvl1pPr marL="342900" indent="-342900" algn="l" defTabSz="914400" rtl="0" eaLnBrk="1" latinLnBrk="0" hangingPunct="1">
+              <a:spcBef>
+                <a:spcPct val="20000"/>
+              </a:spcBef>
+              <a:buFont typeface="Arial" panose="020B0604020202020204" pitchFamily="34" charset="0"/>
+              <a:buChar char="•"/>
+              <a:defRPr sz="3200" kern="1200">
+                <a:solidFill>
+                  <a:schemeClr val="tx1"/>
+                </a:solidFill>
+                <a:latin typeface="+mn-lt"/>
+                <a:ea typeface="+mn-ea"/>
+                <a:cs typeface="+mn-cs"/>
+              </a:defRPr>
+            </a:lvl1pPr>
+            <a:lvl2pPr marL="742950" indent="-285750" algn="l" defTabSz="914400" rtl="0" eaLnBrk="1" latinLnBrk="0" hangingPunct="1">
+              <a:spcBef>
+                <a:spcPct val="20000"/>
+              </a:spcBef>
+              <a:buFont typeface="Arial" panose="020B0604020202020204" pitchFamily="34" charset="0"/>
+              <a:buChar char="–"/>
+              <a:defRPr sz="2800" kern="1200">
+                <a:solidFill>
+                  <a:schemeClr val="tx1"/>
+                </a:solidFill>
+                <a:latin typeface="+mn-lt"/>
+                <a:ea typeface="+mn-ea"/>
+                <a:cs typeface="+mn-cs"/>
+              </a:defRPr>
+            </a:lvl2pPr>
+            <a:lvl3pPr marL="1143000" indent="-228600" algn="l" defTabSz="914400" rtl="0" eaLnBrk="1" latinLnBrk="0" hangingPunct="1">
+              <a:spcBef>
+                <a:spcPct val="20000"/>
+              </a:spcBef>
+              <a:buFont typeface="Arial" panose="020B0604020202020204" pitchFamily="34" charset="0"/>
+              <a:buChar char="•"/>
+              <a:defRPr sz="2400" kern="1200">
+                <a:solidFill>
+                  <a:schemeClr val="tx1"/>
+                </a:solidFill>
+                <a:latin typeface="+mn-lt"/>
+                <a:ea typeface="+mn-ea"/>
+                <a:cs typeface="+mn-cs"/>
+              </a:defRPr>
+            </a:lvl3pPr>
+            <a:lvl4pPr marL="1600200" indent="-228600" algn="l" defTabSz="914400" rtl="0" eaLnBrk="1" latinLnBrk="0" hangingPunct="1">
+              <a:spcBef>
+                <a:spcPct val="20000"/>
+              </a:spcBef>
+              <a:buFont typeface="Arial" panose="020B0604020202020204" pitchFamily="34" charset="0"/>
+              <a:buChar char="–"/>
+              <a:defRPr sz="2000" kern="1200">
+                <a:solidFill>
+                  <a:schemeClr val="tx1"/>
+                </a:solidFill>
+                <a:latin typeface="+mn-lt"/>
+                <a:ea typeface="+mn-ea"/>
+                <a:cs typeface="+mn-cs"/>
+              </a:defRPr>
+            </a:lvl4pPr>
+            <a:lvl5pPr marL="2057400" indent="-228600" algn="l" defTabSz="914400" rtl="0" eaLnBrk="1" latinLnBrk="0" hangingPunct="1">
+              <a:spcBef>
+                <a:spcPct val="20000"/>
+              </a:spcBef>
+              <a:buFont typeface="Arial" panose="020B0604020202020204" pitchFamily="34" charset="0"/>
+              <a:buChar char="»"/>
+              <a:defRPr sz="2000" kern="1200">
+                <a:solidFill>
+                  <a:schemeClr val="tx1"/>
+                </a:solidFill>
+                <a:latin typeface="+mn-lt"/>
+                <a:ea typeface="+mn-ea"/>
+                <a:cs typeface="+mn-cs"/>
+              </a:defRPr>
+            </a:lvl5pPr>
+            <a:lvl6pPr marL="2514600" indent="-228600" algn="l" defTabSz="914400" rtl="0" eaLnBrk="1" latinLnBrk="0" hangingPunct="1">
+              <a:spcBef>
+                <a:spcPct val="20000"/>
+              </a:spcBef>
+              <a:buFont typeface="Arial" panose="020B0604020202020204" pitchFamily="34" charset="0"/>
+              <a:buChar char="•"/>
+              <a:defRPr sz="2000" kern="1200">
+                <a:solidFill>
+                  <a:schemeClr val="tx1"/>
+                </a:solidFill>
+                <a:latin typeface="+mn-lt"/>
+                <a:ea typeface="+mn-ea"/>
+                <a:cs typeface="+mn-cs"/>
+              </a:defRPr>
+            </a:lvl6pPr>
+            <a:lvl7pPr marL="2971800" indent="-228600" algn="l" defTabSz="914400" rtl="0" eaLnBrk="1" latinLnBrk="0" hangingPunct="1">
+              <a:spcBef>
+                <a:spcPct val="20000"/>
+              </a:spcBef>
+              <a:buFont typeface="Arial" panose="020B0604020202020204" pitchFamily="34" charset="0"/>
+              <a:buChar char="•"/>
+              <a:defRPr sz="2000" kern="1200">
+                <a:solidFill>
+                  <a:schemeClr val="tx1"/>
+                </a:solidFill>
+                <a:latin typeface="+mn-lt"/>
+                <a:ea typeface="+mn-ea"/>
+                <a:cs typeface="+mn-cs"/>
+              </a:defRPr>
+            </a:lvl7pPr>
+            <a:lvl8pPr marL="3429000" indent="-228600" algn="l" defTabSz="914400" rtl="0" eaLnBrk="1" latinLnBrk="0" hangingPunct="1">
+              <a:spcBef>
+                <a:spcPct val="20000"/>
+              </a:spcBef>
+              <a:buFont typeface="Arial" panose="020B0604020202020204" pitchFamily="34" charset="0"/>
+              <a:buChar char="•"/>
+              <a:defRPr sz="2000" kern="1200">
+                <a:solidFill>
+                  <a:schemeClr val="tx1"/>
+                </a:solidFill>
+                <a:latin typeface="+mn-lt"/>
+                <a:ea typeface="+mn-ea"/>
+                <a:cs typeface="+mn-cs"/>
+              </a:defRPr>
+            </a:lvl8pPr>
+            <a:lvl9pPr marL="3886200" indent="-228600" algn="l" defTabSz="914400" rtl="0" eaLnBrk="1" latinLnBrk="0" hangingPunct="1">
+              <a:spcBef>
+                <a:spcPct val="20000"/>
+              </a:spcBef>
+              <a:buFont typeface="Arial" panose="020B0604020202020204" pitchFamily="34" charset="0"/>
+              <a:buChar char="•"/>
+              <a:defRPr sz="2000" kern="1200">
+                <a:solidFill>
+                  <a:schemeClr val="tx1"/>
+                </a:solidFill>
+                <a:latin typeface="+mn-lt"/>
+                <a:ea typeface="+mn-ea"/>
+                <a:cs typeface="+mn-cs"/>
+              </a:defRPr>
+            </a:lvl9pPr>
+          </a:lstStyle>
+          <a:p>
+            <a:pPr marL="0" indent="0">
+              <a:buNone/>
+            </a:pPr>
+            <a:r>
+              <a:rPr lang="en-US" sz="2900" dirty="0"/>
+              <a:t>Some of the </a:t>
+            </a:r>
+            <a:r>
+              <a:rPr lang="en-US" sz="2900" dirty="0" smtClean="0"/>
+              <a:t>key points about collaboration:</a:t>
+            </a:r>
+          </a:p>
+          <a:p>
+            <a:pPr marL="0" indent="0">
+              <a:buNone/>
+            </a:pPr>
+            <a:endParaRPr lang="en-US" sz="2900" dirty="0" smtClean="0"/>
+          </a:p>
+          <a:p>
+            <a:r>
+              <a:rPr lang="en-US" sz="2900" dirty="0" smtClean="0"/>
+              <a:t>Participants </a:t>
+            </a:r>
+            <a:r>
+              <a:rPr lang="en-US" sz="2900" dirty="0"/>
+              <a:t>with </a:t>
+            </a:r>
+            <a:r>
+              <a:rPr lang="en-US" sz="2900" dirty="0">
+                <a:solidFill>
+                  <a:srgbClr val="FF0000"/>
+                </a:solidFill>
+              </a:rPr>
+              <a:t>different beliefs</a:t>
+            </a:r>
+            <a:r>
+              <a:rPr lang="en-US" sz="2900" dirty="0"/>
+              <a:t> and </a:t>
+            </a:r>
+            <a:r>
+              <a:rPr lang="en-US" sz="2900" dirty="0" smtClean="0"/>
+              <a:t>capabilities,</a:t>
+            </a:r>
+          </a:p>
+          <a:p>
+            <a:r>
+              <a:rPr lang="en-US" sz="2900" dirty="0"/>
+              <a:t>Participants with </a:t>
+            </a:r>
+            <a:r>
+              <a:rPr lang="en-US" sz="2900" dirty="0">
+                <a:solidFill>
+                  <a:srgbClr val="FF0000"/>
+                </a:solidFill>
+              </a:rPr>
+              <a:t>p</a:t>
+            </a:r>
+            <a:r>
+              <a:rPr lang="en-US" sz="2900" dirty="0" smtClean="0">
+                <a:solidFill>
+                  <a:srgbClr val="FF0000"/>
+                </a:solidFill>
+              </a:rPr>
+              <a:t>artial </a:t>
+            </a:r>
+            <a:r>
+              <a:rPr lang="en-US" sz="2900" dirty="0">
+                <a:solidFill>
+                  <a:srgbClr val="FF0000"/>
+                </a:solidFill>
+              </a:rPr>
+              <a:t>knowledge </a:t>
+            </a:r>
+            <a:r>
+              <a:rPr lang="en-US" sz="2900" dirty="0"/>
+              <a:t>of the collaborative </a:t>
+            </a:r>
+            <a:r>
+              <a:rPr lang="en-US" sz="2900" dirty="0" smtClean="0"/>
+              <a:t>activities,</a:t>
+            </a:r>
+          </a:p>
+          <a:p>
+            <a:r>
+              <a:rPr lang="en-US" sz="2900" dirty="0" smtClean="0"/>
+              <a:t>Collaborative </a:t>
+            </a:r>
+            <a:r>
+              <a:rPr lang="en-US" sz="2900" dirty="0"/>
+              <a:t>plans are </a:t>
+            </a:r>
+            <a:r>
+              <a:rPr lang="en-US" sz="2900" dirty="0">
+                <a:solidFill>
+                  <a:srgbClr val="FF0000"/>
+                </a:solidFill>
+              </a:rPr>
+              <a:t>more than the sum</a:t>
+            </a:r>
+            <a:r>
+              <a:rPr lang="en-US" sz="2900" dirty="0"/>
+              <a:t> of individual </a:t>
+            </a:r>
+            <a:r>
+              <a:rPr lang="en-US" sz="2900" dirty="0" smtClean="0"/>
+              <a:t>plans,</a:t>
+            </a:r>
+          </a:p>
+          <a:p>
+            <a:r>
+              <a:rPr lang="en-US" sz="2900" dirty="0" smtClean="0"/>
+              <a:t>Collaborators </a:t>
+            </a:r>
+            <a:r>
+              <a:rPr lang="en-US" sz="2900" dirty="0"/>
+              <a:t>are required to </a:t>
+            </a:r>
+            <a:r>
+              <a:rPr lang="en-US" sz="2900" dirty="0">
+                <a:solidFill>
+                  <a:srgbClr val="FF0000"/>
+                </a:solidFill>
+              </a:rPr>
+              <a:t>maintain mutual beliefs </a:t>
+            </a:r>
+            <a:r>
+              <a:rPr lang="en-US" sz="2900" dirty="0"/>
+              <a:t>about their shared </a:t>
+            </a:r>
+            <a:r>
+              <a:rPr lang="en-US" sz="2900" dirty="0" smtClean="0"/>
+              <a:t>goal throughout </a:t>
+            </a:r>
+            <a:r>
+              <a:rPr lang="en-US" sz="2900" dirty="0"/>
+              <a:t>the collaboration</a:t>
+            </a:r>
+            <a:r>
+              <a:rPr lang="en-US" sz="2900" dirty="0" smtClean="0"/>
+              <a:t>,</a:t>
+            </a:r>
+          </a:p>
+          <a:p>
+            <a:r>
+              <a:rPr lang="en-US" sz="2900" dirty="0" smtClean="0"/>
+              <a:t>Collaborators  </a:t>
+            </a:r>
+            <a:r>
+              <a:rPr lang="en-US" sz="2900" dirty="0"/>
+              <a:t>need to be able to </a:t>
+            </a:r>
+            <a:r>
+              <a:rPr lang="en-US" sz="2900" dirty="0">
+                <a:solidFill>
+                  <a:srgbClr val="FF0000"/>
+                </a:solidFill>
+              </a:rPr>
+              <a:t>communicate</a:t>
+            </a:r>
+            <a:r>
+              <a:rPr lang="en-US" sz="2900" dirty="0"/>
+              <a:t> with others effectively</a:t>
+            </a:r>
+            <a:r>
+              <a:rPr lang="en-US" sz="2900" dirty="0" smtClean="0"/>
+              <a:t>,</a:t>
+            </a:r>
+          </a:p>
+          <a:p>
+            <a:r>
+              <a:rPr lang="en-US" sz="2900" dirty="0" smtClean="0"/>
+              <a:t>Collaborators </a:t>
+            </a:r>
+            <a:r>
+              <a:rPr lang="en-US" sz="2900" dirty="0"/>
+              <a:t>need to </a:t>
+            </a:r>
+            <a:r>
+              <a:rPr lang="en-US" sz="2900" dirty="0">
+                <a:solidFill>
+                  <a:srgbClr val="FF0000"/>
+                </a:solidFill>
+              </a:rPr>
+              <a:t>commit to the group </a:t>
+            </a:r>
+            <a:r>
+              <a:rPr lang="en-US" sz="2900" dirty="0"/>
+              <a:t>activities and to their role in </a:t>
+            </a:r>
+            <a:r>
+              <a:rPr lang="en-US" sz="2900" dirty="0" smtClean="0"/>
+              <a:t>it,</a:t>
+            </a:r>
+          </a:p>
+          <a:p>
+            <a:pPr lvl="1"/>
+            <a:endParaRPr lang="en-US" sz="2400" dirty="0" smtClean="0"/>
+          </a:p>
+          <a:p>
+            <a:endParaRPr lang="en-US" sz="2800" dirty="0"/>
+          </a:p>
+        </p:txBody>
+      </p:sp>
+      <p:sp>
+        <p:nvSpPr>
+          <p:cNvPr id="6" name="Title 1"/>
+          <p:cNvSpPr>
+            <a:spLocks noGrp="1"/>
+          </p:cNvSpPr>
+          <p:nvPr>
+            <p:ph type="ctrTitle"/>
+          </p:nvPr>
+        </p:nvSpPr>
+        <p:spPr>
+          <a:xfrm>
+            <a:off x="685800" y="762000"/>
+            <a:ext cx="7772400" cy="1165225"/>
+          </a:xfrm>
+        </p:spPr>
+        <p:txBody>
+          <a:bodyPr>
+            <a:noAutofit/>
+          </a:bodyPr>
+          <a:lstStyle/>
+          <a:p>
+            <a:pPr algn="l"/>
+            <a:r>
+              <a:rPr lang="en-US" sz="2000" b="1" dirty="0" smtClean="0"/>
+              <a:t>Collaboration</a:t>
+            </a:r>
+            <a:r>
+              <a:rPr lang="en-US" sz="2000" dirty="0" smtClean="0"/>
+              <a:t> is a special type of </a:t>
+            </a:r>
+            <a:r>
+              <a:rPr lang="en-US" sz="2000" dirty="0" smtClean="0">
+                <a:solidFill>
+                  <a:srgbClr val="FF0000"/>
+                </a:solidFill>
+              </a:rPr>
+              <a:t>coordinated activity</a:t>
+            </a:r>
+            <a:r>
+              <a:rPr lang="en-US" sz="2000" dirty="0" smtClean="0"/>
+              <a:t> in which the participants </a:t>
+            </a:r>
+            <a:r>
+              <a:rPr lang="en-US" sz="2000" dirty="0" smtClean="0">
+                <a:solidFill>
+                  <a:srgbClr val="FF0000"/>
+                </a:solidFill>
+              </a:rPr>
+              <a:t>work jointly</a:t>
+            </a:r>
+            <a:r>
+              <a:rPr lang="en-US" sz="2000" dirty="0" smtClean="0"/>
+              <a:t>, together performing a task or carrying out the activities needed to satisfy a </a:t>
+            </a:r>
+            <a:r>
+              <a:rPr lang="en-US" sz="2000" dirty="0" smtClean="0">
+                <a:solidFill>
+                  <a:srgbClr val="FF0000"/>
+                </a:solidFill>
+              </a:rPr>
+              <a:t>shared goal</a:t>
+            </a:r>
+            <a:r>
+              <a:rPr lang="en-US" sz="2000" dirty="0" smtClean="0"/>
+              <a:t>.</a:t>
+            </a:r>
+            <a:endParaRPr lang="en-US" sz="1800" dirty="0"/>
+          </a:p>
+        </p:txBody>
+      </p:sp>
+      <p:sp>
+        <p:nvSpPr>
+          <p:cNvPr id="7" name="Title 1"/>
+          <p:cNvSpPr txBox="1">
+            <a:spLocks/>
+          </p:cNvSpPr>
+          <p:nvPr/>
+        </p:nvSpPr>
+        <p:spPr>
+          <a:xfrm>
+            <a:off x="457200" y="0"/>
+            <a:ext cx="8229600" cy="1143000"/>
+          </a:xfrm>
+          <a:prstGeom prst="rect">
+            <a:avLst/>
+          </a:prstGeom>
+        </p:spPr>
+        <p:txBody>
+          <a:bodyPr vert="horz" lIns="91440" tIns="45720" rIns="91440" bIns="45720" rtlCol="0" anchor="ctr">
+            <a:normAutofit/>
+          </a:bodyPr>
+          <a:lstStyle>
+            <a:lvl1pPr algn="ctr" defTabSz="914400" rtl="0" eaLnBrk="1" latinLnBrk="0" hangingPunct="1">
+              <a:spcBef>
+                <a:spcPct val="0"/>
+              </a:spcBef>
+              <a:buNone/>
+              <a:defRPr sz="4400" kern="1200">
+                <a:solidFill>
+                  <a:schemeClr val="tx1"/>
+                </a:solidFill>
+                <a:latin typeface="+mj-lt"/>
+                <a:ea typeface="+mj-ea"/>
+                <a:cs typeface="+mj-cs"/>
+              </a:defRPr>
+            </a:lvl1pPr>
+          </a:lstStyle>
+          <a:p>
+            <a:pPr algn="l"/>
+            <a:r>
+              <a:rPr lang="en-US" sz="2400" b="1" dirty="0" smtClean="0"/>
+              <a:t>Collaboration</a:t>
+            </a:r>
+            <a:endParaRPr lang="en-US" sz="2400" b="1" dirty="0"/>
+          </a:p>
+        </p:txBody>
+      </p:sp>
+    </p:spTree>
+    <p:extLst>
+      <p:ext uri="{BB962C8B-B14F-4D97-AF65-F5344CB8AC3E}">
+        <p14:creationId xmlns:p14="http://schemas.microsoft.com/office/powerpoint/2010/main" val="2668313360"/>
+      </p:ext>
+    </p:extLst>
+  </p:cSld>
+  <p:clrMapOvr>
+    <a:masterClrMapping/>
+  </p:clrMapOvr>
+  <p:timing>
+    <p:tnLst>
+      <p:par>
+        <p:cTn id="1" dur="indefinite" restart="never" nodeType="tmRoot"/>
+      </p:par>
+    </p:tnLst>
+  </p:timing>
+</p:sld>
+</file>
+
+<file path=ppt/slides/slide8.xml><?xml version="1.0" encoding="utf-8"?>
+<p:sld xmlns:a="http://schemas.openxmlformats.org/drawingml/2006/main" xmlns:r="http://schemas.openxmlformats.org/officeDocument/2006/relationships" xmlns:p="http://schemas.openxmlformats.org/presentationml/2006/main">
+  <p:cSld>
+    <p:spTree>
+      <p:nvGrpSpPr>
+        <p:cNvPr id="1" name=""/>
+        <p:cNvGrpSpPr/>
+        <p:nvPr/>
+      </p:nvGrpSpPr>
+      <p:grpSpPr>
+        <a:xfrm>
+          <a:off x="0" y="0"/>
+          <a:ext cx="0" cy="0"/>
+          <a:chOff x="0" y="0"/>
+          <a:chExt cx="0" cy="0"/>
+        </a:xfrm>
+      </p:grpSpPr>
+      <p:sp>
+        <p:nvSpPr>
+          <p:cNvPr id="5" name="Content Placeholder 2"/>
+          <p:cNvSpPr txBox="1">
+            <a:spLocks/>
+          </p:cNvSpPr>
+          <p:nvPr/>
+        </p:nvSpPr>
+        <p:spPr>
+          <a:xfrm>
+            <a:off x="457199" y="1981200"/>
+            <a:ext cx="8206611" cy="4525963"/>
+          </a:xfrm>
+          <a:prstGeom prst="rect">
+            <a:avLst/>
+          </a:prstGeom>
+        </p:spPr>
+        <p:txBody>
+          <a:bodyPr vert="horz" lIns="91440" tIns="45720" rIns="91440" bIns="45720" rtlCol="0">
+            <a:normAutofit fontScale="77500" lnSpcReduction="20000"/>
+          </a:bodyPr>
+          <a:lstStyle>
+            <a:lvl1pPr marL="342900" indent="-342900" algn="l" defTabSz="914400" rtl="0" eaLnBrk="1" latinLnBrk="0" hangingPunct="1">
+              <a:spcBef>
+                <a:spcPct val="20000"/>
+              </a:spcBef>
+              <a:buFont typeface="Arial" panose="020B0604020202020204" pitchFamily="34" charset="0"/>
+              <a:buChar char="•"/>
+              <a:defRPr sz="3200" kern="1200">
+                <a:solidFill>
+                  <a:schemeClr val="tx1"/>
+                </a:solidFill>
+                <a:latin typeface="+mn-lt"/>
+                <a:ea typeface="+mn-ea"/>
+                <a:cs typeface="+mn-cs"/>
+              </a:defRPr>
+            </a:lvl1pPr>
+            <a:lvl2pPr marL="742950" indent="-285750" algn="l" defTabSz="914400" rtl="0" eaLnBrk="1" latinLnBrk="0" hangingPunct="1">
+              <a:spcBef>
+                <a:spcPct val="20000"/>
+              </a:spcBef>
+              <a:buFont typeface="Arial" panose="020B0604020202020204" pitchFamily="34" charset="0"/>
+              <a:buChar char="–"/>
+              <a:defRPr sz="2800" kern="1200">
+                <a:solidFill>
+                  <a:schemeClr val="tx1"/>
+                </a:solidFill>
+                <a:latin typeface="+mn-lt"/>
+                <a:ea typeface="+mn-ea"/>
+                <a:cs typeface="+mn-cs"/>
+              </a:defRPr>
+            </a:lvl2pPr>
+            <a:lvl3pPr marL="1143000" indent="-228600" algn="l" defTabSz="914400" rtl="0" eaLnBrk="1" latinLnBrk="0" hangingPunct="1">
+              <a:spcBef>
+                <a:spcPct val="20000"/>
+              </a:spcBef>
+              <a:buFont typeface="Arial" panose="020B0604020202020204" pitchFamily="34" charset="0"/>
+              <a:buChar char="•"/>
+              <a:defRPr sz="2400" kern="1200">
+                <a:solidFill>
+                  <a:schemeClr val="tx1"/>
+                </a:solidFill>
+                <a:latin typeface="+mn-lt"/>
+                <a:ea typeface="+mn-ea"/>
+                <a:cs typeface="+mn-cs"/>
+              </a:defRPr>
+            </a:lvl3pPr>
+            <a:lvl4pPr marL="1600200" indent="-228600" algn="l" defTabSz="914400" rtl="0" eaLnBrk="1" latinLnBrk="0" hangingPunct="1">
+              <a:spcBef>
+                <a:spcPct val="20000"/>
+              </a:spcBef>
+              <a:buFont typeface="Arial" panose="020B0604020202020204" pitchFamily="34" charset="0"/>
+              <a:buChar char="–"/>
+              <a:defRPr sz="2000" kern="1200">
+                <a:solidFill>
+                  <a:schemeClr val="tx1"/>
+                </a:solidFill>
+                <a:latin typeface="+mn-lt"/>
+                <a:ea typeface="+mn-ea"/>
+                <a:cs typeface="+mn-cs"/>
+              </a:defRPr>
+            </a:lvl4pPr>
+            <a:lvl5pPr marL="2057400" indent="-228600" algn="l" defTabSz="914400" rtl="0" eaLnBrk="1" latinLnBrk="0" hangingPunct="1">
+              <a:spcBef>
+                <a:spcPct val="20000"/>
+              </a:spcBef>
+              <a:buFont typeface="Arial" panose="020B0604020202020204" pitchFamily="34" charset="0"/>
+              <a:buChar char="»"/>
+              <a:defRPr sz="2000" kern="1200">
+                <a:solidFill>
+                  <a:schemeClr val="tx1"/>
+                </a:solidFill>
+                <a:latin typeface="+mn-lt"/>
+                <a:ea typeface="+mn-ea"/>
+                <a:cs typeface="+mn-cs"/>
+              </a:defRPr>
+            </a:lvl5pPr>
+            <a:lvl6pPr marL="2514600" indent="-228600" algn="l" defTabSz="914400" rtl="0" eaLnBrk="1" latinLnBrk="0" hangingPunct="1">
+              <a:spcBef>
+                <a:spcPct val="20000"/>
+              </a:spcBef>
+              <a:buFont typeface="Arial" panose="020B0604020202020204" pitchFamily="34" charset="0"/>
+              <a:buChar char="•"/>
+              <a:defRPr sz="2000" kern="1200">
+                <a:solidFill>
+                  <a:schemeClr val="tx1"/>
+                </a:solidFill>
+                <a:latin typeface="+mn-lt"/>
+                <a:ea typeface="+mn-ea"/>
+                <a:cs typeface="+mn-cs"/>
+              </a:defRPr>
+            </a:lvl6pPr>
+            <a:lvl7pPr marL="2971800" indent="-228600" algn="l" defTabSz="914400" rtl="0" eaLnBrk="1" latinLnBrk="0" hangingPunct="1">
+              <a:spcBef>
+                <a:spcPct val="20000"/>
+              </a:spcBef>
+              <a:buFont typeface="Arial" panose="020B0604020202020204" pitchFamily="34" charset="0"/>
+              <a:buChar char="•"/>
+              <a:defRPr sz="2000" kern="1200">
+                <a:solidFill>
+                  <a:schemeClr val="tx1"/>
+                </a:solidFill>
+                <a:latin typeface="+mn-lt"/>
+                <a:ea typeface="+mn-ea"/>
+                <a:cs typeface="+mn-cs"/>
+              </a:defRPr>
+            </a:lvl7pPr>
+            <a:lvl8pPr marL="3429000" indent="-228600" algn="l" defTabSz="914400" rtl="0" eaLnBrk="1" latinLnBrk="0" hangingPunct="1">
+              <a:spcBef>
+                <a:spcPct val="20000"/>
+              </a:spcBef>
+              <a:buFont typeface="Arial" panose="020B0604020202020204" pitchFamily="34" charset="0"/>
+              <a:buChar char="•"/>
+              <a:defRPr sz="2000" kern="1200">
+                <a:solidFill>
+                  <a:schemeClr val="tx1"/>
+                </a:solidFill>
+                <a:latin typeface="+mn-lt"/>
+                <a:ea typeface="+mn-ea"/>
+                <a:cs typeface="+mn-cs"/>
+              </a:defRPr>
+            </a:lvl8pPr>
+            <a:lvl9pPr marL="3886200" indent="-228600" algn="l" defTabSz="914400" rtl="0" eaLnBrk="1" latinLnBrk="0" hangingPunct="1">
+              <a:spcBef>
+                <a:spcPct val="20000"/>
+              </a:spcBef>
+              <a:buFont typeface="Arial" panose="020B0604020202020204" pitchFamily="34" charset="0"/>
+              <a:buChar char="•"/>
+              <a:defRPr sz="2000" kern="1200">
+                <a:solidFill>
+                  <a:schemeClr val="tx1"/>
+                </a:solidFill>
+                <a:latin typeface="+mn-lt"/>
+                <a:ea typeface="+mn-ea"/>
+                <a:cs typeface="+mn-cs"/>
+              </a:defRPr>
+            </a:lvl9pPr>
+          </a:lstStyle>
+          <a:p>
+            <a:pPr marL="0" indent="0">
+              <a:buNone/>
+            </a:pPr>
+            <a:r>
+              <a:rPr lang="en-US" sz="2900" dirty="0"/>
+              <a:t>Some of the </a:t>
+            </a:r>
+            <a:r>
+              <a:rPr lang="en-US" sz="2900" dirty="0" smtClean="0"/>
+              <a:t>key points about collaboration:</a:t>
+            </a:r>
+          </a:p>
+          <a:p>
+            <a:pPr marL="0" indent="0">
+              <a:buNone/>
+            </a:pPr>
+            <a:endParaRPr lang="en-US" sz="2900" dirty="0" smtClean="0"/>
+          </a:p>
+          <a:p>
+            <a:r>
+              <a:rPr lang="en-US" sz="2900" dirty="0" smtClean="0"/>
+              <a:t>Participants </a:t>
+            </a:r>
+            <a:r>
+              <a:rPr lang="en-US" sz="2900" dirty="0"/>
+              <a:t>with </a:t>
+            </a:r>
+            <a:r>
+              <a:rPr lang="en-US" sz="2900" dirty="0">
+                <a:solidFill>
+                  <a:srgbClr val="FF0000"/>
+                </a:solidFill>
+              </a:rPr>
+              <a:t>different beliefs</a:t>
+            </a:r>
+            <a:r>
+              <a:rPr lang="en-US" sz="2900" dirty="0"/>
+              <a:t> and </a:t>
+            </a:r>
+            <a:r>
+              <a:rPr lang="en-US" sz="2900" dirty="0" smtClean="0"/>
+              <a:t>capabilities,</a:t>
+            </a:r>
+          </a:p>
+          <a:p>
+            <a:r>
+              <a:rPr lang="en-US" sz="2900" dirty="0"/>
+              <a:t>Participants with </a:t>
+            </a:r>
+            <a:r>
+              <a:rPr lang="en-US" sz="2900" dirty="0">
+                <a:solidFill>
+                  <a:srgbClr val="FF0000"/>
+                </a:solidFill>
+              </a:rPr>
+              <a:t>p</a:t>
+            </a:r>
+            <a:r>
+              <a:rPr lang="en-US" sz="2900" dirty="0" smtClean="0">
+                <a:solidFill>
+                  <a:srgbClr val="FF0000"/>
+                </a:solidFill>
+              </a:rPr>
+              <a:t>artial </a:t>
+            </a:r>
+            <a:r>
+              <a:rPr lang="en-US" sz="2900" dirty="0">
+                <a:solidFill>
+                  <a:srgbClr val="FF0000"/>
+                </a:solidFill>
+              </a:rPr>
+              <a:t>knowledge </a:t>
+            </a:r>
+            <a:r>
+              <a:rPr lang="en-US" sz="2900" dirty="0"/>
+              <a:t>of the collaborative </a:t>
+            </a:r>
+            <a:r>
+              <a:rPr lang="en-US" sz="2900" dirty="0" smtClean="0"/>
+              <a:t>activities,</a:t>
+            </a:r>
+          </a:p>
+          <a:p>
+            <a:r>
+              <a:rPr lang="en-US" sz="2900" dirty="0" smtClean="0"/>
+              <a:t>Collaborative </a:t>
+            </a:r>
+            <a:r>
+              <a:rPr lang="en-US" sz="2900" dirty="0"/>
+              <a:t>plans are </a:t>
+            </a:r>
+            <a:r>
+              <a:rPr lang="en-US" sz="2900" dirty="0">
+                <a:solidFill>
+                  <a:srgbClr val="FF0000"/>
+                </a:solidFill>
+              </a:rPr>
+              <a:t>more than the sum</a:t>
+            </a:r>
+            <a:r>
+              <a:rPr lang="en-US" sz="2900" dirty="0"/>
+              <a:t> of individual </a:t>
+            </a:r>
+            <a:r>
+              <a:rPr lang="en-US" sz="2900" dirty="0" smtClean="0"/>
+              <a:t>plans,</a:t>
+            </a:r>
+          </a:p>
+          <a:p>
+            <a:r>
+              <a:rPr lang="en-US" sz="2900" dirty="0" smtClean="0"/>
+              <a:t>Collaborators </a:t>
+            </a:r>
+            <a:r>
+              <a:rPr lang="en-US" sz="2900" dirty="0"/>
+              <a:t>are required to </a:t>
+            </a:r>
+            <a:r>
+              <a:rPr lang="en-US" sz="2900" dirty="0">
+                <a:solidFill>
+                  <a:srgbClr val="FF0000"/>
+                </a:solidFill>
+              </a:rPr>
+              <a:t>maintain mutual beliefs </a:t>
+            </a:r>
+            <a:r>
+              <a:rPr lang="en-US" sz="2900" dirty="0"/>
+              <a:t>about their shared </a:t>
+            </a:r>
+            <a:r>
+              <a:rPr lang="en-US" sz="2900" dirty="0" smtClean="0"/>
+              <a:t>goal throughout </a:t>
+            </a:r>
+            <a:r>
+              <a:rPr lang="en-US" sz="2900" dirty="0"/>
+              <a:t>the collaboration</a:t>
+            </a:r>
+            <a:r>
+              <a:rPr lang="en-US" sz="2900" dirty="0" smtClean="0"/>
+              <a:t>,</a:t>
+            </a:r>
+          </a:p>
+          <a:p>
+            <a:r>
+              <a:rPr lang="en-US" sz="2900" dirty="0" smtClean="0"/>
+              <a:t>Collaborators  </a:t>
+            </a:r>
+            <a:r>
+              <a:rPr lang="en-US" sz="2900" dirty="0"/>
+              <a:t>need to be able to </a:t>
+            </a:r>
+            <a:r>
+              <a:rPr lang="en-US" sz="2900" dirty="0">
+                <a:solidFill>
+                  <a:srgbClr val="FF0000"/>
+                </a:solidFill>
+              </a:rPr>
+              <a:t>communicate</a:t>
+            </a:r>
+            <a:r>
+              <a:rPr lang="en-US" sz="2900" dirty="0"/>
+              <a:t> with others effectively</a:t>
+            </a:r>
+            <a:r>
+              <a:rPr lang="en-US" sz="2900" dirty="0" smtClean="0"/>
+              <a:t>,</a:t>
+            </a:r>
+          </a:p>
+          <a:p>
+            <a:r>
+              <a:rPr lang="en-US" sz="2900" dirty="0" smtClean="0"/>
+              <a:t>Collaborators </a:t>
+            </a:r>
+            <a:r>
+              <a:rPr lang="en-US" sz="2900" dirty="0"/>
+              <a:t>need to </a:t>
+            </a:r>
+            <a:r>
+              <a:rPr lang="en-US" sz="2900" dirty="0">
+                <a:solidFill>
+                  <a:srgbClr val="FF0000"/>
+                </a:solidFill>
+              </a:rPr>
+              <a:t>commit to the group </a:t>
+            </a:r>
+            <a:r>
+              <a:rPr lang="en-US" sz="2900" dirty="0"/>
+              <a:t>activities and to their role in </a:t>
+            </a:r>
+            <a:r>
+              <a:rPr lang="en-US" sz="2900" dirty="0" smtClean="0"/>
+              <a:t>it,</a:t>
+            </a:r>
+          </a:p>
+          <a:p>
+            <a:r>
+              <a:rPr lang="en-US" sz="2900" dirty="0" smtClean="0"/>
+              <a:t>Collaborators </a:t>
+            </a:r>
+            <a:r>
+              <a:rPr lang="en-US" sz="2900" dirty="0"/>
+              <a:t>need to commit to the </a:t>
+            </a:r>
+            <a:r>
+              <a:rPr lang="en-US" sz="2900" dirty="0">
+                <a:solidFill>
+                  <a:srgbClr val="FF0000"/>
+                </a:solidFill>
+              </a:rPr>
+              <a:t>success of others</a:t>
+            </a:r>
+            <a:r>
+              <a:rPr lang="en-US" sz="2900" dirty="0" smtClean="0"/>
+              <a:t>,</a:t>
+            </a:r>
+            <a:endParaRPr lang="en-US" sz="2400" dirty="0" smtClean="0"/>
+          </a:p>
+          <a:p>
+            <a:endParaRPr lang="en-US" sz="2800" dirty="0"/>
+          </a:p>
+        </p:txBody>
+      </p:sp>
+      <p:sp>
+        <p:nvSpPr>
+          <p:cNvPr id="6" name="Title 1"/>
+          <p:cNvSpPr>
+            <a:spLocks noGrp="1"/>
+          </p:cNvSpPr>
+          <p:nvPr>
+            <p:ph type="ctrTitle"/>
+          </p:nvPr>
+        </p:nvSpPr>
+        <p:spPr>
+          <a:xfrm>
+            <a:off x="685800" y="762000"/>
+            <a:ext cx="7772400" cy="1165225"/>
+          </a:xfrm>
+        </p:spPr>
+        <p:txBody>
+          <a:bodyPr>
+            <a:noAutofit/>
+          </a:bodyPr>
+          <a:lstStyle/>
+          <a:p>
+            <a:pPr algn="l"/>
+            <a:r>
+              <a:rPr lang="en-US" sz="2000" b="1" dirty="0" smtClean="0"/>
+              <a:t>Collaboration</a:t>
+            </a:r>
+            <a:r>
+              <a:rPr lang="en-US" sz="2000" dirty="0" smtClean="0"/>
+              <a:t> is a special type of </a:t>
+            </a:r>
+            <a:r>
+              <a:rPr lang="en-US" sz="2000" dirty="0" smtClean="0">
+                <a:solidFill>
+                  <a:srgbClr val="FF0000"/>
+                </a:solidFill>
+              </a:rPr>
+              <a:t>coordinated activity</a:t>
+            </a:r>
+            <a:r>
+              <a:rPr lang="en-US" sz="2000" dirty="0" smtClean="0"/>
+              <a:t> in which the participants </a:t>
+            </a:r>
+            <a:r>
+              <a:rPr lang="en-US" sz="2000" dirty="0" smtClean="0">
+                <a:solidFill>
+                  <a:srgbClr val="FF0000"/>
+                </a:solidFill>
+              </a:rPr>
+              <a:t>work jointly</a:t>
+            </a:r>
+            <a:r>
+              <a:rPr lang="en-US" sz="2000" dirty="0" smtClean="0"/>
+              <a:t>, together performing a task or carrying out the activities needed to satisfy a </a:t>
+            </a:r>
+            <a:r>
+              <a:rPr lang="en-US" sz="2000" dirty="0" smtClean="0">
+                <a:solidFill>
+                  <a:srgbClr val="FF0000"/>
+                </a:solidFill>
+              </a:rPr>
+              <a:t>shared goal</a:t>
+            </a:r>
+            <a:r>
+              <a:rPr lang="en-US" sz="2000" dirty="0" smtClean="0"/>
+              <a:t>.</a:t>
+            </a:r>
+            <a:endParaRPr lang="en-US" sz="1800" dirty="0"/>
+          </a:p>
+        </p:txBody>
+      </p:sp>
+      <p:sp>
+        <p:nvSpPr>
+          <p:cNvPr id="7" name="Title 1"/>
+          <p:cNvSpPr txBox="1">
+            <a:spLocks/>
+          </p:cNvSpPr>
+          <p:nvPr/>
+        </p:nvSpPr>
+        <p:spPr>
+          <a:xfrm>
+            <a:off x="457200" y="0"/>
+            <a:ext cx="8229600" cy="1143000"/>
+          </a:xfrm>
+          <a:prstGeom prst="rect">
+            <a:avLst/>
+          </a:prstGeom>
+        </p:spPr>
+        <p:txBody>
+          <a:bodyPr vert="horz" lIns="91440" tIns="45720" rIns="91440" bIns="45720" rtlCol="0" anchor="ctr">
+            <a:normAutofit/>
+          </a:bodyPr>
+          <a:lstStyle>
+            <a:lvl1pPr algn="ctr" defTabSz="914400" rtl="0" eaLnBrk="1" latinLnBrk="0" hangingPunct="1">
+              <a:spcBef>
+                <a:spcPct val="0"/>
+              </a:spcBef>
+              <a:buNone/>
+              <a:defRPr sz="4400" kern="1200">
+                <a:solidFill>
+                  <a:schemeClr val="tx1"/>
+                </a:solidFill>
+                <a:latin typeface="+mj-lt"/>
+                <a:ea typeface="+mj-ea"/>
+                <a:cs typeface="+mj-cs"/>
+              </a:defRPr>
+            </a:lvl1pPr>
+          </a:lstStyle>
+          <a:p>
+            <a:pPr algn="l"/>
+            <a:r>
+              <a:rPr lang="en-US" sz="2400" b="1" dirty="0" smtClean="0"/>
+              <a:t>Collaboration</a:t>
+            </a:r>
+            <a:endParaRPr lang="en-US" sz="2400" b="1" dirty="0"/>
+          </a:p>
+        </p:txBody>
+      </p:sp>
+    </p:spTree>
+    <p:extLst>
+      <p:ext uri="{BB962C8B-B14F-4D97-AF65-F5344CB8AC3E}">
+        <p14:creationId xmlns:p14="http://schemas.microsoft.com/office/powerpoint/2010/main" val="2668313360"/>
+      </p:ext>
+    </p:extLst>
+  </p:cSld>
+  <p:clrMapOvr>
+    <a:masterClrMapping/>
+  </p:clrMapOvr>
+  <p:timing>
+    <p:tnLst>
+      <p:par>
+        <p:cTn id="1" dur="indefinite" restart="never" nodeType="tmRoot"/>
+      </p:par>
+    </p:tnLst>
+  </p:timing>
+</p:sld>
+</file>
+
+<file path=ppt/slides/slide9.xml><?xml version="1.0" encoding="utf-8"?>
+<p:sld xmlns:a="http://schemas.openxmlformats.org/drawingml/2006/main" xmlns:r="http://schemas.openxmlformats.org/officeDocument/2006/relationships" xmlns:p="http://schemas.openxmlformats.org/presentationml/2006/main">
+  <p:cSld>
+    <p:spTree>
+      <p:nvGrpSpPr>
+        <p:cNvPr id="1" name=""/>
+        <p:cNvGrpSpPr/>
+        <p:nvPr/>
+      </p:nvGrpSpPr>
+      <p:grpSpPr>
+        <a:xfrm>
+          <a:off x="0" y="0"/>
+          <a:ext cx="0" cy="0"/>
+          <a:chOff x="0" y="0"/>
+          <a:chExt cx="0" cy="0"/>
+        </a:xfrm>
+      </p:grpSpPr>
+      <p:sp>
+        <p:nvSpPr>
+          <p:cNvPr id="5" name="Content Placeholder 2"/>
+          <p:cNvSpPr txBox="1">
+            <a:spLocks/>
+          </p:cNvSpPr>
+          <p:nvPr/>
+        </p:nvSpPr>
+        <p:spPr>
+          <a:xfrm>
+            <a:off x="457199" y="1981200"/>
+            <a:ext cx="8206611" cy="4525963"/>
+          </a:xfrm>
+          <a:prstGeom prst="rect">
+            <a:avLst/>
+          </a:prstGeom>
+        </p:spPr>
+        <p:txBody>
+          <a:bodyPr vert="horz" lIns="91440" tIns="45720" rIns="91440" bIns="45720" rtlCol="0">
+            <a:normAutofit fontScale="77500" lnSpcReduction="20000"/>
+          </a:bodyPr>
+          <a:lstStyle>
+            <a:lvl1pPr marL="342900" indent="-342900" algn="l" defTabSz="914400" rtl="0" eaLnBrk="1" latinLnBrk="0" hangingPunct="1">
+              <a:spcBef>
+                <a:spcPct val="20000"/>
+              </a:spcBef>
+              <a:buFont typeface="Arial" panose="020B0604020202020204" pitchFamily="34" charset="0"/>
+              <a:buChar char="•"/>
+              <a:defRPr sz="3200" kern="1200">
+                <a:solidFill>
+                  <a:schemeClr val="tx1"/>
+                </a:solidFill>
+                <a:latin typeface="+mn-lt"/>
+                <a:ea typeface="+mn-ea"/>
+                <a:cs typeface="+mn-cs"/>
+              </a:defRPr>
+            </a:lvl1pPr>
+            <a:lvl2pPr marL="742950" indent="-285750" algn="l" defTabSz="914400" rtl="0" eaLnBrk="1" latinLnBrk="0" hangingPunct="1">
+              <a:spcBef>
+                <a:spcPct val="20000"/>
+              </a:spcBef>
+              <a:buFont typeface="Arial" panose="020B0604020202020204" pitchFamily="34" charset="0"/>
+              <a:buChar char="–"/>
+              <a:defRPr sz="2800" kern="1200">
+                <a:solidFill>
+                  <a:schemeClr val="tx1"/>
+                </a:solidFill>
+                <a:latin typeface="+mn-lt"/>
+                <a:ea typeface="+mn-ea"/>
+                <a:cs typeface="+mn-cs"/>
+              </a:defRPr>
+            </a:lvl2pPr>
+            <a:lvl3pPr marL="1143000" indent="-228600" algn="l" defTabSz="914400" rtl="0" eaLnBrk="1" latinLnBrk="0" hangingPunct="1">
+              <a:spcBef>
+                <a:spcPct val="20000"/>
+              </a:spcBef>
+              <a:buFont typeface="Arial" panose="020B0604020202020204" pitchFamily="34" charset="0"/>
+              <a:buChar char="•"/>
+              <a:defRPr sz="2400" kern="1200">
+                <a:solidFill>
+                  <a:schemeClr val="tx1"/>
+                </a:solidFill>
+                <a:latin typeface="+mn-lt"/>
+                <a:ea typeface="+mn-ea"/>
+                <a:cs typeface="+mn-cs"/>
+              </a:defRPr>
+            </a:lvl3pPr>
+            <a:lvl4pPr marL="1600200" indent="-228600" algn="l" defTabSz="914400" rtl="0" eaLnBrk="1" latinLnBrk="0" hangingPunct="1">
+              <a:spcBef>
+                <a:spcPct val="20000"/>
+              </a:spcBef>
+              <a:buFont typeface="Arial" panose="020B0604020202020204" pitchFamily="34" charset="0"/>
+              <a:buChar char="–"/>
+              <a:defRPr sz="2000" kern="1200">
+                <a:solidFill>
+                  <a:schemeClr val="tx1"/>
+                </a:solidFill>
+                <a:latin typeface="+mn-lt"/>
+                <a:ea typeface="+mn-ea"/>
+                <a:cs typeface="+mn-cs"/>
+              </a:defRPr>
+            </a:lvl4pPr>
+            <a:lvl5pPr marL="2057400" indent="-228600" algn="l" defTabSz="914400" rtl="0" eaLnBrk="1" latinLnBrk="0" hangingPunct="1">
+              <a:spcBef>
+                <a:spcPct val="20000"/>
+              </a:spcBef>
+              <a:buFont typeface="Arial" panose="020B0604020202020204" pitchFamily="34" charset="0"/>
+              <a:buChar char="»"/>
+              <a:defRPr sz="2000" kern="1200">
+                <a:solidFill>
+                  <a:schemeClr val="tx1"/>
+                </a:solidFill>
+                <a:latin typeface="+mn-lt"/>
+                <a:ea typeface="+mn-ea"/>
+                <a:cs typeface="+mn-cs"/>
+              </a:defRPr>
+            </a:lvl5pPr>
+            <a:lvl6pPr marL="2514600" indent="-228600" algn="l" defTabSz="914400" rtl="0" eaLnBrk="1" latinLnBrk="0" hangingPunct="1">
+              <a:spcBef>
+                <a:spcPct val="20000"/>
+              </a:spcBef>
+              <a:buFont typeface="Arial" panose="020B0604020202020204" pitchFamily="34" charset="0"/>
+              <a:buChar char="•"/>
+              <a:defRPr sz="2000" kern="1200">
+                <a:solidFill>
+                  <a:schemeClr val="tx1"/>
+                </a:solidFill>
+                <a:latin typeface="+mn-lt"/>
+                <a:ea typeface="+mn-ea"/>
+                <a:cs typeface="+mn-cs"/>
+              </a:defRPr>
+            </a:lvl6pPr>
+            <a:lvl7pPr marL="2971800" indent="-228600" algn="l" defTabSz="914400" rtl="0" eaLnBrk="1" latinLnBrk="0" hangingPunct="1">
+              <a:spcBef>
+                <a:spcPct val="20000"/>
+              </a:spcBef>
+              <a:buFont typeface="Arial" panose="020B0604020202020204" pitchFamily="34" charset="0"/>
+              <a:buChar char="•"/>
+              <a:defRPr sz="2000" kern="1200">
+                <a:solidFill>
+                  <a:schemeClr val="tx1"/>
+                </a:solidFill>
+                <a:latin typeface="+mn-lt"/>
+                <a:ea typeface="+mn-ea"/>
+                <a:cs typeface="+mn-cs"/>
+              </a:defRPr>
+            </a:lvl7pPr>
+            <a:lvl8pPr marL="3429000" indent="-228600" algn="l" defTabSz="914400" rtl="0" eaLnBrk="1" latinLnBrk="0" hangingPunct="1">
+              <a:spcBef>
+                <a:spcPct val="20000"/>
+              </a:spcBef>
+              <a:buFont typeface="Arial" panose="020B0604020202020204" pitchFamily="34" charset="0"/>
+              <a:buChar char="•"/>
+              <a:defRPr sz="2000" kern="1200">
+                <a:solidFill>
+                  <a:schemeClr val="tx1"/>
+                </a:solidFill>
+                <a:latin typeface="+mn-lt"/>
+                <a:ea typeface="+mn-ea"/>
+                <a:cs typeface="+mn-cs"/>
+              </a:defRPr>
+            </a:lvl8pPr>
+            <a:lvl9pPr marL="3886200" indent="-228600" algn="l" defTabSz="914400" rtl="0" eaLnBrk="1" latinLnBrk="0" hangingPunct="1">
+              <a:spcBef>
+                <a:spcPct val="20000"/>
+              </a:spcBef>
+              <a:buFont typeface="Arial" panose="020B0604020202020204" pitchFamily="34" charset="0"/>
+              <a:buChar char="•"/>
+              <a:defRPr sz="2000" kern="1200">
+                <a:solidFill>
+                  <a:schemeClr val="tx1"/>
+                </a:solidFill>
+                <a:latin typeface="+mn-lt"/>
+                <a:ea typeface="+mn-ea"/>
+                <a:cs typeface="+mn-cs"/>
+              </a:defRPr>
+            </a:lvl9pPr>
+          </a:lstStyle>
+          <a:p>
+            <a:pPr marL="0" indent="0">
+              <a:buNone/>
+            </a:pPr>
+            <a:r>
+              <a:rPr lang="en-US" sz="2900" dirty="0"/>
+              <a:t>Some of the </a:t>
+            </a:r>
+            <a:r>
+              <a:rPr lang="en-US" sz="2900" dirty="0" smtClean="0"/>
+              <a:t>key points about collaboration:</a:t>
+            </a:r>
+          </a:p>
+          <a:p>
+            <a:pPr marL="0" indent="0">
+              <a:buNone/>
+            </a:pPr>
+            <a:endParaRPr lang="en-US" sz="2900" dirty="0" smtClean="0"/>
+          </a:p>
+          <a:p>
+            <a:r>
+              <a:rPr lang="en-US" sz="2900" dirty="0" smtClean="0"/>
+              <a:t>Participants </a:t>
+            </a:r>
+            <a:r>
+              <a:rPr lang="en-US" sz="2900" dirty="0"/>
+              <a:t>with </a:t>
+            </a:r>
+            <a:r>
+              <a:rPr lang="en-US" sz="2900" dirty="0">
+                <a:solidFill>
+                  <a:srgbClr val="FF0000"/>
+                </a:solidFill>
+              </a:rPr>
+              <a:t>different beliefs</a:t>
+            </a:r>
+            <a:r>
+              <a:rPr lang="en-US" sz="2900" dirty="0"/>
+              <a:t> and </a:t>
+            </a:r>
+            <a:r>
+              <a:rPr lang="en-US" sz="2900" dirty="0" smtClean="0"/>
+              <a:t>capabilities,</a:t>
+            </a:r>
+          </a:p>
+          <a:p>
+            <a:r>
+              <a:rPr lang="en-US" sz="2900" dirty="0"/>
+              <a:t>Participants with </a:t>
+            </a:r>
+            <a:r>
+              <a:rPr lang="en-US" sz="2900" dirty="0">
+                <a:solidFill>
+                  <a:srgbClr val="FF0000"/>
+                </a:solidFill>
+              </a:rPr>
+              <a:t>p</a:t>
+            </a:r>
+            <a:r>
+              <a:rPr lang="en-US" sz="2900" dirty="0" smtClean="0">
+                <a:solidFill>
+                  <a:srgbClr val="FF0000"/>
+                </a:solidFill>
+              </a:rPr>
+              <a:t>artial </a:t>
+            </a:r>
+            <a:r>
+              <a:rPr lang="en-US" sz="2900" dirty="0">
+                <a:solidFill>
+                  <a:srgbClr val="FF0000"/>
+                </a:solidFill>
+              </a:rPr>
+              <a:t>knowledge </a:t>
+            </a:r>
+            <a:r>
+              <a:rPr lang="en-US" sz="2900" dirty="0"/>
+              <a:t>of the collaborative </a:t>
+            </a:r>
+            <a:r>
+              <a:rPr lang="en-US" sz="2900" dirty="0" smtClean="0"/>
+              <a:t>activities,</a:t>
+            </a:r>
+          </a:p>
+          <a:p>
+            <a:r>
+              <a:rPr lang="en-US" sz="2900" dirty="0" smtClean="0"/>
+              <a:t>Collaborative </a:t>
+            </a:r>
+            <a:r>
+              <a:rPr lang="en-US" sz="2900" dirty="0"/>
+              <a:t>plans are </a:t>
+            </a:r>
+            <a:r>
+              <a:rPr lang="en-US" sz="2900" dirty="0">
+                <a:solidFill>
+                  <a:srgbClr val="FF0000"/>
+                </a:solidFill>
+              </a:rPr>
+              <a:t>more than the sum</a:t>
+            </a:r>
+            <a:r>
+              <a:rPr lang="en-US" sz="2900" dirty="0"/>
+              <a:t> of individual </a:t>
+            </a:r>
+            <a:r>
+              <a:rPr lang="en-US" sz="2900" dirty="0" smtClean="0"/>
+              <a:t>plans,</a:t>
+            </a:r>
+          </a:p>
+          <a:p>
+            <a:r>
+              <a:rPr lang="en-US" sz="2900" dirty="0" smtClean="0"/>
+              <a:t>Collaborators </a:t>
+            </a:r>
+            <a:r>
+              <a:rPr lang="en-US" sz="2900" dirty="0"/>
+              <a:t>are required to </a:t>
+            </a:r>
+            <a:r>
+              <a:rPr lang="en-US" sz="2900" dirty="0">
+                <a:solidFill>
+                  <a:srgbClr val="FF0000"/>
+                </a:solidFill>
+              </a:rPr>
+              <a:t>maintain mutual beliefs </a:t>
+            </a:r>
+            <a:r>
+              <a:rPr lang="en-US" sz="2900" dirty="0"/>
+              <a:t>about their shared </a:t>
+            </a:r>
+            <a:r>
+              <a:rPr lang="en-US" sz="2900" dirty="0" smtClean="0"/>
+              <a:t>goal throughout </a:t>
+            </a:r>
+            <a:r>
+              <a:rPr lang="en-US" sz="2900" dirty="0"/>
+              <a:t>the collaboration</a:t>
+            </a:r>
+            <a:r>
+              <a:rPr lang="en-US" sz="2900" dirty="0" smtClean="0"/>
+              <a:t>,</a:t>
+            </a:r>
+          </a:p>
+          <a:p>
+            <a:r>
+              <a:rPr lang="en-US" sz="2900" dirty="0" smtClean="0"/>
+              <a:t>Collaborators  </a:t>
+            </a:r>
+            <a:r>
+              <a:rPr lang="en-US" sz="2900" dirty="0"/>
+              <a:t>need to be able to </a:t>
+            </a:r>
+            <a:r>
+              <a:rPr lang="en-US" sz="2900" dirty="0">
+                <a:solidFill>
+                  <a:srgbClr val="FF0000"/>
+                </a:solidFill>
+              </a:rPr>
+              <a:t>communicate</a:t>
+            </a:r>
+            <a:r>
+              <a:rPr lang="en-US" sz="2900" dirty="0"/>
+              <a:t> with others effectively</a:t>
+            </a:r>
+            <a:r>
+              <a:rPr lang="en-US" sz="2900" dirty="0" smtClean="0"/>
+              <a:t>,</a:t>
+            </a:r>
+          </a:p>
+          <a:p>
+            <a:r>
+              <a:rPr lang="en-US" sz="2900" dirty="0" smtClean="0"/>
+              <a:t>Collaborators </a:t>
+            </a:r>
+            <a:r>
+              <a:rPr lang="en-US" sz="2900" dirty="0"/>
+              <a:t>need to </a:t>
+            </a:r>
+            <a:r>
+              <a:rPr lang="en-US" sz="2900" dirty="0">
+                <a:solidFill>
+                  <a:srgbClr val="FF0000"/>
+                </a:solidFill>
+              </a:rPr>
+              <a:t>commit to the group </a:t>
+            </a:r>
+            <a:r>
+              <a:rPr lang="en-US" sz="2900" dirty="0"/>
+              <a:t>activities and to their role in </a:t>
+            </a:r>
+            <a:r>
+              <a:rPr lang="en-US" sz="2900" dirty="0" smtClean="0"/>
+              <a:t>it,</a:t>
+            </a:r>
+          </a:p>
+          <a:p>
+            <a:r>
+              <a:rPr lang="en-US" sz="2900" dirty="0" smtClean="0"/>
+              <a:t>Collaborators </a:t>
+            </a:r>
+            <a:r>
+              <a:rPr lang="en-US" sz="2900" dirty="0"/>
+              <a:t>need to commit to the </a:t>
+            </a:r>
+            <a:r>
+              <a:rPr lang="en-US" sz="2900" dirty="0">
+                <a:solidFill>
+                  <a:srgbClr val="FF0000"/>
+                </a:solidFill>
+              </a:rPr>
+              <a:t>success of others</a:t>
+            </a:r>
+            <a:r>
+              <a:rPr lang="en-US" sz="2900" dirty="0" smtClean="0"/>
+              <a:t>,</a:t>
+            </a:r>
+          </a:p>
+          <a:p>
+            <a:r>
+              <a:rPr lang="en-US" sz="2900" dirty="0" smtClean="0"/>
+              <a:t>Collaborators </a:t>
+            </a:r>
+            <a:r>
+              <a:rPr lang="en-US" sz="2900" dirty="0"/>
+              <a:t>need to </a:t>
+            </a:r>
+            <a:r>
+              <a:rPr lang="en-US" sz="2900" dirty="0">
+                <a:solidFill>
+                  <a:srgbClr val="FF0000"/>
+                </a:solidFill>
+              </a:rPr>
+              <a:t>reconcile between commitments </a:t>
+            </a:r>
+            <a:r>
+              <a:rPr lang="en-US" sz="2900" dirty="0"/>
+              <a:t>to the existing collaboration and their other activities</a:t>
+            </a:r>
+            <a:r>
+              <a:rPr lang="en-US" sz="2900" dirty="0" smtClean="0"/>
+              <a:t>,</a:t>
+            </a:r>
+          </a:p>
+          <a:p>
+            <a:pPr lvl="1"/>
+            <a:endParaRPr lang="en-US" sz="2400" dirty="0" smtClean="0"/>
+          </a:p>
+          <a:p>
+            <a:endParaRPr lang="en-US" sz="2800" dirty="0"/>
+          </a:p>
+        </p:txBody>
+      </p:sp>
+      <p:sp>
+        <p:nvSpPr>
+          <p:cNvPr id="6" name="Title 1"/>
+          <p:cNvSpPr>
+            <a:spLocks noGrp="1"/>
+          </p:cNvSpPr>
+          <p:nvPr>
+            <p:ph type="ctrTitle"/>
+          </p:nvPr>
+        </p:nvSpPr>
+        <p:spPr>
+          <a:xfrm>
+            <a:off x="685800" y="762000"/>
+            <a:ext cx="7772400" cy="1165225"/>
+          </a:xfrm>
+        </p:spPr>
+        <p:txBody>
+          <a:bodyPr>
+            <a:noAutofit/>
+          </a:bodyPr>
+          <a:lstStyle/>
+          <a:p>
+            <a:pPr algn="l"/>
+            <a:r>
+              <a:rPr lang="en-US" sz="2000" b="1" dirty="0" smtClean="0"/>
+              <a:t>Collaboration</a:t>
+            </a:r>
+            <a:r>
+              <a:rPr lang="en-US" sz="2000" dirty="0" smtClean="0"/>
+              <a:t> is a special type of </a:t>
+            </a:r>
+            <a:r>
+              <a:rPr lang="en-US" sz="2000" dirty="0" smtClean="0">
+                <a:solidFill>
+                  <a:srgbClr val="FF0000"/>
+                </a:solidFill>
+              </a:rPr>
+              <a:t>coordinated activity</a:t>
+            </a:r>
+            <a:r>
+              <a:rPr lang="en-US" sz="2000" dirty="0" smtClean="0"/>
+              <a:t> in which the participants </a:t>
+            </a:r>
+            <a:r>
+              <a:rPr lang="en-US" sz="2000" dirty="0" smtClean="0">
+                <a:solidFill>
+                  <a:srgbClr val="FF0000"/>
+                </a:solidFill>
+              </a:rPr>
+              <a:t>work jointly</a:t>
+            </a:r>
+            <a:r>
+              <a:rPr lang="en-US" sz="2000" dirty="0" smtClean="0"/>
+              <a:t>, together performing a task or carrying out the activities needed to satisfy a </a:t>
+            </a:r>
+            <a:r>
+              <a:rPr lang="en-US" sz="2000" dirty="0" smtClean="0">
+                <a:solidFill>
+                  <a:srgbClr val="FF0000"/>
+                </a:solidFill>
+              </a:rPr>
+              <a:t>shared goal</a:t>
+            </a:r>
+            <a:r>
+              <a:rPr lang="en-US" sz="2000" dirty="0" smtClean="0"/>
+              <a:t>.</a:t>
+            </a:r>
+            <a:endParaRPr lang="en-US" sz="1800" dirty="0"/>
+          </a:p>
+        </p:txBody>
+      </p:sp>
+      <p:sp>
+        <p:nvSpPr>
+          <p:cNvPr id="7" name="Title 1"/>
+          <p:cNvSpPr txBox="1">
+            <a:spLocks/>
+          </p:cNvSpPr>
+          <p:nvPr/>
+        </p:nvSpPr>
+        <p:spPr>
+          <a:xfrm>
+            <a:off x="457200" y="0"/>
+            <a:ext cx="8229600" cy="1143000"/>
+          </a:xfrm>
+          <a:prstGeom prst="rect">
+            <a:avLst/>
+          </a:prstGeom>
+        </p:spPr>
+        <p:txBody>
+          <a:bodyPr vert="horz" lIns="91440" tIns="45720" rIns="91440" bIns="45720" rtlCol="0" anchor="ctr">
+            <a:normAutofit/>
+          </a:bodyPr>
+          <a:lstStyle>
+            <a:lvl1pPr algn="ctr" defTabSz="914400" rtl="0" eaLnBrk="1" latinLnBrk="0" hangingPunct="1">
+              <a:spcBef>
+                <a:spcPct val="0"/>
+              </a:spcBef>
+              <a:buNone/>
+              <a:defRPr sz="4400" kern="1200">
+                <a:solidFill>
+                  <a:schemeClr val="tx1"/>
+                </a:solidFill>
+                <a:latin typeface="+mj-lt"/>
+                <a:ea typeface="+mj-ea"/>
+                <a:cs typeface="+mj-cs"/>
+              </a:defRPr>
+            </a:lvl1pPr>
+          </a:lstStyle>
+          <a:p>
+            <a:pPr algn="l"/>
+            <a:r>
+              <a:rPr lang="en-US" sz="2400" b="1" dirty="0" smtClean="0"/>
+              <a:t>Collaboration</a:t>
+            </a:r>
+            <a:endParaRPr lang="en-US" sz="2400" b="1" dirty="0"/>
+          </a:p>
+        </p:txBody>
+      </p:sp>
+    </p:spTree>
+    <p:extLst>
+      <p:ext uri="{BB962C8B-B14F-4D97-AF65-F5344CB8AC3E}">
+        <p14:creationId xmlns:p14="http://schemas.microsoft.com/office/powerpoint/2010/main" val="2668313360"/>
       </p:ext>
     </p:extLst>
   </p:cSld>
@@ -4189,4 +9852,289 @@
   <a:objectDefaults/>
   <a:extraClrSchemeLst/>
 </a:theme>
+</file>
+
+<file path=ppt/theme/theme2.xml><?xml version="1.0" encoding="utf-8"?>
+<a:theme xmlns:a="http://schemas.openxmlformats.org/drawingml/2006/main" name="Office Theme">
+  <a:themeElements>
+    <a:clrScheme name="Office">
+      <a:dk1>
+        <a:sysClr val="windowText" lastClr="000000"/>
+      </a:dk1>
+      <a:lt1>
+        <a:sysClr val="window" lastClr="FFFFFF"/>
+      </a:lt1>
+      <a:dk2>
+        <a:srgbClr val="1F497D"/>
+      </a:dk2>
+      <a:lt2>
+        <a:srgbClr val="EEECE1"/>
+      </a:lt2>
+      <a:accent1>
+        <a:srgbClr val="4F81BD"/>
+      </a:accent1>
+      <a:accent2>
+        <a:srgbClr val="C0504D"/>
+      </a:accent2>
+      <a:accent3>
+        <a:srgbClr val="9BBB59"/>
+      </a:accent3>
+      <a:accent4>
+        <a:srgbClr val="8064A2"/>
+      </a:accent4>
+      <a:accent5>
+        <a:srgbClr val="4BACC6"/>
+      </a:accent5>
+      <a:accent6>
+        <a:srgbClr val="F79646"/>
+      </a:accent6>
+      <a:hlink>
+        <a:srgbClr val="0000FF"/>
+      </a:hlink>
+      <a:folHlink>
+        <a:srgbClr val="800080"/>
+      </a:folHlink>
+    </a:clrScheme>
+    <a:fontScheme name="Office">
+      <a:majorFont>
+        <a:latin typeface="Calibri"/>
+        <a:ea typeface=""/>
+        <a:cs typeface=""/>
+        <a:font script="Jpan" typeface="ＭＳ Ｐゴシック"/>
+        <a:font script="Hang" typeface="맑은 고딕"/>
+        <a:font script="Hans" typeface="宋体"/>
+        <a:font script="Hant" typeface="新細明體"/>
+        <a:font script="Arab" typeface="Times New Roman"/>
+        <a:font script="Hebr" typeface="Times New Roman"/>
+        <a:font script="Thai" typeface="Angsana New"/>
+        <a:font script="Ethi" typeface="Nyala"/>
+        <a:font script="Beng" typeface="Vrinda"/>
+        <a:font script="Gujr" typeface="Shruti"/>
+        <a:font script="Khmr" typeface="MoolBoran"/>
+        <a:font script="Knda" typeface="Tunga"/>
+        <a:font script="Guru" typeface="Raavi"/>
+        <a:font script="Cans" typeface="Euphemia"/>
+        <a:font script="Cher" typeface="Plantagenet Cherokee"/>
+        <a:font script="Yiii" typeface="Microsoft Yi Baiti"/>
+        <a:font script="Tibt" typeface="Microsoft Himalaya"/>
+        <a:font script="Thaa" typeface="MV Boli"/>
+        <a:font script="Deva" typeface="Mangal"/>
+        <a:font script="Telu" typeface="Gautami"/>
+        <a:font script="Taml" typeface="Latha"/>
+        <a:font script="Syrc" typeface="Estrangelo Edessa"/>
+        <a:font script="Orya" typeface="Kalinga"/>
+        <a:font script="Mlym" typeface="Kartika"/>
+        <a:font script="Laoo" typeface="DokChampa"/>
+        <a:font script="Sinh" typeface="Iskoola Pota"/>
+        <a:font script="Mong" typeface="Mongolian Baiti"/>
+        <a:font script="Viet" typeface="Times New Roman"/>
+        <a:font script="Uigh" typeface="Microsoft Uighur"/>
+        <a:font script="Geor" typeface="Sylfaen"/>
+      </a:majorFont>
+      <a:minorFont>
+        <a:latin typeface="Calibri"/>
+        <a:ea typeface=""/>
+        <a:cs typeface=""/>
+        <a:font script="Jpan" typeface="ＭＳ Ｐゴシック"/>
+        <a:font script="Hang" typeface="맑은 고딕"/>
+        <a:font script="Hans" typeface="宋体"/>
+        <a:font script="Hant" typeface="新細明體"/>
+        <a:font script="Arab" typeface="Arial"/>
+        <a:font script="Hebr" typeface="Arial"/>
+        <a:font script="Thai" typeface="Cordia New"/>
+        <a:font script="Ethi" typeface="Nyala"/>
+        <a:font script="Beng" typeface="Vrinda"/>
+        <a:font script="Gujr" typeface="Shruti"/>
+        <a:font script="Khmr" typeface="DaunPenh"/>
+        <a:font script="Knda" typeface="Tunga"/>
+        <a:font script="Guru" typeface="Raavi"/>
+        <a:font script="Cans" typeface="Euphemia"/>
+        <a:font script="Cher" typeface="Plantagenet Cherokee"/>
+        <a:font script="Yiii" typeface="Microsoft Yi Baiti"/>
+        <a:font script="Tibt" typeface="Microsoft Himalaya"/>
+        <a:font script="Thaa" typeface="MV Boli"/>
+        <a:font script="Deva" typeface="Mangal"/>
+        <a:font script="Telu" typeface="Gautami"/>
+        <a:font script="Taml" typeface="Latha"/>
+        <a:font script="Syrc" typeface="Estrangelo Edessa"/>
+        <a:font script="Orya" typeface="Kalinga"/>
+        <a:font script="Mlym" typeface="Kartika"/>
+        <a:font script="Laoo" typeface="DokChampa"/>
+        <a:font script="Sinh" typeface="Iskoola Pota"/>
+        <a:font script="Mong" typeface="Mongolian Baiti"/>
+        <a:font script="Viet" typeface="Arial"/>
+        <a:font script="Uigh" typeface="Microsoft Uighur"/>
+        <a:font script="Geor" typeface="Sylfaen"/>
+      </a:minorFont>
+    </a:fontScheme>
+    <a:fmtScheme name="Office">
+      <a:fillStyleLst>
+        <a:solidFill>
+          <a:schemeClr val="phClr"/>
+        </a:solidFill>
+        <a:gradFill rotWithShape="1">
+          <a:gsLst>
+            <a:gs pos="0">
+              <a:schemeClr val="phClr">
+                <a:tint val="50000"/>
+                <a:satMod val="300000"/>
+              </a:schemeClr>
+            </a:gs>
+            <a:gs pos="35000">
+              <a:schemeClr val="phClr">
+                <a:tint val="37000"/>
+                <a:satMod val="300000"/>
+              </a:schemeClr>
+            </a:gs>
+            <a:gs pos="100000">
+              <a:schemeClr val="phClr">
+                <a:tint val="15000"/>
+                <a:satMod val="350000"/>
+              </a:schemeClr>
+            </a:gs>
+          </a:gsLst>
+          <a:lin ang="16200000" scaled="1"/>
+        </a:gradFill>
+        <a:gradFill rotWithShape="1">
+          <a:gsLst>
+            <a:gs pos="0">
+              <a:schemeClr val="phClr">
+                <a:shade val="51000"/>
+                <a:satMod val="130000"/>
+              </a:schemeClr>
+            </a:gs>
+            <a:gs pos="80000">
+              <a:schemeClr val="phClr">
+                <a:shade val="93000"/>
+                <a:satMod val="130000"/>
+              </a:schemeClr>
+            </a:gs>
+            <a:gs pos="100000">
+              <a:schemeClr val="phClr">
+                <a:shade val="94000"/>
+                <a:satMod val="135000"/>
+              </a:schemeClr>
+            </a:gs>
+          </a:gsLst>
+          <a:lin ang="16200000" scaled="0"/>
+        </a:gradFill>
+      </a:fillStyleLst>
+      <a:lnStyleLst>
+        <a:ln w="9525" cap="flat" cmpd="sng" algn="ctr">
+          <a:solidFill>
+            <a:schemeClr val="phClr">
+              <a:shade val="95000"/>
+              <a:satMod val="105000"/>
+            </a:schemeClr>
+          </a:solidFill>
+          <a:prstDash val="solid"/>
+        </a:ln>
+        <a:ln w="25400" cap="flat" cmpd="sng" algn="ctr">
+          <a:solidFill>
+            <a:schemeClr val="phClr"/>
+          </a:solidFill>
+          <a:prstDash val="solid"/>
+        </a:ln>
+        <a:ln w="38100" cap="flat" cmpd="sng" algn="ctr">
+          <a:solidFill>
+            <a:schemeClr val="phClr"/>
+          </a:solidFill>
+          <a:prstDash val="solid"/>
+        </a:ln>
+      </a:lnStyleLst>
+      <a:effectStyleLst>
+        <a:effectStyle>
+          <a:effectLst>
+            <a:outerShdw blurRad="40000" dist="20000" dir="5400000" rotWithShape="0">
+              <a:srgbClr val="000000">
+                <a:alpha val="38000"/>
+              </a:srgbClr>
+            </a:outerShdw>
+          </a:effectLst>
+        </a:effectStyle>
+        <a:effectStyle>
+          <a:effectLst>
+            <a:outerShdw blurRad="40000" dist="23000" dir="5400000" rotWithShape="0">
+              <a:srgbClr val="000000">
+                <a:alpha val="35000"/>
+              </a:srgbClr>
+            </a:outerShdw>
+          </a:effectLst>
+        </a:effectStyle>
+        <a:effectStyle>
+          <a:effectLst>
+            <a:outerShdw blurRad="40000" dist="23000" dir="5400000" rotWithShape="0">
+              <a:srgbClr val="000000">
+                <a:alpha val="35000"/>
+              </a:srgbClr>
+            </a:outerShdw>
+          </a:effectLst>
+          <a:scene3d>
+            <a:camera prst="orthographicFront">
+              <a:rot lat="0" lon="0" rev="0"/>
+            </a:camera>
+            <a:lightRig rig="threePt" dir="t">
+              <a:rot lat="0" lon="0" rev="1200000"/>
+            </a:lightRig>
+          </a:scene3d>
+          <a:sp3d>
+            <a:bevelT w="63500" h="25400"/>
+          </a:sp3d>
+        </a:effectStyle>
+      </a:effectStyleLst>
+      <a:bgFillStyleLst>
+        <a:solidFill>
+          <a:schemeClr val="phClr"/>
+        </a:solidFill>
+        <a:gradFill rotWithShape="1">
+          <a:gsLst>
+            <a:gs pos="0">
+              <a:schemeClr val="phClr">
+                <a:tint val="40000"/>
+                <a:satMod val="350000"/>
+              </a:schemeClr>
+            </a:gs>
+            <a:gs pos="40000">
+              <a:schemeClr val="phClr">
+                <a:tint val="45000"/>
+                <a:shade val="99000"/>
+                <a:satMod val="350000"/>
+              </a:schemeClr>
+            </a:gs>
+            <a:gs pos="100000">
+              <a:schemeClr val="phClr">
+                <a:shade val="20000"/>
+                <a:satMod val="255000"/>
+              </a:schemeClr>
+            </a:gs>
+          </a:gsLst>
+          <a:path path="circle">
+            <a:fillToRect l="50000" t="-80000" r="50000" b="180000"/>
+          </a:path>
+        </a:gradFill>
+        <a:gradFill rotWithShape="1">
+          <a:gsLst>
+            <a:gs pos="0">
+              <a:schemeClr val="phClr">
+                <a:tint val="80000"/>
+                <a:satMod val="300000"/>
+              </a:schemeClr>
+            </a:gs>
+            <a:gs pos="100000">
+              <a:schemeClr val="phClr">
+                <a:shade val="30000"/>
+                <a:satMod val="200000"/>
+              </a:schemeClr>
+            </a:gs>
+          </a:gsLst>
+          <a:path path="circle">
+            <a:fillToRect l="50000" t="50000" r="50000" b="50000"/>
+          </a:path>
+        </a:gradFill>
+      </a:bgFillStyleLst>
+    </a:fmtScheme>
+  </a:themeElements>
+  <a:objectDefaults/>
+  <a:extraClrSchemeLst/>
+</a:theme>
 </file>
--- a/presentation/PhD-comprehensive-exam.pptx
+++ b/presentation/PhD-comprehensive-exam.pptx
@@ -5,7 +5,7 @@
     <p:sldMasterId id="2147483648" r:id="rId1"/>
   </p:sldMasterIdLst>
   <p:notesMasterIdLst>
-    <p:notesMasterId r:id="rId18"/>
+    <p:notesMasterId r:id="rId22"/>
   </p:notesMasterIdLst>
   <p:sldIdLst>
     <p:sldId id="257" r:id="rId2"/>
@@ -22,8 +22,12 @@
     <p:sldId id="316" r:id="rId13"/>
     <p:sldId id="323" r:id="rId14"/>
     <p:sldId id="324" r:id="rId15"/>
-    <p:sldId id="258" r:id="rId16"/>
-    <p:sldId id="259" r:id="rId17"/>
+    <p:sldId id="325" r:id="rId16"/>
+    <p:sldId id="326" r:id="rId17"/>
+    <p:sldId id="327" r:id="rId18"/>
+    <p:sldId id="328" r:id="rId19"/>
+    <p:sldId id="258" r:id="rId20"/>
+    <p:sldId id="259" r:id="rId21"/>
   </p:sldIdLst>
   <p:sldSz cx="9144000" cy="6858000" type="screen4x3"/>
   <p:notesSz cx="6858000" cy="9144000"/>
@@ -174,7 +178,7 @@
             </a:lvl1pPr>
           </a:lstStyle>
           <a:p>
-            <a:endParaRPr lang="en-US"/>
+            <a:endParaRPr lang="en-US" dirty="0"/>
           </a:p>
         </p:txBody>
       </p:sp>
@@ -209,7 +213,7 @@
               <a:rPr lang="en-US" smtClean="0"/>
               <a:t>6/17/2015</a:t>
             </a:fld>
-            <a:endParaRPr lang="en-US"/>
+            <a:endParaRPr lang="en-US" dirty="0"/>
           </a:p>
         </p:txBody>
       </p:sp>
@@ -242,7 +246,7 @@
           <a:bodyPr vert="horz" lIns="91440" tIns="45720" rIns="91440" bIns="45720" rtlCol="0" anchor="ctr"/>
           <a:lstStyle/>
           <a:p>
-            <a:endParaRPr lang="en-US"/>
+            <a:endParaRPr lang="en-US" dirty="0"/>
           </a:p>
         </p:txBody>
       </p:sp>
@@ -333,7 +337,7 @@
             </a:lvl1pPr>
           </a:lstStyle>
           <a:p>
-            <a:endParaRPr lang="en-US"/>
+            <a:endParaRPr lang="en-US" dirty="0"/>
           </a:p>
         </p:txBody>
       </p:sp>
@@ -368,7 +372,7 @@
               <a:rPr lang="en-US" smtClean="0"/>
               <a:t>‹#›</a:t>
             </a:fld>
-            <a:endParaRPr lang="en-US"/>
+            <a:endParaRPr lang="en-US" dirty="0"/>
           </a:p>
         </p:txBody>
       </p:sp>
@@ -815,6 +819,342 @@
 </p:notes>
 </file>
 
+<file path=ppt/notesSlides/notesSlide13.xml><?xml version="1.0" encoding="utf-8"?>
+<p:notes xmlns:a="http://schemas.openxmlformats.org/drawingml/2006/main" xmlns:r="http://schemas.openxmlformats.org/officeDocument/2006/relationships" xmlns:p="http://schemas.openxmlformats.org/presentationml/2006/main">
+  <p:cSld>
+    <p:spTree>
+      <p:nvGrpSpPr>
+        <p:cNvPr id="1" name=""/>
+        <p:cNvGrpSpPr/>
+        <p:nvPr/>
+      </p:nvGrpSpPr>
+      <p:grpSpPr>
+        <a:xfrm>
+          <a:off x="0" y="0"/>
+          <a:ext cx="0" cy="0"/>
+          <a:chOff x="0" y="0"/>
+          <a:chExt cx="0" cy="0"/>
+        </a:xfrm>
+      </p:grpSpPr>
+      <p:sp>
+        <p:nvSpPr>
+          <p:cNvPr id="2" name="Slide Image Placeholder 1"/>
+          <p:cNvSpPr>
+            <a:spLocks noGrp="1" noRot="1" noChangeAspect="1"/>
+          </p:cNvSpPr>
+          <p:nvPr>
+            <p:ph type="sldImg"/>
+          </p:nvPr>
+        </p:nvSpPr>
+        <p:spPr/>
+      </p:sp>
+      <p:sp>
+        <p:nvSpPr>
+          <p:cNvPr id="3" name="Notes Placeholder 2"/>
+          <p:cNvSpPr>
+            <a:spLocks noGrp="1"/>
+          </p:cNvSpPr>
+          <p:nvPr>
+            <p:ph type="body" idx="1"/>
+          </p:nvPr>
+        </p:nvSpPr>
+        <p:spPr/>
+        <p:txBody>
+          <a:bodyPr/>
+          <a:lstStyle/>
+          <a:p>
+            <a:endParaRPr lang="en-US" dirty="0"/>
+          </a:p>
+        </p:txBody>
+      </p:sp>
+      <p:sp>
+        <p:nvSpPr>
+          <p:cNvPr id="4" name="Slide Number Placeholder 3"/>
+          <p:cNvSpPr>
+            <a:spLocks noGrp="1"/>
+          </p:cNvSpPr>
+          <p:nvPr>
+            <p:ph type="sldNum" sz="quarter" idx="10"/>
+          </p:nvPr>
+        </p:nvSpPr>
+        <p:spPr/>
+        <p:txBody>
+          <a:bodyPr/>
+          <a:lstStyle/>
+          <a:p>
+            <a:fld id="{D91B34AF-DFC3-47C6-893A-07AE93C6324A}" type="slidenum">
+              <a:rPr lang="en-US" smtClean="0"/>
+              <a:t>15</a:t>
+            </a:fld>
+            <a:endParaRPr lang="en-US"/>
+          </a:p>
+        </p:txBody>
+      </p:sp>
+    </p:spTree>
+    <p:extLst>
+      <p:ext uri="{BB962C8B-B14F-4D97-AF65-F5344CB8AC3E}">
+        <p14:creationId xmlns:p14="http://schemas.microsoft.com/office/powerpoint/2010/main" val="1845102120"/>
+      </p:ext>
+    </p:extLst>
+  </p:cSld>
+  <p:clrMapOvr>
+    <a:masterClrMapping/>
+  </p:clrMapOvr>
+</p:notes>
+</file>
+
+<file path=ppt/notesSlides/notesSlide14.xml><?xml version="1.0" encoding="utf-8"?>
+<p:notes xmlns:a="http://schemas.openxmlformats.org/drawingml/2006/main" xmlns:r="http://schemas.openxmlformats.org/officeDocument/2006/relationships" xmlns:p="http://schemas.openxmlformats.org/presentationml/2006/main">
+  <p:cSld>
+    <p:spTree>
+      <p:nvGrpSpPr>
+        <p:cNvPr id="1" name=""/>
+        <p:cNvGrpSpPr/>
+        <p:nvPr/>
+      </p:nvGrpSpPr>
+      <p:grpSpPr>
+        <a:xfrm>
+          <a:off x="0" y="0"/>
+          <a:ext cx="0" cy="0"/>
+          <a:chOff x="0" y="0"/>
+          <a:chExt cx="0" cy="0"/>
+        </a:xfrm>
+      </p:grpSpPr>
+      <p:sp>
+        <p:nvSpPr>
+          <p:cNvPr id="2" name="Slide Image Placeholder 1"/>
+          <p:cNvSpPr>
+            <a:spLocks noGrp="1" noRot="1" noChangeAspect="1"/>
+          </p:cNvSpPr>
+          <p:nvPr>
+            <p:ph type="sldImg"/>
+          </p:nvPr>
+        </p:nvSpPr>
+        <p:spPr/>
+      </p:sp>
+      <p:sp>
+        <p:nvSpPr>
+          <p:cNvPr id="3" name="Notes Placeholder 2"/>
+          <p:cNvSpPr>
+            <a:spLocks noGrp="1"/>
+          </p:cNvSpPr>
+          <p:nvPr>
+            <p:ph type="body" idx="1"/>
+          </p:nvPr>
+        </p:nvSpPr>
+        <p:spPr/>
+        <p:txBody>
+          <a:bodyPr/>
+          <a:lstStyle/>
+          <a:p>
+            <a:endParaRPr lang="en-US" dirty="0"/>
+          </a:p>
+        </p:txBody>
+      </p:sp>
+      <p:sp>
+        <p:nvSpPr>
+          <p:cNvPr id="4" name="Slide Number Placeholder 3"/>
+          <p:cNvSpPr>
+            <a:spLocks noGrp="1"/>
+          </p:cNvSpPr>
+          <p:nvPr>
+            <p:ph type="sldNum" sz="quarter" idx="10"/>
+          </p:nvPr>
+        </p:nvSpPr>
+        <p:spPr/>
+        <p:txBody>
+          <a:bodyPr/>
+          <a:lstStyle/>
+          <a:p>
+            <a:fld id="{D91B34AF-DFC3-47C6-893A-07AE93C6324A}" type="slidenum">
+              <a:rPr lang="en-US" smtClean="0"/>
+              <a:t>16</a:t>
+            </a:fld>
+            <a:endParaRPr lang="en-US" dirty="0"/>
+          </a:p>
+        </p:txBody>
+      </p:sp>
+    </p:spTree>
+    <p:extLst>
+      <p:ext uri="{BB962C8B-B14F-4D97-AF65-F5344CB8AC3E}">
+        <p14:creationId xmlns:p14="http://schemas.microsoft.com/office/powerpoint/2010/main" val="1845102120"/>
+      </p:ext>
+    </p:extLst>
+  </p:cSld>
+  <p:clrMapOvr>
+    <a:masterClrMapping/>
+  </p:clrMapOvr>
+</p:notes>
+</file>
+
+<file path=ppt/notesSlides/notesSlide15.xml><?xml version="1.0" encoding="utf-8"?>
+<p:notes xmlns:a="http://schemas.openxmlformats.org/drawingml/2006/main" xmlns:r="http://schemas.openxmlformats.org/officeDocument/2006/relationships" xmlns:p="http://schemas.openxmlformats.org/presentationml/2006/main">
+  <p:cSld>
+    <p:spTree>
+      <p:nvGrpSpPr>
+        <p:cNvPr id="1" name=""/>
+        <p:cNvGrpSpPr/>
+        <p:nvPr/>
+      </p:nvGrpSpPr>
+      <p:grpSpPr>
+        <a:xfrm>
+          <a:off x="0" y="0"/>
+          <a:ext cx="0" cy="0"/>
+          <a:chOff x="0" y="0"/>
+          <a:chExt cx="0" cy="0"/>
+        </a:xfrm>
+      </p:grpSpPr>
+      <p:sp>
+        <p:nvSpPr>
+          <p:cNvPr id="2" name="Slide Image Placeholder 1"/>
+          <p:cNvSpPr>
+            <a:spLocks noGrp="1" noRot="1" noChangeAspect="1"/>
+          </p:cNvSpPr>
+          <p:nvPr>
+            <p:ph type="sldImg"/>
+          </p:nvPr>
+        </p:nvSpPr>
+        <p:spPr/>
+      </p:sp>
+      <p:sp>
+        <p:nvSpPr>
+          <p:cNvPr id="3" name="Notes Placeholder 2"/>
+          <p:cNvSpPr>
+            <a:spLocks noGrp="1"/>
+          </p:cNvSpPr>
+          <p:nvPr>
+            <p:ph type="body" idx="1"/>
+          </p:nvPr>
+        </p:nvSpPr>
+        <p:spPr/>
+        <p:txBody>
+          <a:bodyPr/>
+          <a:lstStyle/>
+          <a:p>
+            <a:endParaRPr lang="en-US" dirty="0"/>
+          </a:p>
+        </p:txBody>
+      </p:sp>
+      <p:sp>
+        <p:nvSpPr>
+          <p:cNvPr id="4" name="Slide Number Placeholder 3"/>
+          <p:cNvSpPr>
+            <a:spLocks noGrp="1"/>
+          </p:cNvSpPr>
+          <p:nvPr>
+            <p:ph type="sldNum" sz="quarter" idx="10"/>
+          </p:nvPr>
+        </p:nvSpPr>
+        <p:spPr/>
+        <p:txBody>
+          <a:bodyPr/>
+          <a:lstStyle/>
+          <a:p>
+            <a:fld id="{D91B34AF-DFC3-47C6-893A-07AE93C6324A}" type="slidenum">
+              <a:rPr lang="en-US" smtClean="0"/>
+              <a:t>17</a:t>
+            </a:fld>
+            <a:endParaRPr lang="en-US"/>
+          </a:p>
+        </p:txBody>
+      </p:sp>
+    </p:spTree>
+    <p:extLst>
+      <p:ext uri="{BB962C8B-B14F-4D97-AF65-F5344CB8AC3E}">
+        <p14:creationId xmlns:p14="http://schemas.microsoft.com/office/powerpoint/2010/main" val="1845102120"/>
+      </p:ext>
+    </p:extLst>
+  </p:cSld>
+  <p:clrMapOvr>
+    <a:masterClrMapping/>
+  </p:clrMapOvr>
+</p:notes>
+</file>
+
+<file path=ppt/notesSlides/notesSlide16.xml><?xml version="1.0" encoding="utf-8"?>
+<p:notes xmlns:a="http://schemas.openxmlformats.org/drawingml/2006/main" xmlns:r="http://schemas.openxmlformats.org/officeDocument/2006/relationships" xmlns:p="http://schemas.openxmlformats.org/presentationml/2006/main">
+  <p:cSld>
+    <p:spTree>
+      <p:nvGrpSpPr>
+        <p:cNvPr id="1" name=""/>
+        <p:cNvGrpSpPr/>
+        <p:nvPr/>
+      </p:nvGrpSpPr>
+      <p:grpSpPr>
+        <a:xfrm>
+          <a:off x="0" y="0"/>
+          <a:ext cx="0" cy="0"/>
+          <a:chOff x="0" y="0"/>
+          <a:chExt cx="0" cy="0"/>
+        </a:xfrm>
+      </p:grpSpPr>
+      <p:sp>
+        <p:nvSpPr>
+          <p:cNvPr id="2" name="Slide Image Placeholder 1"/>
+          <p:cNvSpPr>
+            <a:spLocks noGrp="1" noRot="1" noChangeAspect="1"/>
+          </p:cNvSpPr>
+          <p:nvPr>
+            <p:ph type="sldImg"/>
+          </p:nvPr>
+        </p:nvSpPr>
+        <p:spPr/>
+      </p:sp>
+      <p:sp>
+        <p:nvSpPr>
+          <p:cNvPr id="3" name="Notes Placeholder 2"/>
+          <p:cNvSpPr>
+            <a:spLocks noGrp="1"/>
+          </p:cNvSpPr>
+          <p:nvPr>
+            <p:ph type="body" idx="1"/>
+          </p:nvPr>
+        </p:nvSpPr>
+        <p:spPr/>
+        <p:txBody>
+          <a:bodyPr/>
+          <a:lstStyle/>
+          <a:p>
+            <a:endParaRPr lang="en-US" dirty="0"/>
+          </a:p>
+        </p:txBody>
+      </p:sp>
+      <p:sp>
+        <p:nvSpPr>
+          <p:cNvPr id="4" name="Slide Number Placeholder 3"/>
+          <p:cNvSpPr>
+            <a:spLocks noGrp="1"/>
+          </p:cNvSpPr>
+          <p:nvPr>
+            <p:ph type="sldNum" sz="quarter" idx="10"/>
+          </p:nvPr>
+        </p:nvSpPr>
+        <p:spPr/>
+        <p:txBody>
+          <a:bodyPr/>
+          <a:lstStyle/>
+          <a:p>
+            <a:fld id="{D91B34AF-DFC3-47C6-893A-07AE93C6324A}" type="slidenum">
+              <a:rPr lang="en-US" smtClean="0"/>
+              <a:t>18</a:t>
+            </a:fld>
+            <a:endParaRPr lang="en-US"/>
+          </a:p>
+        </p:txBody>
+      </p:sp>
+    </p:spTree>
+    <p:extLst>
+      <p:ext uri="{BB962C8B-B14F-4D97-AF65-F5344CB8AC3E}">
+        <p14:creationId xmlns:p14="http://schemas.microsoft.com/office/powerpoint/2010/main" val="1845102120"/>
+      </p:ext>
+    </p:extLst>
+  </p:cSld>
+  <p:clrMapOvr>
+    <a:masterClrMapping/>
+  </p:clrMapOvr>
+</p:notes>
+</file>
+
 <file path=ppt/notesSlides/notesSlide2.xml><?xml version="1.0" encoding="utf-8"?>
 <p:notes xmlns:a="http://schemas.openxmlformats.org/drawingml/2006/main" xmlns:r="http://schemas.openxmlformats.org/officeDocument/2006/relationships" xmlns:p="http://schemas.openxmlformats.org/presentationml/2006/main">
   <p:cSld>
@@ -1670,7 +2010,7 @@
               <a:rPr lang="en-US" smtClean="0"/>
               <a:t>6/17/2015</a:t>
             </a:fld>
-            <a:endParaRPr lang="en-US"/>
+            <a:endParaRPr lang="en-US" dirty="0"/>
           </a:p>
         </p:txBody>
       </p:sp>
@@ -1689,7 +2029,7 @@
           <a:bodyPr/>
           <a:lstStyle/>
           <a:p>
-            <a:endParaRPr lang="en-US"/>
+            <a:endParaRPr lang="en-US" dirty="0"/>
           </a:p>
         </p:txBody>
       </p:sp>
@@ -1712,7 +2052,7 @@
               <a:rPr lang="en-US" smtClean="0"/>
               <a:t>‹#›</a:t>
             </a:fld>
-            <a:endParaRPr lang="en-US"/>
+            <a:endParaRPr lang="en-US" dirty="0"/>
           </a:p>
         </p:txBody>
       </p:sp>
@@ -1840,7 +2180,7 @@
               <a:rPr lang="en-US" smtClean="0"/>
               <a:t>6/17/2015</a:t>
             </a:fld>
-            <a:endParaRPr lang="en-US"/>
+            <a:endParaRPr lang="en-US" dirty="0"/>
           </a:p>
         </p:txBody>
       </p:sp>
@@ -1859,7 +2199,7 @@
           <a:bodyPr/>
           <a:lstStyle/>
           <a:p>
-            <a:endParaRPr lang="en-US"/>
+            <a:endParaRPr lang="en-US" dirty="0"/>
           </a:p>
         </p:txBody>
       </p:sp>
@@ -1882,7 +2222,7 @@
               <a:rPr lang="en-US" smtClean="0"/>
               <a:t>‹#›</a:t>
             </a:fld>
-            <a:endParaRPr lang="en-US"/>
+            <a:endParaRPr lang="en-US" dirty="0"/>
           </a:p>
         </p:txBody>
       </p:sp>
@@ -2020,7 +2360,7 @@
               <a:rPr lang="en-US" smtClean="0"/>
               <a:t>6/17/2015</a:t>
             </a:fld>
-            <a:endParaRPr lang="en-US"/>
+            <a:endParaRPr lang="en-US" dirty="0"/>
           </a:p>
         </p:txBody>
       </p:sp>
@@ -2039,7 +2379,7 @@
           <a:bodyPr/>
           <a:lstStyle/>
           <a:p>
-            <a:endParaRPr lang="en-US"/>
+            <a:endParaRPr lang="en-US" dirty="0"/>
           </a:p>
         </p:txBody>
       </p:sp>
@@ -2062,7 +2402,7 @@
               <a:rPr lang="en-US" smtClean="0"/>
               <a:t>‹#›</a:t>
             </a:fld>
-            <a:endParaRPr lang="en-US"/>
+            <a:endParaRPr lang="en-US" dirty="0"/>
           </a:p>
         </p:txBody>
       </p:sp>
@@ -2190,7 +2530,7 @@
               <a:rPr lang="en-US" smtClean="0"/>
               <a:t>6/17/2015</a:t>
             </a:fld>
-            <a:endParaRPr lang="en-US"/>
+            <a:endParaRPr lang="en-US" dirty="0"/>
           </a:p>
         </p:txBody>
       </p:sp>
@@ -2209,7 +2549,7 @@
           <a:bodyPr/>
           <a:lstStyle/>
           <a:p>
-            <a:endParaRPr lang="en-US"/>
+            <a:endParaRPr lang="en-US" dirty="0"/>
           </a:p>
         </p:txBody>
       </p:sp>
@@ -2232,7 +2572,7 @@
               <a:rPr lang="en-US" smtClean="0"/>
               <a:t>‹#›</a:t>
             </a:fld>
-            <a:endParaRPr lang="en-US"/>
+            <a:endParaRPr lang="en-US" dirty="0"/>
           </a:p>
         </p:txBody>
       </p:sp>
@@ -2436,7 +2776,7 @@
               <a:rPr lang="en-US" smtClean="0"/>
               <a:t>6/17/2015</a:t>
             </a:fld>
-            <a:endParaRPr lang="en-US"/>
+            <a:endParaRPr lang="en-US" dirty="0"/>
           </a:p>
         </p:txBody>
       </p:sp>
@@ -2455,7 +2795,7 @@
           <a:bodyPr/>
           <a:lstStyle/>
           <a:p>
-            <a:endParaRPr lang="en-US"/>
+            <a:endParaRPr lang="en-US" dirty="0"/>
           </a:p>
         </p:txBody>
       </p:sp>
@@ -2478,7 +2818,7 @@
               <a:rPr lang="en-US" smtClean="0"/>
               <a:t>‹#›</a:t>
             </a:fld>
-            <a:endParaRPr lang="en-US"/>
+            <a:endParaRPr lang="en-US" dirty="0"/>
           </a:p>
         </p:txBody>
       </p:sp>
@@ -2724,7 +3064,7 @@
               <a:rPr lang="en-US" smtClean="0"/>
               <a:t>6/17/2015</a:t>
             </a:fld>
-            <a:endParaRPr lang="en-US"/>
+            <a:endParaRPr lang="en-US" dirty="0"/>
           </a:p>
         </p:txBody>
       </p:sp>
@@ -2743,7 +3083,7 @@
           <a:bodyPr/>
           <a:lstStyle/>
           <a:p>
-            <a:endParaRPr lang="en-US"/>
+            <a:endParaRPr lang="en-US" dirty="0"/>
           </a:p>
         </p:txBody>
       </p:sp>
@@ -2766,7 +3106,7 @@
               <a:rPr lang="en-US" smtClean="0"/>
               <a:t>‹#›</a:t>
             </a:fld>
-            <a:endParaRPr lang="en-US"/>
+            <a:endParaRPr lang="en-US" dirty="0"/>
           </a:p>
         </p:txBody>
       </p:sp>
@@ -3146,7 +3486,7 @@
               <a:rPr lang="en-US" smtClean="0"/>
               <a:t>6/17/2015</a:t>
             </a:fld>
-            <a:endParaRPr lang="en-US"/>
+            <a:endParaRPr lang="en-US" dirty="0"/>
           </a:p>
         </p:txBody>
       </p:sp>
@@ -3165,7 +3505,7 @@
           <a:bodyPr/>
           <a:lstStyle/>
           <a:p>
-            <a:endParaRPr lang="en-US"/>
+            <a:endParaRPr lang="en-US" dirty="0"/>
           </a:p>
         </p:txBody>
       </p:sp>
@@ -3188,7 +3528,7 @@
               <a:rPr lang="en-US" smtClean="0"/>
               <a:t>‹#›</a:t>
             </a:fld>
-            <a:endParaRPr lang="en-US"/>
+            <a:endParaRPr lang="en-US" dirty="0"/>
           </a:p>
         </p:txBody>
       </p:sp>
@@ -3264,7 +3604,7 @@
               <a:rPr lang="en-US" smtClean="0"/>
               <a:t>6/17/2015</a:t>
             </a:fld>
-            <a:endParaRPr lang="en-US"/>
+            <a:endParaRPr lang="en-US" dirty="0"/>
           </a:p>
         </p:txBody>
       </p:sp>
@@ -3283,7 +3623,7 @@
           <a:bodyPr/>
           <a:lstStyle/>
           <a:p>
-            <a:endParaRPr lang="en-US"/>
+            <a:endParaRPr lang="en-US" dirty="0"/>
           </a:p>
         </p:txBody>
       </p:sp>
@@ -3306,7 +3646,7 @@
               <a:rPr lang="en-US" smtClean="0"/>
               <a:t>‹#›</a:t>
             </a:fld>
-            <a:endParaRPr lang="en-US"/>
+            <a:endParaRPr lang="en-US" dirty="0"/>
           </a:p>
         </p:txBody>
       </p:sp>
@@ -3359,7 +3699,7 @@
               <a:rPr lang="en-US" smtClean="0"/>
               <a:t>6/17/2015</a:t>
             </a:fld>
-            <a:endParaRPr lang="en-US"/>
+            <a:endParaRPr lang="en-US" dirty="0"/>
           </a:p>
         </p:txBody>
       </p:sp>
@@ -3378,7 +3718,7 @@
           <a:bodyPr/>
           <a:lstStyle/>
           <a:p>
-            <a:endParaRPr lang="en-US"/>
+            <a:endParaRPr lang="en-US" dirty="0"/>
           </a:p>
         </p:txBody>
       </p:sp>
@@ -3401,7 +3741,7 @@
               <a:rPr lang="en-US" smtClean="0"/>
               <a:t>‹#›</a:t>
             </a:fld>
-            <a:endParaRPr lang="en-US"/>
+            <a:endParaRPr lang="en-US" dirty="0"/>
           </a:p>
         </p:txBody>
       </p:sp>
@@ -3636,7 +3976,7 @@
               <a:rPr lang="en-US" smtClean="0"/>
               <a:t>6/17/2015</a:t>
             </a:fld>
-            <a:endParaRPr lang="en-US"/>
+            <a:endParaRPr lang="en-US" dirty="0"/>
           </a:p>
         </p:txBody>
       </p:sp>
@@ -3655,7 +3995,7 @@
           <a:bodyPr/>
           <a:lstStyle/>
           <a:p>
-            <a:endParaRPr lang="en-US"/>
+            <a:endParaRPr lang="en-US" dirty="0"/>
           </a:p>
         </p:txBody>
       </p:sp>
@@ -3678,7 +4018,7 @@
               <a:rPr lang="en-US" smtClean="0"/>
               <a:t>‹#›</a:t>
             </a:fld>
-            <a:endParaRPr lang="en-US"/>
+            <a:endParaRPr lang="en-US" dirty="0"/>
           </a:p>
         </p:txBody>
       </p:sp>
@@ -3801,7 +4141,7 @@
             </a:lvl9pPr>
           </a:lstStyle>
           <a:p>
-            <a:endParaRPr lang="en-US"/>
+            <a:endParaRPr lang="en-US" dirty="0"/>
           </a:p>
         </p:txBody>
       </p:sp>
@@ -3889,7 +4229,7 @@
               <a:rPr lang="en-US" smtClean="0"/>
               <a:t>6/17/2015</a:t>
             </a:fld>
-            <a:endParaRPr lang="en-US"/>
+            <a:endParaRPr lang="en-US" dirty="0"/>
           </a:p>
         </p:txBody>
       </p:sp>
@@ -3908,7 +4248,7 @@
           <a:bodyPr/>
           <a:lstStyle/>
           <a:p>
-            <a:endParaRPr lang="en-US"/>
+            <a:endParaRPr lang="en-US" dirty="0"/>
           </a:p>
         </p:txBody>
       </p:sp>
@@ -3931,7 +4271,7 @@
               <a:rPr lang="en-US" smtClean="0"/>
               <a:t>‹#›</a:t>
             </a:fld>
-            <a:endParaRPr lang="en-US"/>
+            <a:endParaRPr lang="en-US" dirty="0"/>
           </a:p>
         </p:txBody>
       </p:sp>
@@ -4102,7 +4442,7 @@
               <a:rPr lang="en-US" smtClean="0"/>
               <a:t>6/17/2015</a:t>
             </a:fld>
-            <a:endParaRPr lang="en-US"/>
+            <a:endParaRPr lang="en-US" dirty="0"/>
           </a:p>
         </p:txBody>
       </p:sp>
@@ -4139,7 +4479,7 @@
             </a:lvl1pPr>
           </a:lstStyle>
           <a:p>
-            <a:endParaRPr lang="en-US"/>
+            <a:endParaRPr lang="en-US" dirty="0"/>
           </a:p>
         </p:txBody>
       </p:sp>
@@ -4180,7 +4520,7 @@
               <a:rPr lang="en-US" smtClean="0"/>
               <a:t>‹#›</a:t>
             </a:fld>
-            <a:endParaRPr lang="en-US"/>
+            <a:endParaRPr lang="en-US" dirty="0"/>
           </a:p>
         </p:txBody>
       </p:sp>
@@ -7926,6 +8266,1365 @@
       </p:grpSpPr>
       <p:sp>
         <p:nvSpPr>
+          <p:cNvPr id="5" name="Content Placeholder 2"/>
+          <p:cNvSpPr txBox="1">
+            <a:spLocks/>
+          </p:cNvSpPr>
+          <p:nvPr/>
+        </p:nvSpPr>
+        <p:spPr>
+          <a:xfrm>
+            <a:off x="457199" y="1219201"/>
+            <a:ext cx="8206611" cy="5181599"/>
+          </a:xfrm>
+          <a:prstGeom prst="rect">
+            <a:avLst/>
+          </a:prstGeom>
+        </p:spPr>
+        <p:txBody>
+          <a:bodyPr vert="horz" lIns="91440" tIns="45720" rIns="91440" bIns="45720" rtlCol="0">
+            <a:normAutofit/>
+          </a:bodyPr>
+          <a:lstStyle>
+            <a:lvl1pPr marL="342900" indent="-342900" algn="l" defTabSz="914400" rtl="0" eaLnBrk="1" latinLnBrk="0" hangingPunct="1">
+              <a:spcBef>
+                <a:spcPct val="20000"/>
+              </a:spcBef>
+              <a:buFont typeface="Arial" panose="020B0604020202020204" pitchFamily="34" charset="0"/>
+              <a:buChar char="•"/>
+              <a:defRPr sz="3200" kern="1200">
+                <a:solidFill>
+                  <a:schemeClr val="tx1"/>
+                </a:solidFill>
+                <a:latin typeface="+mn-lt"/>
+                <a:ea typeface="+mn-ea"/>
+                <a:cs typeface="+mn-cs"/>
+              </a:defRPr>
+            </a:lvl1pPr>
+            <a:lvl2pPr marL="742950" indent="-285750" algn="l" defTabSz="914400" rtl="0" eaLnBrk="1" latinLnBrk="0" hangingPunct="1">
+              <a:spcBef>
+                <a:spcPct val="20000"/>
+              </a:spcBef>
+              <a:buFont typeface="Arial" panose="020B0604020202020204" pitchFamily="34" charset="0"/>
+              <a:buChar char="–"/>
+              <a:defRPr sz="2800" kern="1200">
+                <a:solidFill>
+                  <a:schemeClr val="tx1"/>
+                </a:solidFill>
+                <a:latin typeface="+mn-lt"/>
+                <a:ea typeface="+mn-ea"/>
+                <a:cs typeface="+mn-cs"/>
+              </a:defRPr>
+            </a:lvl2pPr>
+            <a:lvl3pPr marL="1143000" indent="-228600" algn="l" defTabSz="914400" rtl="0" eaLnBrk="1" latinLnBrk="0" hangingPunct="1">
+              <a:spcBef>
+                <a:spcPct val="20000"/>
+              </a:spcBef>
+              <a:buFont typeface="Arial" panose="020B0604020202020204" pitchFamily="34" charset="0"/>
+              <a:buChar char="•"/>
+              <a:defRPr sz="2400" kern="1200">
+                <a:solidFill>
+                  <a:schemeClr val="tx1"/>
+                </a:solidFill>
+                <a:latin typeface="+mn-lt"/>
+                <a:ea typeface="+mn-ea"/>
+                <a:cs typeface="+mn-cs"/>
+              </a:defRPr>
+            </a:lvl3pPr>
+            <a:lvl4pPr marL="1600200" indent="-228600" algn="l" defTabSz="914400" rtl="0" eaLnBrk="1" latinLnBrk="0" hangingPunct="1">
+              <a:spcBef>
+                <a:spcPct val="20000"/>
+              </a:spcBef>
+              <a:buFont typeface="Arial" panose="020B0604020202020204" pitchFamily="34" charset="0"/>
+              <a:buChar char="–"/>
+              <a:defRPr sz="2000" kern="1200">
+                <a:solidFill>
+                  <a:schemeClr val="tx1"/>
+                </a:solidFill>
+                <a:latin typeface="+mn-lt"/>
+                <a:ea typeface="+mn-ea"/>
+                <a:cs typeface="+mn-cs"/>
+              </a:defRPr>
+            </a:lvl4pPr>
+            <a:lvl5pPr marL="2057400" indent="-228600" algn="l" defTabSz="914400" rtl="0" eaLnBrk="1" latinLnBrk="0" hangingPunct="1">
+              <a:spcBef>
+                <a:spcPct val="20000"/>
+              </a:spcBef>
+              <a:buFont typeface="Arial" panose="020B0604020202020204" pitchFamily="34" charset="0"/>
+              <a:buChar char="»"/>
+              <a:defRPr sz="2000" kern="1200">
+                <a:solidFill>
+                  <a:schemeClr val="tx1"/>
+                </a:solidFill>
+                <a:latin typeface="+mn-lt"/>
+                <a:ea typeface="+mn-ea"/>
+                <a:cs typeface="+mn-cs"/>
+              </a:defRPr>
+            </a:lvl5pPr>
+            <a:lvl6pPr marL="2514600" indent="-228600" algn="l" defTabSz="914400" rtl="0" eaLnBrk="1" latinLnBrk="0" hangingPunct="1">
+              <a:spcBef>
+                <a:spcPct val="20000"/>
+              </a:spcBef>
+              <a:buFont typeface="Arial" panose="020B0604020202020204" pitchFamily="34" charset="0"/>
+              <a:buChar char="•"/>
+              <a:defRPr sz="2000" kern="1200">
+                <a:solidFill>
+                  <a:schemeClr val="tx1"/>
+                </a:solidFill>
+                <a:latin typeface="+mn-lt"/>
+                <a:ea typeface="+mn-ea"/>
+                <a:cs typeface="+mn-cs"/>
+              </a:defRPr>
+            </a:lvl6pPr>
+            <a:lvl7pPr marL="2971800" indent="-228600" algn="l" defTabSz="914400" rtl="0" eaLnBrk="1" latinLnBrk="0" hangingPunct="1">
+              <a:spcBef>
+                <a:spcPct val="20000"/>
+              </a:spcBef>
+              <a:buFont typeface="Arial" panose="020B0604020202020204" pitchFamily="34" charset="0"/>
+              <a:buChar char="•"/>
+              <a:defRPr sz="2000" kern="1200">
+                <a:solidFill>
+                  <a:schemeClr val="tx1"/>
+                </a:solidFill>
+                <a:latin typeface="+mn-lt"/>
+                <a:ea typeface="+mn-ea"/>
+                <a:cs typeface="+mn-cs"/>
+              </a:defRPr>
+            </a:lvl7pPr>
+            <a:lvl8pPr marL="3429000" indent="-228600" algn="l" defTabSz="914400" rtl="0" eaLnBrk="1" latinLnBrk="0" hangingPunct="1">
+              <a:spcBef>
+                <a:spcPct val="20000"/>
+              </a:spcBef>
+              <a:buFont typeface="Arial" panose="020B0604020202020204" pitchFamily="34" charset="0"/>
+              <a:buChar char="•"/>
+              <a:defRPr sz="2000" kern="1200">
+                <a:solidFill>
+                  <a:schemeClr val="tx1"/>
+                </a:solidFill>
+                <a:latin typeface="+mn-lt"/>
+                <a:ea typeface="+mn-ea"/>
+                <a:cs typeface="+mn-cs"/>
+              </a:defRPr>
+            </a:lvl8pPr>
+            <a:lvl9pPr marL="3886200" indent="-228600" algn="l" defTabSz="914400" rtl="0" eaLnBrk="1" latinLnBrk="0" hangingPunct="1">
+              <a:spcBef>
+                <a:spcPct val="20000"/>
+              </a:spcBef>
+              <a:buFont typeface="Arial" panose="020B0604020202020204" pitchFamily="34" charset="0"/>
+              <a:buChar char="•"/>
+              <a:defRPr sz="2000" kern="1200">
+                <a:solidFill>
+                  <a:schemeClr val="tx1"/>
+                </a:solidFill>
+                <a:latin typeface="+mn-lt"/>
+                <a:ea typeface="+mn-ea"/>
+                <a:cs typeface="+mn-cs"/>
+              </a:defRPr>
+            </a:lvl9pPr>
+          </a:lstStyle>
+          <a:p>
+            <a:pPr marL="457200" indent="-457200">
+              <a:buFont typeface="+mj-lt"/>
+              <a:buAutoNum type="arabicPeriod"/>
+            </a:pPr>
+            <a:r>
+              <a:rPr lang="en-US" sz="2000" dirty="0" smtClean="0"/>
+              <a:t>Both specify executing actions as a team</a:t>
+            </a:r>
+          </a:p>
+          <a:p>
+            <a:pPr marL="457200" indent="-457200">
+              <a:buFont typeface="+mj-lt"/>
+              <a:buAutoNum type="arabicPeriod"/>
+            </a:pPr>
+            <a:r>
+              <a:rPr lang="en-US" sz="2000" dirty="0" smtClean="0"/>
+              <a:t>Both based on BDI model and </a:t>
+            </a:r>
+            <a:r>
+              <a:rPr lang="en-US" sz="2000" dirty="0" err="1" smtClean="0"/>
+              <a:t>Bratman’s</a:t>
+            </a:r>
+            <a:r>
+              <a:rPr lang="en-US" sz="2000" dirty="0" smtClean="0"/>
+              <a:t> view of intention</a:t>
+            </a:r>
+          </a:p>
+          <a:p>
+            <a:pPr marL="457200" indent="-457200">
+              <a:buFont typeface="+mj-lt"/>
+              <a:buAutoNum type="arabicPeriod"/>
+            </a:pPr>
+            <a:r>
+              <a:rPr lang="en-US" sz="2000" dirty="0" smtClean="0"/>
+              <a:t>In both joint actions are not collection of individual actions (agents need to share beliefs)</a:t>
+            </a:r>
+          </a:p>
+          <a:p>
+            <a:pPr marL="457200" indent="-457200">
+              <a:buFont typeface="+mj-lt"/>
+              <a:buAutoNum type="arabicPeriod"/>
+            </a:pPr>
+            <a:r>
+              <a:rPr lang="en-US" sz="2000" dirty="0" smtClean="0"/>
+              <a:t>Both emphasize on communication.</a:t>
+            </a:r>
+          </a:p>
+          <a:p>
+            <a:pPr marL="457200" indent="-457200">
+              <a:buFont typeface="+mj-lt"/>
+              <a:buAutoNum type="arabicPeriod"/>
+            </a:pPr>
+            <a:r>
+              <a:rPr lang="en-US" sz="2000" dirty="0" smtClean="0"/>
+              <a:t>Both are concerned about commitment.</a:t>
+            </a:r>
+            <a:endParaRPr lang="en-US" sz="2800" dirty="0"/>
+          </a:p>
+          <a:p>
+            <a:endParaRPr lang="en-US" sz="2000" dirty="0" smtClean="0"/>
+          </a:p>
+        </p:txBody>
+      </p:sp>
+      <p:sp>
+        <p:nvSpPr>
+          <p:cNvPr id="9" name="Title 1"/>
+          <p:cNvSpPr txBox="1">
+            <a:spLocks/>
+          </p:cNvSpPr>
+          <p:nvPr/>
+        </p:nvSpPr>
+        <p:spPr>
+          <a:xfrm>
+            <a:off x="457200" y="0"/>
+            <a:ext cx="8229600" cy="1143000"/>
+          </a:xfrm>
+          <a:prstGeom prst="rect">
+            <a:avLst/>
+          </a:prstGeom>
+        </p:spPr>
+        <p:txBody>
+          <a:bodyPr vert="horz" lIns="91440" tIns="45720" rIns="91440" bIns="45720" rtlCol="0" anchor="ctr">
+            <a:normAutofit/>
+          </a:bodyPr>
+          <a:lstStyle>
+            <a:lvl1pPr algn="ctr" defTabSz="914400" rtl="0" eaLnBrk="1" latinLnBrk="0" hangingPunct="1">
+              <a:spcBef>
+                <a:spcPct val="0"/>
+              </a:spcBef>
+              <a:buNone/>
+              <a:defRPr sz="4400" kern="1200">
+                <a:solidFill>
+                  <a:schemeClr val="tx1"/>
+                </a:solidFill>
+                <a:latin typeface="+mj-lt"/>
+                <a:ea typeface="+mj-ea"/>
+                <a:cs typeface="+mj-cs"/>
+              </a:defRPr>
+            </a:lvl1pPr>
+          </a:lstStyle>
+          <a:p>
+            <a:pPr algn="l"/>
+            <a:r>
+              <a:rPr lang="en-US" sz="2400" b="1" dirty="0" smtClean="0"/>
+              <a:t>Collaboration </a:t>
+            </a:r>
+            <a:r>
+              <a:rPr lang="en-US" sz="2400" b="1" dirty="0"/>
+              <a:t>Theories &gt; </a:t>
+            </a:r>
+            <a:r>
+              <a:rPr lang="en-US" sz="2400" b="1" dirty="0" smtClean="0"/>
+              <a:t>Similarities</a:t>
+            </a:r>
+            <a:endParaRPr lang="en-US" sz="2200" b="1" i="1" dirty="0"/>
+          </a:p>
+        </p:txBody>
+      </p:sp>
+    </p:spTree>
+    <p:extLst>
+      <p:ext uri="{BB962C8B-B14F-4D97-AF65-F5344CB8AC3E}">
+        <p14:creationId xmlns:p14="http://schemas.microsoft.com/office/powerpoint/2010/main" val="468030128"/>
+      </p:ext>
+    </p:extLst>
+  </p:cSld>
+  <p:clrMapOvr>
+    <a:masterClrMapping/>
+  </p:clrMapOvr>
+  <p:timing>
+    <p:tnLst>
+      <p:par>
+        <p:cTn id="1" dur="indefinite" restart="never" nodeType="tmRoot"/>
+      </p:par>
+    </p:tnLst>
+  </p:timing>
+</p:sld>
+</file>
+
+<file path=ppt/slides/slide16.xml><?xml version="1.0" encoding="utf-8"?>
+<p:sld xmlns:a="http://schemas.openxmlformats.org/drawingml/2006/main" xmlns:r="http://schemas.openxmlformats.org/officeDocument/2006/relationships" xmlns:p="http://schemas.openxmlformats.org/presentationml/2006/main">
+  <p:cSld>
+    <p:spTree>
+      <p:nvGrpSpPr>
+        <p:cNvPr id="1" name=""/>
+        <p:cNvGrpSpPr/>
+        <p:nvPr/>
+      </p:nvGrpSpPr>
+      <p:grpSpPr>
+        <a:xfrm>
+          <a:off x="0" y="0"/>
+          <a:ext cx="0" cy="0"/>
+          <a:chOff x="0" y="0"/>
+          <a:chExt cx="0" cy="0"/>
+        </a:xfrm>
+      </p:grpSpPr>
+      <p:sp>
+        <p:nvSpPr>
+          <p:cNvPr id="5" name="Content Placeholder 2"/>
+          <p:cNvSpPr txBox="1">
+            <a:spLocks/>
+          </p:cNvSpPr>
+          <p:nvPr/>
+        </p:nvSpPr>
+        <p:spPr>
+          <a:xfrm>
+            <a:off x="457199" y="1219201"/>
+            <a:ext cx="8206611" cy="5181599"/>
+          </a:xfrm>
+          <a:prstGeom prst="rect">
+            <a:avLst/>
+          </a:prstGeom>
+        </p:spPr>
+        <p:txBody>
+          <a:bodyPr vert="horz" lIns="91440" tIns="45720" rIns="91440" bIns="45720" rtlCol="0">
+            <a:normAutofit/>
+          </a:bodyPr>
+          <a:lstStyle>
+            <a:lvl1pPr marL="342900" indent="-342900" algn="l" defTabSz="914400" rtl="0" eaLnBrk="1" latinLnBrk="0" hangingPunct="1">
+              <a:spcBef>
+                <a:spcPct val="20000"/>
+              </a:spcBef>
+              <a:buFont typeface="Arial" panose="020B0604020202020204" pitchFamily="34" charset="0"/>
+              <a:buChar char="•"/>
+              <a:defRPr sz="3200" kern="1200">
+                <a:solidFill>
+                  <a:schemeClr val="tx1"/>
+                </a:solidFill>
+                <a:latin typeface="+mn-lt"/>
+                <a:ea typeface="+mn-ea"/>
+                <a:cs typeface="+mn-cs"/>
+              </a:defRPr>
+            </a:lvl1pPr>
+            <a:lvl2pPr marL="742950" indent="-285750" algn="l" defTabSz="914400" rtl="0" eaLnBrk="1" latinLnBrk="0" hangingPunct="1">
+              <a:spcBef>
+                <a:spcPct val="20000"/>
+              </a:spcBef>
+              <a:buFont typeface="Arial" panose="020B0604020202020204" pitchFamily="34" charset="0"/>
+              <a:buChar char="–"/>
+              <a:defRPr sz="2800" kern="1200">
+                <a:solidFill>
+                  <a:schemeClr val="tx1"/>
+                </a:solidFill>
+                <a:latin typeface="+mn-lt"/>
+                <a:ea typeface="+mn-ea"/>
+                <a:cs typeface="+mn-cs"/>
+              </a:defRPr>
+            </a:lvl2pPr>
+            <a:lvl3pPr marL="1143000" indent="-228600" algn="l" defTabSz="914400" rtl="0" eaLnBrk="1" latinLnBrk="0" hangingPunct="1">
+              <a:spcBef>
+                <a:spcPct val="20000"/>
+              </a:spcBef>
+              <a:buFont typeface="Arial" panose="020B0604020202020204" pitchFamily="34" charset="0"/>
+              <a:buChar char="•"/>
+              <a:defRPr sz="2400" kern="1200">
+                <a:solidFill>
+                  <a:schemeClr val="tx1"/>
+                </a:solidFill>
+                <a:latin typeface="+mn-lt"/>
+                <a:ea typeface="+mn-ea"/>
+                <a:cs typeface="+mn-cs"/>
+              </a:defRPr>
+            </a:lvl3pPr>
+            <a:lvl4pPr marL="1600200" indent="-228600" algn="l" defTabSz="914400" rtl="0" eaLnBrk="1" latinLnBrk="0" hangingPunct="1">
+              <a:spcBef>
+                <a:spcPct val="20000"/>
+              </a:spcBef>
+              <a:buFont typeface="Arial" panose="020B0604020202020204" pitchFamily="34" charset="0"/>
+              <a:buChar char="–"/>
+              <a:defRPr sz="2000" kern="1200">
+                <a:solidFill>
+                  <a:schemeClr val="tx1"/>
+                </a:solidFill>
+                <a:latin typeface="+mn-lt"/>
+                <a:ea typeface="+mn-ea"/>
+                <a:cs typeface="+mn-cs"/>
+              </a:defRPr>
+            </a:lvl4pPr>
+            <a:lvl5pPr marL="2057400" indent="-228600" algn="l" defTabSz="914400" rtl="0" eaLnBrk="1" latinLnBrk="0" hangingPunct="1">
+              <a:spcBef>
+                <a:spcPct val="20000"/>
+              </a:spcBef>
+              <a:buFont typeface="Arial" panose="020B0604020202020204" pitchFamily="34" charset="0"/>
+              <a:buChar char="»"/>
+              <a:defRPr sz="2000" kern="1200">
+                <a:solidFill>
+                  <a:schemeClr val="tx1"/>
+                </a:solidFill>
+                <a:latin typeface="+mn-lt"/>
+                <a:ea typeface="+mn-ea"/>
+                <a:cs typeface="+mn-cs"/>
+              </a:defRPr>
+            </a:lvl5pPr>
+            <a:lvl6pPr marL="2514600" indent="-228600" algn="l" defTabSz="914400" rtl="0" eaLnBrk="1" latinLnBrk="0" hangingPunct="1">
+              <a:spcBef>
+                <a:spcPct val="20000"/>
+              </a:spcBef>
+              <a:buFont typeface="Arial" panose="020B0604020202020204" pitchFamily="34" charset="0"/>
+              <a:buChar char="•"/>
+              <a:defRPr sz="2000" kern="1200">
+                <a:solidFill>
+                  <a:schemeClr val="tx1"/>
+                </a:solidFill>
+                <a:latin typeface="+mn-lt"/>
+                <a:ea typeface="+mn-ea"/>
+                <a:cs typeface="+mn-cs"/>
+              </a:defRPr>
+            </a:lvl6pPr>
+            <a:lvl7pPr marL="2971800" indent="-228600" algn="l" defTabSz="914400" rtl="0" eaLnBrk="1" latinLnBrk="0" hangingPunct="1">
+              <a:spcBef>
+                <a:spcPct val="20000"/>
+              </a:spcBef>
+              <a:buFont typeface="Arial" panose="020B0604020202020204" pitchFamily="34" charset="0"/>
+              <a:buChar char="•"/>
+              <a:defRPr sz="2000" kern="1200">
+                <a:solidFill>
+                  <a:schemeClr val="tx1"/>
+                </a:solidFill>
+                <a:latin typeface="+mn-lt"/>
+                <a:ea typeface="+mn-ea"/>
+                <a:cs typeface="+mn-cs"/>
+              </a:defRPr>
+            </a:lvl7pPr>
+            <a:lvl8pPr marL="3429000" indent="-228600" algn="l" defTabSz="914400" rtl="0" eaLnBrk="1" latinLnBrk="0" hangingPunct="1">
+              <a:spcBef>
+                <a:spcPct val="20000"/>
+              </a:spcBef>
+              <a:buFont typeface="Arial" panose="020B0604020202020204" pitchFamily="34" charset="0"/>
+              <a:buChar char="•"/>
+              <a:defRPr sz="2000" kern="1200">
+                <a:solidFill>
+                  <a:schemeClr val="tx1"/>
+                </a:solidFill>
+                <a:latin typeface="+mn-lt"/>
+                <a:ea typeface="+mn-ea"/>
+                <a:cs typeface="+mn-cs"/>
+              </a:defRPr>
+            </a:lvl8pPr>
+            <a:lvl9pPr marL="3886200" indent="-228600" algn="l" defTabSz="914400" rtl="0" eaLnBrk="1" latinLnBrk="0" hangingPunct="1">
+              <a:spcBef>
+                <a:spcPct val="20000"/>
+              </a:spcBef>
+              <a:buFont typeface="Arial" panose="020B0604020202020204" pitchFamily="34" charset="0"/>
+              <a:buChar char="•"/>
+              <a:defRPr sz="2000" kern="1200">
+                <a:solidFill>
+                  <a:schemeClr val="tx1"/>
+                </a:solidFill>
+                <a:latin typeface="+mn-lt"/>
+                <a:ea typeface="+mn-ea"/>
+                <a:cs typeface="+mn-cs"/>
+              </a:defRPr>
+            </a:lvl9pPr>
+          </a:lstStyle>
+          <a:p>
+            <a:pPr marL="457200" indent="-457200">
+              <a:buFont typeface="+mj-lt"/>
+              <a:buAutoNum type="arabicPeriod"/>
+            </a:pPr>
+            <a:r>
+              <a:rPr lang="en-US" sz="2000" dirty="0" smtClean="0"/>
+              <a:t>SharedPlans theory is based on mutual beliefs and notion of intention-that, while Joint Intentions theory is based on joint intentions.</a:t>
+            </a:r>
+          </a:p>
+          <a:p>
+            <a:pPr marL="457200" indent="-457200">
+              <a:buFont typeface="+mj-lt"/>
+              <a:buAutoNum type="arabicPeriod"/>
+            </a:pPr>
+            <a:r>
+              <a:rPr lang="en-US" sz="2000" dirty="0"/>
+              <a:t>In SharedPlans theory teammates agree on the shared plan, whereas </a:t>
+            </a:r>
+            <a:r>
+              <a:rPr lang="en-US" sz="2000" dirty="0" smtClean="0"/>
+              <a:t>in  </a:t>
+            </a:r>
+            <a:r>
+              <a:rPr lang="en-US" sz="2000" dirty="0"/>
+              <a:t>Joint Intentions theory teammates agree on intentions</a:t>
+            </a:r>
+            <a:r>
+              <a:rPr lang="en-US" sz="2000" dirty="0" smtClean="0"/>
+              <a:t>.</a:t>
+            </a:r>
+          </a:p>
+          <a:p>
+            <a:pPr marL="457200" indent="-457200">
+              <a:buFont typeface="+mj-lt"/>
+              <a:buAutoNum type="arabicPeriod"/>
+            </a:pPr>
+            <a:r>
+              <a:rPr lang="en-US" sz="2000" dirty="0" smtClean="0"/>
+              <a:t>SharedPlans theory employs hierarchical structures over intentions (in contrast to Joint Intentions theory).</a:t>
+            </a:r>
+          </a:p>
+          <a:p>
+            <a:pPr marL="457200" indent="-457200">
+              <a:buFont typeface="+mj-lt"/>
+              <a:buAutoNum type="arabicPeriod"/>
+            </a:pPr>
+            <a:r>
+              <a:rPr lang="en-US" sz="2000" dirty="0"/>
+              <a:t>SharedPlans </a:t>
+            </a:r>
+            <a:r>
+              <a:rPr lang="en-US" sz="2000" dirty="0" smtClean="0"/>
+              <a:t>theory describe a way to achieve a shared goal whereas </a:t>
+            </a:r>
+            <a:r>
+              <a:rPr lang="en-US" sz="2000" dirty="0"/>
+              <a:t>Joint Intentions </a:t>
+            </a:r>
+            <a:r>
+              <a:rPr lang="en-US" sz="2000" dirty="0" smtClean="0"/>
+              <a:t>theory only describes the shared goal.</a:t>
+            </a:r>
+          </a:p>
+          <a:p>
+            <a:pPr marL="457200" indent="-457200">
+              <a:buFont typeface="+mj-lt"/>
+              <a:buAutoNum type="arabicPeriod"/>
+            </a:pPr>
+            <a:r>
+              <a:rPr lang="en-US" sz="2000" dirty="0"/>
+              <a:t>Joint Intentions </a:t>
+            </a:r>
+            <a:r>
+              <a:rPr lang="en-US" sz="2000" dirty="0" smtClean="0"/>
+              <a:t>theory assumes knowledge about the teammates is always available (in contrast to partial plan in </a:t>
+            </a:r>
+            <a:r>
+              <a:rPr lang="en-US" sz="2000" dirty="0" err="1" smtClean="0"/>
+              <a:t>SharedPland</a:t>
+            </a:r>
+            <a:r>
+              <a:rPr lang="en-US" sz="2000" dirty="0" smtClean="0"/>
+              <a:t> theory).</a:t>
+            </a:r>
+          </a:p>
+          <a:p>
+            <a:pPr marL="457200" indent="-457200">
+              <a:buFont typeface="+mj-lt"/>
+              <a:buAutoNum type="arabicPeriod"/>
+            </a:pPr>
+            <a:r>
+              <a:rPr lang="en-US" sz="2000" dirty="0"/>
+              <a:t>In </a:t>
+            </a:r>
+            <a:r>
+              <a:rPr lang="en-US" sz="2000" dirty="0" smtClean="0"/>
+              <a:t>SharedPlans theory communication requirements are derived from intention-that concept whereas it is “hard-wired” in Joint </a:t>
+            </a:r>
+            <a:r>
+              <a:rPr lang="en-US" sz="2000" dirty="0"/>
+              <a:t>Intentions </a:t>
+            </a:r>
+            <a:r>
+              <a:rPr lang="en-US" sz="2000" dirty="0" smtClean="0"/>
+              <a:t>theory.</a:t>
+            </a:r>
+            <a:endParaRPr lang="en-US" sz="2000" dirty="0" smtClean="0"/>
+          </a:p>
+        </p:txBody>
+      </p:sp>
+      <p:sp>
+        <p:nvSpPr>
+          <p:cNvPr id="9" name="Title 1"/>
+          <p:cNvSpPr txBox="1">
+            <a:spLocks/>
+          </p:cNvSpPr>
+          <p:nvPr/>
+        </p:nvSpPr>
+        <p:spPr>
+          <a:xfrm>
+            <a:off x="457200" y="0"/>
+            <a:ext cx="8229600" cy="1143000"/>
+          </a:xfrm>
+          <a:prstGeom prst="rect">
+            <a:avLst/>
+          </a:prstGeom>
+        </p:spPr>
+        <p:txBody>
+          <a:bodyPr vert="horz" lIns="91440" tIns="45720" rIns="91440" bIns="45720" rtlCol="0" anchor="ctr">
+            <a:normAutofit/>
+          </a:bodyPr>
+          <a:lstStyle>
+            <a:lvl1pPr algn="ctr" defTabSz="914400" rtl="0" eaLnBrk="1" latinLnBrk="0" hangingPunct="1">
+              <a:spcBef>
+                <a:spcPct val="0"/>
+              </a:spcBef>
+              <a:buNone/>
+              <a:defRPr sz="4400" kern="1200">
+                <a:solidFill>
+                  <a:schemeClr val="tx1"/>
+                </a:solidFill>
+                <a:latin typeface="+mj-lt"/>
+                <a:ea typeface="+mj-ea"/>
+                <a:cs typeface="+mj-cs"/>
+              </a:defRPr>
+            </a:lvl1pPr>
+          </a:lstStyle>
+          <a:p>
+            <a:pPr algn="l"/>
+            <a:r>
+              <a:rPr lang="en-US" sz="2400" b="1" dirty="0" smtClean="0"/>
+              <a:t>Collaboration </a:t>
+            </a:r>
+            <a:r>
+              <a:rPr lang="en-US" sz="2400" b="1" dirty="0"/>
+              <a:t>Theories &gt; </a:t>
+            </a:r>
+            <a:r>
+              <a:rPr lang="en-US" sz="2400" b="1" dirty="0" smtClean="0"/>
+              <a:t>Differences</a:t>
+            </a:r>
+            <a:endParaRPr lang="en-US" sz="2200" b="1" i="1" dirty="0"/>
+          </a:p>
+        </p:txBody>
+      </p:sp>
+    </p:spTree>
+    <p:extLst>
+      <p:ext uri="{BB962C8B-B14F-4D97-AF65-F5344CB8AC3E}">
+        <p14:creationId xmlns:p14="http://schemas.microsoft.com/office/powerpoint/2010/main" val="2351011387"/>
+      </p:ext>
+    </p:extLst>
+  </p:cSld>
+  <p:clrMapOvr>
+    <a:masterClrMapping/>
+  </p:clrMapOvr>
+  <p:timing>
+    <p:tnLst>
+      <p:par>
+        <p:cTn id="1" dur="indefinite" restart="never" nodeType="tmRoot"/>
+      </p:par>
+    </p:tnLst>
+  </p:timing>
+</p:sld>
+</file>
+
+<file path=ppt/slides/slide17.xml><?xml version="1.0" encoding="utf-8"?>
+<p:sld xmlns:a="http://schemas.openxmlformats.org/drawingml/2006/main" xmlns:r="http://schemas.openxmlformats.org/officeDocument/2006/relationships" xmlns:p="http://schemas.openxmlformats.org/presentationml/2006/main">
+  <p:cSld>
+    <p:spTree>
+      <p:nvGrpSpPr>
+        <p:cNvPr id="1" name=""/>
+        <p:cNvGrpSpPr/>
+        <p:nvPr/>
+      </p:nvGrpSpPr>
+      <p:grpSpPr>
+        <a:xfrm>
+          <a:off x="0" y="0"/>
+          <a:ext cx="0" cy="0"/>
+          <a:chOff x="0" y="0"/>
+          <a:chExt cx="0" cy="0"/>
+        </a:xfrm>
+      </p:grpSpPr>
+      <p:sp>
+        <p:nvSpPr>
+          <p:cNvPr id="5" name="Content Placeholder 2"/>
+          <p:cNvSpPr txBox="1">
+            <a:spLocks/>
+          </p:cNvSpPr>
+          <p:nvPr/>
+        </p:nvSpPr>
+        <p:spPr>
+          <a:xfrm>
+            <a:off x="457199" y="1219201"/>
+            <a:ext cx="8206611" cy="5181599"/>
+          </a:xfrm>
+          <a:prstGeom prst="rect">
+            <a:avLst/>
+          </a:prstGeom>
+        </p:spPr>
+        <p:txBody>
+          <a:bodyPr vert="horz" lIns="91440" tIns="45720" rIns="91440" bIns="45720" rtlCol="0">
+            <a:normAutofit fontScale="92500" lnSpcReduction="10000"/>
+          </a:bodyPr>
+          <a:lstStyle>
+            <a:lvl1pPr marL="342900" indent="-342900" algn="l" defTabSz="914400" rtl="0" eaLnBrk="1" latinLnBrk="0" hangingPunct="1">
+              <a:spcBef>
+                <a:spcPct val="20000"/>
+              </a:spcBef>
+              <a:buFont typeface="Arial" panose="020B0604020202020204" pitchFamily="34" charset="0"/>
+              <a:buChar char="•"/>
+              <a:defRPr sz="3200" kern="1200">
+                <a:solidFill>
+                  <a:schemeClr val="tx1"/>
+                </a:solidFill>
+                <a:latin typeface="+mn-lt"/>
+                <a:ea typeface="+mn-ea"/>
+                <a:cs typeface="+mn-cs"/>
+              </a:defRPr>
+            </a:lvl1pPr>
+            <a:lvl2pPr marL="742950" indent="-285750" algn="l" defTabSz="914400" rtl="0" eaLnBrk="1" latinLnBrk="0" hangingPunct="1">
+              <a:spcBef>
+                <a:spcPct val="20000"/>
+              </a:spcBef>
+              <a:buFont typeface="Arial" panose="020B0604020202020204" pitchFamily="34" charset="0"/>
+              <a:buChar char="–"/>
+              <a:defRPr sz="2800" kern="1200">
+                <a:solidFill>
+                  <a:schemeClr val="tx1"/>
+                </a:solidFill>
+                <a:latin typeface="+mn-lt"/>
+                <a:ea typeface="+mn-ea"/>
+                <a:cs typeface="+mn-cs"/>
+              </a:defRPr>
+            </a:lvl2pPr>
+            <a:lvl3pPr marL="1143000" indent="-228600" algn="l" defTabSz="914400" rtl="0" eaLnBrk="1" latinLnBrk="0" hangingPunct="1">
+              <a:spcBef>
+                <a:spcPct val="20000"/>
+              </a:spcBef>
+              <a:buFont typeface="Arial" panose="020B0604020202020204" pitchFamily="34" charset="0"/>
+              <a:buChar char="•"/>
+              <a:defRPr sz="2400" kern="1200">
+                <a:solidFill>
+                  <a:schemeClr val="tx1"/>
+                </a:solidFill>
+                <a:latin typeface="+mn-lt"/>
+                <a:ea typeface="+mn-ea"/>
+                <a:cs typeface="+mn-cs"/>
+              </a:defRPr>
+            </a:lvl3pPr>
+            <a:lvl4pPr marL="1600200" indent="-228600" algn="l" defTabSz="914400" rtl="0" eaLnBrk="1" latinLnBrk="0" hangingPunct="1">
+              <a:spcBef>
+                <a:spcPct val="20000"/>
+              </a:spcBef>
+              <a:buFont typeface="Arial" panose="020B0604020202020204" pitchFamily="34" charset="0"/>
+              <a:buChar char="–"/>
+              <a:defRPr sz="2000" kern="1200">
+                <a:solidFill>
+                  <a:schemeClr val="tx1"/>
+                </a:solidFill>
+                <a:latin typeface="+mn-lt"/>
+                <a:ea typeface="+mn-ea"/>
+                <a:cs typeface="+mn-cs"/>
+              </a:defRPr>
+            </a:lvl4pPr>
+            <a:lvl5pPr marL="2057400" indent="-228600" algn="l" defTabSz="914400" rtl="0" eaLnBrk="1" latinLnBrk="0" hangingPunct="1">
+              <a:spcBef>
+                <a:spcPct val="20000"/>
+              </a:spcBef>
+              <a:buFont typeface="Arial" panose="020B0604020202020204" pitchFamily="34" charset="0"/>
+              <a:buChar char="»"/>
+              <a:defRPr sz="2000" kern="1200">
+                <a:solidFill>
+                  <a:schemeClr val="tx1"/>
+                </a:solidFill>
+                <a:latin typeface="+mn-lt"/>
+                <a:ea typeface="+mn-ea"/>
+                <a:cs typeface="+mn-cs"/>
+              </a:defRPr>
+            </a:lvl5pPr>
+            <a:lvl6pPr marL="2514600" indent="-228600" algn="l" defTabSz="914400" rtl="0" eaLnBrk="1" latinLnBrk="0" hangingPunct="1">
+              <a:spcBef>
+                <a:spcPct val="20000"/>
+              </a:spcBef>
+              <a:buFont typeface="Arial" panose="020B0604020202020204" pitchFamily="34" charset="0"/>
+              <a:buChar char="•"/>
+              <a:defRPr sz="2000" kern="1200">
+                <a:solidFill>
+                  <a:schemeClr val="tx1"/>
+                </a:solidFill>
+                <a:latin typeface="+mn-lt"/>
+                <a:ea typeface="+mn-ea"/>
+                <a:cs typeface="+mn-cs"/>
+              </a:defRPr>
+            </a:lvl6pPr>
+            <a:lvl7pPr marL="2971800" indent="-228600" algn="l" defTabSz="914400" rtl="0" eaLnBrk="1" latinLnBrk="0" hangingPunct="1">
+              <a:spcBef>
+                <a:spcPct val="20000"/>
+              </a:spcBef>
+              <a:buFont typeface="Arial" panose="020B0604020202020204" pitchFamily="34" charset="0"/>
+              <a:buChar char="•"/>
+              <a:defRPr sz="2000" kern="1200">
+                <a:solidFill>
+                  <a:schemeClr val="tx1"/>
+                </a:solidFill>
+                <a:latin typeface="+mn-lt"/>
+                <a:ea typeface="+mn-ea"/>
+                <a:cs typeface="+mn-cs"/>
+              </a:defRPr>
+            </a:lvl7pPr>
+            <a:lvl8pPr marL="3429000" indent="-228600" algn="l" defTabSz="914400" rtl="0" eaLnBrk="1" latinLnBrk="0" hangingPunct="1">
+              <a:spcBef>
+                <a:spcPct val="20000"/>
+              </a:spcBef>
+              <a:buFont typeface="Arial" panose="020B0604020202020204" pitchFamily="34" charset="0"/>
+              <a:buChar char="•"/>
+              <a:defRPr sz="2000" kern="1200">
+                <a:solidFill>
+                  <a:schemeClr val="tx1"/>
+                </a:solidFill>
+                <a:latin typeface="+mn-lt"/>
+                <a:ea typeface="+mn-ea"/>
+                <a:cs typeface="+mn-cs"/>
+              </a:defRPr>
+            </a:lvl8pPr>
+            <a:lvl9pPr marL="3886200" indent="-228600" algn="l" defTabSz="914400" rtl="0" eaLnBrk="1" latinLnBrk="0" hangingPunct="1">
+              <a:spcBef>
+                <a:spcPct val="20000"/>
+              </a:spcBef>
+              <a:buFont typeface="Arial" panose="020B0604020202020204" pitchFamily="34" charset="0"/>
+              <a:buChar char="•"/>
+              <a:defRPr sz="2000" kern="1200">
+                <a:solidFill>
+                  <a:schemeClr val="tx1"/>
+                </a:solidFill>
+                <a:latin typeface="+mn-lt"/>
+                <a:ea typeface="+mn-ea"/>
+                <a:cs typeface="+mn-cs"/>
+              </a:defRPr>
+            </a:lvl9pPr>
+          </a:lstStyle>
+          <a:p>
+            <a:r>
+              <a:rPr lang="en-US" sz="2000" dirty="0" smtClean="0"/>
+              <a:t>Assistant robots</a:t>
+            </a:r>
+          </a:p>
+          <a:p>
+            <a:r>
+              <a:rPr lang="en-US" sz="2000" dirty="0" smtClean="0"/>
+              <a:t>Emotional awareness (COCHI)</a:t>
+            </a:r>
+          </a:p>
+          <a:p>
+            <a:r>
+              <a:rPr lang="en-US" sz="2000" dirty="0" smtClean="0"/>
+              <a:t>Communication</a:t>
+            </a:r>
+          </a:p>
+          <a:p>
+            <a:r>
+              <a:rPr lang="en-US" sz="2000" dirty="0" smtClean="0"/>
+              <a:t>Joint actions and commitments</a:t>
+            </a:r>
+          </a:p>
+          <a:p>
+            <a:r>
+              <a:rPr lang="en-US" sz="2000" dirty="0" smtClean="0"/>
+              <a:t>Task-based planning</a:t>
+            </a:r>
+          </a:p>
+          <a:p>
+            <a:r>
+              <a:rPr lang="en-US" sz="2000" dirty="0" smtClean="0"/>
+              <a:t>Discourse generation and interpretation (COLLAGEN)</a:t>
+            </a:r>
+          </a:p>
+          <a:p>
+            <a:r>
+              <a:rPr lang="en-US" sz="2000" dirty="0" smtClean="0"/>
+              <a:t>Conversational agents</a:t>
+            </a:r>
+          </a:p>
+          <a:p>
+            <a:r>
+              <a:rPr lang="en-US" sz="2000" dirty="0" smtClean="0"/>
+              <a:t>Network management</a:t>
+            </a:r>
+          </a:p>
+          <a:p>
+            <a:r>
+              <a:rPr lang="en-US" sz="2000" dirty="0" smtClean="0"/>
+              <a:t>Proactive behaviors </a:t>
+            </a:r>
+            <a:r>
+              <a:rPr lang="en-US" sz="2000" dirty="0" smtClean="0"/>
+              <a:t>and </a:t>
+            </a:r>
+            <a:r>
+              <a:rPr lang="en-US" sz="2000" dirty="0" smtClean="0"/>
+              <a:t>information exchange (CAST)</a:t>
+            </a:r>
+          </a:p>
+          <a:p>
+            <a:r>
+              <a:rPr lang="en-US" sz="2000" dirty="0" smtClean="0"/>
+              <a:t>Instructional systems</a:t>
+            </a:r>
+          </a:p>
+          <a:p>
+            <a:r>
+              <a:rPr lang="en-US" sz="2000" dirty="0" smtClean="0"/>
+              <a:t>Group decision support systems</a:t>
+            </a:r>
+          </a:p>
+          <a:p>
+            <a:r>
+              <a:rPr lang="en-US" sz="2000" dirty="0" smtClean="0"/>
+              <a:t>Authors’ assistant</a:t>
+            </a:r>
+          </a:p>
+          <a:p>
+            <a:r>
+              <a:rPr lang="en-US" sz="2000" dirty="0" smtClean="0"/>
+              <a:t>Sociable robots</a:t>
+            </a:r>
+          </a:p>
+          <a:p>
+            <a:r>
+              <a:rPr lang="en-US" sz="2000" dirty="0" smtClean="0"/>
+              <a:t>Combat air missions</a:t>
+            </a:r>
+          </a:p>
+          <a:p>
+            <a:r>
+              <a:rPr lang="en-US" sz="2000" dirty="0" smtClean="0"/>
+              <a:t>Robot soccer</a:t>
+            </a:r>
+          </a:p>
+          <a:p>
+            <a:r>
+              <a:rPr lang="en-US" sz="2000" dirty="0" smtClean="0"/>
+              <a:t>Rescue responses</a:t>
+            </a:r>
+            <a:endParaRPr lang="en-US" sz="2000" dirty="0" smtClean="0"/>
+          </a:p>
+        </p:txBody>
+      </p:sp>
+      <p:sp>
+        <p:nvSpPr>
+          <p:cNvPr id="9" name="Title 1"/>
+          <p:cNvSpPr txBox="1">
+            <a:spLocks/>
+          </p:cNvSpPr>
+          <p:nvPr/>
+        </p:nvSpPr>
+        <p:spPr>
+          <a:xfrm>
+            <a:off x="457200" y="0"/>
+            <a:ext cx="8229600" cy="1143000"/>
+          </a:xfrm>
+          <a:prstGeom prst="rect">
+            <a:avLst/>
+          </a:prstGeom>
+        </p:spPr>
+        <p:txBody>
+          <a:bodyPr vert="horz" lIns="91440" tIns="45720" rIns="91440" bIns="45720" rtlCol="0" anchor="ctr">
+            <a:normAutofit/>
+          </a:bodyPr>
+          <a:lstStyle>
+            <a:lvl1pPr algn="ctr" defTabSz="914400" rtl="0" eaLnBrk="1" latinLnBrk="0" hangingPunct="1">
+              <a:spcBef>
+                <a:spcPct val="0"/>
+              </a:spcBef>
+              <a:buNone/>
+              <a:defRPr sz="4400" kern="1200">
+                <a:solidFill>
+                  <a:schemeClr val="tx1"/>
+                </a:solidFill>
+                <a:latin typeface="+mj-lt"/>
+                <a:ea typeface="+mj-ea"/>
+                <a:cs typeface="+mj-cs"/>
+              </a:defRPr>
+            </a:lvl1pPr>
+          </a:lstStyle>
+          <a:p>
+            <a:pPr algn="l"/>
+            <a:r>
+              <a:rPr lang="en-US" sz="2400" b="1" dirty="0" smtClean="0"/>
+              <a:t>Collaboration </a:t>
+            </a:r>
+            <a:r>
+              <a:rPr lang="en-US" sz="2400" b="1" dirty="0"/>
+              <a:t>Theories &gt; </a:t>
+            </a:r>
+            <a:r>
+              <a:rPr lang="en-US" sz="2400" b="1" dirty="0" smtClean="0"/>
+              <a:t>Applications</a:t>
+            </a:r>
+            <a:endParaRPr lang="en-US" sz="2200" b="1" i="1" dirty="0"/>
+          </a:p>
+        </p:txBody>
+      </p:sp>
+    </p:spTree>
+    <p:extLst>
+      <p:ext uri="{BB962C8B-B14F-4D97-AF65-F5344CB8AC3E}">
+        <p14:creationId xmlns:p14="http://schemas.microsoft.com/office/powerpoint/2010/main" val="1202888354"/>
+      </p:ext>
+    </p:extLst>
+  </p:cSld>
+  <p:clrMapOvr>
+    <a:masterClrMapping/>
+  </p:clrMapOvr>
+  <p:timing>
+    <p:tnLst>
+      <p:par>
+        <p:cTn id="1" dur="indefinite" restart="never" nodeType="tmRoot"/>
+      </p:par>
+    </p:tnLst>
+  </p:timing>
+</p:sld>
+</file>
+
+<file path=ppt/slides/slide18.xml><?xml version="1.0" encoding="utf-8"?>
+<p:sld xmlns:a="http://schemas.openxmlformats.org/drawingml/2006/main" xmlns:r="http://schemas.openxmlformats.org/officeDocument/2006/relationships" xmlns:p="http://schemas.openxmlformats.org/presentationml/2006/main">
+  <p:cSld>
+    <p:spTree>
+      <p:nvGrpSpPr>
+        <p:cNvPr id="1" name=""/>
+        <p:cNvGrpSpPr/>
+        <p:nvPr/>
+      </p:nvGrpSpPr>
+      <p:grpSpPr>
+        <a:xfrm>
+          <a:off x="0" y="0"/>
+          <a:ext cx="0" cy="0"/>
+          <a:chOff x="0" y="0"/>
+          <a:chExt cx="0" cy="0"/>
+        </a:xfrm>
+      </p:grpSpPr>
+      <p:sp>
+        <p:nvSpPr>
+          <p:cNvPr id="5" name="Content Placeholder 2"/>
+          <p:cNvSpPr txBox="1">
+            <a:spLocks/>
+          </p:cNvSpPr>
+          <p:nvPr/>
+        </p:nvSpPr>
+        <p:spPr>
+          <a:xfrm>
+            <a:off x="457199" y="1219201"/>
+            <a:ext cx="8206611" cy="5181599"/>
+          </a:xfrm>
+          <a:prstGeom prst="rect">
+            <a:avLst/>
+          </a:prstGeom>
+        </p:spPr>
+        <p:txBody>
+          <a:bodyPr vert="horz" lIns="91440" tIns="45720" rIns="91440" bIns="45720" rtlCol="0">
+            <a:normAutofit/>
+          </a:bodyPr>
+          <a:lstStyle>
+            <a:lvl1pPr marL="342900" indent="-342900" algn="l" defTabSz="914400" rtl="0" eaLnBrk="1" latinLnBrk="0" hangingPunct="1">
+              <a:spcBef>
+                <a:spcPct val="20000"/>
+              </a:spcBef>
+              <a:buFont typeface="Arial" panose="020B0604020202020204" pitchFamily="34" charset="0"/>
+              <a:buChar char="•"/>
+              <a:defRPr sz="3200" kern="1200">
+                <a:solidFill>
+                  <a:schemeClr val="tx1"/>
+                </a:solidFill>
+                <a:latin typeface="+mn-lt"/>
+                <a:ea typeface="+mn-ea"/>
+                <a:cs typeface="+mn-cs"/>
+              </a:defRPr>
+            </a:lvl1pPr>
+            <a:lvl2pPr marL="742950" indent="-285750" algn="l" defTabSz="914400" rtl="0" eaLnBrk="1" latinLnBrk="0" hangingPunct="1">
+              <a:spcBef>
+                <a:spcPct val="20000"/>
+              </a:spcBef>
+              <a:buFont typeface="Arial" panose="020B0604020202020204" pitchFamily="34" charset="0"/>
+              <a:buChar char="–"/>
+              <a:defRPr sz="2800" kern="1200">
+                <a:solidFill>
+                  <a:schemeClr val="tx1"/>
+                </a:solidFill>
+                <a:latin typeface="+mn-lt"/>
+                <a:ea typeface="+mn-ea"/>
+                <a:cs typeface="+mn-cs"/>
+              </a:defRPr>
+            </a:lvl2pPr>
+            <a:lvl3pPr marL="1143000" indent="-228600" algn="l" defTabSz="914400" rtl="0" eaLnBrk="1" latinLnBrk="0" hangingPunct="1">
+              <a:spcBef>
+                <a:spcPct val="20000"/>
+              </a:spcBef>
+              <a:buFont typeface="Arial" panose="020B0604020202020204" pitchFamily="34" charset="0"/>
+              <a:buChar char="•"/>
+              <a:defRPr sz="2400" kern="1200">
+                <a:solidFill>
+                  <a:schemeClr val="tx1"/>
+                </a:solidFill>
+                <a:latin typeface="+mn-lt"/>
+                <a:ea typeface="+mn-ea"/>
+                <a:cs typeface="+mn-cs"/>
+              </a:defRPr>
+            </a:lvl3pPr>
+            <a:lvl4pPr marL="1600200" indent="-228600" algn="l" defTabSz="914400" rtl="0" eaLnBrk="1" latinLnBrk="0" hangingPunct="1">
+              <a:spcBef>
+                <a:spcPct val="20000"/>
+              </a:spcBef>
+              <a:buFont typeface="Arial" panose="020B0604020202020204" pitchFamily="34" charset="0"/>
+              <a:buChar char="–"/>
+              <a:defRPr sz="2000" kern="1200">
+                <a:solidFill>
+                  <a:schemeClr val="tx1"/>
+                </a:solidFill>
+                <a:latin typeface="+mn-lt"/>
+                <a:ea typeface="+mn-ea"/>
+                <a:cs typeface="+mn-cs"/>
+              </a:defRPr>
+            </a:lvl4pPr>
+            <a:lvl5pPr marL="2057400" indent="-228600" algn="l" defTabSz="914400" rtl="0" eaLnBrk="1" latinLnBrk="0" hangingPunct="1">
+              <a:spcBef>
+                <a:spcPct val="20000"/>
+              </a:spcBef>
+              <a:buFont typeface="Arial" panose="020B0604020202020204" pitchFamily="34" charset="0"/>
+              <a:buChar char="»"/>
+              <a:defRPr sz="2000" kern="1200">
+                <a:solidFill>
+                  <a:schemeClr val="tx1"/>
+                </a:solidFill>
+                <a:latin typeface="+mn-lt"/>
+                <a:ea typeface="+mn-ea"/>
+                <a:cs typeface="+mn-cs"/>
+              </a:defRPr>
+            </a:lvl5pPr>
+            <a:lvl6pPr marL="2514600" indent="-228600" algn="l" defTabSz="914400" rtl="0" eaLnBrk="1" latinLnBrk="0" hangingPunct="1">
+              <a:spcBef>
+                <a:spcPct val="20000"/>
+              </a:spcBef>
+              <a:buFont typeface="Arial" panose="020B0604020202020204" pitchFamily="34" charset="0"/>
+              <a:buChar char="•"/>
+              <a:defRPr sz="2000" kern="1200">
+                <a:solidFill>
+                  <a:schemeClr val="tx1"/>
+                </a:solidFill>
+                <a:latin typeface="+mn-lt"/>
+                <a:ea typeface="+mn-ea"/>
+                <a:cs typeface="+mn-cs"/>
+              </a:defRPr>
+            </a:lvl6pPr>
+            <a:lvl7pPr marL="2971800" indent="-228600" algn="l" defTabSz="914400" rtl="0" eaLnBrk="1" latinLnBrk="0" hangingPunct="1">
+              <a:spcBef>
+                <a:spcPct val="20000"/>
+              </a:spcBef>
+              <a:buFont typeface="Arial" panose="020B0604020202020204" pitchFamily="34" charset="0"/>
+              <a:buChar char="•"/>
+              <a:defRPr sz="2000" kern="1200">
+                <a:solidFill>
+                  <a:schemeClr val="tx1"/>
+                </a:solidFill>
+                <a:latin typeface="+mn-lt"/>
+                <a:ea typeface="+mn-ea"/>
+                <a:cs typeface="+mn-cs"/>
+              </a:defRPr>
+            </a:lvl7pPr>
+            <a:lvl8pPr marL="3429000" indent="-228600" algn="l" defTabSz="914400" rtl="0" eaLnBrk="1" latinLnBrk="0" hangingPunct="1">
+              <a:spcBef>
+                <a:spcPct val="20000"/>
+              </a:spcBef>
+              <a:buFont typeface="Arial" panose="020B0604020202020204" pitchFamily="34" charset="0"/>
+              <a:buChar char="•"/>
+              <a:defRPr sz="2000" kern="1200">
+                <a:solidFill>
+                  <a:schemeClr val="tx1"/>
+                </a:solidFill>
+                <a:latin typeface="+mn-lt"/>
+                <a:ea typeface="+mn-ea"/>
+                <a:cs typeface="+mn-cs"/>
+              </a:defRPr>
+            </a:lvl8pPr>
+            <a:lvl9pPr marL="3886200" indent="-228600" algn="l" defTabSz="914400" rtl="0" eaLnBrk="1" latinLnBrk="0" hangingPunct="1">
+              <a:spcBef>
+                <a:spcPct val="20000"/>
+              </a:spcBef>
+              <a:buFont typeface="Arial" panose="020B0604020202020204" pitchFamily="34" charset="0"/>
+              <a:buChar char="•"/>
+              <a:defRPr sz="2000" kern="1200">
+                <a:solidFill>
+                  <a:schemeClr val="tx1"/>
+                </a:solidFill>
+                <a:latin typeface="+mn-lt"/>
+                <a:ea typeface="+mn-ea"/>
+                <a:cs typeface="+mn-cs"/>
+              </a:defRPr>
+            </a:lvl9pPr>
+          </a:lstStyle>
+          <a:p>
+            <a:r>
+              <a:rPr lang="en-US" sz="2000" dirty="0" smtClean="0"/>
+              <a:t>SharedPlans is more convincing than the others.</a:t>
+            </a:r>
+            <a:endParaRPr lang="en-US" sz="1600" dirty="0"/>
+          </a:p>
+          <a:p>
+            <a:pPr lvl="1"/>
+            <a:r>
+              <a:rPr lang="en-US" sz="1800" dirty="0"/>
+              <a:t>Inclusive explanation of collaboration structure.</a:t>
+            </a:r>
+          </a:p>
+          <a:p>
+            <a:pPr lvl="1"/>
+            <a:r>
+              <a:rPr lang="en-US" sz="1800" dirty="0"/>
+              <a:t>Association to discourse structure (improve communicative aspects</a:t>
+            </a:r>
+            <a:r>
+              <a:rPr lang="en-US" sz="1800" dirty="0" smtClean="0"/>
+              <a:t>).</a:t>
+            </a:r>
+          </a:p>
+          <a:p>
+            <a:endParaRPr lang="en-US" sz="2000" dirty="0" smtClean="0"/>
+          </a:p>
+          <a:p>
+            <a:r>
+              <a:rPr lang="en-US" sz="2000" dirty="0" smtClean="0"/>
+              <a:t>Joint Intentions theory is clearly defined and fulfills most of the key collaboration requirements.</a:t>
+            </a:r>
+          </a:p>
+          <a:p>
+            <a:endParaRPr lang="en-US" sz="2000" dirty="0"/>
+          </a:p>
+          <a:p>
+            <a:r>
+              <a:rPr lang="en-US" sz="2000" dirty="0" smtClean="0"/>
+              <a:t>Hybrid approaches </a:t>
+            </a:r>
+            <a:r>
+              <a:rPr lang="en-US" sz="2000" dirty="0" smtClean="0"/>
+              <a:t>are valuable and make the theories closer to applications.</a:t>
+            </a:r>
+          </a:p>
+          <a:p>
+            <a:pPr marL="0" indent="0">
+              <a:buNone/>
+            </a:pPr>
+            <a:endParaRPr lang="en-US" sz="2000" dirty="0" smtClean="0"/>
+          </a:p>
+          <a:p>
+            <a:r>
+              <a:rPr lang="en-US" sz="2000" dirty="0" smtClean="0"/>
+              <a:t>The lack </a:t>
+            </a:r>
+            <a:r>
+              <a:rPr lang="en-US" sz="2000" dirty="0"/>
+              <a:t>of underlying </a:t>
+            </a:r>
+            <a:r>
+              <a:rPr lang="en-US" sz="2000" dirty="0" smtClean="0"/>
+              <a:t> domain-independent </a:t>
+            </a:r>
+            <a:r>
+              <a:rPr lang="en-US" sz="2000" dirty="0"/>
+              <a:t>collaboration </a:t>
+            </a:r>
+            <a:r>
+              <a:rPr lang="en-US" sz="2000" dirty="0" smtClean="0"/>
+              <a:t>processes which can construct and evolve the collaboration structure.</a:t>
+            </a:r>
+          </a:p>
+        </p:txBody>
+      </p:sp>
+      <p:sp>
+        <p:nvSpPr>
+          <p:cNvPr id="9" name="Title 1"/>
+          <p:cNvSpPr txBox="1">
+            <a:spLocks/>
+          </p:cNvSpPr>
+          <p:nvPr/>
+        </p:nvSpPr>
+        <p:spPr>
+          <a:xfrm>
+            <a:off x="457200" y="0"/>
+            <a:ext cx="8229600" cy="1143000"/>
+          </a:xfrm>
+          <a:prstGeom prst="rect">
+            <a:avLst/>
+          </a:prstGeom>
+        </p:spPr>
+        <p:txBody>
+          <a:bodyPr vert="horz" lIns="91440" tIns="45720" rIns="91440" bIns="45720" rtlCol="0" anchor="ctr">
+            <a:normAutofit/>
+          </a:bodyPr>
+          <a:lstStyle>
+            <a:lvl1pPr algn="ctr" defTabSz="914400" rtl="0" eaLnBrk="1" latinLnBrk="0" hangingPunct="1">
+              <a:spcBef>
+                <a:spcPct val="0"/>
+              </a:spcBef>
+              <a:buNone/>
+              <a:defRPr sz="4400" kern="1200">
+                <a:solidFill>
+                  <a:schemeClr val="tx1"/>
+                </a:solidFill>
+                <a:latin typeface="+mj-lt"/>
+                <a:ea typeface="+mj-ea"/>
+                <a:cs typeface="+mj-cs"/>
+              </a:defRPr>
+            </a:lvl1pPr>
+          </a:lstStyle>
+          <a:p>
+            <a:pPr algn="l"/>
+            <a:r>
+              <a:rPr lang="en-US" sz="2400" b="1" dirty="0" smtClean="0"/>
+              <a:t>Collaboration </a:t>
+            </a:r>
+            <a:r>
+              <a:rPr lang="en-US" sz="2400" b="1" dirty="0"/>
+              <a:t>Theories &gt; </a:t>
+            </a:r>
+            <a:r>
+              <a:rPr lang="en-US" sz="2400" b="1" dirty="0" smtClean="0"/>
+              <a:t>Conclusion</a:t>
+            </a:r>
+            <a:endParaRPr lang="en-US" sz="2200" b="1" i="1" dirty="0"/>
+          </a:p>
+        </p:txBody>
+      </p:sp>
+    </p:spTree>
+    <p:extLst>
+      <p:ext uri="{BB962C8B-B14F-4D97-AF65-F5344CB8AC3E}">
+        <p14:creationId xmlns:p14="http://schemas.microsoft.com/office/powerpoint/2010/main" val="1202888354"/>
+      </p:ext>
+    </p:extLst>
+  </p:cSld>
+  <p:clrMapOvr>
+    <a:masterClrMapping/>
+  </p:clrMapOvr>
+  <p:timing>
+    <p:tnLst>
+      <p:par>
+        <p:cTn id="1" dur="indefinite" restart="never" nodeType="tmRoot"/>
+      </p:par>
+    </p:tnLst>
+  </p:timing>
+</p:sld>
+</file>
+
+<file path=ppt/slides/slide19.xml><?xml version="1.0" encoding="utf-8"?>
+<p:sld xmlns:a="http://schemas.openxmlformats.org/drawingml/2006/main" xmlns:r="http://schemas.openxmlformats.org/officeDocument/2006/relationships" xmlns:p="http://schemas.openxmlformats.org/presentationml/2006/main">
+  <p:cSld>
+    <p:spTree>
+      <p:nvGrpSpPr>
+        <p:cNvPr id="1" name=""/>
+        <p:cNvGrpSpPr/>
+        <p:nvPr/>
+      </p:nvGrpSpPr>
+      <p:grpSpPr>
+        <a:xfrm>
+          <a:off x="0" y="0"/>
+          <a:ext cx="0" cy="0"/>
+          <a:chOff x="0" y="0"/>
+          <a:chExt cx="0" cy="0"/>
+        </a:xfrm>
+      </p:grpSpPr>
+      <p:sp>
+        <p:nvSpPr>
           <p:cNvPr id="2" name="Title 1"/>
           <p:cNvSpPr>
             <a:spLocks noGrp="1"/>
@@ -8054,7 +9753,572 @@
 </p:sld>
 </file>
 
-<file path=ppt/slides/slide16.xml><?xml version="1.0" encoding="utf-8"?>
+<file path=ppt/slides/slide2.xml><?xml version="1.0" encoding="utf-8"?>
+<p:sld xmlns:a="http://schemas.openxmlformats.org/drawingml/2006/main" xmlns:r="http://schemas.openxmlformats.org/officeDocument/2006/relationships" xmlns:p="http://schemas.openxmlformats.org/presentationml/2006/main">
+  <p:cSld>
+    <p:spTree>
+      <p:nvGrpSpPr>
+        <p:cNvPr id="1" name=""/>
+        <p:cNvGrpSpPr/>
+        <p:nvPr/>
+      </p:nvGrpSpPr>
+      <p:grpSpPr>
+        <a:xfrm>
+          <a:off x="0" y="0"/>
+          <a:ext cx="0" cy="0"/>
+          <a:chOff x="0" y="0"/>
+          <a:chExt cx="0" cy="0"/>
+        </a:xfrm>
+      </p:grpSpPr>
+      <p:sp>
+        <p:nvSpPr>
+          <p:cNvPr id="5" name="Content Placeholder 2"/>
+          <p:cNvSpPr txBox="1">
+            <a:spLocks/>
+          </p:cNvSpPr>
+          <p:nvPr/>
+        </p:nvSpPr>
+        <p:spPr>
+          <a:xfrm>
+            <a:off x="457199" y="1981200"/>
+            <a:ext cx="8206611" cy="4525963"/>
+          </a:xfrm>
+          <a:prstGeom prst="rect">
+            <a:avLst/>
+          </a:prstGeom>
+        </p:spPr>
+        <p:txBody>
+          <a:bodyPr vert="horz" lIns="91440" tIns="45720" rIns="91440" bIns="45720" rtlCol="0">
+            <a:normAutofit fontScale="77500" lnSpcReduction="20000"/>
+          </a:bodyPr>
+          <a:lstStyle>
+            <a:lvl1pPr marL="342900" indent="-342900" algn="l" defTabSz="914400" rtl="0" eaLnBrk="1" latinLnBrk="0" hangingPunct="1">
+              <a:spcBef>
+                <a:spcPct val="20000"/>
+              </a:spcBef>
+              <a:buFont typeface="Arial" panose="020B0604020202020204" pitchFamily="34" charset="0"/>
+              <a:buChar char="•"/>
+              <a:defRPr sz="3200" kern="1200">
+                <a:solidFill>
+                  <a:schemeClr val="tx1"/>
+                </a:solidFill>
+                <a:latin typeface="+mn-lt"/>
+                <a:ea typeface="+mn-ea"/>
+                <a:cs typeface="+mn-cs"/>
+              </a:defRPr>
+            </a:lvl1pPr>
+            <a:lvl2pPr marL="742950" indent="-285750" algn="l" defTabSz="914400" rtl="0" eaLnBrk="1" latinLnBrk="0" hangingPunct="1">
+              <a:spcBef>
+                <a:spcPct val="20000"/>
+              </a:spcBef>
+              <a:buFont typeface="Arial" panose="020B0604020202020204" pitchFamily="34" charset="0"/>
+              <a:buChar char="–"/>
+              <a:defRPr sz="2800" kern="1200">
+                <a:solidFill>
+                  <a:schemeClr val="tx1"/>
+                </a:solidFill>
+                <a:latin typeface="+mn-lt"/>
+                <a:ea typeface="+mn-ea"/>
+                <a:cs typeface="+mn-cs"/>
+              </a:defRPr>
+            </a:lvl2pPr>
+            <a:lvl3pPr marL="1143000" indent="-228600" algn="l" defTabSz="914400" rtl="0" eaLnBrk="1" latinLnBrk="0" hangingPunct="1">
+              <a:spcBef>
+                <a:spcPct val="20000"/>
+              </a:spcBef>
+              <a:buFont typeface="Arial" panose="020B0604020202020204" pitchFamily="34" charset="0"/>
+              <a:buChar char="•"/>
+              <a:defRPr sz="2400" kern="1200">
+                <a:solidFill>
+                  <a:schemeClr val="tx1"/>
+                </a:solidFill>
+                <a:latin typeface="+mn-lt"/>
+                <a:ea typeface="+mn-ea"/>
+                <a:cs typeface="+mn-cs"/>
+              </a:defRPr>
+            </a:lvl3pPr>
+            <a:lvl4pPr marL="1600200" indent="-228600" algn="l" defTabSz="914400" rtl="0" eaLnBrk="1" latinLnBrk="0" hangingPunct="1">
+              <a:spcBef>
+                <a:spcPct val="20000"/>
+              </a:spcBef>
+              <a:buFont typeface="Arial" panose="020B0604020202020204" pitchFamily="34" charset="0"/>
+              <a:buChar char="–"/>
+              <a:defRPr sz="2000" kern="1200">
+                <a:solidFill>
+                  <a:schemeClr val="tx1"/>
+                </a:solidFill>
+                <a:latin typeface="+mn-lt"/>
+                <a:ea typeface="+mn-ea"/>
+                <a:cs typeface="+mn-cs"/>
+              </a:defRPr>
+            </a:lvl4pPr>
+            <a:lvl5pPr marL="2057400" indent="-228600" algn="l" defTabSz="914400" rtl="0" eaLnBrk="1" latinLnBrk="0" hangingPunct="1">
+              <a:spcBef>
+                <a:spcPct val="20000"/>
+              </a:spcBef>
+              <a:buFont typeface="Arial" panose="020B0604020202020204" pitchFamily="34" charset="0"/>
+              <a:buChar char="»"/>
+              <a:defRPr sz="2000" kern="1200">
+                <a:solidFill>
+                  <a:schemeClr val="tx1"/>
+                </a:solidFill>
+                <a:latin typeface="+mn-lt"/>
+                <a:ea typeface="+mn-ea"/>
+                <a:cs typeface="+mn-cs"/>
+              </a:defRPr>
+            </a:lvl5pPr>
+            <a:lvl6pPr marL="2514600" indent="-228600" algn="l" defTabSz="914400" rtl="0" eaLnBrk="1" latinLnBrk="0" hangingPunct="1">
+              <a:spcBef>
+                <a:spcPct val="20000"/>
+              </a:spcBef>
+              <a:buFont typeface="Arial" panose="020B0604020202020204" pitchFamily="34" charset="0"/>
+              <a:buChar char="•"/>
+              <a:defRPr sz="2000" kern="1200">
+                <a:solidFill>
+                  <a:schemeClr val="tx1"/>
+                </a:solidFill>
+                <a:latin typeface="+mn-lt"/>
+                <a:ea typeface="+mn-ea"/>
+                <a:cs typeface="+mn-cs"/>
+              </a:defRPr>
+            </a:lvl6pPr>
+            <a:lvl7pPr marL="2971800" indent="-228600" algn="l" defTabSz="914400" rtl="0" eaLnBrk="1" latinLnBrk="0" hangingPunct="1">
+              <a:spcBef>
+                <a:spcPct val="20000"/>
+              </a:spcBef>
+              <a:buFont typeface="Arial" panose="020B0604020202020204" pitchFamily="34" charset="0"/>
+              <a:buChar char="•"/>
+              <a:defRPr sz="2000" kern="1200">
+                <a:solidFill>
+                  <a:schemeClr val="tx1"/>
+                </a:solidFill>
+                <a:latin typeface="+mn-lt"/>
+                <a:ea typeface="+mn-ea"/>
+                <a:cs typeface="+mn-cs"/>
+              </a:defRPr>
+            </a:lvl7pPr>
+            <a:lvl8pPr marL="3429000" indent="-228600" algn="l" defTabSz="914400" rtl="0" eaLnBrk="1" latinLnBrk="0" hangingPunct="1">
+              <a:spcBef>
+                <a:spcPct val="20000"/>
+              </a:spcBef>
+              <a:buFont typeface="Arial" panose="020B0604020202020204" pitchFamily="34" charset="0"/>
+              <a:buChar char="•"/>
+              <a:defRPr sz="2000" kern="1200">
+                <a:solidFill>
+                  <a:schemeClr val="tx1"/>
+                </a:solidFill>
+                <a:latin typeface="+mn-lt"/>
+                <a:ea typeface="+mn-ea"/>
+                <a:cs typeface="+mn-cs"/>
+              </a:defRPr>
+            </a:lvl8pPr>
+            <a:lvl9pPr marL="3886200" indent="-228600" algn="l" defTabSz="914400" rtl="0" eaLnBrk="1" latinLnBrk="0" hangingPunct="1">
+              <a:spcBef>
+                <a:spcPct val="20000"/>
+              </a:spcBef>
+              <a:buFont typeface="Arial" panose="020B0604020202020204" pitchFamily="34" charset="0"/>
+              <a:buChar char="•"/>
+              <a:defRPr sz="2000" kern="1200">
+                <a:solidFill>
+                  <a:schemeClr val="tx1"/>
+                </a:solidFill>
+                <a:latin typeface="+mn-lt"/>
+                <a:ea typeface="+mn-ea"/>
+                <a:cs typeface="+mn-cs"/>
+              </a:defRPr>
+            </a:lvl9pPr>
+          </a:lstStyle>
+          <a:p>
+            <a:pPr marL="0" indent="0">
+              <a:buNone/>
+            </a:pPr>
+            <a:r>
+              <a:rPr lang="en-US" sz="2900" dirty="0"/>
+              <a:t>Some of the </a:t>
+            </a:r>
+            <a:r>
+              <a:rPr lang="en-US" sz="2900" dirty="0" smtClean="0"/>
+              <a:t>key points about collaboration:</a:t>
+            </a:r>
+          </a:p>
+          <a:p>
+            <a:pPr marL="0" indent="0">
+              <a:buNone/>
+            </a:pPr>
+            <a:endParaRPr lang="en-US" sz="2900" dirty="0" smtClean="0"/>
+          </a:p>
+          <a:p>
+            <a:r>
+              <a:rPr lang="en-US" sz="2900" dirty="0" smtClean="0"/>
+              <a:t>Participants </a:t>
+            </a:r>
+            <a:r>
+              <a:rPr lang="en-US" sz="2900" dirty="0"/>
+              <a:t>with </a:t>
+            </a:r>
+            <a:r>
+              <a:rPr lang="en-US" sz="2900" dirty="0">
+                <a:solidFill>
+                  <a:srgbClr val="FF0000"/>
+                </a:solidFill>
+              </a:rPr>
+              <a:t>different beliefs</a:t>
+            </a:r>
+            <a:r>
+              <a:rPr lang="en-US" sz="2900" dirty="0"/>
+              <a:t> and </a:t>
+            </a:r>
+            <a:r>
+              <a:rPr lang="en-US" sz="2900" dirty="0" smtClean="0"/>
+              <a:t>capabilities,</a:t>
+            </a:r>
+          </a:p>
+          <a:p>
+            <a:r>
+              <a:rPr lang="en-US" sz="2900" dirty="0"/>
+              <a:t>Participants with </a:t>
+            </a:r>
+            <a:r>
+              <a:rPr lang="en-US" sz="2900" dirty="0">
+                <a:solidFill>
+                  <a:srgbClr val="FF0000"/>
+                </a:solidFill>
+              </a:rPr>
+              <a:t>p</a:t>
+            </a:r>
+            <a:r>
+              <a:rPr lang="en-US" sz="2900" dirty="0" smtClean="0">
+                <a:solidFill>
+                  <a:srgbClr val="FF0000"/>
+                </a:solidFill>
+              </a:rPr>
+              <a:t>artial </a:t>
+            </a:r>
+            <a:r>
+              <a:rPr lang="en-US" sz="2900" dirty="0">
+                <a:solidFill>
+                  <a:srgbClr val="FF0000"/>
+                </a:solidFill>
+              </a:rPr>
+              <a:t>knowledge </a:t>
+            </a:r>
+            <a:r>
+              <a:rPr lang="en-US" sz="2900" dirty="0"/>
+              <a:t>of the collaborative </a:t>
+            </a:r>
+            <a:r>
+              <a:rPr lang="en-US" sz="2900" dirty="0" smtClean="0"/>
+              <a:t>activities,</a:t>
+            </a:r>
+          </a:p>
+          <a:p>
+            <a:r>
+              <a:rPr lang="en-US" sz="2900" dirty="0" smtClean="0"/>
+              <a:t>Collaborative </a:t>
+            </a:r>
+            <a:r>
+              <a:rPr lang="en-US" sz="2900" dirty="0"/>
+              <a:t>plans are </a:t>
+            </a:r>
+            <a:r>
+              <a:rPr lang="en-US" sz="2900" dirty="0">
+                <a:solidFill>
+                  <a:srgbClr val="FF0000"/>
+                </a:solidFill>
+              </a:rPr>
+              <a:t>more than the sum</a:t>
+            </a:r>
+            <a:r>
+              <a:rPr lang="en-US" sz="2900" dirty="0"/>
+              <a:t> of individual </a:t>
+            </a:r>
+            <a:r>
+              <a:rPr lang="en-US" sz="2900" dirty="0" smtClean="0"/>
+              <a:t>plans,</a:t>
+            </a:r>
+          </a:p>
+          <a:p>
+            <a:r>
+              <a:rPr lang="en-US" sz="2900" dirty="0" smtClean="0"/>
+              <a:t>Collaborators </a:t>
+            </a:r>
+            <a:r>
+              <a:rPr lang="en-US" sz="2900" dirty="0"/>
+              <a:t>are required to </a:t>
+            </a:r>
+            <a:r>
+              <a:rPr lang="en-US" sz="2900" dirty="0">
+                <a:solidFill>
+                  <a:srgbClr val="FF0000"/>
+                </a:solidFill>
+              </a:rPr>
+              <a:t>maintain mutual beliefs </a:t>
+            </a:r>
+            <a:r>
+              <a:rPr lang="en-US" sz="2900" dirty="0"/>
+              <a:t>about their shared </a:t>
+            </a:r>
+            <a:r>
+              <a:rPr lang="en-US" sz="2900" dirty="0" smtClean="0"/>
+              <a:t>goal throughout </a:t>
+            </a:r>
+            <a:r>
+              <a:rPr lang="en-US" sz="2900" dirty="0"/>
+              <a:t>the collaboration</a:t>
+            </a:r>
+            <a:r>
+              <a:rPr lang="en-US" sz="2900" dirty="0" smtClean="0"/>
+              <a:t>,</a:t>
+            </a:r>
+          </a:p>
+          <a:p>
+            <a:r>
+              <a:rPr lang="en-US" sz="2900" dirty="0" smtClean="0"/>
+              <a:t>Collaborators  </a:t>
+            </a:r>
+            <a:r>
+              <a:rPr lang="en-US" sz="2900" dirty="0"/>
+              <a:t>need to be able to </a:t>
+            </a:r>
+            <a:r>
+              <a:rPr lang="en-US" sz="2900" dirty="0">
+                <a:solidFill>
+                  <a:srgbClr val="FF0000"/>
+                </a:solidFill>
+              </a:rPr>
+              <a:t>communicate</a:t>
+            </a:r>
+            <a:r>
+              <a:rPr lang="en-US" sz="2900" dirty="0"/>
+              <a:t> with others effectively</a:t>
+            </a:r>
+            <a:r>
+              <a:rPr lang="en-US" sz="2900" dirty="0" smtClean="0"/>
+              <a:t>,</a:t>
+            </a:r>
+          </a:p>
+          <a:p>
+            <a:r>
+              <a:rPr lang="en-US" sz="2900" dirty="0" smtClean="0"/>
+              <a:t>Collaborators </a:t>
+            </a:r>
+            <a:r>
+              <a:rPr lang="en-US" sz="2900" dirty="0"/>
+              <a:t>need to </a:t>
+            </a:r>
+            <a:r>
+              <a:rPr lang="en-US" sz="2900" dirty="0">
+                <a:solidFill>
+                  <a:srgbClr val="FF0000"/>
+                </a:solidFill>
+              </a:rPr>
+              <a:t>commit to the group </a:t>
+            </a:r>
+            <a:r>
+              <a:rPr lang="en-US" sz="2900" dirty="0"/>
+              <a:t>activities and to their role in </a:t>
+            </a:r>
+            <a:r>
+              <a:rPr lang="en-US" sz="2900" dirty="0" smtClean="0"/>
+              <a:t>it,</a:t>
+            </a:r>
+          </a:p>
+          <a:p>
+            <a:r>
+              <a:rPr lang="en-US" sz="2900" dirty="0" smtClean="0"/>
+              <a:t>Collaborators </a:t>
+            </a:r>
+            <a:r>
+              <a:rPr lang="en-US" sz="2900" dirty="0"/>
+              <a:t>need to commit to the </a:t>
+            </a:r>
+            <a:r>
+              <a:rPr lang="en-US" sz="2900" dirty="0">
+                <a:solidFill>
+                  <a:srgbClr val="FF0000"/>
+                </a:solidFill>
+              </a:rPr>
+              <a:t>success of others</a:t>
+            </a:r>
+            <a:r>
+              <a:rPr lang="en-US" sz="2900" dirty="0" smtClean="0"/>
+              <a:t>,</a:t>
+            </a:r>
+          </a:p>
+          <a:p>
+            <a:r>
+              <a:rPr lang="en-US" sz="2900" dirty="0" smtClean="0"/>
+              <a:t>Collaborators </a:t>
+            </a:r>
+            <a:r>
+              <a:rPr lang="en-US" sz="2900" dirty="0"/>
+              <a:t>need to </a:t>
+            </a:r>
+            <a:r>
+              <a:rPr lang="en-US" sz="2900" dirty="0">
+                <a:solidFill>
+                  <a:srgbClr val="FF0000"/>
+                </a:solidFill>
+              </a:rPr>
+              <a:t>reconcile between commitments </a:t>
+            </a:r>
+            <a:r>
+              <a:rPr lang="en-US" sz="2900" dirty="0"/>
+              <a:t>to the existing collaboration and their other activities</a:t>
+            </a:r>
+            <a:r>
+              <a:rPr lang="en-US" sz="2900" dirty="0" smtClean="0"/>
+              <a:t>,</a:t>
+            </a:r>
+          </a:p>
+          <a:p>
+            <a:pPr lvl="1"/>
+            <a:endParaRPr lang="en-US" sz="2400" dirty="0" smtClean="0"/>
+          </a:p>
+          <a:p>
+            <a:endParaRPr lang="en-US" sz="2800" dirty="0"/>
+          </a:p>
+        </p:txBody>
+      </p:sp>
+      <p:sp>
+        <p:nvSpPr>
+          <p:cNvPr id="6" name="Title 1"/>
+          <p:cNvSpPr>
+            <a:spLocks noGrp="1"/>
+          </p:cNvSpPr>
+          <p:nvPr>
+            <p:ph type="ctrTitle"/>
+          </p:nvPr>
+        </p:nvSpPr>
+        <p:spPr>
+          <a:xfrm>
+            <a:off x="685800" y="762000"/>
+            <a:ext cx="7772400" cy="1165225"/>
+          </a:xfrm>
+        </p:spPr>
+        <p:txBody>
+          <a:bodyPr>
+            <a:noAutofit/>
+          </a:bodyPr>
+          <a:lstStyle/>
+          <a:p>
+            <a:pPr algn="l"/>
+            <a:r>
+              <a:rPr lang="en-US" sz="2000" b="1" dirty="0" smtClean="0"/>
+              <a:t>Collaboration</a:t>
+            </a:r>
+            <a:r>
+              <a:rPr lang="en-US" sz="2000" dirty="0" smtClean="0"/>
+              <a:t> is a special type of </a:t>
+            </a:r>
+            <a:r>
+              <a:rPr lang="en-US" sz="2000" dirty="0" smtClean="0">
+                <a:solidFill>
+                  <a:srgbClr val="FF0000"/>
+                </a:solidFill>
+              </a:rPr>
+              <a:t>coordinated activity</a:t>
+            </a:r>
+            <a:r>
+              <a:rPr lang="en-US" sz="2000" dirty="0" smtClean="0"/>
+              <a:t> in which the participants </a:t>
+            </a:r>
+            <a:r>
+              <a:rPr lang="en-US" sz="2000" dirty="0" smtClean="0">
+                <a:solidFill>
+                  <a:srgbClr val="FF0000"/>
+                </a:solidFill>
+              </a:rPr>
+              <a:t>work jointly</a:t>
+            </a:r>
+            <a:r>
+              <a:rPr lang="en-US" sz="2000" dirty="0" smtClean="0"/>
+              <a:t>, together performing a task or carrying out the activities needed to satisfy a </a:t>
+            </a:r>
+            <a:r>
+              <a:rPr lang="en-US" sz="2000" dirty="0" smtClean="0">
+                <a:solidFill>
+                  <a:srgbClr val="FF0000"/>
+                </a:solidFill>
+              </a:rPr>
+              <a:t>shared goal</a:t>
+            </a:r>
+            <a:r>
+              <a:rPr lang="en-US" sz="2000" dirty="0" smtClean="0"/>
+              <a:t>.</a:t>
+            </a:r>
+            <a:endParaRPr lang="en-US" sz="1800" dirty="0"/>
+          </a:p>
+        </p:txBody>
+      </p:sp>
+      <p:sp>
+        <p:nvSpPr>
+          <p:cNvPr id="7" name="Title 1"/>
+          <p:cNvSpPr txBox="1">
+            <a:spLocks/>
+          </p:cNvSpPr>
+          <p:nvPr/>
+        </p:nvSpPr>
+        <p:spPr>
+          <a:xfrm>
+            <a:off x="457200" y="0"/>
+            <a:ext cx="8229600" cy="1143000"/>
+          </a:xfrm>
+          <a:prstGeom prst="rect">
+            <a:avLst/>
+          </a:prstGeom>
+        </p:spPr>
+        <p:txBody>
+          <a:bodyPr vert="horz" lIns="91440" tIns="45720" rIns="91440" bIns="45720" rtlCol="0" anchor="ctr">
+            <a:normAutofit/>
+          </a:bodyPr>
+          <a:lstStyle>
+            <a:lvl1pPr algn="ctr" defTabSz="914400" rtl="0" eaLnBrk="1" latinLnBrk="0" hangingPunct="1">
+              <a:spcBef>
+                <a:spcPct val="0"/>
+              </a:spcBef>
+              <a:buNone/>
+              <a:defRPr sz="4400" kern="1200">
+                <a:solidFill>
+                  <a:schemeClr val="tx1"/>
+                </a:solidFill>
+                <a:latin typeface="+mj-lt"/>
+                <a:ea typeface="+mj-ea"/>
+                <a:cs typeface="+mj-cs"/>
+              </a:defRPr>
+            </a:lvl1pPr>
+          </a:lstStyle>
+          <a:p>
+            <a:pPr algn="l"/>
+            <a:r>
+              <a:rPr lang="en-US" sz="2400" b="1" dirty="0" smtClean="0"/>
+              <a:t>Collaboration</a:t>
+            </a:r>
+            <a:endParaRPr lang="en-US" sz="2400" b="1" dirty="0"/>
+          </a:p>
+        </p:txBody>
+      </p:sp>
+    </p:spTree>
+    <p:extLst>
+      <p:ext uri="{BB962C8B-B14F-4D97-AF65-F5344CB8AC3E}">
+        <p14:creationId xmlns:p14="http://schemas.microsoft.com/office/powerpoint/2010/main" val="2668313360"/>
+      </p:ext>
+    </p:extLst>
+  </p:cSld>
+  <p:clrMapOvr>
+    <a:masterClrMapping/>
+  </p:clrMapOvr>
+  <p:timing>
+    <p:tnLst>
+      <p:par>
+        <p:cTn id="1" dur="indefinite" restart="never" nodeType="tmRoot"/>
+      </p:par>
+    </p:tnLst>
+  </p:timing>
+</p:sld>
+</file>
+
+<file path=ppt/slides/slide20.xml><?xml version="1.0" encoding="utf-8"?>
 <p:sld xmlns:a="http://schemas.openxmlformats.org/drawingml/2006/main" xmlns:r="http://schemas.openxmlformats.org/officeDocument/2006/relationships" xmlns:p="http://schemas.openxmlformats.org/presentationml/2006/main">
   <p:cSld>
     <p:spTree>
@@ -8185,571 +10449,6 @@
     <p:extLst>
       <p:ext uri="{BB962C8B-B14F-4D97-AF65-F5344CB8AC3E}">
         <p14:creationId xmlns:p14="http://schemas.microsoft.com/office/powerpoint/2010/main" val="723416440"/>
-      </p:ext>
-    </p:extLst>
-  </p:cSld>
-  <p:clrMapOvr>
-    <a:masterClrMapping/>
-  </p:clrMapOvr>
-  <p:timing>
-    <p:tnLst>
-      <p:par>
-        <p:cTn id="1" dur="indefinite" restart="never" nodeType="tmRoot"/>
-      </p:par>
-    </p:tnLst>
-  </p:timing>
-</p:sld>
-</file>
-
-<file path=ppt/slides/slide2.xml><?xml version="1.0" encoding="utf-8"?>
-<p:sld xmlns:a="http://schemas.openxmlformats.org/drawingml/2006/main" xmlns:r="http://schemas.openxmlformats.org/officeDocument/2006/relationships" xmlns:p="http://schemas.openxmlformats.org/presentationml/2006/main">
-  <p:cSld>
-    <p:spTree>
-      <p:nvGrpSpPr>
-        <p:cNvPr id="1" name=""/>
-        <p:cNvGrpSpPr/>
-        <p:nvPr/>
-      </p:nvGrpSpPr>
-      <p:grpSpPr>
-        <a:xfrm>
-          <a:off x="0" y="0"/>
-          <a:ext cx="0" cy="0"/>
-          <a:chOff x="0" y="0"/>
-          <a:chExt cx="0" cy="0"/>
-        </a:xfrm>
-      </p:grpSpPr>
-      <p:sp>
-        <p:nvSpPr>
-          <p:cNvPr id="5" name="Content Placeholder 2"/>
-          <p:cNvSpPr txBox="1">
-            <a:spLocks/>
-          </p:cNvSpPr>
-          <p:nvPr/>
-        </p:nvSpPr>
-        <p:spPr>
-          <a:xfrm>
-            <a:off x="457199" y="1981200"/>
-            <a:ext cx="8206611" cy="4525963"/>
-          </a:xfrm>
-          <a:prstGeom prst="rect">
-            <a:avLst/>
-          </a:prstGeom>
-        </p:spPr>
-        <p:txBody>
-          <a:bodyPr vert="horz" lIns="91440" tIns="45720" rIns="91440" bIns="45720" rtlCol="0">
-            <a:normAutofit fontScale="77500" lnSpcReduction="20000"/>
-          </a:bodyPr>
-          <a:lstStyle>
-            <a:lvl1pPr marL="342900" indent="-342900" algn="l" defTabSz="914400" rtl="0" eaLnBrk="1" latinLnBrk="0" hangingPunct="1">
-              <a:spcBef>
-                <a:spcPct val="20000"/>
-              </a:spcBef>
-              <a:buFont typeface="Arial" panose="020B0604020202020204" pitchFamily="34" charset="0"/>
-              <a:buChar char="•"/>
-              <a:defRPr sz="3200" kern="1200">
-                <a:solidFill>
-                  <a:schemeClr val="tx1"/>
-                </a:solidFill>
-                <a:latin typeface="+mn-lt"/>
-                <a:ea typeface="+mn-ea"/>
-                <a:cs typeface="+mn-cs"/>
-              </a:defRPr>
-            </a:lvl1pPr>
-            <a:lvl2pPr marL="742950" indent="-285750" algn="l" defTabSz="914400" rtl="0" eaLnBrk="1" latinLnBrk="0" hangingPunct="1">
-              <a:spcBef>
-                <a:spcPct val="20000"/>
-              </a:spcBef>
-              <a:buFont typeface="Arial" panose="020B0604020202020204" pitchFamily="34" charset="0"/>
-              <a:buChar char="–"/>
-              <a:defRPr sz="2800" kern="1200">
-                <a:solidFill>
-                  <a:schemeClr val="tx1"/>
-                </a:solidFill>
-                <a:latin typeface="+mn-lt"/>
-                <a:ea typeface="+mn-ea"/>
-                <a:cs typeface="+mn-cs"/>
-              </a:defRPr>
-            </a:lvl2pPr>
-            <a:lvl3pPr marL="1143000" indent="-228600" algn="l" defTabSz="914400" rtl="0" eaLnBrk="1" latinLnBrk="0" hangingPunct="1">
-              <a:spcBef>
-                <a:spcPct val="20000"/>
-              </a:spcBef>
-              <a:buFont typeface="Arial" panose="020B0604020202020204" pitchFamily="34" charset="0"/>
-              <a:buChar char="•"/>
-              <a:defRPr sz="2400" kern="1200">
-                <a:solidFill>
-                  <a:schemeClr val="tx1"/>
-                </a:solidFill>
-                <a:latin typeface="+mn-lt"/>
-                <a:ea typeface="+mn-ea"/>
-                <a:cs typeface="+mn-cs"/>
-              </a:defRPr>
-            </a:lvl3pPr>
-            <a:lvl4pPr marL="1600200" indent="-228600" algn="l" defTabSz="914400" rtl="0" eaLnBrk="1" latinLnBrk="0" hangingPunct="1">
-              <a:spcBef>
-                <a:spcPct val="20000"/>
-              </a:spcBef>
-              <a:buFont typeface="Arial" panose="020B0604020202020204" pitchFamily="34" charset="0"/>
-              <a:buChar char="–"/>
-              <a:defRPr sz="2000" kern="1200">
-                <a:solidFill>
-                  <a:schemeClr val="tx1"/>
-                </a:solidFill>
-                <a:latin typeface="+mn-lt"/>
-                <a:ea typeface="+mn-ea"/>
-                <a:cs typeface="+mn-cs"/>
-              </a:defRPr>
-            </a:lvl4pPr>
-            <a:lvl5pPr marL="2057400" indent="-228600" algn="l" defTabSz="914400" rtl="0" eaLnBrk="1" latinLnBrk="0" hangingPunct="1">
-              <a:spcBef>
-                <a:spcPct val="20000"/>
-              </a:spcBef>
-              <a:buFont typeface="Arial" panose="020B0604020202020204" pitchFamily="34" charset="0"/>
-              <a:buChar char="»"/>
-              <a:defRPr sz="2000" kern="1200">
-                <a:solidFill>
-                  <a:schemeClr val="tx1"/>
-                </a:solidFill>
-                <a:latin typeface="+mn-lt"/>
-                <a:ea typeface="+mn-ea"/>
-                <a:cs typeface="+mn-cs"/>
-              </a:defRPr>
-            </a:lvl5pPr>
-            <a:lvl6pPr marL="2514600" indent="-228600" algn="l" defTabSz="914400" rtl="0" eaLnBrk="1" latinLnBrk="0" hangingPunct="1">
-              <a:spcBef>
-                <a:spcPct val="20000"/>
-              </a:spcBef>
-              <a:buFont typeface="Arial" panose="020B0604020202020204" pitchFamily="34" charset="0"/>
-              <a:buChar char="•"/>
-              <a:defRPr sz="2000" kern="1200">
-                <a:solidFill>
-                  <a:schemeClr val="tx1"/>
-                </a:solidFill>
-                <a:latin typeface="+mn-lt"/>
-                <a:ea typeface="+mn-ea"/>
-                <a:cs typeface="+mn-cs"/>
-              </a:defRPr>
-            </a:lvl6pPr>
-            <a:lvl7pPr marL="2971800" indent="-228600" algn="l" defTabSz="914400" rtl="0" eaLnBrk="1" latinLnBrk="0" hangingPunct="1">
-              <a:spcBef>
-                <a:spcPct val="20000"/>
-              </a:spcBef>
-              <a:buFont typeface="Arial" panose="020B0604020202020204" pitchFamily="34" charset="0"/>
-              <a:buChar char="•"/>
-              <a:defRPr sz="2000" kern="1200">
-                <a:solidFill>
-                  <a:schemeClr val="tx1"/>
-                </a:solidFill>
-                <a:latin typeface="+mn-lt"/>
-                <a:ea typeface="+mn-ea"/>
-                <a:cs typeface="+mn-cs"/>
-              </a:defRPr>
-            </a:lvl7pPr>
-            <a:lvl8pPr marL="3429000" indent="-228600" algn="l" defTabSz="914400" rtl="0" eaLnBrk="1" latinLnBrk="0" hangingPunct="1">
-              <a:spcBef>
-                <a:spcPct val="20000"/>
-              </a:spcBef>
-              <a:buFont typeface="Arial" panose="020B0604020202020204" pitchFamily="34" charset="0"/>
-              <a:buChar char="•"/>
-              <a:defRPr sz="2000" kern="1200">
-                <a:solidFill>
-                  <a:schemeClr val="tx1"/>
-                </a:solidFill>
-                <a:latin typeface="+mn-lt"/>
-                <a:ea typeface="+mn-ea"/>
-                <a:cs typeface="+mn-cs"/>
-              </a:defRPr>
-            </a:lvl8pPr>
-            <a:lvl9pPr marL="3886200" indent="-228600" algn="l" defTabSz="914400" rtl="0" eaLnBrk="1" latinLnBrk="0" hangingPunct="1">
-              <a:spcBef>
-                <a:spcPct val="20000"/>
-              </a:spcBef>
-              <a:buFont typeface="Arial" panose="020B0604020202020204" pitchFamily="34" charset="0"/>
-              <a:buChar char="•"/>
-              <a:defRPr sz="2000" kern="1200">
-                <a:solidFill>
-                  <a:schemeClr val="tx1"/>
-                </a:solidFill>
-                <a:latin typeface="+mn-lt"/>
-                <a:ea typeface="+mn-ea"/>
-                <a:cs typeface="+mn-cs"/>
-              </a:defRPr>
-            </a:lvl9pPr>
-          </a:lstStyle>
-          <a:p>
-            <a:pPr marL="0" indent="0">
-              <a:buNone/>
-            </a:pPr>
-            <a:r>
-              <a:rPr lang="en-US" sz="2900" dirty="0"/>
-              <a:t>Some of the </a:t>
-            </a:r>
-            <a:r>
-              <a:rPr lang="en-US" sz="2900" dirty="0" smtClean="0"/>
-              <a:t>key points about collaboration:</a:t>
-            </a:r>
-          </a:p>
-          <a:p>
-            <a:pPr marL="0" indent="0">
-              <a:buNone/>
-            </a:pPr>
-            <a:endParaRPr lang="en-US" sz="2900" dirty="0" smtClean="0"/>
-          </a:p>
-          <a:p>
-            <a:r>
-              <a:rPr lang="en-US" sz="2900" dirty="0" smtClean="0"/>
-              <a:t>Participants </a:t>
-            </a:r>
-            <a:r>
-              <a:rPr lang="en-US" sz="2900" dirty="0"/>
-              <a:t>with </a:t>
-            </a:r>
-            <a:r>
-              <a:rPr lang="en-US" sz="2900" dirty="0">
-                <a:solidFill>
-                  <a:srgbClr val="FF0000"/>
-                </a:solidFill>
-              </a:rPr>
-              <a:t>different beliefs</a:t>
-            </a:r>
-            <a:r>
-              <a:rPr lang="en-US" sz="2900" dirty="0"/>
-              <a:t> and </a:t>
-            </a:r>
-            <a:r>
-              <a:rPr lang="en-US" sz="2900" dirty="0" smtClean="0"/>
-              <a:t>capabilities,</a:t>
-            </a:r>
-          </a:p>
-          <a:p>
-            <a:r>
-              <a:rPr lang="en-US" sz="2900" dirty="0"/>
-              <a:t>Participants with </a:t>
-            </a:r>
-            <a:r>
-              <a:rPr lang="en-US" sz="2900" dirty="0">
-                <a:solidFill>
-                  <a:srgbClr val="FF0000"/>
-                </a:solidFill>
-              </a:rPr>
-              <a:t>p</a:t>
-            </a:r>
-            <a:r>
-              <a:rPr lang="en-US" sz="2900" dirty="0" smtClean="0">
-                <a:solidFill>
-                  <a:srgbClr val="FF0000"/>
-                </a:solidFill>
-              </a:rPr>
-              <a:t>artial </a:t>
-            </a:r>
-            <a:r>
-              <a:rPr lang="en-US" sz="2900" dirty="0">
-                <a:solidFill>
-                  <a:srgbClr val="FF0000"/>
-                </a:solidFill>
-              </a:rPr>
-              <a:t>knowledge </a:t>
-            </a:r>
-            <a:r>
-              <a:rPr lang="en-US" sz="2900" dirty="0"/>
-              <a:t>of the collaborative </a:t>
-            </a:r>
-            <a:r>
-              <a:rPr lang="en-US" sz="2900" dirty="0" smtClean="0"/>
-              <a:t>activities,</a:t>
-            </a:r>
-          </a:p>
-          <a:p>
-            <a:r>
-              <a:rPr lang="en-US" sz="2900" dirty="0" smtClean="0"/>
-              <a:t>Collaborative </a:t>
-            </a:r>
-            <a:r>
-              <a:rPr lang="en-US" sz="2900" dirty="0"/>
-              <a:t>plans are </a:t>
-            </a:r>
-            <a:r>
-              <a:rPr lang="en-US" sz="2900" dirty="0">
-                <a:solidFill>
-                  <a:srgbClr val="FF0000"/>
-                </a:solidFill>
-              </a:rPr>
-              <a:t>more than the sum</a:t>
-            </a:r>
-            <a:r>
-              <a:rPr lang="en-US" sz="2900" dirty="0"/>
-              <a:t> of individual </a:t>
-            </a:r>
-            <a:r>
-              <a:rPr lang="en-US" sz="2900" dirty="0" smtClean="0"/>
-              <a:t>plans,</a:t>
-            </a:r>
-          </a:p>
-          <a:p>
-            <a:r>
-              <a:rPr lang="en-US" sz="2900" dirty="0" smtClean="0"/>
-              <a:t>Collaborators </a:t>
-            </a:r>
-            <a:r>
-              <a:rPr lang="en-US" sz="2900" dirty="0"/>
-              <a:t>are required to </a:t>
-            </a:r>
-            <a:r>
-              <a:rPr lang="en-US" sz="2900" dirty="0">
-                <a:solidFill>
-                  <a:srgbClr val="FF0000"/>
-                </a:solidFill>
-              </a:rPr>
-              <a:t>maintain mutual beliefs </a:t>
-            </a:r>
-            <a:r>
-              <a:rPr lang="en-US" sz="2900" dirty="0"/>
-              <a:t>about their shared </a:t>
-            </a:r>
-            <a:r>
-              <a:rPr lang="en-US" sz="2900" dirty="0" smtClean="0"/>
-              <a:t>goal throughout </a:t>
-            </a:r>
-            <a:r>
-              <a:rPr lang="en-US" sz="2900" dirty="0"/>
-              <a:t>the collaboration</a:t>
-            </a:r>
-            <a:r>
-              <a:rPr lang="en-US" sz="2900" dirty="0" smtClean="0"/>
-              <a:t>,</a:t>
-            </a:r>
-          </a:p>
-          <a:p>
-            <a:r>
-              <a:rPr lang="en-US" sz="2900" dirty="0" smtClean="0"/>
-              <a:t>Collaborators  </a:t>
-            </a:r>
-            <a:r>
-              <a:rPr lang="en-US" sz="2900" dirty="0"/>
-              <a:t>need to be able to </a:t>
-            </a:r>
-            <a:r>
-              <a:rPr lang="en-US" sz="2900" dirty="0">
-                <a:solidFill>
-                  <a:srgbClr val="FF0000"/>
-                </a:solidFill>
-              </a:rPr>
-              <a:t>communicate</a:t>
-            </a:r>
-            <a:r>
-              <a:rPr lang="en-US" sz="2900" dirty="0"/>
-              <a:t> with others effectively</a:t>
-            </a:r>
-            <a:r>
-              <a:rPr lang="en-US" sz="2900" dirty="0" smtClean="0"/>
-              <a:t>,</a:t>
-            </a:r>
-          </a:p>
-          <a:p>
-            <a:r>
-              <a:rPr lang="en-US" sz="2900" dirty="0" smtClean="0"/>
-              <a:t>Collaborators </a:t>
-            </a:r>
-            <a:r>
-              <a:rPr lang="en-US" sz="2900" dirty="0"/>
-              <a:t>need to </a:t>
-            </a:r>
-            <a:r>
-              <a:rPr lang="en-US" sz="2900" dirty="0">
-                <a:solidFill>
-                  <a:srgbClr val="FF0000"/>
-                </a:solidFill>
-              </a:rPr>
-              <a:t>commit to the group </a:t>
-            </a:r>
-            <a:r>
-              <a:rPr lang="en-US" sz="2900" dirty="0"/>
-              <a:t>activities and to their role in </a:t>
-            </a:r>
-            <a:r>
-              <a:rPr lang="en-US" sz="2900" dirty="0" smtClean="0"/>
-              <a:t>it,</a:t>
-            </a:r>
-          </a:p>
-          <a:p>
-            <a:r>
-              <a:rPr lang="en-US" sz="2900" dirty="0" smtClean="0"/>
-              <a:t>Collaborators </a:t>
-            </a:r>
-            <a:r>
-              <a:rPr lang="en-US" sz="2900" dirty="0"/>
-              <a:t>need to commit to the </a:t>
-            </a:r>
-            <a:r>
-              <a:rPr lang="en-US" sz="2900" dirty="0">
-                <a:solidFill>
-                  <a:srgbClr val="FF0000"/>
-                </a:solidFill>
-              </a:rPr>
-              <a:t>success of others</a:t>
-            </a:r>
-            <a:r>
-              <a:rPr lang="en-US" sz="2900" dirty="0" smtClean="0"/>
-              <a:t>,</a:t>
-            </a:r>
-          </a:p>
-          <a:p>
-            <a:r>
-              <a:rPr lang="en-US" sz="2900" dirty="0" smtClean="0"/>
-              <a:t>Collaborators </a:t>
-            </a:r>
-            <a:r>
-              <a:rPr lang="en-US" sz="2900" dirty="0"/>
-              <a:t>need to </a:t>
-            </a:r>
-            <a:r>
-              <a:rPr lang="en-US" sz="2900" dirty="0">
-                <a:solidFill>
-                  <a:srgbClr val="FF0000"/>
-                </a:solidFill>
-              </a:rPr>
-              <a:t>reconcile between commitments </a:t>
-            </a:r>
-            <a:r>
-              <a:rPr lang="en-US" sz="2900" dirty="0"/>
-              <a:t>to the existing collaboration and their other activities</a:t>
-            </a:r>
-            <a:r>
-              <a:rPr lang="en-US" sz="2900" dirty="0" smtClean="0"/>
-              <a:t>,</a:t>
-            </a:r>
-          </a:p>
-          <a:p>
-            <a:pPr lvl="1"/>
-            <a:endParaRPr lang="en-US" sz="2400" dirty="0" smtClean="0"/>
-          </a:p>
-          <a:p>
-            <a:endParaRPr lang="en-US" sz="2800" dirty="0"/>
-          </a:p>
-        </p:txBody>
-      </p:sp>
-      <p:sp>
-        <p:nvSpPr>
-          <p:cNvPr id="6" name="Title 1"/>
-          <p:cNvSpPr>
-            <a:spLocks noGrp="1"/>
-          </p:cNvSpPr>
-          <p:nvPr>
-            <p:ph type="ctrTitle"/>
-          </p:nvPr>
-        </p:nvSpPr>
-        <p:spPr>
-          <a:xfrm>
-            <a:off x="685800" y="762000"/>
-            <a:ext cx="7772400" cy="1165225"/>
-          </a:xfrm>
-        </p:spPr>
-        <p:txBody>
-          <a:bodyPr>
-            <a:noAutofit/>
-          </a:bodyPr>
-          <a:lstStyle/>
-          <a:p>
-            <a:pPr algn="l"/>
-            <a:r>
-              <a:rPr lang="en-US" sz="2000" b="1" dirty="0" smtClean="0"/>
-              <a:t>Collaboration</a:t>
-            </a:r>
-            <a:r>
-              <a:rPr lang="en-US" sz="2000" dirty="0" smtClean="0"/>
-              <a:t> is a special type of </a:t>
-            </a:r>
-            <a:r>
-              <a:rPr lang="en-US" sz="2000" dirty="0" smtClean="0">
-                <a:solidFill>
-                  <a:srgbClr val="FF0000"/>
-                </a:solidFill>
-              </a:rPr>
-              <a:t>coordinated activity</a:t>
-            </a:r>
-            <a:r>
-              <a:rPr lang="en-US" sz="2000" dirty="0" smtClean="0"/>
-              <a:t> in which the participants </a:t>
-            </a:r>
-            <a:r>
-              <a:rPr lang="en-US" sz="2000" dirty="0" smtClean="0">
-                <a:solidFill>
-                  <a:srgbClr val="FF0000"/>
-                </a:solidFill>
-              </a:rPr>
-              <a:t>work jointly</a:t>
-            </a:r>
-            <a:r>
-              <a:rPr lang="en-US" sz="2000" dirty="0" smtClean="0"/>
-              <a:t>, together performing a task or carrying out the activities needed to satisfy a </a:t>
-            </a:r>
-            <a:r>
-              <a:rPr lang="en-US" sz="2000" dirty="0" smtClean="0">
-                <a:solidFill>
-                  <a:srgbClr val="FF0000"/>
-                </a:solidFill>
-              </a:rPr>
-              <a:t>shared goal</a:t>
-            </a:r>
-            <a:r>
-              <a:rPr lang="en-US" sz="2000" dirty="0" smtClean="0"/>
-              <a:t>.</a:t>
-            </a:r>
-            <a:endParaRPr lang="en-US" sz="1800" dirty="0"/>
-          </a:p>
-        </p:txBody>
-      </p:sp>
-      <p:sp>
-        <p:nvSpPr>
-          <p:cNvPr id="7" name="Title 1"/>
-          <p:cNvSpPr txBox="1">
-            <a:spLocks/>
-          </p:cNvSpPr>
-          <p:nvPr/>
-        </p:nvSpPr>
-        <p:spPr>
-          <a:xfrm>
-            <a:off x="457200" y="0"/>
-            <a:ext cx="8229600" cy="1143000"/>
-          </a:xfrm>
-          <a:prstGeom prst="rect">
-            <a:avLst/>
-          </a:prstGeom>
-        </p:spPr>
-        <p:txBody>
-          <a:bodyPr vert="horz" lIns="91440" tIns="45720" rIns="91440" bIns="45720" rtlCol="0" anchor="ctr">
-            <a:normAutofit/>
-          </a:bodyPr>
-          <a:lstStyle>
-            <a:lvl1pPr algn="ctr" defTabSz="914400" rtl="0" eaLnBrk="1" latinLnBrk="0" hangingPunct="1">
-              <a:spcBef>
-                <a:spcPct val="0"/>
-              </a:spcBef>
-              <a:buNone/>
-              <a:defRPr sz="4400" kern="1200">
-                <a:solidFill>
-                  <a:schemeClr val="tx1"/>
-                </a:solidFill>
-                <a:latin typeface="+mj-lt"/>
-                <a:ea typeface="+mj-ea"/>
-                <a:cs typeface="+mj-cs"/>
-              </a:defRPr>
-            </a:lvl1pPr>
-          </a:lstStyle>
-          <a:p>
-            <a:pPr algn="l"/>
-            <a:r>
-              <a:rPr lang="en-US" sz="2400" b="1" dirty="0" smtClean="0"/>
-              <a:t>Collaboration</a:t>
-            </a:r>
-            <a:endParaRPr lang="en-US" sz="2400" b="1" dirty="0"/>
-          </a:p>
-        </p:txBody>
-      </p:sp>
-    </p:spTree>
-    <p:extLst>
-      <p:ext uri="{BB962C8B-B14F-4D97-AF65-F5344CB8AC3E}">
-        <p14:creationId xmlns:p14="http://schemas.microsoft.com/office/powerpoint/2010/main" val="2668313360"/>
       </p:ext>
     </p:extLst>
   </p:cSld>

--- a/presentation/PhD-comprehensive-exam.pptx
+++ b/presentation/PhD-comprehensive-exam.pptx
@@ -5,7 +5,7 @@
     <p:sldMasterId id="2147483648" r:id="rId1"/>
   </p:sldMasterIdLst>
   <p:notesMasterIdLst>
-    <p:notesMasterId r:id="rId22"/>
+    <p:notesMasterId r:id="rId26"/>
   </p:notesMasterIdLst>
   <p:sldIdLst>
     <p:sldId id="257" r:id="rId2"/>
@@ -27,7 +27,11 @@
     <p:sldId id="327" r:id="rId18"/>
     <p:sldId id="328" r:id="rId19"/>
     <p:sldId id="258" r:id="rId20"/>
-    <p:sldId id="259" r:id="rId21"/>
+    <p:sldId id="329" r:id="rId21"/>
+    <p:sldId id="330" r:id="rId22"/>
+    <p:sldId id="331" r:id="rId23"/>
+    <p:sldId id="332" r:id="rId24"/>
+    <p:sldId id="259" r:id="rId25"/>
   </p:sldIdLst>
   <p:sldSz cx="9144000" cy="6858000" type="screen4x3"/>
   <p:notesSz cx="6858000" cy="9144000"/>
@@ -211,7 +215,7 @@
           <a:p>
             <a:fld id="{ECB03A7B-E1AF-4D30-A0B4-25BD99B9AC12}" type="datetimeFigureOut">
               <a:rPr lang="en-US" smtClean="0"/>
-              <a:t>6/17/2015</a:t>
+              <a:t>6/18/2015</a:t>
             </a:fld>
             <a:endParaRPr lang="en-US" dirty="0"/>
           </a:p>
@@ -1155,6 +1159,258 @@
 </p:notes>
 </file>
 
+<file path=ppt/notesSlides/notesSlide17.xml><?xml version="1.0" encoding="utf-8"?>
+<p:notes xmlns:a="http://schemas.openxmlformats.org/drawingml/2006/main" xmlns:r="http://schemas.openxmlformats.org/officeDocument/2006/relationships" xmlns:p="http://schemas.openxmlformats.org/presentationml/2006/main">
+  <p:cSld>
+    <p:spTree>
+      <p:nvGrpSpPr>
+        <p:cNvPr id="1" name=""/>
+        <p:cNvGrpSpPr/>
+        <p:nvPr/>
+      </p:nvGrpSpPr>
+      <p:grpSpPr>
+        <a:xfrm>
+          <a:off x="0" y="0"/>
+          <a:ext cx="0" cy="0"/>
+          <a:chOff x="0" y="0"/>
+          <a:chExt cx="0" cy="0"/>
+        </a:xfrm>
+      </p:grpSpPr>
+      <p:sp>
+        <p:nvSpPr>
+          <p:cNvPr id="2" name="Slide Image Placeholder 1"/>
+          <p:cNvSpPr>
+            <a:spLocks noGrp="1" noRot="1" noChangeAspect="1"/>
+          </p:cNvSpPr>
+          <p:nvPr>
+            <p:ph type="sldImg"/>
+          </p:nvPr>
+        </p:nvSpPr>
+        <p:spPr/>
+      </p:sp>
+      <p:sp>
+        <p:nvSpPr>
+          <p:cNvPr id="3" name="Notes Placeholder 2"/>
+          <p:cNvSpPr>
+            <a:spLocks noGrp="1"/>
+          </p:cNvSpPr>
+          <p:nvPr>
+            <p:ph type="body" idx="1"/>
+          </p:nvPr>
+        </p:nvSpPr>
+        <p:spPr/>
+        <p:txBody>
+          <a:bodyPr/>
+          <a:lstStyle/>
+          <a:p>
+            <a:endParaRPr lang="en-US" dirty="0"/>
+          </a:p>
+        </p:txBody>
+      </p:sp>
+      <p:sp>
+        <p:nvSpPr>
+          <p:cNvPr id="4" name="Slide Number Placeholder 3"/>
+          <p:cNvSpPr>
+            <a:spLocks noGrp="1"/>
+          </p:cNvSpPr>
+          <p:nvPr>
+            <p:ph type="sldNum" sz="quarter" idx="10"/>
+          </p:nvPr>
+        </p:nvSpPr>
+        <p:spPr/>
+        <p:txBody>
+          <a:bodyPr/>
+          <a:lstStyle/>
+          <a:p>
+            <a:fld id="{D91B34AF-DFC3-47C6-893A-07AE93C6324A}" type="slidenum">
+              <a:rPr lang="en-US" smtClean="0"/>
+              <a:t>20</a:t>
+            </a:fld>
+            <a:endParaRPr lang="en-US"/>
+          </a:p>
+        </p:txBody>
+      </p:sp>
+    </p:spTree>
+    <p:extLst>
+      <p:ext uri="{BB962C8B-B14F-4D97-AF65-F5344CB8AC3E}">
+        <p14:creationId xmlns:p14="http://schemas.microsoft.com/office/powerpoint/2010/main" val="1845102120"/>
+      </p:ext>
+    </p:extLst>
+  </p:cSld>
+  <p:clrMapOvr>
+    <a:masterClrMapping/>
+  </p:clrMapOvr>
+</p:notes>
+</file>
+
+<file path=ppt/notesSlides/notesSlide18.xml><?xml version="1.0" encoding="utf-8"?>
+<p:notes xmlns:a="http://schemas.openxmlformats.org/drawingml/2006/main" xmlns:r="http://schemas.openxmlformats.org/officeDocument/2006/relationships" xmlns:p="http://schemas.openxmlformats.org/presentationml/2006/main">
+  <p:cSld>
+    <p:spTree>
+      <p:nvGrpSpPr>
+        <p:cNvPr id="1" name=""/>
+        <p:cNvGrpSpPr/>
+        <p:nvPr/>
+      </p:nvGrpSpPr>
+      <p:grpSpPr>
+        <a:xfrm>
+          <a:off x="0" y="0"/>
+          <a:ext cx="0" cy="0"/>
+          <a:chOff x="0" y="0"/>
+          <a:chExt cx="0" cy="0"/>
+        </a:xfrm>
+      </p:grpSpPr>
+      <p:sp>
+        <p:nvSpPr>
+          <p:cNvPr id="2" name="Slide Image Placeholder 1"/>
+          <p:cNvSpPr>
+            <a:spLocks noGrp="1" noRot="1" noChangeAspect="1"/>
+          </p:cNvSpPr>
+          <p:nvPr>
+            <p:ph type="sldImg"/>
+          </p:nvPr>
+        </p:nvSpPr>
+        <p:spPr/>
+      </p:sp>
+      <p:sp>
+        <p:nvSpPr>
+          <p:cNvPr id="3" name="Notes Placeholder 2"/>
+          <p:cNvSpPr>
+            <a:spLocks noGrp="1"/>
+          </p:cNvSpPr>
+          <p:nvPr>
+            <p:ph type="body" idx="1"/>
+          </p:nvPr>
+        </p:nvSpPr>
+        <p:spPr/>
+        <p:txBody>
+          <a:bodyPr/>
+          <a:lstStyle/>
+          <a:p>
+            <a:endParaRPr lang="en-US" dirty="0"/>
+          </a:p>
+        </p:txBody>
+      </p:sp>
+      <p:sp>
+        <p:nvSpPr>
+          <p:cNvPr id="4" name="Slide Number Placeholder 3"/>
+          <p:cNvSpPr>
+            <a:spLocks noGrp="1"/>
+          </p:cNvSpPr>
+          <p:nvPr>
+            <p:ph type="sldNum" sz="quarter" idx="10"/>
+          </p:nvPr>
+        </p:nvSpPr>
+        <p:spPr/>
+        <p:txBody>
+          <a:bodyPr/>
+          <a:lstStyle/>
+          <a:p>
+            <a:fld id="{D91B34AF-DFC3-47C6-893A-07AE93C6324A}" type="slidenum">
+              <a:rPr lang="en-US" smtClean="0"/>
+              <a:t>21</a:t>
+            </a:fld>
+            <a:endParaRPr lang="en-US"/>
+          </a:p>
+        </p:txBody>
+      </p:sp>
+    </p:spTree>
+    <p:extLst>
+      <p:ext uri="{BB962C8B-B14F-4D97-AF65-F5344CB8AC3E}">
+        <p14:creationId xmlns:p14="http://schemas.microsoft.com/office/powerpoint/2010/main" val="1845102120"/>
+      </p:ext>
+    </p:extLst>
+  </p:cSld>
+  <p:clrMapOvr>
+    <a:masterClrMapping/>
+  </p:clrMapOvr>
+</p:notes>
+</file>
+
+<file path=ppt/notesSlides/notesSlide19.xml><?xml version="1.0" encoding="utf-8"?>
+<p:notes xmlns:a="http://schemas.openxmlformats.org/drawingml/2006/main" xmlns:r="http://schemas.openxmlformats.org/officeDocument/2006/relationships" xmlns:p="http://schemas.openxmlformats.org/presentationml/2006/main">
+  <p:cSld>
+    <p:spTree>
+      <p:nvGrpSpPr>
+        <p:cNvPr id="1" name=""/>
+        <p:cNvGrpSpPr/>
+        <p:nvPr/>
+      </p:nvGrpSpPr>
+      <p:grpSpPr>
+        <a:xfrm>
+          <a:off x="0" y="0"/>
+          <a:ext cx="0" cy="0"/>
+          <a:chOff x="0" y="0"/>
+          <a:chExt cx="0" cy="0"/>
+        </a:xfrm>
+      </p:grpSpPr>
+      <p:sp>
+        <p:nvSpPr>
+          <p:cNvPr id="2" name="Slide Image Placeholder 1"/>
+          <p:cNvSpPr>
+            <a:spLocks noGrp="1" noRot="1" noChangeAspect="1"/>
+          </p:cNvSpPr>
+          <p:nvPr>
+            <p:ph type="sldImg"/>
+          </p:nvPr>
+        </p:nvSpPr>
+        <p:spPr/>
+      </p:sp>
+      <p:sp>
+        <p:nvSpPr>
+          <p:cNvPr id="3" name="Notes Placeholder 2"/>
+          <p:cNvSpPr>
+            <a:spLocks noGrp="1"/>
+          </p:cNvSpPr>
+          <p:nvPr>
+            <p:ph type="body" idx="1"/>
+          </p:nvPr>
+        </p:nvSpPr>
+        <p:spPr/>
+        <p:txBody>
+          <a:bodyPr/>
+          <a:lstStyle/>
+          <a:p>
+            <a:endParaRPr lang="en-US" dirty="0"/>
+          </a:p>
+        </p:txBody>
+      </p:sp>
+      <p:sp>
+        <p:nvSpPr>
+          <p:cNvPr id="4" name="Slide Number Placeholder 3"/>
+          <p:cNvSpPr>
+            <a:spLocks noGrp="1"/>
+          </p:cNvSpPr>
+          <p:nvPr>
+            <p:ph type="sldNum" sz="quarter" idx="10"/>
+          </p:nvPr>
+        </p:nvSpPr>
+        <p:spPr/>
+        <p:txBody>
+          <a:bodyPr/>
+          <a:lstStyle/>
+          <a:p>
+            <a:fld id="{D91B34AF-DFC3-47C6-893A-07AE93C6324A}" type="slidenum">
+              <a:rPr lang="en-US" smtClean="0"/>
+              <a:t>22</a:t>
+            </a:fld>
+            <a:endParaRPr lang="en-US"/>
+          </a:p>
+        </p:txBody>
+      </p:sp>
+    </p:spTree>
+    <p:extLst>
+      <p:ext uri="{BB962C8B-B14F-4D97-AF65-F5344CB8AC3E}">
+        <p14:creationId xmlns:p14="http://schemas.microsoft.com/office/powerpoint/2010/main" val="1845102120"/>
+      </p:ext>
+    </p:extLst>
+  </p:cSld>
+  <p:clrMapOvr>
+    <a:masterClrMapping/>
+  </p:clrMapOvr>
+</p:notes>
+</file>
+
 <file path=ppt/notesSlides/notesSlide2.xml><?xml version="1.0" encoding="utf-8"?>
 <p:notes xmlns:a="http://schemas.openxmlformats.org/drawingml/2006/main" xmlns:r="http://schemas.openxmlformats.org/officeDocument/2006/relationships" xmlns:p="http://schemas.openxmlformats.org/presentationml/2006/main">
   <p:cSld>
@@ -1221,6 +1477,90 @@
             <a:fld id="{D91B34AF-DFC3-47C6-893A-07AE93C6324A}" type="slidenum">
               <a:rPr lang="en-US" smtClean="0"/>
               <a:t>4</a:t>
+            </a:fld>
+            <a:endParaRPr lang="en-US"/>
+          </a:p>
+        </p:txBody>
+      </p:sp>
+    </p:spTree>
+    <p:extLst>
+      <p:ext uri="{BB962C8B-B14F-4D97-AF65-F5344CB8AC3E}">
+        <p14:creationId xmlns:p14="http://schemas.microsoft.com/office/powerpoint/2010/main" val="1845102120"/>
+      </p:ext>
+    </p:extLst>
+  </p:cSld>
+  <p:clrMapOvr>
+    <a:masterClrMapping/>
+  </p:clrMapOvr>
+</p:notes>
+</file>
+
+<file path=ppt/notesSlides/notesSlide20.xml><?xml version="1.0" encoding="utf-8"?>
+<p:notes xmlns:a="http://schemas.openxmlformats.org/drawingml/2006/main" xmlns:r="http://schemas.openxmlformats.org/officeDocument/2006/relationships" xmlns:p="http://schemas.openxmlformats.org/presentationml/2006/main">
+  <p:cSld>
+    <p:spTree>
+      <p:nvGrpSpPr>
+        <p:cNvPr id="1" name=""/>
+        <p:cNvGrpSpPr/>
+        <p:nvPr/>
+      </p:nvGrpSpPr>
+      <p:grpSpPr>
+        <a:xfrm>
+          <a:off x="0" y="0"/>
+          <a:ext cx="0" cy="0"/>
+          <a:chOff x="0" y="0"/>
+          <a:chExt cx="0" cy="0"/>
+        </a:xfrm>
+      </p:grpSpPr>
+      <p:sp>
+        <p:nvSpPr>
+          <p:cNvPr id="2" name="Slide Image Placeholder 1"/>
+          <p:cNvSpPr>
+            <a:spLocks noGrp="1" noRot="1" noChangeAspect="1"/>
+          </p:cNvSpPr>
+          <p:nvPr>
+            <p:ph type="sldImg"/>
+          </p:nvPr>
+        </p:nvSpPr>
+        <p:spPr/>
+      </p:sp>
+      <p:sp>
+        <p:nvSpPr>
+          <p:cNvPr id="3" name="Notes Placeholder 2"/>
+          <p:cNvSpPr>
+            <a:spLocks noGrp="1"/>
+          </p:cNvSpPr>
+          <p:nvPr>
+            <p:ph type="body" idx="1"/>
+          </p:nvPr>
+        </p:nvSpPr>
+        <p:spPr/>
+        <p:txBody>
+          <a:bodyPr/>
+          <a:lstStyle/>
+          <a:p>
+            <a:endParaRPr lang="en-US" dirty="0"/>
+          </a:p>
+        </p:txBody>
+      </p:sp>
+      <p:sp>
+        <p:nvSpPr>
+          <p:cNvPr id="4" name="Slide Number Placeholder 3"/>
+          <p:cNvSpPr>
+            <a:spLocks noGrp="1"/>
+          </p:cNvSpPr>
+          <p:nvPr>
+            <p:ph type="sldNum" sz="quarter" idx="10"/>
+          </p:nvPr>
+        </p:nvSpPr>
+        <p:spPr/>
+        <p:txBody>
+          <a:bodyPr/>
+          <a:lstStyle/>
+          <a:p>
+            <a:fld id="{D91B34AF-DFC3-47C6-893A-07AE93C6324A}" type="slidenum">
+              <a:rPr lang="en-US" smtClean="0"/>
+              <a:t>23</a:t>
             </a:fld>
             <a:endParaRPr lang="en-US"/>
           </a:p>
@@ -2008,7 +2348,7 @@
           <a:p>
             <a:fld id="{14FA71CB-4092-45E6-85F2-35E0862C08A7}" type="datetimeFigureOut">
               <a:rPr lang="en-US" smtClean="0"/>
-              <a:t>6/17/2015</a:t>
+              <a:t>6/18/2015</a:t>
             </a:fld>
             <a:endParaRPr lang="en-US" dirty="0"/>
           </a:p>
@@ -2178,7 +2518,7 @@
           <a:p>
             <a:fld id="{14FA71CB-4092-45E6-85F2-35E0862C08A7}" type="datetimeFigureOut">
               <a:rPr lang="en-US" smtClean="0"/>
-              <a:t>6/17/2015</a:t>
+              <a:t>6/18/2015</a:t>
             </a:fld>
             <a:endParaRPr lang="en-US" dirty="0"/>
           </a:p>
@@ -2358,7 +2698,7 @@
           <a:p>
             <a:fld id="{14FA71CB-4092-45E6-85F2-35E0862C08A7}" type="datetimeFigureOut">
               <a:rPr lang="en-US" smtClean="0"/>
-              <a:t>6/17/2015</a:t>
+              <a:t>6/18/2015</a:t>
             </a:fld>
             <a:endParaRPr lang="en-US" dirty="0"/>
           </a:p>
@@ -2528,7 +2868,7 @@
           <a:p>
             <a:fld id="{14FA71CB-4092-45E6-85F2-35E0862C08A7}" type="datetimeFigureOut">
               <a:rPr lang="en-US" smtClean="0"/>
-              <a:t>6/17/2015</a:t>
+              <a:t>6/18/2015</a:t>
             </a:fld>
             <a:endParaRPr lang="en-US" dirty="0"/>
           </a:p>
@@ -2774,7 +3114,7 @@
           <a:p>
             <a:fld id="{14FA71CB-4092-45E6-85F2-35E0862C08A7}" type="datetimeFigureOut">
               <a:rPr lang="en-US" smtClean="0"/>
-              <a:t>6/17/2015</a:t>
+              <a:t>6/18/2015</a:t>
             </a:fld>
             <a:endParaRPr lang="en-US" dirty="0"/>
           </a:p>
@@ -3062,7 +3402,7 @@
           <a:p>
             <a:fld id="{14FA71CB-4092-45E6-85F2-35E0862C08A7}" type="datetimeFigureOut">
               <a:rPr lang="en-US" smtClean="0"/>
-              <a:t>6/17/2015</a:t>
+              <a:t>6/18/2015</a:t>
             </a:fld>
             <a:endParaRPr lang="en-US" dirty="0"/>
           </a:p>
@@ -3484,7 +3824,7 @@
           <a:p>
             <a:fld id="{14FA71CB-4092-45E6-85F2-35E0862C08A7}" type="datetimeFigureOut">
               <a:rPr lang="en-US" smtClean="0"/>
-              <a:t>6/17/2015</a:t>
+              <a:t>6/18/2015</a:t>
             </a:fld>
             <a:endParaRPr lang="en-US" dirty="0"/>
           </a:p>
@@ -3602,7 +3942,7 @@
           <a:p>
             <a:fld id="{14FA71CB-4092-45E6-85F2-35E0862C08A7}" type="datetimeFigureOut">
               <a:rPr lang="en-US" smtClean="0"/>
-              <a:t>6/17/2015</a:t>
+              <a:t>6/18/2015</a:t>
             </a:fld>
             <a:endParaRPr lang="en-US" dirty="0"/>
           </a:p>
@@ -3697,7 +4037,7 @@
           <a:p>
             <a:fld id="{14FA71CB-4092-45E6-85F2-35E0862C08A7}" type="datetimeFigureOut">
               <a:rPr lang="en-US" smtClean="0"/>
-              <a:t>6/17/2015</a:t>
+              <a:t>6/18/2015</a:t>
             </a:fld>
             <a:endParaRPr lang="en-US" dirty="0"/>
           </a:p>
@@ -3974,7 +4314,7 @@
           <a:p>
             <a:fld id="{14FA71CB-4092-45E6-85F2-35E0862C08A7}" type="datetimeFigureOut">
               <a:rPr lang="en-US" smtClean="0"/>
-              <a:t>6/17/2015</a:t>
+              <a:t>6/18/2015</a:t>
             </a:fld>
             <a:endParaRPr lang="en-US" dirty="0"/>
           </a:p>
@@ -4227,7 +4567,7 @@
           <a:p>
             <a:fld id="{14FA71CB-4092-45E6-85F2-35E0862C08A7}" type="datetimeFigureOut">
               <a:rPr lang="en-US" smtClean="0"/>
-              <a:t>6/17/2015</a:t>
+              <a:t>6/18/2015</a:t>
             </a:fld>
             <a:endParaRPr lang="en-US" dirty="0"/>
           </a:p>
@@ -4440,7 +4780,7 @@
           <a:p>
             <a:fld id="{14FA71CB-4092-45E6-85F2-35E0862C08A7}" type="datetimeFigureOut">
               <a:rPr lang="en-US" smtClean="0"/>
-              <a:t>6/17/2015</a:t>
+              <a:t>6/18/2015</a:t>
             </a:fld>
             <a:endParaRPr lang="en-US" dirty="0"/>
           </a:p>
@@ -8843,7 +9183,6 @@
               <a:rPr lang="en-US" sz="2000" dirty="0" smtClean="0"/>
               <a:t>theory.</a:t>
             </a:r>
-            <a:endParaRPr lang="en-US" sz="2000" dirty="0" smtClean="0"/>
           </a:p>
         </p:txBody>
       </p:sp>
@@ -9148,15 +9487,7 @@
           <a:p>
             <a:r>
               <a:rPr lang="en-US" sz="2000" dirty="0" smtClean="0"/>
-              <a:t>Proactive behaviors </a:t>
-            </a:r>
-            <a:r>
-              <a:rPr lang="en-US" sz="2000" dirty="0" smtClean="0"/>
-              <a:t>and </a:t>
-            </a:r>
-            <a:r>
-              <a:rPr lang="en-US" sz="2000" dirty="0" smtClean="0"/>
-              <a:t>information exchange (CAST)</a:t>
+              <a:t>Proactive behaviors and information exchange (CAST)</a:t>
             </a:r>
           </a:p>
           <a:p>
@@ -9200,7 +9531,6 @@
               <a:rPr lang="en-US" sz="2000" dirty="0" smtClean="0"/>
               <a:t>Rescue responses</a:t>
             </a:r>
-            <a:endParaRPr lang="en-US" sz="2000" dirty="0" smtClean="0"/>
           </a:p>
         </p:txBody>
       </p:sp>
@@ -9494,11 +9824,7 @@
           <a:p>
             <a:r>
               <a:rPr lang="en-US" sz="2000" dirty="0" smtClean="0"/>
-              <a:t>Hybrid approaches </a:t>
-            </a:r>
-            <a:r>
-              <a:rPr lang="en-US" sz="2000" dirty="0" smtClean="0"/>
-              <a:t>are valuable and make the theories closer to applications.</a:t>
+              <a:t>Hybrid approaches are valuable and make the theories closer to applications.</a:t>
             </a:r>
           </a:p>
           <a:p>
@@ -10292,7 +10618,7 @@
             <a:pPr algn="l"/>
             <a:r>
               <a:rPr lang="en-US" sz="2400" b="1" dirty="0" smtClean="0"/>
-              <a:t>Collaboration</a:t>
+              <a:t>Collaboration Theories &gt; Introduction</a:t>
             </a:r>
             <a:endParaRPr lang="en-US" sz="2400" b="1" dirty="0"/>
           </a:p>
@@ -10319,6 +10645,1437 @@
 </file>
 
 <file path=ppt/slides/slide20.xml><?xml version="1.0" encoding="utf-8"?>
+<p:sld xmlns:a="http://schemas.openxmlformats.org/drawingml/2006/main" xmlns:r="http://schemas.openxmlformats.org/officeDocument/2006/relationships" xmlns:p="http://schemas.openxmlformats.org/presentationml/2006/main">
+  <p:cSld>
+    <p:spTree>
+      <p:nvGrpSpPr>
+        <p:cNvPr id="1" name=""/>
+        <p:cNvGrpSpPr/>
+        <p:nvPr/>
+      </p:nvGrpSpPr>
+      <p:grpSpPr>
+        <a:xfrm>
+          <a:off x="0" y="0"/>
+          <a:ext cx="0" cy="0"/>
+          <a:chOff x="0" y="0"/>
+          <a:chExt cx="0" cy="0"/>
+        </a:xfrm>
+      </p:grpSpPr>
+      <p:sp>
+        <p:nvSpPr>
+          <p:cNvPr id="5" name="Content Placeholder 2"/>
+          <p:cNvSpPr txBox="1">
+            <a:spLocks/>
+          </p:cNvSpPr>
+          <p:nvPr/>
+        </p:nvSpPr>
+        <p:spPr>
+          <a:xfrm>
+            <a:off x="457199" y="1219201"/>
+            <a:ext cx="8206611" cy="5181599"/>
+          </a:xfrm>
+          <a:prstGeom prst="rect">
+            <a:avLst/>
+          </a:prstGeom>
+        </p:spPr>
+        <p:txBody>
+          <a:bodyPr vert="horz" lIns="91440" tIns="45720" rIns="91440" bIns="45720" rtlCol="0">
+            <a:normAutofit/>
+          </a:bodyPr>
+          <a:lstStyle>
+            <a:lvl1pPr marL="342900" indent="-342900" algn="l" defTabSz="914400" rtl="0" eaLnBrk="1" latinLnBrk="0" hangingPunct="1">
+              <a:spcBef>
+                <a:spcPct val="20000"/>
+              </a:spcBef>
+              <a:buFont typeface="Arial" panose="020B0604020202020204" pitchFamily="34" charset="0"/>
+              <a:buChar char="•"/>
+              <a:defRPr sz="3200" kern="1200">
+                <a:solidFill>
+                  <a:schemeClr val="tx1"/>
+                </a:solidFill>
+                <a:latin typeface="+mn-lt"/>
+                <a:ea typeface="+mn-ea"/>
+                <a:cs typeface="+mn-cs"/>
+              </a:defRPr>
+            </a:lvl1pPr>
+            <a:lvl2pPr marL="742950" indent="-285750" algn="l" defTabSz="914400" rtl="0" eaLnBrk="1" latinLnBrk="0" hangingPunct="1">
+              <a:spcBef>
+                <a:spcPct val="20000"/>
+              </a:spcBef>
+              <a:buFont typeface="Arial" panose="020B0604020202020204" pitchFamily="34" charset="0"/>
+              <a:buChar char="–"/>
+              <a:defRPr sz="2800" kern="1200">
+                <a:solidFill>
+                  <a:schemeClr val="tx1"/>
+                </a:solidFill>
+                <a:latin typeface="+mn-lt"/>
+                <a:ea typeface="+mn-ea"/>
+                <a:cs typeface="+mn-cs"/>
+              </a:defRPr>
+            </a:lvl2pPr>
+            <a:lvl3pPr marL="1143000" indent="-228600" algn="l" defTabSz="914400" rtl="0" eaLnBrk="1" latinLnBrk="0" hangingPunct="1">
+              <a:spcBef>
+                <a:spcPct val="20000"/>
+              </a:spcBef>
+              <a:buFont typeface="Arial" panose="020B0604020202020204" pitchFamily="34" charset="0"/>
+              <a:buChar char="•"/>
+              <a:defRPr sz="2400" kern="1200">
+                <a:solidFill>
+                  <a:schemeClr val="tx1"/>
+                </a:solidFill>
+                <a:latin typeface="+mn-lt"/>
+                <a:ea typeface="+mn-ea"/>
+                <a:cs typeface="+mn-cs"/>
+              </a:defRPr>
+            </a:lvl3pPr>
+            <a:lvl4pPr marL="1600200" indent="-228600" algn="l" defTabSz="914400" rtl="0" eaLnBrk="1" latinLnBrk="0" hangingPunct="1">
+              <a:spcBef>
+                <a:spcPct val="20000"/>
+              </a:spcBef>
+              <a:buFont typeface="Arial" panose="020B0604020202020204" pitchFamily="34" charset="0"/>
+              <a:buChar char="–"/>
+              <a:defRPr sz="2000" kern="1200">
+                <a:solidFill>
+                  <a:schemeClr val="tx1"/>
+                </a:solidFill>
+                <a:latin typeface="+mn-lt"/>
+                <a:ea typeface="+mn-ea"/>
+                <a:cs typeface="+mn-cs"/>
+              </a:defRPr>
+            </a:lvl4pPr>
+            <a:lvl5pPr marL="2057400" indent="-228600" algn="l" defTabSz="914400" rtl="0" eaLnBrk="1" latinLnBrk="0" hangingPunct="1">
+              <a:spcBef>
+                <a:spcPct val="20000"/>
+              </a:spcBef>
+              <a:buFont typeface="Arial" panose="020B0604020202020204" pitchFamily="34" charset="0"/>
+              <a:buChar char="»"/>
+              <a:defRPr sz="2000" kern="1200">
+                <a:solidFill>
+                  <a:schemeClr val="tx1"/>
+                </a:solidFill>
+                <a:latin typeface="+mn-lt"/>
+                <a:ea typeface="+mn-ea"/>
+                <a:cs typeface="+mn-cs"/>
+              </a:defRPr>
+            </a:lvl5pPr>
+            <a:lvl6pPr marL="2514600" indent="-228600" algn="l" defTabSz="914400" rtl="0" eaLnBrk="1" latinLnBrk="0" hangingPunct="1">
+              <a:spcBef>
+                <a:spcPct val="20000"/>
+              </a:spcBef>
+              <a:buFont typeface="Arial" panose="020B0604020202020204" pitchFamily="34" charset="0"/>
+              <a:buChar char="•"/>
+              <a:defRPr sz="2000" kern="1200">
+                <a:solidFill>
+                  <a:schemeClr val="tx1"/>
+                </a:solidFill>
+                <a:latin typeface="+mn-lt"/>
+                <a:ea typeface="+mn-ea"/>
+                <a:cs typeface="+mn-cs"/>
+              </a:defRPr>
+            </a:lvl6pPr>
+            <a:lvl7pPr marL="2971800" indent="-228600" algn="l" defTabSz="914400" rtl="0" eaLnBrk="1" latinLnBrk="0" hangingPunct="1">
+              <a:spcBef>
+                <a:spcPct val="20000"/>
+              </a:spcBef>
+              <a:buFont typeface="Arial" panose="020B0604020202020204" pitchFamily="34" charset="0"/>
+              <a:buChar char="•"/>
+              <a:defRPr sz="2000" kern="1200">
+                <a:solidFill>
+                  <a:schemeClr val="tx1"/>
+                </a:solidFill>
+                <a:latin typeface="+mn-lt"/>
+                <a:ea typeface="+mn-ea"/>
+                <a:cs typeface="+mn-cs"/>
+              </a:defRPr>
+            </a:lvl7pPr>
+            <a:lvl8pPr marL="3429000" indent="-228600" algn="l" defTabSz="914400" rtl="0" eaLnBrk="1" latinLnBrk="0" hangingPunct="1">
+              <a:spcBef>
+                <a:spcPct val="20000"/>
+              </a:spcBef>
+              <a:buFont typeface="Arial" panose="020B0604020202020204" pitchFamily="34" charset="0"/>
+              <a:buChar char="•"/>
+              <a:defRPr sz="2000" kern="1200">
+                <a:solidFill>
+                  <a:schemeClr val="tx1"/>
+                </a:solidFill>
+                <a:latin typeface="+mn-lt"/>
+                <a:ea typeface="+mn-ea"/>
+                <a:cs typeface="+mn-cs"/>
+              </a:defRPr>
+            </a:lvl8pPr>
+            <a:lvl9pPr marL="3886200" indent="-228600" algn="l" defTabSz="914400" rtl="0" eaLnBrk="1" latinLnBrk="0" hangingPunct="1">
+              <a:spcBef>
+                <a:spcPct val="20000"/>
+              </a:spcBef>
+              <a:buFont typeface="Arial" panose="020B0604020202020204" pitchFamily="34" charset="0"/>
+              <a:buChar char="•"/>
+              <a:defRPr sz="2000" kern="1200">
+                <a:solidFill>
+                  <a:schemeClr val="tx1"/>
+                </a:solidFill>
+                <a:latin typeface="+mn-lt"/>
+                <a:ea typeface="+mn-ea"/>
+                <a:cs typeface="+mn-cs"/>
+              </a:defRPr>
+            </a:lvl9pPr>
+          </a:lstStyle>
+          <a:p>
+            <a:r>
+              <a:rPr lang="en-US" sz="2000" dirty="0" smtClean="0"/>
+              <a:t>Four categories of computational emotion modeling:</a:t>
+            </a:r>
+          </a:p>
+          <a:p>
+            <a:pPr lvl="1"/>
+            <a:r>
+              <a:rPr lang="en-US" sz="1600" dirty="0"/>
+              <a:t>Detecting and recognizing human emotions,</a:t>
+            </a:r>
+          </a:p>
+          <a:p>
+            <a:pPr lvl="1"/>
+            <a:r>
+              <a:rPr lang="en-US" sz="1600" dirty="0"/>
+              <a:t>Interpreting and understanding human emotions,</a:t>
+            </a:r>
+          </a:p>
+          <a:p>
+            <a:pPr lvl="1"/>
+            <a:r>
+              <a:rPr lang="en-US" sz="1600" dirty="0"/>
+              <a:t>Generating artificial emotions,</a:t>
+            </a:r>
+          </a:p>
+          <a:p>
+            <a:pPr lvl="1"/>
+            <a:r>
+              <a:rPr lang="en-US" sz="1600" dirty="0"/>
+              <a:t>Expressing human-perceivable emotions.</a:t>
+            </a:r>
+          </a:p>
+          <a:p>
+            <a:endParaRPr lang="en-US" sz="2000" dirty="0" smtClean="0"/>
+          </a:p>
+          <a:p>
+            <a:r>
+              <a:rPr lang="en-US" sz="2000" dirty="0" smtClean="0"/>
+              <a:t>Major emotion theories:</a:t>
+            </a:r>
+            <a:endParaRPr lang="en-US" sz="1600" dirty="0"/>
+          </a:p>
+          <a:p>
+            <a:pPr lvl="1"/>
+            <a:r>
+              <a:rPr lang="en-US" sz="1600" dirty="0"/>
+              <a:t>Appraisal</a:t>
+            </a:r>
+          </a:p>
+          <a:p>
+            <a:pPr lvl="1"/>
+            <a:r>
+              <a:rPr lang="en-US" sz="1600" dirty="0"/>
+              <a:t>Dimensional</a:t>
+            </a:r>
+          </a:p>
+          <a:p>
+            <a:pPr lvl="1"/>
+            <a:r>
+              <a:rPr lang="en-US" sz="1600" dirty="0"/>
+              <a:t>Discrete (basic)</a:t>
+            </a:r>
+          </a:p>
+          <a:p>
+            <a:endParaRPr lang="en-US" sz="1600" dirty="0" smtClean="0"/>
+          </a:p>
+          <a:p>
+            <a:r>
+              <a:rPr lang="en-US" sz="2000" dirty="0" smtClean="0"/>
+              <a:t>We majorly focus on Appraisal and Dimensional theories.</a:t>
+            </a:r>
+          </a:p>
+        </p:txBody>
+      </p:sp>
+      <p:sp>
+        <p:nvSpPr>
+          <p:cNvPr id="9" name="Title 1"/>
+          <p:cNvSpPr txBox="1">
+            <a:spLocks/>
+          </p:cNvSpPr>
+          <p:nvPr/>
+        </p:nvSpPr>
+        <p:spPr>
+          <a:xfrm>
+            <a:off x="457200" y="0"/>
+            <a:ext cx="8229600" cy="1143000"/>
+          </a:xfrm>
+          <a:prstGeom prst="rect">
+            <a:avLst/>
+          </a:prstGeom>
+        </p:spPr>
+        <p:txBody>
+          <a:bodyPr vert="horz" lIns="91440" tIns="45720" rIns="91440" bIns="45720" rtlCol="0" anchor="ctr">
+            <a:normAutofit/>
+          </a:bodyPr>
+          <a:lstStyle>
+            <a:lvl1pPr algn="ctr" defTabSz="914400" rtl="0" eaLnBrk="1" latinLnBrk="0" hangingPunct="1">
+              <a:spcBef>
+                <a:spcPct val="0"/>
+              </a:spcBef>
+              <a:buNone/>
+              <a:defRPr sz="4400" kern="1200">
+                <a:solidFill>
+                  <a:schemeClr val="tx1"/>
+                </a:solidFill>
+                <a:latin typeface="+mj-lt"/>
+                <a:ea typeface="+mj-ea"/>
+                <a:cs typeface="+mj-cs"/>
+              </a:defRPr>
+            </a:lvl1pPr>
+          </a:lstStyle>
+          <a:p>
+            <a:pPr algn="l"/>
+            <a:r>
+              <a:rPr lang="en-US" sz="2400" b="1" dirty="0" smtClean="0"/>
+              <a:t>Affective Computing </a:t>
+            </a:r>
+            <a:r>
+              <a:rPr lang="en-US" sz="2400" b="1" dirty="0"/>
+              <a:t>&gt; </a:t>
+            </a:r>
+            <a:r>
+              <a:rPr lang="en-US" sz="2400" b="1" dirty="0" smtClean="0"/>
+              <a:t>Introduction</a:t>
+            </a:r>
+            <a:endParaRPr lang="en-US" sz="2200" b="1" i="1" dirty="0"/>
+          </a:p>
+        </p:txBody>
+      </p:sp>
+    </p:spTree>
+    <p:extLst>
+      <p:ext uri="{BB962C8B-B14F-4D97-AF65-F5344CB8AC3E}">
+        <p14:creationId xmlns:p14="http://schemas.microsoft.com/office/powerpoint/2010/main" val="517181223"/>
+      </p:ext>
+    </p:extLst>
+  </p:cSld>
+  <p:clrMapOvr>
+    <a:masterClrMapping/>
+  </p:clrMapOvr>
+  <p:timing>
+    <p:tnLst>
+      <p:par>
+        <p:cTn id="1" dur="indefinite" restart="never" nodeType="tmRoot"/>
+      </p:par>
+    </p:tnLst>
+  </p:timing>
+</p:sld>
+</file>
+
+<file path=ppt/slides/slide21.xml><?xml version="1.0" encoding="utf-8"?>
+<p:sld xmlns:a="http://schemas.openxmlformats.org/drawingml/2006/main" xmlns:r="http://schemas.openxmlformats.org/officeDocument/2006/relationships" xmlns:p="http://schemas.openxmlformats.org/presentationml/2006/main">
+  <p:cSld>
+    <p:spTree>
+      <p:nvGrpSpPr>
+        <p:cNvPr id="1" name=""/>
+        <p:cNvGrpSpPr/>
+        <p:nvPr/>
+      </p:nvGrpSpPr>
+      <p:grpSpPr>
+        <a:xfrm>
+          <a:off x="0" y="0"/>
+          <a:ext cx="0" cy="0"/>
+          <a:chOff x="0" y="0"/>
+          <a:chExt cx="0" cy="0"/>
+        </a:xfrm>
+      </p:grpSpPr>
+      <p:sp>
+        <p:nvSpPr>
+          <p:cNvPr id="5" name="Content Placeholder 2"/>
+          <p:cNvSpPr txBox="1">
+            <a:spLocks/>
+          </p:cNvSpPr>
+          <p:nvPr/>
+        </p:nvSpPr>
+        <p:spPr>
+          <a:xfrm>
+            <a:off x="457199" y="1219201"/>
+            <a:ext cx="8206611" cy="5181599"/>
+          </a:xfrm>
+          <a:prstGeom prst="rect">
+            <a:avLst/>
+          </a:prstGeom>
+        </p:spPr>
+        <p:txBody>
+          <a:bodyPr vert="horz" lIns="91440" tIns="45720" rIns="91440" bIns="45720" rtlCol="0">
+            <a:normAutofit/>
+          </a:bodyPr>
+          <a:lstStyle>
+            <a:lvl1pPr marL="342900" indent="-342900" algn="l" defTabSz="914400" rtl="0" eaLnBrk="1" latinLnBrk="0" hangingPunct="1">
+              <a:spcBef>
+                <a:spcPct val="20000"/>
+              </a:spcBef>
+              <a:buFont typeface="Arial" panose="020B0604020202020204" pitchFamily="34" charset="0"/>
+              <a:buChar char="•"/>
+              <a:defRPr sz="3200" kern="1200">
+                <a:solidFill>
+                  <a:schemeClr val="tx1"/>
+                </a:solidFill>
+                <a:latin typeface="+mn-lt"/>
+                <a:ea typeface="+mn-ea"/>
+                <a:cs typeface="+mn-cs"/>
+              </a:defRPr>
+            </a:lvl1pPr>
+            <a:lvl2pPr marL="742950" indent="-285750" algn="l" defTabSz="914400" rtl="0" eaLnBrk="1" latinLnBrk="0" hangingPunct="1">
+              <a:spcBef>
+                <a:spcPct val="20000"/>
+              </a:spcBef>
+              <a:buFont typeface="Arial" panose="020B0604020202020204" pitchFamily="34" charset="0"/>
+              <a:buChar char="–"/>
+              <a:defRPr sz="2800" kern="1200">
+                <a:solidFill>
+                  <a:schemeClr val="tx1"/>
+                </a:solidFill>
+                <a:latin typeface="+mn-lt"/>
+                <a:ea typeface="+mn-ea"/>
+                <a:cs typeface="+mn-cs"/>
+              </a:defRPr>
+            </a:lvl2pPr>
+            <a:lvl3pPr marL="1143000" indent="-228600" algn="l" defTabSz="914400" rtl="0" eaLnBrk="1" latinLnBrk="0" hangingPunct="1">
+              <a:spcBef>
+                <a:spcPct val="20000"/>
+              </a:spcBef>
+              <a:buFont typeface="Arial" panose="020B0604020202020204" pitchFamily="34" charset="0"/>
+              <a:buChar char="•"/>
+              <a:defRPr sz="2400" kern="1200">
+                <a:solidFill>
+                  <a:schemeClr val="tx1"/>
+                </a:solidFill>
+                <a:latin typeface="+mn-lt"/>
+                <a:ea typeface="+mn-ea"/>
+                <a:cs typeface="+mn-cs"/>
+              </a:defRPr>
+            </a:lvl3pPr>
+            <a:lvl4pPr marL="1600200" indent="-228600" algn="l" defTabSz="914400" rtl="0" eaLnBrk="1" latinLnBrk="0" hangingPunct="1">
+              <a:spcBef>
+                <a:spcPct val="20000"/>
+              </a:spcBef>
+              <a:buFont typeface="Arial" panose="020B0604020202020204" pitchFamily="34" charset="0"/>
+              <a:buChar char="–"/>
+              <a:defRPr sz="2000" kern="1200">
+                <a:solidFill>
+                  <a:schemeClr val="tx1"/>
+                </a:solidFill>
+                <a:latin typeface="+mn-lt"/>
+                <a:ea typeface="+mn-ea"/>
+                <a:cs typeface="+mn-cs"/>
+              </a:defRPr>
+            </a:lvl4pPr>
+            <a:lvl5pPr marL="2057400" indent="-228600" algn="l" defTabSz="914400" rtl="0" eaLnBrk="1" latinLnBrk="0" hangingPunct="1">
+              <a:spcBef>
+                <a:spcPct val="20000"/>
+              </a:spcBef>
+              <a:buFont typeface="Arial" panose="020B0604020202020204" pitchFamily="34" charset="0"/>
+              <a:buChar char="»"/>
+              <a:defRPr sz="2000" kern="1200">
+                <a:solidFill>
+                  <a:schemeClr val="tx1"/>
+                </a:solidFill>
+                <a:latin typeface="+mn-lt"/>
+                <a:ea typeface="+mn-ea"/>
+                <a:cs typeface="+mn-cs"/>
+              </a:defRPr>
+            </a:lvl5pPr>
+            <a:lvl6pPr marL="2514600" indent="-228600" algn="l" defTabSz="914400" rtl="0" eaLnBrk="1" latinLnBrk="0" hangingPunct="1">
+              <a:spcBef>
+                <a:spcPct val="20000"/>
+              </a:spcBef>
+              <a:buFont typeface="Arial" panose="020B0604020202020204" pitchFamily="34" charset="0"/>
+              <a:buChar char="•"/>
+              <a:defRPr sz="2000" kern="1200">
+                <a:solidFill>
+                  <a:schemeClr val="tx1"/>
+                </a:solidFill>
+                <a:latin typeface="+mn-lt"/>
+                <a:ea typeface="+mn-ea"/>
+                <a:cs typeface="+mn-cs"/>
+              </a:defRPr>
+            </a:lvl6pPr>
+            <a:lvl7pPr marL="2971800" indent="-228600" algn="l" defTabSz="914400" rtl="0" eaLnBrk="1" latinLnBrk="0" hangingPunct="1">
+              <a:spcBef>
+                <a:spcPct val="20000"/>
+              </a:spcBef>
+              <a:buFont typeface="Arial" panose="020B0604020202020204" pitchFamily="34" charset="0"/>
+              <a:buChar char="•"/>
+              <a:defRPr sz="2000" kern="1200">
+                <a:solidFill>
+                  <a:schemeClr val="tx1"/>
+                </a:solidFill>
+                <a:latin typeface="+mn-lt"/>
+                <a:ea typeface="+mn-ea"/>
+                <a:cs typeface="+mn-cs"/>
+              </a:defRPr>
+            </a:lvl7pPr>
+            <a:lvl8pPr marL="3429000" indent="-228600" algn="l" defTabSz="914400" rtl="0" eaLnBrk="1" latinLnBrk="0" hangingPunct="1">
+              <a:spcBef>
+                <a:spcPct val="20000"/>
+              </a:spcBef>
+              <a:buFont typeface="Arial" panose="020B0604020202020204" pitchFamily="34" charset="0"/>
+              <a:buChar char="•"/>
+              <a:defRPr sz="2000" kern="1200">
+                <a:solidFill>
+                  <a:schemeClr val="tx1"/>
+                </a:solidFill>
+                <a:latin typeface="+mn-lt"/>
+                <a:ea typeface="+mn-ea"/>
+                <a:cs typeface="+mn-cs"/>
+              </a:defRPr>
+            </a:lvl8pPr>
+            <a:lvl9pPr marL="3886200" indent="-228600" algn="l" defTabSz="914400" rtl="0" eaLnBrk="1" latinLnBrk="0" hangingPunct="1">
+              <a:spcBef>
+                <a:spcPct val="20000"/>
+              </a:spcBef>
+              <a:buFont typeface="Arial" panose="020B0604020202020204" pitchFamily="34" charset="0"/>
+              <a:buChar char="•"/>
+              <a:defRPr sz="2000" kern="1200">
+                <a:solidFill>
+                  <a:schemeClr val="tx1"/>
+                </a:solidFill>
+                <a:latin typeface="+mn-lt"/>
+                <a:ea typeface="+mn-ea"/>
+                <a:cs typeface="+mn-cs"/>
+              </a:defRPr>
+            </a:lvl9pPr>
+          </a:lstStyle>
+          <a:p>
+            <a:r>
+              <a:rPr lang="en-US" sz="2000" dirty="0" smtClean="0"/>
+              <a:t>First formulated by psychologists Arnold, Lazarus, and later by Scherer.</a:t>
+            </a:r>
+          </a:p>
+          <a:p>
+            <a:r>
+              <a:rPr lang="en-US" sz="2000" b="1" dirty="0"/>
+              <a:t>Appraisal theory </a:t>
+            </a:r>
+            <a:r>
+              <a:rPr lang="en-US" sz="2000" dirty="0"/>
+              <a:t>describes the </a:t>
+            </a:r>
+            <a:r>
+              <a:rPr lang="en-US" sz="2000" dirty="0">
+                <a:solidFill>
+                  <a:srgbClr val="FF0000"/>
+                </a:solidFill>
+              </a:rPr>
+              <a:t>cognitive process </a:t>
+            </a:r>
+            <a:r>
+              <a:rPr lang="en-US" sz="2000" dirty="0" smtClean="0"/>
+              <a:t>by which </a:t>
+            </a:r>
+            <a:r>
+              <a:rPr lang="en-US" sz="2000" dirty="0"/>
+              <a:t>an individual </a:t>
+            </a:r>
+            <a:r>
+              <a:rPr lang="en-US" sz="2000" dirty="0">
+                <a:solidFill>
+                  <a:srgbClr val="FF0000"/>
+                </a:solidFill>
+              </a:rPr>
+              <a:t>evaluates</a:t>
+            </a:r>
+            <a:r>
+              <a:rPr lang="en-US" sz="2000" dirty="0"/>
+              <a:t> the situation in the environment with respect </a:t>
+            </a:r>
+            <a:r>
+              <a:rPr lang="en-US" sz="2000" dirty="0" smtClean="0"/>
+              <a:t>to the </a:t>
+            </a:r>
+            <a:r>
+              <a:rPr lang="en-US" sz="2000" dirty="0">
+                <a:solidFill>
+                  <a:srgbClr val="FF0000"/>
+                </a:solidFill>
+              </a:rPr>
+              <a:t>individual's well-being</a:t>
+            </a:r>
+            <a:r>
+              <a:rPr lang="en-US" sz="2000" dirty="0"/>
+              <a:t> and triggers </a:t>
+            </a:r>
+            <a:r>
+              <a:rPr lang="en-US" sz="2000" dirty="0">
+                <a:solidFill>
+                  <a:srgbClr val="FF0000"/>
+                </a:solidFill>
+              </a:rPr>
+              <a:t>emotions</a:t>
+            </a:r>
+            <a:r>
+              <a:rPr lang="en-US" sz="2000" dirty="0"/>
+              <a:t> to control internal </a:t>
+            </a:r>
+            <a:r>
+              <a:rPr lang="en-US" sz="2000" dirty="0" smtClean="0"/>
+              <a:t>changes and </a:t>
+            </a:r>
+            <a:r>
+              <a:rPr lang="en-US" sz="2000" dirty="0"/>
+              <a:t>external actions</a:t>
+            </a:r>
+            <a:r>
+              <a:rPr lang="en-US" sz="2000" dirty="0" smtClean="0"/>
+              <a:t>.</a:t>
+            </a:r>
+          </a:p>
+          <a:p>
+            <a:r>
+              <a:rPr lang="en-US" sz="2000" dirty="0" smtClean="0"/>
+              <a:t>Cognitive appraisal process:</a:t>
+            </a:r>
+          </a:p>
+          <a:p>
+            <a:pPr lvl="1"/>
+            <a:r>
+              <a:rPr lang="en-US" sz="1800" dirty="0" smtClean="0"/>
+              <a:t>Distinct components of emotions,</a:t>
+            </a:r>
+          </a:p>
+          <a:p>
+            <a:pPr lvl="1"/>
+            <a:r>
+              <a:rPr lang="en-US" sz="1800" dirty="0" smtClean="0"/>
+              <a:t>Components are called appraisal variables,</a:t>
+            </a:r>
+          </a:p>
+          <a:p>
+            <a:pPr lvl="1"/>
+            <a:r>
+              <a:rPr lang="en-US" sz="1800" dirty="0" smtClean="0"/>
+              <a:t>Agent Evaluates the stimuli with respect to their consequences ;</a:t>
+            </a:r>
+          </a:p>
+          <a:p>
+            <a:pPr lvl="2"/>
+            <a:r>
+              <a:rPr lang="en-US" sz="1600" dirty="0" smtClean="0"/>
+              <a:t>According to Scherer’s appraisal objectives (i.e., relevance, implication, coping, and normative significance),</a:t>
+            </a:r>
+          </a:p>
+          <a:p>
+            <a:pPr lvl="2"/>
+            <a:r>
+              <a:rPr lang="en-US" sz="1600" dirty="0" smtClean="0"/>
+              <a:t>Objectives include different appraisal variables,</a:t>
+            </a:r>
+          </a:p>
+          <a:p>
+            <a:pPr lvl="1"/>
+            <a:r>
+              <a:rPr lang="en-US" sz="1800" dirty="0" smtClean="0"/>
+              <a:t>Specific values will be assigned to appraisal variables,</a:t>
+            </a:r>
+          </a:p>
+          <a:p>
+            <a:pPr lvl="1"/>
+            <a:r>
+              <a:rPr lang="en-US" sz="1800" dirty="0" smtClean="0"/>
+              <a:t>Determined appraisal variables are mapped onto a particular emotion,</a:t>
+            </a:r>
+          </a:p>
+          <a:p>
+            <a:pPr lvl="2"/>
+            <a:r>
+              <a:rPr lang="en-US" sz="1600" dirty="0" smtClean="0"/>
+              <a:t>Appraisal variables are the semantic primitives  fro representing emotions.</a:t>
+            </a:r>
+          </a:p>
+        </p:txBody>
+      </p:sp>
+      <p:sp>
+        <p:nvSpPr>
+          <p:cNvPr id="9" name="Title 1"/>
+          <p:cNvSpPr txBox="1">
+            <a:spLocks/>
+          </p:cNvSpPr>
+          <p:nvPr/>
+        </p:nvSpPr>
+        <p:spPr>
+          <a:xfrm>
+            <a:off x="457200" y="0"/>
+            <a:ext cx="8229600" cy="1143000"/>
+          </a:xfrm>
+          <a:prstGeom prst="rect">
+            <a:avLst/>
+          </a:prstGeom>
+        </p:spPr>
+        <p:txBody>
+          <a:bodyPr vert="horz" lIns="91440" tIns="45720" rIns="91440" bIns="45720" rtlCol="0" anchor="ctr">
+            <a:normAutofit/>
+          </a:bodyPr>
+          <a:lstStyle>
+            <a:lvl1pPr algn="ctr" defTabSz="914400" rtl="0" eaLnBrk="1" latinLnBrk="0" hangingPunct="1">
+              <a:spcBef>
+                <a:spcPct val="0"/>
+              </a:spcBef>
+              <a:buNone/>
+              <a:defRPr sz="4400" kern="1200">
+                <a:solidFill>
+                  <a:schemeClr val="tx1"/>
+                </a:solidFill>
+                <a:latin typeface="+mj-lt"/>
+                <a:ea typeface="+mj-ea"/>
+                <a:cs typeface="+mj-cs"/>
+              </a:defRPr>
+            </a:lvl1pPr>
+          </a:lstStyle>
+          <a:p>
+            <a:pPr algn="l"/>
+            <a:r>
+              <a:rPr lang="en-US" sz="2400" b="1" dirty="0" smtClean="0"/>
+              <a:t>Affective Computing </a:t>
+            </a:r>
+            <a:r>
+              <a:rPr lang="en-US" sz="2400" b="1" dirty="0"/>
+              <a:t>&gt; </a:t>
+            </a:r>
+            <a:r>
+              <a:rPr lang="en-US" sz="2400" b="1" dirty="0" smtClean="0"/>
+              <a:t>Appraisal theory</a:t>
+            </a:r>
+            <a:endParaRPr lang="en-US" sz="2200" b="1" i="1" dirty="0"/>
+          </a:p>
+        </p:txBody>
+      </p:sp>
+    </p:spTree>
+    <p:extLst>
+      <p:ext uri="{BB962C8B-B14F-4D97-AF65-F5344CB8AC3E}">
+        <p14:creationId xmlns:p14="http://schemas.microsoft.com/office/powerpoint/2010/main" val="2301773136"/>
+      </p:ext>
+    </p:extLst>
+  </p:cSld>
+  <p:clrMapOvr>
+    <a:masterClrMapping/>
+  </p:clrMapOvr>
+  <p:timing>
+    <p:tnLst>
+      <p:par>
+        <p:cTn id="1" dur="indefinite" restart="never" nodeType="tmRoot"/>
+      </p:par>
+    </p:tnLst>
+  </p:timing>
+</p:sld>
+</file>
+
+<file path=ppt/slides/slide22.xml><?xml version="1.0" encoding="utf-8"?>
+<p:sld xmlns:a="http://schemas.openxmlformats.org/drawingml/2006/main" xmlns:r="http://schemas.openxmlformats.org/officeDocument/2006/relationships" xmlns:p="http://schemas.openxmlformats.org/presentationml/2006/main">
+  <p:cSld>
+    <p:spTree>
+      <p:nvGrpSpPr>
+        <p:cNvPr id="1" name=""/>
+        <p:cNvGrpSpPr/>
+        <p:nvPr/>
+      </p:nvGrpSpPr>
+      <p:grpSpPr>
+        <a:xfrm>
+          <a:off x="0" y="0"/>
+          <a:ext cx="0" cy="0"/>
+          <a:chOff x="0" y="0"/>
+          <a:chExt cx="0" cy="0"/>
+        </a:xfrm>
+      </p:grpSpPr>
+      <p:sp>
+        <p:nvSpPr>
+          <p:cNvPr id="5" name="Content Placeholder 2"/>
+          <p:cNvSpPr txBox="1">
+            <a:spLocks/>
+          </p:cNvSpPr>
+          <p:nvPr/>
+        </p:nvSpPr>
+        <p:spPr>
+          <a:xfrm>
+            <a:off x="457199" y="1219201"/>
+            <a:ext cx="8206611" cy="5181599"/>
+          </a:xfrm>
+          <a:prstGeom prst="rect">
+            <a:avLst/>
+          </a:prstGeom>
+        </p:spPr>
+        <p:txBody>
+          <a:bodyPr vert="horz" lIns="91440" tIns="45720" rIns="91440" bIns="45720" rtlCol="0">
+            <a:normAutofit/>
+          </a:bodyPr>
+          <a:lstStyle>
+            <a:lvl1pPr marL="342900" indent="-342900" algn="l" defTabSz="914400" rtl="0" eaLnBrk="1" latinLnBrk="0" hangingPunct="1">
+              <a:spcBef>
+                <a:spcPct val="20000"/>
+              </a:spcBef>
+              <a:buFont typeface="Arial" panose="020B0604020202020204" pitchFamily="34" charset="0"/>
+              <a:buChar char="•"/>
+              <a:defRPr sz="3200" kern="1200">
+                <a:solidFill>
+                  <a:schemeClr val="tx1"/>
+                </a:solidFill>
+                <a:latin typeface="+mn-lt"/>
+                <a:ea typeface="+mn-ea"/>
+                <a:cs typeface="+mn-cs"/>
+              </a:defRPr>
+            </a:lvl1pPr>
+            <a:lvl2pPr marL="742950" indent="-285750" algn="l" defTabSz="914400" rtl="0" eaLnBrk="1" latinLnBrk="0" hangingPunct="1">
+              <a:spcBef>
+                <a:spcPct val="20000"/>
+              </a:spcBef>
+              <a:buFont typeface="Arial" panose="020B0604020202020204" pitchFamily="34" charset="0"/>
+              <a:buChar char="–"/>
+              <a:defRPr sz="2800" kern="1200">
+                <a:solidFill>
+                  <a:schemeClr val="tx1"/>
+                </a:solidFill>
+                <a:latin typeface="+mn-lt"/>
+                <a:ea typeface="+mn-ea"/>
+                <a:cs typeface="+mn-cs"/>
+              </a:defRPr>
+            </a:lvl2pPr>
+            <a:lvl3pPr marL="1143000" indent="-228600" algn="l" defTabSz="914400" rtl="0" eaLnBrk="1" latinLnBrk="0" hangingPunct="1">
+              <a:spcBef>
+                <a:spcPct val="20000"/>
+              </a:spcBef>
+              <a:buFont typeface="Arial" panose="020B0604020202020204" pitchFamily="34" charset="0"/>
+              <a:buChar char="•"/>
+              <a:defRPr sz="2400" kern="1200">
+                <a:solidFill>
+                  <a:schemeClr val="tx1"/>
+                </a:solidFill>
+                <a:latin typeface="+mn-lt"/>
+                <a:ea typeface="+mn-ea"/>
+                <a:cs typeface="+mn-cs"/>
+              </a:defRPr>
+            </a:lvl3pPr>
+            <a:lvl4pPr marL="1600200" indent="-228600" algn="l" defTabSz="914400" rtl="0" eaLnBrk="1" latinLnBrk="0" hangingPunct="1">
+              <a:spcBef>
+                <a:spcPct val="20000"/>
+              </a:spcBef>
+              <a:buFont typeface="Arial" panose="020B0604020202020204" pitchFamily="34" charset="0"/>
+              <a:buChar char="–"/>
+              <a:defRPr sz="2000" kern="1200">
+                <a:solidFill>
+                  <a:schemeClr val="tx1"/>
+                </a:solidFill>
+                <a:latin typeface="+mn-lt"/>
+                <a:ea typeface="+mn-ea"/>
+                <a:cs typeface="+mn-cs"/>
+              </a:defRPr>
+            </a:lvl4pPr>
+            <a:lvl5pPr marL="2057400" indent="-228600" algn="l" defTabSz="914400" rtl="0" eaLnBrk="1" latinLnBrk="0" hangingPunct="1">
+              <a:spcBef>
+                <a:spcPct val="20000"/>
+              </a:spcBef>
+              <a:buFont typeface="Arial" panose="020B0604020202020204" pitchFamily="34" charset="0"/>
+              <a:buChar char="»"/>
+              <a:defRPr sz="2000" kern="1200">
+                <a:solidFill>
+                  <a:schemeClr val="tx1"/>
+                </a:solidFill>
+                <a:latin typeface="+mn-lt"/>
+                <a:ea typeface="+mn-ea"/>
+                <a:cs typeface="+mn-cs"/>
+              </a:defRPr>
+            </a:lvl5pPr>
+            <a:lvl6pPr marL="2514600" indent="-228600" algn="l" defTabSz="914400" rtl="0" eaLnBrk="1" latinLnBrk="0" hangingPunct="1">
+              <a:spcBef>
+                <a:spcPct val="20000"/>
+              </a:spcBef>
+              <a:buFont typeface="Arial" panose="020B0604020202020204" pitchFamily="34" charset="0"/>
+              <a:buChar char="•"/>
+              <a:defRPr sz="2000" kern="1200">
+                <a:solidFill>
+                  <a:schemeClr val="tx1"/>
+                </a:solidFill>
+                <a:latin typeface="+mn-lt"/>
+                <a:ea typeface="+mn-ea"/>
+                <a:cs typeface="+mn-cs"/>
+              </a:defRPr>
+            </a:lvl6pPr>
+            <a:lvl7pPr marL="2971800" indent="-228600" algn="l" defTabSz="914400" rtl="0" eaLnBrk="1" latinLnBrk="0" hangingPunct="1">
+              <a:spcBef>
+                <a:spcPct val="20000"/>
+              </a:spcBef>
+              <a:buFont typeface="Arial" panose="020B0604020202020204" pitchFamily="34" charset="0"/>
+              <a:buChar char="•"/>
+              <a:defRPr sz="2000" kern="1200">
+                <a:solidFill>
+                  <a:schemeClr val="tx1"/>
+                </a:solidFill>
+                <a:latin typeface="+mn-lt"/>
+                <a:ea typeface="+mn-ea"/>
+                <a:cs typeface="+mn-cs"/>
+              </a:defRPr>
+            </a:lvl7pPr>
+            <a:lvl8pPr marL="3429000" indent="-228600" algn="l" defTabSz="914400" rtl="0" eaLnBrk="1" latinLnBrk="0" hangingPunct="1">
+              <a:spcBef>
+                <a:spcPct val="20000"/>
+              </a:spcBef>
+              <a:buFont typeface="Arial" panose="020B0604020202020204" pitchFamily="34" charset="0"/>
+              <a:buChar char="•"/>
+              <a:defRPr sz="2000" kern="1200">
+                <a:solidFill>
+                  <a:schemeClr val="tx1"/>
+                </a:solidFill>
+                <a:latin typeface="+mn-lt"/>
+                <a:ea typeface="+mn-ea"/>
+                <a:cs typeface="+mn-cs"/>
+              </a:defRPr>
+            </a:lvl8pPr>
+            <a:lvl9pPr marL="3886200" indent="-228600" algn="l" defTabSz="914400" rtl="0" eaLnBrk="1" latinLnBrk="0" hangingPunct="1">
+              <a:spcBef>
+                <a:spcPct val="20000"/>
+              </a:spcBef>
+              <a:buFont typeface="Arial" panose="020B0604020202020204" pitchFamily="34" charset="0"/>
+              <a:buChar char="•"/>
+              <a:defRPr sz="2000" kern="1200">
+                <a:solidFill>
+                  <a:schemeClr val="tx1"/>
+                </a:solidFill>
+                <a:latin typeface="+mn-lt"/>
+                <a:ea typeface="+mn-ea"/>
+                <a:cs typeface="+mn-cs"/>
+              </a:defRPr>
+            </a:lvl9pPr>
+          </a:lstStyle>
+          <a:p>
+            <a:r>
+              <a:rPr lang="en-US" sz="2000" dirty="0" smtClean="0"/>
+              <a:t>Appraisals are separable antecedents of emotions</a:t>
+            </a:r>
+          </a:p>
+          <a:p>
+            <a:r>
+              <a:rPr lang="en-US" sz="2000" dirty="0" smtClean="0"/>
+              <a:t>Overall process:</a:t>
+            </a:r>
+          </a:p>
+          <a:p>
+            <a:pPr lvl="1"/>
+            <a:r>
+              <a:rPr lang="en-US" sz="1800" dirty="0"/>
+              <a:t>Evaluation of the environment according to the internalized goals</a:t>
+            </a:r>
+          </a:p>
+          <a:p>
+            <a:pPr lvl="2"/>
+            <a:r>
+              <a:rPr lang="en-US" sz="1700" dirty="0"/>
+              <a:t>systematic assessment of several elements</a:t>
+            </a:r>
+          </a:p>
+          <a:p>
+            <a:pPr lvl="1"/>
+            <a:r>
+              <a:rPr lang="en-US" sz="1800" dirty="0"/>
+              <a:t>Outcome triggers emotions and coping strategies.</a:t>
+            </a:r>
+          </a:p>
+          <a:p>
+            <a:r>
+              <a:rPr lang="en-US" sz="2000" dirty="0" smtClean="0"/>
+              <a:t>Appraisal variables, e.g., relevance, desirability, expectedness, controllability.</a:t>
+            </a:r>
+          </a:p>
+          <a:p>
+            <a:r>
+              <a:rPr lang="en-US" sz="2000" dirty="0" smtClean="0"/>
+              <a:t>Coping process: </a:t>
+            </a:r>
+          </a:p>
+          <a:p>
+            <a:pPr lvl="1"/>
+            <a:r>
+              <a:rPr lang="en-US" sz="1800" dirty="0"/>
+              <a:t>Determines whether and how agent should respond to an event.</a:t>
+            </a:r>
+          </a:p>
+          <a:p>
+            <a:pPr lvl="1"/>
+            <a:r>
+              <a:rPr lang="en-US" sz="1800" dirty="0"/>
+              <a:t>Coping strategies control (enable or suppress) cognitive processes operate  on causal interpretation of the appraisals.</a:t>
+            </a:r>
+          </a:p>
+          <a:p>
+            <a:r>
+              <a:rPr lang="en-US" sz="2000" dirty="0" smtClean="0"/>
+              <a:t>Coping strategies can be grouped into different categories. For instance, problem-focused (planning) and emotion-focused (seeking social support for instrumental reasons) categories.</a:t>
+            </a:r>
+          </a:p>
+          <a:p>
+            <a:endParaRPr lang="en-US" sz="2000" dirty="0" smtClean="0"/>
+          </a:p>
+          <a:p>
+            <a:endParaRPr lang="en-US" sz="2000" dirty="0" smtClean="0"/>
+          </a:p>
+        </p:txBody>
+      </p:sp>
+      <p:sp>
+        <p:nvSpPr>
+          <p:cNvPr id="9" name="Title 1"/>
+          <p:cNvSpPr txBox="1">
+            <a:spLocks/>
+          </p:cNvSpPr>
+          <p:nvPr/>
+        </p:nvSpPr>
+        <p:spPr>
+          <a:xfrm>
+            <a:off x="304800" y="0"/>
+            <a:ext cx="8534400" cy="1143000"/>
+          </a:xfrm>
+          <a:prstGeom prst="rect">
+            <a:avLst/>
+          </a:prstGeom>
+        </p:spPr>
+        <p:txBody>
+          <a:bodyPr vert="horz" lIns="91440" tIns="45720" rIns="91440" bIns="45720" rtlCol="0" anchor="ctr">
+            <a:normAutofit/>
+          </a:bodyPr>
+          <a:lstStyle>
+            <a:lvl1pPr algn="ctr" defTabSz="914400" rtl="0" eaLnBrk="1" latinLnBrk="0" hangingPunct="1">
+              <a:spcBef>
+                <a:spcPct val="0"/>
+              </a:spcBef>
+              <a:buNone/>
+              <a:defRPr sz="4400" kern="1200">
+                <a:solidFill>
+                  <a:schemeClr val="tx1"/>
+                </a:solidFill>
+                <a:latin typeface="+mj-lt"/>
+                <a:ea typeface="+mj-ea"/>
+                <a:cs typeface="+mj-cs"/>
+              </a:defRPr>
+            </a:lvl1pPr>
+          </a:lstStyle>
+          <a:p>
+            <a:pPr algn="l"/>
+            <a:r>
+              <a:rPr lang="en-US" sz="2400" b="1" dirty="0" smtClean="0"/>
+              <a:t>Affective Computing </a:t>
+            </a:r>
+            <a:r>
+              <a:rPr lang="en-US" sz="2400" b="1" dirty="0"/>
+              <a:t>&gt; </a:t>
+            </a:r>
+            <a:r>
+              <a:rPr lang="en-US" sz="2400" b="1" dirty="0" smtClean="0"/>
+              <a:t>Appraisal theory: </a:t>
+            </a:r>
+            <a:r>
+              <a:rPr lang="en-US" sz="2000" b="1" i="1" dirty="0" smtClean="0"/>
+              <a:t>Appraisal &amp; Coping processes</a:t>
+            </a:r>
+            <a:endParaRPr lang="en-US" sz="2000" b="1" i="1" dirty="0"/>
+          </a:p>
+        </p:txBody>
+      </p:sp>
+    </p:spTree>
+    <p:extLst>
+      <p:ext uri="{BB962C8B-B14F-4D97-AF65-F5344CB8AC3E}">
+        <p14:creationId xmlns:p14="http://schemas.microsoft.com/office/powerpoint/2010/main" val="3191365511"/>
+      </p:ext>
+    </p:extLst>
+  </p:cSld>
+  <p:clrMapOvr>
+    <a:masterClrMapping/>
+  </p:clrMapOvr>
+  <p:timing>
+    <p:tnLst>
+      <p:par>
+        <p:cTn id="1" dur="indefinite" restart="never" nodeType="tmRoot"/>
+      </p:par>
+    </p:tnLst>
+  </p:timing>
+</p:sld>
+</file>
+
+<file path=ppt/slides/slide23.xml><?xml version="1.0" encoding="utf-8"?>
+<p:sld xmlns:a="http://schemas.openxmlformats.org/drawingml/2006/main" xmlns:r="http://schemas.openxmlformats.org/officeDocument/2006/relationships" xmlns:p="http://schemas.openxmlformats.org/presentationml/2006/main">
+  <p:cSld>
+    <p:spTree>
+      <p:nvGrpSpPr>
+        <p:cNvPr id="1" name=""/>
+        <p:cNvGrpSpPr/>
+        <p:nvPr/>
+      </p:nvGrpSpPr>
+      <p:grpSpPr>
+        <a:xfrm>
+          <a:off x="0" y="0"/>
+          <a:ext cx="0" cy="0"/>
+          <a:chOff x="0" y="0"/>
+          <a:chExt cx="0" cy="0"/>
+        </a:xfrm>
+      </p:grpSpPr>
+      <p:sp>
+        <p:nvSpPr>
+          <p:cNvPr id="5" name="Content Placeholder 2"/>
+          <p:cNvSpPr txBox="1">
+            <a:spLocks/>
+          </p:cNvSpPr>
+          <p:nvPr/>
+        </p:nvSpPr>
+        <p:spPr>
+          <a:xfrm>
+            <a:off x="457199" y="990600"/>
+            <a:ext cx="8206611" cy="5181599"/>
+          </a:xfrm>
+          <a:prstGeom prst="rect">
+            <a:avLst/>
+          </a:prstGeom>
+        </p:spPr>
+        <p:txBody>
+          <a:bodyPr vert="horz" lIns="91440" tIns="45720" rIns="91440" bIns="45720" rtlCol="0">
+            <a:normAutofit/>
+          </a:bodyPr>
+          <a:lstStyle>
+            <a:lvl1pPr marL="342900" indent="-342900" algn="l" defTabSz="914400" rtl="0" eaLnBrk="1" latinLnBrk="0" hangingPunct="1">
+              <a:spcBef>
+                <a:spcPct val="20000"/>
+              </a:spcBef>
+              <a:buFont typeface="Arial" panose="020B0604020202020204" pitchFamily="34" charset="0"/>
+              <a:buChar char="•"/>
+              <a:defRPr sz="3200" kern="1200">
+                <a:solidFill>
+                  <a:schemeClr val="tx1"/>
+                </a:solidFill>
+                <a:latin typeface="+mn-lt"/>
+                <a:ea typeface="+mn-ea"/>
+                <a:cs typeface="+mn-cs"/>
+              </a:defRPr>
+            </a:lvl1pPr>
+            <a:lvl2pPr marL="742950" indent="-285750" algn="l" defTabSz="914400" rtl="0" eaLnBrk="1" latinLnBrk="0" hangingPunct="1">
+              <a:spcBef>
+                <a:spcPct val="20000"/>
+              </a:spcBef>
+              <a:buFont typeface="Arial" panose="020B0604020202020204" pitchFamily="34" charset="0"/>
+              <a:buChar char="–"/>
+              <a:defRPr sz="2800" kern="1200">
+                <a:solidFill>
+                  <a:schemeClr val="tx1"/>
+                </a:solidFill>
+                <a:latin typeface="+mn-lt"/>
+                <a:ea typeface="+mn-ea"/>
+                <a:cs typeface="+mn-cs"/>
+              </a:defRPr>
+            </a:lvl2pPr>
+            <a:lvl3pPr marL="1143000" indent="-228600" algn="l" defTabSz="914400" rtl="0" eaLnBrk="1" latinLnBrk="0" hangingPunct="1">
+              <a:spcBef>
+                <a:spcPct val="20000"/>
+              </a:spcBef>
+              <a:buFont typeface="Arial" panose="020B0604020202020204" pitchFamily="34" charset="0"/>
+              <a:buChar char="•"/>
+              <a:defRPr sz="2400" kern="1200">
+                <a:solidFill>
+                  <a:schemeClr val="tx1"/>
+                </a:solidFill>
+                <a:latin typeface="+mn-lt"/>
+                <a:ea typeface="+mn-ea"/>
+                <a:cs typeface="+mn-cs"/>
+              </a:defRPr>
+            </a:lvl3pPr>
+            <a:lvl4pPr marL="1600200" indent="-228600" algn="l" defTabSz="914400" rtl="0" eaLnBrk="1" latinLnBrk="0" hangingPunct="1">
+              <a:spcBef>
+                <a:spcPct val="20000"/>
+              </a:spcBef>
+              <a:buFont typeface="Arial" panose="020B0604020202020204" pitchFamily="34" charset="0"/>
+              <a:buChar char="–"/>
+              <a:defRPr sz="2000" kern="1200">
+                <a:solidFill>
+                  <a:schemeClr val="tx1"/>
+                </a:solidFill>
+                <a:latin typeface="+mn-lt"/>
+                <a:ea typeface="+mn-ea"/>
+                <a:cs typeface="+mn-cs"/>
+              </a:defRPr>
+            </a:lvl4pPr>
+            <a:lvl5pPr marL="2057400" indent="-228600" algn="l" defTabSz="914400" rtl="0" eaLnBrk="1" latinLnBrk="0" hangingPunct="1">
+              <a:spcBef>
+                <a:spcPct val="20000"/>
+              </a:spcBef>
+              <a:buFont typeface="Arial" panose="020B0604020202020204" pitchFamily="34" charset="0"/>
+              <a:buChar char="»"/>
+              <a:defRPr sz="2000" kern="1200">
+                <a:solidFill>
+                  <a:schemeClr val="tx1"/>
+                </a:solidFill>
+                <a:latin typeface="+mn-lt"/>
+                <a:ea typeface="+mn-ea"/>
+                <a:cs typeface="+mn-cs"/>
+              </a:defRPr>
+            </a:lvl5pPr>
+            <a:lvl6pPr marL="2514600" indent="-228600" algn="l" defTabSz="914400" rtl="0" eaLnBrk="1" latinLnBrk="0" hangingPunct="1">
+              <a:spcBef>
+                <a:spcPct val="20000"/>
+              </a:spcBef>
+              <a:buFont typeface="Arial" panose="020B0604020202020204" pitchFamily="34" charset="0"/>
+              <a:buChar char="•"/>
+              <a:defRPr sz="2000" kern="1200">
+                <a:solidFill>
+                  <a:schemeClr val="tx1"/>
+                </a:solidFill>
+                <a:latin typeface="+mn-lt"/>
+                <a:ea typeface="+mn-ea"/>
+                <a:cs typeface="+mn-cs"/>
+              </a:defRPr>
+            </a:lvl6pPr>
+            <a:lvl7pPr marL="2971800" indent="-228600" algn="l" defTabSz="914400" rtl="0" eaLnBrk="1" latinLnBrk="0" hangingPunct="1">
+              <a:spcBef>
+                <a:spcPct val="20000"/>
+              </a:spcBef>
+              <a:buFont typeface="Arial" panose="020B0604020202020204" pitchFamily="34" charset="0"/>
+              <a:buChar char="•"/>
+              <a:defRPr sz="2000" kern="1200">
+                <a:solidFill>
+                  <a:schemeClr val="tx1"/>
+                </a:solidFill>
+                <a:latin typeface="+mn-lt"/>
+                <a:ea typeface="+mn-ea"/>
+                <a:cs typeface="+mn-cs"/>
+              </a:defRPr>
+            </a:lvl7pPr>
+            <a:lvl8pPr marL="3429000" indent="-228600" algn="l" defTabSz="914400" rtl="0" eaLnBrk="1" latinLnBrk="0" hangingPunct="1">
+              <a:spcBef>
+                <a:spcPct val="20000"/>
+              </a:spcBef>
+              <a:buFont typeface="Arial" panose="020B0604020202020204" pitchFamily="34" charset="0"/>
+              <a:buChar char="•"/>
+              <a:defRPr sz="2000" kern="1200">
+                <a:solidFill>
+                  <a:schemeClr val="tx1"/>
+                </a:solidFill>
+                <a:latin typeface="+mn-lt"/>
+                <a:ea typeface="+mn-ea"/>
+                <a:cs typeface="+mn-cs"/>
+              </a:defRPr>
+            </a:lvl8pPr>
+            <a:lvl9pPr marL="3886200" indent="-228600" algn="l" defTabSz="914400" rtl="0" eaLnBrk="1" latinLnBrk="0" hangingPunct="1">
+              <a:spcBef>
+                <a:spcPct val="20000"/>
+              </a:spcBef>
+              <a:buFont typeface="Arial" panose="020B0604020202020204" pitchFamily="34" charset="0"/>
+              <a:buChar char="•"/>
+              <a:defRPr sz="2000" kern="1200">
+                <a:solidFill>
+                  <a:schemeClr val="tx1"/>
+                </a:solidFill>
+                <a:latin typeface="+mn-lt"/>
+                <a:ea typeface="+mn-ea"/>
+                <a:cs typeface="+mn-cs"/>
+              </a:defRPr>
+            </a:lvl9pPr>
+          </a:lstStyle>
+          <a:p>
+            <a:r>
+              <a:rPr lang="en-US" sz="2000" dirty="0" smtClean="0"/>
+              <a:t>Similar </a:t>
+            </a:r>
+            <a:r>
+              <a:rPr lang="en-US" sz="2000" dirty="0"/>
+              <a:t>to </a:t>
+            </a:r>
+            <a:r>
+              <a:rPr lang="en-US" sz="2000" dirty="0" smtClean="0"/>
+              <a:t>Lazarus’ and Scherer’s cognitive views.</a:t>
+            </a:r>
+          </a:p>
+          <a:p>
+            <a:r>
+              <a:rPr lang="en-US" sz="2000" dirty="0"/>
+              <a:t>The model categorizes emotions based on their underlying appraisal patterns</a:t>
+            </a:r>
+            <a:r>
+              <a:rPr lang="en-US" sz="2000" dirty="0" smtClean="0"/>
+              <a:t>.</a:t>
+            </a:r>
+          </a:p>
+          <a:p>
+            <a:r>
+              <a:rPr lang="en-US" sz="2000" dirty="0" smtClean="0"/>
+              <a:t>Patterns are fundamental criteria and involve: </a:t>
+            </a:r>
+          </a:p>
+          <a:p>
+            <a:pPr lvl="1"/>
+            <a:r>
+              <a:rPr lang="en-US" sz="1800" dirty="0"/>
+              <a:t>One’s focus of attention</a:t>
+            </a:r>
+          </a:p>
+          <a:p>
+            <a:pPr lvl="1"/>
+            <a:r>
+              <a:rPr lang="en-US" sz="1800" dirty="0"/>
+              <a:t>One’s concern</a:t>
+            </a:r>
+          </a:p>
+          <a:p>
+            <a:pPr lvl="1"/>
+            <a:r>
+              <a:rPr lang="en-US" sz="1800" dirty="0"/>
+              <a:t>One’s appraisals</a:t>
+            </a:r>
+          </a:p>
+          <a:p>
+            <a:r>
+              <a:rPr lang="en-US" sz="2000" dirty="0" smtClean="0"/>
+              <a:t>All emotion types (i.e., six) in </a:t>
+            </a:r>
+            <a:r>
+              <a:rPr lang="en-US" sz="2000" dirty="0"/>
+              <a:t>a group share the same cognitive pattern</a:t>
+            </a:r>
+            <a:r>
+              <a:rPr lang="en-US" sz="2000" dirty="0" smtClean="0"/>
+              <a:t>.</a:t>
+            </a:r>
+          </a:p>
+          <a:p>
+            <a:r>
+              <a:rPr lang="en-US" sz="2000" dirty="0"/>
+              <a:t>OCC model introduces some global variables of an </a:t>
+            </a:r>
+            <a:r>
+              <a:rPr lang="en-US" sz="2000" dirty="0" smtClean="0"/>
+              <a:t>emotion's intensity </a:t>
+            </a:r>
+            <a:r>
+              <a:rPr lang="en-US" sz="2000" dirty="0"/>
+              <a:t>to distinguish all types of </a:t>
+            </a:r>
+            <a:r>
+              <a:rPr lang="en-US" sz="2000" dirty="0" smtClean="0"/>
+              <a:t>emotions.</a:t>
+            </a:r>
+          </a:p>
+        </p:txBody>
+      </p:sp>
+      <p:sp>
+        <p:nvSpPr>
+          <p:cNvPr id="9" name="Title 1"/>
+          <p:cNvSpPr txBox="1">
+            <a:spLocks/>
+          </p:cNvSpPr>
+          <p:nvPr/>
+        </p:nvSpPr>
+        <p:spPr>
+          <a:xfrm>
+            <a:off x="0" y="0"/>
+            <a:ext cx="9144000" cy="1143000"/>
+          </a:xfrm>
+          <a:prstGeom prst="rect">
+            <a:avLst/>
+          </a:prstGeom>
+        </p:spPr>
+        <p:txBody>
+          <a:bodyPr vert="horz" lIns="91440" tIns="45720" rIns="91440" bIns="45720" rtlCol="0" anchor="ctr">
+            <a:normAutofit/>
+          </a:bodyPr>
+          <a:lstStyle>
+            <a:lvl1pPr algn="ctr" defTabSz="914400" rtl="0" eaLnBrk="1" latinLnBrk="0" hangingPunct="1">
+              <a:spcBef>
+                <a:spcPct val="0"/>
+              </a:spcBef>
+              <a:buNone/>
+              <a:defRPr sz="4400" kern="1200">
+                <a:solidFill>
+                  <a:schemeClr val="tx1"/>
+                </a:solidFill>
+                <a:latin typeface="+mj-lt"/>
+                <a:ea typeface="+mj-ea"/>
+                <a:cs typeface="+mj-cs"/>
+              </a:defRPr>
+            </a:lvl1pPr>
+          </a:lstStyle>
+          <a:p>
+            <a:pPr algn="l"/>
+            <a:r>
+              <a:rPr lang="en-US" sz="2400" b="1" dirty="0" smtClean="0"/>
+              <a:t>Affective Computing </a:t>
+            </a:r>
+            <a:r>
+              <a:rPr lang="en-US" sz="2400" b="1" dirty="0"/>
+              <a:t>&gt; </a:t>
+            </a:r>
+            <a:r>
+              <a:rPr lang="en-US" sz="2400" b="1" dirty="0"/>
+              <a:t>Appraisal theory: </a:t>
+            </a:r>
+            <a:r>
+              <a:rPr lang="en-US" sz="2000" b="1" i="1" dirty="0" smtClean="0"/>
+              <a:t>OCC – A structural Appraisal Theory</a:t>
+            </a:r>
+            <a:endParaRPr lang="en-US" sz="2000" b="1" i="1" dirty="0"/>
+          </a:p>
+        </p:txBody>
+      </p:sp>
+      <p:pic>
+        <p:nvPicPr>
+          <p:cNvPr id="1026" name="Picture 2" descr="C:\Users\Mohammad\Documents\GitHub\CompExam2\figure\occ.png"/>
+          <p:cNvPicPr>
+            <a:picLocks noChangeAspect="1" noChangeArrowheads="1"/>
+          </p:cNvPicPr>
+          <p:nvPr/>
+        </p:nvPicPr>
+        <p:blipFill>
+          <a:blip r:embed="rId3" cstate="print">
+            <a:extLst>
+              <a:ext uri="{28A0092B-C50C-407E-A947-70E740481C1C}">
+                <a14:useLocalDpi xmlns:a14="http://schemas.microsoft.com/office/drawing/2010/main" val="0"/>
+              </a:ext>
+            </a:extLst>
+          </a:blip>
+          <a:srcRect/>
+          <a:stretch>
+            <a:fillRect/>
+          </a:stretch>
+        </p:blipFill>
+        <p:spPr bwMode="auto">
+          <a:xfrm>
+            <a:off x="2119309" y="4554415"/>
+            <a:ext cx="4905382" cy="2232059"/>
+          </a:xfrm>
+          <a:prstGeom prst="rect">
+            <a:avLst/>
+          </a:prstGeom>
+          <a:noFill/>
+          <a:extLst>
+            <a:ext uri="{909E8E84-426E-40DD-AFC4-6F175D3DCCD1}">
+              <a14:hiddenFill xmlns:a14="http://schemas.microsoft.com/office/drawing/2010/main">
+                <a:solidFill>
+                  <a:srgbClr val="FFFFFF"/>
+                </a:solidFill>
+              </a14:hiddenFill>
+            </a:ext>
+          </a:extLst>
+        </p:spPr>
+      </p:pic>
+    </p:spTree>
+    <p:extLst>
+      <p:ext uri="{BB962C8B-B14F-4D97-AF65-F5344CB8AC3E}">
+        <p14:creationId xmlns:p14="http://schemas.microsoft.com/office/powerpoint/2010/main" val="3007542857"/>
+      </p:ext>
+    </p:extLst>
+  </p:cSld>
+  <p:clrMapOvr>
+    <a:masterClrMapping/>
+  </p:clrMapOvr>
+  <p:timing>
+    <p:tnLst>
+      <p:par>
+        <p:cTn id="1" dur="indefinite" restart="never" nodeType="tmRoot"/>
+      </p:par>
+    </p:tnLst>
+  </p:timing>
+</p:sld>
+</file>
+
+<file path=ppt/slides/slide24.xml><?xml version="1.0" encoding="utf-8"?>
 <p:sld xmlns:a="http://schemas.openxmlformats.org/drawingml/2006/main" xmlns:r="http://schemas.openxmlformats.org/officeDocument/2006/relationships" xmlns:p="http://schemas.openxmlformats.org/presentationml/2006/main">
   <p:cSld>
     <p:spTree>

--- a/presentation/PhD-comprehensive-exam.pptx
+++ b/presentation/PhD-comprehensive-exam.pptx
@@ -5,7 +5,7 @@
     <p:sldMasterId id="2147483648" r:id="rId1"/>
   </p:sldMasterIdLst>
   <p:notesMasterIdLst>
-    <p:notesMasterId r:id="rId26"/>
+    <p:notesMasterId r:id="rId28"/>
   </p:notesMasterIdLst>
   <p:sldIdLst>
     <p:sldId id="257" r:id="rId2"/>
@@ -31,7 +31,9 @@
     <p:sldId id="330" r:id="rId22"/>
     <p:sldId id="331" r:id="rId23"/>
     <p:sldId id="332" r:id="rId24"/>
-    <p:sldId id="259" r:id="rId25"/>
+    <p:sldId id="333" r:id="rId25"/>
+    <p:sldId id="334" r:id="rId26"/>
+    <p:sldId id="259" r:id="rId27"/>
   </p:sldIdLst>
   <p:sldSz cx="9144000" cy="6858000" type="screen4x3"/>
   <p:notesSz cx="6858000" cy="9144000"/>
@@ -1561,6 +1563,256 @@
             <a:fld id="{D91B34AF-DFC3-47C6-893A-07AE93C6324A}" type="slidenum">
               <a:rPr lang="en-US" smtClean="0"/>
               <a:t>23</a:t>
+            </a:fld>
+            <a:endParaRPr lang="en-US"/>
+          </a:p>
+        </p:txBody>
+      </p:sp>
+    </p:spTree>
+    <p:extLst>
+      <p:ext uri="{BB962C8B-B14F-4D97-AF65-F5344CB8AC3E}">
+        <p14:creationId xmlns:p14="http://schemas.microsoft.com/office/powerpoint/2010/main" val="1845102120"/>
+      </p:ext>
+    </p:extLst>
+  </p:cSld>
+  <p:clrMapOvr>
+    <a:masterClrMapping/>
+  </p:clrMapOvr>
+</p:notes>
+</file>
+
+<file path=ppt/notesSlides/notesSlide21.xml><?xml version="1.0" encoding="utf-8"?>
+<p:notes xmlns:a="http://schemas.openxmlformats.org/drawingml/2006/main" xmlns:r="http://schemas.openxmlformats.org/officeDocument/2006/relationships" xmlns:p="http://schemas.openxmlformats.org/presentationml/2006/main">
+  <p:cSld>
+    <p:spTree>
+      <p:nvGrpSpPr>
+        <p:cNvPr id="1" name=""/>
+        <p:cNvGrpSpPr/>
+        <p:nvPr/>
+      </p:nvGrpSpPr>
+      <p:grpSpPr>
+        <a:xfrm>
+          <a:off x="0" y="0"/>
+          <a:ext cx="0" cy="0"/>
+          <a:chOff x="0" y="0"/>
+          <a:chExt cx="0" cy="0"/>
+        </a:xfrm>
+      </p:grpSpPr>
+      <p:sp>
+        <p:nvSpPr>
+          <p:cNvPr id="2" name="Slide Image Placeholder 1"/>
+          <p:cNvSpPr>
+            <a:spLocks noGrp="1" noRot="1" noChangeAspect="1"/>
+          </p:cNvSpPr>
+          <p:nvPr>
+            <p:ph type="sldImg"/>
+          </p:nvPr>
+        </p:nvSpPr>
+        <p:spPr/>
+      </p:sp>
+      <p:sp>
+        <p:nvSpPr>
+          <p:cNvPr id="3" name="Notes Placeholder 2"/>
+          <p:cNvSpPr>
+            <a:spLocks noGrp="1"/>
+          </p:cNvSpPr>
+          <p:nvPr>
+            <p:ph type="body" idx="1"/>
+          </p:nvPr>
+        </p:nvSpPr>
+        <p:spPr/>
+        <p:txBody>
+          <a:bodyPr/>
+          <a:lstStyle/>
+          <a:p>
+            <a:r>
+              <a:rPr lang="en-US" dirty="0" smtClean="0"/>
+              <a:t>- Two dimensions that are commonly proposed to describe emotions are valence and physiological arousal.</a:t>
+            </a:r>
+          </a:p>
+          <a:p>
+            <a:endParaRPr lang="en-US" dirty="0" smtClean="0"/>
+          </a:p>
+          <a:p>
+            <a:pPr marL="171450" indent="-171450">
+              <a:buFontTx/>
+              <a:buChar char="-"/>
+            </a:pPr>
+            <a:r>
+              <a:rPr lang="en-US" dirty="0" smtClean="0"/>
+              <a:t>Russell suggested that affective states are all related to each other systematically through what is called core affect which is describable as a point in a space between two bipolar dimensions.</a:t>
+            </a:r>
+          </a:p>
+          <a:p>
+            <a:pPr marL="171450" indent="-171450">
+              <a:buFontTx/>
+              <a:buChar char="-"/>
+            </a:pPr>
+            <a:endParaRPr lang="en-US" dirty="0" smtClean="0"/>
+          </a:p>
+          <a:p>
+            <a:pPr marL="171450" indent="-171450">
+              <a:buFontTx/>
+              <a:buChar char="-"/>
+            </a:pPr>
+            <a:r>
+              <a:rPr lang="en-US" dirty="0" smtClean="0"/>
+              <a:t>Emotions are describable</a:t>
+            </a:r>
+            <a:r>
+              <a:rPr lang="en-US" baseline="0" dirty="0" smtClean="0"/>
+              <a:t> by core affect.</a:t>
+            </a:r>
+          </a:p>
+          <a:p>
+            <a:pPr marL="171450" indent="-171450">
+              <a:buFontTx/>
+              <a:buChar char="-"/>
+            </a:pPr>
+            <a:endParaRPr lang="en-US" baseline="0" dirty="0" smtClean="0"/>
+          </a:p>
+          <a:p>
+            <a:pPr marL="171450" indent="-171450">
+              <a:buFontTx/>
+              <a:buChar char="-"/>
+            </a:pPr>
+            <a:r>
+              <a:rPr lang="en-US" dirty="0" smtClean="0"/>
+              <a:t>One dimension is valence or how good or bad objects and events are for a being ranging from pleasant to unpleasant. The other dimension is arousal, ranging from calm to excited.</a:t>
+            </a:r>
+          </a:p>
+          <a:p>
+            <a:pPr marL="171450" indent="-171450">
+              <a:buFontTx/>
+              <a:buChar char="-"/>
+            </a:pPr>
+            <a:endParaRPr lang="en-US" dirty="0" smtClean="0"/>
+          </a:p>
+          <a:p>
+            <a:pPr marL="171450" indent="-171450">
+              <a:buFontTx/>
+              <a:buChar char="-"/>
+            </a:pPr>
+            <a:r>
+              <a:rPr lang="en-US" dirty="0" smtClean="0"/>
+              <a:t>Problem: Sometimes two-dimensional space cannot easily differentiate among emotions. Hence, some models incorporate another dimension.</a:t>
+            </a:r>
+          </a:p>
+          <a:p>
+            <a:pPr marL="171450" indent="-171450">
+              <a:buFontTx/>
+              <a:buChar char="-"/>
+            </a:pPr>
+            <a:endParaRPr lang="en-US" dirty="0"/>
+          </a:p>
+        </p:txBody>
+      </p:sp>
+      <p:sp>
+        <p:nvSpPr>
+          <p:cNvPr id="4" name="Slide Number Placeholder 3"/>
+          <p:cNvSpPr>
+            <a:spLocks noGrp="1"/>
+          </p:cNvSpPr>
+          <p:nvPr>
+            <p:ph type="sldNum" sz="quarter" idx="10"/>
+          </p:nvPr>
+        </p:nvSpPr>
+        <p:spPr/>
+        <p:txBody>
+          <a:bodyPr/>
+          <a:lstStyle/>
+          <a:p>
+            <a:fld id="{D91B34AF-DFC3-47C6-893A-07AE93C6324A}" type="slidenum">
+              <a:rPr lang="en-US" smtClean="0"/>
+              <a:t>24</a:t>
+            </a:fld>
+            <a:endParaRPr lang="en-US"/>
+          </a:p>
+        </p:txBody>
+      </p:sp>
+    </p:spTree>
+    <p:extLst>
+      <p:ext uri="{BB962C8B-B14F-4D97-AF65-F5344CB8AC3E}">
+        <p14:creationId xmlns:p14="http://schemas.microsoft.com/office/powerpoint/2010/main" val="1845102120"/>
+      </p:ext>
+    </p:extLst>
+  </p:cSld>
+  <p:clrMapOvr>
+    <a:masterClrMapping/>
+  </p:clrMapOvr>
+</p:notes>
+</file>
+
+<file path=ppt/notesSlides/notesSlide22.xml><?xml version="1.0" encoding="utf-8"?>
+<p:notes xmlns:a="http://schemas.openxmlformats.org/drawingml/2006/main" xmlns:r="http://schemas.openxmlformats.org/officeDocument/2006/relationships" xmlns:p="http://schemas.openxmlformats.org/presentationml/2006/main">
+  <p:cSld>
+    <p:spTree>
+      <p:nvGrpSpPr>
+        <p:cNvPr id="1" name=""/>
+        <p:cNvGrpSpPr/>
+        <p:nvPr/>
+      </p:nvGrpSpPr>
+      <p:grpSpPr>
+        <a:xfrm>
+          <a:off x="0" y="0"/>
+          <a:ext cx="0" cy="0"/>
+          <a:chOff x="0" y="0"/>
+          <a:chExt cx="0" cy="0"/>
+        </a:xfrm>
+      </p:grpSpPr>
+      <p:sp>
+        <p:nvSpPr>
+          <p:cNvPr id="2" name="Slide Image Placeholder 1"/>
+          <p:cNvSpPr>
+            <a:spLocks noGrp="1" noRot="1" noChangeAspect="1"/>
+          </p:cNvSpPr>
+          <p:nvPr>
+            <p:ph type="sldImg"/>
+          </p:nvPr>
+        </p:nvSpPr>
+        <p:spPr/>
+      </p:sp>
+      <p:sp>
+        <p:nvSpPr>
+          <p:cNvPr id="3" name="Notes Placeholder 2"/>
+          <p:cNvSpPr>
+            <a:spLocks noGrp="1"/>
+          </p:cNvSpPr>
+          <p:nvPr>
+            <p:ph type="body" idx="1"/>
+          </p:nvPr>
+        </p:nvSpPr>
+        <p:spPr/>
+        <p:txBody>
+          <a:bodyPr/>
+          <a:lstStyle/>
+          <a:p>
+            <a:pPr marL="171450" indent="-171450">
+              <a:buFontTx/>
+              <a:buChar char="-"/>
+            </a:pPr>
+            <a:endParaRPr lang="en-US" dirty="0"/>
+          </a:p>
+        </p:txBody>
+      </p:sp>
+      <p:sp>
+        <p:nvSpPr>
+          <p:cNvPr id="4" name="Slide Number Placeholder 3"/>
+          <p:cNvSpPr>
+            <a:spLocks noGrp="1"/>
+          </p:cNvSpPr>
+          <p:nvPr>
+            <p:ph type="sldNum" sz="quarter" idx="10"/>
+          </p:nvPr>
+        </p:nvSpPr>
+        <p:spPr/>
+        <p:txBody>
+          <a:bodyPr/>
+          <a:lstStyle/>
+          <a:p>
+            <a:fld id="{D91B34AF-DFC3-47C6-893A-07AE93C6324A}" type="slidenum">
+              <a:rPr lang="en-US" smtClean="0"/>
+              <a:t>25</a:t>
             </a:fld>
             <a:endParaRPr lang="en-US"/>
           </a:p>
@@ -11342,7 +11594,7 @@
             </a:r>
             <a:r>
               <a:rPr lang="en-US" sz="2400" b="1" dirty="0" smtClean="0"/>
-              <a:t>Appraisal theory</a:t>
+              <a:t>Appraisal Theory</a:t>
             </a:r>
             <a:endParaRPr lang="en-US" sz="2200" b="1" i="1" dirty="0"/>
           </a:p>
@@ -11665,7 +11917,7 @@
             </a:r>
             <a:r>
               <a:rPr lang="en-US" sz="2400" b="1" dirty="0" smtClean="0"/>
-              <a:t>Appraisal theory: </a:t>
+              <a:t>Appraisal Theory: </a:t>
             </a:r>
             <a:r>
               <a:rPr lang="en-US" sz="2000" b="1" i="1" dirty="0" smtClean="0"/>
@@ -12004,7 +12256,15 @@
             </a:r>
             <a:r>
               <a:rPr lang="en-US" sz="2400" b="1" dirty="0"/>
-              <a:t>Appraisal theory: </a:t>
+              <a:t>Appraisal </a:t>
+            </a:r>
+            <a:r>
+              <a:rPr lang="en-US" sz="2400" b="1" dirty="0" smtClean="0"/>
+              <a:t>Theory</a:t>
+            </a:r>
+            <a:r>
+              <a:rPr lang="en-US" sz="2400" b="1" dirty="0"/>
+              <a:t>: </a:t>
             </a:r>
             <a:r>
               <a:rPr lang="en-US" sz="2000" b="1" i="1" dirty="0" smtClean="0"/>
@@ -12076,6 +12336,626 @@
 </file>
 
 <file path=ppt/slides/slide24.xml><?xml version="1.0" encoding="utf-8"?>
+<p:sld xmlns:a="http://schemas.openxmlformats.org/drawingml/2006/main" xmlns:r="http://schemas.openxmlformats.org/officeDocument/2006/relationships" xmlns:p="http://schemas.openxmlformats.org/presentationml/2006/main">
+  <p:cSld>
+    <p:spTree>
+      <p:nvGrpSpPr>
+        <p:cNvPr id="1" name=""/>
+        <p:cNvGrpSpPr/>
+        <p:nvPr/>
+      </p:nvGrpSpPr>
+      <p:grpSpPr>
+        <a:xfrm>
+          <a:off x="0" y="0"/>
+          <a:ext cx="0" cy="0"/>
+          <a:chOff x="0" y="0"/>
+          <a:chExt cx="0" cy="0"/>
+        </a:xfrm>
+      </p:grpSpPr>
+      <p:sp>
+        <p:nvSpPr>
+          <p:cNvPr id="5" name="Content Placeholder 2"/>
+          <p:cNvSpPr txBox="1">
+            <a:spLocks/>
+          </p:cNvSpPr>
+          <p:nvPr/>
+        </p:nvSpPr>
+        <p:spPr>
+          <a:xfrm>
+            <a:off x="457199" y="1219201"/>
+            <a:ext cx="8206611" cy="5181599"/>
+          </a:xfrm>
+          <a:prstGeom prst="rect">
+            <a:avLst/>
+          </a:prstGeom>
+        </p:spPr>
+        <p:txBody>
+          <a:bodyPr vert="horz" lIns="91440" tIns="45720" rIns="91440" bIns="45720" rtlCol="0">
+            <a:normAutofit/>
+          </a:bodyPr>
+          <a:lstStyle>
+            <a:lvl1pPr marL="342900" indent="-342900" algn="l" defTabSz="914400" rtl="0" eaLnBrk="1" latinLnBrk="0" hangingPunct="1">
+              <a:spcBef>
+                <a:spcPct val="20000"/>
+              </a:spcBef>
+              <a:buFont typeface="Arial" panose="020B0604020202020204" pitchFamily="34" charset="0"/>
+              <a:buChar char="•"/>
+              <a:defRPr sz="3200" kern="1200">
+                <a:solidFill>
+                  <a:schemeClr val="tx1"/>
+                </a:solidFill>
+                <a:latin typeface="+mn-lt"/>
+                <a:ea typeface="+mn-ea"/>
+                <a:cs typeface="+mn-cs"/>
+              </a:defRPr>
+            </a:lvl1pPr>
+            <a:lvl2pPr marL="742950" indent="-285750" algn="l" defTabSz="914400" rtl="0" eaLnBrk="1" latinLnBrk="0" hangingPunct="1">
+              <a:spcBef>
+                <a:spcPct val="20000"/>
+              </a:spcBef>
+              <a:buFont typeface="Arial" panose="020B0604020202020204" pitchFamily="34" charset="0"/>
+              <a:buChar char="–"/>
+              <a:defRPr sz="2800" kern="1200">
+                <a:solidFill>
+                  <a:schemeClr val="tx1"/>
+                </a:solidFill>
+                <a:latin typeface="+mn-lt"/>
+                <a:ea typeface="+mn-ea"/>
+                <a:cs typeface="+mn-cs"/>
+              </a:defRPr>
+            </a:lvl2pPr>
+            <a:lvl3pPr marL="1143000" indent="-228600" algn="l" defTabSz="914400" rtl="0" eaLnBrk="1" latinLnBrk="0" hangingPunct="1">
+              <a:spcBef>
+                <a:spcPct val="20000"/>
+              </a:spcBef>
+              <a:buFont typeface="Arial" panose="020B0604020202020204" pitchFamily="34" charset="0"/>
+              <a:buChar char="•"/>
+              <a:defRPr sz="2400" kern="1200">
+                <a:solidFill>
+                  <a:schemeClr val="tx1"/>
+                </a:solidFill>
+                <a:latin typeface="+mn-lt"/>
+                <a:ea typeface="+mn-ea"/>
+                <a:cs typeface="+mn-cs"/>
+              </a:defRPr>
+            </a:lvl3pPr>
+            <a:lvl4pPr marL="1600200" indent="-228600" algn="l" defTabSz="914400" rtl="0" eaLnBrk="1" latinLnBrk="0" hangingPunct="1">
+              <a:spcBef>
+                <a:spcPct val="20000"/>
+              </a:spcBef>
+              <a:buFont typeface="Arial" panose="020B0604020202020204" pitchFamily="34" charset="0"/>
+              <a:buChar char="–"/>
+              <a:defRPr sz="2000" kern="1200">
+                <a:solidFill>
+                  <a:schemeClr val="tx1"/>
+                </a:solidFill>
+                <a:latin typeface="+mn-lt"/>
+                <a:ea typeface="+mn-ea"/>
+                <a:cs typeface="+mn-cs"/>
+              </a:defRPr>
+            </a:lvl4pPr>
+            <a:lvl5pPr marL="2057400" indent="-228600" algn="l" defTabSz="914400" rtl="0" eaLnBrk="1" latinLnBrk="0" hangingPunct="1">
+              <a:spcBef>
+                <a:spcPct val="20000"/>
+              </a:spcBef>
+              <a:buFont typeface="Arial" panose="020B0604020202020204" pitchFamily="34" charset="0"/>
+              <a:buChar char="»"/>
+              <a:defRPr sz="2000" kern="1200">
+                <a:solidFill>
+                  <a:schemeClr val="tx1"/>
+                </a:solidFill>
+                <a:latin typeface="+mn-lt"/>
+                <a:ea typeface="+mn-ea"/>
+                <a:cs typeface="+mn-cs"/>
+              </a:defRPr>
+            </a:lvl5pPr>
+            <a:lvl6pPr marL="2514600" indent="-228600" algn="l" defTabSz="914400" rtl="0" eaLnBrk="1" latinLnBrk="0" hangingPunct="1">
+              <a:spcBef>
+                <a:spcPct val="20000"/>
+              </a:spcBef>
+              <a:buFont typeface="Arial" panose="020B0604020202020204" pitchFamily="34" charset="0"/>
+              <a:buChar char="•"/>
+              <a:defRPr sz="2000" kern="1200">
+                <a:solidFill>
+                  <a:schemeClr val="tx1"/>
+                </a:solidFill>
+                <a:latin typeface="+mn-lt"/>
+                <a:ea typeface="+mn-ea"/>
+                <a:cs typeface="+mn-cs"/>
+              </a:defRPr>
+            </a:lvl6pPr>
+            <a:lvl7pPr marL="2971800" indent="-228600" algn="l" defTabSz="914400" rtl="0" eaLnBrk="1" latinLnBrk="0" hangingPunct="1">
+              <a:spcBef>
+                <a:spcPct val="20000"/>
+              </a:spcBef>
+              <a:buFont typeface="Arial" panose="020B0604020202020204" pitchFamily="34" charset="0"/>
+              <a:buChar char="•"/>
+              <a:defRPr sz="2000" kern="1200">
+                <a:solidFill>
+                  <a:schemeClr val="tx1"/>
+                </a:solidFill>
+                <a:latin typeface="+mn-lt"/>
+                <a:ea typeface="+mn-ea"/>
+                <a:cs typeface="+mn-cs"/>
+              </a:defRPr>
+            </a:lvl7pPr>
+            <a:lvl8pPr marL="3429000" indent="-228600" algn="l" defTabSz="914400" rtl="0" eaLnBrk="1" latinLnBrk="0" hangingPunct="1">
+              <a:spcBef>
+                <a:spcPct val="20000"/>
+              </a:spcBef>
+              <a:buFont typeface="Arial" panose="020B0604020202020204" pitchFamily="34" charset="0"/>
+              <a:buChar char="•"/>
+              <a:defRPr sz="2000" kern="1200">
+                <a:solidFill>
+                  <a:schemeClr val="tx1"/>
+                </a:solidFill>
+                <a:latin typeface="+mn-lt"/>
+                <a:ea typeface="+mn-ea"/>
+                <a:cs typeface="+mn-cs"/>
+              </a:defRPr>
+            </a:lvl8pPr>
+            <a:lvl9pPr marL="3886200" indent="-228600" algn="l" defTabSz="914400" rtl="0" eaLnBrk="1" latinLnBrk="0" hangingPunct="1">
+              <a:spcBef>
+                <a:spcPct val="20000"/>
+              </a:spcBef>
+              <a:buFont typeface="Arial" panose="020B0604020202020204" pitchFamily="34" charset="0"/>
+              <a:buChar char="•"/>
+              <a:defRPr sz="2000" kern="1200">
+                <a:solidFill>
+                  <a:schemeClr val="tx1"/>
+                </a:solidFill>
+                <a:latin typeface="+mn-lt"/>
+                <a:ea typeface="+mn-ea"/>
+                <a:cs typeface="+mn-cs"/>
+              </a:defRPr>
+            </a:lvl9pPr>
+          </a:lstStyle>
+          <a:p>
+            <a:r>
+              <a:rPr lang="en-US" sz="2000" dirty="0" smtClean="0"/>
+              <a:t>They conceptualize emotions </a:t>
+            </a:r>
+            <a:r>
+              <a:rPr lang="en-US" sz="2000" dirty="0"/>
+              <a:t>by defining where they lie in two or three dimensions</a:t>
+            </a:r>
+            <a:r>
+              <a:rPr lang="en-US" sz="2000" dirty="0" smtClean="0"/>
+              <a:t>.</a:t>
+            </a:r>
+          </a:p>
+          <a:p>
+            <a:r>
+              <a:rPr lang="en-US" sz="2000" dirty="0" smtClean="0"/>
+              <a:t>Russell’s Circumplex model (Valence and Arousal).</a:t>
+            </a:r>
+          </a:p>
+          <a:p>
+            <a:r>
+              <a:rPr lang="en-US" sz="2000" dirty="0" err="1" smtClean="0"/>
+              <a:t>Mehrabian</a:t>
+            </a:r>
+            <a:r>
+              <a:rPr lang="en-US" sz="2000" dirty="0" smtClean="0"/>
+              <a:t> and Russell’s PAD model (Pleasure, Arousal, Dominance)</a:t>
+            </a:r>
+            <a:endParaRPr lang="en-US" sz="2000" dirty="0"/>
+          </a:p>
+        </p:txBody>
+      </p:sp>
+      <p:sp>
+        <p:nvSpPr>
+          <p:cNvPr id="9" name="Title 1"/>
+          <p:cNvSpPr txBox="1">
+            <a:spLocks/>
+          </p:cNvSpPr>
+          <p:nvPr/>
+        </p:nvSpPr>
+        <p:spPr>
+          <a:xfrm>
+            <a:off x="457200" y="0"/>
+            <a:ext cx="8229600" cy="1143000"/>
+          </a:xfrm>
+          <a:prstGeom prst="rect">
+            <a:avLst/>
+          </a:prstGeom>
+        </p:spPr>
+        <p:txBody>
+          <a:bodyPr vert="horz" lIns="91440" tIns="45720" rIns="91440" bIns="45720" rtlCol="0" anchor="ctr">
+            <a:normAutofit/>
+          </a:bodyPr>
+          <a:lstStyle>
+            <a:lvl1pPr algn="ctr" defTabSz="914400" rtl="0" eaLnBrk="1" latinLnBrk="0" hangingPunct="1">
+              <a:spcBef>
+                <a:spcPct val="0"/>
+              </a:spcBef>
+              <a:buNone/>
+              <a:defRPr sz="4400" kern="1200">
+                <a:solidFill>
+                  <a:schemeClr val="tx1"/>
+                </a:solidFill>
+                <a:latin typeface="+mj-lt"/>
+                <a:ea typeface="+mj-ea"/>
+                <a:cs typeface="+mj-cs"/>
+              </a:defRPr>
+            </a:lvl1pPr>
+          </a:lstStyle>
+          <a:p>
+            <a:pPr algn="l"/>
+            <a:r>
+              <a:rPr lang="en-US" sz="2400" b="1" dirty="0" smtClean="0"/>
+              <a:t>Affective Computing </a:t>
+            </a:r>
+            <a:r>
+              <a:rPr lang="en-US" sz="2400" b="1" dirty="0"/>
+              <a:t>&gt; </a:t>
+            </a:r>
+            <a:r>
+              <a:rPr lang="en-US" sz="2400" b="1" dirty="0" smtClean="0"/>
+              <a:t>Dimensional Emotion Theories</a:t>
+            </a:r>
+            <a:endParaRPr lang="en-US" sz="2200" b="1" i="1" dirty="0"/>
+          </a:p>
+        </p:txBody>
+      </p:sp>
+      <p:pic>
+        <p:nvPicPr>
+          <p:cNvPr id="2050" name="Picture 2" descr="C:\Users\Mohammad\Documents\GitHub\CompExam2\figure\core-affect.png"/>
+          <p:cNvPicPr>
+            <a:picLocks noChangeAspect="1" noChangeArrowheads="1"/>
+          </p:cNvPicPr>
+          <p:nvPr/>
+        </p:nvPicPr>
+        <p:blipFill>
+          <a:blip r:embed="rId3" cstate="print">
+            <a:extLst>
+              <a:ext uri="{28A0092B-C50C-407E-A947-70E740481C1C}">
+                <a14:useLocalDpi xmlns:a14="http://schemas.microsoft.com/office/drawing/2010/main" val="0"/>
+              </a:ext>
+            </a:extLst>
+          </a:blip>
+          <a:srcRect/>
+          <a:stretch>
+            <a:fillRect/>
+          </a:stretch>
+        </p:blipFill>
+        <p:spPr bwMode="auto">
+          <a:xfrm>
+            <a:off x="76200" y="3019498"/>
+            <a:ext cx="4648200" cy="3686102"/>
+          </a:xfrm>
+          <a:prstGeom prst="rect">
+            <a:avLst/>
+          </a:prstGeom>
+          <a:noFill/>
+          <a:extLst>
+            <a:ext uri="{909E8E84-426E-40DD-AFC4-6F175D3DCCD1}">
+              <a14:hiddenFill xmlns:a14="http://schemas.microsoft.com/office/drawing/2010/main">
+                <a:solidFill>
+                  <a:srgbClr val="FFFFFF"/>
+                </a:solidFill>
+              </a14:hiddenFill>
+            </a:ext>
+          </a:extLst>
+        </p:spPr>
+      </p:pic>
+      <p:pic>
+        <p:nvPicPr>
+          <p:cNvPr id="2051" name="Picture 3" descr="C:\Users\Mohammad\Documents\GitHub\CompExam2\figure\dimensional2.png"/>
+          <p:cNvPicPr>
+            <a:picLocks noChangeAspect="1" noChangeArrowheads="1"/>
+          </p:cNvPicPr>
+          <p:nvPr/>
+        </p:nvPicPr>
+        <p:blipFill>
+          <a:blip r:embed="rId4">
+            <a:extLst>
+              <a:ext uri="{28A0092B-C50C-407E-A947-70E740481C1C}">
+                <a14:useLocalDpi xmlns:a14="http://schemas.microsoft.com/office/drawing/2010/main" val="0"/>
+              </a:ext>
+            </a:extLst>
+          </a:blip>
+          <a:srcRect/>
+          <a:stretch>
+            <a:fillRect/>
+          </a:stretch>
+        </p:blipFill>
+        <p:spPr bwMode="auto">
+          <a:xfrm>
+            <a:off x="4724400" y="3025554"/>
+            <a:ext cx="4279900" cy="3547812"/>
+          </a:xfrm>
+          <a:prstGeom prst="rect">
+            <a:avLst/>
+          </a:prstGeom>
+          <a:noFill/>
+          <a:extLst>
+            <a:ext uri="{909E8E84-426E-40DD-AFC4-6F175D3DCCD1}">
+              <a14:hiddenFill xmlns:a14="http://schemas.microsoft.com/office/drawing/2010/main">
+                <a:solidFill>
+                  <a:srgbClr val="FFFFFF"/>
+                </a:solidFill>
+              </a14:hiddenFill>
+            </a:ext>
+          </a:extLst>
+        </p:spPr>
+      </p:pic>
+    </p:spTree>
+    <p:extLst>
+      <p:ext uri="{BB962C8B-B14F-4D97-AF65-F5344CB8AC3E}">
+        <p14:creationId xmlns:p14="http://schemas.microsoft.com/office/powerpoint/2010/main" val="3479737296"/>
+      </p:ext>
+    </p:extLst>
+  </p:cSld>
+  <p:clrMapOvr>
+    <a:masterClrMapping/>
+  </p:clrMapOvr>
+  <p:timing>
+    <p:tnLst>
+      <p:par>
+        <p:cTn id="1" dur="indefinite" restart="never" nodeType="tmRoot"/>
+      </p:par>
+    </p:tnLst>
+  </p:timing>
+</p:sld>
+</file>
+
+<file path=ppt/slides/slide25.xml><?xml version="1.0" encoding="utf-8"?>
+<p:sld xmlns:a="http://schemas.openxmlformats.org/drawingml/2006/main" xmlns:r="http://schemas.openxmlformats.org/officeDocument/2006/relationships" xmlns:p="http://schemas.openxmlformats.org/presentationml/2006/main">
+  <p:cSld>
+    <p:spTree>
+      <p:nvGrpSpPr>
+        <p:cNvPr id="1" name=""/>
+        <p:cNvGrpSpPr/>
+        <p:nvPr/>
+      </p:nvGrpSpPr>
+      <p:grpSpPr>
+        <a:xfrm>
+          <a:off x="0" y="0"/>
+          <a:ext cx="0" cy="0"/>
+          <a:chOff x="0" y="0"/>
+          <a:chExt cx="0" cy="0"/>
+        </a:xfrm>
+      </p:grpSpPr>
+      <p:sp>
+        <p:nvSpPr>
+          <p:cNvPr id="5" name="Content Placeholder 2"/>
+          <p:cNvSpPr txBox="1">
+            <a:spLocks/>
+          </p:cNvSpPr>
+          <p:nvPr/>
+        </p:nvSpPr>
+        <p:spPr>
+          <a:xfrm>
+            <a:off x="457199" y="1219201"/>
+            <a:ext cx="8206611" cy="5181599"/>
+          </a:xfrm>
+          <a:prstGeom prst="rect">
+            <a:avLst/>
+          </a:prstGeom>
+        </p:spPr>
+        <p:txBody>
+          <a:bodyPr vert="horz" lIns="91440" tIns="45720" rIns="91440" bIns="45720" rtlCol="0">
+            <a:normAutofit/>
+          </a:bodyPr>
+          <a:lstStyle>
+            <a:lvl1pPr marL="342900" indent="-342900" algn="l" defTabSz="914400" rtl="0" eaLnBrk="1" latinLnBrk="0" hangingPunct="1">
+              <a:spcBef>
+                <a:spcPct val="20000"/>
+              </a:spcBef>
+              <a:buFont typeface="Arial" panose="020B0604020202020204" pitchFamily="34" charset="0"/>
+              <a:buChar char="•"/>
+              <a:defRPr sz="3200" kern="1200">
+                <a:solidFill>
+                  <a:schemeClr val="tx1"/>
+                </a:solidFill>
+                <a:latin typeface="+mn-lt"/>
+                <a:ea typeface="+mn-ea"/>
+                <a:cs typeface="+mn-cs"/>
+              </a:defRPr>
+            </a:lvl1pPr>
+            <a:lvl2pPr marL="742950" indent="-285750" algn="l" defTabSz="914400" rtl="0" eaLnBrk="1" latinLnBrk="0" hangingPunct="1">
+              <a:spcBef>
+                <a:spcPct val="20000"/>
+              </a:spcBef>
+              <a:buFont typeface="Arial" panose="020B0604020202020204" pitchFamily="34" charset="0"/>
+              <a:buChar char="–"/>
+              <a:defRPr sz="2800" kern="1200">
+                <a:solidFill>
+                  <a:schemeClr val="tx1"/>
+                </a:solidFill>
+                <a:latin typeface="+mn-lt"/>
+                <a:ea typeface="+mn-ea"/>
+                <a:cs typeface="+mn-cs"/>
+              </a:defRPr>
+            </a:lvl2pPr>
+            <a:lvl3pPr marL="1143000" indent="-228600" algn="l" defTabSz="914400" rtl="0" eaLnBrk="1" latinLnBrk="0" hangingPunct="1">
+              <a:spcBef>
+                <a:spcPct val="20000"/>
+              </a:spcBef>
+              <a:buFont typeface="Arial" panose="020B0604020202020204" pitchFamily="34" charset="0"/>
+              <a:buChar char="•"/>
+              <a:defRPr sz="2400" kern="1200">
+                <a:solidFill>
+                  <a:schemeClr val="tx1"/>
+                </a:solidFill>
+                <a:latin typeface="+mn-lt"/>
+                <a:ea typeface="+mn-ea"/>
+                <a:cs typeface="+mn-cs"/>
+              </a:defRPr>
+            </a:lvl3pPr>
+            <a:lvl4pPr marL="1600200" indent="-228600" algn="l" defTabSz="914400" rtl="0" eaLnBrk="1" latinLnBrk="0" hangingPunct="1">
+              <a:spcBef>
+                <a:spcPct val="20000"/>
+              </a:spcBef>
+              <a:buFont typeface="Arial" panose="020B0604020202020204" pitchFamily="34" charset="0"/>
+              <a:buChar char="–"/>
+              <a:defRPr sz="2000" kern="1200">
+                <a:solidFill>
+                  <a:schemeClr val="tx1"/>
+                </a:solidFill>
+                <a:latin typeface="+mn-lt"/>
+                <a:ea typeface="+mn-ea"/>
+                <a:cs typeface="+mn-cs"/>
+              </a:defRPr>
+            </a:lvl4pPr>
+            <a:lvl5pPr marL="2057400" indent="-228600" algn="l" defTabSz="914400" rtl="0" eaLnBrk="1" latinLnBrk="0" hangingPunct="1">
+              <a:spcBef>
+                <a:spcPct val="20000"/>
+              </a:spcBef>
+              <a:buFont typeface="Arial" panose="020B0604020202020204" pitchFamily="34" charset="0"/>
+              <a:buChar char="»"/>
+              <a:defRPr sz="2000" kern="1200">
+                <a:solidFill>
+                  <a:schemeClr val="tx1"/>
+                </a:solidFill>
+                <a:latin typeface="+mn-lt"/>
+                <a:ea typeface="+mn-ea"/>
+                <a:cs typeface="+mn-cs"/>
+              </a:defRPr>
+            </a:lvl5pPr>
+            <a:lvl6pPr marL="2514600" indent="-228600" algn="l" defTabSz="914400" rtl="0" eaLnBrk="1" latinLnBrk="0" hangingPunct="1">
+              <a:spcBef>
+                <a:spcPct val="20000"/>
+              </a:spcBef>
+              <a:buFont typeface="Arial" panose="020B0604020202020204" pitchFamily="34" charset="0"/>
+              <a:buChar char="•"/>
+              <a:defRPr sz="2000" kern="1200">
+                <a:solidFill>
+                  <a:schemeClr val="tx1"/>
+                </a:solidFill>
+                <a:latin typeface="+mn-lt"/>
+                <a:ea typeface="+mn-ea"/>
+                <a:cs typeface="+mn-cs"/>
+              </a:defRPr>
+            </a:lvl6pPr>
+            <a:lvl7pPr marL="2971800" indent="-228600" algn="l" defTabSz="914400" rtl="0" eaLnBrk="1" latinLnBrk="0" hangingPunct="1">
+              <a:spcBef>
+                <a:spcPct val="20000"/>
+              </a:spcBef>
+              <a:buFont typeface="Arial" panose="020B0604020202020204" pitchFamily="34" charset="0"/>
+              <a:buChar char="•"/>
+              <a:defRPr sz="2000" kern="1200">
+                <a:solidFill>
+                  <a:schemeClr val="tx1"/>
+                </a:solidFill>
+                <a:latin typeface="+mn-lt"/>
+                <a:ea typeface="+mn-ea"/>
+                <a:cs typeface="+mn-cs"/>
+              </a:defRPr>
+            </a:lvl7pPr>
+            <a:lvl8pPr marL="3429000" indent="-228600" algn="l" defTabSz="914400" rtl="0" eaLnBrk="1" latinLnBrk="0" hangingPunct="1">
+              <a:spcBef>
+                <a:spcPct val="20000"/>
+              </a:spcBef>
+              <a:buFont typeface="Arial" panose="020B0604020202020204" pitchFamily="34" charset="0"/>
+              <a:buChar char="•"/>
+              <a:defRPr sz="2000" kern="1200">
+                <a:solidFill>
+                  <a:schemeClr val="tx1"/>
+                </a:solidFill>
+                <a:latin typeface="+mn-lt"/>
+                <a:ea typeface="+mn-ea"/>
+                <a:cs typeface="+mn-cs"/>
+              </a:defRPr>
+            </a:lvl8pPr>
+            <a:lvl9pPr marL="3886200" indent="-228600" algn="l" defTabSz="914400" rtl="0" eaLnBrk="1" latinLnBrk="0" hangingPunct="1">
+              <a:spcBef>
+                <a:spcPct val="20000"/>
+              </a:spcBef>
+              <a:buFont typeface="Arial" panose="020B0604020202020204" pitchFamily="34" charset="0"/>
+              <a:buChar char="•"/>
+              <a:defRPr sz="2000" kern="1200">
+                <a:solidFill>
+                  <a:schemeClr val="tx1"/>
+                </a:solidFill>
+                <a:latin typeface="+mn-lt"/>
+                <a:ea typeface="+mn-ea"/>
+                <a:cs typeface="+mn-cs"/>
+              </a:defRPr>
+            </a:lvl9pPr>
+          </a:lstStyle>
+          <a:p>
+            <a:endParaRPr lang="en-US" sz="2000" dirty="0" smtClean="0"/>
+          </a:p>
+        </p:txBody>
+      </p:sp>
+      <p:sp>
+        <p:nvSpPr>
+          <p:cNvPr id="9" name="Title 1"/>
+          <p:cNvSpPr txBox="1">
+            <a:spLocks/>
+          </p:cNvSpPr>
+          <p:nvPr/>
+        </p:nvSpPr>
+        <p:spPr>
+          <a:xfrm>
+            <a:off x="457200" y="0"/>
+            <a:ext cx="8229600" cy="1143000"/>
+          </a:xfrm>
+          <a:prstGeom prst="rect">
+            <a:avLst/>
+          </a:prstGeom>
+        </p:spPr>
+        <p:txBody>
+          <a:bodyPr vert="horz" lIns="91440" tIns="45720" rIns="91440" bIns="45720" rtlCol="0" anchor="ctr">
+            <a:normAutofit/>
+          </a:bodyPr>
+          <a:lstStyle>
+            <a:lvl1pPr algn="ctr" defTabSz="914400" rtl="0" eaLnBrk="1" latinLnBrk="0" hangingPunct="1">
+              <a:spcBef>
+                <a:spcPct val="0"/>
+              </a:spcBef>
+              <a:buNone/>
+              <a:defRPr sz="4400" kern="1200">
+                <a:solidFill>
+                  <a:schemeClr val="tx1"/>
+                </a:solidFill>
+                <a:latin typeface="+mj-lt"/>
+                <a:ea typeface="+mj-ea"/>
+                <a:cs typeface="+mj-cs"/>
+              </a:defRPr>
+            </a:lvl1pPr>
+          </a:lstStyle>
+          <a:p>
+            <a:pPr algn="l"/>
+            <a:r>
+              <a:rPr lang="en-US" sz="2400" b="1" dirty="0" smtClean="0"/>
+              <a:t>Affective Computing </a:t>
+            </a:r>
+            <a:r>
+              <a:rPr lang="en-US" sz="2400" b="1" dirty="0"/>
+              <a:t>&gt; </a:t>
+            </a:r>
+            <a:r>
+              <a:rPr lang="en-US" sz="2400" b="1" dirty="0" smtClean="0"/>
+              <a:t>Discrete Emotion Theories</a:t>
+            </a:r>
+            <a:endParaRPr lang="en-US" sz="2200" b="1" i="1" dirty="0"/>
+          </a:p>
+        </p:txBody>
+      </p:sp>
+    </p:spTree>
+    <p:extLst>
+      <p:ext uri="{BB962C8B-B14F-4D97-AF65-F5344CB8AC3E}">
+        <p14:creationId xmlns:p14="http://schemas.microsoft.com/office/powerpoint/2010/main" val="304520215"/>
+      </p:ext>
+    </p:extLst>
+  </p:cSld>
+  <p:clrMapOvr>
+    <a:masterClrMapping/>
+  </p:clrMapOvr>
+  <p:timing>
+    <p:tnLst>
+      <p:par>
+        <p:cTn id="1" dur="indefinite" restart="never" nodeType="tmRoot"/>
+      </p:par>
+    </p:tnLst>
+  </p:timing>
+</p:sld>
+</file>
+
+<file path=ppt/slides/slide26.xml><?xml version="1.0" encoding="utf-8"?>
 <p:sld xmlns:a="http://schemas.openxmlformats.org/drawingml/2006/main" xmlns:r="http://schemas.openxmlformats.org/officeDocument/2006/relationships" xmlns:p="http://schemas.openxmlformats.org/presentationml/2006/main">
   <p:cSld>
     <p:spTree>

--- a/presentation/PhD-comprehensive-exam.pptx
+++ b/presentation/PhD-comprehensive-exam.pptx
@@ -5,7 +5,7 @@
     <p:sldMasterId id="2147483648" r:id="rId1"/>
   </p:sldMasterIdLst>
   <p:notesMasterIdLst>
-    <p:notesMasterId r:id="rId28"/>
+    <p:notesMasterId r:id="rId29"/>
   </p:notesMasterIdLst>
   <p:sldIdLst>
     <p:sldId id="257" r:id="rId2"/>
@@ -33,7 +33,8 @@
     <p:sldId id="332" r:id="rId24"/>
     <p:sldId id="333" r:id="rId25"/>
     <p:sldId id="334" r:id="rId26"/>
-    <p:sldId id="259" r:id="rId27"/>
+    <p:sldId id="335" r:id="rId27"/>
+    <p:sldId id="259" r:id="rId28"/>
   </p:sldIdLst>
   <p:sldSz cx="9144000" cy="6858000" type="screen4x3"/>
   <p:notesSz cx="6858000" cy="9144000"/>
@@ -1813,6 +1814,90 @@
             <a:fld id="{D91B34AF-DFC3-47C6-893A-07AE93C6324A}" type="slidenum">
               <a:rPr lang="en-US" smtClean="0"/>
               <a:t>25</a:t>
+            </a:fld>
+            <a:endParaRPr lang="en-US"/>
+          </a:p>
+        </p:txBody>
+      </p:sp>
+    </p:spTree>
+    <p:extLst>
+      <p:ext uri="{BB962C8B-B14F-4D97-AF65-F5344CB8AC3E}">
+        <p14:creationId xmlns:p14="http://schemas.microsoft.com/office/powerpoint/2010/main" val="1845102120"/>
+      </p:ext>
+    </p:extLst>
+  </p:cSld>
+  <p:clrMapOvr>
+    <a:masterClrMapping/>
+  </p:clrMapOvr>
+</p:notes>
+</file>
+
+<file path=ppt/notesSlides/notesSlide23.xml><?xml version="1.0" encoding="utf-8"?>
+<p:notes xmlns:a="http://schemas.openxmlformats.org/drawingml/2006/main" xmlns:r="http://schemas.openxmlformats.org/officeDocument/2006/relationships" xmlns:p="http://schemas.openxmlformats.org/presentationml/2006/main">
+  <p:cSld>
+    <p:spTree>
+      <p:nvGrpSpPr>
+        <p:cNvPr id="1" name=""/>
+        <p:cNvGrpSpPr/>
+        <p:nvPr/>
+      </p:nvGrpSpPr>
+      <p:grpSpPr>
+        <a:xfrm>
+          <a:off x="0" y="0"/>
+          <a:ext cx="0" cy="0"/>
+          <a:chOff x="0" y="0"/>
+          <a:chExt cx="0" cy="0"/>
+        </a:xfrm>
+      </p:grpSpPr>
+      <p:sp>
+        <p:nvSpPr>
+          <p:cNvPr id="2" name="Slide Image Placeholder 1"/>
+          <p:cNvSpPr>
+            <a:spLocks noGrp="1" noRot="1" noChangeAspect="1"/>
+          </p:cNvSpPr>
+          <p:nvPr>
+            <p:ph type="sldImg"/>
+          </p:nvPr>
+        </p:nvSpPr>
+        <p:spPr/>
+      </p:sp>
+      <p:sp>
+        <p:nvSpPr>
+          <p:cNvPr id="3" name="Notes Placeholder 2"/>
+          <p:cNvSpPr>
+            <a:spLocks noGrp="1"/>
+          </p:cNvSpPr>
+          <p:nvPr>
+            <p:ph type="body" idx="1"/>
+          </p:nvPr>
+        </p:nvSpPr>
+        <p:spPr/>
+        <p:txBody>
+          <a:bodyPr/>
+          <a:lstStyle/>
+          <a:p>
+            <a:endParaRPr lang="en-US" dirty="0"/>
+          </a:p>
+        </p:txBody>
+      </p:sp>
+      <p:sp>
+        <p:nvSpPr>
+          <p:cNvPr id="4" name="Slide Number Placeholder 3"/>
+          <p:cNvSpPr>
+            <a:spLocks noGrp="1"/>
+          </p:cNvSpPr>
+          <p:nvPr>
+            <p:ph type="sldNum" sz="quarter" idx="10"/>
+          </p:nvPr>
+        </p:nvSpPr>
+        <p:spPr/>
+        <p:txBody>
+          <a:bodyPr/>
+          <a:lstStyle/>
+          <a:p>
+            <a:fld id="{D91B34AF-DFC3-47C6-893A-07AE93C6324A}" type="slidenum">
+              <a:rPr lang="en-US" smtClean="0"/>
+              <a:t>26</a:t>
             </a:fld>
             <a:endParaRPr lang="en-US"/>
           </a:p>
@@ -12876,7 +12961,130 @@
             </a:lvl9pPr>
           </a:lstStyle>
           <a:p>
-            <a:endParaRPr lang="en-US" sz="2000" dirty="0" smtClean="0"/>
+            <a:r>
+              <a:rPr lang="en-US" sz="2000" dirty="0" smtClean="0"/>
+              <a:t>First by </a:t>
+            </a:r>
+            <a:r>
+              <a:rPr lang="en-US" sz="2000" dirty="0" err="1" smtClean="0"/>
+              <a:t>Tomkin</a:t>
+            </a:r>
+            <a:r>
+              <a:rPr lang="en-US" sz="2000" dirty="0" smtClean="0"/>
+              <a:t> (as rediscovery of Darwin’s work), later by Ekman, Izard.</a:t>
+            </a:r>
+          </a:p>
+          <a:p>
+            <a:r>
+              <a:rPr lang="en-US" sz="2000" dirty="0"/>
+              <a:t>These theories emphasize a small set of discrete and </a:t>
+            </a:r>
+            <a:r>
+              <a:rPr lang="en-US" sz="2000" dirty="0" smtClean="0"/>
+              <a:t>fundamental emotions.</a:t>
+            </a:r>
+          </a:p>
+          <a:p>
+            <a:r>
+              <a:rPr lang="en-US" sz="2000" dirty="0"/>
+              <a:t>The underlying assumption </a:t>
+            </a:r>
+            <a:r>
+              <a:rPr lang="en-US" sz="2000" dirty="0" smtClean="0"/>
+              <a:t>is </a:t>
+            </a:r>
+            <a:r>
+              <a:rPr lang="en-US" sz="2000" dirty="0"/>
+              <a:t>that these emotions are </a:t>
+            </a:r>
+            <a:r>
+              <a:rPr lang="en-US" sz="2000" dirty="0" smtClean="0"/>
+              <a:t>mediated by </a:t>
+            </a:r>
+            <a:r>
+              <a:rPr lang="en-US" sz="2000" dirty="0"/>
+              <a:t>associated neural circuitry, with a hardwired </a:t>
+            </a:r>
+            <a:r>
+              <a:rPr lang="en-US" sz="2000" dirty="0" smtClean="0"/>
+              <a:t>component.</a:t>
+            </a:r>
+          </a:p>
+          <a:p>
+            <a:r>
+              <a:rPr lang="en-US" sz="2000" dirty="0"/>
+              <a:t>Different emotions are </a:t>
+            </a:r>
+            <a:r>
+              <a:rPr lang="en-US" sz="2000" dirty="0" smtClean="0"/>
+              <a:t>characterized by stable </a:t>
+            </a:r>
+            <a:r>
+              <a:rPr lang="en-US" sz="2000" dirty="0"/>
+              <a:t>patterns of triggers, behavioral expression, and associated </a:t>
+            </a:r>
+            <a:r>
+              <a:rPr lang="en-US" sz="2000" dirty="0" smtClean="0"/>
+              <a:t>distinct subjective </a:t>
+            </a:r>
+            <a:r>
+              <a:rPr lang="en-US" sz="2000" dirty="0"/>
+              <a:t>experiences</a:t>
+            </a:r>
+            <a:r>
+              <a:rPr lang="en-US" sz="2000" dirty="0" smtClean="0"/>
+              <a:t>.</a:t>
+            </a:r>
+          </a:p>
+          <a:p>
+            <a:r>
+              <a:rPr lang="en-US" sz="2000" dirty="0" smtClean="0"/>
+              <a:t>The emotions are called </a:t>
+            </a:r>
+            <a:r>
+              <a:rPr lang="en-US" sz="2000" dirty="0"/>
+              <a:t>basic </a:t>
+            </a:r>
+            <a:r>
+              <a:rPr lang="en-US" sz="2000" dirty="0" smtClean="0"/>
+              <a:t>emotions: happiness</a:t>
+            </a:r>
+            <a:r>
+              <a:rPr lang="en-US" sz="2000" dirty="0"/>
+              <a:t>, sadness, </a:t>
+            </a:r>
+            <a:r>
+              <a:rPr lang="en-US" sz="2000" dirty="0" smtClean="0"/>
+              <a:t>fear, anger</a:t>
+            </a:r>
+            <a:r>
+              <a:rPr lang="en-US" sz="2000" dirty="0"/>
+              <a:t>, surprise, and </a:t>
+            </a:r>
+            <a:r>
+              <a:rPr lang="en-US" sz="2000" dirty="0" smtClean="0"/>
+              <a:t>disgust.</a:t>
+            </a:r>
+          </a:p>
+          <a:p>
+            <a:r>
+              <a:rPr lang="en-US" sz="2000" dirty="0" smtClean="0"/>
+              <a:t>This universality </a:t>
+            </a:r>
+            <a:r>
+              <a:rPr lang="en-US" sz="2000" dirty="0"/>
+              <a:t>has a production side and a recognition side</a:t>
+            </a:r>
+            <a:r>
+              <a:rPr lang="en-US" sz="2000" dirty="0" smtClean="0"/>
+              <a:t>.</a:t>
+            </a:r>
+          </a:p>
+          <a:p>
+            <a:r>
+              <a:rPr lang="en-US" sz="2000" dirty="0" smtClean="0"/>
+              <a:t>Computational models focus on low-level perceptual-motor tasks (fast and automatic vs. slower, reasoning-based)</a:t>
+            </a:r>
           </a:p>
         </p:txBody>
       </p:sp>
@@ -12956,6 +13164,361 @@
 </file>
 
 <file path=ppt/slides/slide26.xml><?xml version="1.0" encoding="utf-8"?>
+<p:sld xmlns:a="http://schemas.openxmlformats.org/drawingml/2006/main" xmlns:r="http://schemas.openxmlformats.org/officeDocument/2006/relationships" xmlns:p="http://schemas.openxmlformats.org/presentationml/2006/main">
+  <p:cSld>
+    <p:spTree>
+      <p:nvGrpSpPr>
+        <p:cNvPr id="1" name=""/>
+        <p:cNvGrpSpPr/>
+        <p:nvPr/>
+      </p:nvGrpSpPr>
+      <p:grpSpPr>
+        <a:xfrm>
+          <a:off x="0" y="0"/>
+          <a:ext cx="0" cy="0"/>
+          <a:chOff x="0" y="0"/>
+          <a:chExt cx="0" cy="0"/>
+        </a:xfrm>
+      </p:grpSpPr>
+      <p:sp>
+        <p:nvSpPr>
+          <p:cNvPr id="5" name="Content Placeholder 2"/>
+          <p:cNvSpPr txBox="1">
+            <a:spLocks/>
+          </p:cNvSpPr>
+          <p:nvPr/>
+        </p:nvSpPr>
+        <p:spPr>
+          <a:xfrm>
+            <a:off x="457199" y="1219201"/>
+            <a:ext cx="8206611" cy="5181599"/>
+          </a:xfrm>
+          <a:prstGeom prst="rect">
+            <a:avLst/>
+          </a:prstGeom>
+        </p:spPr>
+        <p:txBody>
+          <a:bodyPr vert="horz" lIns="91440" tIns="45720" rIns="91440" bIns="45720" rtlCol="0">
+            <a:normAutofit/>
+          </a:bodyPr>
+          <a:lstStyle>
+            <a:lvl1pPr marL="342900" indent="-342900" algn="l" defTabSz="914400" rtl="0" eaLnBrk="1" latinLnBrk="0" hangingPunct="1">
+              <a:spcBef>
+                <a:spcPct val="20000"/>
+              </a:spcBef>
+              <a:buFont typeface="Arial" panose="020B0604020202020204" pitchFamily="34" charset="0"/>
+              <a:buChar char="•"/>
+              <a:defRPr sz="3200" kern="1200">
+                <a:solidFill>
+                  <a:schemeClr val="tx1"/>
+                </a:solidFill>
+                <a:latin typeface="+mn-lt"/>
+                <a:ea typeface="+mn-ea"/>
+                <a:cs typeface="+mn-cs"/>
+              </a:defRPr>
+            </a:lvl1pPr>
+            <a:lvl2pPr marL="742950" indent="-285750" algn="l" defTabSz="914400" rtl="0" eaLnBrk="1" latinLnBrk="0" hangingPunct="1">
+              <a:spcBef>
+                <a:spcPct val="20000"/>
+              </a:spcBef>
+              <a:buFont typeface="Arial" panose="020B0604020202020204" pitchFamily="34" charset="0"/>
+              <a:buChar char="–"/>
+              <a:defRPr sz="2800" kern="1200">
+                <a:solidFill>
+                  <a:schemeClr val="tx1"/>
+                </a:solidFill>
+                <a:latin typeface="+mn-lt"/>
+                <a:ea typeface="+mn-ea"/>
+                <a:cs typeface="+mn-cs"/>
+              </a:defRPr>
+            </a:lvl2pPr>
+            <a:lvl3pPr marL="1143000" indent="-228600" algn="l" defTabSz="914400" rtl="0" eaLnBrk="1" latinLnBrk="0" hangingPunct="1">
+              <a:spcBef>
+                <a:spcPct val="20000"/>
+              </a:spcBef>
+              <a:buFont typeface="Arial" panose="020B0604020202020204" pitchFamily="34" charset="0"/>
+              <a:buChar char="•"/>
+              <a:defRPr sz="2400" kern="1200">
+                <a:solidFill>
+                  <a:schemeClr val="tx1"/>
+                </a:solidFill>
+                <a:latin typeface="+mn-lt"/>
+                <a:ea typeface="+mn-ea"/>
+                <a:cs typeface="+mn-cs"/>
+              </a:defRPr>
+            </a:lvl3pPr>
+            <a:lvl4pPr marL="1600200" indent="-228600" algn="l" defTabSz="914400" rtl="0" eaLnBrk="1" latinLnBrk="0" hangingPunct="1">
+              <a:spcBef>
+                <a:spcPct val="20000"/>
+              </a:spcBef>
+              <a:buFont typeface="Arial" panose="020B0604020202020204" pitchFamily="34" charset="0"/>
+              <a:buChar char="–"/>
+              <a:defRPr sz="2000" kern="1200">
+                <a:solidFill>
+                  <a:schemeClr val="tx1"/>
+                </a:solidFill>
+                <a:latin typeface="+mn-lt"/>
+                <a:ea typeface="+mn-ea"/>
+                <a:cs typeface="+mn-cs"/>
+              </a:defRPr>
+            </a:lvl4pPr>
+            <a:lvl5pPr marL="2057400" indent="-228600" algn="l" defTabSz="914400" rtl="0" eaLnBrk="1" latinLnBrk="0" hangingPunct="1">
+              <a:spcBef>
+                <a:spcPct val="20000"/>
+              </a:spcBef>
+              <a:buFont typeface="Arial" panose="020B0604020202020204" pitchFamily="34" charset="0"/>
+              <a:buChar char="»"/>
+              <a:defRPr sz="2000" kern="1200">
+                <a:solidFill>
+                  <a:schemeClr val="tx1"/>
+                </a:solidFill>
+                <a:latin typeface="+mn-lt"/>
+                <a:ea typeface="+mn-ea"/>
+                <a:cs typeface="+mn-cs"/>
+              </a:defRPr>
+            </a:lvl5pPr>
+            <a:lvl6pPr marL="2514600" indent="-228600" algn="l" defTabSz="914400" rtl="0" eaLnBrk="1" latinLnBrk="0" hangingPunct="1">
+              <a:spcBef>
+                <a:spcPct val="20000"/>
+              </a:spcBef>
+              <a:buFont typeface="Arial" panose="020B0604020202020204" pitchFamily="34" charset="0"/>
+              <a:buChar char="•"/>
+              <a:defRPr sz="2000" kern="1200">
+                <a:solidFill>
+                  <a:schemeClr val="tx1"/>
+                </a:solidFill>
+                <a:latin typeface="+mn-lt"/>
+                <a:ea typeface="+mn-ea"/>
+                <a:cs typeface="+mn-cs"/>
+              </a:defRPr>
+            </a:lvl6pPr>
+            <a:lvl7pPr marL="2971800" indent="-228600" algn="l" defTabSz="914400" rtl="0" eaLnBrk="1" latinLnBrk="0" hangingPunct="1">
+              <a:spcBef>
+                <a:spcPct val="20000"/>
+              </a:spcBef>
+              <a:buFont typeface="Arial" panose="020B0604020202020204" pitchFamily="34" charset="0"/>
+              <a:buChar char="•"/>
+              <a:defRPr sz="2000" kern="1200">
+                <a:solidFill>
+                  <a:schemeClr val="tx1"/>
+                </a:solidFill>
+                <a:latin typeface="+mn-lt"/>
+                <a:ea typeface="+mn-ea"/>
+                <a:cs typeface="+mn-cs"/>
+              </a:defRPr>
+            </a:lvl7pPr>
+            <a:lvl8pPr marL="3429000" indent="-228600" algn="l" defTabSz="914400" rtl="0" eaLnBrk="1" latinLnBrk="0" hangingPunct="1">
+              <a:spcBef>
+                <a:spcPct val="20000"/>
+              </a:spcBef>
+              <a:buFont typeface="Arial" panose="020B0604020202020204" pitchFamily="34" charset="0"/>
+              <a:buChar char="•"/>
+              <a:defRPr sz="2000" kern="1200">
+                <a:solidFill>
+                  <a:schemeClr val="tx1"/>
+                </a:solidFill>
+                <a:latin typeface="+mn-lt"/>
+                <a:ea typeface="+mn-ea"/>
+                <a:cs typeface="+mn-cs"/>
+              </a:defRPr>
+            </a:lvl8pPr>
+            <a:lvl9pPr marL="3886200" indent="-228600" algn="l" defTabSz="914400" rtl="0" eaLnBrk="1" latinLnBrk="0" hangingPunct="1">
+              <a:spcBef>
+                <a:spcPct val="20000"/>
+              </a:spcBef>
+              <a:buFont typeface="Arial" panose="020B0604020202020204" pitchFamily="34" charset="0"/>
+              <a:buChar char="•"/>
+              <a:defRPr sz="2000" kern="1200">
+                <a:solidFill>
+                  <a:schemeClr val="tx1"/>
+                </a:solidFill>
+                <a:latin typeface="+mn-lt"/>
+                <a:ea typeface="+mn-ea"/>
+                <a:cs typeface="+mn-cs"/>
+              </a:defRPr>
+            </a:lvl9pPr>
+          </a:lstStyle>
+          <a:p>
+            <a:r>
+              <a:rPr lang="en-US" sz="2000" dirty="0" smtClean="0"/>
+              <a:t>In contrast to </a:t>
+            </a:r>
+            <a:r>
+              <a:rPr lang="en-US" sz="2000" dirty="0" smtClean="0"/>
+              <a:t>basic emotions, </a:t>
+            </a:r>
+            <a:r>
+              <a:rPr lang="en-US" sz="2000" dirty="0" smtClean="0"/>
+              <a:t>dimensional theory is compatible with the differences in the behavioral responses to the stimuli.</a:t>
+            </a:r>
+          </a:p>
+          <a:p>
+            <a:r>
+              <a:rPr lang="en-US" sz="2000" dirty="0" smtClean="0"/>
+              <a:t>Dimensional theories </a:t>
+            </a:r>
+            <a:r>
+              <a:rPr lang="en-US" sz="2000" dirty="0"/>
+              <a:t>can represent instances of basic </a:t>
+            </a:r>
+            <a:r>
+              <a:rPr lang="en-US" sz="2000" dirty="0" smtClean="0"/>
+              <a:t>emotions.</a:t>
+            </a:r>
+          </a:p>
+          <a:p>
+            <a:r>
+              <a:rPr lang="en-US" sz="2000" dirty="0" smtClean="0"/>
+              <a:t>In contrast to </a:t>
+            </a:r>
+            <a:r>
+              <a:rPr lang="en-US" sz="2000" dirty="0"/>
+              <a:t>basic emotions, </a:t>
+            </a:r>
+            <a:r>
+              <a:rPr lang="en-US" sz="2000" dirty="0" smtClean="0"/>
+              <a:t>dimensional </a:t>
+            </a:r>
+            <a:r>
+              <a:rPr lang="en-US" sz="2000" dirty="0"/>
+              <a:t>theory </a:t>
+            </a:r>
+            <a:r>
+              <a:rPr lang="en-US" sz="2000" dirty="0" smtClean="0"/>
+              <a:t>argues that </a:t>
+            </a:r>
+            <a:r>
+              <a:rPr lang="en-US" sz="2000" dirty="0"/>
+              <a:t>emotion may not necessarily be aimed at a particular object</a:t>
+            </a:r>
+            <a:r>
+              <a:rPr lang="en-US" sz="2000" dirty="0" smtClean="0"/>
+              <a:t>.</a:t>
+            </a:r>
+          </a:p>
+          <a:p>
+            <a:r>
+              <a:rPr lang="en-US" sz="2000" dirty="0"/>
+              <a:t>Dimensional models </a:t>
+            </a:r>
+            <a:r>
+              <a:rPr lang="en-US" sz="2000" dirty="0" smtClean="0"/>
+              <a:t>of emotion are capable </a:t>
+            </a:r>
+            <a:r>
+              <a:rPr lang="en-US" sz="2000" dirty="0"/>
+              <a:t>of accounting for a wider range of </a:t>
+            </a:r>
+            <a:r>
+              <a:rPr lang="en-US" sz="2000" dirty="0" smtClean="0"/>
+              <a:t>affective phenomena.</a:t>
+            </a:r>
+          </a:p>
+          <a:p>
+            <a:r>
+              <a:rPr lang="en-US" sz="2000" dirty="0" smtClean="0"/>
+              <a:t>In contrast to dimensional theory, basic emotion theory’s categorization </a:t>
+            </a:r>
+            <a:r>
+              <a:rPr lang="en-US" sz="2000" dirty="0"/>
+              <a:t>of emotions captures </a:t>
+            </a:r>
+            <a:r>
+              <a:rPr lang="en-US" sz="2000" dirty="0" smtClean="0"/>
+              <a:t>elicitation </a:t>
+            </a:r>
+            <a:r>
+              <a:rPr lang="en-US" sz="2000" dirty="0"/>
+              <a:t>of </a:t>
+            </a:r>
+            <a:r>
+              <a:rPr lang="en-US" sz="2000" dirty="0" smtClean="0"/>
+              <a:t>a facial </a:t>
+            </a:r>
+            <a:r>
+              <a:rPr lang="en-US" sz="2000" dirty="0"/>
+              <a:t>expression of the emotion.</a:t>
+            </a:r>
+            <a:endParaRPr lang="en-US" sz="2000" dirty="0" smtClean="0"/>
+          </a:p>
+        </p:txBody>
+      </p:sp>
+      <p:sp>
+        <p:nvSpPr>
+          <p:cNvPr id="9" name="Title 1"/>
+          <p:cNvSpPr txBox="1">
+            <a:spLocks/>
+          </p:cNvSpPr>
+          <p:nvPr/>
+        </p:nvSpPr>
+        <p:spPr>
+          <a:xfrm>
+            <a:off x="0" y="0"/>
+            <a:ext cx="9144000" cy="1143000"/>
+          </a:xfrm>
+          <a:prstGeom prst="rect">
+            <a:avLst/>
+          </a:prstGeom>
+        </p:spPr>
+        <p:txBody>
+          <a:bodyPr vert="horz" lIns="91440" tIns="45720" rIns="91440" bIns="45720" rtlCol="0" anchor="ctr">
+            <a:normAutofit/>
+          </a:bodyPr>
+          <a:lstStyle>
+            <a:lvl1pPr algn="ctr" defTabSz="914400" rtl="0" eaLnBrk="1" latinLnBrk="0" hangingPunct="1">
+              <a:spcBef>
+                <a:spcPct val="0"/>
+              </a:spcBef>
+              <a:buNone/>
+              <a:defRPr sz="4400" kern="1200">
+                <a:solidFill>
+                  <a:schemeClr val="tx1"/>
+                </a:solidFill>
+                <a:latin typeface="+mj-lt"/>
+                <a:ea typeface="+mj-ea"/>
+                <a:cs typeface="+mj-cs"/>
+              </a:defRPr>
+            </a:lvl1pPr>
+          </a:lstStyle>
+          <a:p>
+            <a:pPr algn="l"/>
+            <a:r>
+              <a:rPr lang="en-US" sz="2400" b="1" dirty="0"/>
+              <a:t>Affective Computing &gt; </a:t>
+            </a:r>
+            <a:r>
+              <a:rPr lang="en-US" sz="2400" b="1" dirty="0" smtClean="0"/>
+              <a:t>Similarities &amp; Differences: </a:t>
+            </a:r>
+            <a:r>
+              <a:rPr lang="en-US" sz="2000" b="1" dirty="0" smtClean="0"/>
+              <a:t>Dimensional Vs. Discrete</a:t>
+            </a:r>
+            <a:endParaRPr lang="en-US" sz="2000" b="1" i="1" dirty="0"/>
+          </a:p>
+        </p:txBody>
+      </p:sp>
+    </p:spTree>
+    <p:extLst>
+      <p:ext uri="{BB962C8B-B14F-4D97-AF65-F5344CB8AC3E}">
+        <p14:creationId xmlns:p14="http://schemas.microsoft.com/office/powerpoint/2010/main" val="1507792237"/>
+      </p:ext>
+    </p:extLst>
+  </p:cSld>
+  <p:clrMapOvr>
+    <a:masterClrMapping/>
+  </p:clrMapOvr>
+  <p:timing>
+    <p:tnLst>
+      <p:par>
+        <p:cTn id="1" dur="indefinite" restart="never" nodeType="tmRoot"/>
+      </p:par>
+    </p:tnLst>
+  </p:timing>
+</p:sld>
+</file>
+
+<file path=ppt/slides/slide27.xml><?xml version="1.0" encoding="utf-8"?>
 <p:sld xmlns:a="http://schemas.openxmlformats.org/drawingml/2006/main" xmlns:r="http://schemas.openxmlformats.org/officeDocument/2006/relationships" xmlns:p="http://schemas.openxmlformats.org/presentationml/2006/main">
   <p:cSld>
     <p:spTree>

--- a/presentation/PhD-comprehensive-exam.pptx
+++ b/presentation/PhD-comprehensive-exam.pptx
@@ -5,7 +5,7 @@
     <p:sldMasterId id="2147483648" r:id="rId1"/>
   </p:sldMasterIdLst>
   <p:notesMasterIdLst>
-    <p:notesMasterId r:id="rId29"/>
+    <p:notesMasterId r:id="rId33"/>
   </p:notesMasterIdLst>
   <p:sldIdLst>
     <p:sldId id="257" r:id="rId2"/>
@@ -34,7 +34,11 @@
     <p:sldId id="333" r:id="rId25"/>
     <p:sldId id="334" r:id="rId26"/>
     <p:sldId id="335" r:id="rId27"/>
-    <p:sldId id="259" r:id="rId28"/>
+    <p:sldId id="336" r:id="rId28"/>
+    <p:sldId id="337" r:id="rId29"/>
+    <p:sldId id="338" r:id="rId30"/>
+    <p:sldId id="339" r:id="rId31"/>
+    <p:sldId id="259" r:id="rId32"/>
   </p:sldIdLst>
   <p:sldSz cx="9144000" cy="6858000" type="screen4x3"/>
   <p:notesSz cx="6858000" cy="9144000"/>
@@ -1898,6 +1902,342 @@
             <a:fld id="{D91B34AF-DFC3-47C6-893A-07AE93C6324A}" type="slidenum">
               <a:rPr lang="en-US" smtClean="0"/>
               <a:t>26</a:t>
+            </a:fld>
+            <a:endParaRPr lang="en-US"/>
+          </a:p>
+        </p:txBody>
+      </p:sp>
+    </p:spTree>
+    <p:extLst>
+      <p:ext uri="{BB962C8B-B14F-4D97-AF65-F5344CB8AC3E}">
+        <p14:creationId xmlns:p14="http://schemas.microsoft.com/office/powerpoint/2010/main" val="1845102120"/>
+      </p:ext>
+    </p:extLst>
+  </p:cSld>
+  <p:clrMapOvr>
+    <a:masterClrMapping/>
+  </p:clrMapOvr>
+</p:notes>
+</file>
+
+<file path=ppt/notesSlides/notesSlide24.xml><?xml version="1.0" encoding="utf-8"?>
+<p:notes xmlns:a="http://schemas.openxmlformats.org/drawingml/2006/main" xmlns:r="http://schemas.openxmlformats.org/officeDocument/2006/relationships" xmlns:p="http://schemas.openxmlformats.org/presentationml/2006/main">
+  <p:cSld>
+    <p:spTree>
+      <p:nvGrpSpPr>
+        <p:cNvPr id="1" name=""/>
+        <p:cNvGrpSpPr/>
+        <p:nvPr/>
+      </p:nvGrpSpPr>
+      <p:grpSpPr>
+        <a:xfrm>
+          <a:off x="0" y="0"/>
+          <a:ext cx="0" cy="0"/>
+          <a:chOff x="0" y="0"/>
+          <a:chExt cx="0" cy="0"/>
+        </a:xfrm>
+      </p:grpSpPr>
+      <p:sp>
+        <p:nvSpPr>
+          <p:cNvPr id="2" name="Slide Image Placeholder 1"/>
+          <p:cNvSpPr>
+            <a:spLocks noGrp="1" noRot="1" noChangeAspect="1"/>
+          </p:cNvSpPr>
+          <p:nvPr>
+            <p:ph type="sldImg"/>
+          </p:nvPr>
+        </p:nvSpPr>
+        <p:spPr/>
+      </p:sp>
+      <p:sp>
+        <p:nvSpPr>
+          <p:cNvPr id="3" name="Notes Placeholder 2"/>
+          <p:cNvSpPr>
+            <a:spLocks noGrp="1"/>
+          </p:cNvSpPr>
+          <p:nvPr>
+            <p:ph type="body" idx="1"/>
+          </p:nvPr>
+        </p:nvSpPr>
+        <p:spPr/>
+        <p:txBody>
+          <a:bodyPr/>
+          <a:lstStyle/>
+          <a:p>
+            <a:endParaRPr lang="en-US" dirty="0"/>
+          </a:p>
+        </p:txBody>
+      </p:sp>
+      <p:sp>
+        <p:nvSpPr>
+          <p:cNvPr id="4" name="Slide Number Placeholder 3"/>
+          <p:cNvSpPr>
+            <a:spLocks noGrp="1"/>
+          </p:cNvSpPr>
+          <p:nvPr>
+            <p:ph type="sldNum" sz="quarter" idx="10"/>
+          </p:nvPr>
+        </p:nvSpPr>
+        <p:spPr/>
+        <p:txBody>
+          <a:bodyPr/>
+          <a:lstStyle/>
+          <a:p>
+            <a:fld id="{D91B34AF-DFC3-47C6-893A-07AE93C6324A}" type="slidenum">
+              <a:rPr lang="en-US" smtClean="0"/>
+              <a:t>27</a:t>
+            </a:fld>
+            <a:endParaRPr lang="en-US"/>
+          </a:p>
+        </p:txBody>
+      </p:sp>
+    </p:spTree>
+    <p:extLst>
+      <p:ext uri="{BB962C8B-B14F-4D97-AF65-F5344CB8AC3E}">
+        <p14:creationId xmlns:p14="http://schemas.microsoft.com/office/powerpoint/2010/main" val="1845102120"/>
+      </p:ext>
+    </p:extLst>
+  </p:cSld>
+  <p:clrMapOvr>
+    <a:masterClrMapping/>
+  </p:clrMapOvr>
+</p:notes>
+</file>
+
+<file path=ppt/notesSlides/notesSlide25.xml><?xml version="1.0" encoding="utf-8"?>
+<p:notes xmlns:a="http://schemas.openxmlformats.org/drawingml/2006/main" xmlns:r="http://schemas.openxmlformats.org/officeDocument/2006/relationships" xmlns:p="http://schemas.openxmlformats.org/presentationml/2006/main">
+  <p:cSld>
+    <p:spTree>
+      <p:nvGrpSpPr>
+        <p:cNvPr id="1" name=""/>
+        <p:cNvGrpSpPr/>
+        <p:nvPr/>
+      </p:nvGrpSpPr>
+      <p:grpSpPr>
+        <a:xfrm>
+          <a:off x="0" y="0"/>
+          <a:ext cx="0" cy="0"/>
+          <a:chOff x="0" y="0"/>
+          <a:chExt cx="0" cy="0"/>
+        </a:xfrm>
+      </p:grpSpPr>
+      <p:sp>
+        <p:nvSpPr>
+          <p:cNvPr id="2" name="Slide Image Placeholder 1"/>
+          <p:cNvSpPr>
+            <a:spLocks noGrp="1" noRot="1" noChangeAspect="1"/>
+          </p:cNvSpPr>
+          <p:nvPr>
+            <p:ph type="sldImg"/>
+          </p:nvPr>
+        </p:nvSpPr>
+        <p:spPr/>
+      </p:sp>
+      <p:sp>
+        <p:nvSpPr>
+          <p:cNvPr id="3" name="Notes Placeholder 2"/>
+          <p:cNvSpPr>
+            <a:spLocks noGrp="1"/>
+          </p:cNvSpPr>
+          <p:nvPr>
+            <p:ph type="body" idx="1"/>
+          </p:nvPr>
+        </p:nvSpPr>
+        <p:spPr/>
+        <p:txBody>
+          <a:bodyPr/>
+          <a:lstStyle/>
+          <a:p>
+            <a:endParaRPr lang="en-US" dirty="0"/>
+          </a:p>
+        </p:txBody>
+      </p:sp>
+      <p:sp>
+        <p:nvSpPr>
+          <p:cNvPr id="4" name="Slide Number Placeholder 3"/>
+          <p:cNvSpPr>
+            <a:spLocks noGrp="1"/>
+          </p:cNvSpPr>
+          <p:nvPr>
+            <p:ph type="sldNum" sz="quarter" idx="10"/>
+          </p:nvPr>
+        </p:nvSpPr>
+        <p:spPr/>
+        <p:txBody>
+          <a:bodyPr/>
+          <a:lstStyle/>
+          <a:p>
+            <a:fld id="{D91B34AF-DFC3-47C6-893A-07AE93C6324A}" type="slidenum">
+              <a:rPr lang="en-US" smtClean="0"/>
+              <a:t>28</a:t>
+            </a:fld>
+            <a:endParaRPr lang="en-US"/>
+          </a:p>
+        </p:txBody>
+      </p:sp>
+    </p:spTree>
+    <p:extLst>
+      <p:ext uri="{BB962C8B-B14F-4D97-AF65-F5344CB8AC3E}">
+        <p14:creationId xmlns:p14="http://schemas.microsoft.com/office/powerpoint/2010/main" val="1845102120"/>
+      </p:ext>
+    </p:extLst>
+  </p:cSld>
+  <p:clrMapOvr>
+    <a:masterClrMapping/>
+  </p:clrMapOvr>
+</p:notes>
+</file>
+
+<file path=ppt/notesSlides/notesSlide26.xml><?xml version="1.0" encoding="utf-8"?>
+<p:notes xmlns:a="http://schemas.openxmlformats.org/drawingml/2006/main" xmlns:r="http://schemas.openxmlformats.org/officeDocument/2006/relationships" xmlns:p="http://schemas.openxmlformats.org/presentationml/2006/main">
+  <p:cSld>
+    <p:spTree>
+      <p:nvGrpSpPr>
+        <p:cNvPr id="1" name=""/>
+        <p:cNvGrpSpPr/>
+        <p:nvPr/>
+      </p:nvGrpSpPr>
+      <p:grpSpPr>
+        <a:xfrm>
+          <a:off x="0" y="0"/>
+          <a:ext cx="0" cy="0"/>
+          <a:chOff x="0" y="0"/>
+          <a:chExt cx="0" cy="0"/>
+        </a:xfrm>
+      </p:grpSpPr>
+      <p:sp>
+        <p:nvSpPr>
+          <p:cNvPr id="2" name="Slide Image Placeholder 1"/>
+          <p:cNvSpPr>
+            <a:spLocks noGrp="1" noRot="1" noChangeAspect="1"/>
+          </p:cNvSpPr>
+          <p:nvPr>
+            <p:ph type="sldImg"/>
+          </p:nvPr>
+        </p:nvSpPr>
+        <p:spPr/>
+      </p:sp>
+      <p:sp>
+        <p:nvSpPr>
+          <p:cNvPr id="3" name="Notes Placeholder 2"/>
+          <p:cNvSpPr>
+            <a:spLocks noGrp="1"/>
+          </p:cNvSpPr>
+          <p:nvPr>
+            <p:ph type="body" idx="1"/>
+          </p:nvPr>
+        </p:nvSpPr>
+        <p:spPr/>
+        <p:txBody>
+          <a:bodyPr/>
+          <a:lstStyle/>
+          <a:p>
+            <a:endParaRPr lang="en-US" dirty="0"/>
+          </a:p>
+        </p:txBody>
+      </p:sp>
+      <p:sp>
+        <p:nvSpPr>
+          <p:cNvPr id="4" name="Slide Number Placeholder 3"/>
+          <p:cNvSpPr>
+            <a:spLocks noGrp="1"/>
+          </p:cNvSpPr>
+          <p:nvPr>
+            <p:ph type="sldNum" sz="quarter" idx="10"/>
+          </p:nvPr>
+        </p:nvSpPr>
+        <p:spPr/>
+        <p:txBody>
+          <a:bodyPr/>
+          <a:lstStyle/>
+          <a:p>
+            <a:fld id="{D91B34AF-DFC3-47C6-893A-07AE93C6324A}" type="slidenum">
+              <a:rPr lang="en-US" smtClean="0"/>
+              <a:t>29</a:t>
+            </a:fld>
+            <a:endParaRPr lang="en-US"/>
+          </a:p>
+        </p:txBody>
+      </p:sp>
+    </p:spTree>
+    <p:extLst>
+      <p:ext uri="{BB962C8B-B14F-4D97-AF65-F5344CB8AC3E}">
+        <p14:creationId xmlns:p14="http://schemas.microsoft.com/office/powerpoint/2010/main" val="1845102120"/>
+      </p:ext>
+    </p:extLst>
+  </p:cSld>
+  <p:clrMapOvr>
+    <a:masterClrMapping/>
+  </p:clrMapOvr>
+</p:notes>
+</file>
+
+<file path=ppt/notesSlides/notesSlide27.xml><?xml version="1.0" encoding="utf-8"?>
+<p:notes xmlns:a="http://schemas.openxmlformats.org/drawingml/2006/main" xmlns:r="http://schemas.openxmlformats.org/officeDocument/2006/relationships" xmlns:p="http://schemas.openxmlformats.org/presentationml/2006/main">
+  <p:cSld>
+    <p:spTree>
+      <p:nvGrpSpPr>
+        <p:cNvPr id="1" name=""/>
+        <p:cNvGrpSpPr/>
+        <p:nvPr/>
+      </p:nvGrpSpPr>
+      <p:grpSpPr>
+        <a:xfrm>
+          <a:off x="0" y="0"/>
+          <a:ext cx="0" cy="0"/>
+          <a:chOff x="0" y="0"/>
+          <a:chExt cx="0" cy="0"/>
+        </a:xfrm>
+      </p:grpSpPr>
+      <p:sp>
+        <p:nvSpPr>
+          <p:cNvPr id="2" name="Slide Image Placeholder 1"/>
+          <p:cNvSpPr>
+            <a:spLocks noGrp="1" noRot="1" noChangeAspect="1"/>
+          </p:cNvSpPr>
+          <p:nvPr>
+            <p:ph type="sldImg"/>
+          </p:nvPr>
+        </p:nvSpPr>
+        <p:spPr/>
+      </p:sp>
+      <p:sp>
+        <p:nvSpPr>
+          <p:cNvPr id="3" name="Notes Placeholder 2"/>
+          <p:cNvSpPr>
+            <a:spLocks noGrp="1"/>
+          </p:cNvSpPr>
+          <p:nvPr>
+            <p:ph type="body" idx="1"/>
+          </p:nvPr>
+        </p:nvSpPr>
+        <p:spPr/>
+        <p:txBody>
+          <a:bodyPr/>
+          <a:lstStyle/>
+          <a:p>
+            <a:endParaRPr lang="en-US" dirty="0"/>
+          </a:p>
+        </p:txBody>
+      </p:sp>
+      <p:sp>
+        <p:nvSpPr>
+          <p:cNvPr id="4" name="Slide Number Placeholder 3"/>
+          <p:cNvSpPr>
+            <a:spLocks noGrp="1"/>
+          </p:cNvSpPr>
+          <p:nvPr>
+            <p:ph type="sldNum" sz="quarter" idx="10"/>
+          </p:nvPr>
+        </p:nvSpPr>
+        <p:spPr/>
+        <p:txBody>
+          <a:bodyPr/>
+          <a:lstStyle/>
+          <a:p>
+            <a:fld id="{D91B34AF-DFC3-47C6-893A-07AE93C6324A}" type="slidenum">
+              <a:rPr lang="en-US" smtClean="0"/>
+              <a:t>30</a:t>
             </a:fld>
             <a:endParaRPr lang="en-US"/>
           </a:p>
@@ -13491,7 +13831,7 @@
               <a:t>Similarities &amp; Differences: </a:t>
             </a:r>
             <a:r>
-              <a:rPr lang="en-US" sz="2000" b="1" dirty="0" smtClean="0"/>
+              <a:rPr lang="en-US" sz="2000" b="1" i="1" dirty="0" smtClean="0"/>
               <a:t>Dimensional Vs. Discrete</a:t>
             </a:r>
             <a:endParaRPr lang="en-US" sz="2000" b="1" i="1" dirty="0"/>
@@ -13519,6 +13859,1713 @@
 </file>
 
 <file path=ppt/slides/slide27.xml><?xml version="1.0" encoding="utf-8"?>
+<p:sld xmlns:a="http://schemas.openxmlformats.org/drawingml/2006/main" xmlns:r="http://schemas.openxmlformats.org/officeDocument/2006/relationships" xmlns:p="http://schemas.openxmlformats.org/presentationml/2006/main">
+  <p:cSld>
+    <p:spTree>
+      <p:nvGrpSpPr>
+        <p:cNvPr id="1" name=""/>
+        <p:cNvGrpSpPr/>
+        <p:nvPr/>
+      </p:nvGrpSpPr>
+      <p:grpSpPr>
+        <a:xfrm>
+          <a:off x="0" y="0"/>
+          <a:ext cx="0" cy="0"/>
+          <a:chOff x="0" y="0"/>
+          <a:chExt cx="0" cy="0"/>
+        </a:xfrm>
+      </p:grpSpPr>
+      <p:sp>
+        <p:nvSpPr>
+          <p:cNvPr id="5" name="Content Placeholder 2"/>
+          <p:cNvSpPr txBox="1">
+            <a:spLocks/>
+          </p:cNvSpPr>
+          <p:nvPr/>
+        </p:nvSpPr>
+        <p:spPr>
+          <a:xfrm>
+            <a:off x="457199" y="1219201"/>
+            <a:ext cx="8206611" cy="5181599"/>
+          </a:xfrm>
+          <a:prstGeom prst="rect">
+            <a:avLst/>
+          </a:prstGeom>
+        </p:spPr>
+        <p:txBody>
+          <a:bodyPr vert="horz" lIns="91440" tIns="45720" rIns="91440" bIns="45720" rtlCol="0">
+            <a:normAutofit/>
+          </a:bodyPr>
+          <a:lstStyle>
+            <a:lvl1pPr marL="342900" indent="-342900" algn="l" defTabSz="914400" rtl="0" eaLnBrk="1" latinLnBrk="0" hangingPunct="1">
+              <a:spcBef>
+                <a:spcPct val="20000"/>
+              </a:spcBef>
+              <a:buFont typeface="Arial" panose="020B0604020202020204" pitchFamily="34" charset="0"/>
+              <a:buChar char="•"/>
+              <a:defRPr sz="3200" kern="1200">
+                <a:solidFill>
+                  <a:schemeClr val="tx1"/>
+                </a:solidFill>
+                <a:latin typeface="+mn-lt"/>
+                <a:ea typeface="+mn-ea"/>
+                <a:cs typeface="+mn-cs"/>
+              </a:defRPr>
+            </a:lvl1pPr>
+            <a:lvl2pPr marL="742950" indent="-285750" algn="l" defTabSz="914400" rtl="0" eaLnBrk="1" latinLnBrk="0" hangingPunct="1">
+              <a:spcBef>
+                <a:spcPct val="20000"/>
+              </a:spcBef>
+              <a:buFont typeface="Arial" panose="020B0604020202020204" pitchFamily="34" charset="0"/>
+              <a:buChar char="–"/>
+              <a:defRPr sz="2800" kern="1200">
+                <a:solidFill>
+                  <a:schemeClr val="tx1"/>
+                </a:solidFill>
+                <a:latin typeface="+mn-lt"/>
+                <a:ea typeface="+mn-ea"/>
+                <a:cs typeface="+mn-cs"/>
+              </a:defRPr>
+            </a:lvl2pPr>
+            <a:lvl3pPr marL="1143000" indent="-228600" algn="l" defTabSz="914400" rtl="0" eaLnBrk="1" latinLnBrk="0" hangingPunct="1">
+              <a:spcBef>
+                <a:spcPct val="20000"/>
+              </a:spcBef>
+              <a:buFont typeface="Arial" panose="020B0604020202020204" pitchFamily="34" charset="0"/>
+              <a:buChar char="•"/>
+              <a:defRPr sz="2400" kern="1200">
+                <a:solidFill>
+                  <a:schemeClr val="tx1"/>
+                </a:solidFill>
+                <a:latin typeface="+mn-lt"/>
+                <a:ea typeface="+mn-ea"/>
+                <a:cs typeface="+mn-cs"/>
+              </a:defRPr>
+            </a:lvl3pPr>
+            <a:lvl4pPr marL="1600200" indent="-228600" algn="l" defTabSz="914400" rtl="0" eaLnBrk="1" latinLnBrk="0" hangingPunct="1">
+              <a:spcBef>
+                <a:spcPct val="20000"/>
+              </a:spcBef>
+              <a:buFont typeface="Arial" panose="020B0604020202020204" pitchFamily="34" charset="0"/>
+              <a:buChar char="–"/>
+              <a:defRPr sz="2000" kern="1200">
+                <a:solidFill>
+                  <a:schemeClr val="tx1"/>
+                </a:solidFill>
+                <a:latin typeface="+mn-lt"/>
+                <a:ea typeface="+mn-ea"/>
+                <a:cs typeface="+mn-cs"/>
+              </a:defRPr>
+            </a:lvl4pPr>
+            <a:lvl5pPr marL="2057400" indent="-228600" algn="l" defTabSz="914400" rtl="0" eaLnBrk="1" latinLnBrk="0" hangingPunct="1">
+              <a:spcBef>
+                <a:spcPct val="20000"/>
+              </a:spcBef>
+              <a:buFont typeface="Arial" panose="020B0604020202020204" pitchFamily="34" charset="0"/>
+              <a:buChar char="»"/>
+              <a:defRPr sz="2000" kern="1200">
+                <a:solidFill>
+                  <a:schemeClr val="tx1"/>
+                </a:solidFill>
+                <a:latin typeface="+mn-lt"/>
+                <a:ea typeface="+mn-ea"/>
+                <a:cs typeface="+mn-cs"/>
+              </a:defRPr>
+            </a:lvl5pPr>
+            <a:lvl6pPr marL="2514600" indent="-228600" algn="l" defTabSz="914400" rtl="0" eaLnBrk="1" latinLnBrk="0" hangingPunct="1">
+              <a:spcBef>
+                <a:spcPct val="20000"/>
+              </a:spcBef>
+              <a:buFont typeface="Arial" panose="020B0604020202020204" pitchFamily="34" charset="0"/>
+              <a:buChar char="•"/>
+              <a:defRPr sz="2000" kern="1200">
+                <a:solidFill>
+                  <a:schemeClr val="tx1"/>
+                </a:solidFill>
+                <a:latin typeface="+mn-lt"/>
+                <a:ea typeface="+mn-ea"/>
+                <a:cs typeface="+mn-cs"/>
+              </a:defRPr>
+            </a:lvl6pPr>
+            <a:lvl7pPr marL="2971800" indent="-228600" algn="l" defTabSz="914400" rtl="0" eaLnBrk="1" latinLnBrk="0" hangingPunct="1">
+              <a:spcBef>
+                <a:spcPct val="20000"/>
+              </a:spcBef>
+              <a:buFont typeface="Arial" panose="020B0604020202020204" pitchFamily="34" charset="0"/>
+              <a:buChar char="•"/>
+              <a:defRPr sz="2000" kern="1200">
+                <a:solidFill>
+                  <a:schemeClr val="tx1"/>
+                </a:solidFill>
+                <a:latin typeface="+mn-lt"/>
+                <a:ea typeface="+mn-ea"/>
+                <a:cs typeface="+mn-cs"/>
+              </a:defRPr>
+            </a:lvl7pPr>
+            <a:lvl8pPr marL="3429000" indent="-228600" algn="l" defTabSz="914400" rtl="0" eaLnBrk="1" latinLnBrk="0" hangingPunct="1">
+              <a:spcBef>
+                <a:spcPct val="20000"/>
+              </a:spcBef>
+              <a:buFont typeface="Arial" panose="020B0604020202020204" pitchFamily="34" charset="0"/>
+              <a:buChar char="•"/>
+              <a:defRPr sz="2000" kern="1200">
+                <a:solidFill>
+                  <a:schemeClr val="tx1"/>
+                </a:solidFill>
+                <a:latin typeface="+mn-lt"/>
+                <a:ea typeface="+mn-ea"/>
+                <a:cs typeface="+mn-cs"/>
+              </a:defRPr>
+            </a:lvl8pPr>
+            <a:lvl9pPr marL="3886200" indent="-228600" algn="l" defTabSz="914400" rtl="0" eaLnBrk="1" latinLnBrk="0" hangingPunct="1">
+              <a:spcBef>
+                <a:spcPct val="20000"/>
+              </a:spcBef>
+              <a:buFont typeface="Arial" panose="020B0604020202020204" pitchFamily="34" charset="0"/>
+              <a:buChar char="•"/>
+              <a:defRPr sz="2000" kern="1200">
+                <a:solidFill>
+                  <a:schemeClr val="tx1"/>
+                </a:solidFill>
+                <a:latin typeface="+mn-lt"/>
+                <a:ea typeface="+mn-ea"/>
+                <a:cs typeface="+mn-cs"/>
+              </a:defRPr>
+            </a:lvl9pPr>
+          </a:lstStyle>
+          <a:p>
+            <a:r>
+              <a:rPr lang="en-US" sz="2000" dirty="0"/>
+              <a:t>Dimensional theories might struggle to adequately distinguish emotions </a:t>
+            </a:r>
+            <a:r>
+              <a:rPr lang="en-US" sz="2000" dirty="0" smtClean="0"/>
+              <a:t>because of </a:t>
+            </a:r>
+            <a:r>
+              <a:rPr lang="en-US" sz="2000" dirty="0"/>
+              <a:t>the existence of limited dimensions</a:t>
+            </a:r>
+            <a:r>
+              <a:rPr lang="en-US" sz="2000" dirty="0" smtClean="0"/>
+              <a:t>.</a:t>
+            </a:r>
+          </a:p>
+          <a:p>
+            <a:r>
+              <a:rPr lang="en-US" sz="2000" dirty="0" smtClean="0"/>
+              <a:t>Pleasure </a:t>
+            </a:r>
+            <a:r>
+              <a:rPr lang="en-US" sz="2000" dirty="0"/>
+              <a:t>dimension roughly maps onto appraisal dimensions that characterize </a:t>
+            </a:r>
+            <a:r>
+              <a:rPr lang="en-US" sz="2000" dirty="0" smtClean="0"/>
+              <a:t>the valence </a:t>
+            </a:r>
+            <a:r>
+              <a:rPr lang="en-US" sz="2000" dirty="0"/>
+              <a:t>of an appraisal-eliciting </a:t>
+            </a:r>
+            <a:r>
+              <a:rPr lang="en-US" sz="2000" dirty="0" smtClean="0"/>
+              <a:t>event (e.g., desirability).</a:t>
+            </a:r>
+          </a:p>
+          <a:p>
+            <a:r>
+              <a:rPr lang="en-US" sz="2000" dirty="0" smtClean="0"/>
+              <a:t>Dominance </a:t>
+            </a:r>
+            <a:r>
+              <a:rPr lang="en-US" sz="2000" dirty="0"/>
+              <a:t>roughly maps onto the </a:t>
+            </a:r>
+            <a:r>
+              <a:rPr lang="en-US" sz="2000" dirty="0" smtClean="0"/>
+              <a:t>appraisal dimension </a:t>
+            </a:r>
+            <a:r>
+              <a:rPr lang="en-US" sz="2000" dirty="0"/>
+              <a:t>of coping </a:t>
+            </a:r>
+            <a:r>
+              <a:rPr lang="en-US" sz="2000" dirty="0" smtClean="0"/>
+              <a:t>potential.</a:t>
+            </a:r>
+          </a:p>
+          <a:p>
+            <a:r>
+              <a:rPr lang="en-US" sz="2000" dirty="0" smtClean="0"/>
+              <a:t>Arousal </a:t>
+            </a:r>
+            <a:r>
+              <a:rPr lang="en-US" sz="2000" dirty="0"/>
+              <a:t>can be considered as a measure </a:t>
+            </a:r>
+            <a:r>
+              <a:rPr lang="en-US" sz="2000" dirty="0" smtClean="0"/>
+              <a:t>of intensity.</a:t>
+            </a:r>
+          </a:p>
+          <a:p>
+            <a:r>
+              <a:rPr lang="en-US" sz="2000" dirty="0" smtClean="0"/>
+              <a:t>Appraisals are relational constructs (between an event and one’s mental states), whereas emotions in dimensional are non-relational and just a unique overall state of individual.</a:t>
+            </a:r>
+          </a:p>
+          <a:p>
+            <a:r>
+              <a:rPr lang="en-US" sz="2000" dirty="0" smtClean="0"/>
+              <a:t>Dimensional emotion theory do not address affects antecedents like appraisal and they question the causal linkage between appraisal and emotion.</a:t>
+            </a:r>
+          </a:p>
+          <a:p>
+            <a:r>
+              <a:rPr lang="en-US" sz="2000" dirty="0" smtClean="0">
+                <a:solidFill>
+                  <a:srgbClr val="FF0000"/>
+                </a:solidFill>
+              </a:rPr>
+              <a:t>Dimensional emotion theory lacks the link between preceding intentional meaning and emotion.</a:t>
+            </a:r>
+          </a:p>
+          <a:p>
+            <a:endParaRPr lang="en-US" sz="2000" dirty="0" smtClean="0"/>
+          </a:p>
+          <a:p>
+            <a:endParaRPr lang="en-US" sz="2000" dirty="0" smtClean="0"/>
+          </a:p>
+        </p:txBody>
+      </p:sp>
+      <p:sp>
+        <p:nvSpPr>
+          <p:cNvPr id="9" name="Title 1"/>
+          <p:cNvSpPr txBox="1">
+            <a:spLocks/>
+          </p:cNvSpPr>
+          <p:nvPr/>
+        </p:nvSpPr>
+        <p:spPr>
+          <a:xfrm>
+            <a:off x="0" y="0"/>
+            <a:ext cx="9144000" cy="1143000"/>
+          </a:xfrm>
+          <a:prstGeom prst="rect">
+            <a:avLst/>
+          </a:prstGeom>
+        </p:spPr>
+        <p:txBody>
+          <a:bodyPr vert="horz" lIns="91440" tIns="45720" rIns="91440" bIns="45720" rtlCol="0" anchor="ctr">
+            <a:normAutofit/>
+          </a:bodyPr>
+          <a:lstStyle>
+            <a:lvl1pPr algn="ctr" defTabSz="914400" rtl="0" eaLnBrk="1" latinLnBrk="0" hangingPunct="1">
+              <a:spcBef>
+                <a:spcPct val="0"/>
+              </a:spcBef>
+              <a:buNone/>
+              <a:defRPr sz="4400" kern="1200">
+                <a:solidFill>
+                  <a:schemeClr val="tx1"/>
+                </a:solidFill>
+                <a:latin typeface="+mj-lt"/>
+                <a:ea typeface="+mj-ea"/>
+                <a:cs typeface="+mj-cs"/>
+              </a:defRPr>
+            </a:lvl1pPr>
+          </a:lstStyle>
+          <a:p>
+            <a:pPr algn="l"/>
+            <a:r>
+              <a:rPr lang="en-US" sz="2400" b="1" dirty="0"/>
+              <a:t>Affective Computing &gt; </a:t>
+            </a:r>
+            <a:r>
+              <a:rPr lang="en-US" sz="2400" b="1" dirty="0" smtClean="0"/>
+              <a:t>Similarities &amp; Differences: </a:t>
+            </a:r>
+            <a:r>
+              <a:rPr lang="en-US" sz="2000" b="1" i="1" dirty="0"/>
+              <a:t>Appraisal &amp; </a:t>
+            </a:r>
+            <a:r>
+              <a:rPr lang="en-US" sz="2000" b="1" i="1" dirty="0" smtClean="0"/>
+              <a:t>Dimensional</a:t>
+            </a:r>
+            <a:endParaRPr lang="en-US" sz="2000" b="1" i="1" dirty="0"/>
+          </a:p>
+        </p:txBody>
+      </p:sp>
+    </p:spTree>
+    <p:extLst>
+      <p:ext uri="{BB962C8B-B14F-4D97-AF65-F5344CB8AC3E}">
+        <p14:creationId xmlns:p14="http://schemas.microsoft.com/office/powerpoint/2010/main" val="2507162671"/>
+      </p:ext>
+    </p:extLst>
+  </p:cSld>
+  <p:clrMapOvr>
+    <a:masterClrMapping/>
+  </p:clrMapOvr>
+  <p:timing>
+    <p:tnLst>
+      <p:par>
+        <p:cTn id="1" dur="indefinite" restart="never" nodeType="tmRoot"/>
+      </p:par>
+    </p:tnLst>
+  </p:timing>
+</p:sld>
+</file>
+
+<file path=ppt/slides/slide28.xml><?xml version="1.0" encoding="utf-8"?>
+<p:sld xmlns:a="http://schemas.openxmlformats.org/drawingml/2006/main" xmlns:r="http://schemas.openxmlformats.org/officeDocument/2006/relationships" xmlns:p="http://schemas.openxmlformats.org/presentationml/2006/main">
+  <p:cSld>
+    <p:spTree>
+      <p:nvGrpSpPr>
+        <p:cNvPr id="1" name=""/>
+        <p:cNvGrpSpPr/>
+        <p:nvPr/>
+      </p:nvGrpSpPr>
+      <p:grpSpPr>
+        <a:xfrm>
+          <a:off x="0" y="0"/>
+          <a:ext cx="0" cy="0"/>
+          <a:chOff x="0" y="0"/>
+          <a:chExt cx="0" cy="0"/>
+        </a:xfrm>
+      </p:grpSpPr>
+      <p:sp>
+        <p:nvSpPr>
+          <p:cNvPr id="5" name="Content Placeholder 2"/>
+          <p:cNvSpPr txBox="1">
+            <a:spLocks/>
+          </p:cNvSpPr>
+          <p:nvPr/>
+        </p:nvSpPr>
+        <p:spPr>
+          <a:xfrm>
+            <a:off x="457199" y="1219201"/>
+            <a:ext cx="8206611" cy="5181599"/>
+          </a:xfrm>
+          <a:prstGeom prst="rect">
+            <a:avLst/>
+          </a:prstGeom>
+        </p:spPr>
+        <p:txBody>
+          <a:bodyPr vert="horz" lIns="91440" tIns="45720" rIns="91440" bIns="45720" rtlCol="0">
+            <a:normAutofit/>
+          </a:bodyPr>
+          <a:lstStyle>
+            <a:lvl1pPr marL="342900" indent="-342900" algn="l" defTabSz="914400" rtl="0" eaLnBrk="1" latinLnBrk="0" hangingPunct="1">
+              <a:spcBef>
+                <a:spcPct val="20000"/>
+              </a:spcBef>
+              <a:buFont typeface="Arial" panose="020B0604020202020204" pitchFamily="34" charset="0"/>
+              <a:buChar char="•"/>
+              <a:defRPr sz="3200" kern="1200">
+                <a:solidFill>
+                  <a:schemeClr val="tx1"/>
+                </a:solidFill>
+                <a:latin typeface="+mn-lt"/>
+                <a:ea typeface="+mn-ea"/>
+                <a:cs typeface="+mn-cs"/>
+              </a:defRPr>
+            </a:lvl1pPr>
+            <a:lvl2pPr marL="742950" indent="-285750" algn="l" defTabSz="914400" rtl="0" eaLnBrk="1" latinLnBrk="0" hangingPunct="1">
+              <a:spcBef>
+                <a:spcPct val="20000"/>
+              </a:spcBef>
+              <a:buFont typeface="Arial" panose="020B0604020202020204" pitchFamily="34" charset="0"/>
+              <a:buChar char="–"/>
+              <a:defRPr sz="2800" kern="1200">
+                <a:solidFill>
+                  <a:schemeClr val="tx1"/>
+                </a:solidFill>
+                <a:latin typeface="+mn-lt"/>
+                <a:ea typeface="+mn-ea"/>
+                <a:cs typeface="+mn-cs"/>
+              </a:defRPr>
+            </a:lvl2pPr>
+            <a:lvl3pPr marL="1143000" indent="-228600" algn="l" defTabSz="914400" rtl="0" eaLnBrk="1" latinLnBrk="0" hangingPunct="1">
+              <a:spcBef>
+                <a:spcPct val="20000"/>
+              </a:spcBef>
+              <a:buFont typeface="Arial" panose="020B0604020202020204" pitchFamily="34" charset="0"/>
+              <a:buChar char="•"/>
+              <a:defRPr sz="2400" kern="1200">
+                <a:solidFill>
+                  <a:schemeClr val="tx1"/>
+                </a:solidFill>
+                <a:latin typeface="+mn-lt"/>
+                <a:ea typeface="+mn-ea"/>
+                <a:cs typeface="+mn-cs"/>
+              </a:defRPr>
+            </a:lvl3pPr>
+            <a:lvl4pPr marL="1600200" indent="-228600" algn="l" defTabSz="914400" rtl="0" eaLnBrk="1" latinLnBrk="0" hangingPunct="1">
+              <a:spcBef>
+                <a:spcPct val="20000"/>
+              </a:spcBef>
+              <a:buFont typeface="Arial" panose="020B0604020202020204" pitchFamily="34" charset="0"/>
+              <a:buChar char="–"/>
+              <a:defRPr sz="2000" kern="1200">
+                <a:solidFill>
+                  <a:schemeClr val="tx1"/>
+                </a:solidFill>
+                <a:latin typeface="+mn-lt"/>
+                <a:ea typeface="+mn-ea"/>
+                <a:cs typeface="+mn-cs"/>
+              </a:defRPr>
+            </a:lvl4pPr>
+            <a:lvl5pPr marL="2057400" indent="-228600" algn="l" defTabSz="914400" rtl="0" eaLnBrk="1" latinLnBrk="0" hangingPunct="1">
+              <a:spcBef>
+                <a:spcPct val="20000"/>
+              </a:spcBef>
+              <a:buFont typeface="Arial" panose="020B0604020202020204" pitchFamily="34" charset="0"/>
+              <a:buChar char="»"/>
+              <a:defRPr sz="2000" kern="1200">
+                <a:solidFill>
+                  <a:schemeClr val="tx1"/>
+                </a:solidFill>
+                <a:latin typeface="+mn-lt"/>
+                <a:ea typeface="+mn-ea"/>
+                <a:cs typeface="+mn-cs"/>
+              </a:defRPr>
+            </a:lvl5pPr>
+            <a:lvl6pPr marL="2514600" indent="-228600" algn="l" defTabSz="914400" rtl="0" eaLnBrk="1" latinLnBrk="0" hangingPunct="1">
+              <a:spcBef>
+                <a:spcPct val="20000"/>
+              </a:spcBef>
+              <a:buFont typeface="Arial" panose="020B0604020202020204" pitchFamily="34" charset="0"/>
+              <a:buChar char="•"/>
+              <a:defRPr sz="2000" kern="1200">
+                <a:solidFill>
+                  <a:schemeClr val="tx1"/>
+                </a:solidFill>
+                <a:latin typeface="+mn-lt"/>
+                <a:ea typeface="+mn-ea"/>
+                <a:cs typeface="+mn-cs"/>
+              </a:defRPr>
+            </a:lvl6pPr>
+            <a:lvl7pPr marL="2971800" indent="-228600" algn="l" defTabSz="914400" rtl="0" eaLnBrk="1" latinLnBrk="0" hangingPunct="1">
+              <a:spcBef>
+                <a:spcPct val="20000"/>
+              </a:spcBef>
+              <a:buFont typeface="Arial" panose="020B0604020202020204" pitchFamily="34" charset="0"/>
+              <a:buChar char="•"/>
+              <a:defRPr sz="2000" kern="1200">
+                <a:solidFill>
+                  <a:schemeClr val="tx1"/>
+                </a:solidFill>
+                <a:latin typeface="+mn-lt"/>
+                <a:ea typeface="+mn-ea"/>
+                <a:cs typeface="+mn-cs"/>
+              </a:defRPr>
+            </a:lvl7pPr>
+            <a:lvl8pPr marL="3429000" indent="-228600" algn="l" defTabSz="914400" rtl="0" eaLnBrk="1" latinLnBrk="0" hangingPunct="1">
+              <a:spcBef>
+                <a:spcPct val="20000"/>
+              </a:spcBef>
+              <a:buFont typeface="Arial" panose="020B0604020202020204" pitchFamily="34" charset="0"/>
+              <a:buChar char="•"/>
+              <a:defRPr sz="2000" kern="1200">
+                <a:solidFill>
+                  <a:schemeClr val="tx1"/>
+                </a:solidFill>
+                <a:latin typeface="+mn-lt"/>
+                <a:ea typeface="+mn-ea"/>
+                <a:cs typeface="+mn-cs"/>
+              </a:defRPr>
+            </a:lvl8pPr>
+            <a:lvl9pPr marL="3886200" indent="-228600" algn="l" defTabSz="914400" rtl="0" eaLnBrk="1" latinLnBrk="0" hangingPunct="1">
+              <a:spcBef>
+                <a:spcPct val="20000"/>
+              </a:spcBef>
+              <a:buFont typeface="Arial" panose="020B0604020202020204" pitchFamily="34" charset="0"/>
+              <a:buChar char="•"/>
+              <a:defRPr sz="2000" kern="1200">
+                <a:solidFill>
+                  <a:schemeClr val="tx1"/>
+                </a:solidFill>
+                <a:latin typeface="+mn-lt"/>
+                <a:ea typeface="+mn-ea"/>
+                <a:cs typeface="+mn-cs"/>
+              </a:defRPr>
+            </a:lvl9pPr>
+          </a:lstStyle>
+          <a:p>
+            <a:r>
+              <a:rPr lang="en-US" sz="2000" dirty="0" smtClean="0"/>
+              <a:t>Both consider emotions to descend from valenced reactions to the stimuli.</a:t>
+            </a:r>
+          </a:p>
+          <a:p>
+            <a:r>
+              <a:rPr lang="en-US" sz="2000" dirty="0" smtClean="0"/>
+              <a:t>Both acknowledge </a:t>
+            </a:r>
+            <a:r>
+              <a:rPr lang="en-US" sz="2000" dirty="0"/>
+              <a:t>the role of arousal in determining </a:t>
+            </a:r>
+            <a:r>
+              <a:rPr lang="en-US" sz="2000" dirty="0" smtClean="0"/>
+              <a:t>emotional reactions (as intensity in OCC model – as coping potential by Scherer).</a:t>
+            </a:r>
+          </a:p>
+          <a:p>
+            <a:r>
+              <a:rPr lang="en-US" sz="2000" dirty="0" smtClean="0"/>
+              <a:t>Dimensional theories and OCC model can relate to each other in terms of categorization of emotions.</a:t>
+            </a:r>
+          </a:p>
+        </p:txBody>
+      </p:sp>
+      <p:sp>
+        <p:nvSpPr>
+          <p:cNvPr id="9" name="Title 1"/>
+          <p:cNvSpPr txBox="1">
+            <a:spLocks/>
+          </p:cNvSpPr>
+          <p:nvPr/>
+        </p:nvSpPr>
+        <p:spPr>
+          <a:xfrm>
+            <a:off x="228600" y="0"/>
+            <a:ext cx="8686800" cy="1143000"/>
+          </a:xfrm>
+          <a:prstGeom prst="rect">
+            <a:avLst/>
+          </a:prstGeom>
+        </p:spPr>
+        <p:txBody>
+          <a:bodyPr vert="horz" lIns="91440" tIns="45720" rIns="91440" bIns="45720" rtlCol="0" anchor="ctr">
+            <a:normAutofit/>
+          </a:bodyPr>
+          <a:lstStyle>
+            <a:lvl1pPr algn="ctr" defTabSz="914400" rtl="0" eaLnBrk="1" latinLnBrk="0" hangingPunct="1">
+              <a:spcBef>
+                <a:spcPct val="0"/>
+              </a:spcBef>
+              <a:buNone/>
+              <a:defRPr sz="4400" kern="1200">
+                <a:solidFill>
+                  <a:schemeClr val="tx1"/>
+                </a:solidFill>
+                <a:latin typeface="+mj-lt"/>
+                <a:ea typeface="+mj-ea"/>
+                <a:cs typeface="+mj-cs"/>
+              </a:defRPr>
+            </a:lvl1pPr>
+          </a:lstStyle>
+          <a:p>
+            <a:pPr algn="l"/>
+            <a:r>
+              <a:rPr lang="en-US" sz="2400" b="1" dirty="0"/>
+              <a:t>Affective Computing &gt; </a:t>
+            </a:r>
+            <a:r>
+              <a:rPr lang="en-US" sz="2400" b="1" dirty="0" smtClean="0"/>
+              <a:t>Similarities &amp; Differences: </a:t>
+            </a:r>
+            <a:r>
+              <a:rPr lang="en-US" sz="2000" b="1" i="1" dirty="0" smtClean="0"/>
+              <a:t>OCC &amp; Dimensional</a:t>
+            </a:r>
+            <a:endParaRPr lang="en-US" sz="2000" b="1" i="1" dirty="0"/>
+          </a:p>
+        </p:txBody>
+      </p:sp>
+      <p:pic>
+        <p:nvPicPr>
+          <p:cNvPr id="3074" name="Picture 2" descr="C:\Users\Mohammad\Documents\GitHub\CompExam2\figure\occ-circumplex-mapping.png"/>
+          <p:cNvPicPr>
+            <a:picLocks noChangeAspect="1" noChangeArrowheads="1"/>
+          </p:cNvPicPr>
+          <p:nvPr/>
+        </p:nvPicPr>
+        <p:blipFill>
+          <a:blip r:embed="rId3" cstate="print">
+            <a:extLst>
+              <a:ext uri="{28A0092B-C50C-407E-A947-70E740481C1C}">
+                <a14:useLocalDpi xmlns:a14="http://schemas.microsoft.com/office/drawing/2010/main" val="0"/>
+              </a:ext>
+            </a:extLst>
+          </a:blip>
+          <a:srcRect/>
+          <a:stretch>
+            <a:fillRect/>
+          </a:stretch>
+        </p:blipFill>
+        <p:spPr bwMode="auto">
+          <a:xfrm>
+            <a:off x="2341370" y="3363694"/>
+            <a:ext cx="4461259" cy="3394353"/>
+          </a:xfrm>
+          <a:prstGeom prst="rect">
+            <a:avLst/>
+          </a:prstGeom>
+          <a:noFill/>
+          <a:extLst>
+            <a:ext uri="{909E8E84-426E-40DD-AFC4-6F175D3DCCD1}">
+              <a14:hiddenFill xmlns:a14="http://schemas.microsoft.com/office/drawing/2010/main">
+                <a:solidFill>
+                  <a:srgbClr val="FFFFFF"/>
+                </a:solidFill>
+              </a14:hiddenFill>
+            </a:ext>
+          </a:extLst>
+        </p:spPr>
+      </p:pic>
+    </p:spTree>
+    <p:extLst>
+      <p:ext uri="{BB962C8B-B14F-4D97-AF65-F5344CB8AC3E}">
+        <p14:creationId xmlns:p14="http://schemas.microsoft.com/office/powerpoint/2010/main" val="113192362"/>
+      </p:ext>
+    </p:extLst>
+  </p:cSld>
+  <p:clrMapOvr>
+    <a:masterClrMapping/>
+  </p:clrMapOvr>
+  <p:timing>
+    <p:tnLst>
+      <p:par>
+        <p:cTn id="1" dur="indefinite" restart="never" nodeType="tmRoot"/>
+      </p:par>
+    </p:tnLst>
+  </p:timing>
+</p:sld>
+</file>
+
+<file path=ppt/slides/slide29.xml><?xml version="1.0" encoding="utf-8"?>
+<p:sld xmlns:a="http://schemas.openxmlformats.org/drawingml/2006/main" xmlns:r="http://schemas.openxmlformats.org/officeDocument/2006/relationships" xmlns:p="http://schemas.openxmlformats.org/presentationml/2006/main">
+  <p:cSld>
+    <p:spTree>
+      <p:nvGrpSpPr>
+        <p:cNvPr id="1" name=""/>
+        <p:cNvGrpSpPr/>
+        <p:nvPr/>
+      </p:nvGrpSpPr>
+      <p:grpSpPr>
+        <a:xfrm>
+          <a:off x="0" y="0"/>
+          <a:ext cx="0" cy="0"/>
+          <a:chOff x="0" y="0"/>
+          <a:chExt cx="0" cy="0"/>
+        </a:xfrm>
+      </p:grpSpPr>
+      <p:sp>
+        <p:nvSpPr>
+          <p:cNvPr id="5" name="Content Placeholder 2"/>
+          <p:cNvSpPr txBox="1">
+            <a:spLocks/>
+          </p:cNvSpPr>
+          <p:nvPr/>
+        </p:nvSpPr>
+        <p:spPr>
+          <a:xfrm>
+            <a:off x="457199" y="1219201"/>
+            <a:ext cx="8206611" cy="5181599"/>
+          </a:xfrm>
+          <a:prstGeom prst="rect">
+            <a:avLst/>
+          </a:prstGeom>
+        </p:spPr>
+        <p:txBody>
+          <a:bodyPr vert="horz" lIns="91440" tIns="45720" rIns="91440" bIns="45720" rtlCol="0">
+            <a:normAutofit/>
+          </a:bodyPr>
+          <a:lstStyle>
+            <a:lvl1pPr marL="342900" indent="-342900" algn="l" defTabSz="914400" rtl="0" eaLnBrk="1" latinLnBrk="0" hangingPunct="1">
+              <a:spcBef>
+                <a:spcPct val="20000"/>
+              </a:spcBef>
+              <a:buFont typeface="Arial" panose="020B0604020202020204" pitchFamily="34" charset="0"/>
+              <a:buChar char="•"/>
+              <a:defRPr sz="3200" kern="1200">
+                <a:solidFill>
+                  <a:schemeClr val="tx1"/>
+                </a:solidFill>
+                <a:latin typeface="+mn-lt"/>
+                <a:ea typeface="+mn-ea"/>
+                <a:cs typeface="+mn-cs"/>
+              </a:defRPr>
+            </a:lvl1pPr>
+            <a:lvl2pPr marL="742950" indent="-285750" algn="l" defTabSz="914400" rtl="0" eaLnBrk="1" latinLnBrk="0" hangingPunct="1">
+              <a:spcBef>
+                <a:spcPct val="20000"/>
+              </a:spcBef>
+              <a:buFont typeface="Arial" panose="020B0604020202020204" pitchFamily="34" charset="0"/>
+              <a:buChar char="–"/>
+              <a:defRPr sz="2800" kern="1200">
+                <a:solidFill>
+                  <a:schemeClr val="tx1"/>
+                </a:solidFill>
+                <a:latin typeface="+mn-lt"/>
+                <a:ea typeface="+mn-ea"/>
+                <a:cs typeface="+mn-cs"/>
+              </a:defRPr>
+            </a:lvl2pPr>
+            <a:lvl3pPr marL="1143000" indent="-228600" algn="l" defTabSz="914400" rtl="0" eaLnBrk="1" latinLnBrk="0" hangingPunct="1">
+              <a:spcBef>
+                <a:spcPct val="20000"/>
+              </a:spcBef>
+              <a:buFont typeface="Arial" panose="020B0604020202020204" pitchFamily="34" charset="0"/>
+              <a:buChar char="•"/>
+              <a:defRPr sz="2400" kern="1200">
+                <a:solidFill>
+                  <a:schemeClr val="tx1"/>
+                </a:solidFill>
+                <a:latin typeface="+mn-lt"/>
+                <a:ea typeface="+mn-ea"/>
+                <a:cs typeface="+mn-cs"/>
+              </a:defRPr>
+            </a:lvl3pPr>
+            <a:lvl4pPr marL="1600200" indent="-228600" algn="l" defTabSz="914400" rtl="0" eaLnBrk="1" latinLnBrk="0" hangingPunct="1">
+              <a:spcBef>
+                <a:spcPct val="20000"/>
+              </a:spcBef>
+              <a:buFont typeface="Arial" panose="020B0604020202020204" pitchFamily="34" charset="0"/>
+              <a:buChar char="–"/>
+              <a:defRPr sz="2000" kern="1200">
+                <a:solidFill>
+                  <a:schemeClr val="tx1"/>
+                </a:solidFill>
+                <a:latin typeface="+mn-lt"/>
+                <a:ea typeface="+mn-ea"/>
+                <a:cs typeface="+mn-cs"/>
+              </a:defRPr>
+            </a:lvl4pPr>
+            <a:lvl5pPr marL="2057400" indent="-228600" algn="l" defTabSz="914400" rtl="0" eaLnBrk="1" latinLnBrk="0" hangingPunct="1">
+              <a:spcBef>
+                <a:spcPct val="20000"/>
+              </a:spcBef>
+              <a:buFont typeface="Arial" panose="020B0604020202020204" pitchFamily="34" charset="0"/>
+              <a:buChar char="»"/>
+              <a:defRPr sz="2000" kern="1200">
+                <a:solidFill>
+                  <a:schemeClr val="tx1"/>
+                </a:solidFill>
+                <a:latin typeface="+mn-lt"/>
+                <a:ea typeface="+mn-ea"/>
+                <a:cs typeface="+mn-cs"/>
+              </a:defRPr>
+            </a:lvl5pPr>
+            <a:lvl6pPr marL="2514600" indent="-228600" algn="l" defTabSz="914400" rtl="0" eaLnBrk="1" latinLnBrk="0" hangingPunct="1">
+              <a:spcBef>
+                <a:spcPct val="20000"/>
+              </a:spcBef>
+              <a:buFont typeface="Arial" panose="020B0604020202020204" pitchFamily="34" charset="0"/>
+              <a:buChar char="•"/>
+              <a:defRPr sz="2000" kern="1200">
+                <a:solidFill>
+                  <a:schemeClr val="tx1"/>
+                </a:solidFill>
+                <a:latin typeface="+mn-lt"/>
+                <a:ea typeface="+mn-ea"/>
+                <a:cs typeface="+mn-cs"/>
+              </a:defRPr>
+            </a:lvl6pPr>
+            <a:lvl7pPr marL="2971800" indent="-228600" algn="l" defTabSz="914400" rtl="0" eaLnBrk="1" latinLnBrk="0" hangingPunct="1">
+              <a:spcBef>
+                <a:spcPct val="20000"/>
+              </a:spcBef>
+              <a:buFont typeface="Arial" panose="020B0604020202020204" pitchFamily="34" charset="0"/>
+              <a:buChar char="•"/>
+              <a:defRPr sz="2000" kern="1200">
+                <a:solidFill>
+                  <a:schemeClr val="tx1"/>
+                </a:solidFill>
+                <a:latin typeface="+mn-lt"/>
+                <a:ea typeface="+mn-ea"/>
+                <a:cs typeface="+mn-cs"/>
+              </a:defRPr>
+            </a:lvl7pPr>
+            <a:lvl8pPr marL="3429000" indent="-228600" algn="l" defTabSz="914400" rtl="0" eaLnBrk="1" latinLnBrk="0" hangingPunct="1">
+              <a:spcBef>
+                <a:spcPct val="20000"/>
+              </a:spcBef>
+              <a:buFont typeface="Arial" panose="020B0604020202020204" pitchFamily="34" charset="0"/>
+              <a:buChar char="•"/>
+              <a:defRPr sz="2000" kern="1200">
+                <a:solidFill>
+                  <a:schemeClr val="tx1"/>
+                </a:solidFill>
+                <a:latin typeface="+mn-lt"/>
+                <a:ea typeface="+mn-ea"/>
+                <a:cs typeface="+mn-cs"/>
+              </a:defRPr>
+            </a:lvl8pPr>
+            <a:lvl9pPr marL="3886200" indent="-228600" algn="l" defTabSz="914400" rtl="0" eaLnBrk="1" latinLnBrk="0" hangingPunct="1">
+              <a:spcBef>
+                <a:spcPct val="20000"/>
+              </a:spcBef>
+              <a:buFont typeface="Arial" panose="020B0604020202020204" pitchFamily="34" charset="0"/>
+              <a:buChar char="•"/>
+              <a:defRPr sz="2000" kern="1200">
+                <a:solidFill>
+                  <a:schemeClr val="tx1"/>
+                </a:solidFill>
+                <a:latin typeface="+mn-lt"/>
+                <a:ea typeface="+mn-ea"/>
+                <a:cs typeface="+mn-cs"/>
+              </a:defRPr>
+            </a:lvl9pPr>
+          </a:lstStyle>
+          <a:p>
+            <a:r>
+              <a:rPr lang="en-US" sz="2000" dirty="0" smtClean="0"/>
+              <a:t>Companion robots</a:t>
+            </a:r>
+          </a:p>
+          <a:p>
+            <a:r>
+              <a:rPr lang="en-US" sz="2000" dirty="0" smtClean="0"/>
+              <a:t>Expressive robots</a:t>
+            </a:r>
+          </a:p>
+          <a:p>
+            <a:r>
+              <a:rPr lang="en-US" sz="2000" dirty="0" smtClean="0"/>
+              <a:t>Robots with affective behaviors</a:t>
+            </a:r>
+          </a:p>
+          <a:p>
+            <a:r>
+              <a:rPr lang="en-US" sz="2000" dirty="0" smtClean="0"/>
+              <a:t>Robots with affect recognition capability</a:t>
+            </a:r>
+          </a:p>
+          <a:p>
+            <a:r>
+              <a:rPr lang="en-US" sz="2000" dirty="0"/>
+              <a:t>Robots </a:t>
+            </a:r>
+            <a:r>
+              <a:rPr lang="en-US" sz="2000" dirty="0" smtClean="0"/>
+              <a:t>with adaptive behaviors</a:t>
+            </a:r>
+          </a:p>
+          <a:p>
+            <a:r>
+              <a:rPr lang="en-US" sz="2000" dirty="0" smtClean="0"/>
+              <a:t>Interactive robots</a:t>
+            </a:r>
+          </a:p>
+          <a:p>
+            <a:r>
+              <a:rPr lang="en-US" sz="2000" dirty="0" smtClean="0"/>
+              <a:t>Learning in robots</a:t>
+            </a:r>
+          </a:p>
+          <a:p>
+            <a:r>
+              <a:rPr lang="en-US" sz="2000" dirty="0" smtClean="0"/>
+              <a:t>Service robots</a:t>
+            </a:r>
+          </a:p>
+          <a:p>
+            <a:r>
+              <a:rPr lang="en-US" sz="2000" dirty="0" smtClean="0"/>
+              <a:t>Decision-making in robots</a:t>
+            </a:r>
+          </a:p>
+          <a:p>
+            <a:r>
+              <a:rPr lang="en-US" sz="2000" dirty="0" smtClean="0"/>
+              <a:t>Human-computer interaction</a:t>
+            </a:r>
+          </a:p>
+          <a:p>
+            <a:endParaRPr lang="en-US" sz="2000" dirty="0" smtClean="0"/>
+          </a:p>
+        </p:txBody>
+      </p:sp>
+      <p:sp>
+        <p:nvSpPr>
+          <p:cNvPr id="9" name="Title 1"/>
+          <p:cNvSpPr txBox="1">
+            <a:spLocks/>
+          </p:cNvSpPr>
+          <p:nvPr/>
+        </p:nvSpPr>
+        <p:spPr>
+          <a:xfrm>
+            <a:off x="228600" y="0"/>
+            <a:ext cx="8686800" cy="1143000"/>
+          </a:xfrm>
+          <a:prstGeom prst="rect">
+            <a:avLst/>
+          </a:prstGeom>
+        </p:spPr>
+        <p:txBody>
+          <a:bodyPr vert="horz" lIns="91440" tIns="45720" rIns="91440" bIns="45720" rtlCol="0" anchor="ctr">
+            <a:normAutofit/>
+          </a:bodyPr>
+          <a:lstStyle>
+            <a:lvl1pPr algn="ctr" defTabSz="914400" rtl="0" eaLnBrk="1" latinLnBrk="0" hangingPunct="1">
+              <a:spcBef>
+                <a:spcPct val="0"/>
+              </a:spcBef>
+              <a:buNone/>
+              <a:defRPr sz="4400" kern="1200">
+                <a:solidFill>
+                  <a:schemeClr val="tx1"/>
+                </a:solidFill>
+                <a:latin typeface="+mj-lt"/>
+                <a:ea typeface="+mj-ea"/>
+                <a:cs typeface="+mj-cs"/>
+              </a:defRPr>
+            </a:lvl1pPr>
+          </a:lstStyle>
+          <a:p>
+            <a:pPr algn="l"/>
+            <a:r>
+              <a:rPr lang="en-US" sz="2400" b="1" dirty="0"/>
+              <a:t>Affective Computing &gt; </a:t>
+            </a:r>
+            <a:r>
+              <a:rPr lang="en-US" sz="2400" b="1" dirty="0" smtClean="0"/>
+              <a:t>Applications</a:t>
+            </a:r>
+            <a:endParaRPr lang="en-US" sz="2000" b="1" i="1" dirty="0"/>
+          </a:p>
+        </p:txBody>
+      </p:sp>
+    </p:spTree>
+    <p:extLst>
+      <p:ext uri="{BB962C8B-B14F-4D97-AF65-F5344CB8AC3E}">
+        <p14:creationId xmlns:p14="http://schemas.microsoft.com/office/powerpoint/2010/main" val="765069446"/>
+      </p:ext>
+    </p:extLst>
+  </p:cSld>
+  <p:clrMapOvr>
+    <a:masterClrMapping/>
+  </p:clrMapOvr>
+  <p:timing>
+    <p:tnLst>
+      <p:par>
+        <p:cTn id="1" dur="indefinite" restart="never" nodeType="tmRoot"/>
+      </p:par>
+    </p:tnLst>
+  </p:timing>
+</p:sld>
+</file>
+
+<file path=ppt/slides/slide3.xml><?xml version="1.0" encoding="utf-8"?>
+<p:sld xmlns:a="http://schemas.openxmlformats.org/drawingml/2006/main" xmlns:r="http://schemas.openxmlformats.org/officeDocument/2006/relationships" xmlns:p="http://schemas.openxmlformats.org/presentationml/2006/main">
+  <p:cSld>
+    <p:spTree>
+      <p:nvGrpSpPr>
+        <p:cNvPr id="1" name=""/>
+        <p:cNvGrpSpPr/>
+        <p:nvPr/>
+      </p:nvGrpSpPr>
+      <p:grpSpPr>
+        <a:xfrm>
+          <a:off x="0" y="0"/>
+          <a:ext cx="0" cy="0"/>
+          <a:chOff x="0" y="0"/>
+          <a:chExt cx="0" cy="0"/>
+        </a:xfrm>
+      </p:grpSpPr>
+      <p:sp>
+        <p:nvSpPr>
+          <p:cNvPr id="5" name="Content Placeholder 2"/>
+          <p:cNvSpPr txBox="1">
+            <a:spLocks/>
+          </p:cNvSpPr>
+          <p:nvPr/>
+        </p:nvSpPr>
+        <p:spPr>
+          <a:xfrm>
+            <a:off x="457199" y="1219201"/>
+            <a:ext cx="8206611" cy="5181599"/>
+          </a:xfrm>
+          <a:prstGeom prst="rect">
+            <a:avLst/>
+          </a:prstGeom>
+        </p:spPr>
+        <p:txBody>
+          <a:bodyPr vert="horz" lIns="91440" tIns="45720" rIns="91440" bIns="45720" rtlCol="0">
+            <a:normAutofit/>
+          </a:bodyPr>
+          <a:lstStyle>
+            <a:lvl1pPr marL="342900" indent="-342900" algn="l" defTabSz="914400" rtl="0" eaLnBrk="1" latinLnBrk="0" hangingPunct="1">
+              <a:spcBef>
+                <a:spcPct val="20000"/>
+              </a:spcBef>
+              <a:buFont typeface="Arial" panose="020B0604020202020204" pitchFamily="34" charset="0"/>
+              <a:buChar char="•"/>
+              <a:defRPr sz="3200" kern="1200">
+                <a:solidFill>
+                  <a:schemeClr val="tx1"/>
+                </a:solidFill>
+                <a:latin typeface="+mn-lt"/>
+                <a:ea typeface="+mn-ea"/>
+                <a:cs typeface="+mn-cs"/>
+              </a:defRPr>
+            </a:lvl1pPr>
+            <a:lvl2pPr marL="742950" indent="-285750" algn="l" defTabSz="914400" rtl="0" eaLnBrk="1" latinLnBrk="0" hangingPunct="1">
+              <a:spcBef>
+                <a:spcPct val="20000"/>
+              </a:spcBef>
+              <a:buFont typeface="Arial" panose="020B0604020202020204" pitchFamily="34" charset="0"/>
+              <a:buChar char="–"/>
+              <a:defRPr sz="2800" kern="1200">
+                <a:solidFill>
+                  <a:schemeClr val="tx1"/>
+                </a:solidFill>
+                <a:latin typeface="+mn-lt"/>
+                <a:ea typeface="+mn-ea"/>
+                <a:cs typeface="+mn-cs"/>
+              </a:defRPr>
+            </a:lvl2pPr>
+            <a:lvl3pPr marL="1143000" indent="-228600" algn="l" defTabSz="914400" rtl="0" eaLnBrk="1" latinLnBrk="0" hangingPunct="1">
+              <a:spcBef>
+                <a:spcPct val="20000"/>
+              </a:spcBef>
+              <a:buFont typeface="Arial" panose="020B0604020202020204" pitchFamily="34" charset="0"/>
+              <a:buChar char="•"/>
+              <a:defRPr sz="2400" kern="1200">
+                <a:solidFill>
+                  <a:schemeClr val="tx1"/>
+                </a:solidFill>
+                <a:latin typeface="+mn-lt"/>
+                <a:ea typeface="+mn-ea"/>
+                <a:cs typeface="+mn-cs"/>
+              </a:defRPr>
+            </a:lvl3pPr>
+            <a:lvl4pPr marL="1600200" indent="-228600" algn="l" defTabSz="914400" rtl="0" eaLnBrk="1" latinLnBrk="0" hangingPunct="1">
+              <a:spcBef>
+                <a:spcPct val="20000"/>
+              </a:spcBef>
+              <a:buFont typeface="Arial" panose="020B0604020202020204" pitchFamily="34" charset="0"/>
+              <a:buChar char="–"/>
+              <a:defRPr sz="2000" kern="1200">
+                <a:solidFill>
+                  <a:schemeClr val="tx1"/>
+                </a:solidFill>
+                <a:latin typeface="+mn-lt"/>
+                <a:ea typeface="+mn-ea"/>
+                <a:cs typeface="+mn-cs"/>
+              </a:defRPr>
+            </a:lvl4pPr>
+            <a:lvl5pPr marL="2057400" indent="-228600" algn="l" defTabSz="914400" rtl="0" eaLnBrk="1" latinLnBrk="0" hangingPunct="1">
+              <a:spcBef>
+                <a:spcPct val="20000"/>
+              </a:spcBef>
+              <a:buFont typeface="Arial" panose="020B0604020202020204" pitchFamily="34" charset="0"/>
+              <a:buChar char="»"/>
+              <a:defRPr sz="2000" kern="1200">
+                <a:solidFill>
+                  <a:schemeClr val="tx1"/>
+                </a:solidFill>
+                <a:latin typeface="+mn-lt"/>
+                <a:ea typeface="+mn-ea"/>
+                <a:cs typeface="+mn-cs"/>
+              </a:defRPr>
+            </a:lvl5pPr>
+            <a:lvl6pPr marL="2514600" indent="-228600" algn="l" defTabSz="914400" rtl="0" eaLnBrk="1" latinLnBrk="0" hangingPunct="1">
+              <a:spcBef>
+                <a:spcPct val="20000"/>
+              </a:spcBef>
+              <a:buFont typeface="Arial" panose="020B0604020202020204" pitchFamily="34" charset="0"/>
+              <a:buChar char="•"/>
+              <a:defRPr sz="2000" kern="1200">
+                <a:solidFill>
+                  <a:schemeClr val="tx1"/>
+                </a:solidFill>
+                <a:latin typeface="+mn-lt"/>
+                <a:ea typeface="+mn-ea"/>
+                <a:cs typeface="+mn-cs"/>
+              </a:defRPr>
+            </a:lvl6pPr>
+            <a:lvl7pPr marL="2971800" indent="-228600" algn="l" defTabSz="914400" rtl="0" eaLnBrk="1" latinLnBrk="0" hangingPunct="1">
+              <a:spcBef>
+                <a:spcPct val="20000"/>
+              </a:spcBef>
+              <a:buFont typeface="Arial" panose="020B0604020202020204" pitchFamily="34" charset="0"/>
+              <a:buChar char="•"/>
+              <a:defRPr sz="2000" kern="1200">
+                <a:solidFill>
+                  <a:schemeClr val="tx1"/>
+                </a:solidFill>
+                <a:latin typeface="+mn-lt"/>
+                <a:ea typeface="+mn-ea"/>
+                <a:cs typeface="+mn-cs"/>
+              </a:defRPr>
+            </a:lvl7pPr>
+            <a:lvl8pPr marL="3429000" indent="-228600" algn="l" defTabSz="914400" rtl="0" eaLnBrk="1" latinLnBrk="0" hangingPunct="1">
+              <a:spcBef>
+                <a:spcPct val="20000"/>
+              </a:spcBef>
+              <a:buFont typeface="Arial" panose="020B0604020202020204" pitchFamily="34" charset="0"/>
+              <a:buChar char="•"/>
+              <a:defRPr sz="2000" kern="1200">
+                <a:solidFill>
+                  <a:schemeClr val="tx1"/>
+                </a:solidFill>
+                <a:latin typeface="+mn-lt"/>
+                <a:ea typeface="+mn-ea"/>
+                <a:cs typeface="+mn-cs"/>
+              </a:defRPr>
+            </a:lvl8pPr>
+            <a:lvl9pPr marL="3886200" indent="-228600" algn="l" defTabSz="914400" rtl="0" eaLnBrk="1" latinLnBrk="0" hangingPunct="1">
+              <a:spcBef>
+                <a:spcPct val="20000"/>
+              </a:spcBef>
+              <a:buFont typeface="Arial" panose="020B0604020202020204" pitchFamily="34" charset="0"/>
+              <a:buChar char="•"/>
+              <a:defRPr sz="2000" kern="1200">
+                <a:solidFill>
+                  <a:schemeClr val="tx1"/>
+                </a:solidFill>
+                <a:latin typeface="+mn-lt"/>
+                <a:ea typeface="+mn-ea"/>
+                <a:cs typeface="+mn-cs"/>
+              </a:defRPr>
+            </a:lvl9pPr>
+          </a:lstStyle>
+          <a:p>
+            <a:pPr marL="0" indent="0">
+              <a:buNone/>
+            </a:pPr>
+            <a:r>
+              <a:rPr lang="en-US" sz="2000" dirty="0" smtClean="0"/>
+              <a:t>Prominent collaboration theories are based on BDI paradigm (</a:t>
+            </a:r>
+            <a:r>
+              <a:rPr lang="en-US" sz="2000" dirty="0" err="1" smtClean="0"/>
+              <a:t>Bratman</a:t>
+            </a:r>
+            <a:r>
+              <a:rPr lang="en-US" sz="2000" dirty="0" smtClean="0"/>
+              <a:t>):</a:t>
+            </a:r>
+          </a:p>
+          <a:p>
+            <a:pPr marL="0" indent="0">
+              <a:buNone/>
+            </a:pPr>
+            <a:endParaRPr lang="en-US" sz="2000" dirty="0" smtClean="0"/>
+          </a:p>
+          <a:p>
+            <a:r>
+              <a:rPr lang="en-US" sz="2000" dirty="0" smtClean="0"/>
+              <a:t>SharedPlans (Grosz &amp; Sidner),</a:t>
+            </a:r>
+          </a:p>
+          <a:p>
+            <a:r>
+              <a:rPr lang="en-US" sz="2000" dirty="0" smtClean="0"/>
+              <a:t>Joint Intentions (Cohen &amp; Levesque)</a:t>
+            </a:r>
+          </a:p>
+          <a:p>
+            <a:endParaRPr lang="en-US" sz="2000" dirty="0"/>
+          </a:p>
+          <a:p>
+            <a:pPr marL="0" indent="0">
+              <a:buNone/>
+            </a:pPr>
+            <a:r>
+              <a:rPr lang="en-US" sz="2000" dirty="0" err="1" smtClean="0"/>
+              <a:t>Bratman’s</a:t>
+            </a:r>
+            <a:r>
+              <a:rPr lang="en-US" sz="2000" dirty="0" smtClean="0"/>
+              <a:t> view of commitment:</a:t>
+            </a:r>
+          </a:p>
+          <a:p>
+            <a:r>
+              <a:rPr lang="en-US" sz="2000" dirty="0"/>
+              <a:t>Mutual commitment to joint </a:t>
+            </a:r>
+            <a:r>
+              <a:rPr lang="en-US" sz="2000" dirty="0" smtClean="0"/>
+              <a:t>activity</a:t>
+            </a:r>
+          </a:p>
+          <a:p>
+            <a:r>
+              <a:rPr lang="en-US" sz="2000" dirty="0"/>
+              <a:t>Mutual </a:t>
+            </a:r>
+            <a:r>
+              <a:rPr lang="en-US" sz="2000" dirty="0" smtClean="0"/>
+              <a:t>support</a:t>
+            </a:r>
+          </a:p>
+          <a:p>
+            <a:r>
+              <a:rPr lang="en-US" sz="2000" dirty="0"/>
+              <a:t>Mutual responsiveness</a:t>
+            </a:r>
+          </a:p>
+          <a:p>
+            <a:endParaRPr lang="en-US" sz="2900" dirty="0" smtClean="0"/>
+          </a:p>
+          <a:p>
+            <a:pPr marL="0" indent="0">
+              <a:buNone/>
+            </a:pPr>
+            <a:r>
+              <a:rPr lang="en-US" sz="2000" dirty="0" smtClean="0"/>
+              <a:t>Commitment and  other fundamental concepts of </a:t>
+            </a:r>
+            <a:r>
+              <a:rPr lang="en-US" sz="2000" dirty="0"/>
+              <a:t>collaboration </a:t>
+            </a:r>
+            <a:r>
+              <a:rPr lang="en-US" sz="2000" dirty="0" smtClean="0"/>
+              <a:t>such as mutual beliefs, joint intentions, shared goals, and shared plans mutually support each other to establish a collaborative activity.</a:t>
+            </a:r>
+          </a:p>
+          <a:p>
+            <a:pPr lvl="1"/>
+            <a:endParaRPr lang="en-US" sz="2400" dirty="0" smtClean="0"/>
+          </a:p>
+          <a:p>
+            <a:endParaRPr lang="en-US" sz="2800" dirty="0"/>
+          </a:p>
+        </p:txBody>
+      </p:sp>
+      <p:sp>
+        <p:nvSpPr>
+          <p:cNvPr id="9" name="Title 1"/>
+          <p:cNvSpPr txBox="1">
+            <a:spLocks/>
+          </p:cNvSpPr>
+          <p:nvPr/>
+        </p:nvSpPr>
+        <p:spPr>
+          <a:xfrm>
+            <a:off x="457200" y="0"/>
+            <a:ext cx="8229600" cy="1143000"/>
+          </a:xfrm>
+          <a:prstGeom prst="rect">
+            <a:avLst/>
+          </a:prstGeom>
+        </p:spPr>
+        <p:txBody>
+          <a:bodyPr vert="horz" lIns="91440" tIns="45720" rIns="91440" bIns="45720" rtlCol="0" anchor="ctr">
+            <a:normAutofit/>
+          </a:bodyPr>
+          <a:lstStyle>
+            <a:lvl1pPr algn="ctr" defTabSz="914400" rtl="0" eaLnBrk="1" latinLnBrk="0" hangingPunct="1">
+              <a:spcBef>
+                <a:spcPct val="0"/>
+              </a:spcBef>
+              <a:buNone/>
+              <a:defRPr sz="4400" kern="1200">
+                <a:solidFill>
+                  <a:schemeClr val="tx1"/>
+                </a:solidFill>
+                <a:latin typeface="+mj-lt"/>
+                <a:ea typeface="+mj-ea"/>
+                <a:cs typeface="+mj-cs"/>
+              </a:defRPr>
+            </a:lvl1pPr>
+          </a:lstStyle>
+          <a:p>
+            <a:pPr algn="l"/>
+            <a:r>
+              <a:rPr lang="en-US" sz="2400" b="1" dirty="0" smtClean="0"/>
+              <a:t>Collaboration Theories</a:t>
+            </a:r>
+            <a:endParaRPr lang="en-US" sz="2400" b="1" dirty="0"/>
+          </a:p>
+        </p:txBody>
+      </p:sp>
+    </p:spTree>
+    <p:extLst>
+      <p:ext uri="{BB962C8B-B14F-4D97-AF65-F5344CB8AC3E}">
+        <p14:creationId xmlns:p14="http://schemas.microsoft.com/office/powerpoint/2010/main" val="355014128"/>
+      </p:ext>
+    </p:extLst>
+  </p:cSld>
+  <p:clrMapOvr>
+    <a:masterClrMapping/>
+  </p:clrMapOvr>
+  <p:timing>
+    <p:tnLst>
+      <p:par>
+        <p:cTn id="1" dur="indefinite" restart="never" nodeType="tmRoot"/>
+      </p:par>
+    </p:tnLst>
+  </p:timing>
+</p:sld>
+</file>
+
+<file path=ppt/slides/slide30.xml><?xml version="1.0" encoding="utf-8"?>
+<p:sld xmlns:a="http://schemas.openxmlformats.org/drawingml/2006/main" xmlns:r="http://schemas.openxmlformats.org/officeDocument/2006/relationships" xmlns:p="http://schemas.openxmlformats.org/presentationml/2006/main">
+  <p:cSld>
+    <p:spTree>
+      <p:nvGrpSpPr>
+        <p:cNvPr id="1" name=""/>
+        <p:cNvGrpSpPr/>
+        <p:nvPr/>
+      </p:nvGrpSpPr>
+      <p:grpSpPr>
+        <a:xfrm>
+          <a:off x="0" y="0"/>
+          <a:ext cx="0" cy="0"/>
+          <a:chOff x="0" y="0"/>
+          <a:chExt cx="0" cy="0"/>
+        </a:xfrm>
+      </p:grpSpPr>
+      <p:sp>
+        <p:nvSpPr>
+          <p:cNvPr id="5" name="Content Placeholder 2"/>
+          <p:cNvSpPr txBox="1">
+            <a:spLocks/>
+          </p:cNvSpPr>
+          <p:nvPr/>
+        </p:nvSpPr>
+        <p:spPr>
+          <a:xfrm>
+            <a:off x="457199" y="1219201"/>
+            <a:ext cx="8206611" cy="5181599"/>
+          </a:xfrm>
+          <a:prstGeom prst="rect">
+            <a:avLst/>
+          </a:prstGeom>
+        </p:spPr>
+        <p:txBody>
+          <a:bodyPr vert="horz" lIns="91440" tIns="45720" rIns="91440" bIns="45720" rtlCol="0">
+            <a:normAutofit/>
+          </a:bodyPr>
+          <a:lstStyle>
+            <a:lvl1pPr marL="342900" indent="-342900" algn="l" defTabSz="914400" rtl="0" eaLnBrk="1" latinLnBrk="0" hangingPunct="1">
+              <a:spcBef>
+                <a:spcPct val="20000"/>
+              </a:spcBef>
+              <a:buFont typeface="Arial" panose="020B0604020202020204" pitchFamily="34" charset="0"/>
+              <a:buChar char="•"/>
+              <a:defRPr sz="3200" kern="1200">
+                <a:solidFill>
+                  <a:schemeClr val="tx1"/>
+                </a:solidFill>
+                <a:latin typeface="+mn-lt"/>
+                <a:ea typeface="+mn-ea"/>
+                <a:cs typeface="+mn-cs"/>
+              </a:defRPr>
+            </a:lvl1pPr>
+            <a:lvl2pPr marL="742950" indent="-285750" algn="l" defTabSz="914400" rtl="0" eaLnBrk="1" latinLnBrk="0" hangingPunct="1">
+              <a:spcBef>
+                <a:spcPct val="20000"/>
+              </a:spcBef>
+              <a:buFont typeface="Arial" panose="020B0604020202020204" pitchFamily="34" charset="0"/>
+              <a:buChar char="–"/>
+              <a:defRPr sz="2800" kern="1200">
+                <a:solidFill>
+                  <a:schemeClr val="tx1"/>
+                </a:solidFill>
+                <a:latin typeface="+mn-lt"/>
+                <a:ea typeface="+mn-ea"/>
+                <a:cs typeface="+mn-cs"/>
+              </a:defRPr>
+            </a:lvl2pPr>
+            <a:lvl3pPr marL="1143000" indent="-228600" algn="l" defTabSz="914400" rtl="0" eaLnBrk="1" latinLnBrk="0" hangingPunct="1">
+              <a:spcBef>
+                <a:spcPct val="20000"/>
+              </a:spcBef>
+              <a:buFont typeface="Arial" panose="020B0604020202020204" pitchFamily="34" charset="0"/>
+              <a:buChar char="•"/>
+              <a:defRPr sz="2400" kern="1200">
+                <a:solidFill>
+                  <a:schemeClr val="tx1"/>
+                </a:solidFill>
+                <a:latin typeface="+mn-lt"/>
+                <a:ea typeface="+mn-ea"/>
+                <a:cs typeface="+mn-cs"/>
+              </a:defRPr>
+            </a:lvl3pPr>
+            <a:lvl4pPr marL="1600200" indent="-228600" algn="l" defTabSz="914400" rtl="0" eaLnBrk="1" latinLnBrk="0" hangingPunct="1">
+              <a:spcBef>
+                <a:spcPct val="20000"/>
+              </a:spcBef>
+              <a:buFont typeface="Arial" panose="020B0604020202020204" pitchFamily="34" charset="0"/>
+              <a:buChar char="–"/>
+              <a:defRPr sz="2000" kern="1200">
+                <a:solidFill>
+                  <a:schemeClr val="tx1"/>
+                </a:solidFill>
+                <a:latin typeface="+mn-lt"/>
+                <a:ea typeface="+mn-ea"/>
+                <a:cs typeface="+mn-cs"/>
+              </a:defRPr>
+            </a:lvl4pPr>
+            <a:lvl5pPr marL="2057400" indent="-228600" algn="l" defTabSz="914400" rtl="0" eaLnBrk="1" latinLnBrk="0" hangingPunct="1">
+              <a:spcBef>
+                <a:spcPct val="20000"/>
+              </a:spcBef>
+              <a:buFont typeface="Arial" panose="020B0604020202020204" pitchFamily="34" charset="0"/>
+              <a:buChar char="»"/>
+              <a:defRPr sz="2000" kern="1200">
+                <a:solidFill>
+                  <a:schemeClr val="tx1"/>
+                </a:solidFill>
+                <a:latin typeface="+mn-lt"/>
+                <a:ea typeface="+mn-ea"/>
+                <a:cs typeface="+mn-cs"/>
+              </a:defRPr>
+            </a:lvl5pPr>
+            <a:lvl6pPr marL="2514600" indent="-228600" algn="l" defTabSz="914400" rtl="0" eaLnBrk="1" latinLnBrk="0" hangingPunct="1">
+              <a:spcBef>
+                <a:spcPct val="20000"/>
+              </a:spcBef>
+              <a:buFont typeface="Arial" panose="020B0604020202020204" pitchFamily="34" charset="0"/>
+              <a:buChar char="•"/>
+              <a:defRPr sz="2000" kern="1200">
+                <a:solidFill>
+                  <a:schemeClr val="tx1"/>
+                </a:solidFill>
+                <a:latin typeface="+mn-lt"/>
+                <a:ea typeface="+mn-ea"/>
+                <a:cs typeface="+mn-cs"/>
+              </a:defRPr>
+            </a:lvl6pPr>
+            <a:lvl7pPr marL="2971800" indent="-228600" algn="l" defTabSz="914400" rtl="0" eaLnBrk="1" latinLnBrk="0" hangingPunct="1">
+              <a:spcBef>
+                <a:spcPct val="20000"/>
+              </a:spcBef>
+              <a:buFont typeface="Arial" panose="020B0604020202020204" pitchFamily="34" charset="0"/>
+              <a:buChar char="•"/>
+              <a:defRPr sz="2000" kern="1200">
+                <a:solidFill>
+                  <a:schemeClr val="tx1"/>
+                </a:solidFill>
+                <a:latin typeface="+mn-lt"/>
+                <a:ea typeface="+mn-ea"/>
+                <a:cs typeface="+mn-cs"/>
+              </a:defRPr>
+            </a:lvl7pPr>
+            <a:lvl8pPr marL="3429000" indent="-228600" algn="l" defTabSz="914400" rtl="0" eaLnBrk="1" latinLnBrk="0" hangingPunct="1">
+              <a:spcBef>
+                <a:spcPct val="20000"/>
+              </a:spcBef>
+              <a:buFont typeface="Arial" panose="020B0604020202020204" pitchFamily="34" charset="0"/>
+              <a:buChar char="•"/>
+              <a:defRPr sz="2000" kern="1200">
+                <a:solidFill>
+                  <a:schemeClr val="tx1"/>
+                </a:solidFill>
+                <a:latin typeface="+mn-lt"/>
+                <a:ea typeface="+mn-ea"/>
+                <a:cs typeface="+mn-cs"/>
+              </a:defRPr>
+            </a:lvl8pPr>
+            <a:lvl9pPr marL="3886200" indent="-228600" algn="l" defTabSz="914400" rtl="0" eaLnBrk="1" latinLnBrk="0" hangingPunct="1">
+              <a:spcBef>
+                <a:spcPct val="20000"/>
+              </a:spcBef>
+              <a:buFont typeface="Arial" panose="020B0604020202020204" pitchFamily="34" charset="0"/>
+              <a:buChar char="•"/>
+              <a:defRPr sz="2000" kern="1200">
+                <a:solidFill>
+                  <a:schemeClr val="tx1"/>
+                </a:solidFill>
+                <a:latin typeface="+mn-lt"/>
+                <a:ea typeface="+mn-ea"/>
+                <a:cs typeface="+mn-cs"/>
+              </a:defRPr>
+            </a:lvl9pPr>
+          </a:lstStyle>
+          <a:p>
+            <a:r>
+              <a:rPr lang="en-US" sz="2000" dirty="0" smtClean="0"/>
+              <a:t>It is good </a:t>
+            </a:r>
+            <a:r>
+              <a:rPr lang="en-US" sz="2000" dirty="0"/>
+              <a:t>to follow </a:t>
+            </a:r>
+            <a:r>
+              <a:rPr lang="en-US" sz="2000" dirty="0" smtClean="0"/>
+              <a:t>well-established computational models with theoretical foundations.</a:t>
+            </a:r>
+          </a:p>
+          <a:p>
+            <a:r>
+              <a:rPr lang="en-US" sz="2000" dirty="0" smtClean="0"/>
+              <a:t>They </a:t>
+            </a:r>
+            <a:r>
+              <a:rPr lang="en-US" sz="2000" dirty="0"/>
+              <a:t>can explain more details of the structure or the processes involved </a:t>
+            </a:r>
+            <a:r>
+              <a:rPr lang="en-US" sz="2000" dirty="0" smtClean="0"/>
+              <a:t>in affective </a:t>
+            </a:r>
+            <a:r>
+              <a:rPr lang="en-US" sz="2000" dirty="0"/>
+              <a:t>situations</a:t>
+            </a:r>
+            <a:r>
+              <a:rPr lang="en-US" sz="2000" dirty="0" smtClean="0"/>
+              <a:t>.</a:t>
+            </a:r>
+          </a:p>
+          <a:p>
+            <a:r>
+              <a:rPr lang="en-US" sz="2000" dirty="0"/>
+              <a:t>It is not necessarily </a:t>
+            </a:r>
+            <a:r>
+              <a:rPr lang="en-US" sz="2000" dirty="0" smtClean="0"/>
+              <a:t>to exactly follow only </a:t>
+            </a:r>
+            <a:r>
+              <a:rPr lang="en-US" sz="2000" dirty="0"/>
+              <a:t>one theory and its descriptions</a:t>
+            </a:r>
+            <a:r>
+              <a:rPr lang="en-US" sz="2000" dirty="0" smtClean="0"/>
+              <a:t>.</a:t>
+            </a:r>
+          </a:p>
+          <a:p>
+            <a:r>
+              <a:rPr lang="en-US" sz="2000" dirty="0" smtClean="0"/>
+              <a:t>Different </a:t>
+            </a:r>
+            <a:r>
+              <a:rPr lang="en-US" sz="2000" dirty="0"/>
+              <a:t>aspects of models can represent different theories</a:t>
+            </a:r>
+            <a:r>
+              <a:rPr lang="en-US" sz="2000" dirty="0" smtClean="0"/>
+              <a:t>.</a:t>
+            </a:r>
+          </a:p>
+          <a:p>
+            <a:r>
+              <a:rPr lang="en-US" sz="2000" dirty="0" smtClean="0"/>
+              <a:t>We believe </a:t>
+            </a:r>
+            <a:r>
+              <a:rPr lang="en-US" sz="2000" dirty="0"/>
+              <a:t>the interpersonal </a:t>
+            </a:r>
+            <a:r>
+              <a:rPr lang="en-US" sz="2000" dirty="0" smtClean="0"/>
+              <a:t>functions of </a:t>
+            </a:r>
+            <a:r>
+              <a:rPr lang="en-US" sz="2000" dirty="0"/>
+              <a:t>emotions should be our first </a:t>
+            </a:r>
+            <a:r>
+              <a:rPr lang="en-US" sz="2000" dirty="0" smtClean="0"/>
+              <a:t>concern.</a:t>
+            </a:r>
+          </a:p>
+          <a:p>
+            <a:r>
+              <a:rPr lang="en-US" sz="2000" dirty="0" smtClean="0"/>
+              <a:t>We can </a:t>
+            </a:r>
+            <a:r>
+              <a:rPr lang="en-US" sz="2000" dirty="0"/>
+              <a:t>see the importance </a:t>
+            </a:r>
+            <a:r>
+              <a:rPr lang="en-US" sz="2000" dirty="0" smtClean="0"/>
+              <a:t>of interpretive</a:t>
+            </a:r>
+            <a:r>
+              <a:rPr lang="en-US" sz="2000" dirty="0"/>
+              <a:t>, communicative and regulatory aspects of emotion functions in </a:t>
+            </a:r>
+            <a:r>
+              <a:rPr lang="en-US" sz="2000" dirty="0" smtClean="0"/>
+              <a:t>this proposed </a:t>
+            </a:r>
+            <a:r>
+              <a:rPr lang="en-US" sz="2000" dirty="0"/>
+              <a:t>work.</a:t>
+            </a:r>
+            <a:endParaRPr lang="en-US" sz="2000" dirty="0" smtClean="0"/>
+          </a:p>
+        </p:txBody>
+      </p:sp>
+      <p:sp>
+        <p:nvSpPr>
+          <p:cNvPr id="9" name="Title 1"/>
+          <p:cNvSpPr txBox="1">
+            <a:spLocks/>
+          </p:cNvSpPr>
+          <p:nvPr/>
+        </p:nvSpPr>
+        <p:spPr>
+          <a:xfrm>
+            <a:off x="228600" y="0"/>
+            <a:ext cx="8686800" cy="1143000"/>
+          </a:xfrm>
+          <a:prstGeom prst="rect">
+            <a:avLst/>
+          </a:prstGeom>
+        </p:spPr>
+        <p:txBody>
+          <a:bodyPr vert="horz" lIns="91440" tIns="45720" rIns="91440" bIns="45720" rtlCol="0" anchor="ctr">
+            <a:normAutofit/>
+          </a:bodyPr>
+          <a:lstStyle>
+            <a:lvl1pPr algn="ctr" defTabSz="914400" rtl="0" eaLnBrk="1" latinLnBrk="0" hangingPunct="1">
+              <a:spcBef>
+                <a:spcPct val="0"/>
+              </a:spcBef>
+              <a:buNone/>
+              <a:defRPr sz="4400" kern="1200">
+                <a:solidFill>
+                  <a:schemeClr val="tx1"/>
+                </a:solidFill>
+                <a:latin typeface="+mj-lt"/>
+                <a:ea typeface="+mj-ea"/>
+                <a:cs typeface="+mj-cs"/>
+              </a:defRPr>
+            </a:lvl1pPr>
+          </a:lstStyle>
+          <a:p>
+            <a:pPr algn="l"/>
+            <a:r>
+              <a:rPr lang="en-US" sz="2400" b="1" dirty="0"/>
+              <a:t>Affective Computing &gt; </a:t>
+            </a:r>
+            <a:r>
+              <a:rPr lang="en-US" sz="2400" b="1" dirty="0" smtClean="0"/>
+              <a:t>Conclusion</a:t>
+            </a:r>
+            <a:endParaRPr lang="en-US" sz="2000" b="1" i="1" dirty="0"/>
+          </a:p>
+        </p:txBody>
+      </p:sp>
+    </p:spTree>
+    <p:extLst>
+      <p:ext uri="{BB962C8B-B14F-4D97-AF65-F5344CB8AC3E}">
+        <p14:creationId xmlns:p14="http://schemas.microsoft.com/office/powerpoint/2010/main" val="3509786188"/>
+      </p:ext>
+    </p:extLst>
+  </p:cSld>
+  <p:clrMapOvr>
+    <a:masterClrMapping/>
+  </p:clrMapOvr>
+  <p:timing>
+    <p:tnLst>
+      <p:par>
+        <p:cTn id="1" dur="indefinite" restart="never" nodeType="tmRoot"/>
+      </p:par>
+    </p:tnLst>
+  </p:timing>
+</p:sld>
+</file>
+
+<file path=ppt/slides/slide31.xml><?xml version="1.0" encoding="utf-8"?>
 <p:sld xmlns:a="http://schemas.openxmlformats.org/drawingml/2006/main" xmlns:r="http://schemas.openxmlformats.org/officeDocument/2006/relationships" xmlns:p="http://schemas.openxmlformats.org/presentationml/2006/main">
   <p:cSld>
     <p:spTree>
@@ -13649,354 +15696,6 @@
     <p:extLst>
       <p:ext uri="{BB962C8B-B14F-4D97-AF65-F5344CB8AC3E}">
         <p14:creationId xmlns:p14="http://schemas.microsoft.com/office/powerpoint/2010/main" val="723416440"/>
-      </p:ext>
-    </p:extLst>
-  </p:cSld>
-  <p:clrMapOvr>
-    <a:masterClrMapping/>
-  </p:clrMapOvr>
-  <p:timing>
-    <p:tnLst>
-      <p:par>
-        <p:cTn id="1" dur="indefinite" restart="never" nodeType="tmRoot"/>
-      </p:par>
-    </p:tnLst>
-  </p:timing>
-</p:sld>
-</file>
-
-<file path=ppt/slides/slide3.xml><?xml version="1.0" encoding="utf-8"?>
-<p:sld xmlns:a="http://schemas.openxmlformats.org/drawingml/2006/main" xmlns:r="http://schemas.openxmlformats.org/officeDocument/2006/relationships" xmlns:p="http://schemas.openxmlformats.org/presentationml/2006/main">
-  <p:cSld>
-    <p:spTree>
-      <p:nvGrpSpPr>
-        <p:cNvPr id="1" name=""/>
-        <p:cNvGrpSpPr/>
-        <p:nvPr/>
-      </p:nvGrpSpPr>
-      <p:grpSpPr>
-        <a:xfrm>
-          <a:off x="0" y="0"/>
-          <a:ext cx="0" cy="0"/>
-          <a:chOff x="0" y="0"/>
-          <a:chExt cx="0" cy="0"/>
-        </a:xfrm>
-      </p:grpSpPr>
-      <p:sp>
-        <p:nvSpPr>
-          <p:cNvPr id="5" name="Content Placeholder 2"/>
-          <p:cNvSpPr txBox="1">
-            <a:spLocks/>
-          </p:cNvSpPr>
-          <p:nvPr/>
-        </p:nvSpPr>
-        <p:spPr>
-          <a:xfrm>
-            <a:off x="457199" y="1219201"/>
-            <a:ext cx="8206611" cy="5181599"/>
-          </a:xfrm>
-          <a:prstGeom prst="rect">
-            <a:avLst/>
-          </a:prstGeom>
-        </p:spPr>
-        <p:txBody>
-          <a:bodyPr vert="horz" lIns="91440" tIns="45720" rIns="91440" bIns="45720" rtlCol="0">
-            <a:normAutofit/>
-          </a:bodyPr>
-          <a:lstStyle>
-            <a:lvl1pPr marL="342900" indent="-342900" algn="l" defTabSz="914400" rtl="0" eaLnBrk="1" latinLnBrk="0" hangingPunct="1">
-              <a:spcBef>
-                <a:spcPct val="20000"/>
-              </a:spcBef>
-              <a:buFont typeface="Arial" panose="020B0604020202020204" pitchFamily="34" charset="0"/>
-              <a:buChar char="•"/>
-              <a:defRPr sz="3200" kern="1200">
-                <a:solidFill>
-                  <a:schemeClr val="tx1"/>
-                </a:solidFill>
-                <a:latin typeface="+mn-lt"/>
-                <a:ea typeface="+mn-ea"/>
-                <a:cs typeface="+mn-cs"/>
-              </a:defRPr>
-            </a:lvl1pPr>
-            <a:lvl2pPr marL="742950" indent="-285750" algn="l" defTabSz="914400" rtl="0" eaLnBrk="1" latinLnBrk="0" hangingPunct="1">
-              <a:spcBef>
-                <a:spcPct val="20000"/>
-              </a:spcBef>
-              <a:buFont typeface="Arial" panose="020B0604020202020204" pitchFamily="34" charset="0"/>
-              <a:buChar char="–"/>
-              <a:defRPr sz="2800" kern="1200">
-                <a:solidFill>
-                  <a:schemeClr val="tx1"/>
-                </a:solidFill>
-                <a:latin typeface="+mn-lt"/>
-                <a:ea typeface="+mn-ea"/>
-                <a:cs typeface="+mn-cs"/>
-              </a:defRPr>
-            </a:lvl2pPr>
-            <a:lvl3pPr marL="1143000" indent="-228600" algn="l" defTabSz="914400" rtl="0" eaLnBrk="1" latinLnBrk="0" hangingPunct="1">
-              <a:spcBef>
-                <a:spcPct val="20000"/>
-              </a:spcBef>
-              <a:buFont typeface="Arial" panose="020B0604020202020204" pitchFamily="34" charset="0"/>
-              <a:buChar char="•"/>
-              <a:defRPr sz="2400" kern="1200">
-                <a:solidFill>
-                  <a:schemeClr val="tx1"/>
-                </a:solidFill>
-                <a:latin typeface="+mn-lt"/>
-                <a:ea typeface="+mn-ea"/>
-                <a:cs typeface="+mn-cs"/>
-              </a:defRPr>
-            </a:lvl3pPr>
-            <a:lvl4pPr marL="1600200" indent="-228600" algn="l" defTabSz="914400" rtl="0" eaLnBrk="1" latinLnBrk="0" hangingPunct="1">
-              <a:spcBef>
-                <a:spcPct val="20000"/>
-              </a:spcBef>
-              <a:buFont typeface="Arial" panose="020B0604020202020204" pitchFamily="34" charset="0"/>
-              <a:buChar char="–"/>
-              <a:defRPr sz="2000" kern="1200">
-                <a:solidFill>
-                  <a:schemeClr val="tx1"/>
-                </a:solidFill>
-                <a:latin typeface="+mn-lt"/>
-                <a:ea typeface="+mn-ea"/>
-                <a:cs typeface="+mn-cs"/>
-              </a:defRPr>
-            </a:lvl4pPr>
-            <a:lvl5pPr marL="2057400" indent="-228600" algn="l" defTabSz="914400" rtl="0" eaLnBrk="1" latinLnBrk="0" hangingPunct="1">
-              <a:spcBef>
-                <a:spcPct val="20000"/>
-              </a:spcBef>
-              <a:buFont typeface="Arial" panose="020B0604020202020204" pitchFamily="34" charset="0"/>
-              <a:buChar char="»"/>
-              <a:defRPr sz="2000" kern="1200">
-                <a:solidFill>
-                  <a:schemeClr val="tx1"/>
-                </a:solidFill>
-                <a:latin typeface="+mn-lt"/>
-                <a:ea typeface="+mn-ea"/>
-                <a:cs typeface="+mn-cs"/>
-              </a:defRPr>
-            </a:lvl5pPr>
-            <a:lvl6pPr marL="2514600" indent="-228600" algn="l" defTabSz="914400" rtl="0" eaLnBrk="1" latinLnBrk="0" hangingPunct="1">
-              <a:spcBef>
-                <a:spcPct val="20000"/>
-              </a:spcBef>
-              <a:buFont typeface="Arial" panose="020B0604020202020204" pitchFamily="34" charset="0"/>
-              <a:buChar char="•"/>
-              <a:defRPr sz="2000" kern="1200">
-                <a:solidFill>
-                  <a:schemeClr val="tx1"/>
-                </a:solidFill>
-                <a:latin typeface="+mn-lt"/>
-                <a:ea typeface="+mn-ea"/>
-                <a:cs typeface="+mn-cs"/>
-              </a:defRPr>
-            </a:lvl6pPr>
-            <a:lvl7pPr marL="2971800" indent="-228600" algn="l" defTabSz="914400" rtl="0" eaLnBrk="1" latinLnBrk="0" hangingPunct="1">
-              <a:spcBef>
-                <a:spcPct val="20000"/>
-              </a:spcBef>
-              <a:buFont typeface="Arial" panose="020B0604020202020204" pitchFamily="34" charset="0"/>
-              <a:buChar char="•"/>
-              <a:defRPr sz="2000" kern="1200">
-                <a:solidFill>
-                  <a:schemeClr val="tx1"/>
-                </a:solidFill>
-                <a:latin typeface="+mn-lt"/>
-                <a:ea typeface="+mn-ea"/>
-                <a:cs typeface="+mn-cs"/>
-              </a:defRPr>
-            </a:lvl7pPr>
-            <a:lvl8pPr marL="3429000" indent="-228600" algn="l" defTabSz="914400" rtl="0" eaLnBrk="1" latinLnBrk="0" hangingPunct="1">
-              <a:spcBef>
-                <a:spcPct val="20000"/>
-              </a:spcBef>
-              <a:buFont typeface="Arial" panose="020B0604020202020204" pitchFamily="34" charset="0"/>
-              <a:buChar char="•"/>
-              <a:defRPr sz="2000" kern="1200">
-                <a:solidFill>
-                  <a:schemeClr val="tx1"/>
-                </a:solidFill>
-                <a:latin typeface="+mn-lt"/>
-                <a:ea typeface="+mn-ea"/>
-                <a:cs typeface="+mn-cs"/>
-              </a:defRPr>
-            </a:lvl8pPr>
-            <a:lvl9pPr marL="3886200" indent="-228600" algn="l" defTabSz="914400" rtl="0" eaLnBrk="1" latinLnBrk="0" hangingPunct="1">
-              <a:spcBef>
-                <a:spcPct val="20000"/>
-              </a:spcBef>
-              <a:buFont typeface="Arial" panose="020B0604020202020204" pitchFamily="34" charset="0"/>
-              <a:buChar char="•"/>
-              <a:defRPr sz="2000" kern="1200">
-                <a:solidFill>
-                  <a:schemeClr val="tx1"/>
-                </a:solidFill>
-                <a:latin typeface="+mn-lt"/>
-                <a:ea typeface="+mn-ea"/>
-                <a:cs typeface="+mn-cs"/>
-              </a:defRPr>
-            </a:lvl9pPr>
-          </a:lstStyle>
-          <a:p>
-            <a:pPr marL="0" indent="0">
-              <a:buNone/>
-            </a:pPr>
-            <a:r>
-              <a:rPr lang="en-US" sz="2000" dirty="0" smtClean="0"/>
-              <a:t>Prominent collaboration theories are based on BDI paradigm (</a:t>
-            </a:r>
-            <a:r>
-              <a:rPr lang="en-US" sz="2000" dirty="0" err="1" smtClean="0"/>
-              <a:t>Bratman</a:t>
-            </a:r>
-            <a:r>
-              <a:rPr lang="en-US" sz="2000" dirty="0" smtClean="0"/>
-              <a:t>):</a:t>
-            </a:r>
-          </a:p>
-          <a:p>
-            <a:pPr marL="0" indent="0">
-              <a:buNone/>
-            </a:pPr>
-            <a:endParaRPr lang="en-US" sz="2000" dirty="0" smtClean="0"/>
-          </a:p>
-          <a:p>
-            <a:r>
-              <a:rPr lang="en-US" sz="2000" dirty="0" smtClean="0"/>
-              <a:t>SharedPlans (Grosz &amp; Sidner),</a:t>
-            </a:r>
-          </a:p>
-          <a:p>
-            <a:r>
-              <a:rPr lang="en-US" sz="2000" dirty="0" smtClean="0"/>
-              <a:t>Joint Intentions (Cohen &amp; Levesque)</a:t>
-            </a:r>
-          </a:p>
-          <a:p>
-            <a:endParaRPr lang="en-US" sz="2000" dirty="0"/>
-          </a:p>
-          <a:p>
-            <a:pPr marL="0" indent="0">
-              <a:buNone/>
-            </a:pPr>
-            <a:r>
-              <a:rPr lang="en-US" sz="2000" dirty="0" err="1" smtClean="0"/>
-              <a:t>Bratman’s</a:t>
-            </a:r>
-            <a:r>
-              <a:rPr lang="en-US" sz="2000" dirty="0" smtClean="0"/>
-              <a:t> view of commitment:</a:t>
-            </a:r>
-          </a:p>
-          <a:p>
-            <a:r>
-              <a:rPr lang="en-US" sz="2000" dirty="0"/>
-              <a:t>Mutual commitment to joint </a:t>
-            </a:r>
-            <a:r>
-              <a:rPr lang="en-US" sz="2000" dirty="0" smtClean="0"/>
-              <a:t>activity</a:t>
-            </a:r>
-          </a:p>
-          <a:p>
-            <a:r>
-              <a:rPr lang="en-US" sz="2000" dirty="0"/>
-              <a:t>Mutual </a:t>
-            </a:r>
-            <a:r>
-              <a:rPr lang="en-US" sz="2000" dirty="0" smtClean="0"/>
-              <a:t>support</a:t>
-            </a:r>
-          </a:p>
-          <a:p>
-            <a:r>
-              <a:rPr lang="en-US" sz="2000" dirty="0"/>
-              <a:t>Mutual responsiveness</a:t>
-            </a:r>
-          </a:p>
-          <a:p>
-            <a:endParaRPr lang="en-US" sz="2900" dirty="0" smtClean="0"/>
-          </a:p>
-          <a:p>
-            <a:pPr marL="0" indent="0">
-              <a:buNone/>
-            </a:pPr>
-            <a:r>
-              <a:rPr lang="en-US" sz="2000" dirty="0" smtClean="0"/>
-              <a:t>Commitment and  other fundamental concepts of </a:t>
-            </a:r>
-            <a:r>
-              <a:rPr lang="en-US" sz="2000" dirty="0"/>
-              <a:t>collaboration </a:t>
-            </a:r>
-            <a:r>
-              <a:rPr lang="en-US" sz="2000" dirty="0" smtClean="0"/>
-              <a:t>such as mutual beliefs, joint intentions, shared goals, and shared plans mutually support each other to establish a collaborative activity.</a:t>
-            </a:r>
-          </a:p>
-          <a:p>
-            <a:pPr lvl="1"/>
-            <a:endParaRPr lang="en-US" sz="2400" dirty="0" smtClean="0"/>
-          </a:p>
-          <a:p>
-            <a:endParaRPr lang="en-US" sz="2800" dirty="0"/>
-          </a:p>
-        </p:txBody>
-      </p:sp>
-      <p:sp>
-        <p:nvSpPr>
-          <p:cNvPr id="9" name="Title 1"/>
-          <p:cNvSpPr txBox="1">
-            <a:spLocks/>
-          </p:cNvSpPr>
-          <p:nvPr/>
-        </p:nvSpPr>
-        <p:spPr>
-          <a:xfrm>
-            <a:off x="457200" y="0"/>
-            <a:ext cx="8229600" cy="1143000"/>
-          </a:xfrm>
-          <a:prstGeom prst="rect">
-            <a:avLst/>
-          </a:prstGeom>
-        </p:spPr>
-        <p:txBody>
-          <a:bodyPr vert="horz" lIns="91440" tIns="45720" rIns="91440" bIns="45720" rtlCol="0" anchor="ctr">
-            <a:normAutofit/>
-          </a:bodyPr>
-          <a:lstStyle>
-            <a:lvl1pPr algn="ctr" defTabSz="914400" rtl="0" eaLnBrk="1" latinLnBrk="0" hangingPunct="1">
-              <a:spcBef>
-                <a:spcPct val="0"/>
-              </a:spcBef>
-              <a:buNone/>
-              <a:defRPr sz="4400" kern="1200">
-                <a:solidFill>
-                  <a:schemeClr val="tx1"/>
-                </a:solidFill>
-                <a:latin typeface="+mj-lt"/>
-                <a:ea typeface="+mj-ea"/>
-                <a:cs typeface="+mj-cs"/>
-              </a:defRPr>
-            </a:lvl1pPr>
-          </a:lstStyle>
-          <a:p>
-            <a:pPr algn="l"/>
-            <a:r>
-              <a:rPr lang="en-US" sz="2400" b="1" dirty="0" smtClean="0"/>
-              <a:t>Collaboration Theories</a:t>
-            </a:r>
-            <a:endParaRPr lang="en-US" sz="2400" b="1" dirty="0"/>
-          </a:p>
-        </p:txBody>
-      </p:sp>
-    </p:spTree>
-    <p:extLst>
-      <p:ext uri="{BB962C8B-B14F-4D97-AF65-F5344CB8AC3E}">
-        <p14:creationId xmlns:p14="http://schemas.microsoft.com/office/powerpoint/2010/main" val="355014128"/>
       </p:ext>
     </p:extLst>
   </p:cSld>

--- a/presentation/PhD-comprehensive-exam.pptx
+++ b/presentation/PhD-comprehensive-exam.pptx
@@ -5,7 +5,7 @@
     <p:sldMasterId id="2147483648" r:id="rId1"/>
   </p:sldMasterIdLst>
   <p:notesMasterIdLst>
-    <p:notesMasterId r:id="rId33"/>
+    <p:notesMasterId r:id="rId37"/>
   </p:notesMasterIdLst>
   <p:sldIdLst>
     <p:sldId id="257" r:id="rId2"/>
@@ -39,6 +39,10 @@
     <p:sldId id="338" r:id="rId30"/>
     <p:sldId id="339" r:id="rId31"/>
     <p:sldId id="259" r:id="rId32"/>
+    <p:sldId id="340" r:id="rId33"/>
+    <p:sldId id="341" r:id="rId34"/>
+    <p:sldId id="342" r:id="rId35"/>
+    <p:sldId id="343" r:id="rId36"/>
   </p:sldIdLst>
   <p:sldSz cx="9144000" cy="6858000" type="screen4x3"/>
   <p:notesSz cx="6858000" cy="9144000"/>
@@ -222,7 +226,7 @@
           <a:p>
             <a:fld id="{ECB03A7B-E1AF-4D30-A0B4-25BD99B9AC12}" type="datetimeFigureOut">
               <a:rPr lang="en-US" smtClean="0"/>
-              <a:t>6/18/2015</a:t>
+              <a:t>6/19/2015</a:t>
             </a:fld>
             <a:endParaRPr lang="en-US" dirty="0"/>
           </a:p>
@@ -2256,6 +2260,775 @@
 </p:notes>
 </file>
 
+<file path=ppt/notesSlides/notesSlide28.xml><?xml version="1.0" encoding="utf-8"?>
+<p:notes xmlns:a="http://schemas.openxmlformats.org/drawingml/2006/main" xmlns:r="http://schemas.openxmlformats.org/officeDocument/2006/relationships" xmlns:p="http://schemas.openxmlformats.org/presentationml/2006/main">
+  <p:cSld>
+    <p:spTree>
+      <p:nvGrpSpPr>
+        <p:cNvPr id="1" name=""/>
+        <p:cNvGrpSpPr/>
+        <p:nvPr/>
+      </p:nvGrpSpPr>
+      <p:grpSpPr>
+        <a:xfrm>
+          <a:off x="0" y="0"/>
+          <a:ext cx="0" cy="0"/>
+          <a:chOff x="0" y="0"/>
+          <a:chExt cx="0" cy="0"/>
+        </a:xfrm>
+      </p:grpSpPr>
+      <p:sp>
+        <p:nvSpPr>
+          <p:cNvPr id="2" name="Slide Image Placeholder 1"/>
+          <p:cNvSpPr>
+            <a:spLocks noGrp="1" noRot="1" noChangeAspect="1"/>
+          </p:cNvSpPr>
+          <p:nvPr>
+            <p:ph type="sldImg"/>
+          </p:nvPr>
+        </p:nvSpPr>
+        <p:spPr/>
+      </p:sp>
+      <p:sp>
+        <p:nvSpPr>
+          <p:cNvPr id="3" name="Notes Placeholder 2"/>
+          <p:cNvSpPr>
+            <a:spLocks noGrp="1"/>
+          </p:cNvSpPr>
+          <p:nvPr>
+            <p:ph type="body" idx="1"/>
+          </p:nvPr>
+        </p:nvSpPr>
+        <p:spPr/>
+        <p:txBody>
+          <a:bodyPr/>
+          <a:lstStyle/>
+          <a:p>
+            <a:endParaRPr lang="en-US" dirty="0"/>
+          </a:p>
+        </p:txBody>
+      </p:sp>
+      <p:sp>
+        <p:nvSpPr>
+          <p:cNvPr id="4" name="Slide Number Placeholder 3"/>
+          <p:cNvSpPr>
+            <a:spLocks noGrp="1"/>
+          </p:cNvSpPr>
+          <p:nvPr>
+            <p:ph type="sldNum" sz="quarter" idx="10"/>
+          </p:nvPr>
+        </p:nvSpPr>
+        <p:spPr/>
+        <p:txBody>
+          <a:bodyPr/>
+          <a:lstStyle/>
+          <a:p>
+            <a:fld id="{D91B34AF-DFC3-47C6-893A-07AE93C6324A}" type="slidenum">
+              <a:rPr lang="en-US" smtClean="0"/>
+              <a:t>32</a:t>
+            </a:fld>
+            <a:endParaRPr lang="en-US"/>
+          </a:p>
+        </p:txBody>
+      </p:sp>
+    </p:spTree>
+    <p:extLst>
+      <p:ext uri="{BB962C8B-B14F-4D97-AF65-F5344CB8AC3E}">
+        <p14:creationId xmlns:p14="http://schemas.microsoft.com/office/powerpoint/2010/main" val="1845102120"/>
+      </p:ext>
+    </p:extLst>
+  </p:cSld>
+  <p:clrMapOvr>
+    <a:masterClrMapping/>
+  </p:clrMapOvr>
+</p:notes>
+</file>
+
+<file path=ppt/notesSlides/notesSlide29.xml><?xml version="1.0" encoding="utf-8"?>
+<p:notes xmlns:a="http://schemas.openxmlformats.org/drawingml/2006/main" xmlns:r="http://schemas.openxmlformats.org/officeDocument/2006/relationships" xmlns:p="http://schemas.openxmlformats.org/presentationml/2006/main">
+  <p:cSld>
+    <p:spTree>
+      <p:nvGrpSpPr>
+        <p:cNvPr id="1" name=""/>
+        <p:cNvGrpSpPr/>
+        <p:nvPr/>
+      </p:nvGrpSpPr>
+      <p:grpSpPr>
+        <a:xfrm>
+          <a:off x="0" y="0"/>
+          <a:ext cx="0" cy="0"/>
+          <a:chOff x="0" y="0"/>
+          <a:chExt cx="0" cy="0"/>
+        </a:xfrm>
+      </p:grpSpPr>
+      <p:sp>
+        <p:nvSpPr>
+          <p:cNvPr id="2" name="Slide Image Placeholder 1"/>
+          <p:cNvSpPr>
+            <a:spLocks noGrp="1" noRot="1" noChangeAspect="1"/>
+          </p:cNvSpPr>
+          <p:nvPr>
+            <p:ph type="sldImg"/>
+          </p:nvPr>
+        </p:nvSpPr>
+        <p:spPr/>
+      </p:sp>
+      <p:sp>
+        <p:nvSpPr>
+          <p:cNvPr id="3" name="Notes Placeholder 2"/>
+          <p:cNvSpPr>
+            <a:spLocks noGrp="1"/>
+          </p:cNvSpPr>
+          <p:nvPr>
+            <p:ph type="body" idx="1"/>
+          </p:nvPr>
+        </p:nvSpPr>
+        <p:spPr/>
+        <p:txBody>
+          <a:bodyPr/>
+          <a:lstStyle/>
+          <a:p>
+            <a:pPr marL="171450" marR="0" indent="-171450" algn="l" defTabSz="914400" rtl="0" eaLnBrk="1" fontAlgn="auto" latinLnBrk="0" hangingPunct="1">
+              <a:lnSpc>
+                <a:spcPct val="100000"/>
+              </a:lnSpc>
+              <a:spcBef>
+                <a:spcPts val="0"/>
+              </a:spcBef>
+              <a:spcAft>
+                <a:spcPts val="0"/>
+              </a:spcAft>
+              <a:buClrTx/>
+              <a:buSzTx/>
+              <a:buFontTx/>
+              <a:buChar char="-"/>
+              <a:tabLst/>
+              <a:defRPr/>
+            </a:pPr>
+            <a:r>
+              <a:rPr lang="en-US" sz="1200" dirty="0" smtClean="0"/>
+              <a:t>A DAG to provide a graphical model for reasoning under uncertainty.</a:t>
+            </a:r>
+          </a:p>
+          <a:p>
+            <a:pPr marL="0" marR="0" indent="0" algn="l" defTabSz="914400" rtl="0" eaLnBrk="1" fontAlgn="auto" latinLnBrk="0" hangingPunct="1">
+              <a:lnSpc>
+                <a:spcPct val="100000"/>
+              </a:lnSpc>
+              <a:spcBef>
+                <a:spcPts val="0"/>
+              </a:spcBef>
+              <a:spcAft>
+                <a:spcPts val="0"/>
+              </a:spcAft>
+              <a:buClrTx/>
+              <a:buSzTx/>
+              <a:buFontTx/>
+              <a:buNone/>
+              <a:tabLst/>
+              <a:defRPr/>
+            </a:pPr>
+            <a:endParaRPr lang="en-US" sz="1200" dirty="0" smtClean="0"/>
+          </a:p>
+          <a:p>
+            <a:pPr marL="171450" marR="0" indent="-171450" algn="l" defTabSz="914400" rtl="0" eaLnBrk="1" fontAlgn="auto" latinLnBrk="0" hangingPunct="1">
+              <a:lnSpc>
+                <a:spcPct val="100000"/>
+              </a:lnSpc>
+              <a:spcBef>
+                <a:spcPts val="0"/>
+              </a:spcBef>
+              <a:spcAft>
+                <a:spcPts val="0"/>
+              </a:spcAft>
+              <a:buClrTx/>
+              <a:buSzTx/>
+              <a:buFontTx/>
+              <a:buChar char="-"/>
+              <a:tabLst/>
+              <a:defRPr/>
+            </a:pPr>
+            <a:r>
+              <a:rPr lang="en-US" sz="1200" dirty="0" smtClean="0"/>
+              <a:t>Each node in the network represents a random variable from the domain.</a:t>
+            </a:r>
+          </a:p>
+          <a:p>
+            <a:pPr marL="171450" marR="0" indent="-171450" algn="l" defTabSz="914400" rtl="0" eaLnBrk="1" fontAlgn="auto" latinLnBrk="0" hangingPunct="1">
+              <a:lnSpc>
+                <a:spcPct val="100000"/>
+              </a:lnSpc>
+              <a:spcBef>
+                <a:spcPts val="0"/>
+              </a:spcBef>
+              <a:spcAft>
+                <a:spcPts val="0"/>
+              </a:spcAft>
+              <a:buClrTx/>
+              <a:buSzTx/>
+              <a:buFontTx/>
+              <a:buChar char="-"/>
+              <a:tabLst/>
+              <a:defRPr/>
+            </a:pPr>
+            <a:endParaRPr lang="en-US" sz="1200" dirty="0" smtClean="0"/>
+          </a:p>
+          <a:p>
+            <a:pPr marL="171450" marR="0" indent="-171450" algn="l" defTabSz="914400" rtl="0" eaLnBrk="1" fontAlgn="auto" latinLnBrk="0" hangingPunct="1">
+              <a:lnSpc>
+                <a:spcPct val="100000"/>
+              </a:lnSpc>
+              <a:spcBef>
+                <a:spcPts val="0"/>
+              </a:spcBef>
+              <a:spcAft>
+                <a:spcPts val="0"/>
+              </a:spcAft>
+              <a:buClrTx/>
+              <a:buSzTx/>
+              <a:buFontTx/>
+              <a:buChar char="-"/>
+              <a:tabLst/>
+              <a:defRPr/>
+            </a:pPr>
+            <a:r>
+              <a:rPr lang="en-US" sz="1200" dirty="0" smtClean="0"/>
+              <a:t>The state of each node is called </a:t>
+            </a:r>
+            <a:r>
+              <a:rPr lang="en-US" sz="1200" b="1" dirty="0" smtClean="0"/>
+              <a:t>belief</a:t>
+            </a:r>
+            <a:r>
+              <a:rPr lang="en-US" sz="1200" dirty="0" smtClean="0"/>
+              <a:t>, which based on the prior evidence reflects </a:t>
+            </a:r>
+            <a:r>
+              <a:rPr lang="en-US" sz="1200" b="1" dirty="0" smtClean="0"/>
+              <a:t>the posterior probability distribution </a:t>
+            </a:r>
+            <a:r>
+              <a:rPr lang="en-US" sz="1200" dirty="0" smtClean="0"/>
+              <a:t>of the other values associated with that node.</a:t>
+            </a:r>
+          </a:p>
+          <a:p>
+            <a:pPr marL="171450" marR="0" indent="-171450" algn="l" defTabSz="914400" rtl="0" eaLnBrk="1" fontAlgn="auto" latinLnBrk="0" hangingPunct="1">
+              <a:lnSpc>
+                <a:spcPct val="100000"/>
+              </a:lnSpc>
+              <a:spcBef>
+                <a:spcPts val="0"/>
+              </a:spcBef>
+              <a:spcAft>
+                <a:spcPts val="0"/>
+              </a:spcAft>
+              <a:buClrTx/>
+              <a:buSzTx/>
+              <a:buFontTx/>
+              <a:buChar char="-"/>
+              <a:tabLst/>
+              <a:defRPr/>
+            </a:pPr>
+            <a:endParaRPr lang="en-US" sz="1200" dirty="0" smtClean="0"/>
+          </a:p>
+          <a:p>
+            <a:pPr marL="171450" marR="0" indent="-171450" algn="l" defTabSz="914400" rtl="0" eaLnBrk="1" fontAlgn="auto" latinLnBrk="0" hangingPunct="1">
+              <a:lnSpc>
+                <a:spcPct val="100000"/>
+              </a:lnSpc>
+              <a:spcBef>
+                <a:spcPts val="0"/>
+              </a:spcBef>
+              <a:spcAft>
+                <a:spcPts val="0"/>
+              </a:spcAft>
+              <a:buClrTx/>
+              <a:buSzTx/>
+              <a:buFontTx/>
+              <a:buChar char="-"/>
+              <a:tabLst/>
+              <a:defRPr/>
+            </a:pPr>
+            <a:r>
+              <a:rPr lang="en-US" sz="1200" dirty="0" smtClean="0"/>
+              <a:t>Each node also has an associated </a:t>
+            </a:r>
+            <a:r>
+              <a:rPr lang="en-US" sz="1200" b="1" dirty="0" smtClean="0"/>
+              <a:t>Conditional Probability Table</a:t>
+            </a:r>
+            <a:r>
+              <a:rPr lang="en-US" sz="1200" dirty="0" smtClean="0"/>
+              <a:t> (CPT) which represents the conditional probability of the variable given the value of its parents in the graph.</a:t>
+            </a:r>
+          </a:p>
+          <a:p>
+            <a:pPr marL="171450" marR="0" indent="-171450" algn="l" defTabSz="914400" rtl="0" eaLnBrk="1" fontAlgn="auto" latinLnBrk="0" hangingPunct="1">
+              <a:lnSpc>
+                <a:spcPct val="100000"/>
+              </a:lnSpc>
+              <a:spcBef>
+                <a:spcPts val="0"/>
+              </a:spcBef>
+              <a:spcAft>
+                <a:spcPts val="0"/>
+              </a:spcAft>
+              <a:buClrTx/>
+              <a:buSzTx/>
+              <a:buFontTx/>
+              <a:buChar char="-"/>
+              <a:tabLst/>
+              <a:defRPr/>
+            </a:pPr>
+            <a:endParaRPr lang="en-US" sz="1200" dirty="0" smtClean="0"/>
+          </a:p>
+          <a:p>
+            <a:pPr marL="171450" marR="0" indent="-171450" algn="l" defTabSz="914400" rtl="0" eaLnBrk="1" fontAlgn="auto" latinLnBrk="0" hangingPunct="1">
+              <a:lnSpc>
+                <a:spcPct val="100000"/>
+              </a:lnSpc>
+              <a:spcBef>
+                <a:spcPts val="0"/>
+              </a:spcBef>
+              <a:spcAft>
+                <a:spcPts val="0"/>
+              </a:spcAft>
+              <a:buClrTx/>
+              <a:buSzTx/>
+              <a:buFontTx/>
+              <a:buChar char="-"/>
+              <a:tabLst/>
+              <a:defRPr/>
+            </a:pPr>
+            <a:r>
+              <a:rPr lang="en-US" sz="1200" dirty="0" smtClean="0"/>
+              <a:t>Each individual edge between two variables represents the relation or </a:t>
+            </a:r>
+            <a:r>
+              <a:rPr lang="en-US" sz="1200" b="1" dirty="0" smtClean="0"/>
+              <a:t>conditional dependence between those two variables</a:t>
+            </a:r>
+            <a:r>
+              <a:rPr lang="en-US" sz="1200" dirty="0" smtClean="0"/>
+              <a:t>.</a:t>
+            </a:r>
+          </a:p>
+          <a:p>
+            <a:pPr marL="171450" marR="0" indent="-171450" algn="l" defTabSz="914400" rtl="0" eaLnBrk="1" fontAlgn="auto" latinLnBrk="0" hangingPunct="1">
+              <a:lnSpc>
+                <a:spcPct val="100000"/>
+              </a:lnSpc>
+              <a:spcBef>
+                <a:spcPts val="0"/>
+              </a:spcBef>
+              <a:spcAft>
+                <a:spcPts val="0"/>
+              </a:spcAft>
+              <a:buClrTx/>
+              <a:buSzTx/>
+              <a:buFontTx/>
+              <a:buChar char="-"/>
+              <a:tabLst/>
+              <a:defRPr/>
+            </a:pPr>
+            <a:endParaRPr lang="en-US" sz="1200" dirty="0" smtClean="0"/>
+          </a:p>
+          <a:p>
+            <a:pPr marL="171450" marR="0" indent="-171450" algn="l" defTabSz="914400" rtl="0" eaLnBrk="1" fontAlgn="auto" latinLnBrk="0" hangingPunct="1">
+              <a:lnSpc>
+                <a:spcPct val="100000"/>
+              </a:lnSpc>
+              <a:spcBef>
+                <a:spcPts val="0"/>
+              </a:spcBef>
+              <a:spcAft>
+                <a:spcPts val="0"/>
+              </a:spcAft>
+              <a:buClrTx/>
+              <a:buSzTx/>
+              <a:buFontTx/>
+              <a:buChar char="-"/>
+              <a:tabLst/>
+              <a:defRPr/>
+            </a:pPr>
+            <a:r>
+              <a:rPr lang="en-US" sz="1200" dirty="0" smtClean="0"/>
+              <a:t>Also, the explicit directions represented by arrows as directional edges indicate the </a:t>
+            </a:r>
+            <a:r>
+              <a:rPr lang="en-US" sz="1200" b="1" dirty="0" smtClean="0"/>
+              <a:t>notion of causality </a:t>
+            </a:r>
+            <a:r>
+              <a:rPr lang="en-US" sz="1200" dirty="0" smtClean="0"/>
+              <a:t>in the network.</a:t>
+            </a:r>
+          </a:p>
+          <a:p>
+            <a:pPr marL="171450" marR="0" indent="-171450" algn="l" defTabSz="914400" rtl="0" eaLnBrk="1" fontAlgn="auto" latinLnBrk="0" hangingPunct="1">
+              <a:lnSpc>
+                <a:spcPct val="100000"/>
+              </a:lnSpc>
+              <a:spcBef>
+                <a:spcPts val="0"/>
+              </a:spcBef>
+              <a:spcAft>
+                <a:spcPts val="0"/>
+              </a:spcAft>
+              <a:buClrTx/>
+              <a:buSzTx/>
+              <a:buFontTx/>
+              <a:buChar char="-"/>
+              <a:tabLst/>
+              <a:defRPr/>
+            </a:pPr>
+            <a:endParaRPr lang="en-US" sz="1200" dirty="0" smtClean="0"/>
+          </a:p>
+          <a:p>
+            <a:pPr marL="171450" marR="0" indent="-171450" algn="l" defTabSz="914400" rtl="0" eaLnBrk="1" fontAlgn="auto" latinLnBrk="0" hangingPunct="1">
+              <a:lnSpc>
+                <a:spcPct val="100000"/>
+              </a:lnSpc>
+              <a:spcBef>
+                <a:spcPts val="0"/>
+              </a:spcBef>
+              <a:spcAft>
+                <a:spcPts val="0"/>
+              </a:spcAft>
+              <a:buClrTx/>
+              <a:buSzTx/>
+              <a:buFontTx/>
+              <a:buChar char="-"/>
+              <a:tabLst/>
+              <a:defRPr/>
+            </a:pPr>
+            <a:r>
+              <a:rPr lang="en-US" sz="1200" dirty="0" smtClean="0"/>
+              <a:t>a) Causal</a:t>
+            </a:r>
+            <a:r>
+              <a:rPr lang="en-US" sz="1200" baseline="0" dirty="0" smtClean="0"/>
+              <a:t> structure, b) conditional probabilities.</a:t>
+            </a:r>
+          </a:p>
+          <a:p>
+            <a:pPr marL="171450" marR="0" indent="-171450" algn="l" defTabSz="914400" rtl="0" eaLnBrk="1" fontAlgn="auto" latinLnBrk="0" hangingPunct="1">
+              <a:lnSpc>
+                <a:spcPct val="100000"/>
+              </a:lnSpc>
+              <a:spcBef>
+                <a:spcPts val="0"/>
+              </a:spcBef>
+              <a:spcAft>
+                <a:spcPts val="0"/>
+              </a:spcAft>
+              <a:buClrTx/>
+              <a:buSzTx/>
+              <a:buFontTx/>
+              <a:buChar char="-"/>
+              <a:tabLst/>
+              <a:defRPr/>
+            </a:pPr>
+            <a:endParaRPr lang="en-US" sz="1200" baseline="0" dirty="0" smtClean="0"/>
+          </a:p>
+          <a:p>
+            <a:pPr marL="171450" marR="0" indent="-171450" algn="l" defTabSz="914400" rtl="0" eaLnBrk="1" fontAlgn="auto" latinLnBrk="0" hangingPunct="1">
+              <a:lnSpc>
+                <a:spcPct val="100000"/>
+              </a:lnSpc>
+              <a:spcBef>
+                <a:spcPts val="0"/>
+              </a:spcBef>
+              <a:spcAft>
+                <a:spcPts val="0"/>
+              </a:spcAft>
+              <a:buClrTx/>
+              <a:buSzTx/>
+              <a:buFontTx/>
+              <a:buChar char="-"/>
+              <a:tabLst/>
+              <a:defRPr/>
+            </a:pPr>
+            <a:r>
+              <a:rPr lang="en-US" sz="1200" dirty="0" smtClean="0"/>
+              <a:t>Structure:</a:t>
+            </a:r>
+            <a:r>
+              <a:rPr lang="en-US" sz="1200" baseline="0" dirty="0" smtClean="0"/>
+              <a:t> First, a) what are the nodes/variables to represent in the structure, and b) what are their possible values? Then, causal relationship.</a:t>
+            </a:r>
+          </a:p>
+          <a:p>
+            <a:pPr marL="171450" marR="0" indent="-171450" algn="l" defTabSz="914400" rtl="0" eaLnBrk="1" fontAlgn="auto" latinLnBrk="0" hangingPunct="1">
+              <a:lnSpc>
+                <a:spcPct val="100000"/>
+              </a:lnSpc>
+              <a:spcBef>
+                <a:spcPts val="0"/>
+              </a:spcBef>
+              <a:spcAft>
+                <a:spcPts val="0"/>
+              </a:spcAft>
+              <a:buClrTx/>
+              <a:buSzTx/>
+              <a:buFontTx/>
+              <a:buChar char="-"/>
+              <a:tabLst/>
+              <a:defRPr/>
+            </a:pPr>
+            <a:endParaRPr lang="en-US" sz="1200" baseline="0" dirty="0" smtClean="0"/>
+          </a:p>
+          <a:p>
+            <a:pPr marL="171450" marR="0" indent="-171450" algn="l" defTabSz="914400" rtl="0" eaLnBrk="1" fontAlgn="auto" latinLnBrk="0" hangingPunct="1">
+              <a:lnSpc>
+                <a:spcPct val="100000"/>
+              </a:lnSpc>
+              <a:spcBef>
+                <a:spcPts val="0"/>
+              </a:spcBef>
+              <a:spcAft>
+                <a:spcPts val="0"/>
+              </a:spcAft>
+              <a:buClrTx/>
+              <a:buSzTx/>
+              <a:buFontTx/>
+              <a:buChar char="-"/>
+              <a:tabLst/>
+              <a:defRPr/>
+            </a:pPr>
+            <a:r>
+              <a:rPr lang="en-US" sz="1200" dirty="0" smtClean="0"/>
+              <a:t>Conditional Probability Table (CPT): </a:t>
+            </a:r>
+          </a:p>
+          <a:p>
+            <a:pPr marL="171450" marR="0" indent="-171450" algn="l" defTabSz="914400" rtl="0" eaLnBrk="1" fontAlgn="auto" latinLnBrk="0" hangingPunct="1">
+              <a:lnSpc>
+                <a:spcPct val="100000"/>
+              </a:lnSpc>
+              <a:spcBef>
+                <a:spcPts val="0"/>
+              </a:spcBef>
+              <a:spcAft>
+                <a:spcPts val="0"/>
+              </a:spcAft>
+              <a:buClrTx/>
+              <a:buSzTx/>
+              <a:buFontTx/>
+              <a:buChar char="-"/>
+              <a:tabLst/>
+              <a:defRPr/>
+            </a:pPr>
+            <a:endParaRPr lang="en-US" sz="1200" dirty="0" smtClean="0"/>
+          </a:p>
+          <a:p>
+            <a:pPr marL="171450" marR="0" indent="-171450" algn="l" defTabSz="914400" rtl="0" eaLnBrk="1" fontAlgn="auto" latinLnBrk="0" hangingPunct="1">
+              <a:lnSpc>
+                <a:spcPct val="100000"/>
+              </a:lnSpc>
+              <a:spcBef>
+                <a:spcPts val="0"/>
+              </a:spcBef>
+              <a:spcAft>
+                <a:spcPts val="0"/>
+              </a:spcAft>
+              <a:buClrTx/>
+              <a:buSzTx/>
+              <a:buFontTx/>
+              <a:buChar char="-"/>
+              <a:tabLst/>
+              <a:defRPr/>
+            </a:pPr>
+            <a:r>
+              <a:rPr lang="en-US" sz="1200" dirty="0" smtClean="0"/>
+              <a:t>Each row in a CPT will contain the value of a conditional probability of a node for each case of the possible combination of values for the parent node.</a:t>
+            </a:r>
+          </a:p>
+          <a:p>
+            <a:pPr marL="171450" marR="0" indent="-171450" algn="l" defTabSz="914400" rtl="0" eaLnBrk="1" fontAlgn="auto" latinLnBrk="0" hangingPunct="1">
+              <a:lnSpc>
+                <a:spcPct val="100000"/>
+              </a:lnSpc>
+              <a:spcBef>
+                <a:spcPts val="0"/>
+              </a:spcBef>
+              <a:spcAft>
+                <a:spcPts val="0"/>
+              </a:spcAft>
+              <a:buClrTx/>
+              <a:buSzTx/>
+              <a:buFontTx/>
+              <a:buChar char="-"/>
+              <a:tabLst/>
+              <a:defRPr/>
+            </a:pPr>
+            <a:endParaRPr lang="en-US" sz="1200" dirty="0" smtClean="0"/>
+          </a:p>
+          <a:p>
+            <a:pPr marL="171450" marR="0" indent="-171450" algn="l" defTabSz="914400" rtl="0" eaLnBrk="1" fontAlgn="auto" latinLnBrk="0" hangingPunct="1">
+              <a:lnSpc>
+                <a:spcPct val="100000"/>
+              </a:lnSpc>
+              <a:spcBef>
+                <a:spcPts val="0"/>
+              </a:spcBef>
+              <a:spcAft>
+                <a:spcPts val="0"/>
+              </a:spcAft>
+              <a:buClrTx/>
+              <a:buSzTx/>
+              <a:buFontTx/>
+              <a:buChar char="-"/>
+              <a:tabLst/>
+              <a:defRPr/>
+            </a:pPr>
+            <a:r>
+              <a:rPr lang="en-US" sz="1200" dirty="0" smtClean="0"/>
+              <a:t>The probabilities in a CPT are typically acquired from </a:t>
+            </a:r>
+            <a:r>
+              <a:rPr lang="en-US" sz="1200" b="1" dirty="0" smtClean="0"/>
+              <a:t>experts on the subject</a:t>
+            </a:r>
+            <a:r>
+              <a:rPr lang="en-US" sz="1200" dirty="0" smtClean="0"/>
+              <a:t>, but they can also be </a:t>
+            </a:r>
+            <a:r>
+              <a:rPr lang="en-US" sz="1200" b="1" dirty="0" smtClean="0"/>
+              <a:t>learned automatically</a:t>
+            </a:r>
+            <a:r>
+              <a:rPr lang="en-US" sz="1200" dirty="0" smtClean="0"/>
+              <a:t> using machine learning approaches.</a:t>
+            </a:r>
+          </a:p>
+          <a:p>
+            <a:pPr marL="171450" marR="0" indent="-171450" algn="l" defTabSz="914400" rtl="0" eaLnBrk="1" fontAlgn="auto" latinLnBrk="0" hangingPunct="1">
+              <a:lnSpc>
+                <a:spcPct val="100000"/>
+              </a:lnSpc>
+              <a:spcBef>
+                <a:spcPts val="0"/>
+              </a:spcBef>
+              <a:spcAft>
+                <a:spcPts val="0"/>
+              </a:spcAft>
+              <a:buClrTx/>
+              <a:buSzTx/>
+              <a:buFontTx/>
+              <a:buChar char="-"/>
+              <a:tabLst/>
+              <a:defRPr/>
+            </a:pPr>
+            <a:endParaRPr lang="en-US" sz="1200" dirty="0" smtClean="0"/>
+          </a:p>
+          <a:p>
+            <a:pPr marL="171450" marR="0" indent="-171450" algn="l" defTabSz="914400" rtl="0" eaLnBrk="1" fontAlgn="auto" latinLnBrk="0" hangingPunct="1">
+              <a:lnSpc>
+                <a:spcPct val="100000"/>
+              </a:lnSpc>
+              <a:spcBef>
+                <a:spcPts val="0"/>
+              </a:spcBef>
+              <a:spcAft>
+                <a:spcPts val="0"/>
+              </a:spcAft>
+              <a:buClrTx/>
+              <a:buSzTx/>
+              <a:buFontTx/>
+              <a:buChar char="-"/>
+              <a:tabLst/>
+              <a:defRPr/>
+            </a:pPr>
+            <a:r>
+              <a:rPr lang="en-US" sz="1200" b="1" dirty="0" smtClean="0"/>
+              <a:t>Markov property:</a:t>
+            </a:r>
+            <a:r>
+              <a:rPr lang="en-US" sz="1200" dirty="0" smtClean="0"/>
+              <a:t> In Bayesian networks, each variable is independent of its non-descendants given its parent variables.</a:t>
+            </a:r>
+          </a:p>
+          <a:p>
+            <a:pPr marL="171450" marR="0" indent="-171450" algn="l" defTabSz="914400" rtl="0" eaLnBrk="1" fontAlgn="auto" latinLnBrk="0" hangingPunct="1">
+              <a:lnSpc>
+                <a:spcPct val="100000"/>
+              </a:lnSpc>
+              <a:spcBef>
+                <a:spcPts val="0"/>
+              </a:spcBef>
+              <a:spcAft>
+                <a:spcPts val="0"/>
+              </a:spcAft>
+              <a:buClrTx/>
+              <a:buSzTx/>
+              <a:buFontTx/>
+              <a:buChar char="-"/>
+              <a:tabLst/>
+              <a:defRPr/>
+            </a:pPr>
+            <a:endParaRPr lang="en-US" sz="1200" dirty="0" smtClean="0"/>
+          </a:p>
+          <a:p>
+            <a:pPr marL="171450" marR="0" indent="-171450" algn="l" defTabSz="914400" rtl="0" eaLnBrk="1" fontAlgn="auto" latinLnBrk="0" hangingPunct="1">
+              <a:lnSpc>
+                <a:spcPct val="100000"/>
+              </a:lnSpc>
+              <a:spcBef>
+                <a:spcPts val="0"/>
+              </a:spcBef>
+              <a:spcAft>
+                <a:spcPts val="0"/>
+              </a:spcAft>
+              <a:buClrTx/>
+              <a:buSzTx/>
+              <a:buFontTx/>
+              <a:buChar char="-"/>
+              <a:tabLst/>
+              <a:defRPr/>
+            </a:pPr>
+            <a:endParaRPr lang="en-US" sz="1200" dirty="0" smtClean="0"/>
+          </a:p>
+        </p:txBody>
+      </p:sp>
+      <p:sp>
+        <p:nvSpPr>
+          <p:cNvPr id="4" name="Slide Number Placeholder 3"/>
+          <p:cNvSpPr>
+            <a:spLocks noGrp="1"/>
+          </p:cNvSpPr>
+          <p:nvPr>
+            <p:ph type="sldNum" sz="quarter" idx="10"/>
+          </p:nvPr>
+        </p:nvSpPr>
+        <p:spPr/>
+        <p:txBody>
+          <a:bodyPr/>
+          <a:lstStyle/>
+          <a:p>
+            <a:fld id="{D91B34AF-DFC3-47C6-893A-07AE93C6324A}" type="slidenum">
+              <a:rPr lang="en-US" smtClean="0"/>
+              <a:t>33</a:t>
+            </a:fld>
+            <a:endParaRPr lang="en-US"/>
+          </a:p>
+        </p:txBody>
+      </p:sp>
+    </p:spTree>
+    <p:extLst>
+      <p:ext uri="{BB962C8B-B14F-4D97-AF65-F5344CB8AC3E}">
+        <p14:creationId xmlns:p14="http://schemas.microsoft.com/office/powerpoint/2010/main" val="1845102120"/>
+      </p:ext>
+    </p:extLst>
+  </p:cSld>
+  <p:clrMapOvr>
+    <a:masterClrMapping/>
+  </p:clrMapOvr>
+</p:notes>
+</file>
+
 <file path=ppt/notesSlides/notesSlide3.xml><?xml version="1.0" encoding="utf-8"?>
 <p:notes xmlns:a="http://schemas.openxmlformats.org/drawingml/2006/main" xmlns:r="http://schemas.openxmlformats.org/officeDocument/2006/relationships" xmlns:p="http://schemas.openxmlformats.org/presentationml/2006/main">
   <p:cSld>
@@ -2322,6 +3095,340 @@
             <a:fld id="{D91B34AF-DFC3-47C6-893A-07AE93C6324A}" type="slidenum">
               <a:rPr lang="en-US" smtClean="0"/>
               <a:t>5</a:t>
+            </a:fld>
+            <a:endParaRPr lang="en-US"/>
+          </a:p>
+        </p:txBody>
+      </p:sp>
+    </p:spTree>
+    <p:extLst>
+      <p:ext uri="{BB962C8B-B14F-4D97-AF65-F5344CB8AC3E}">
+        <p14:creationId xmlns:p14="http://schemas.microsoft.com/office/powerpoint/2010/main" val="1845102120"/>
+      </p:ext>
+    </p:extLst>
+  </p:cSld>
+  <p:clrMapOvr>
+    <a:masterClrMapping/>
+  </p:clrMapOvr>
+</p:notes>
+</file>
+
+<file path=ppt/notesSlides/notesSlide30.xml><?xml version="1.0" encoding="utf-8"?>
+<p:notes xmlns:a="http://schemas.openxmlformats.org/drawingml/2006/main" xmlns:r="http://schemas.openxmlformats.org/officeDocument/2006/relationships" xmlns:p="http://schemas.openxmlformats.org/presentationml/2006/main">
+  <p:cSld>
+    <p:spTree>
+      <p:nvGrpSpPr>
+        <p:cNvPr id="1" name=""/>
+        <p:cNvGrpSpPr/>
+        <p:nvPr/>
+      </p:nvGrpSpPr>
+      <p:grpSpPr>
+        <a:xfrm>
+          <a:off x="0" y="0"/>
+          <a:ext cx="0" cy="0"/>
+          <a:chOff x="0" y="0"/>
+          <a:chExt cx="0" cy="0"/>
+        </a:xfrm>
+      </p:grpSpPr>
+      <p:sp>
+        <p:nvSpPr>
+          <p:cNvPr id="2" name="Slide Image Placeholder 1"/>
+          <p:cNvSpPr>
+            <a:spLocks noGrp="1" noRot="1" noChangeAspect="1"/>
+          </p:cNvSpPr>
+          <p:nvPr>
+            <p:ph type="sldImg"/>
+          </p:nvPr>
+        </p:nvSpPr>
+        <p:spPr/>
+      </p:sp>
+      <p:sp>
+        <p:nvSpPr>
+          <p:cNvPr id="3" name="Notes Placeholder 2"/>
+          <p:cNvSpPr>
+            <a:spLocks noGrp="1"/>
+          </p:cNvSpPr>
+          <p:nvPr>
+            <p:ph type="body" idx="1"/>
+          </p:nvPr>
+        </p:nvSpPr>
+        <p:spPr/>
+        <p:txBody>
+          <a:bodyPr/>
+          <a:lstStyle/>
+          <a:p>
+            <a:r>
+              <a:rPr lang="en-US" dirty="0" smtClean="0"/>
+              <a:t>In the following formula P(x_1, x_2, …, </a:t>
+            </a:r>
+            <a:r>
+              <a:rPr lang="en-US" dirty="0" err="1" smtClean="0"/>
+              <a:t>x_n</a:t>
+            </a:r>
+            <a:r>
+              <a:rPr lang="en-US" dirty="0" smtClean="0"/>
+              <a:t>) is an abbreviation for the conjunction of </a:t>
+            </a:r>
+            <a:r>
+              <a:rPr lang="en-US" b="1" i="1" dirty="0" smtClean="0"/>
+              <a:t>n</a:t>
+            </a:r>
+            <a:r>
+              <a:rPr lang="en-US" dirty="0" smtClean="0"/>
+              <a:t> assignments to each variable.</a:t>
+            </a:r>
+          </a:p>
+          <a:p>
+            <a:endParaRPr lang="en-US" dirty="0" smtClean="0"/>
+          </a:p>
+          <a:p>
+            <a:r>
+              <a:rPr lang="en-US" dirty="0" smtClean="0"/>
+              <a:t>- where parents(X) denotes the specific values of the variables in Parents(X).</a:t>
+            </a:r>
+            <a:endParaRPr lang="en-US" dirty="0"/>
+          </a:p>
+        </p:txBody>
+      </p:sp>
+      <p:sp>
+        <p:nvSpPr>
+          <p:cNvPr id="4" name="Slide Number Placeholder 3"/>
+          <p:cNvSpPr>
+            <a:spLocks noGrp="1"/>
+          </p:cNvSpPr>
+          <p:nvPr>
+            <p:ph type="sldNum" sz="quarter" idx="10"/>
+          </p:nvPr>
+        </p:nvSpPr>
+        <p:spPr/>
+        <p:txBody>
+          <a:bodyPr/>
+          <a:lstStyle/>
+          <a:p>
+            <a:fld id="{D91B34AF-DFC3-47C6-893A-07AE93C6324A}" type="slidenum">
+              <a:rPr lang="en-US" smtClean="0"/>
+              <a:t>34</a:t>
+            </a:fld>
+            <a:endParaRPr lang="en-US"/>
+          </a:p>
+        </p:txBody>
+      </p:sp>
+    </p:spTree>
+    <p:extLst>
+      <p:ext uri="{BB962C8B-B14F-4D97-AF65-F5344CB8AC3E}">
+        <p14:creationId xmlns:p14="http://schemas.microsoft.com/office/powerpoint/2010/main" val="1845102120"/>
+      </p:ext>
+    </p:extLst>
+  </p:cSld>
+  <p:clrMapOvr>
+    <a:masterClrMapping/>
+  </p:clrMapOvr>
+</p:notes>
+</file>
+
+<file path=ppt/notesSlides/notesSlide31.xml><?xml version="1.0" encoding="utf-8"?>
+<p:notes xmlns:a="http://schemas.openxmlformats.org/drawingml/2006/main" xmlns:r="http://schemas.openxmlformats.org/officeDocument/2006/relationships" xmlns:p="http://schemas.openxmlformats.org/presentationml/2006/main">
+  <p:cSld>
+    <p:spTree>
+      <p:nvGrpSpPr>
+        <p:cNvPr id="1" name=""/>
+        <p:cNvGrpSpPr/>
+        <p:nvPr/>
+      </p:nvGrpSpPr>
+      <p:grpSpPr>
+        <a:xfrm>
+          <a:off x="0" y="0"/>
+          <a:ext cx="0" cy="0"/>
+          <a:chOff x="0" y="0"/>
+          <a:chExt cx="0" cy="0"/>
+        </a:xfrm>
+      </p:grpSpPr>
+      <p:sp>
+        <p:nvSpPr>
+          <p:cNvPr id="2" name="Slide Image Placeholder 1"/>
+          <p:cNvSpPr>
+            <a:spLocks noGrp="1" noRot="1" noChangeAspect="1"/>
+          </p:cNvSpPr>
+          <p:nvPr>
+            <p:ph type="sldImg"/>
+          </p:nvPr>
+        </p:nvSpPr>
+        <p:spPr/>
+      </p:sp>
+      <p:sp>
+        <p:nvSpPr>
+          <p:cNvPr id="3" name="Notes Placeholder 2"/>
+          <p:cNvSpPr>
+            <a:spLocks noGrp="1"/>
+          </p:cNvSpPr>
+          <p:nvPr>
+            <p:ph type="body" idx="1"/>
+          </p:nvPr>
+        </p:nvSpPr>
+        <p:spPr/>
+        <p:txBody>
+          <a:bodyPr/>
+          <a:lstStyle/>
+          <a:p>
+            <a:pPr marL="171450" indent="-171450">
+              <a:buFontTx/>
+              <a:buChar char="-"/>
+            </a:pPr>
+            <a:r>
+              <a:rPr lang="en-US" dirty="0" smtClean="0"/>
+              <a:t>Reasoning in Bayesian networks is the process of updating beliefs in the face of evidence.</a:t>
+            </a:r>
+          </a:p>
+          <a:p>
+            <a:pPr marL="171450" indent="-171450">
+              <a:buFontTx/>
+              <a:buChar char="-"/>
+            </a:pPr>
+            <a:endParaRPr lang="en-US" dirty="0" smtClean="0"/>
+          </a:p>
+          <a:p>
+            <a:pPr marL="171450" indent="-171450">
+              <a:buFontTx/>
+              <a:buChar char="-"/>
+            </a:pPr>
+            <a:r>
+              <a:rPr lang="en-US" dirty="0" smtClean="0"/>
+              <a:t>It is the process of efficiently deducing the belief distribution over a particular subset of random variables given that we know the states of some other variables in the network.</a:t>
+            </a:r>
+          </a:p>
+          <a:p>
+            <a:pPr marL="171450" indent="-171450">
+              <a:buFontTx/>
+              <a:buChar char="-"/>
+            </a:pPr>
+            <a:endParaRPr lang="en-US" dirty="0" smtClean="0"/>
+          </a:p>
+          <a:p>
+            <a:pPr marL="171450" indent="-171450">
+              <a:buFontTx/>
+              <a:buChar char="-"/>
+            </a:pPr>
+            <a:r>
+              <a:rPr lang="en-US" b="1" dirty="0" smtClean="0"/>
+              <a:t>Diagnostic reasoning:</a:t>
+            </a:r>
+            <a:r>
+              <a:rPr lang="en-US" dirty="0" smtClean="0"/>
+              <a:t> This is the reasoning </a:t>
+            </a:r>
+            <a:r>
+              <a:rPr lang="en-US" b="1" dirty="0" smtClean="0"/>
+              <a:t>from symptoms </a:t>
+            </a:r>
+            <a:r>
+              <a:rPr lang="en-US" dirty="0" smtClean="0"/>
+              <a:t>(effects) to cause.</a:t>
+            </a:r>
+          </a:p>
+          <a:p>
+            <a:pPr marL="171450" indent="-171450">
+              <a:buFontTx/>
+              <a:buChar char="-"/>
+            </a:pPr>
+            <a:endParaRPr lang="en-US" dirty="0" smtClean="0"/>
+          </a:p>
+          <a:p>
+            <a:pPr marL="171450" indent="-171450">
+              <a:buFontTx/>
+              <a:buChar char="-"/>
+            </a:pPr>
+            <a:r>
+              <a:rPr lang="en-US" b="1" dirty="0" smtClean="0"/>
+              <a:t>Predictive reasoning:</a:t>
+            </a:r>
+            <a:r>
+              <a:rPr lang="en-US" dirty="0" smtClean="0"/>
+              <a:t> This is the reasoning based on new information about the </a:t>
+            </a:r>
+            <a:r>
+              <a:rPr lang="en-US" b="1" dirty="0" smtClean="0"/>
+              <a:t>causes to new beliefs </a:t>
+            </a:r>
+            <a:r>
+              <a:rPr lang="en-US" dirty="0" smtClean="0"/>
+              <a:t>about the corresponding effects.</a:t>
+            </a:r>
+          </a:p>
+          <a:p>
+            <a:pPr marL="171450" indent="-171450">
+              <a:buFontTx/>
+              <a:buChar char="-"/>
+            </a:pPr>
+            <a:endParaRPr lang="en-US" dirty="0" smtClean="0"/>
+          </a:p>
+          <a:p>
+            <a:pPr marL="171450" indent="-171450">
+              <a:buFontTx/>
+              <a:buChar char="-"/>
+            </a:pPr>
+            <a:r>
+              <a:rPr lang="en-US" b="1" dirty="0" err="1" smtClean="0"/>
+              <a:t>Intercausal</a:t>
+            </a:r>
+            <a:r>
+              <a:rPr lang="en-US" b="1" dirty="0" smtClean="0"/>
+              <a:t> reasoning:</a:t>
+            </a:r>
+            <a:r>
+              <a:rPr lang="en-US" dirty="0" smtClean="0"/>
+              <a:t> This is the reasoning about the </a:t>
+            </a:r>
+            <a:r>
+              <a:rPr lang="en-US" b="1" dirty="0" smtClean="0"/>
+              <a:t>mutual causes </a:t>
+            </a:r>
+            <a:r>
+              <a:rPr lang="en-US" dirty="0" smtClean="0"/>
+              <a:t>of a common effect. The first explanatory cause </a:t>
+            </a:r>
+            <a:r>
+              <a:rPr lang="en-US" b="1" dirty="0" smtClean="0"/>
+              <a:t>explains away </a:t>
+            </a:r>
+            <a:r>
+              <a:rPr lang="en-US" dirty="0" smtClean="0"/>
+              <a:t>the alternative one.</a:t>
+            </a:r>
+          </a:p>
+          <a:p>
+            <a:pPr marL="171450" indent="-171450">
+              <a:buFontTx/>
+              <a:buChar char="-"/>
+            </a:pPr>
+            <a:endParaRPr lang="en-US" smtClean="0"/>
+          </a:p>
+          <a:p>
+            <a:pPr marL="171450" indent="-171450">
+              <a:buFontTx/>
+              <a:buChar char="-"/>
+            </a:pPr>
+            <a:endParaRPr lang="en-US" dirty="0"/>
+          </a:p>
+        </p:txBody>
+      </p:sp>
+      <p:sp>
+        <p:nvSpPr>
+          <p:cNvPr id="4" name="Slide Number Placeholder 3"/>
+          <p:cNvSpPr>
+            <a:spLocks noGrp="1"/>
+          </p:cNvSpPr>
+          <p:nvPr>
+            <p:ph type="sldNum" sz="quarter" idx="10"/>
+          </p:nvPr>
+        </p:nvSpPr>
+        <p:spPr/>
+        <p:txBody>
+          <a:bodyPr/>
+          <a:lstStyle/>
+          <a:p>
+            <a:fld id="{D91B34AF-DFC3-47C6-893A-07AE93C6324A}" type="slidenum">
+              <a:rPr lang="en-US" smtClean="0"/>
+              <a:t>35</a:t>
             </a:fld>
             <a:endParaRPr lang="en-US"/>
           </a:p>
@@ -3025,7 +4132,7 @@
           <a:p>
             <a:fld id="{14FA71CB-4092-45E6-85F2-35E0862C08A7}" type="datetimeFigureOut">
               <a:rPr lang="en-US" smtClean="0"/>
-              <a:t>6/18/2015</a:t>
+              <a:t>6/19/2015</a:t>
             </a:fld>
             <a:endParaRPr lang="en-US" dirty="0"/>
           </a:p>
@@ -3195,7 +4302,7 @@
           <a:p>
             <a:fld id="{14FA71CB-4092-45E6-85F2-35E0862C08A7}" type="datetimeFigureOut">
               <a:rPr lang="en-US" smtClean="0"/>
-              <a:t>6/18/2015</a:t>
+              <a:t>6/19/2015</a:t>
             </a:fld>
             <a:endParaRPr lang="en-US" dirty="0"/>
           </a:p>
@@ -3375,7 +4482,7 @@
           <a:p>
             <a:fld id="{14FA71CB-4092-45E6-85F2-35E0862C08A7}" type="datetimeFigureOut">
               <a:rPr lang="en-US" smtClean="0"/>
-              <a:t>6/18/2015</a:t>
+              <a:t>6/19/2015</a:t>
             </a:fld>
             <a:endParaRPr lang="en-US" dirty="0"/>
           </a:p>
@@ -3545,7 +4652,7 @@
           <a:p>
             <a:fld id="{14FA71CB-4092-45E6-85F2-35E0862C08A7}" type="datetimeFigureOut">
               <a:rPr lang="en-US" smtClean="0"/>
-              <a:t>6/18/2015</a:t>
+              <a:t>6/19/2015</a:t>
             </a:fld>
             <a:endParaRPr lang="en-US" dirty="0"/>
           </a:p>
@@ -3791,7 +4898,7 @@
           <a:p>
             <a:fld id="{14FA71CB-4092-45E6-85F2-35E0862C08A7}" type="datetimeFigureOut">
               <a:rPr lang="en-US" smtClean="0"/>
-              <a:t>6/18/2015</a:t>
+              <a:t>6/19/2015</a:t>
             </a:fld>
             <a:endParaRPr lang="en-US" dirty="0"/>
           </a:p>
@@ -4079,7 +5186,7 @@
           <a:p>
             <a:fld id="{14FA71CB-4092-45E6-85F2-35E0862C08A7}" type="datetimeFigureOut">
               <a:rPr lang="en-US" smtClean="0"/>
-              <a:t>6/18/2015</a:t>
+              <a:t>6/19/2015</a:t>
             </a:fld>
             <a:endParaRPr lang="en-US" dirty="0"/>
           </a:p>
@@ -4501,7 +5608,7 @@
           <a:p>
             <a:fld id="{14FA71CB-4092-45E6-85F2-35E0862C08A7}" type="datetimeFigureOut">
               <a:rPr lang="en-US" smtClean="0"/>
-              <a:t>6/18/2015</a:t>
+              <a:t>6/19/2015</a:t>
             </a:fld>
             <a:endParaRPr lang="en-US" dirty="0"/>
           </a:p>
@@ -4619,7 +5726,7 @@
           <a:p>
             <a:fld id="{14FA71CB-4092-45E6-85F2-35E0862C08A7}" type="datetimeFigureOut">
               <a:rPr lang="en-US" smtClean="0"/>
-              <a:t>6/18/2015</a:t>
+              <a:t>6/19/2015</a:t>
             </a:fld>
             <a:endParaRPr lang="en-US" dirty="0"/>
           </a:p>
@@ -4714,7 +5821,7 @@
           <a:p>
             <a:fld id="{14FA71CB-4092-45E6-85F2-35E0862C08A7}" type="datetimeFigureOut">
               <a:rPr lang="en-US" smtClean="0"/>
-              <a:t>6/18/2015</a:t>
+              <a:t>6/19/2015</a:t>
             </a:fld>
             <a:endParaRPr lang="en-US" dirty="0"/>
           </a:p>
@@ -4991,7 +6098,7 @@
           <a:p>
             <a:fld id="{14FA71CB-4092-45E6-85F2-35E0862C08A7}" type="datetimeFigureOut">
               <a:rPr lang="en-US" smtClean="0"/>
-              <a:t>6/18/2015</a:t>
+              <a:t>6/19/2015</a:t>
             </a:fld>
             <a:endParaRPr lang="en-US" dirty="0"/>
           </a:p>
@@ -5244,7 +6351,7 @@
           <a:p>
             <a:fld id="{14FA71CB-4092-45E6-85F2-35E0862C08A7}" type="datetimeFigureOut">
               <a:rPr lang="en-US" smtClean="0"/>
-              <a:t>6/18/2015</a:t>
+              <a:t>6/19/2015</a:t>
             </a:fld>
             <a:endParaRPr lang="en-US" dirty="0"/>
           </a:p>
@@ -5457,7 +6564,7 @@
           <a:p>
             <a:fld id="{14FA71CB-4092-45E6-85F2-35E0862C08A7}" type="datetimeFigureOut">
               <a:rPr lang="en-US" smtClean="0"/>
-              <a:t>6/18/2015</a:t>
+              <a:t>6/19/2015</a:t>
             </a:fld>
             <a:endParaRPr lang="en-US" dirty="0"/>
           </a:p>
@@ -12677,11 +13784,7 @@
             </a:r>
             <a:r>
               <a:rPr lang="en-US" sz="2400" b="1" dirty="0"/>
-              <a:t>&gt; </a:t>
-            </a:r>
-            <a:r>
-              <a:rPr lang="en-US" sz="2400" b="1" dirty="0"/>
-              <a:t>Appraisal </a:t>
+              <a:t>&gt; Appraisal </a:t>
             </a:r>
             <a:r>
               <a:rPr lang="en-US" sz="2400" b="1" dirty="0" smtClean="0"/>
@@ -13681,15 +14784,7 @@
           <a:p>
             <a:r>
               <a:rPr lang="en-US" sz="2000" dirty="0" smtClean="0"/>
-              <a:t>In contrast to </a:t>
-            </a:r>
-            <a:r>
-              <a:rPr lang="en-US" sz="2000" dirty="0" smtClean="0"/>
-              <a:t>basic emotions, </a:t>
-            </a:r>
-            <a:r>
-              <a:rPr lang="en-US" sz="2000" dirty="0" smtClean="0"/>
-              <a:t>dimensional theory is compatible with the differences in the behavioral responses to the stimuli.</a:t>
+              <a:t>In contrast to basic emotions, dimensional theory is compatible with the differences in the behavioral responses to the stimuli.</a:t>
             </a:r>
           </a:p>
           <a:p>
@@ -15696,6 +16791,1247 @@
     <p:extLst>
       <p:ext uri="{BB962C8B-B14F-4D97-AF65-F5344CB8AC3E}">
         <p14:creationId xmlns:p14="http://schemas.microsoft.com/office/powerpoint/2010/main" val="723416440"/>
+      </p:ext>
+    </p:extLst>
+  </p:cSld>
+  <p:clrMapOvr>
+    <a:masterClrMapping/>
+  </p:clrMapOvr>
+  <p:timing>
+    <p:tnLst>
+      <p:par>
+        <p:cTn id="1" dur="indefinite" restart="never" nodeType="tmRoot"/>
+      </p:par>
+    </p:tnLst>
+  </p:timing>
+</p:sld>
+</file>
+
+<file path=ppt/slides/slide32.xml><?xml version="1.0" encoding="utf-8"?>
+<p:sld xmlns:a="http://schemas.openxmlformats.org/drawingml/2006/main" xmlns:r="http://schemas.openxmlformats.org/officeDocument/2006/relationships" xmlns:p="http://schemas.openxmlformats.org/presentationml/2006/main">
+  <p:cSld>
+    <p:spTree>
+      <p:nvGrpSpPr>
+        <p:cNvPr id="1" name=""/>
+        <p:cNvGrpSpPr/>
+        <p:nvPr/>
+      </p:nvGrpSpPr>
+      <p:grpSpPr>
+        <a:xfrm>
+          <a:off x="0" y="0"/>
+          <a:ext cx="0" cy="0"/>
+          <a:chOff x="0" y="0"/>
+          <a:chExt cx="0" cy="0"/>
+        </a:xfrm>
+      </p:grpSpPr>
+      <p:sp>
+        <p:nvSpPr>
+          <p:cNvPr id="5" name="Content Placeholder 2"/>
+          <p:cNvSpPr txBox="1">
+            <a:spLocks/>
+          </p:cNvSpPr>
+          <p:nvPr/>
+        </p:nvSpPr>
+        <p:spPr>
+          <a:xfrm>
+            <a:off x="457199" y="1219201"/>
+            <a:ext cx="8206611" cy="5181599"/>
+          </a:xfrm>
+          <a:prstGeom prst="rect">
+            <a:avLst/>
+          </a:prstGeom>
+        </p:spPr>
+        <p:txBody>
+          <a:bodyPr vert="horz" lIns="91440" tIns="45720" rIns="91440" bIns="45720" rtlCol="0">
+            <a:normAutofit/>
+          </a:bodyPr>
+          <a:lstStyle>
+            <a:lvl1pPr marL="342900" indent="-342900" algn="l" defTabSz="914400" rtl="0" eaLnBrk="1" latinLnBrk="0" hangingPunct="1">
+              <a:spcBef>
+                <a:spcPct val="20000"/>
+              </a:spcBef>
+              <a:buFont typeface="Arial" panose="020B0604020202020204" pitchFamily="34" charset="0"/>
+              <a:buChar char="•"/>
+              <a:defRPr sz="3200" kern="1200">
+                <a:solidFill>
+                  <a:schemeClr val="tx1"/>
+                </a:solidFill>
+                <a:latin typeface="+mn-lt"/>
+                <a:ea typeface="+mn-ea"/>
+                <a:cs typeface="+mn-cs"/>
+              </a:defRPr>
+            </a:lvl1pPr>
+            <a:lvl2pPr marL="742950" indent="-285750" algn="l" defTabSz="914400" rtl="0" eaLnBrk="1" latinLnBrk="0" hangingPunct="1">
+              <a:spcBef>
+                <a:spcPct val="20000"/>
+              </a:spcBef>
+              <a:buFont typeface="Arial" panose="020B0604020202020204" pitchFamily="34" charset="0"/>
+              <a:buChar char="–"/>
+              <a:defRPr sz="2800" kern="1200">
+                <a:solidFill>
+                  <a:schemeClr val="tx1"/>
+                </a:solidFill>
+                <a:latin typeface="+mn-lt"/>
+                <a:ea typeface="+mn-ea"/>
+                <a:cs typeface="+mn-cs"/>
+              </a:defRPr>
+            </a:lvl2pPr>
+            <a:lvl3pPr marL="1143000" indent="-228600" algn="l" defTabSz="914400" rtl="0" eaLnBrk="1" latinLnBrk="0" hangingPunct="1">
+              <a:spcBef>
+                <a:spcPct val="20000"/>
+              </a:spcBef>
+              <a:buFont typeface="Arial" panose="020B0604020202020204" pitchFamily="34" charset="0"/>
+              <a:buChar char="•"/>
+              <a:defRPr sz="2400" kern="1200">
+                <a:solidFill>
+                  <a:schemeClr val="tx1"/>
+                </a:solidFill>
+                <a:latin typeface="+mn-lt"/>
+                <a:ea typeface="+mn-ea"/>
+                <a:cs typeface="+mn-cs"/>
+              </a:defRPr>
+            </a:lvl3pPr>
+            <a:lvl4pPr marL="1600200" indent="-228600" algn="l" defTabSz="914400" rtl="0" eaLnBrk="1" latinLnBrk="0" hangingPunct="1">
+              <a:spcBef>
+                <a:spcPct val="20000"/>
+              </a:spcBef>
+              <a:buFont typeface="Arial" panose="020B0604020202020204" pitchFamily="34" charset="0"/>
+              <a:buChar char="–"/>
+              <a:defRPr sz="2000" kern="1200">
+                <a:solidFill>
+                  <a:schemeClr val="tx1"/>
+                </a:solidFill>
+                <a:latin typeface="+mn-lt"/>
+                <a:ea typeface="+mn-ea"/>
+                <a:cs typeface="+mn-cs"/>
+              </a:defRPr>
+            </a:lvl4pPr>
+            <a:lvl5pPr marL="2057400" indent="-228600" algn="l" defTabSz="914400" rtl="0" eaLnBrk="1" latinLnBrk="0" hangingPunct="1">
+              <a:spcBef>
+                <a:spcPct val="20000"/>
+              </a:spcBef>
+              <a:buFont typeface="Arial" panose="020B0604020202020204" pitchFamily="34" charset="0"/>
+              <a:buChar char="»"/>
+              <a:defRPr sz="2000" kern="1200">
+                <a:solidFill>
+                  <a:schemeClr val="tx1"/>
+                </a:solidFill>
+                <a:latin typeface="+mn-lt"/>
+                <a:ea typeface="+mn-ea"/>
+                <a:cs typeface="+mn-cs"/>
+              </a:defRPr>
+            </a:lvl5pPr>
+            <a:lvl6pPr marL="2514600" indent="-228600" algn="l" defTabSz="914400" rtl="0" eaLnBrk="1" latinLnBrk="0" hangingPunct="1">
+              <a:spcBef>
+                <a:spcPct val="20000"/>
+              </a:spcBef>
+              <a:buFont typeface="Arial" panose="020B0604020202020204" pitchFamily="34" charset="0"/>
+              <a:buChar char="•"/>
+              <a:defRPr sz="2000" kern="1200">
+                <a:solidFill>
+                  <a:schemeClr val="tx1"/>
+                </a:solidFill>
+                <a:latin typeface="+mn-lt"/>
+                <a:ea typeface="+mn-ea"/>
+                <a:cs typeface="+mn-cs"/>
+              </a:defRPr>
+            </a:lvl6pPr>
+            <a:lvl7pPr marL="2971800" indent="-228600" algn="l" defTabSz="914400" rtl="0" eaLnBrk="1" latinLnBrk="0" hangingPunct="1">
+              <a:spcBef>
+                <a:spcPct val="20000"/>
+              </a:spcBef>
+              <a:buFont typeface="Arial" panose="020B0604020202020204" pitchFamily="34" charset="0"/>
+              <a:buChar char="•"/>
+              <a:defRPr sz="2000" kern="1200">
+                <a:solidFill>
+                  <a:schemeClr val="tx1"/>
+                </a:solidFill>
+                <a:latin typeface="+mn-lt"/>
+                <a:ea typeface="+mn-ea"/>
+                <a:cs typeface="+mn-cs"/>
+              </a:defRPr>
+            </a:lvl7pPr>
+            <a:lvl8pPr marL="3429000" indent="-228600" algn="l" defTabSz="914400" rtl="0" eaLnBrk="1" latinLnBrk="0" hangingPunct="1">
+              <a:spcBef>
+                <a:spcPct val="20000"/>
+              </a:spcBef>
+              <a:buFont typeface="Arial" panose="020B0604020202020204" pitchFamily="34" charset="0"/>
+              <a:buChar char="•"/>
+              <a:defRPr sz="2000" kern="1200">
+                <a:solidFill>
+                  <a:schemeClr val="tx1"/>
+                </a:solidFill>
+                <a:latin typeface="+mn-lt"/>
+                <a:ea typeface="+mn-ea"/>
+                <a:cs typeface="+mn-cs"/>
+              </a:defRPr>
+            </a:lvl8pPr>
+            <a:lvl9pPr marL="3886200" indent="-228600" algn="l" defTabSz="914400" rtl="0" eaLnBrk="1" latinLnBrk="0" hangingPunct="1">
+              <a:spcBef>
+                <a:spcPct val="20000"/>
+              </a:spcBef>
+              <a:buFont typeface="Arial" panose="020B0604020202020204" pitchFamily="34" charset="0"/>
+              <a:buChar char="•"/>
+              <a:defRPr sz="2000" kern="1200">
+                <a:solidFill>
+                  <a:schemeClr val="tx1"/>
+                </a:solidFill>
+                <a:latin typeface="+mn-lt"/>
+                <a:ea typeface="+mn-ea"/>
+                <a:cs typeface="+mn-cs"/>
+              </a:defRPr>
+            </a:lvl9pPr>
+          </a:lstStyle>
+          <a:p>
+            <a:r>
+              <a:rPr lang="en-US" sz="2000" dirty="0" smtClean="0"/>
+              <a:t>Bayesian Belief Networks (probabilistic reasoning)</a:t>
+            </a:r>
+          </a:p>
+          <a:p>
+            <a:r>
+              <a:rPr lang="en-US" sz="2000" dirty="0" smtClean="0"/>
+              <a:t>Dempster-Shafer theory (Evidential reasoning)</a:t>
+            </a:r>
+          </a:p>
+          <a:p>
+            <a:r>
+              <a:rPr lang="en-US" sz="2000" dirty="0" smtClean="0"/>
+              <a:t>Fuzzy logic (reasoning under ambiguity)</a:t>
+            </a:r>
+            <a:endParaRPr lang="en-US" sz="2000" dirty="0" smtClean="0"/>
+          </a:p>
+        </p:txBody>
+      </p:sp>
+      <p:sp>
+        <p:nvSpPr>
+          <p:cNvPr id="9" name="Title 1"/>
+          <p:cNvSpPr txBox="1">
+            <a:spLocks/>
+          </p:cNvSpPr>
+          <p:nvPr/>
+        </p:nvSpPr>
+        <p:spPr>
+          <a:xfrm>
+            <a:off x="228600" y="0"/>
+            <a:ext cx="8686800" cy="1143000"/>
+          </a:xfrm>
+          <a:prstGeom prst="rect">
+            <a:avLst/>
+          </a:prstGeom>
+        </p:spPr>
+        <p:txBody>
+          <a:bodyPr vert="horz" lIns="91440" tIns="45720" rIns="91440" bIns="45720" rtlCol="0" anchor="ctr">
+            <a:normAutofit/>
+          </a:bodyPr>
+          <a:lstStyle>
+            <a:lvl1pPr algn="ctr" defTabSz="914400" rtl="0" eaLnBrk="1" latinLnBrk="0" hangingPunct="1">
+              <a:spcBef>
+                <a:spcPct val="0"/>
+              </a:spcBef>
+              <a:buNone/>
+              <a:defRPr sz="4400" kern="1200">
+                <a:solidFill>
+                  <a:schemeClr val="tx1"/>
+                </a:solidFill>
+                <a:latin typeface="+mj-lt"/>
+                <a:ea typeface="+mj-ea"/>
+                <a:cs typeface="+mj-cs"/>
+              </a:defRPr>
+            </a:lvl1pPr>
+          </a:lstStyle>
+          <a:p>
+            <a:pPr algn="l"/>
+            <a:r>
+              <a:rPr lang="en-US" sz="2400" b="1" dirty="0" smtClean="0"/>
+              <a:t>Uncertainty in AI </a:t>
+            </a:r>
+            <a:r>
+              <a:rPr lang="en-US" sz="2400" b="1" dirty="0"/>
+              <a:t>&gt; </a:t>
+            </a:r>
+            <a:r>
+              <a:rPr lang="en-US" sz="2400" b="1" dirty="0" smtClean="0"/>
+              <a:t>Introduction</a:t>
+            </a:r>
+            <a:endParaRPr lang="en-US" sz="2000" b="1" i="1" dirty="0"/>
+          </a:p>
+        </p:txBody>
+      </p:sp>
+    </p:spTree>
+    <p:extLst>
+      <p:ext uri="{BB962C8B-B14F-4D97-AF65-F5344CB8AC3E}">
+        <p14:creationId xmlns:p14="http://schemas.microsoft.com/office/powerpoint/2010/main" val="989688761"/>
+      </p:ext>
+    </p:extLst>
+  </p:cSld>
+  <p:clrMapOvr>
+    <a:masterClrMapping/>
+  </p:clrMapOvr>
+  <p:timing>
+    <p:tnLst>
+      <p:par>
+        <p:cTn id="1" dur="indefinite" restart="never" nodeType="tmRoot"/>
+      </p:par>
+    </p:tnLst>
+  </p:timing>
+</p:sld>
+</file>
+
+<file path=ppt/slides/slide33.xml><?xml version="1.0" encoding="utf-8"?>
+<p:sld xmlns:a="http://schemas.openxmlformats.org/drawingml/2006/main" xmlns:r="http://schemas.openxmlformats.org/officeDocument/2006/relationships" xmlns:p="http://schemas.openxmlformats.org/presentationml/2006/main">
+  <p:cSld>
+    <p:spTree>
+      <p:nvGrpSpPr>
+        <p:cNvPr id="1" name=""/>
+        <p:cNvGrpSpPr/>
+        <p:nvPr/>
+      </p:nvGrpSpPr>
+      <p:grpSpPr>
+        <a:xfrm>
+          <a:off x="0" y="0"/>
+          <a:ext cx="0" cy="0"/>
+          <a:chOff x="0" y="0"/>
+          <a:chExt cx="0" cy="0"/>
+        </a:xfrm>
+      </p:grpSpPr>
+      <p:sp>
+        <p:nvSpPr>
+          <p:cNvPr id="5" name="Content Placeholder 2"/>
+          <p:cNvSpPr txBox="1">
+            <a:spLocks/>
+          </p:cNvSpPr>
+          <p:nvPr/>
+        </p:nvSpPr>
+        <p:spPr>
+          <a:xfrm>
+            <a:off x="457199" y="1219201"/>
+            <a:ext cx="8206611" cy="5181599"/>
+          </a:xfrm>
+          <a:prstGeom prst="rect">
+            <a:avLst/>
+          </a:prstGeom>
+        </p:spPr>
+        <p:txBody>
+          <a:bodyPr vert="horz" lIns="91440" tIns="45720" rIns="91440" bIns="45720" rtlCol="0">
+            <a:normAutofit/>
+          </a:bodyPr>
+          <a:lstStyle>
+            <a:lvl1pPr marL="342900" indent="-342900" algn="l" defTabSz="914400" rtl="0" eaLnBrk="1" latinLnBrk="0" hangingPunct="1">
+              <a:spcBef>
+                <a:spcPct val="20000"/>
+              </a:spcBef>
+              <a:buFont typeface="Arial" panose="020B0604020202020204" pitchFamily="34" charset="0"/>
+              <a:buChar char="•"/>
+              <a:defRPr sz="3200" kern="1200">
+                <a:solidFill>
+                  <a:schemeClr val="tx1"/>
+                </a:solidFill>
+                <a:latin typeface="+mn-lt"/>
+                <a:ea typeface="+mn-ea"/>
+                <a:cs typeface="+mn-cs"/>
+              </a:defRPr>
+            </a:lvl1pPr>
+            <a:lvl2pPr marL="742950" indent="-285750" algn="l" defTabSz="914400" rtl="0" eaLnBrk="1" latinLnBrk="0" hangingPunct="1">
+              <a:spcBef>
+                <a:spcPct val="20000"/>
+              </a:spcBef>
+              <a:buFont typeface="Arial" panose="020B0604020202020204" pitchFamily="34" charset="0"/>
+              <a:buChar char="–"/>
+              <a:defRPr sz="2800" kern="1200">
+                <a:solidFill>
+                  <a:schemeClr val="tx1"/>
+                </a:solidFill>
+                <a:latin typeface="+mn-lt"/>
+                <a:ea typeface="+mn-ea"/>
+                <a:cs typeface="+mn-cs"/>
+              </a:defRPr>
+            </a:lvl2pPr>
+            <a:lvl3pPr marL="1143000" indent="-228600" algn="l" defTabSz="914400" rtl="0" eaLnBrk="1" latinLnBrk="0" hangingPunct="1">
+              <a:spcBef>
+                <a:spcPct val="20000"/>
+              </a:spcBef>
+              <a:buFont typeface="Arial" panose="020B0604020202020204" pitchFamily="34" charset="0"/>
+              <a:buChar char="•"/>
+              <a:defRPr sz="2400" kern="1200">
+                <a:solidFill>
+                  <a:schemeClr val="tx1"/>
+                </a:solidFill>
+                <a:latin typeface="+mn-lt"/>
+                <a:ea typeface="+mn-ea"/>
+                <a:cs typeface="+mn-cs"/>
+              </a:defRPr>
+            </a:lvl3pPr>
+            <a:lvl4pPr marL="1600200" indent="-228600" algn="l" defTabSz="914400" rtl="0" eaLnBrk="1" latinLnBrk="0" hangingPunct="1">
+              <a:spcBef>
+                <a:spcPct val="20000"/>
+              </a:spcBef>
+              <a:buFont typeface="Arial" panose="020B0604020202020204" pitchFamily="34" charset="0"/>
+              <a:buChar char="–"/>
+              <a:defRPr sz="2000" kern="1200">
+                <a:solidFill>
+                  <a:schemeClr val="tx1"/>
+                </a:solidFill>
+                <a:latin typeface="+mn-lt"/>
+                <a:ea typeface="+mn-ea"/>
+                <a:cs typeface="+mn-cs"/>
+              </a:defRPr>
+            </a:lvl4pPr>
+            <a:lvl5pPr marL="2057400" indent="-228600" algn="l" defTabSz="914400" rtl="0" eaLnBrk="1" latinLnBrk="0" hangingPunct="1">
+              <a:spcBef>
+                <a:spcPct val="20000"/>
+              </a:spcBef>
+              <a:buFont typeface="Arial" panose="020B0604020202020204" pitchFamily="34" charset="0"/>
+              <a:buChar char="»"/>
+              <a:defRPr sz="2000" kern="1200">
+                <a:solidFill>
+                  <a:schemeClr val="tx1"/>
+                </a:solidFill>
+                <a:latin typeface="+mn-lt"/>
+                <a:ea typeface="+mn-ea"/>
+                <a:cs typeface="+mn-cs"/>
+              </a:defRPr>
+            </a:lvl5pPr>
+            <a:lvl6pPr marL="2514600" indent="-228600" algn="l" defTabSz="914400" rtl="0" eaLnBrk="1" latinLnBrk="0" hangingPunct="1">
+              <a:spcBef>
+                <a:spcPct val="20000"/>
+              </a:spcBef>
+              <a:buFont typeface="Arial" panose="020B0604020202020204" pitchFamily="34" charset="0"/>
+              <a:buChar char="•"/>
+              <a:defRPr sz="2000" kern="1200">
+                <a:solidFill>
+                  <a:schemeClr val="tx1"/>
+                </a:solidFill>
+                <a:latin typeface="+mn-lt"/>
+                <a:ea typeface="+mn-ea"/>
+                <a:cs typeface="+mn-cs"/>
+              </a:defRPr>
+            </a:lvl6pPr>
+            <a:lvl7pPr marL="2971800" indent="-228600" algn="l" defTabSz="914400" rtl="0" eaLnBrk="1" latinLnBrk="0" hangingPunct="1">
+              <a:spcBef>
+                <a:spcPct val="20000"/>
+              </a:spcBef>
+              <a:buFont typeface="Arial" panose="020B0604020202020204" pitchFamily="34" charset="0"/>
+              <a:buChar char="•"/>
+              <a:defRPr sz="2000" kern="1200">
+                <a:solidFill>
+                  <a:schemeClr val="tx1"/>
+                </a:solidFill>
+                <a:latin typeface="+mn-lt"/>
+                <a:ea typeface="+mn-ea"/>
+                <a:cs typeface="+mn-cs"/>
+              </a:defRPr>
+            </a:lvl7pPr>
+            <a:lvl8pPr marL="3429000" indent="-228600" algn="l" defTabSz="914400" rtl="0" eaLnBrk="1" latinLnBrk="0" hangingPunct="1">
+              <a:spcBef>
+                <a:spcPct val="20000"/>
+              </a:spcBef>
+              <a:buFont typeface="Arial" panose="020B0604020202020204" pitchFamily="34" charset="0"/>
+              <a:buChar char="•"/>
+              <a:defRPr sz="2000" kern="1200">
+                <a:solidFill>
+                  <a:schemeClr val="tx1"/>
+                </a:solidFill>
+                <a:latin typeface="+mn-lt"/>
+                <a:ea typeface="+mn-ea"/>
+                <a:cs typeface="+mn-cs"/>
+              </a:defRPr>
+            </a:lvl8pPr>
+            <a:lvl9pPr marL="3886200" indent="-228600" algn="l" defTabSz="914400" rtl="0" eaLnBrk="1" latinLnBrk="0" hangingPunct="1">
+              <a:spcBef>
+                <a:spcPct val="20000"/>
+              </a:spcBef>
+              <a:buFont typeface="Arial" panose="020B0604020202020204" pitchFamily="34" charset="0"/>
+              <a:buChar char="•"/>
+              <a:defRPr sz="2000" kern="1200">
+                <a:solidFill>
+                  <a:schemeClr val="tx1"/>
+                </a:solidFill>
+                <a:latin typeface="+mn-lt"/>
+                <a:ea typeface="+mn-ea"/>
+                <a:cs typeface="+mn-cs"/>
+              </a:defRPr>
+            </a:lvl9pPr>
+          </a:lstStyle>
+          <a:p>
+            <a:endParaRPr lang="en-US" sz="2000" dirty="0" smtClean="0"/>
+          </a:p>
+        </p:txBody>
+      </p:sp>
+      <p:sp>
+        <p:nvSpPr>
+          <p:cNvPr id="9" name="Title 1"/>
+          <p:cNvSpPr txBox="1">
+            <a:spLocks/>
+          </p:cNvSpPr>
+          <p:nvPr/>
+        </p:nvSpPr>
+        <p:spPr>
+          <a:xfrm>
+            <a:off x="228600" y="0"/>
+            <a:ext cx="8686800" cy="1143000"/>
+          </a:xfrm>
+          <a:prstGeom prst="rect">
+            <a:avLst/>
+          </a:prstGeom>
+        </p:spPr>
+        <p:txBody>
+          <a:bodyPr vert="horz" lIns="91440" tIns="45720" rIns="91440" bIns="45720" rtlCol="0" anchor="ctr">
+            <a:normAutofit/>
+          </a:bodyPr>
+          <a:lstStyle>
+            <a:lvl1pPr algn="ctr" defTabSz="914400" rtl="0" eaLnBrk="1" latinLnBrk="0" hangingPunct="1">
+              <a:spcBef>
+                <a:spcPct val="0"/>
+              </a:spcBef>
+              <a:buNone/>
+              <a:defRPr sz="4400" kern="1200">
+                <a:solidFill>
+                  <a:schemeClr val="tx1"/>
+                </a:solidFill>
+                <a:latin typeface="+mj-lt"/>
+                <a:ea typeface="+mj-ea"/>
+                <a:cs typeface="+mj-cs"/>
+              </a:defRPr>
+            </a:lvl1pPr>
+          </a:lstStyle>
+          <a:p>
+            <a:pPr algn="l"/>
+            <a:r>
+              <a:rPr lang="en-US" sz="2400" b="1" dirty="0" smtClean="0"/>
+              <a:t>Uncertainty in AI </a:t>
+            </a:r>
+            <a:r>
+              <a:rPr lang="en-US" sz="2400" b="1" dirty="0"/>
+              <a:t>&gt; </a:t>
+            </a:r>
+            <a:r>
+              <a:rPr lang="en-US" sz="2400" b="1" dirty="0"/>
+              <a:t>Bayesian Belief Networks</a:t>
+            </a:r>
+            <a:endParaRPr lang="en-US" sz="2000" b="1" i="1" dirty="0"/>
+          </a:p>
+        </p:txBody>
+      </p:sp>
+      <p:pic>
+        <p:nvPicPr>
+          <p:cNvPr id="1026" name="Picture 2" descr="C:\Users\Mohammad\Documents\GitHub\CompExam3\figure\bbn.png"/>
+          <p:cNvPicPr>
+            <a:picLocks noChangeAspect="1" noChangeArrowheads="1"/>
+          </p:cNvPicPr>
+          <p:nvPr/>
+        </p:nvPicPr>
+        <p:blipFill>
+          <a:blip r:embed="rId3">
+            <a:extLst>
+              <a:ext uri="{28A0092B-C50C-407E-A947-70E740481C1C}">
+                <a14:useLocalDpi xmlns:a14="http://schemas.microsoft.com/office/drawing/2010/main" val="0"/>
+              </a:ext>
+            </a:extLst>
+          </a:blip>
+          <a:srcRect/>
+          <a:stretch>
+            <a:fillRect/>
+          </a:stretch>
+        </p:blipFill>
+        <p:spPr bwMode="auto">
+          <a:xfrm>
+            <a:off x="917575" y="1195192"/>
+            <a:ext cx="7308849" cy="5347938"/>
+          </a:xfrm>
+          <a:prstGeom prst="rect">
+            <a:avLst/>
+          </a:prstGeom>
+          <a:noFill/>
+          <a:extLst>
+            <a:ext uri="{909E8E84-426E-40DD-AFC4-6F175D3DCCD1}">
+              <a14:hiddenFill xmlns:a14="http://schemas.microsoft.com/office/drawing/2010/main">
+                <a:solidFill>
+                  <a:srgbClr val="FFFFFF"/>
+                </a:solidFill>
+              </a14:hiddenFill>
+            </a:ext>
+          </a:extLst>
+        </p:spPr>
+      </p:pic>
+    </p:spTree>
+    <p:extLst>
+      <p:ext uri="{BB962C8B-B14F-4D97-AF65-F5344CB8AC3E}">
+        <p14:creationId xmlns:p14="http://schemas.microsoft.com/office/powerpoint/2010/main" val="4148071925"/>
+      </p:ext>
+    </p:extLst>
+  </p:cSld>
+  <p:clrMapOvr>
+    <a:masterClrMapping/>
+  </p:clrMapOvr>
+  <p:timing>
+    <p:tnLst>
+      <p:par>
+        <p:cTn id="1" dur="indefinite" restart="never" nodeType="tmRoot"/>
+      </p:par>
+    </p:tnLst>
+  </p:timing>
+</p:sld>
+</file>
+
+<file path=ppt/slides/slide34.xml><?xml version="1.0" encoding="utf-8"?>
+<p:sld xmlns:a="http://schemas.openxmlformats.org/drawingml/2006/main" xmlns:r="http://schemas.openxmlformats.org/officeDocument/2006/relationships" xmlns:p="http://schemas.openxmlformats.org/presentationml/2006/main">
+  <p:cSld>
+    <p:spTree>
+      <p:nvGrpSpPr>
+        <p:cNvPr id="1" name=""/>
+        <p:cNvGrpSpPr/>
+        <p:nvPr/>
+      </p:nvGrpSpPr>
+      <p:grpSpPr>
+        <a:xfrm>
+          <a:off x="0" y="0"/>
+          <a:ext cx="0" cy="0"/>
+          <a:chOff x="0" y="0"/>
+          <a:chExt cx="0" cy="0"/>
+        </a:xfrm>
+      </p:grpSpPr>
+      <p:sp>
+        <p:nvSpPr>
+          <p:cNvPr id="5" name="Content Placeholder 2"/>
+          <p:cNvSpPr txBox="1">
+            <a:spLocks/>
+          </p:cNvSpPr>
+          <p:nvPr/>
+        </p:nvSpPr>
+        <p:spPr>
+          <a:xfrm>
+            <a:off x="457199" y="1219201"/>
+            <a:ext cx="8206611" cy="5181599"/>
+          </a:xfrm>
+          <a:prstGeom prst="rect">
+            <a:avLst/>
+          </a:prstGeom>
+        </p:spPr>
+        <p:txBody>
+          <a:bodyPr vert="horz" lIns="91440" tIns="45720" rIns="91440" bIns="45720" rtlCol="0">
+            <a:normAutofit/>
+          </a:bodyPr>
+          <a:lstStyle>
+            <a:lvl1pPr marL="342900" indent="-342900" algn="l" defTabSz="914400" rtl="0" eaLnBrk="1" latinLnBrk="0" hangingPunct="1">
+              <a:spcBef>
+                <a:spcPct val="20000"/>
+              </a:spcBef>
+              <a:buFont typeface="Arial" panose="020B0604020202020204" pitchFamily="34" charset="0"/>
+              <a:buChar char="•"/>
+              <a:defRPr sz="3200" kern="1200">
+                <a:solidFill>
+                  <a:schemeClr val="tx1"/>
+                </a:solidFill>
+                <a:latin typeface="+mn-lt"/>
+                <a:ea typeface="+mn-ea"/>
+                <a:cs typeface="+mn-cs"/>
+              </a:defRPr>
+            </a:lvl1pPr>
+            <a:lvl2pPr marL="742950" indent="-285750" algn="l" defTabSz="914400" rtl="0" eaLnBrk="1" latinLnBrk="0" hangingPunct="1">
+              <a:spcBef>
+                <a:spcPct val="20000"/>
+              </a:spcBef>
+              <a:buFont typeface="Arial" panose="020B0604020202020204" pitchFamily="34" charset="0"/>
+              <a:buChar char="–"/>
+              <a:defRPr sz="2800" kern="1200">
+                <a:solidFill>
+                  <a:schemeClr val="tx1"/>
+                </a:solidFill>
+                <a:latin typeface="+mn-lt"/>
+                <a:ea typeface="+mn-ea"/>
+                <a:cs typeface="+mn-cs"/>
+              </a:defRPr>
+            </a:lvl2pPr>
+            <a:lvl3pPr marL="1143000" indent="-228600" algn="l" defTabSz="914400" rtl="0" eaLnBrk="1" latinLnBrk="0" hangingPunct="1">
+              <a:spcBef>
+                <a:spcPct val="20000"/>
+              </a:spcBef>
+              <a:buFont typeface="Arial" panose="020B0604020202020204" pitchFamily="34" charset="0"/>
+              <a:buChar char="•"/>
+              <a:defRPr sz="2400" kern="1200">
+                <a:solidFill>
+                  <a:schemeClr val="tx1"/>
+                </a:solidFill>
+                <a:latin typeface="+mn-lt"/>
+                <a:ea typeface="+mn-ea"/>
+                <a:cs typeface="+mn-cs"/>
+              </a:defRPr>
+            </a:lvl3pPr>
+            <a:lvl4pPr marL="1600200" indent="-228600" algn="l" defTabSz="914400" rtl="0" eaLnBrk="1" latinLnBrk="0" hangingPunct="1">
+              <a:spcBef>
+                <a:spcPct val="20000"/>
+              </a:spcBef>
+              <a:buFont typeface="Arial" panose="020B0604020202020204" pitchFamily="34" charset="0"/>
+              <a:buChar char="–"/>
+              <a:defRPr sz="2000" kern="1200">
+                <a:solidFill>
+                  <a:schemeClr val="tx1"/>
+                </a:solidFill>
+                <a:latin typeface="+mn-lt"/>
+                <a:ea typeface="+mn-ea"/>
+                <a:cs typeface="+mn-cs"/>
+              </a:defRPr>
+            </a:lvl4pPr>
+            <a:lvl5pPr marL="2057400" indent="-228600" algn="l" defTabSz="914400" rtl="0" eaLnBrk="1" latinLnBrk="0" hangingPunct="1">
+              <a:spcBef>
+                <a:spcPct val="20000"/>
+              </a:spcBef>
+              <a:buFont typeface="Arial" panose="020B0604020202020204" pitchFamily="34" charset="0"/>
+              <a:buChar char="»"/>
+              <a:defRPr sz="2000" kern="1200">
+                <a:solidFill>
+                  <a:schemeClr val="tx1"/>
+                </a:solidFill>
+                <a:latin typeface="+mn-lt"/>
+                <a:ea typeface="+mn-ea"/>
+                <a:cs typeface="+mn-cs"/>
+              </a:defRPr>
+            </a:lvl5pPr>
+            <a:lvl6pPr marL="2514600" indent="-228600" algn="l" defTabSz="914400" rtl="0" eaLnBrk="1" latinLnBrk="0" hangingPunct="1">
+              <a:spcBef>
+                <a:spcPct val="20000"/>
+              </a:spcBef>
+              <a:buFont typeface="Arial" panose="020B0604020202020204" pitchFamily="34" charset="0"/>
+              <a:buChar char="•"/>
+              <a:defRPr sz="2000" kern="1200">
+                <a:solidFill>
+                  <a:schemeClr val="tx1"/>
+                </a:solidFill>
+                <a:latin typeface="+mn-lt"/>
+                <a:ea typeface="+mn-ea"/>
+                <a:cs typeface="+mn-cs"/>
+              </a:defRPr>
+            </a:lvl6pPr>
+            <a:lvl7pPr marL="2971800" indent="-228600" algn="l" defTabSz="914400" rtl="0" eaLnBrk="1" latinLnBrk="0" hangingPunct="1">
+              <a:spcBef>
+                <a:spcPct val="20000"/>
+              </a:spcBef>
+              <a:buFont typeface="Arial" panose="020B0604020202020204" pitchFamily="34" charset="0"/>
+              <a:buChar char="•"/>
+              <a:defRPr sz="2000" kern="1200">
+                <a:solidFill>
+                  <a:schemeClr val="tx1"/>
+                </a:solidFill>
+                <a:latin typeface="+mn-lt"/>
+                <a:ea typeface="+mn-ea"/>
+                <a:cs typeface="+mn-cs"/>
+              </a:defRPr>
+            </a:lvl7pPr>
+            <a:lvl8pPr marL="3429000" indent="-228600" algn="l" defTabSz="914400" rtl="0" eaLnBrk="1" latinLnBrk="0" hangingPunct="1">
+              <a:spcBef>
+                <a:spcPct val="20000"/>
+              </a:spcBef>
+              <a:buFont typeface="Arial" panose="020B0604020202020204" pitchFamily="34" charset="0"/>
+              <a:buChar char="•"/>
+              <a:defRPr sz="2000" kern="1200">
+                <a:solidFill>
+                  <a:schemeClr val="tx1"/>
+                </a:solidFill>
+                <a:latin typeface="+mn-lt"/>
+                <a:ea typeface="+mn-ea"/>
+                <a:cs typeface="+mn-cs"/>
+              </a:defRPr>
+            </a:lvl8pPr>
+            <a:lvl9pPr marL="3886200" indent="-228600" algn="l" defTabSz="914400" rtl="0" eaLnBrk="1" latinLnBrk="0" hangingPunct="1">
+              <a:spcBef>
+                <a:spcPct val="20000"/>
+              </a:spcBef>
+              <a:buFont typeface="Arial" panose="020B0604020202020204" pitchFamily="34" charset="0"/>
+              <a:buChar char="•"/>
+              <a:defRPr sz="2000" kern="1200">
+                <a:solidFill>
+                  <a:schemeClr val="tx1"/>
+                </a:solidFill>
+                <a:latin typeface="+mn-lt"/>
+                <a:ea typeface="+mn-ea"/>
+                <a:cs typeface="+mn-cs"/>
+              </a:defRPr>
+            </a:lvl9pPr>
+          </a:lstStyle>
+          <a:p>
+            <a:pPr marL="0" indent="0">
+              <a:buNone/>
+            </a:pPr>
+            <a:r>
+              <a:rPr lang="en-US" sz="2000" dirty="0" smtClean="0"/>
+              <a:t>Given </a:t>
+            </a:r>
+            <a:r>
+              <a:rPr lang="en-US" sz="2000" dirty="0"/>
+              <a:t>Markov property, </a:t>
+            </a:r>
+            <a:r>
+              <a:rPr lang="en-US" sz="2000" dirty="0" smtClean="0"/>
+              <a:t>the product </a:t>
+            </a:r>
+            <a:r>
+              <a:rPr lang="en-US" sz="2000" dirty="0"/>
+              <a:t>of </a:t>
+            </a:r>
+            <a:r>
+              <a:rPr lang="en-US" sz="2000" dirty="0">
+                <a:solidFill>
+                  <a:srgbClr val="FF0000"/>
+                </a:solidFill>
+              </a:rPr>
+              <a:t>only the appropriate elements </a:t>
+            </a:r>
+            <a:r>
+              <a:rPr lang="en-US" sz="2000" dirty="0"/>
+              <a:t>(parent nodes) of the CPTs in </a:t>
+            </a:r>
+            <a:r>
+              <a:rPr lang="en-US" sz="2000" dirty="0" smtClean="0"/>
+              <a:t>the network </a:t>
+            </a:r>
+            <a:r>
+              <a:rPr lang="en-US" sz="2000" dirty="0"/>
+              <a:t>represents the value of each individual entry in the joint </a:t>
+            </a:r>
+            <a:r>
+              <a:rPr lang="en-US" sz="2000" dirty="0" smtClean="0"/>
+              <a:t>probability distribution</a:t>
+            </a:r>
+            <a:r>
+              <a:rPr lang="en-US" sz="2000" dirty="0"/>
+              <a:t>. </a:t>
+            </a:r>
+            <a:endParaRPr lang="en-US" sz="2000" dirty="0" smtClean="0"/>
+          </a:p>
+          <a:p>
+            <a:pPr marL="0" indent="0">
+              <a:buNone/>
+            </a:pPr>
+            <a:endParaRPr lang="en-US" sz="2000" dirty="0" smtClean="0"/>
+          </a:p>
+        </p:txBody>
+      </p:sp>
+      <p:sp>
+        <p:nvSpPr>
+          <p:cNvPr id="9" name="Title 1"/>
+          <p:cNvSpPr txBox="1">
+            <a:spLocks/>
+          </p:cNvSpPr>
+          <p:nvPr/>
+        </p:nvSpPr>
+        <p:spPr>
+          <a:xfrm>
+            <a:off x="76200" y="0"/>
+            <a:ext cx="8991600" cy="1143000"/>
+          </a:xfrm>
+          <a:prstGeom prst="rect">
+            <a:avLst/>
+          </a:prstGeom>
+        </p:spPr>
+        <p:txBody>
+          <a:bodyPr vert="horz" lIns="91440" tIns="45720" rIns="91440" bIns="45720" rtlCol="0" anchor="ctr">
+            <a:normAutofit/>
+          </a:bodyPr>
+          <a:lstStyle>
+            <a:lvl1pPr algn="ctr" defTabSz="914400" rtl="0" eaLnBrk="1" latinLnBrk="0" hangingPunct="1">
+              <a:spcBef>
+                <a:spcPct val="0"/>
+              </a:spcBef>
+              <a:buNone/>
+              <a:defRPr sz="4400" kern="1200">
+                <a:solidFill>
+                  <a:schemeClr val="tx1"/>
+                </a:solidFill>
+                <a:latin typeface="+mj-lt"/>
+                <a:ea typeface="+mj-ea"/>
+                <a:cs typeface="+mj-cs"/>
+              </a:defRPr>
+            </a:lvl1pPr>
+          </a:lstStyle>
+          <a:p>
+            <a:pPr algn="l"/>
+            <a:r>
+              <a:rPr lang="en-US" sz="2400" b="1" dirty="0" smtClean="0"/>
+              <a:t>Uncertainty in AI </a:t>
+            </a:r>
+            <a:r>
+              <a:rPr lang="en-US" sz="2400" b="1" dirty="0"/>
+              <a:t>&gt; </a:t>
+            </a:r>
+            <a:r>
+              <a:rPr lang="en-US" sz="2400" b="1" dirty="0" smtClean="0"/>
+              <a:t>Bayesian </a:t>
+            </a:r>
+            <a:r>
+              <a:rPr lang="en-US" sz="2400" b="1" dirty="0"/>
+              <a:t>Belief Networks: </a:t>
+            </a:r>
+            <a:r>
+              <a:rPr lang="en-US" sz="2000" b="1" i="1" dirty="0"/>
+              <a:t>Joint Probability Distribution</a:t>
+            </a:r>
+            <a:endParaRPr lang="en-US" sz="2000" b="1" i="1" dirty="0"/>
+          </a:p>
+        </p:txBody>
+      </p:sp>
+      <p:pic>
+        <p:nvPicPr>
+          <p:cNvPr id="2050" name="Picture 2"/>
+          <p:cNvPicPr>
+            <a:picLocks noChangeAspect="1" noChangeArrowheads="1"/>
+          </p:cNvPicPr>
+          <p:nvPr/>
+        </p:nvPicPr>
+        <p:blipFill>
+          <a:blip r:embed="rId3">
+            <a:extLst>
+              <a:ext uri="{28A0092B-C50C-407E-A947-70E740481C1C}">
+                <a14:useLocalDpi xmlns:a14="http://schemas.microsoft.com/office/drawing/2010/main" val="0"/>
+              </a:ext>
+            </a:extLst>
+          </a:blip>
+          <a:srcRect/>
+          <a:stretch>
+            <a:fillRect/>
+          </a:stretch>
+        </p:blipFill>
+        <p:spPr bwMode="auto">
+          <a:xfrm>
+            <a:off x="1391060" y="2803311"/>
+            <a:ext cx="6338887" cy="1021303"/>
+          </a:xfrm>
+          <a:prstGeom prst="rect">
+            <a:avLst/>
+          </a:prstGeom>
+          <a:noFill/>
+          <a:ln>
+            <a:noFill/>
+          </a:ln>
+          <a:extLst>
+            <a:ext uri="{909E8E84-426E-40DD-AFC4-6F175D3DCCD1}">
+              <a14:hiddenFill xmlns:a14="http://schemas.microsoft.com/office/drawing/2010/main">
+                <a:solidFill>
+                  <a:schemeClr val="accent1"/>
+                </a:solidFill>
+              </a14:hiddenFill>
+            </a:ext>
+            <a:ext uri="{91240B29-F687-4F45-9708-019B960494DF}">
+              <a14:hiddenLine xmlns:a14="http://schemas.microsoft.com/office/drawing/2010/main" w="9525">
+                <a:solidFill>
+                  <a:schemeClr val="tx1"/>
+                </a:solidFill>
+                <a:miter lim="800000"/>
+                <a:headEnd/>
+                <a:tailEnd/>
+              </a14:hiddenLine>
+            </a:ext>
+          </a:extLst>
+        </p:spPr>
+      </p:pic>
+    </p:spTree>
+    <p:extLst>
+      <p:ext uri="{BB962C8B-B14F-4D97-AF65-F5344CB8AC3E}">
+        <p14:creationId xmlns:p14="http://schemas.microsoft.com/office/powerpoint/2010/main" val="40238349"/>
+      </p:ext>
+    </p:extLst>
+  </p:cSld>
+  <p:clrMapOvr>
+    <a:masterClrMapping/>
+  </p:clrMapOvr>
+  <p:timing>
+    <p:tnLst>
+      <p:par>
+        <p:cTn id="1" dur="indefinite" restart="never" nodeType="tmRoot"/>
+      </p:par>
+    </p:tnLst>
+  </p:timing>
+</p:sld>
+</file>
+
+<file path=ppt/slides/slide35.xml><?xml version="1.0" encoding="utf-8"?>
+<p:sld xmlns:a="http://schemas.openxmlformats.org/drawingml/2006/main" xmlns:r="http://schemas.openxmlformats.org/officeDocument/2006/relationships" xmlns:p="http://schemas.openxmlformats.org/presentationml/2006/main">
+  <p:cSld>
+    <p:spTree>
+      <p:nvGrpSpPr>
+        <p:cNvPr id="1" name=""/>
+        <p:cNvGrpSpPr/>
+        <p:nvPr/>
+      </p:nvGrpSpPr>
+      <p:grpSpPr>
+        <a:xfrm>
+          <a:off x="0" y="0"/>
+          <a:ext cx="0" cy="0"/>
+          <a:chOff x="0" y="0"/>
+          <a:chExt cx="0" cy="0"/>
+        </a:xfrm>
+      </p:grpSpPr>
+      <p:sp>
+        <p:nvSpPr>
+          <p:cNvPr id="5" name="Content Placeholder 2"/>
+          <p:cNvSpPr txBox="1">
+            <a:spLocks/>
+          </p:cNvSpPr>
+          <p:nvPr/>
+        </p:nvSpPr>
+        <p:spPr>
+          <a:xfrm>
+            <a:off x="457199" y="1219201"/>
+            <a:ext cx="8206611" cy="5181599"/>
+          </a:xfrm>
+          <a:prstGeom prst="rect">
+            <a:avLst/>
+          </a:prstGeom>
+        </p:spPr>
+        <p:txBody>
+          <a:bodyPr vert="horz" lIns="91440" tIns="45720" rIns="91440" bIns="45720" rtlCol="0">
+            <a:normAutofit/>
+          </a:bodyPr>
+          <a:lstStyle>
+            <a:lvl1pPr marL="342900" indent="-342900" algn="l" defTabSz="914400" rtl="0" eaLnBrk="1" latinLnBrk="0" hangingPunct="1">
+              <a:spcBef>
+                <a:spcPct val="20000"/>
+              </a:spcBef>
+              <a:buFont typeface="Arial" panose="020B0604020202020204" pitchFamily="34" charset="0"/>
+              <a:buChar char="•"/>
+              <a:defRPr sz="3200" kern="1200">
+                <a:solidFill>
+                  <a:schemeClr val="tx1"/>
+                </a:solidFill>
+                <a:latin typeface="+mn-lt"/>
+                <a:ea typeface="+mn-ea"/>
+                <a:cs typeface="+mn-cs"/>
+              </a:defRPr>
+            </a:lvl1pPr>
+            <a:lvl2pPr marL="742950" indent="-285750" algn="l" defTabSz="914400" rtl="0" eaLnBrk="1" latinLnBrk="0" hangingPunct="1">
+              <a:spcBef>
+                <a:spcPct val="20000"/>
+              </a:spcBef>
+              <a:buFont typeface="Arial" panose="020B0604020202020204" pitchFamily="34" charset="0"/>
+              <a:buChar char="–"/>
+              <a:defRPr sz="2800" kern="1200">
+                <a:solidFill>
+                  <a:schemeClr val="tx1"/>
+                </a:solidFill>
+                <a:latin typeface="+mn-lt"/>
+                <a:ea typeface="+mn-ea"/>
+                <a:cs typeface="+mn-cs"/>
+              </a:defRPr>
+            </a:lvl2pPr>
+            <a:lvl3pPr marL="1143000" indent="-228600" algn="l" defTabSz="914400" rtl="0" eaLnBrk="1" latinLnBrk="0" hangingPunct="1">
+              <a:spcBef>
+                <a:spcPct val="20000"/>
+              </a:spcBef>
+              <a:buFont typeface="Arial" panose="020B0604020202020204" pitchFamily="34" charset="0"/>
+              <a:buChar char="•"/>
+              <a:defRPr sz="2400" kern="1200">
+                <a:solidFill>
+                  <a:schemeClr val="tx1"/>
+                </a:solidFill>
+                <a:latin typeface="+mn-lt"/>
+                <a:ea typeface="+mn-ea"/>
+                <a:cs typeface="+mn-cs"/>
+              </a:defRPr>
+            </a:lvl3pPr>
+            <a:lvl4pPr marL="1600200" indent="-228600" algn="l" defTabSz="914400" rtl="0" eaLnBrk="1" latinLnBrk="0" hangingPunct="1">
+              <a:spcBef>
+                <a:spcPct val="20000"/>
+              </a:spcBef>
+              <a:buFont typeface="Arial" panose="020B0604020202020204" pitchFamily="34" charset="0"/>
+              <a:buChar char="–"/>
+              <a:defRPr sz="2000" kern="1200">
+                <a:solidFill>
+                  <a:schemeClr val="tx1"/>
+                </a:solidFill>
+                <a:latin typeface="+mn-lt"/>
+                <a:ea typeface="+mn-ea"/>
+                <a:cs typeface="+mn-cs"/>
+              </a:defRPr>
+            </a:lvl4pPr>
+            <a:lvl5pPr marL="2057400" indent="-228600" algn="l" defTabSz="914400" rtl="0" eaLnBrk="1" latinLnBrk="0" hangingPunct="1">
+              <a:spcBef>
+                <a:spcPct val="20000"/>
+              </a:spcBef>
+              <a:buFont typeface="Arial" panose="020B0604020202020204" pitchFamily="34" charset="0"/>
+              <a:buChar char="»"/>
+              <a:defRPr sz="2000" kern="1200">
+                <a:solidFill>
+                  <a:schemeClr val="tx1"/>
+                </a:solidFill>
+                <a:latin typeface="+mn-lt"/>
+                <a:ea typeface="+mn-ea"/>
+                <a:cs typeface="+mn-cs"/>
+              </a:defRPr>
+            </a:lvl5pPr>
+            <a:lvl6pPr marL="2514600" indent="-228600" algn="l" defTabSz="914400" rtl="0" eaLnBrk="1" latinLnBrk="0" hangingPunct="1">
+              <a:spcBef>
+                <a:spcPct val="20000"/>
+              </a:spcBef>
+              <a:buFont typeface="Arial" panose="020B0604020202020204" pitchFamily="34" charset="0"/>
+              <a:buChar char="•"/>
+              <a:defRPr sz="2000" kern="1200">
+                <a:solidFill>
+                  <a:schemeClr val="tx1"/>
+                </a:solidFill>
+                <a:latin typeface="+mn-lt"/>
+                <a:ea typeface="+mn-ea"/>
+                <a:cs typeface="+mn-cs"/>
+              </a:defRPr>
+            </a:lvl6pPr>
+            <a:lvl7pPr marL="2971800" indent="-228600" algn="l" defTabSz="914400" rtl="0" eaLnBrk="1" latinLnBrk="0" hangingPunct="1">
+              <a:spcBef>
+                <a:spcPct val="20000"/>
+              </a:spcBef>
+              <a:buFont typeface="Arial" panose="020B0604020202020204" pitchFamily="34" charset="0"/>
+              <a:buChar char="•"/>
+              <a:defRPr sz="2000" kern="1200">
+                <a:solidFill>
+                  <a:schemeClr val="tx1"/>
+                </a:solidFill>
+                <a:latin typeface="+mn-lt"/>
+                <a:ea typeface="+mn-ea"/>
+                <a:cs typeface="+mn-cs"/>
+              </a:defRPr>
+            </a:lvl7pPr>
+            <a:lvl8pPr marL="3429000" indent="-228600" algn="l" defTabSz="914400" rtl="0" eaLnBrk="1" latinLnBrk="0" hangingPunct="1">
+              <a:spcBef>
+                <a:spcPct val="20000"/>
+              </a:spcBef>
+              <a:buFont typeface="Arial" panose="020B0604020202020204" pitchFamily="34" charset="0"/>
+              <a:buChar char="•"/>
+              <a:defRPr sz="2000" kern="1200">
+                <a:solidFill>
+                  <a:schemeClr val="tx1"/>
+                </a:solidFill>
+                <a:latin typeface="+mn-lt"/>
+                <a:ea typeface="+mn-ea"/>
+                <a:cs typeface="+mn-cs"/>
+              </a:defRPr>
+            </a:lvl8pPr>
+            <a:lvl9pPr marL="3886200" indent="-228600" algn="l" defTabSz="914400" rtl="0" eaLnBrk="1" latinLnBrk="0" hangingPunct="1">
+              <a:spcBef>
+                <a:spcPct val="20000"/>
+              </a:spcBef>
+              <a:buFont typeface="Arial" panose="020B0604020202020204" pitchFamily="34" charset="0"/>
+              <a:buChar char="•"/>
+              <a:defRPr sz="2000" kern="1200">
+                <a:solidFill>
+                  <a:schemeClr val="tx1"/>
+                </a:solidFill>
+                <a:latin typeface="+mn-lt"/>
+                <a:ea typeface="+mn-ea"/>
+                <a:cs typeface="+mn-cs"/>
+              </a:defRPr>
+            </a:lvl9pPr>
+          </a:lstStyle>
+          <a:p>
+            <a:r>
+              <a:rPr lang="en-US" sz="2000" dirty="0" smtClean="0"/>
+              <a:t>B</a:t>
+            </a:r>
+            <a:endParaRPr lang="en-US" sz="2000" dirty="0" smtClean="0"/>
+          </a:p>
+        </p:txBody>
+      </p:sp>
+      <p:sp>
+        <p:nvSpPr>
+          <p:cNvPr id="9" name="Title 1"/>
+          <p:cNvSpPr txBox="1">
+            <a:spLocks/>
+          </p:cNvSpPr>
+          <p:nvPr/>
+        </p:nvSpPr>
+        <p:spPr>
+          <a:xfrm>
+            <a:off x="228600" y="0"/>
+            <a:ext cx="8686800" cy="1143000"/>
+          </a:xfrm>
+          <a:prstGeom prst="rect">
+            <a:avLst/>
+          </a:prstGeom>
+        </p:spPr>
+        <p:txBody>
+          <a:bodyPr vert="horz" lIns="91440" tIns="45720" rIns="91440" bIns="45720" rtlCol="0" anchor="ctr">
+            <a:normAutofit/>
+          </a:bodyPr>
+          <a:lstStyle>
+            <a:lvl1pPr algn="ctr" defTabSz="914400" rtl="0" eaLnBrk="1" latinLnBrk="0" hangingPunct="1">
+              <a:spcBef>
+                <a:spcPct val="0"/>
+              </a:spcBef>
+              <a:buNone/>
+              <a:defRPr sz="4400" kern="1200">
+                <a:solidFill>
+                  <a:schemeClr val="tx1"/>
+                </a:solidFill>
+                <a:latin typeface="+mj-lt"/>
+                <a:ea typeface="+mj-ea"/>
+                <a:cs typeface="+mj-cs"/>
+              </a:defRPr>
+            </a:lvl1pPr>
+          </a:lstStyle>
+          <a:p>
+            <a:pPr algn="l"/>
+            <a:r>
+              <a:rPr lang="en-US" sz="2400" b="1" dirty="0" smtClean="0"/>
+              <a:t>Uncertainty in AI </a:t>
+            </a:r>
+            <a:r>
+              <a:rPr lang="en-US" sz="2400" b="1" dirty="0"/>
+              <a:t>&gt; </a:t>
+            </a:r>
+            <a:r>
+              <a:rPr lang="en-US" sz="2400" b="1" dirty="0"/>
+              <a:t>Bayesian Belief Networks: </a:t>
+            </a:r>
+            <a:r>
+              <a:rPr lang="en-US" sz="2000" b="1" i="1" dirty="0" smtClean="0"/>
+              <a:t>Reasoning in BBNs</a:t>
+            </a:r>
+            <a:endParaRPr lang="en-US" sz="2000" b="1" i="1" dirty="0"/>
+          </a:p>
+        </p:txBody>
+      </p:sp>
+      <p:pic>
+        <p:nvPicPr>
+          <p:cNvPr id="3074" name="Picture 2" descr="C:\Users\Mohammad\Documents\GitHub\CompExam3\figure\reasoning-types.png"/>
+          <p:cNvPicPr>
+            <a:picLocks noChangeAspect="1" noChangeArrowheads="1"/>
+          </p:cNvPicPr>
+          <p:nvPr/>
+        </p:nvPicPr>
+        <p:blipFill>
+          <a:blip r:embed="rId3">
+            <a:extLst>
+              <a:ext uri="{28A0092B-C50C-407E-A947-70E740481C1C}">
+                <a14:useLocalDpi xmlns:a14="http://schemas.microsoft.com/office/drawing/2010/main" val="0"/>
+              </a:ext>
+            </a:extLst>
+          </a:blip>
+          <a:srcRect/>
+          <a:stretch>
+            <a:fillRect/>
+          </a:stretch>
+        </p:blipFill>
+        <p:spPr bwMode="auto">
+          <a:xfrm>
+            <a:off x="1508918" y="1588394"/>
+            <a:ext cx="6126163" cy="4881619"/>
+          </a:xfrm>
+          <a:prstGeom prst="rect">
+            <a:avLst/>
+          </a:prstGeom>
+          <a:noFill/>
+          <a:extLst>
+            <a:ext uri="{909E8E84-426E-40DD-AFC4-6F175D3DCCD1}">
+              <a14:hiddenFill xmlns:a14="http://schemas.microsoft.com/office/drawing/2010/main">
+                <a:solidFill>
+                  <a:srgbClr val="FFFFFF"/>
+                </a:solidFill>
+              </a14:hiddenFill>
+            </a:ext>
+          </a:extLst>
+        </p:spPr>
+      </p:pic>
+    </p:spTree>
+    <p:extLst>
+      <p:ext uri="{BB962C8B-B14F-4D97-AF65-F5344CB8AC3E}">
+        <p14:creationId xmlns:p14="http://schemas.microsoft.com/office/powerpoint/2010/main" val="2301802736"/>
       </p:ext>
     </p:extLst>
   </p:cSld>

--- a/presentation/PhD-comprehensive-exam.pptx
+++ b/presentation/PhD-comprehensive-exam.pptx
@@ -5,7 +5,7 @@
     <p:sldMasterId id="2147483648" r:id="rId1"/>
   </p:sldMasterIdLst>
   <p:notesMasterIdLst>
-    <p:notesMasterId r:id="rId37"/>
+    <p:notesMasterId r:id="rId38"/>
   </p:notesMasterIdLst>
   <p:sldIdLst>
     <p:sldId id="257" r:id="rId2"/>
@@ -43,6 +43,7 @@
     <p:sldId id="341" r:id="rId34"/>
     <p:sldId id="342" r:id="rId35"/>
     <p:sldId id="343" r:id="rId36"/>
+    <p:sldId id="344" r:id="rId37"/>
   </p:sldIdLst>
   <p:sldSz cx="9144000" cy="6858000" type="screen4x3"/>
   <p:notesSz cx="6858000" cy="9144000"/>
@@ -3400,7 +3401,7 @@
               <a:buFontTx/>
               <a:buChar char="-"/>
             </a:pPr>
-            <a:endParaRPr lang="en-US" smtClean="0"/>
+            <a:endParaRPr lang="en-US" dirty="0" smtClean="0"/>
           </a:p>
           <a:p>
             <a:pPr marL="171450" indent="-171450">
@@ -3429,6 +3430,220 @@
             <a:fld id="{D91B34AF-DFC3-47C6-893A-07AE93C6324A}" type="slidenum">
               <a:rPr lang="en-US" smtClean="0"/>
               <a:t>35</a:t>
+            </a:fld>
+            <a:endParaRPr lang="en-US"/>
+          </a:p>
+        </p:txBody>
+      </p:sp>
+    </p:spTree>
+    <p:extLst>
+      <p:ext uri="{BB962C8B-B14F-4D97-AF65-F5344CB8AC3E}">
+        <p14:creationId xmlns:p14="http://schemas.microsoft.com/office/powerpoint/2010/main" val="1845102120"/>
+      </p:ext>
+    </p:extLst>
+  </p:cSld>
+  <p:clrMapOvr>
+    <a:masterClrMapping/>
+  </p:clrMapOvr>
+</p:notes>
+</file>
+
+<file path=ppt/notesSlides/notesSlide32.xml><?xml version="1.0" encoding="utf-8"?>
+<p:notes xmlns:a="http://schemas.openxmlformats.org/drawingml/2006/main" xmlns:r="http://schemas.openxmlformats.org/officeDocument/2006/relationships" xmlns:p="http://schemas.openxmlformats.org/presentationml/2006/main">
+  <p:cSld>
+    <p:spTree>
+      <p:nvGrpSpPr>
+        <p:cNvPr id="1" name=""/>
+        <p:cNvGrpSpPr/>
+        <p:nvPr/>
+      </p:nvGrpSpPr>
+      <p:grpSpPr>
+        <a:xfrm>
+          <a:off x="0" y="0"/>
+          <a:ext cx="0" cy="0"/>
+          <a:chOff x="0" y="0"/>
+          <a:chExt cx="0" cy="0"/>
+        </a:xfrm>
+      </p:grpSpPr>
+      <p:sp>
+        <p:nvSpPr>
+          <p:cNvPr id="2" name="Slide Image Placeholder 1"/>
+          <p:cNvSpPr>
+            <a:spLocks noGrp="1" noRot="1" noChangeAspect="1"/>
+          </p:cNvSpPr>
+          <p:nvPr>
+            <p:ph type="sldImg"/>
+          </p:nvPr>
+        </p:nvSpPr>
+        <p:spPr/>
+      </p:sp>
+      <p:sp>
+        <p:nvSpPr>
+          <p:cNvPr id="3" name="Notes Placeholder 2"/>
+          <p:cNvSpPr>
+            <a:spLocks noGrp="1"/>
+          </p:cNvSpPr>
+          <p:nvPr>
+            <p:ph type="body" idx="1"/>
+          </p:nvPr>
+        </p:nvSpPr>
+        <p:spPr/>
+        <p:txBody>
+          <a:bodyPr/>
+          <a:lstStyle/>
+          <a:p>
+            <a:r>
+              <a:rPr lang="en-US" dirty="0" smtClean="0"/>
+              <a:t>In the following formula P(x_1, x_2, …, </a:t>
+            </a:r>
+            <a:r>
+              <a:rPr lang="en-US" dirty="0" err="1" smtClean="0"/>
+              <a:t>x_n</a:t>
+            </a:r>
+            <a:r>
+              <a:rPr lang="en-US" dirty="0" smtClean="0"/>
+              <a:t>) is an abbreviation for the conjunction of </a:t>
+            </a:r>
+            <a:r>
+              <a:rPr lang="en-US" b="1" i="1" dirty="0" smtClean="0"/>
+              <a:t>n</a:t>
+            </a:r>
+            <a:r>
+              <a:rPr lang="en-US" dirty="0" smtClean="0"/>
+              <a:t> assignments to each variable.</a:t>
+            </a:r>
+          </a:p>
+          <a:p>
+            <a:endParaRPr lang="en-US" dirty="0" smtClean="0"/>
+          </a:p>
+          <a:p>
+            <a:pPr marL="171450" indent="-171450">
+              <a:buFontTx/>
+              <a:buChar char="-"/>
+            </a:pPr>
+            <a:r>
+              <a:rPr lang="en-US" dirty="0" smtClean="0"/>
+              <a:t>where parents(X) denotes the specific values of the variables in Parents(X).</a:t>
+            </a:r>
+          </a:p>
+          <a:p>
+            <a:pPr marL="171450" indent="-171450">
+              <a:buFontTx/>
+              <a:buChar char="-"/>
+            </a:pPr>
+            <a:endParaRPr lang="en-US" dirty="0" smtClean="0"/>
+          </a:p>
+          <a:p>
+            <a:pPr marL="171450" indent="-171450">
+              <a:buFontTx/>
+              <a:buChar char="-"/>
+            </a:pPr>
+            <a:r>
+              <a:rPr lang="en-US" dirty="0" smtClean="0"/>
+              <a:t>(a) This means that if one already knows that C has occurred, knowing that A occurred doesn’t make a difference to one's beliefs about C.</a:t>
+            </a:r>
+          </a:p>
+          <a:p>
+            <a:pPr marL="171450" indent="-171450">
+              <a:buFontTx/>
+              <a:buChar char="-"/>
+            </a:pPr>
+            <a:endParaRPr lang="en-US" dirty="0" smtClean="0"/>
+          </a:p>
+          <a:p>
+            <a:pPr marL="171450" indent="-171450">
+              <a:buFontTx/>
+              <a:buChar char="-"/>
+            </a:pPr>
+            <a:r>
+              <a:rPr lang="en-US" dirty="0" smtClean="0"/>
+              <a:t>(b) This means that if one already knows about B, then an additional information that A provides, will not give more information about the chances of C.</a:t>
+            </a:r>
+          </a:p>
+          <a:p>
+            <a:pPr marL="171450" indent="-171450">
+              <a:buFontTx/>
+              <a:buChar char="-"/>
+            </a:pPr>
+            <a:endParaRPr lang="en-US" dirty="0" smtClean="0"/>
+          </a:p>
+          <a:p>
+            <a:pPr marL="171450" indent="-171450">
+              <a:buFontTx/>
+              <a:buChar char="-"/>
+            </a:pPr>
+            <a:r>
+              <a:rPr lang="en-US" dirty="0" smtClean="0"/>
+              <a:t>(c) This means that if one knows about B (the effect), then finds out that for example A (one of two causes) is absent, this increases the probability of C (alternative cause).</a:t>
+            </a:r>
+          </a:p>
+          <a:p>
+            <a:pPr marL="171450" indent="-171450">
+              <a:buFontTx/>
+              <a:buChar char="-"/>
+            </a:pPr>
+            <a:endParaRPr lang="en-US" dirty="0" smtClean="0"/>
+          </a:p>
+          <a:p>
+            <a:pPr marL="171450" indent="-171450">
+              <a:buFontTx/>
+              <a:buChar char="-"/>
+            </a:pPr>
+            <a:r>
+              <a:rPr lang="en-US" b="1" dirty="0" smtClean="0"/>
+              <a:t>d-separated:</a:t>
+            </a:r>
+            <a:r>
+              <a:rPr lang="en-US" baseline="0" dirty="0" smtClean="0"/>
+              <a:t> The concepts of conditional dependencies and independencies can apply not only between pairs of nodes, but also between sets of nodes.</a:t>
+            </a:r>
+          </a:p>
+          <a:p>
+            <a:pPr marL="171450" indent="-171450">
+              <a:buFontTx/>
+              <a:buChar char="-"/>
+            </a:pPr>
+            <a:endParaRPr lang="en-US" baseline="0" dirty="0" smtClean="0"/>
+          </a:p>
+          <a:p>
+            <a:pPr marL="171450" indent="-171450">
+              <a:buFontTx/>
+              <a:buChar char="-"/>
+            </a:pPr>
+            <a:r>
+              <a:rPr lang="en-US" dirty="0" smtClean="0"/>
+              <a:t>If the two sets of nodes X and Y are d-separated (directional-dependent separation) by an evidence set of nodes E, then (given the Markov property) the two sets of nodes X and Y are conditionally independent </a:t>
+            </a:r>
+            <a:r>
+              <a:rPr lang="en-US" smtClean="0"/>
+              <a:t>given E</a:t>
+            </a:r>
+            <a:r>
+              <a:rPr lang="en-US" dirty="0" smtClean="0"/>
+              <a:t>.</a:t>
+            </a:r>
+            <a:endParaRPr lang="en-US" dirty="0"/>
+          </a:p>
+        </p:txBody>
+      </p:sp>
+      <p:sp>
+        <p:nvSpPr>
+          <p:cNvPr id="4" name="Slide Number Placeholder 3"/>
+          <p:cNvSpPr>
+            <a:spLocks noGrp="1"/>
+          </p:cNvSpPr>
+          <p:nvPr>
+            <p:ph type="sldNum" sz="quarter" idx="10"/>
+          </p:nvPr>
+        </p:nvSpPr>
+        <p:spPr/>
+        <p:txBody>
+          <a:bodyPr/>
+          <a:lstStyle/>
+          <a:p>
+            <a:fld id="{D91B34AF-DFC3-47C6-893A-07AE93C6324A}" type="slidenum">
+              <a:rPr lang="en-US" smtClean="0"/>
+              <a:t>36</a:t>
             </a:fld>
             <a:endParaRPr lang="en-US"/>
           </a:p>
@@ -18032,6 +18247,437 @@
     <p:extLst>
       <p:ext uri="{BB962C8B-B14F-4D97-AF65-F5344CB8AC3E}">
         <p14:creationId xmlns:p14="http://schemas.microsoft.com/office/powerpoint/2010/main" val="2301802736"/>
+      </p:ext>
+    </p:extLst>
+  </p:cSld>
+  <p:clrMapOvr>
+    <a:masterClrMapping/>
+  </p:clrMapOvr>
+  <p:timing>
+    <p:tnLst>
+      <p:par>
+        <p:cTn id="1" dur="indefinite" restart="never" nodeType="tmRoot"/>
+      </p:par>
+    </p:tnLst>
+  </p:timing>
+</p:sld>
+</file>
+
+<file path=ppt/slides/slide36.xml><?xml version="1.0" encoding="utf-8"?>
+<p:sld xmlns:a="http://schemas.openxmlformats.org/drawingml/2006/main" xmlns:r="http://schemas.openxmlformats.org/officeDocument/2006/relationships" xmlns:p="http://schemas.openxmlformats.org/presentationml/2006/main">
+  <p:cSld>
+    <p:spTree>
+      <p:nvGrpSpPr>
+        <p:cNvPr id="1" name=""/>
+        <p:cNvGrpSpPr/>
+        <p:nvPr/>
+      </p:nvGrpSpPr>
+      <p:grpSpPr>
+        <a:xfrm>
+          <a:off x="0" y="0"/>
+          <a:ext cx="0" cy="0"/>
+          <a:chOff x="0" y="0"/>
+          <a:chExt cx="0" cy="0"/>
+        </a:xfrm>
+      </p:grpSpPr>
+      <p:sp>
+        <p:nvSpPr>
+          <p:cNvPr id="5" name="Content Placeholder 2"/>
+          <p:cNvSpPr txBox="1">
+            <a:spLocks/>
+          </p:cNvSpPr>
+          <p:nvPr/>
+        </p:nvSpPr>
+        <p:spPr>
+          <a:xfrm>
+            <a:off x="457199" y="1219201"/>
+            <a:ext cx="8206611" cy="5181599"/>
+          </a:xfrm>
+          <a:prstGeom prst="rect">
+            <a:avLst/>
+          </a:prstGeom>
+        </p:spPr>
+        <p:txBody>
+          <a:bodyPr vert="horz" lIns="91440" tIns="45720" rIns="91440" bIns="45720" rtlCol="0">
+            <a:normAutofit/>
+          </a:bodyPr>
+          <a:lstStyle>
+            <a:lvl1pPr marL="342900" indent="-342900" algn="l" defTabSz="914400" rtl="0" eaLnBrk="1" latinLnBrk="0" hangingPunct="1">
+              <a:spcBef>
+                <a:spcPct val="20000"/>
+              </a:spcBef>
+              <a:buFont typeface="Arial" panose="020B0604020202020204" pitchFamily="34" charset="0"/>
+              <a:buChar char="•"/>
+              <a:defRPr sz="3200" kern="1200">
+                <a:solidFill>
+                  <a:schemeClr val="tx1"/>
+                </a:solidFill>
+                <a:latin typeface="+mn-lt"/>
+                <a:ea typeface="+mn-ea"/>
+                <a:cs typeface="+mn-cs"/>
+              </a:defRPr>
+            </a:lvl1pPr>
+            <a:lvl2pPr marL="742950" indent="-285750" algn="l" defTabSz="914400" rtl="0" eaLnBrk="1" latinLnBrk="0" hangingPunct="1">
+              <a:spcBef>
+                <a:spcPct val="20000"/>
+              </a:spcBef>
+              <a:buFont typeface="Arial" panose="020B0604020202020204" pitchFamily="34" charset="0"/>
+              <a:buChar char="–"/>
+              <a:defRPr sz="2800" kern="1200">
+                <a:solidFill>
+                  <a:schemeClr val="tx1"/>
+                </a:solidFill>
+                <a:latin typeface="+mn-lt"/>
+                <a:ea typeface="+mn-ea"/>
+                <a:cs typeface="+mn-cs"/>
+              </a:defRPr>
+            </a:lvl2pPr>
+            <a:lvl3pPr marL="1143000" indent="-228600" algn="l" defTabSz="914400" rtl="0" eaLnBrk="1" latinLnBrk="0" hangingPunct="1">
+              <a:spcBef>
+                <a:spcPct val="20000"/>
+              </a:spcBef>
+              <a:buFont typeface="Arial" panose="020B0604020202020204" pitchFamily="34" charset="0"/>
+              <a:buChar char="•"/>
+              <a:defRPr sz="2400" kern="1200">
+                <a:solidFill>
+                  <a:schemeClr val="tx1"/>
+                </a:solidFill>
+                <a:latin typeface="+mn-lt"/>
+                <a:ea typeface="+mn-ea"/>
+                <a:cs typeface="+mn-cs"/>
+              </a:defRPr>
+            </a:lvl3pPr>
+            <a:lvl4pPr marL="1600200" indent="-228600" algn="l" defTabSz="914400" rtl="0" eaLnBrk="1" latinLnBrk="0" hangingPunct="1">
+              <a:spcBef>
+                <a:spcPct val="20000"/>
+              </a:spcBef>
+              <a:buFont typeface="Arial" panose="020B0604020202020204" pitchFamily="34" charset="0"/>
+              <a:buChar char="–"/>
+              <a:defRPr sz="2000" kern="1200">
+                <a:solidFill>
+                  <a:schemeClr val="tx1"/>
+                </a:solidFill>
+                <a:latin typeface="+mn-lt"/>
+                <a:ea typeface="+mn-ea"/>
+                <a:cs typeface="+mn-cs"/>
+              </a:defRPr>
+            </a:lvl4pPr>
+            <a:lvl5pPr marL="2057400" indent="-228600" algn="l" defTabSz="914400" rtl="0" eaLnBrk="1" latinLnBrk="0" hangingPunct="1">
+              <a:spcBef>
+                <a:spcPct val="20000"/>
+              </a:spcBef>
+              <a:buFont typeface="Arial" panose="020B0604020202020204" pitchFamily="34" charset="0"/>
+              <a:buChar char="»"/>
+              <a:defRPr sz="2000" kern="1200">
+                <a:solidFill>
+                  <a:schemeClr val="tx1"/>
+                </a:solidFill>
+                <a:latin typeface="+mn-lt"/>
+                <a:ea typeface="+mn-ea"/>
+                <a:cs typeface="+mn-cs"/>
+              </a:defRPr>
+            </a:lvl5pPr>
+            <a:lvl6pPr marL="2514600" indent="-228600" algn="l" defTabSz="914400" rtl="0" eaLnBrk="1" latinLnBrk="0" hangingPunct="1">
+              <a:spcBef>
+                <a:spcPct val="20000"/>
+              </a:spcBef>
+              <a:buFont typeface="Arial" panose="020B0604020202020204" pitchFamily="34" charset="0"/>
+              <a:buChar char="•"/>
+              <a:defRPr sz="2000" kern="1200">
+                <a:solidFill>
+                  <a:schemeClr val="tx1"/>
+                </a:solidFill>
+                <a:latin typeface="+mn-lt"/>
+                <a:ea typeface="+mn-ea"/>
+                <a:cs typeface="+mn-cs"/>
+              </a:defRPr>
+            </a:lvl6pPr>
+            <a:lvl7pPr marL="2971800" indent="-228600" algn="l" defTabSz="914400" rtl="0" eaLnBrk="1" latinLnBrk="0" hangingPunct="1">
+              <a:spcBef>
+                <a:spcPct val="20000"/>
+              </a:spcBef>
+              <a:buFont typeface="Arial" panose="020B0604020202020204" pitchFamily="34" charset="0"/>
+              <a:buChar char="•"/>
+              <a:defRPr sz="2000" kern="1200">
+                <a:solidFill>
+                  <a:schemeClr val="tx1"/>
+                </a:solidFill>
+                <a:latin typeface="+mn-lt"/>
+                <a:ea typeface="+mn-ea"/>
+                <a:cs typeface="+mn-cs"/>
+              </a:defRPr>
+            </a:lvl7pPr>
+            <a:lvl8pPr marL="3429000" indent="-228600" algn="l" defTabSz="914400" rtl="0" eaLnBrk="1" latinLnBrk="0" hangingPunct="1">
+              <a:spcBef>
+                <a:spcPct val="20000"/>
+              </a:spcBef>
+              <a:buFont typeface="Arial" panose="020B0604020202020204" pitchFamily="34" charset="0"/>
+              <a:buChar char="•"/>
+              <a:defRPr sz="2000" kern="1200">
+                <a:solidFill>
+                  <a:schemeClr val="tx1"/>
+                </a:solidFill>
+                <a:latin typeface="+mn-lt"/>
+                <a:ea typeface="+mn-ea"/>
+                <a:cs typeface="+mn-cs"/>
+              </a:defRPr>
+            </a:lvl8pPr>
+            <a:lvl9pPr marL="3886200" indent="-228600" algn="l" defTabSz="914400" rtl="0" eaLnBrk="1" latinLnBrk="0" hangingPunct="1">
+              <a:spcBef>
+                <a:spcPct val="20000"/>
+              </a:spcBef>
+              <a:buFont typeface="Arial" panose="020B0604020202020204" pitchFamily="34" charset="0"/>
+              <a:buChar char="•"/>
+              <a:defRPr sz="2000" kern="1200">
+                <a:solidFill>
+                  <a:schemeClr val="tx1"/>
+                </a:solidFill>
+                <a:latin typeface="+mn-lt"/>
+                <a:ea typeface="+mn-ea"/>
+                <a:cs typeface="+mn-cs"/>
+              </a:defRPr>
+            </a:lvl9pPr>
+          </a:lstStyle>
+          <a:p>
+            <a:pPr marL="0" indent="0">
+              <a:buNone/>
+            </a:pPr>
+            <a:r>
+              <a:rPr lang="en-US" sz="2000" dirty="0"/>
+              <a:t>Bayesian networks which satisfy the Markov </a:t>
+            </a:r>
+            <a:r>
+              <a:rPr lang="en-US" sz="2000" dirty="0" smtClean="0"/>
+              <a:t>property explicitly </a:t>
+            </a:r>
+            <a:r>
+              <a:rPr lang="en-US" sz="2000" dirty="0"/>
+              <a:t>express conditional independencies </a:t>
+            </a:r>
+            <a:r>
+              <a:rPr lang="en-US" sz="2000" dirty="0" smtClean="0"/>
+              <a:t>in probability distributions.</a:t>
+            </a:r>
+            <a:endParaRPr lang="en-US" sz="2000" dirty="0" smtClean="0"/>
+          </a:p>
+        </p:txBody>
+      </p:sp>
+      <p:sp>
+        <p:nvSpPr>
+          <p:cNvPr id="9" name="Title 1"/>
+          <p:cNvSpPr txBox="1">
+            <a:spLocks/>
+          </p:cNvSpPr>
+          <p:nvPr/>
+        </p:nvSpPr>
+        <p:spPr>
+          <a:xfrm>
+            <a:off x="76200" y="0"/>
+            <a:ext cx="8991600" cy="1143000"/>
+          </a:xfrm>
+          <a:prstGeom prst="rect">
+            <a:avLst/>
+          </a:prstGeom>
+        </p:spPr>
+        <p:txBody>
+          <a:bodyPr vert="horz" lIns="91440" tIns="45720" rIns="91440" bIns="45720" rtlCol="0" anchor="ctr">
+            <a:normAutofit/>
+          </a:bodyPr>
+          <a:lstStyle>
+            <a:lvl1pPr algn="ctr" defTabSz="914400" rtl="0" eaLnBrk="1" latinLnBrk="0" hangingPunct="1">
+              <a:spcBef>
+                <a:spcPct val="0"/>
+              </a:spcBef>
+              <a:buNone/>
+              <a:defRPr sz="4400" kern="1200">
+                <a:solidFill>
+                  <a:schemeClr val="tx1"/>
+                </a:solidFill>
+                <a:latin typeface="+mj-lt"/>
+                <a:ea typeface="+mj-ea"/>
+                <a:cs typeface="+mj-cs"/>
+              </a:defRPr>
+            </a:lvl1pPr>
+          </a:lstStyle>
+          <a:p>
+            <a:pPr algn="l"/>
+            <a:r>
+              <a:rPr lang="en-US" sz="2400" b="1" dirty="0" smtClean="0"/>
+              <a:t>Uncertainty in AI </a:t>
+            </a:r>
+            <a:r>
+              <a:rPr lang="en-US" sz="2400" b="1" dirty="0"/>
+              <a:t>&gt; </a:t>
+            </a:r>
+            <a:r>
+              <a:rPr lang="en-US" sz="2400" b="1" dirty="0" smtClean="0"/>
+              <a:t>Bayesian </a:t>
+            </a:r>
+            <a:r>
+              <a:rPr lang="en-US" sz="2400" b="1" dirty="0"/>
+              <a:t>Belief Networks: </a:t>
+            </a:r>
+            <a:r>
+              <a:rPr lang="en-US" sz="2000" b="1" i="1" dirty="0" smtClean="0"/>
+              <a:t>Conditional Independence</a:t>
+            </a:r>
+            <a:endParaRPr lang="en-US" sz="2000" b="1" i="1" dirty="0"/>
+          </a:p>
+        </p:txBody>
+      </p:sp>
+      <p:pic>
+        <p:nvPicPr>
+          <p:cNvPr id="4098" name="Picture 2"/>
+          <p:cNvPicPr>
+            <a:picLocks noChangeAspect="1" noChangeArrowheads="1"/>
+          </p:cNvPicPr>
+          <p:nvPr/>
+        </p:nvPicPr>
+        <p:blipFill>
+          <a:blip r:embed="rId3">
+            <a:extLst>
+              <a:ext uri="{28A0092B-C50C-407E-A947-70E740481C1C}">
+                <a14:useLocalDpi xmlns:a14="http://schemas.microsoft.com/office/drawing/2010/main" val="0"/>
+              </a:ext>
+            </a:extLst>
+          </a:blip>
+          <a:srcRect/>
+          <a:stretch>
+            <a:fillRect/>
+          </a:stretch>
+        </p:blipFill>
+        <p:spPr bwMode="auto">
+          <a:xfrm>
+            <a:off x="2181634" y="2146861"/>
+            <a:ext cx="4757738" cy="520139"/>
+          </a:xfrm>
+          <a:prstGeom prst="rect">
+            <a:avLst/>
+          </a:prstGeom>
+          <a:noFill/>
+          <a:ln>
+            <a:noFill/>
+          </a:ln>
+          <a:extLst>
+            <a:ext uri="{909E8E84-426E-40DD-AFC4-6F175D3DCCD1}">
+              <a14:hiddenFill xmlns:a14="http://schemas.microsoft.com/office/drawing/2010/main">
+                <a:solidFill>
+                  <a:schemeClr val="accent1"/>
+                </a:solidFill>
+              </a14:hiddenFill>
+            </a:ext>
+            <a:ext uri="{91240B29-F687-4F45-9708-019B960494DF}">
+              <a14:hiddenLine xmlns:a14="http://schemas.microsoft.com/office/drawing/2010/main" w="9525">
+                <a:solidFill>
+                  <a:schemeClr val="tx1"/>
+                </a:solidFill>
+                <a:miter lim="800000"/>
+                <a:headEnd/>
+                <a:tailEnd/>
+              </a14:hiddenLine>
+            </a:ext>
+          </a:extLst>
+        </p:spPr>
+      </p:pic>
+      <p:pic>
+        <p:nvPicPr>
+          <p:cNvPr id="4099" name="Picture 3"/>
+          <p:cNvPicPr>
+            <a:picLocks noChangeAspect="1" noChangeArrowheads="1"/>
+          </p:cNvPicPr>
+          <p:nvPr/>
+        </p:nvPicPr>
+        <p:blipFill>
+          <a:blip r:embed="rId4">
+            <a:extLst>
+              <a:ext uri="{28A0092B-C50C-407E-A947-70E740481C1C}">
+                <a14:useLocalDpi xmlns:a14="http://schemas.microsoft.com/office/drawing/2010/main" val="0"/>
+              </a:ext>
+            </a:extLst>
+          </a:blip>
+          <a:srcRect/>
+          <a:stretch>
+            <a:fillRect/>
+          </a:stretch>
+        </p:blipFill>
+        <p:spPr bwMode="auto">
+          <a:xfrm>
+            <a:off x="561321" y="2971800"/>
+            <a:ext cx="7998365" cy="803738"/>
+          </a:xfrm>
+          <a:prstGeom prst="rect">
+            <a:avLst/>
+          </a:prstGeom>
+          <a:noFill/>
+          <a:ln>
+            <a:noFill/>
+          </a:ln>
+          <a:extLst>
+            <a:ext uri="{909E8E84-426E-40DD-AFC4-6F175D3DCCD1}">
+              <a14:hiddenFill xmlns:a14="http://schemas.microsoft.com/office/drawing/2010/main">
+                <a:solidFill>
+                  <a:schemeClr val="accent1"/>
+                </a:solidFill>
+              </a14:hiddenFill>
+            </a:ext>
+            <a:ext uri="{91240B29-F687-4F45-9708-019B960494DF}">
+              <a14:hiddenLine xmlns:a14="http://schemas.microsoft.com/office/drawing/2010/main" w="9525">
+                <a:solidFill>
+                  <a:schemeClr val="tx1"/>
+                </a:solidFill>
+                <a:miter lim="800000"/>
+                <a:headEnd/>
+                <a:tailEnd/>
+              </a14:hiddenLine>
+            </a:ext>
+          </a:extLst>
+        </p:spPr>
+      </p:pic>
+      <p:pic>
+        <p:nvPicPr>
+          <p:cNvPr id="4100" name="Picture 4" descr="C:\Users\Mohammad\Documents\GitHub\CompExam3\figure\conditional-independence.png"/>
+          <p:cNvPicPr>
+            <a:picLocks noChangeAspect="1" noChangeArrowheads="1"/>
+          </p:cNvPicPr>
+          <p:nvPr/>
+        </p:nvPicPr>
+        <p:blipFill>
+          <a:blip r:embed="rId5">
+            <a:extLst>
+              <a:ext uri="{28A0092B-C50C-407E-A947-70E740481C1C}">
+                <a14:useLocalDpi xmlns:a14="http://schemas.microsoft.com/office/drawing/2010/main" val="0"/>
+              </a:ext>
+            </a:extLst>
+          </a:blip>
+          <a:srcRect/>
+          <a:stretch>
+            <a:fillRect/>
+          </a:stretch>
+        </p:blipFill>
+        <p:spPr bwMode="auto">
+          <a:xfrm>
+            <a:off x="457199" y="4423024"/>
+            <a:ext cx="8245475" cy="1962536"/>
+          </a:xfrm>
+          <a:prstGeom prst="rect">
+            <a:avLst/>
+          </a:prstGeom>
+          <a:noFill/>
+          <a:extLst>
+            <a:ext uri="{909E8E84-426E-40DD-AFC4-6F175D3DCCD1}">
+              <a14:hiddenFill xmlns:a14="http://schemas.microsoft.com/office/drawing/2010/main">
+                <a:solidFill>
+                  <a:srgbClr val="FFFFFF"/>
+                </a:solidFill>
+              </a14:hiddenFill>
+            </a:ext>
+          </a:extLst>
+        </p:spPr>
+      </p:pic>
+    </p:spTree>
+    <p:extLst>
+      <p:ext uri="{BB962C8B-B14F-4D97-AF65-F5344CB8AC3E}">
+        <p14:creationId xmlns:p14="http://schemas.microsoft.com/office/powerpoint/2010/main" val="3734471519"/>
       </p:ext>
     </p:extLst>
   </p:cSld>

--- a/presentation/PhD-comprehensive-exam.pptx
+++ b/presentation/PhD-comprehensive-exam.pptx
@@ -5,7 +5,7 @@
     <p:sldMasterId id="2147483648" r:id="rId1"/>
   </p:sldMasterIdLst>
   <p:notesMasterIdLst>
-    <p:notesMasterId r:id="rId38"/>
+    <p:notesMasterId r:id="rId41"/>
   </p:notesMasterIdLst>
   <p:sldIdLst>
     <p:sldId id="257" r:id="rId2"/>
@@ -44,6 +44,9 @@
     <p:sldId id="342" r:id="rId35"/>
     <p:sldId id="343" r:id="rId36"/>
     <p:sldId id="344" r:id="rId37"/>
+    <p:sldId id="345" r:id="rId38"/>
+    <p:sldId id="346" r:id="rId39"/>
+    <p:sldId id="347" r:id="rId40"/>
   </p:sldIdLst>
   <p:sldSz cx="9144000" cy="6858000" type="screen4x3"/>
   <p:notesSz cx="6858000" cy="9144000"/>
@@ -3492,38 +3495,13 @@
           <a:bodyPr/>
           <a:lstStyle/>
           <a:p>
-            <a:r>
-              <a:rPr lang="en-US" dirty="0" smtClean="0"/>
-              <a:t>In the following formula P(x_1, x_2, …, </a:t>
-            </a:r>
-            <a:r>
-              <a:rPr lang="en-US" dirty="0" err="1" smtClean="0"/>
-              <a:t>x_n</a:t>
-            </a:r>
-            <a:r>
-              <a:rPr lang="en-US" dirty="0" smtClean="0"/>
-              <a:t>) is an abbreviation for the conjunction of </a:t>
-            </a:r>
-            <a:r>
-              <a:rPr lang="en-US" b="1" i="1" dirty="0" smtClean="0"/>
-              <a:t>n</a:t>
-            </a:r>
-            <a:r>
-              <a:rPr lang="en-US" dirty="0" smtClean="0"/>
-              <a:t> assignments to each variable.</a:t>
-            </a:r>
-          </a:p>
-          <a:p>
-            <a:endParaRPr lang="en-US" dirty="0" smtClean="0"/>
-          </a:p>
-          <a:p>
             <a:pPr marL="171450" indent="-171450">
               <a:buFontTx/>
               <a:buChar char="-"/>
             </a:pPr>
             <a:r>
               <a:rPr lang="en-US" dirty="0" smtClean="0"/>
-              <a:t>where parents(X) denotes the specific values of the variables in Parents(X).</a:t>
+              <a:t>(a) This means that if one already knows that C has occurred, knowing that A occurred doesn’t make a difference to one's beliefs about C.</a:t>
             </a:r>
           </a:p>
           <a:p>
@@ -3540,7 +3518,7 @@
             </a:pPr>
             <a:r>
               <a:rPr lang="en-US" dirty="0" smtClean="0"/>
-              <a:t>(a) This means that if one already knows that C has occurred, knowing that A occurred doesn’t make a difference to one's beliefs about C.</a:t>
+              <a:t>(b) This means that if one already knows about B, then an additional information that A provides, will not give more information about the chances of C.</a:t>
             </a:r>
           </a:p>
           <a:p>
@@ -3557,7 +3535,7 @@
             </a:pPr>
             <a:r>
               <a:rPr lang="en-US" dirty="0" smtClean="0"/>
-              <a:t>(b) This means that if one already knows about B, then an additional information that A provides, will not give more information about the chances of C.</a:t>
+              <a:t>(c) This means that if one knows about B (the effect), then finds out that for example A (one of two causes) is absent, this increases the probability of C (alternative cause).</a:t>
             </a:r>
           </a:p>
           <a:p>
@@ -3573,8 +3551,121 @@
               <a:buChar char="-"/>
             </a:pPr>
             <a:r>
+              <a:rPr lang="en-US" b="1" dirty="0" smtClean="0"/>
+              <a:t>d-separated:</a:t>
+            </a:r>
+            <a:r>
+              <a:rPr lang="en-US" baseline="0" dirty="0" smtClean="0"/>
+              <a:t> The concepts of conditional dependencies and independencies can apply not only between pairs of nodes, but also between sets of nodes.</a:t>
+            </a:r>
+          </a:p>
+          <a:p>
+            <a:pPr marL="171450" indent="-171450">
+              <a:buFontTx/>
+              <a:buChar char="-"/>
+            </a:pPr>
+            <a:endParaRPr lang="en-US" baseline="0" dirty="0" smtClean="0"/>
+          </a:p>
+          <a:p>
+            <a:pPr marL="171450" indent="-171450">
+              <a:buFontTx/>
+              <a:buChar char="-"/>
+            </a:pPr>
+            <a:r>
               <a:rPr lang="en-US" dirty="0" smtClean="0"/>
-              <a:t>(c) This means that if one knows about B (the effect), then finds out that for example A (one of two causes) is absent, this increases the probability of C (alternative cause).</a:t>
+              <a:t>If the two sets of nodes X and Y are d-separated (directional-dependent separation) by an evidence set of nodes E, then (given the Markov property) the two sets of nodes X and Y are conditionally independent given E.</a:t>
+            </a:r>
+            <a:endParaRPr lang="en-US" dirty="0"/>
+          </a:p>
+        </p:txBody>
+      </p:sp>
+      <p:sp>
+        <p:nvSpPr>
+          <p:cNvPr id="4" name="Slide Number Placeholder 3"/>
+          <p:cNvSpPr>
+            <a:spLocks noGrp="1"/>
+          </p:cNvSpPr>
+          <p:nvPr>
+            <p:ph type="sldNum" sz="quarter" idx="10"/>
+          </p:nvPr>
+        </p:nvSpPr>
+        <p:spPr/>
+        <p:txBody>
+          <a:bodyPr/>
+          <a:lstStyle/>
+          <a:p>
+            <a:fld id="{D91B34AF-DFC3-47C6-893A-07AE93C6324A}" type="slidenum">
+              <a:rPr lang="en-US" smtClean="0"/>
+              <a:t>36</a:t>
+            </a:fld>
+            <a:endParaRPr lang="en-US"/>
+          </a:p>
+        </p:txBody>
+      </p:sp>
+    </p:spTree>
+    <p:extLst>
+      <p:ext uri="{BB962C8B-B14F-4D97-AF65-F5344CB8AC3E}">
+        <p14:creationId xmlns:p14="http://schemas.microsoft.com/office/powerpoint/2010/main" val="1845102120"/>
+      </p:ext>
+    </p:extLst>
+  </p:cSld>
+  <p:clrMapOvr>
+    <a:masterClrMapping/>
+  </p:clrMapOvr>
+</p:notes>
+</file>
+
+<file path=ppt/notesSlides/notesSlide33.xml><?xml version="1.0" encoding="utf-8"?>
+<p:notes xmlns:a="http://schemas.openxmlformats.org/drawingml/2006/main" xmlns:r="http://schemas.openxmlformats.org/officeDocument/2006/relationships" xmlns:p="http://schemas.openxmlformats.org/presentationml/2006/main">
+  <p:cSld>
+    <p:spTree>
+      <p:nvGrpSpPr>
+        <p:cNvPr id="1" name=""/>
+        <p:cNvGrpSpPr/>
+        <p:nvPr/>
+      </p:nvGrpSpPr>
+      <p:grpSpPr>
+        <a:xfrm>
+          <a:off x="0" y="0"/>
+          <a:ext cx="0" cy="0"/>
+          <a:chOff x="0" y="0"/>
+          <a:chExt cx="0" cy="0"/>
+        </a:xfrm>
+      </p:grpSpPr>
+      <p:sp>
+        <p:nvSpPr>
+          <p:cNvPr id="2" name="Slide Image Placeholder 1"/>
+          <p:cNvSpPr>
+            <a:spLocks noGrp="1" noRot="1" noChangeAspect="1"/>
+          </p:cNvSpPr>
+          <p:nvPr>
+            <p:ph type="sldImg"/>
+          </p:nvPr>
+        </p:nvSpPr>
+        <p:spPr/>
+      </p:sp>
+      <p:sp>
+        <p:nvSpPr>
+          <p:cNvPr id="3" name="Notes Placeholder 2"/>
+          <p:cNvSpPr>
+            <a:spLocks noGrp="1"/>
+          </p:cNvSpPr>
+          <p:nvPr>
+            <p:ph type="body" idx="1"/>
+          </p:nvPr>
+        </p:nvSpPr>
+        <p:spPr/>
+        <p:txBody>
+          <a:bodyPr/>
+          <a:lstStyle/>
+          <a:p>
+            <a:pPr marL="171450" indent="-171450">
+              <a:buFontTx/>
+              <a:buChar char="-"/>
+            </a:pPr>
+            <a:r>
+              <a:rPr lang="en-US" dirty="0" smtClean="0"/>
+              <a:t>Based on Shafer's formalism, each piece of evidence may support a subset containing several hypotheses.</a:t>
             </a:r>
           </a:p>
           <a:p>
@@ -3590,12 +3681,457 @@
               <a:buChar char="-"/>
             </a:pPr>
             <a:r>
+              <a:rPr lang="en-US" dirty="0" smtClean="0"/>
+              <a:t>Dempster-Shafer theory is the generalization of the Bayesian theory of subjective probability to combine accumulative evidence or to change prior opinions in the light of new evidence.</a:t>
+            </a:r>
+          </a:p>
+          <a:p>
+            <a:pPr marL="171450" indent="-171450">
+              <a:buFontTx/>
+              <a:buChar char="-"/>
+            </a:pPr>
+            <a:endParaRPr lang="en-US" dirty="0" smtClean="0"/>
+          </a:p>
+          <a:p>
+            <a:pPr marL="171450" indent="-171450">
+              <a:buFontTx/>
+              <a:buChar char="-"/>
+            </a:pPr>
+            <a:endParaRPr lang="en-US" dirty="0"/>
+          </a:p>
+        </p:txBody>
+      </p:sp>
+      <p:sp>
+        <p:nvSpPr>
+          <p:cNvPr id="4" name="Slide Number Placeholder 3"/>
+          <p:cNvSpPr>
+            <a:spLocks noGrp="1"/>
+          </p:cNvSpPr>
+          <p:nvPr>
+            <p:ph type="sldNum" sz="quarter" idx="10"/>
+          </p:nvPr>
+        </p:nvSpPr>
+        <p:spPr/>
+        <p:txBody>
+          <a:bodyPr/>
+          <a:lstStyle/>
+          <a:p>
+            <a:fld id="{D91B34AF-DFC3-47C6-893A-07AE93C6324A}" type="slidenum">
+              <a:rPr lang="en-US" smtClean="0"/>
+              <a:t>37</a:t>
+            </a:fld>
+            <a:endParaRPr lang="en-US"/>
+          </a:p>
+        </p:txBody>
+      </p:sp>
+    </p:spTree>
+    <p:extLst>
+      <p:ext uri="{BB962C8B-B14F-4D97-AF65-F5344CB8AC3E}">
+        <p14:creationId xmlns:p14="http://schemas.microsoft.com/office/powerpoint/2010/main" val="1845102120"/>
+      </p:ext>
+    </p:extLst>
+  </p:cSld>
+  <p:clrMapOvr>
+    <a:masterClrMapping/>
+  </p:clrMapOvr>
+</p:notes>
+</file>
+
+<file path=ppt/notesSlides/notesSlide34.xml><?xml version="1.0" encoding="utf-8"?>
+<p:notes xmlns:a="http://schemas.openxmlformats.org/drawingml/2006/main" xmlns:r="http://schemas.openxmlformats.org/officeDocument/2006/relationships" xmlns:p="http://schemas.openxmlformats.org/presentationml/2006/main">
+  <p:cSld>
+    <p:spTree>
+      <p:nvGrpSpPr>
+        <p:cNvPr id="1" name=""/>
+        <p:cNvGrpSpPr/>
+        <p:nvPr/>
+      </p:nvGrpSpPr>
+      <p:grpSpPr>
+        <a:xfrm>
+          <a:off x="0" y="0"/>
+          <a:ext cx="0" cy="0"/>
+          <a:chOff x="0" y="0"/>
+          <a:chExt cx="0" cy="0"/>
+        </a:xfrm>
+      </p:grpSpPr>
+      <p:sp>
+        <p:nvSpPr>
+          <p:cNvPr id="2" name="Slide Image Placeholder 1"/>
+          <p:cNvSpPr>
+            <a:spLocks noGrp="1" noRot="1" noChangeAspect="1"/>
+          </p:cNvSpPr>
+          <p:nvPr>
+            <p:ph type="sldImg"/>
+          </p:nvPr>
+        </p:nvSpPr>
+        <p:spPr/>
+      </p:sp>
+      <p:sp>
+        <p:nvSpPr>
+          <p:cNvPr id="3" name="Notes Placeholder 2"/>
+          <p:cNvSpPr>
+            <a:spLocks noGrp="1"/>
+          </p:cNvSpPr>
+          <p:nvPr>
+            <p:ph type="body" idx="1"/>
+          </p:nvPr>
+        </p:nvSpPr>
+        <p:spPr/>
+        <p:txBody>
+          <a:bodyPr/>
+          <a:lstStyle/>
+          <a:p>
+            <a:pPr marL="228600" indent="-228600">
+              <a:buFontTx/>
+              <a:buAutoNum type="arabicParenBoth"/>
+            </a:pPr>
+            <a:r>
+              <a:rPr lang="en-US" dirty="0" smtClean="0"/>
+              <a:t>The value 0 indicates </a:t>
+            </a:r>
+            <a:r>
               <a:rPr lang="en-US" b="1" dirty="0" smtClean="0"/>
-              <a:t>d-separated:</a:t>
+              <a:t>no belief</a:t>
+            </a:r>
+            <a:r>
+              <a:rPr lang="en-US" dirty="0" smtClean="0"/>
+              <a:t> and the value 1 indicates </a:t>
+            </a:r>
+            <a:r>
+              <a:rPr lang="en-US" b="1" dirty="0" smtClean="0"/>
+              <a:t>total belief</a:t>
+            </a:r>
+            <a:r>
+              <a:rPr lang="en-US" dirty="0" smtClean="0"/>
+              <a:t>, and any value between these two indicate </a:t>
+            </a:r>
+            <a:r>
+              <a:rPr lang="en-US" b="1" dirty="0" smtClean="0"/>
+              <a:t>partial belief</a:t>
+            </a:r>
+            <a:r>
+              <a:rPr lang="en-US" dirty="0" smtClean="0"/>
+              <a:t>.</a:t>
+            </a:r>
+          </a:p>
+          <a:p>
+            <a:pPr marL="0" indent="0">
+              <a:buFontTx/>
+              <a:buNone/>
+            </a:pPr>
+            <a:endParaRPr lang="en-US" dirty="0" smtClean="0"/>
+          </a:p>
+          <a:p>
+            <a:pPr marL="0" indent="0">
+              <a:buFontTx/>
+              <a:buNone/>
+            </a:pPr>
+            <a:r>
+              <a:rPr lang="en-US" dirty="0" smtClean="0"/>
+              <a:t>(1)</a:t>
             </a:r>
             <a:r>
               <a:rPr lang="en-US" baseline="0" dirty="0" smtClean="0"/>
-              <a:t> The concepts of conditional dependencies and independencies can apply not only between pairs of nodes, but also between sets of nodes.</a:t>
+              <a:t> </a:t>
+            </a:r>
+            <a:r>
+              <a:rPr lang="en-US" dirty="0" smtClean="0"/>
+              <a:t>Any subset x of the frame of discernment for which m(x) is non-zero is called a </a:t>
+            </a:r>
+            <a:r>
+              <a:rPr lang="en-US" b="1" dirty="0" smtClean="0"/>
+              <a:t>focal element</a:t>
+            </a:r>
+            <a:r>
+              <a:rPr lang="en-US" dirty="0" smtClean="0"/>
+              <a:t> and represents the exact belief in the proposition depicted by x.</a:t>
+            </a:r>
+          </a:p>
+          <a:p>
+            <a:pPr marL="228600" indent="-228600">
+              <a:buFontTx/>
+              <a:buAutoNum type="arabicParenBoth"/>
+            </a:pPr>
+            <a:endParaRPr lang="en-US" dirty="0" smtClean="0"/>
+          </a:p>
+          <a:p>
+            <a:pPr marL="0" indent="0">
+              <a:buFontTx/>
+              <a:buNone/>
+            </a:pPr>
+            <a:r>
+              <a:rPr lang="en-US" dirty="0" smtClean="0"/>
+              <a:t>(2) Belief function is sometimes called a </a:t>
+            </a:r>
+            <a:r>
+              <a:rPr lang="en-US" b="1" dirty="0" smtClean="0"/>
+              <a:t>support function</a:t>
+            </a:r>
+            <a:r>
+              <a:rPr lang="en-US" dirty="0" smtClean="0"/>
+              <a:t>.</a:t>
+            </a:r>
+          </a:p>
+          <a:p>
+            <a:pPr marL="0" indent="0">
+              <a:buFontTx/>
+              <a:buNone/>
+            </a:pPr>
+            <a:endParaRPr lang="en-US" dirty="0" smtClean="0"/>
+          </a:p>
+          <a:p>
+            <a:pPr marL="0" indent="0">
+              <a:buFontTx/>
+              <a:buNone/>
+            </a:pPr>
+            <a:r>
+              <a:rPr lang="en-US" dirty="0" smtClean="0"/>
+              <a:t>(2) It is the measure of total belief committed to A (a subset</a:t>
+            </a:r>
+            <a:r>
+              <a:rPr lang="en-US" baseline="0" dirty="0" smtClean="0"/>
+              <a:t> of frame of discernment</a:t>
+            </a:r>
+            <a:r>
+              <a:rPr lang="en-US" dirty="0" smtClean="0"/>
+              <a:t>)</a:t>
+            </a:r>
+            <a:r>
+              <a:rPr lang="en-US" baseline="0" dirty="0" smtClean="0"/>
+              <a:t> </a:t>
+            </a:r>
+            <a:r>
+              <a:rPr lang="en-US" dirty="0" smtClean="0"/>
+              <a:t>that can be obtained by simply adding up the mass of all the subsets of A.</a:t>
+            </a:r>
+          </a:p>
+          <a:p>
+            <a:pPr marL="0" indent="0">
+              <a:buFontTx/>
+              <a:buNone/>
+            </a:pPr>
+            <a:endParaRPr lang="en-US" dirty="0" smtClean="0"/>
+          </a:p>
+          <a:p>
+            <a:pPr marL="0" indent="0">
+              <a:buFontTx/>
+              <a:buNone/>
+            </a:pPr>
+            <a:r>
+              <a:rPr lang="en-US" dirty="0" smtClean="0"/>
+              <a:t>(2) The belief in A, denoted Belief(A), is a number in the interval [0, 1].</a:t>
+            </a:r>
+          </a:p>
+          <a:p>
+            <a:pPr marL="0" indent="0">
+              <a:buFontTx/>
+              <a:buNone/>
+            </a:pPr>
+            <a:endParaRPr lang="en-US" dirty="0" smtClean="0"/>
+          </a:p>
+          <a:p>
+            <a:pPr marL="0" indent="0">
+              <a:buFontTx/>
+              <a:buNone/>
+            </a:pPr>
+            <a:r>
+              <a:rPr lang="en-US" dirty="0" smtClean="0"/>
+              <a:t>(2) Belief in a set of elements, say A,</a:t>
+            </a:r>
+            <a:r>
+              <a:rPr lang="en-US" baseline="0" dirty="0" smtClean="0"/>
+              <a:t> </a:t>
+            </a:r>
+            <a:r>
+              <a:rPr lang="en-US" dirty="0" smtClean="0"/>
+              <a:t>represents the total belief that one has based on the evidence obtained.</a:t>
+            </a:r>
+          </a:p>
+          <a:p>
+            <a:pPr marL="0" indent="0">
+              <a:buFontTx/>
+              <a:buNone/>
+            </a:pPr>
+            <a:endParaRPr lang="en-US" dirty="0" smtClean="0"/>
+          </a:p>
+          <a:p>
+            <a:pPr marL="0" indent="0">
+              <a:buFontTx/>
+              <a:buNone/>
+            </a:pPr>
+            <a:r>
+              <a:rPr lang="en-US" dirty="0" smtClean="0"/>
+              <a:t>(2) Belief(A) = 0 </a:t>
+            </a:r>
+            <a:r>
+              <a:rPr lang="en-US" dirty="0" smtClean="0">
+                <a:sym typeface="Wingdings" panose="05000000000000000000" pitchFamily="2" charset="2"/>
+              </a:rPr>
+              <a:t> Lack of evidence, p(A)=0  impossibility of</a:t>
+            </a:r>
+            <a:r>
+              <a:rPr lang="en-US" baseline="0" dirty="0" smtClean="0">
+                <a:sym typeface="Wingdings" panose="05000000000000000000" pitchFamily="2" charset="2"/>
+              </a:rPr>
+              <a:t> A.</a:t>
+            </a:r>
+          </a:p>
+          <a:p>
+            <a:pPr marL="0" indent="0">
+              <a:buFontTx/>
+              <a:buNone/>
+            </a:pPr>
+            <a:endParaRPr lang="en-US" baseline="0" dirty="0" smtClean="0">
+              <a:sym typeface="Wingdings" panose="05000000000000000000" pitchFamily="2" charset="2"/>
+            </a:endParaRPr>
+          </a:p>
+          <a:p>
+            <a:pPr marL="0" indent="0">
+              <a:buFontTx/>
+              <a:buNone/>
+            </a:pPr>
+            <a:r>
+              <a:rPr lang="en-US" baseline="0" dirty="0" smtClean="0">
+                <a:sym typeface="Wingdings" panose="05000000000000000000" pitchFamily="2" charset="2"/>
+              </a:rPr>
+              <a:t>(3) Plausible(A) in a subset A is defined to be the sum of all mass functions for the subsets B that have non-zero intersections with A.</a:t>
+            </a:r>
+          </a:p>
+          <a:p>
+            <a:pPr marL="0" indent="0">
+              <a:buFontTx/>
+              <a:buNone/>
+            </a:pPr>
+            <a:endParaRPr lang="en-US" baseline="0" dirty="0" smtClean="0">
+              <a:sym typeface="Wingdings" panose="05000000000000000000" pitchFamily="2" charset="2"/>
+            </a:endParaRPr>
+          </a:p>
+          <a:p>
+            <a:pPr marL="0" indent="0">
+              <a:buFontTx/>
+              <a:buNone/>
+            </a:pPr>
+            <a:r>
+              <a:rPr lang="en-US" baseline="0" dirty="0" smtClean="0">
+                <a:sym typeface="Wingdings" panose="05000000000000000000" pitchFamily="2" charset="2"/>
+              </a:rPr>
+              <a:t>(3) Plausible(A) corresponds to the total belief that does not contradict A.</a:t>
+            </a:r>
+          </a:p>
+          <a:p>
+            <a:pPr marL="0" indent="0">
+              <a:buFontTx/>
+              <a:buNone/>
+            </a:pPr>
+            <a:endParaRPr lang="en-US" dirty="0" smtClean="0"/>
+          </a:p>
+          <a:p>
+            <a:pPr marL="0" indent="0">
+              <a:buFontTx/>
+              <a:buNone/>
+            </a:pPr>
+            <a:endParaRPr lang="en-US" dirty="0" smtClean="0"/>
+          </a:p>
+          <a:p>
+            <a:pPr marL="0" indent="0">
+              <a:buFontTx/>
+              <a:buNone/>
+            </a:pPr>
+            <a:endParaRPr lang="en-US" dirty="0"/>
+          </a:p>
+        </p:txBody>
+      </p:sp>
+      <p:sp>
+        <p:nvSpPr>
+          <p:cNvPr id="4" name="Slide Number Placeholder 3"/>
+          <p:cNvSpPr>
+            <a:spLocks noGrp="1"/>
+          </p:cNvSpPr>
+          <p:nvPr>
+            <p:ph type="sldNum" sz="quarter" idx="10"/>
+          </p:nvPr>
+        </p:nvSpPr>
+        <p:spPr/>
+        <p:txBody>
+          <a:bodyPr/>
+          <a:lstStyle/>
+          <a:p>
+            <a:fld id="{D91B34AF-DFC3-47C6-893A-07AE93C6324A}" type="slidenum">
+              <a:rPr lang="en-US" smtClean="0"/>
+              <a:t>38</a:t>
+            </a:fld>
+            <a:endParaRPr lang="en-US"/>
+          </a:p>
+        </p:txBody>
+      </p:sp>
+    </p:spTree>
+    <p:extLst>
+      <p:ext uri="{BB962C8B-B14F-4D97-AF65-F5344CB8AC3E}">
+        <p14:creationId xmlns:p14="http://schemas.microsoft.com/office/powerpoint/2010/main" val="1845102120"/>
+      </p:ext>
+    </p:extLst>
+  </p:cSld>
+  <p:clrMapOvr>
+    <a:masterClrMapping/>
+  </p:clrMapOvr>
+</p:notes>
+</file>
+
+<file path=ppt/notesSlides/notesSlide35.xml><?xml version="1.0" encoding="utf-8"?>
+<p:notes xmlns:a="http://schemas.openxmlformats.org/drawingml/2006/main" xmlns:r="http://schemas.openxmlformats.org/officeDocument/2006/relationships" xmlns:p="http://schemas.openxmlformats.org/presentationml/2006/main">
+  <p:cSld>
+    <p:spTree>
+      <p:nvGrpSpPr>
+        <p:cNvPr id="1" name=""/>
+        <p:cNvGrpSpPr/>
+        <p:nvPr/>
+      </p:nvGrpSpPr>
+      <p:grpSpPr>
+        <a:xfrm>
+          <a:off x="0" y="0"/>
+          <a:ext cx="0" cy="0"/>
+          <a:chOff x="0" y="0"/>
+          <a:chExt cx="0" cy="0"/>
+        </a:xfrm>
+      </p:grpSpPr>
+      <p:sp>
+        <p:nvSpPr>
+          <p:cNvPr id="2" name="Slide Image Placeholder 1"/>
+          <p:cNvSpPr>
+            <a:spLocks noGrp="1" noRot="1" noChangeAspect="1"/>
+          </p:cNvSpPr>
+          <p:nvPr>
+            <p:ph type="sldImg"/>
+          </p:nvPr>
+        </p:nvSpPr>
+        <p:spPr/>
+      </p:sp>
+      <p:sp>
+        <p:nvSpPr>
+          <p:cNvPr id="3" name="Notes Placeholder 2"/>
+          <p:cNvSpPr>
+            <a:spLocks noGrp="1"/>
+          </p:cNvSpPr>
+          <p:nvPr>
+            <p:ph type="body" idx="1"/>
+          </p:nvPr>
+        </p:nvSpPr>
+        <p:spPr/>
+        <p:txBody>
+          <a:bodyPr/>
+          <a:lstStyle/>
+          <a:p>
+            <a:pPr marL="171450" indent="-171450">
+              <a:buFontTx/>
+              <a:buChar char="-"/>
+            </a:pPr>
+            <a:r>
+              <a:rPr lang="en-US" dirty="0" smtClean="0"/>
+              <a:t>~A is</a:t>
+            </a:r>
+            <a:r>
+              <a:rPr lang="en-US" baseline="0" dirty="0" smtClean="0"/>
+              <a:t> A’s complement.</a:t>
             </a:r>
           </a:p>
           <a:p>
@@ -3611,18 +4147,389 @@
               <a:buChar char="-"/>
             </a:pPr>
             <a:r>
-              <a:rPr lang="en-US" dirty="0" smtClean="0"/>
-              <a:t>If the two sets of nodes X and Y are d-separated (directional-dependent separation) by an evidence set of nodes E, then (given the Markov property) the two sets of nodes X and Y are conditionally independent </a:t>
-            </a:r>
-            <a:r>
-              <a:rPr lang="en-US" smtClean="0"/>
-              <a:t>given E</a:t>
-            </a:r>
-            <a:r>
-              <a:rPr lang="en-US" dirty="0" smtClean="0"/>
-              <a:t>.</a:t>
-            </a:r>
-            <a:endParaRPr lang="en-US" dirty="0"/>
+              <a:rPr lang="en-US" baseline="0" dirty="0" smtClean="0"/>
+              <a:t>Belief(A)=0 does not imply Belief(~A)&gt;0</a:t>
+            </a:r>
+          </a:p>
+          <a:p>
+            <a:pPr marL="171450" indent="-171450">
+              <a:buFontTx/>
+              <a:buChar char="-"/>
+            </a:pPr>
+            <a:endParaRPr lang="en-US" baseline="0" dirty="0" smtClean="0"/>
+          </a:p>
+          <a:p>
+            <a:pPr marL="171450" marR="0" indent="-171450" algn="l" defTabSz="914400" rtl="0" eaLnBrk="1" fontAlgn="auto" latinLnBrk="0" hangingPunct="1">
+              <a:lnSpc>
+                <a:spcPct val="100000"/>
+              </a:lnSpc>
+              <a:spcBef>
+                <a:spcPts val="0"/>
+              </a:spcBef>
+              <a:spcAft>
+                <a:spcPts val="0"/>
+              </a:spcAft>
+              <a:buClrTx/>
+              <a:buSzTx/>
+              <a:buFontTx/>
+              <a:buChar char="-"/>
+              <a:tabLst/>
+              <a:defRPr/>
+            </a:pPr>
+            <a:r>
+              <a:rPr lang="en-US" baseline="0" dirty="0" smtClean="0"/>
+              <a:t>However, Belief(A)=1 implies Belief(A)=0</a:t>
+            </a:r>
+          </a:p>
+          <a:p>
+            <a:pPr marL="171450" marR="0" indent="-171450" algn="l" defTabSz="914400" rtl="0" eaLnBrk="1" fontAlgn="auto" latinLnBrk="0" hangingPunct="1">
+              <a:lnSpc>
+                <a:spcPct val="100000"/>
+              </a:lnSpc>
+              <a:spcBef>
+                <a:spcPts val="0"/>
+              </a:spcBef>
+              <a:spcAft>
+                <a:spcPts val="0"/>
+              </a:spcAft>
+              <a:buClrTx/>
+              <a:buSzTx/>
+              <a:buFontTx/>
+              <a:buChar char="-"/>
+              <a:tabLst/>
+              <a:defRPr/>
+            </a:pPr>
+            <a:endParaRPr lang="en-US" baseline="0" dirty="0" smtClean="0"/>
+          </a:p>
+          <a:p>
+            <a:pPr marL="171450" marR="0" indent="-171450" algn="l" defTabSz="914400" rtl="0" eaLnBrk="1" fontAlgn="auto" latinLnBrk="0" hangingPunct="1">
+              <a:lnSpc>
+                <a:spcPct val="100000"/>
+              </a:lnSpc>
+              <a:spcBef>
+                <a:spcPts val="0"/>
+              </a:spcBef>
+              <a:spcAft>
+                <a:spcPts val="0"/>
+              </a:spcAft>
+              <a:buClrTx/>
+              <a:buSzTx/>
+              <a:buFontTx/>
+              <a:buChar char="-"/>
+              <a:tabLst/>
+              <a:defRPr/>
+            </a:pPr>
+            <a:r>
+              <a:rPr lang="en-US" baseline="0" dirty="0" smtClean="0"/>
+              <a:t>Here, we also note that in the case of each of the focal elements being singletons, we return back to traditional Bayesian analysis incorporating normal probability theory.</a:t>
+            </a:r>
+          </a:p>
+          <a:p>
+            <a:pPr marL="171450" marR="0" indent="-171450" algn="l" defTabSz="914400" rtl="0" eaLnBrk="1" fontAlgn="auto" latinLnBrk="0" hangingPunct="1">
+              <a:lnSpc>
+                <a:spcPct val="100000"/>
+              </a:lnSpc>
+              <a:spcBef>
+                <a:spcPts val="0"/>
+              </a:spcBef>
+              <a:spcAft>
+                <a:spcPts val="0"/>
+              </a:spcAft>
+              <a:buClrTx/>
+              <a:buSzTx/>
+              <a:buFontTx/>
+              <a:buChar char="-"/>
+              <a:tabLst/>
+              <a:defRPr/>
+            </a:pPr>
+            <a:endParaRPr lang="en-US" baseline="0" dirty="0" smtClean="0"/>
+          </a:p>
+          <a:p>
+            <a:pPr marL="171450" marR="0" indent="-171450" algn="l" defTabSz="914400" rtl="0" eaLnBrk="1" fontAlgn="auto" latinLnBrk="0" hangingPunct="1">
+              <a:lnSpc>
+                <a:spcPct val="100000"/>
+              </a:lnSpc>
+              <a:spcBef>
+                <a:spcPts val="0"/>
+              </a:spcBef>
+              <a:spcAft>
+                <a:spcPts val="0"/>
+              </a:spcAft>
+              <a:buClrTx/>
+              <a:buSzTx/>
+              <a:buFontTx/>
+              <a:buChar char="-"/>
+              <a:tabLst/>
+              <a:defRPr/>
+            </a:pPr>
+            <a:r>
+              <a:rPr lang="en-US" baseline="0" dirty="0" smtClean="0"/>
+              <a:t>Lack of belief does not imply disbelief, since the complements of belief and plausibility are doubt and disbelief, respectively.</a:t>
+            </a:r>
+          </a:p>
+          <a:p>
+            <a:pPr marL="171450" marR="0" indent="-171450" algn="l" defTabSz="914400" rtl="0" eaLnBrk="1" fontAlgn="auto" latinLnBrk="0" hangingPunct="1">
+              <a:lnSpc>
+                <a:spcPct val="100000"/>
+              </a:lnSpc>
+              <a:spcBef>
+                <a:spcPts val="0"/>
+              </a:spcBef>
+              <a:spcAft>
+                <a:spcPts val="0"/>
+              </a:spcAft>
+              <a:buClrTx/>
+              <a:buSzTx/>
+              <a:buFontTx/>
+              <a:buChar char="-"/>
+              <a:tabLst/>
+              <a:defRPr/>
+            </a:pPr>
+            <a:endParaRPr lang="en-US" baseline="0" dirty="0" smtClean="0"/>
+          </a:p>
+          <a:p>
+            <a:pPr marL="171450" marR="0" indent="-171450" algn="l" defTabSz="914400" rtl="0" eaLnBrk="1" fontAlgn="auto" latinLnBrk="0" hangingPunct="1">
+              <a:lnSpc>
+                <a:spcPct val="100000"/>
+              </a:lnSpc>
+              <a:spcBef>
+                <a:spcPts val="0"/>
+              </a:spcBef>
+              <a:spcAft>
+                <a:spcPts val="0"/>
+              </a:spcAft>
+              <a:buClrTx/>
+              <a:buSzTx/>
+              <a:buFontTx/>
+              <a:buChar char="-"/>
+              <a:tabLst/>
+              <a:defRPr/>
+            </a:pPr>
+            <a:endParaRPr lang="en-US" baseline="0" dirty="0" smtClean="0"/>
+          </a:p>
+          <a:p>
+            <a:pPr marL="171450" marR="0" indent="-171450" algn="l" defTabSz="914400" rtl="0" eaLnBrk="1" fontAlgn="auto" latinLnBrk="0" hangingPunct="1">
+              <a:lnSpc>
+                <a:spcPct val="100000"/>
+              </a:lnSpc>
+              <a:spcBef>
+                <a:spcPts val="0"/>
+              </a:spcBef>
+              <a:spcAft>
+                <a:spcPts val="0"/>
+              </a:spcAft>
+              <a:buClrTx/>
+              <a:buSzTx/>
+              <a:buFontTx/>
+              <a:buChar char="-"/>
+              <a:tabLst/>
+              <a:defRPr/>
+            </a:pPr>
+            <a:r>
+              <a:rPr lang="en-US" b="1" baseline="0" dirty="0" smtClean="0"/>
+              <a:t>Combination Rule:</a:t>
+            </a:r>
+            <a:r>
+              <a:rPr lang="en-US" baseline="0" dirty="0" smtClean="0"/>
+              <a:t> When we have two pieces of uncertain evidence relevant to the same frame of discernment.</a:t>
+            </a:r>
+          </a:p>
+          <a:p>
+            <a:pPr marL="171450" marR="0" indent="-171450" algn="l" defTabSz="914400" rtl="0" eaLnBrk="1" fontAlgn="auto" latinLnBrk="0" hangingPunct="1">
+              <a:lnSpc>
+                <a:spcPct val="100000"/>
+              </a:lnSpc>
+              <a:spcBef>
+                <a:spcPts val="0"/>
+              </a:spcBef>
+              <a:spcAft>
+                <a:spcPts val="0"/>
+              </a:spcAft>
+              <a:buClrTx/>
+              <a:buSzTx/>
+              <a:buFontTx/>
+              <a:buChar char="-"/>
+              <a:tabLst/>
+              <a:defRPr/>
+            </a:pPr>
+            <a:endParaRPr lang="en-US" baseline="0" dirty="0" smtClean="0"/>
+          </a:p>
+          <a:p>
+            <a:pPr marL="171450" marR="0" indent="-171450" algn="l" defTabSz="914400" rtl="0" eaLnBrk="1" fontAlgn="auto" latinLnBrk="0" hangingPunct="1">
+              <a:lnSpc>
+                <a:spcPct val="100000"/>
+              </a:lnSpc>
+              <a:spcBef>
+                <a:spcPts val="0"/>
+              </a:spcBef>
+              <a:spcAft>
+                <a:spcPts val="0"/>
+              </a:spcAft>
+              <a:buClrTx/>
+              <a:buSzTx/>
+              <a:buFontTx/>
+              <a:buChar char="-"/>
+              <a:tabLst/>
+              <a:defRPr/>
+            </a:pPr>
+            <a:r>
+              <a:rPr lang="en-US" baseline="0" dirty="0" smtClean="0"/>
+              <a:t>The rule assumes that the sources are independent.</a:t>
+            </a:r>
+          </a:p>
+          <a:p>
+            <a:pPr marL="171450" marR="0" indent="-171450" algn="l" defTabSz="914400" rtl="0" eaLnBrk="1" fontAlgn="auto" latinLnBrk="0" hangingPunct="1">
+              <a:lnSpc>
+                <a:spcPct val="100000"/>
+              </a:lnSpc>
+              <a:spcBef>
+                <a:spcPts val="0"/>
+              </a:spcBef>
+              <a:spcAft>
+                <a:spcPts val="0"/>
+              </a:spcAft>
+              <a:buClrTx/>
+              <a:buSzTx/>
+              <a:buFontTx/>
+              <a:buChar char="-"/>
+              <a:tabLst/>
+              <a:defRPr/>
+            </a:pPr>
+            <a:endParaRPr lang="en-US" baseline="0" dirty="0" smtClean="0"/>
+          </a:p>
+          <a:p>
+            <a:pPr marL="171450" marR="0" indent="-171450" algn="l" defTabSz="914400" rtl="0" eaLnBrk="1" fontAlgn="auto" latinLnBrk="0" hangingPunct="1">
+              <a:lnSpc>
+                <a:spcPct val="100000"/>
+              </a:lnSpc>
+              <a:spcBef>
+                <a:spcPts val="0"/>
+              </a:spcBef>
+              <a:spcAft>
+                <a:spcPts val="0"/>
+              </a:spcAft>
+              <a:buClrTx/>
+              <a:buSzTx/>
+              <a:buFontTx/>
+              <a:buChar char="-"/>
+              <a:tabLst/>
+              <a:defRPr/>
+            </a:pPr>
+            <a:r>
+              <a:rPr lang="en-US" baseline="0" dirty="0" smtClean="0"/>
+              <a:t>The numerator represents the accumulated evidence for the sets A and B, which supports the given hypothesis y.</a:t>
+            </a:r>
+          </a:p>
+          <a:p>
+            <a:pPr marL="171450" marR="0" indent="-171450" algn="l" defTabSz="914400" rtl="0" eaLnBrk="1" fontAlgn="auto" latinLnBrk="0" hangingPunct="1">
+              <a:lnSpc>
+                <a:spcPct val="100000"/>
+              </a:lnSpc>
+              <a:spcBef>
+                <a:spcPts val="0"/>
+              </a:spcBef>
+              <a:spcAft>
+                <a:spcPts val="0"/>
+              </a:spcAft>
+              <a:buClrTx/>
+              <a:buSzTx/>
+              <a:buFontTx/>
+              <a:buChar char="-"/>
+              <a:tabLst/>
+              <a:defRPr/>
+            </a:pPr>
+            <a:endParaRPr lang="en-US" baseline="0" dirty="0" smtClean="0"/>
+          </a:p>
+          <a:p>
+            <a:pPr marL="171450" marR="0" indent="-171450" algn="l" defTabSz="914400" rtl="0" eaLnBrk="1" fontAlgn="auto" latinLnBrk="0" hangingPunct="1">
+              <a:lnSpc>
+                <a:spcPct val="100000"/>
+              </a:lnSpc>
+              <a:spcBef>
+                <a:spcPts val="0"/>
+              </a:spcBef>
+              <a:spcAft>
+                <a:spcPts val="0"/>
+              </a:spcAft>
+              <a:buClrTx/>
+              <a:buSzTx/>
+              <a:buFontTx/>
+              <a:buChar char="-"/>
+              <a:tabLst/>
+              <a:defRPr/>
+            </a:pPr>
+            <a:r>
+              <a:rPr lang="en-US" baseline="0" dirty="0" smtClean="0"/>
+              <a:t>The denominator is an important normalization factor denoted by </a:t>
+            </a:r>
+            <a:r>
+              <a:rPr lang="en-US" b="1" i="1" baseline="0" dirty="0" smtClean="0"/>
+              <a:t>K</a:t>
+            </a:r>
+            <a:r>
+              <a:rPr lang="en-US" baseline="0" dirty="0" smtClean="0"/>
+              <a:t> which can be interpreted as a measure of conflict between the sources.</a:t>
+            </a:r>
+          </a:p>
+          <a:p>
+            <a:pPr marL="171450" marR="0" indent="-171450" algn="l" defTabSz="914400" rtl="0" eaLnBrk="1" fontAlgn="auto" latinLnBrk="0" hangingPunct="1">
+              <a:lnSpc>
+                <a:spcPct val="100000"/>
+              </a:lnSpc>
+              <a:spcBef>
+                <a:spcPts val="0"/>
+              </a:spcBef>
+              <a:spcAft>
+                <a:spcPts val="0"/>
+              </a:spcAft>
+              <a:buClrTx/>
+              <a:buSzTx/>
+              <a:buFontTx/>
+              <a:buChar char="-"/>
+              <a:tabLst/>
+              <a:defRPr/>
+            </a:pPr>
+            <a:endParaRPr lang="en-US" baseline="0" dirty="0" smtClean="0"/>
+          </a:p>
+          <a:p>
+            <a:pPr marL="171450" marR="0" indent="-171450" algn="l" defTabSz="914400" rtl="0" eaLnBrk="1" fontAlgn="auto" latinLnBrk="0" hangingPunct="1">
+              <a:lnSpc>
+                <a:spcPct val="100000"/>
+              </a:lnSpc>
+              <a:spcBef>
+                <a:spcPts val="0"/>
+              </a:spcBef>
+              <a:spcAft>
+                <a:spcPts val="0"/>
+              </a:spcAft>
+              <a:buClrTx/>
+              <a:buSzTx/>
+              <a:buFontTx/>
+              <a:buChar char="-"/>
+              <a:tabLst/>
+              <a:defRPr/>
+            </a:pPr>
+            <a:endParaRPr lang="en-US" baseline="0" smtClean="0"/>
+          </a:p>
+          <a:p>
+            <a:pPr marL="171450" marR="0" indent="-171450" algn="l" defTabSz="914400" rtl="0" eaLnBrk="1" fontAlgn="auto" latinLnBrk="0" hangingPunct="1">
+              <a:lnSpc>
+                <a:spcPct val="100000"/>
+              </a:lnSpc>
+              <a:spcBef>
+                <a:spcPts val="0"/>
+              </a:spcBef>
+              <a:spcAft>
+                <a:spcPts val="0"/>
+              </a:spcAft>
+              <a:buClrTx/>
+              <a:buSzTx/>
+              <a:buFontTx/>
+              <a:buChar char="-"/>
+              <a:tabLst/>
+              <a:defRPr/>
+            </a:pPr>
+            <a:endParaRPr lang="en-US" baseline="0" dirty="0" smtClean="0"/>
           </a:p>
         </p:txBody>
       </p:sp>
@@ -3643,7 +4550,7 @@
           <a:p>
             <a:fld id="{D91B34AF-DFC3-47C6-893A-07AE93C6324A}" type="slidenum">
               <a:rPr lang="en-US" smtClean="0"/>
-              <a:t>36</a:t>
+              <a:t>39</a:t>
             </a:fld>
             <a:endParaRPr lang="en-US"/>
           </a:p>
@@ -18678,6 +19585,1805 @@
     <p:extLst>
       <p:ext uri="{BB962C8B-B14F-4D97-AF65-F5344CB8AC3E}">
         <p14:creationId xmlns:p14="http://schemas.microsoft.com/office/powerpoint/2010/main" val="3734471519"/>
+      </p:ext>
+    </p:extLst>
+  </p:cSld>
+  <p:clrMapOvr>
+    <a:masterClrMapping/>
+  </p:clrMapOvr>
+  <p:timing>
+    <p:tnLst>
+      <p:par>
+        <p:cTn id="1" dur="indefinite" restart="never" nodeType="tmRoot"/>
+      </p:par>
+    </p:tnLst>
+  </p:timing>
+</p:sld>
+</file>
+
+<file path=ppt/slides/slide37.xml><?xml version="1.0" encoding="utf-8"?>
+<p:sld xmlns:a="http://schemas.openxmlformats.org/drawingml/2006/main" xmlns:r="http://schemas.openxmlformats.org/officeDocument/2006/relationships" xmlns:p="http://schemas.openxmlformats.org/presentationml/2006/main">
+  <p:cSld>
+    <p:spTree>
+      <p:nvGrpSpPr>
+        <p:cNvPr id="1" name=""/>
+        <p:cNvGrpSpPr/>
+        <p:nvPr/>
+      </p:nvGrpSpPr>
+      <p:grpSpPr>
+        <a:xfrm>
+          <a:off x="0" y="0"/>
+          <a:ext cx="0" cy="0"/>
+          <a:chOff x="0" y="0"/>
+          <a:chExt cx="0" cy="0"/>
+        </a:xfrm>
+      </p:grpSpPr>
+      <p:sp>
+        <p:nvSpPr>
+          <p:cNvPr id="5" name="Content Placeholder 2"/>
+          <p:cNvSpPr txBox="1">
+            <a:spLocks/>
+          </p:cNvSpPr>
+          <p:nvPr/>
+        </p:nvSpPr>
+        <p:spPr>
+          <a:xfrm>
+            <a:off x="457199" y="1219201"/>
+            <a:ext cx="8206611" cy="5181599"/>
+          </a:xfrm>
+          <a:prstGeom prst="rect">
+            <a:avLst/>
+          </a:prstGeom>
+        </p:spPr>
+        <p:txBody>
+          <a:bodyPr vert="horz" lIns="91440" tIns="45720" rIns="91440" bIns="45720" rtlCol="0">
+            <a:normAutofit/>
+          </a:bodyPr>
+          <a:lstStyle>
+            <a:lvl1pPr marL="342900" indent="-342900" algn="l" defTabSz="914400" rtl="0" eaLnBrk="1" latinLnBrk="0" hangingPunct="1">
+              <a:spcBef>
+                <a:spcPct val="20000"/>
+              </a:spcBef>
+              <a:buFont typeface="Arial" panose="020B0604020202020204" pitchFamily="34" charset="0"/>
+              <a:buChar char="•"/>
+              <a:defRPr sz="3200" kern="1200">
+                <a:solidFill>
+                  <a:schemeClr val="tx1"/>
+                </a:solidFill>
+                <a:latin typeface="+mn-lt"/>
+                <a:ea typeface="+mn-ea"/>
+                <a:cs typeface="+mn-cs"/>
+              </a:defRPr>
+            </a:lvl1pPr>
+            <a:lvl2pPr marL="742950" indent="-285750" algn="l" defTabSz="914400" rtl="0" eaLnBrk="1" latinLnBrk="0" hangingPunct="1">
+              <a:spcBef>
+                <a:spcPct val="20000"/>
+              </a:spcBef>
+              <a:buFont typeface="Arial" panose="020B0604020202020204" pitchFamily="34" charset="0"/>
+              <a:buChar char="–"/>
+              <a:defRPr sz="2800" kern="1200">
+                <a:solidFill>
+                  <a:schemeClr val="tx1"/>
+                </a:solidFill>
+                <a:latin typeface="+mn-lt"/>
+                <a:ea typeface="+mn-ea"/>
+                <a:cs typeface="+mn-cs"/>
+              </a:defRPr>
+            </a:lvl2pPr>
+            <a:lvl3pPr marL="1143000" indent="-228600" algn="l" defTabSz="914400" rtl="0" eaLnBrk="1" latinLnBrk="0" hangingPunct="1">
+              <a:spcBef>
+                <a:spcPct val="20000"/>
+              </a:spcBef>
+              <a:buFont typeface="Arial" panose="020B0604020202020204" pitchFamily="34" charset="0"/>
+              <a:buChar char="•"/>
+              <a:defRPr sz="2400" kern="1200">
+                <a:solidFill>
+                  <a:schemeClr val="tx1"/>
+                </a:solidFill>
+                <a:latin typeface="+mn-lt"/>
+                <a:ea typeface="+mn-ea"/>
+                <a:cs typeface="+mn-cs"/>
+              </a:defRPr>
+            </a:lvl3pPr>
+            <a:lvl4pPr marL="1600200" indent="-228600" algn="l" defTabSz="914400" rtl="0" eaLnBrk="1" latinLnBrk="0" hangingPunct="1">
+              <a:spcBef>
+                <a:spcPct val="20000"/>
+              </a:spcBef>
+              <a:buFont typeface="Arial" panose="020B0604020202020204" pitchFamily="34" charset="0"/>
+              <a:buChar char="–"/>
+              <a:defRPr sz="2000" kern="1200">
+                <a:solidFill>
+                  <a:schemeClr val="tx1"/>
+                </a:solidFill>
+                <a:latin typeface="+mn-lt"/>
+                <a:ea typeface="+mn-ea"/>
+                <a:cs typeface="+mn-cs"/>
+              </a:defRPr>
+            </a:lvl4pPr>
+            <a:lvl5pPr marL="2057400" indent="-228600" algn="l" defTabSz="914400" rtl="0" eaLnBrk="1" latinLnBrk="0" hangingPunct="1">
+              <a:spcBef>
+                <a:spcPct val="20000"/>
+              </a:spcBef>
+              <a:buFont typeface="Arial" panose="020B0604020202020204" pitchFamily="34" charset="0"/>
+              <a:buChar char="»"/>
+              <a:defRPr sz="2000" kern="1200">
+                <a:solidFill>
+                  <a:schemeClr val="tx1"/>
+                </a:solidFill>
+                <a:latin typeface="+mn-lt"/>
+                <a:ea typeface="+mn-ea"/>
+                <a:cs typeface="+mn-cs"/>
+              </a:defRPr>
+            </a:lvl5pPr>
+            <a:lvl6pPr marL="2514600" indent="-228600" algn="l" defTabSz="914400" rtl="0" eaLnBrk="1" latinLnBrk="0" hangingPunct="1">
+              <a:spcBef>
+                <a:spcPct val="20000"/>
+              </a:spcBef>
+              <a:buFont typeface="Arial" panose="020B0604020202020204" pitchFamily="34" charset="0"/>
+              <a:buChar char="•"/>
+              <a:defRPr sz="2000" kern="1200">
+                <a:solidFill>
+                  <a:schemeClr val="tx1"/>
+                </a:solidFill>
+                <a:latin typeface="+mn-lt"/>
+                <a:ea typeface="+mn-ea"/>
+                <a:cs typeface="+mn-cs"/>
+              </a:defRPr>
+            </a:lvl6pPr>
+            <a:lvl7pPr marL="2971800" indent="-228600" algn="l" defTabSz="914400" rtl="0" eaLnBrk="1" latinLnBrk="0" hangingPunct="1">
+              <a:spcBef>
+                <a:spcPct val="20000"/>
+              </a:spcBef>
+              <a:buFont typeface="Arial" panose="020B0604020202020204" pitchFamily="34" charset="0"/>
+              <a:buChar char="•"/>
+              <a:defRPr sz="2000" kern="1200">
+                <a:solidFill>
+                  <a:schemeClr val="tx1"/>
+                </a:solidFill>
+                <a:latin typeface="+mn-lt"/>
+                <a:ea typeface="+mn-ea"/>
+                <a:cs typeface="+mn-cs"/>
+              </a:defRPr>
+            </a:lvl7pPr>
+            <a:lvl8pPr marL="3429000" indent="-228600" algn="l" defTabSz="914400" rtl="0" eaLnBrk="1" latinLnBrk="0" hangingPunct="1">
+              <a:spcBef>
+                <a:spcPct val="20000"/>
+              </a:spcBef>
+              <a:buFont typeface="Arial" panose="020B0604020202020204" pitchFamily="34" charset="0"/>
+              <a:buChar char="•"/>
+              <a:defRPr sz="2000" kern="1200">
+                <a:solidFill>
+                  <a:schemeClr val="tx1"/>
+                </a:solidFill>
+                <a:latin typeface="+mn-lt"/>
+                <a:ea typeface="+mn-ea"/>
+                <a:cs typeface="+mn-cs"/>
+              </a:defRPr>
+            </a:lvl8pPr>
+            <a:lvl9pPr marL="3886200" indent="-228600" algn="l" defTabSz="914400" rtl="0" eaLnBrk="1" latinLnBrk="0" hangingPunct="1">
+              <a:spcBef>
+                <a:spcPct val="20000"/>
+              </a:spcBef>
+              <a:buFont typeface="Arial" panose="020B0604020202020204" pitchFamily="34" charset="0"/>
+              <a:buChar char="•"/>
+              <a:defRPr sz="2000" kern="1200">
+                <a:solidFill>
+                  <a:schemeClr val="tx1"/>
+                </a:solidFill>
+                <a:latin typeface="+mn-lt"/>
+                <a:ea typeface="+mn-ea"/>
+                <a:cs typeface="+mn-cs"/>
+              </a:defRPr>
+            </a:lvl9pPr>
+          </a:lstStyle>
+          <a:p>
+            <a:r>
+              <a:rPr lang="en-US" sz="2000" dirty="0"/>
+              <a:t>Dempster-Shafer theory is designed to deal with the distinction between </a:t>
+            </a:r>
+            <a:r>
+              <a:rPr lang="en-US" sz="2000" b="1" dirty="0"/>
+              <a:t>uncertainty and ignorance</a:t>
+            </a:r>
+            <a:r>
+              <a:rPr lang="en-US" sz="2000" dirty="0"/>
+              <a:t>.</a:t>
+            </a:r>
+          </a:p>
+          <a:p>
+            <a:r>
+              <a:rPr lang="en-US" sz="2000" dirty="0" smtClean="0"/>
+              <a:t>Rather </a:t>
+            </a:r>
+            <a:r>
+              <a:rPr lang="en-US" sz="2000" dirty="0"/>
+              <a:t>than computing the probability of a proposition, it computes the probability that the evidence supports the proposition</a:t>
+            </a:r>
+            <a:r>
+              <a:rPr lang="en-US" sz="2000" dirty="0" smtClean="0"/>
+              <a:t>.</a:t>
+            </a:r>
+          </a:p>
+          <a:p>
+            <a:r>
+              <a:rPr lang="en-US" sz="2000" dirty="0"/>
+              <a:t>The set of hypotheses </a:t>
+            </a:r>
+            <a:r>
+              <a:rPr lang="en-US" sz="2000" dirty="0" smtClean="0"/>
+              <a:t> (</a:t>
+            </a:r>
+            <a:r>
+              <a:rPr lang="en-US" sz="2000" b="1" dirty="0" smtClean="0"/>
+              <a:t>frame </a:t>
+            </a:r>
+            <a:r>
+              <a:rPr lang="en-US" sz="2000" b="1" dirty="0"/>
+              <a:t>of </a:t>
+            </a:r>
+            <a:r>
+              <a:rPr lang="en-US" sz="2000" b="1" dirty="0" smtClean="0"/>
+              <a:t>discernment</a:t>
+            </a:r>
+            <a:r>
+              <a:rPr lang="en-US" sz="2000" dirty="0" smtClean="0"/>
+              <a:t>)</a:t>
+            </a:r>
+            <a:r>
+              <a:rPr lang="en-US" sz="2000" dirty="0"/>
+              <a:t> represent all of the possible states of the system considered</a:t>
+            </a:r>
+            <a:r>
+              <a:rPr lang="en-US" sz="2000" dirty="0" smtClean="0"/>
+              <a:t>.</a:t>
+            </a:r>
+          </a:p>
+          <a:p>
+            <a:r>
+              <a:rPr lang="en-US" sz="2000" dirty="0" smtClean="0"/>
+              <a:t>The </a:t>
+            </a:r>
+            <a:r>
+              <a:rPr lang="en-US" sz="2000" dirty="0"/>
+              <a:t>relation between a piece of evidence and a hypothesis corresponds to a cause-effect chain</a:t>
+            </a:r>
+            <a:r>
+              <a:rPr lang="en-US" sz="2000" dirty="0" smtClean="0"/>
+              <a:t>.</a:t>
+            </a:r>
+          </a:p>
+          <a:p>
+            <a:r>
+              <a:rPr lang="en-US" sz="2000" dirty="0"/>
+              <a:t>There are three basic functions </a:t>
+            </a:r>
+            <a:r>
+              <a:rPr lang="en-US" sz="2000" dirty="0" smtClean="0"/>
+              <a:t>required to </a:t>
+            </a:r>
+            <a:r>
+              <a:rPr lang="en-US" sz="2000" dirty="0"/>
+              <a:t>understand for modeling purposes, </a:t>
+            </a:r>
+            <a:r>
+              <a:rPr lang="en-US" sz="2000" b="1" dirty="0"/>
+              <a:t>mass function</a:t>
+            </a:r>
+            <a:r>
+              <a:rPr lang="en-US" sz="2000" dirty="0"/>
+              <a:t>, </a:t>
+            </a:r>
+            <a:r>
+              <a:rPr lang="en-US" sz="2000" b="1" dirty="0"/>
+              <a:t>belief function</a:t>
+            </a:r>
+            <a:r>
+              <a:rPr lang="en-US" sz="2000" dirty="0"/>
+              <a:t>, and </a:t>
+            </a:r>
+            <a:r>
+              <a:rPr lang="en-US" sz="2000" b="1" dirty="0"/>
+              <a:t>plausibility function</a:t>
+            </a:r>
+            <a:r>
+              <a:rPr lang="en-US" sz="2000" dirty="0"/>
+              <a:t>.</a:t>
+            </a:r>
+          </a:p>
+          <a:p>
+            <a:endParaRPr lang="en-US" sz="2000" dirty="0"/>
+          </a:p>
+          <a:p>
+            <a:endParaRPr lang="en-US" sz="2000" dirty="0"/>
+          </a:p>
+          <a:p>
+            <a:pPr marL="0" indent="0">
+              <a:buNone/>
+            </a:pPr>
+            <a:endParaRPr lang="en-US" sz="2000" dirty="0" smtClean="0"/>
+          </a:p>
+        </p:txBody>
+      </p:sp>
+      <p:sp>
+        <p:nvSpPr>
+          <p:cNvPr id="9" name="Title 1"/>
+          <p:cNvSpPr txBox="1">
+            <a:spLocks/>
+          </p:cNvSpPr>
+          <p:nvPr/>
+        </p:nvSpPr>
+        <p:spPr>
+          <a:xfrm>
+            <a:off x="228600" y="0"/>
+            <a:ext cx="8839200" cy="1143000"/>
+          </a:xfrm>
+          <a:prstGeom prst="rect">
+            <a:avLst/>
+          </a:prstGeom>
+        </p:spPr>
+        <p:txBody>
+          <a:bodyPr vert="horz" lIns="91440" tIns="45720" rIns="91440" bIns="45720" rtlCol="0" anchor="ctr">
+            <a:normAutofit/>
+          </a:bodyPr>
+          <a:lstStyle>
+            <a:lvl1pPr algn="ctr" defTabSz="914400" rtl="0" eaLnBrk="1" latinLnBrk="0" hangingPunct="1">
+              <a:spcBef>
+                <a:spcPct val="0"/>
+              </a:spcBef>
+              <a:buNone/>
+              <a:defRPr sz="4400" kern="1200">
+                <a:solidFill>
+                  <a:schemeClr val="tx1"/>
+                </a:solidFill>
+                <a:latin typeface="+mj-lt"/>
+                <a:ea typeface="+mj-ea"/>
+                <a:cs typeface="+mj-cs"/>
+              </a:defRPr>
+            </a:lvl1pPr>
+          </a:lstStyle>
+          <a:p>
+            <a:pPr algn="l"/>
+            <a:r>
+              <a:rPr lang="en-US" sz="2400" b="1" dirty="0" smtClean="0"/>
+              <a:t>Uncertainty in AI </a:t>
+            </a:r>
+            <a:r>
+              <a:rPr lang="en-US" sz="2400" b="1" dirty="0"/>
+              <a:t>&gt; </a:t>
+            </a:r>
+            <a:r>
+              <a:rPr lang="en-US" sz="2400" b="1" dirty="0" smtClean="0"/>
+              <a:t>Dempster-Shafer Theory</a:t>
+            </a:r>
+            <a:endParaRPr lang="en-US" sz="2000" b="1" i="1" dirty="0"/>
+          </a:p>
+        </p:txBody>
+      </p:sp>
+    </p:spTree>
+    <p:extLst>
+      <p:ext uri="{BB962C8B-B14F-4D97-AF65-F5344CB8AC3E}">
+        <p14:creationId xmlns:p14="http://schemas.microsoft.com/office/powerpoint/2010/main" val="2132676937"/>
+      </p:ext>
+    </p:extLst>
+  </p:cSld>
+  <p:clrMapOvr>
+    <a:masterClrMapping/>
+  </p:clrMapOvr>
+  <p:timing>
+    <p:tnLst>
+      <p:par>
+        <p:cTn id="1" dur="indefinite" restart="never" nodeType="tmRoot"/>
+      </p:par>
+    </p:tnLst>
+  </p:timing>
+</p:sld>
+</file>
+
+<file path=ppt/slides/slide38.xml><?xml version="1.0" encoding="utf-8"?>
+<p:sld xmlns:a="http://schemas.openxmlformats.org/drawingml/2006/main" xmlns:r="http://schemas.openxmlformats.org/officeDocument/2006/relationships" xmlns:p="http://schemas.openxmlformats.org/presentationml/2006/main">
+  <p:cSld>
+    <p:spTree>
+      <p:nvGrpSpPr>
+        <p:cNvPr id="1" name=""/>
+        <p:cNvGrpSpPr/>
+        <p:nvPr/>
+      </p:nvGrpSpPr>
+      <p:grpSpPr>
+        <a:xfrm>
+          <a:off x="0" y="0"/>
+          <a:ext cx="0" cy="0"/>
+          <a:chOff x="0" y="0"/>
+          <a:chExt cx="0" cy="0"/>
+        </a:xfrm>
+      </p:grpSpPr>
+      <p:sp>
+        <p:nvSpPr>
+          <p:cNvPr id="5" name="Content Placeholder 2"/>
+          <p:cNvSpPr txBox="1">
+            <a:spLocks/>
+          </p:cNvSpPr>
+          <p:nvPr/>
+        </p:nvSpPr>
+        <p:spPr>
+          <a:xfrm>
+            <a:off x="457199" y="1219201"/>
+            <a:ext cx="8206611" cy="5181599"/>
+          </a:xfrm>
+          <a:prstGeom prst="rect">
+            <a:avLst/>
+          </a:prstGeom>
+        </p:spPr>
+        <p:txBody>
+          <a:bodyPr vert="horz" lIns="91440" tIns="45720" rIns="91440" bIns="45720" rtlCol="0">
+            <a:normAutofit/>
+          </a:bodyPr>
+          <a:lstStyle>
+            <a:lvl1pPr marL="342900" indent="-342900" algn="l" defTabSz="914400" rtl="0" eaLnBrk="1" latinLnBrk="0" hangingPunct="1">
+              <a:spcBef>
+                <a:spcPct val="20000"/>
+              </a:spcBef>
+              <a:buFont typeface="Arial" panose="020B0604020202020204" pitchFamily="34" charset="0"/>
+              <a:buChar char="•"/>
+              <a:defRPr sz="3200" kern="1200">
+                <a:solidFill>
+                  <a:schemeClr val="tx1"/>
+                </a:solidFill>
+                <a:latin typeface="+mn-lt"/>
+                <a:ea typeface="+mn-ea"/>
+                <a:cs typeface="+mn-cs"/>
+              </a:defRPr>
+            </a:lvl1pPr>
+            <a:lvl2pPr marL="742950" indent="-285750" algn="l" defTabSz="914400" rtl="0" eaLnBrk="1" latinLnBrk="0" hangingPunct="1">
+              <a:spcBef>
+                <a:spcPct val="20000"/>
+              </a:spcBef>
+              <a:buFont typeface="Arial" panose="020B0604020202020204" pitchFamily="34" charset="0"/>
+              <a:buChar char="–"/>
+              <a:defRPr sz="2800" kern="1200">
+                <a:solidFill>
+                  <a:schemeClr val="tx1"/>
+                </a:solidFill>
+                <a:latin typeface="+mn-lt"/>
+                <a:ea typeface="+mn-ea"/>
+                <a:cs typeface="+mn-cs"/>
+              </a:defRPr>
+            </a:lvl2pPr>
+            <a:lvl3pPr marL="1143000" indent="-228600" algn="l" defTabSz="914400" rtl="0" eaLnBrk="1" latinLnBrk="0" hangingPunct="1">
+              <a:spcBef>
+                <a:spcPct val="20000"/>
+              </a:spcBef>
+              <a:buFont typeface="Arial" panose="020B0604020202020204" pitchFamily="34" charset="0"/>
+              <a:buChar char="•"/>
+              <a:defRPr sz="2400" kern="1200">
+                <a:solidFill>
+                  <a:schemeClr val="tx1"/>
+                </a:solidFill>
+                <a:latin typeface="+mn-lt"/>
+                <a:ea typeface="+mn-ea"/>
+                <a:cs typeface="+mn-cs"/>
+              </a:defRPr>
+            </a:lvl3pPr>
+            <a:lvl4pPr marL="1600200" indent="-228600" algn="l" defTabSz="914400" rtl="0" eaLnBrk="1" latinLnBrk="0" hangingPunct="1">
+              <a:spcBef>
+                <a:spcPct val="20000"/>
+              </a:spcBef>
+              <a:buFont typeface="Arial" panose="020B0604020202020204" pitchFamily="34" charset="0"/>
+              <a:buChar char="–"/>
+              <a:defRPr sz="2000" kern="1200">
+                <a:solidFill>
+                  <a:schemeClr val="tx1"/>
+                </a:solidFill>
+                <a:latin typeface="+mn-lt"/>
+                <a:ea typeface="+mn-ea"/>
+                <a:cs typeface="+mn-cs"/>
+              </a:defRPr>
+            </a:lvl4pPr>
+            <a:lvl5pPr marL="2057400" indent="-228600" algn="l" defTabSz="914400" rtl="0" eaLnBrk="1" latinLnBrk="0" hangingPunct="1">
+              <a:spcBef>
+                <a:spcPct val="20000"/>
+              </a:spcBef>
+              <a:buFont typeface="Arial" panose="020B0604020202020204" pitchFamily="34" charset="0"/>
+              <a:buChar char="»"/>
+              <a:defRPr sz="2000" kern="1200">
+                <a:solidFill>
+                  <a:schemeClr val="tx1"/>
+                </a:solidFill>
+                <a:latin typeface="+mn-lt"/>
+                <a:ea typeface="+mn-ea"/>
+                <a:cs typeface="+mn-cs"/>
+              </a:defRPr>
+            </a:lvl5pPr>
+            <a:lvl6pPr marL="2514600" indent="-228600" algn="l" defTabSz="914400" rtl="0" eaLnBrk="1" latinLnBrk="0" hangingPunct="1">
+              <a:spcBef>
+                <a:spcPct val="20000"/>
+              </a:spcBef>
+              <a:buFont typeface="Arial" panose="020B0604020202020204" pitchFamily="34" charset="0"/>
+              <a:buChar char="•"/>
+              <a:defRPr sz="2000" kern="1200">
+                <a:solidFill>
+                  <a:schemeClr val="tx1"/>
+                </a:solidFill>
+                <a:latin typeface="+mn-lt"/>
+                <a:ea typeface="+mn-ea"/>
+                <a:cs typeface="+mn-cs"/>
+              </a:defRPr>
+            </a:lvl6pPr>
+            <a:lvl7pPr marL="2971800" indent="-228600" algn="l" defTabSz="914400" rtl="0" eaLnBrk="1" latinLnBrk="0" hangingPunct="1">
+              <a:spcBef>
+                <a:spcPct val="20000"/>
+              </a:spcBef>
+              <a:buFont typeface="Arial" panose="020B0604020202020204" pitchFamily="34" charset="0"/>
+              <a:buChar char="•"/>
+              <a:defRPr sz="2000" kern="1200">
+                <a:solidFill>
+                  <a:schemeClr val="tx1"/>
+                </a:solidFill>
+                <a:latin typeface="+mn-lt"/>
+                <a:ea typeface="+mn-ea"/>
+                <a:cs typeface="+mn-cs"/>
+              </a:defRPr>
+            </a:lvl7pPr>
+            <a:lvl8pPr marL="3429000" indent="-228600" algn="l" defTabSz="914400" rtl="0" eaLnBrk="1" latinLnBrk="0" hangingPunct="1">
+              <a:spcBef>
+                <a:spcPct val="20000"/>
+              </a:spcBef>
+              <a:buFont typeface="Arial" panose="020B0604020202020204" pitchFamily="34" charset="0"/>
+              <a:buChar char="•"/>
+              <a:defRPr sz="2000" kern="1200">
+                <a:solidFill>
+                  <a:schemeClr val="tx1"/>
+                </a:solidFill>
+                <a:latin typeface="+mn-lt"/>
+                <a:ea typeface="+mn-ea"/>
+                <a:cs typeface="+mn-cs"/>
+              </a:defRPr>
+            </a:lvl8pPr>
+            <a:lvl9pPr marL="3886200" indent="-228600" algn="l" defTabSz="914400" rtl="0" eaLnBrk="1" latinLnBrk="0" hangingPunct="1">
+              <a:spcBef>
+                <a:spcPct val="20000"/>
+              </a:spcBef>
+              <a:buFont typeface="Arial" panose="020B0604020202020204" pitchFamily="34" charset="0"/>
+              <a:buChar char="•"/>
+              <a:defRPr sz="2000" kern="1200">
+                <a:solidFill>
+                  <a:schemeClr val="tx1"/>
+                </a:solidFill>
+                <a:latin typeface="+mn-lt"/>
+                <a:ea typeface="+mn-ea"/>
+                <a:cs typeface="+mn-cs"/>
+              </a:defRPr>
+            </a:lvl9pPr>
+          </a:lstStyle>
+          <a:p>
+            <a:r>
+              <a:rPr lang="en-US" sz="2000" b="1" dirty="0"/>
+              <a:t>Mass Function</a:t>
+            </a:r>
+            <a:r>
+              <a:rPr lang="en-US" sz="2000" b="1" dirty="0" smtClean="0"/>
+              <a:t>: </a:t>
+            </a:r>
+            <a:r>
+              <a:rPr lang="en-US" sz="2000" dirty="0" smtClean="0"/>
+              <a:t>A Basic </a:t>
+            </a:r>
+            <a:r>
+              <a:rPr lang="en-US" sz="2000" dirty="0"/>
+              <a:t>Probability </a:t>
+            </a:r>
+            <a:r>
+              <a:rPr lang="en-US" sz="2000" dirty="0" smtClean="0"/>
+              <a:t>Assignment </a:t>
+            </a:r>
+            <a:r>
+              <a:rPr lang="en-US" sz="2000" dirty="0"/>
+              <a:t>(BPA) or </a:t>
+            </a:r>
+            <a:r>
+              <a:rPr lang="en-US" sz="2000" dirty="0" smtClean="0"/>
+              <a:t>mass function is </a:t>
+            </a:r>
+            <a:r>
+              <a:rPr lang="en-US" sz="2000" dirty="0"/>
+              <a:t>a </a:t>
+            </a:r>
+            <a:r>
+              <a:rPr lang="en-US" sz="2000" dirty="0" smtClean="0"/>
+              <a:t>function                      such that:</a:t>
+            </a:r>
+          </a:p>
+          <a:p>
+            <a:endParaRPr lang="en-US" sz="2000" dirty="0" smtClean="0"/>
+          </a:p>
+          <a:p>
+            <a:endParaRPr lang="en-US" sz="2000" dirty="0" smtClean="0"/>
+          </a:p>
+          <a:p>
+            <a:endParaRPr lang="en-US" sz="2000" b="1" dirty="0" smtClean="0"/>
+          </a:p>
+          <a:p>
+            <a:r>
+              <a:rPr lang="en-US" sz="2000" b="1" dirty="0" smtClean="0"/>
+              <a:t>Belief Function: </a:t>
+            </a:r>
+            <a:r>
+              <a:rPr lang="en-US" sz="2000" dirty="0"/>
+              <a:t>It is the measure of total belief committed to </a:t>
+            </a:r>
+            <a:r>
+              <a:rPr lang="en-US" sz="2000" dirty="0" smtClean="0"/>
+              <a:t>              that </a:t>
+            </a:r>
+            <a:r>
+              <a:rPr lang="en-US" sz="2000" dirty="0"/>
+              <a:t>can be obtained by simply adding up the mass of all the subsets of </a:t>
+            </a:r>
+            <a:r>
+              <a:rPr lang="en-US" sz="2000" i="1" dirty="0" smtClean="0"/>
+              <a:t>A</a:t>
+            </a:r>
+            <a:r>
+              <a:rPr lang="en-US" sz="2000" dirty="0" smtClean="0"/>
+              <a:t>, denoted by                  . It is a function                                     :</a:t>
+            </a:r>
+            <a:endParaRPr lang="en-US" sz="2000" dirty="0"/>
+          </a:p>
+          <a:p>
+            <a:pPr marL="0" indent="0">
+              <a:buNone/>
+            </a:pPr>
+            <a:endParaRPr lang="en-US" sz="2000" dirty="0" smtClean="0"/>
+          </a:p>
+          <a:p>
+            <a:pPr marL="0" indent="0">
+              <a:buNone/>
+            </a:pPr>
+            <a:endParaRPr lang="en-US" sz="2000" dirty="0" smtClean="0"/>
+          </a:p>
+          <a:p>
+            <a:r>
+              <a:rPr lang="en-US" sz="2000" b="1" dirty="0"/>
+              <a:t>Plausibility Function: </a:t>
+            </a:r>
+            <a:r>
+              <a:rPr lang="en-US" sz="2000" dirty="0"/>
+              <a:t>It represents the </a:t>
+            </a:r>
+            <a:r>
+              <a:rPr lang="en-US" sz="2000" dirty="0" smtClean="0"/>
+              <a:t>maximum possibility </a:t>
+            </a:r>
+            <a:r>
+              <a:rPr lang="en-US" sz="2000" dirty="0"/>
+              <a:t>that a set </a:t>
+            </a:r>
+            <a:r>
+              <a:rPr lang="en-US" sz="2000" i="1" dirty="0" smtClean="0"/>
+              <a:t>A</a:t>
+            </a:r>
+            <a:r>
+              <a:rPr lang="en-US" sz="2000" dirty="0" smtClean="0"/>
+              <a:t> </a:t>
+            </a:r>
+            <a:r>
+              <a:rPr lang="en-US" sz="2000" dirty="0"/>
+              <a:t>is true given all the evidences</a:t>
+            </a:r>
+            <a:r>
+              <a:rPr lang="en-US" sz="2000" dirty="0" smtClean="0"/>
+              <a:t>. </a:t>
+            </a:r>
+            <a:r>
+              <a:rPr lang="en-US" sz="2000" dirty="0"/>
+              <a:t>It is a function </a:t>
+            </a:r>
+            <a:r>
+              <a:rPr lang="en-US" sz="2000" dirty="0" smtClean="0"/>
+              <a:t>                                           :</a:t>
+            </a:r>
+            <a:endParaRPr lang="en-US" sz="2000" dirty="0"/>
+          </a:p>
+          <a:p>
+            <a:endParaRPr lang="en-US" sz="2000" dirty="0"/>
+          </a:p>
+          <a:p>
+            <a:pPr marL="0" indent="0">
+              <a:buNone/>
+            </a:pPr>
+            <a:endParaRPr lang="en-US" sz="2000" dirty="0" smtClean="0"/>
+          </a:p>
+        </p:txBody>
+      </p:sp>
+      <p:sp>
+        <p:nvSpPr>
+          <p:cNvPr id="9" name="Title 1"/>
+          <p:cNvSpPr txBox="1">
+            <a:spLocks/>
+          </p:cNvSpPr>
+          <p:nvPr/>
+        </p:nvSpPr>
+        <p:spPr>
+          <a:xfrm>
+            <a:off x="228600" y="0"/>
+            <a:ext cx="8839200" cy="1143000"/>
+          </a:xfrm>
+          <a:prstGeom prst="rect">
+            <a:avLst/>
+          </a:prstGeom>
+        </p:spPr>
+        <p:txBody>
+          <a:bodyPr vert="horz" lIns="91440" tIns="45720" rIns="91440" bIns="45720" rtlCol="0" anchor="ctr">
+            <a:normAutofit/>
+          </a:bodyPr>
+          <a:lstStyle>
+            <a:lvl1pPr algn="ctr" defTabSz="914400" rtl="0" eaLnBrk="1" latinLnBrk="0" hangingPunct="1">
+              <a:spcBef>
+                <a:spcPct val="0"/>
+              </a:spcBef>
+              <a:buNone/>
+              <a:defRPr sz="4400" kern="1200">
+                <a:solidFill>
+                  <a:schemeClr val="tx1"/>
+                </a:solidFill>
+                <a:latin typeface="+mj-lt"/>
+                <a:ea typeface="+mj-ea"/>
+                <a:cs typeface="+mj-cs"/>
+              </a:defRPr>
+            </a:lvl1pPr>
+          </a:lstStyle>
+          <a:p>
+            <a:pPr algn="l"/>
+            <a:r>
+              <a:rPr lang="en-US" sz="2400" b="1" dirty="0" smtClean="0"/>
+              <a:t>Uncertainty in AI </a:t>
+            </a:r>
+            <a:r>
+              <a:rPr lang="en-US" sz="2400" b="1" dirty="0"/>
+              <a:t>&gt; </a:t>
+            </a:r>
+            <a:r>
+              <a:rPr lang="en-US" sz="2400" b="1" dirty="0" smtClean="0"/>
+              <a:t>Dempster-Shafer Theory: </a:t>
+            </a:r>
+            <a:r>
+              <a:rPr lang="en-US" sz="2000" b="1" i="1" dirty="0" smtClean="0"/>
+              <a:t>important functions</a:t>
+            </a:r>
+            <a:endParaRPr lang="en-US" sz="2000" b="1" i="1" dirty="0"/>
+          </a:p>
+        </p:txBody>
+      </p:sp>
+      <p:pic>
+        <p:nvPicPr>
+          <p:cNvPr id="5122" name="Picture 2"/>
+          <p:cNvPicPr>
+            <a:picLocks noChangeAspect="1" noChangeArrowheads="1"/>
+          </p:cNvPicPr>
+          <p:nvPr/>
+        </p:nvPicPr>
+        <p:blipFill>
+          <a:blip r:embed="rId3" cstate="print">
+            <a:extLst>
+              <a:ext uri="{28A0092B-C50C-407E-A947-70E740481C1C}">
+                <a14:useLocalDpi xmlns:a14="http://schemas.microsoft.com/office/drawing/2010/main" val="0"/>
+              </a:ext>
+            </a:extLst>
+          </a:blip>
+          <a:srcRect/>
+          <a:stretch>
+            <a:fillRect/>
+          </a:stretch>
+        </p:blipFill>
+        <p:spPr bwMode="auto">
+          <a:xfrm>
+            <a:off x="1800226" y="1565525"/>
+            <a:ext cx="1195387" cy="339475"/>
+          </a:xfrm>
+          <a:prstGeom prst="rect">
+            <a:avLst/>
+          </a:prstGeom>
+          <a:noFill/>
+          <a:ln>
+            <a:noFill/>
+          </a:ln>
+          <a:extLst>
+            <a:ext uri="{909E8E84-426E-40DD-AFC4-6F175D3DCCD1}">
+              <a14:hiddenFill xmlns:a14="http://schemas.microsoft.com/office/drawing/2010/main">
+                <a:solidFill>
+                  <a:schemeClr val="accent1"/>
+                </a:solidFill>
+              </a14:hiddenFill>
+            </a:ext>
+            <a:ext uri="{91240B29-F687-4F45-9708-019B960494DF}">
+              <a14:hiddenLine xmlns:a14="http://schemas.microsoft.com/office/drawing/2010/main" w="9525">
+                <a:solidFill>
+                  <a:schemeClr val="tx1"/>
+                </a:solidFill>
+                <a:miter lim="800000"/>
+                <a:headEnd/>
+                <a:tailEnd/>
+              </a14:hiddenLine>
+            </a:ext>
+          </a:extLst>
+        </p:spPr>
+      </p:pic>
+      <p:pic>
+        <p:nvPicPr>
+          <p:cNvPr id="5123" name="Picture 3"/>
+          <p:cNvPicPr>
+            <a:picLocks noChangeAspect="1" noChangeArrowheads="1"/>
+          </p:cNvPicPr>
+          <p:nvPr/>
+        </p:nvPicPr>
+        <p:blipFill>
+          <a:blip r:embed="rId4">
+            <a:extLst>
+              <a:ext uri="{28A0092B-C50C-407E-A947-70E740481C1C}">
+                <a14:useLocalDpi xmlns:a14="http://schemas.microsoft.com/office/drawing/2010/main" val="0"/>
+              </a:ext>
+            </a:extLst>
+          </a:blip>
+          <a:srcRect/>
+          <a:stretch>
+            <a:fillRect/>
+          </a:stretch>
+        </p:blipFill>
+        <p:spPr bwMode="auto">
+          <a:xfrm>
+            <a:off x="2686254" y="2138771"/>
+            <a:ext cx="3923890" cy="680629"/>
+          </a:xfrm>
+          <a:prstGeom prst="rect">
+            <a:avLst/>
+          </a:prstGeom>
+          <a:noFill/>
+          <a:ln>
+            <a:noFill/>
+          </a:ln>
+          <a:extLst>
+            <a:ext uri="{909E8E84-426E-40DD-AFC4-6F175D3DCCD1}">
+              <a14:hiddenFill xmlns:a14="http://schemas.microsoft.com/office/drawing/2010/main">
+                <a:solidFill>
+                  <a:schemeClr val="accent1"/>
+                </a:solidFill>
+              </a14:hiddenFill>
+            </a:ext>
+            <a:ext uri="{91240B29-F687-4F45-9708-019B960494DF}">
+              <a14:hiddenLine xmlns:a14="http://schemas.microsoft.com/office/drawing/2010/main" w="9525">
+                <a:solidFill>
+                  <a:schemeClr val="tx1"/>
+                </a:solidFill>
+                <a:miter lim="800000"/>
+                <a:headEnd/>
+                <a:tailEnd/>
+              </a14:hiddenLine>
+            </a:ext>
+          </a:extLst>
+        </p:spPr>
+      </p:pic>
+      <p:pic>
+        <p:nvPicPr>
+          <p:cNvPr id="5124" name="Picture 4"/>
+          <p:cNvPicPr>
+            <a:picLocks noChangeAspect="1" noChangeArrowheads="1"/>
+          </p:cNvPicPr>
+          <p:nvPr/>
+        </p:nvPicPr>
+        <p:blipFill>
+          <a:blip r:embed="rId5">
+            <a:extLst>
+              <a:ext uri="{28A0092B-C50C-407E-A947-70E740481C1C}">
+                <a14:useLocalDpi xmlns:a14="http://schemas.microsoft.com/office/drawing/2010/main" val="0"/>
+              </a:ext>
+            </a:extLst>
+          </a:blip>
+          <a:srcRect/>
+          <a:stretch>
+            <a:fillRect/>
+          </a:stretch>
+        </p:blipFill>
+        <p:spPr bwMode="auto">
+          <a:xfrm>
+            <a:off x="7247147" y="3048419"/>
+            <a:ext cx="752475" cy="276225"/>
+          </a:xfrm>
+          <a:prstGeom prst="rect">
+            <a:avLst/>
+          </a:prstGeom>
+          <a:noFill/>
+          <a:ln>
+            <a:noFill/>
+          </a:ln>
+          <a:extLst>
+            <a:ext uri="{909E8E84-426E-40DD-AFC4-6F175D3DCCD1}">
+              <a14:hiddenFill xmlns:a14="http://schemas.microsoft.com/office/drawing/2010/main">
+                <a:solidFill>
+                  <a:schemeClr val="accent1"/>
+                </a:solidFill>
+              </a14:hiddenFill>
+            </a:ext>
+            <a:ext uri="{91240B29-F687-4F45-9708-019B960494DF}">
+              <a14:hiddenLine xmlns:a14="http://schemas.microsoft.com/office/drawing/2010/main" w="9525">
+                <a:solidFill>
+                  <a:schemeClr val="tx1"/>
+                </a:solidFill>
+                <a:miter lim="800000"/>
+                <a:headEnd/>
+                <a:tailEnd/>
+              </a14:hiddenLine>
+            </a:ext>
+          </a:extLst>
+        </p:spPr>
+      </p:pic>
+      <p:pic>
+        <p:nvPicPr>
+          <p:cNvPr id="5125" name="Picture 5"/>
+          <p:cNvPicPr>
+            <a:picLocks noChangeAspect="1" noChangeArrowheads="1"/>
+          </p:cNvPicPr>
+          <p:nvPr/>
+        </p:nvPicPr>
+        <p:blipFill>
+          <a:blip r:embed="rId6">
+            <a:extLst>
+              <a:ext uri="{28A0092B-C50C-407E-A947-70E740481C1C}">
+                <a14:useLocalDpi xmlns:a14="http://schemas.microsoft.com/office/drawing/2010/main" val="0"/>
+              </a:ext>
+            </a:extLst>
+          </a:blip>
+          <a:srcRect/>
+          <a:stretch>
+            <a:fillRect/>
+          </a:stretch>
+        </p:blipFill>
+        <p:spPr bwMode="auto">
+          <a:xfrm>
+            <a:off x="2082800" y="3643312"/>
+            <a:ext cx="1028700" cy="333375"/>
+          </a:xfrm>
+          <a:prstGeom prst="rect">
+            <a:avLst/>
+          </a:prstGeom>
+          <a:noFill/>
+          <a:ln>
+            <a:noFill/>
+          </a:ln>
+          <a:extLst>
+            <a:ext uri="{909E8E84-426E-40DD-AFC4-6F175D3DCCD1}">
+              <a14:hiddenFill xmlns:a14="http://schemas.microsoft.com/office/drawing/2010/main">
+                <a:solidFill>
+                  <a:schemeClr val="accent1"/>
+                </a:solidFill>
+              </a14:hiddenFill>
+            </a:ext>
+            <a:ext uri="{91240B29-F687-4F45-9708-019B960494DF}">
+              <a14:hiddenLine xmlns:a14="http://schemas.microsoft.com/office/drawing/2010/main" w="9525">
+                <a:solidFill>
+                  <a:schemeClr val="tx1"/>
+                </a:solidFill>
+                <a:miter lim="800000"/>
+                <a:headEnd/>
+                <a:tailEnd/>
+              </a14:hiddenLine>
+            </a:ext>
+          </a:extLst>
+        </p:spPr>
+      </p:pic>
+      <p:pic>
+        <p:nvPicPr>
+          <p:cNvPr id="5126" name="Picture 6"/>
+          <p:cNvPicPr>
+            <a:picLocks noChangeAspect="1" noChangeArrowheads="1"/>
+          </p:cNvPicPr>
+          <p:nvPr/>
+        </p:nvPicPr>
+        <p:blipFill>
+          <a:blip r:embed="rId7">
+            <a:extLst>
+              <a:ext uri="{28A0092B-C50C-407E-A947-70E740481C1C}">
+                <a14:useLocalDpi xmlns:a14="http://schemas.microsoft.com/office/drawing/2010/main" val="0"/>
+              </a:ext>
+            </a:extLst>
+          </a:blip>
+          <a:srcRect/>
+          <a:stretch>
+            <a:fillRect/>
+          </a:stretch>
+        </p:blipFill>
+        <p:spPr bwMode="auto">
+          <a:xfrm>
+            <a:off x="2395537" y="4158831"/>
+            <a:ext cx="4505325" cy="628650"/>
+          </a:xfrm>
+          <a:prstGeom prst="rect">
+            <a:avLst/>
+          </a:prstGeom>
+          <a:noFill/>
+          <a:ln>
+            <a:noFill/>
+          </a:ln>
+          <a:extLst>
+            <a:ext uri="{909E8E84-426E-40DD-AFC4-6F175D3DCCD1}">
+              <a14:hiddenFill xmlns:a14="http://schemas.microsoft.com/office/drawing/2010/main">
+                <a:solidFill>
+                  <a:schemeClr val="accent1"/>
+                </a:solidFill>
+              </a14:hiddenFill>
+            </a:ext>
+            <a:ext uri="{91240B29-F687-4F45-9708-019B960494DF}">
+              <a14:hiddenLine xmlns:a14="http://schemas.microsoft.com/office/drawing/2010/main" w="9525">
+                <a:solidFill>
+                  <a:schemeClr val="tx1"/>
+                </a:solidFill>
+                <a:miter lim="800000"/>
+                <a:headEnd/>
+                <a:tailEnd/>
+              </a14:hiddenLine>
+            </a:ext>
+          </a:extLst>
+        </p:spPr>
+      </p:pic>
+      <p:pic>
+        <p:nvPicPr>
+          <p:cNvPr id="5127" name="Picture 7"/>
+          <p:cNvPicPr>
+            <a:picLocks noChangeAspect="1" noChangeArrowheads="1"/>
+          </p:cNvPicPr>
+          <p:nvPr/>
+        </p:nvPicPr>
+        <p:blipFill>
+          <a:blip r:embed="rId8">
+            <a:extLst>
+              <a:ext uri="{28A0092B-C50C-407E-A947-70E740481C1C}">
+                <a14:useLocalDpi xmlns:a14="http://schemas.microsoft.com/office/drawing/2010/main" val="0"/>
+              </a:ext>
+            </a:extLst>
+          </a:blip>
+          <a:srcRect/>
+          <a:stretch>
+            <a:fillRect/>
+          </a:stretch>
+        </p:blipFill>
+        <p:spPr bwMode="auto">
+          <a:xfrm>
+            <a:off x="4739097" y="3605212"/>
+            <a:ext cx="2057400" cy="409575"/>
+          </a:xfrm>
+          <a:prstGeom prst="rect">
+            <a:avLst/>
+          </a:prstGeom>
+          <a:noFill/>
+          <a:ln>
+            <a:noFill/>
+          </a:ln>
+          <a:extLst>
+            <a:ext uri="{909E8E84-426E-40DD-AFC4-6F175D3DCCD1}">
+              <a14:hiddenFill xmlns:a14="http://schemas.microsoft.com/office/drawing/2010/main">
+                <a:solidFill>
+                  <a:schemeClr val="accent1"/>
+                </a:solidFill>
+              </a14:hiddenFill>
+            </a:ext>
+            <a:ext uri="{91240B29-F687-4F45-9708-019B960494DF}">
+              <a14:hiddenLine xmlns:a14="http://schemas.microsoft.com/office/drawing/2010/main" w="9525">
+                <a:solidFill>
+                  <a:schemeClr val="tx1"/>
+                </a:solidFill>
+                <a:miter lim="800000"/>
+                <a:headEnd/>
+                <a:tailEnd/>
+              </a14:hiddenLine>
+            </a:ext>
+          </a:extLst>
+        </p:spPr>
+      </p:pic>
+      <p:pic>
+        <p:nvPicPr>
+          <p:cNvPr id="5128" name="Picture 8"/>
+          <p:cNvPicPr>
+            <a:picLocks noChangeAspect="1" noChangeArrowheads="1"/>
+          </p:cNvPicPr>
+          <p:nvPr/>
+        </p:nvPicPr>
+        <p:blipFill>
+          <a:blip r:embed="rId9">
+            <a:extLst>
+              <a:ext uri="{28A0092B-C50C-407E-A947-70E740481C1C}">
+                <a14:useLocalDpi xmlns:a14="http://schemas.microsoft.com/office/drawing/2010/main" val="0"/>
+              </a:ext>
+            </a:extLst>
+          </a:blip>
+          <a:srcRect/>
+          <a:stretch>
+            <a:fillRect/>
+          </a:stretch>
+        </p:blipFill>
+        <p:spPr bwMode="auto">
+          <a:xfrm>
+            <a:off x="5321300" y="5053012"/>
+            <a:ext cx="2466975" cy="352425"/>
+          </a:xfrm>
+          <a:prstGeom prst="rect">
+            <a:avLst/>
+          </a:prstGeom>
+          <a:noFill/>
+          <a:ln>
+            <a:noFill/>
+          </a:ln>
+          <a:extLst>
+            <a:ext uri="{909E8E84-426E-40DD-AFC4-6F175D3DCCD1}">
+              <a14:hiddenFill xmlns:a14="http://schemas.microsoft.com/office/drawing/2010/main">
+                <a:solidFill>
+                  <a:schemeClr val="accent1"/>
+                </a:solidFill>
+              </a14:hiddenFill>
+            </a:ext>
+            <a:ext uri="{91240B29-F687-4F45-9708-019B960494DF}">
+              <a14:hiddenLine xmlns:a14="http://schemas.microsoft.com/office/drawing/2010/main" w="9525">
+                <a:solidFill>
+                  <a:schemeClr val="tx1"/>
+                </a:solidFill>
+                <a:miter lim="800000"/>
+                <a:headEnd/>
+                <a:tailEnd/>
+              </a14:hiddenLine>
+            </a:ext>
+          </a:extLst>
+        </p:spPr>
+      </p:pic>
+      <p:pic>
+        <p:nvPicPr>
+          <p:cNvPr id="5129" name="Picture 9"/>
+          <p:cNvPicPr>
+            <a:picLocks noChangeAspect="1" noChangeArrowheads="1"/>
+          </p:cNvPicPr>
+          <p:nvPr/>
+        </p:nvPicPr>
+        <p:blipFill>
+          <a:blip r:embed="rId10">
+            <a:extLst>
+              <a:ext uri="{28A0092B-C50C-407E-A947-70E740481C1C}">
+                <a14:useLocalDpi xmlns:a14="http://schemas.microsoft.com/office/drawing/2010/main" val="0"/>
+              </a:ext>
+            </a:extLst>
+          </a:blip>
+          <a:srcRect/>
+          <a:stretch>
+            <a:fillRect/>
+          </a:stretch>
+        </p:blipFill>
+        <p:spPr bwMode="auto">
+          <a:xfrm>
+            <a:off x="2181224" y="5715000"/>
+            <a:ext cx="4933950" cy="561975"/>
+          </a:xfrm>
+          <a:prstGeom prst="rect">
+            <a:avLst/>
+          </a:prstGeom>
+          <a:noFill/>
+          <a:ln>
+            <a:noFill/>
+          </a:ln>
+          <a:extLst>
+            <a:ext uri="{909E8E84-426E-40DD-AFC4-6F175D3DCCD1}">
+              <a14:hiddenFill xmlns:a14="http://schemas.microsoft.com/office/drawing/2010/main">
+                <a:solidFill>
+                  <a:schemeClr val="accent1"/>
+                </a:solidFill>
+              </a14:hiddenFill>
+            </a:ext>
+            <a:ext uri="{91240B29-F687-4F45-9708-019B960494DF}">
+              <a14:hiddenLine xmlns:a14="http://schemas.microsoft.com/office/drawing/2010/main" w="9525">
+                <a:solidFill>
+                  <a:schemeClr val="tx1"/>
+                </a:solidFill>
+                <a:miter lim="800000"/>
+                <a:headEnd/>
+                <a:tailEnd/>
+              </a14:hiddenLine>
+            </a:ext>
+          </a:extLst>
+        </p:spPr>
+      </p:pic>
+    </p:spTree>
+    <p:extLst>
+      <p:ext uri="{BB962C8B-B14F-4D97-AF65-F5344CB8AC3E}">
+        <p14:creationId xmlns:p14="http://schemas.microsoft.com/office/powerpoint/2010/main" val="2427677628"/>
+      </p:ext>
+    </p:extLst>
+  </p:cSld>
+  <p:clrMapOvr>
+    <a:masterClrMapping/>
+  </p:clrMapOvr>
+  <p:timing>
+    <p:tnLst>
+      <p:par>
+        <p:cTn id="1" dur="indefinite" restart="never" nodeType="tmRoot"/>
+      </p:par>
+    </p:tnLst>
+  </p:timing>
+</p:sld>
+</file>
+
+<file path=ppt/slides/slide39.xml><?xml version="1.0" encoding="utf-8"?>
+<p:sld xmlns:a="http://schemas.openxmlformats.org/drawingml/2006/main" xmlns:r="http://schemas.openxmlformats.org/officeDocument/2006/relationships" xmlns:p="http://schemas.openxmlformats.org/presentationml/2006/main">
+  <p:cSld>
+    <p:spTree>
+      <p:nvGrpSpPr>
+        <p:cNvPr id="1" name=""/>
+        <p:cNvGrpSpPr/>
+        <p:nvPr/>
+      </p:nvGrpSpPr>
+      <p:grpSpPr>
+        <a:xfrm>
+          <a:off x="0" y="0"/>
+          <a:ext cx="0" cy="0"/>
+          <a:chOff x="0" y="0"/>
+          <a:chExt cx="0" cy="0"/>
+        </a:xfrm>
+      </p:grpSpPr>
+      <p:sp>
+        <p:nvSpPr>
+          <p:cNvPr id="5" name="Content Placeholder 2"/>
+          <p:cNvSpPr txBox="1">
+            <a:spLocks/>
+          </p:cNvSpPr>
+          <p:nvPr/>
+        </p:nvSpPr>
+        <p:spPr>
+          <a:xfrm>
+            <a:off x="457199" y="1219201"/>
+            <a:ext cx="8206611" cy="5181599"/>
+          </a:xfrm>
+          <a:prstGeom prst="rect">
+            <a:avLst/>
+          </a:prstGeom>
+        </p:spPr>
+        <p:txBody>
+          <a:bodyPr vert="horz" lIns="91440" tIns="45720" rIns="91440" bIns="45720" rtlCol="0">
+            <a:normAutofit/>
+          </a:bodyPr>
+          <a:lstStyle>
+            <a:lvl1pPr marL="342900" indent="-342900" algn="l" defTabSz="914400" rtl="0" eaLnBrk="1" latinLnBrk="0" hangingPunct="1">
+              <a:spcBef>
+                <a:spcPct val="20000"/>
+              </a:spcBef>
+              <a:buFont typeface="Arial" panose="020B0604020202020204" pitchFamily="34" charset="0"/>
+              <a:buChar char="•"/>
+              <a:defRPr sz="3200" kern="1200">
+                <a:solidFill>
+                  <a:schemeClr val="tx1"/>
+                </a:solidFill>
+                <a:latin typeface="+mn-lt"/>
+                <a:ea typeface="+mn-ea"/>
+                <a:cs typeface="+mn-cs"/>
+              </a:defRPr>
+            </a:lvl1pPr>
+            <a:lvl2pPr marL="742950" indent="-285750" algn="l" defTabSz="914400" rtl="0" eaLnBrk="1" latinLnBrk="0" hangingPunct="1">
+              <a:spcBef>
+                <a:spcPct val="20000"/>
+              </a:spcBef>
+              <a:buFont typeface="Arial" panose="020B0604020202020204" pitchFamily="34" charset="0"/>
+              <a:buChar char="–"/>
+              <a:defRPr sz="2800" kern="1200">
+                <a:solidFill>
+                  <a:schemeClr val="tx1"/>
+                </a:solidFill>
+                <a:latin typeface="+mn-lt"/>
+                <a:ea typeface="+mn-ea"/>
+                <a:cs typeface="+mn-cs"/>
+              </a:defRPr>
+            </a:lvl2pPr>
+            <a:lvl3pPr marL="1143000" indent="-228600" algn="l" defTabSz="914400" rtl="0" eaLnBrk="1" latinLnBrk="0" hangingPunct="1">
+              <a:spcBef>
+                <a:spcPct val="20000"/>
+              </a:spcBef>
+              <a:buFont typeface="Arial" panose="020B0604020202020204" pitchFamily="34" charset="0"/>
+              <a:buChar char="•"/>
+              <a:defRPr sz="2400" kern="1200">
+                <a:solidFill>
+                  <a:schemeClr val="tx1"/>
+                </a:solidFill>
+                <a:latin typeface="+mn-lt"/>
+                <a:ea typeface="+mn-ea"/>
+                <a:cs typeface="+mn-cs"/>
+              </a:defRPr>
+            </a:lvl3pPr>
+            <a:lvl4pPr marL="1600200" indent="-228600" algn="l" defTabSz="914400" rtl="0" eaLnBrk="1" latinLnBrk="0" hangingPunct="1">
+              <a:spcBef>
+                <a:spcPct val="20000"/>
+              </a:spcBef>
+              <a:buFont typeface="Arial" panose="020B0604020202020204" pitchFamily="34" charset="0"/>
+              <a:buChar char="–"/>
+              <a:defRPr sz="2000" kern="1200">
+                <a:solidFill>
+                  <a:schemeClr val="tx1"/>
+                </a:solidFill>
+                <a:latin typeface="+mn-lt"/>
+                <a:ea typeface="+mn-ea"/>
+                <a:cs typeface="+mn-cs"/>
+              </a:defRPr>
+            </a:lvl4pPr>
+            <a:lvl5pPr marL="2057400" indent="-228600" algn="l" defTabSz="914400" rtl="0" eaLnBrk="1" latinLnBrk="0" hangingPunct="1">
+              <a:spcBef>
+                <a:spcPct val="20000"/>
+              </a:spcBef>
+              <a:buFont typeface="Arial" panose="020B0604020202020204" pitchFamily="34" charset="0"/>
+              <a:buChar char="»"/>
+              <a:defRPr sz="2000" kern="1200">
+                <a:solidFill>
+                  <a:schemeClr val="tx1"/>
+                </a:solidFill>
+                <a:latin typeface="+mn-lt"/>
+                <a:ea typeface="+mn-ea"/>
+                <a:cs typeface="+mn-cs"/>
+              </a:defRPr>
+            </a:lvl5pPr>
+            <a:lvl6pPr marL="2514600" indent="-228600" algn="l" defTabSz="914400" rtl="0" eaLnBrk="1" latinLnBrk="0" hangingPunct="1">
+              <a:spcBef>
+                <a:spcPct val="20000"/>
+              </a:spcBef>
+              <a:buFont typeface="Arial" panose="020B0604020202020204" pitchFamily="34" charset="0"/>
+              <a:buChar char="•"/>
+              <a:defRPr sz="2000" kern="1200">
+                <a:solidFill>
+                  <a:schemeClr val="tx1"/>
+                </a:solidFill>
+                <a:latin typeface="+mn-lt"/>
+                <a:ea typeface="+mn-ea"/>
+                <a:cs typeface="+mn-cs"/>
+              </a:defRPr>
+            </a:lvl6pPr>
+            <a:lvl7pPr marL="2971800" indent="-228600" algn="l" defTabSz="914400" rtl="0" eaLnBrk="1" latinLnBrk="0" hangingPunct="1">
+              <a:spcBef>
+                <a:spcPct val="20000"/>
+              </a:spcBef>
+              <a:buFont typeface="Arial" panose="020B0604020202020204" pitchFamily="34" charset="0"/>
+              <a:buChar char="•"/>
+              <a:defRPr sz="2000" kern="1200">
+                <a:solidFill>
+                  <a:schemeClr val="tx1"/>
+                </a:solidFill>
+                <a:latin typeface="+mn-lt"/>
+                <a:ea typeface="+mn-ea"/>
+                <a:cs typeface="+mn-cs"/>
+              </a:defRPr>
+            </a:lvl7pPr>
+            <a:lvl8pPr marL="3429000" indent="-228600" algn="l" defTabSz="914400" rtl="0" eaLnBrk="1" latinLnBrk="0" hangingPunct="1">
+              <a:spcBef>
+                <a:spcPct val="20000"/>
+              </a:spcBef>
+              <a:buFont typeface="Arial" panose="020B0604020202020204" pitchFamily="34" charset="0"/>
+              <a:buChar char="•"/>
+              <a:defRPr sz="2000" kern="1200">
+                <a:solidFill>
+                  <a:schemeClr val="tx1"/>
+                </a:solidFill>
+                <a:latin typeface="+mn-lt"/>
+                <a:ea typeface="+mn-ea"/>
+                <a:cs typeface="+mn-cs"/>
+              </a:defRPr>
+            </a:lvl8pPr>
+            <a:lvl9pPr marL="3886200" indent="-228600" algn="l" defTabSz="914400" rtl="0" eaLnBrk="1" latinLnBrk="0" hangingPunct="1">
+              <a:spcBef>
+                <a:spcPct val="20000"/>
+              </a:spcBef>
+              <a:buFont typeface="Arial" panose="020B0604020202020204" pitchFamily="34" charset="0"/>
+              <a:buChar char="•"/>
+              <a:defRPr sz="2000" kern="1200">
+                <a:solidFill>
+                  <a:schemeClr val="tx1"/>
+                </a:solidFill>
+                <a:latin typeface="+mn-lt"/>
+                <a:ea typeface="+mn-ea"/>
+                <a:cs typeface="+mn-cs"/>
+              </a:defRPr>
+            </a:lvl9pPr>
+          </a:lstStyle>
+          <a:p>
+            <a:r>
+              <a:rPr lang="en-US" sz="2000" dirty="0"/>
+              <a:t>The plausibility and belief </a:t>
+            </a:r>
+            <a:r>
+              <a:rPr lang="en-US" sz="2000" dirty="0" smtClean="0"/>
+              <a:t>functions have the following relationship:</a:t>
+            </a:r>
+          </a:p>
+          <a:p>
+            <a:endParaRPr lang="en-US" sz="2000" dirty="0"/>
+          </a:p>
+          <a:p>
+            <a:endParaRPr lang="en-US" sz="2000" dirty="0" smtClean="0"/>
+          </a:p>
+          <a:p>
+            <a:r>
+              <a:rPr lang="en-US" sz="2000" dirty="0" smtClean="0"/>
+              <a:t>Uncertainty measure (belief interval):</a:t>
+            </a:r>
+          </a:p>
+          <a:p>
+            <a:pPr lvl="1"/>
+            <a:endParaRPr lang="en-US" sz="2000" dirty="0" smtClean="0"/>
+          </a:p>
+          <a:p>
+            <a:pPr marL="457200" lvl="1" indent="0">
+              <a:buNone/>
+            </a:pPr>
+            <a:endParaRPr lang="en-US" sz="2000" dirty="0" smtClean="0"/>
+          </a:p>
+          <a:p>
+            <a:pPr marL="457200" lvl="1" indent="0">
+              <a:buNone/>
+            </a:pPr>
+            <a:r>
+              <a:rPr lang="en-US" sz="2000" dirty="0" smtClean="0"/>
+              <a:t>Where: </a:t>
+            </a:r>
+            <a:endParaRPr lang="en-US" sz="2000" dirty="0"/>
+          </a:p>
+          <a:p>
+            <a:pPr marL="0" indent="0">
+              <a:buNone/>
+            </a:pPr>
+            <a:endParaRPr lang="en-US" sz="2000" dirty="0" smtClean="0"/>
+          </a:p>
+          <a:p>
+            <a:r>
+              <a:rPr lang="en-US" sz="2000" b="1" dirty="0" err="1"/>
+              <a:t>Dempster's</a:t>
+            </a:r>
+            <a:r>
+              <a:rPr lang="en-US" sz="2000" b="1" dirty="0"/>
+              <a:t> Rule of </a:t>
+            </a:r>
+            <a:r>
+              <a:rPr lang="en-US" sz="2000" b="1" dirty="0" smtClean="0"/>
+              <a:t>Combination:</a:t>
+            </a:r>
+          </a:p>
+          <a:p>
+            <a:pPr lvl="1"/>
+            <a:r>
+              <a:rPr lang="en-US" sz="2000" dirty="0" smtClean="0"/>
+              <a:t>A </a:t>
+            </a:r>
+            <a:r>
+              <a:rPr lang="en-US" sz="2000" dirty="0"/>
+              <a:t>method </a:t>
+            </a:r>
+            <a:r>
+              <a:rPr lang="en-US" sz="2000" dirty="0" smtClean="0"/>
+              <a:t>to combine </a:t>
+            </a:r>
+            <a:r>
+              <a:rPr lang="en-US" sz="2000" dirty="0"/>
+              <a:t>the measures of evidence from different </a:t>
+            </a:r>
+            <a:r>
+              <a:rPr lang="en-US" sz="2000" dirty="0" smtClean="0"/>
+              <a:t>sources.</a:t>
+            </a:r>
+            <a:endParaRPr lang="en-US" sz="2000" dirty="0" smtClean="0"/>
+          </a:p>
+        </p:txBody>
+      </p:sp>
+      <p:sp>
+        <p:nvSpPr>
+          <p:cNvPr id="9" name="Title 1"/>
+          <p:cNvSpPr txBox="1">
+            <a:spLocks/>
+          </p:cNvSpPr>
+          <p:nvPr/>
+        </p:nvSpPr>
+        <p:spPr>
+          <a:xfrm>
+            <a:off x="228600" y="0"/>
+            <a:ext cx="8839200" cy="1143000"/>
+          </a:xfrm>
+          <a:prstGeom prst="rect">
+            <a:avLst/>
+          </a:prstGeom>
+        </p:spPr>
+        <p:txBody>
+          <a:bodyPr vert="horz" lIns="91440" tIns="45720" rIns="91440" bIns="45720" rtlCol="0" anchor="ctr">
+            <a:normAutofit/>
+          </a:bodyPr>
+          <a:lstStyle>
+            <a:lvl1pPr algn="ctr" defTabSz="914400" rtl="0" eaLnBrk="1" latinLnBrk="0" hangingPunct="1">
+              <a:spcBef>
+                <a:spcPct val="0"/>
+              </a:spcBef>
+              <a:buNone/>
+              <a:defRPr sz="4400" kern="1200">
+                <a:solidFill>
+                  <a:schemeClr val="tx1"/>
+                </a:solidFill>
+                <a:latin typeface="+mj-lt"/>
+                <a:ea typeface="+mj-ea"/>
+                <a:cs typeface="+mj-cs"/>
+              </a:defRPr>
+            </a:lvl1pPr>
+          </a:lstStyle>
+          <a:p>
+            <a:pPr algn="l"/>
+            <a:r>
+              <a:rPr lang="en-US" sz="2400" b="1" dirty="0" smtClean="0"/>
+              <a:t>Uncertainty in AI </a:t>
+            </a:r>
+            <a:r>
+              <a:rPr lang="en-US" sz="2400" b="1" dirty="0"/>
+              <a:t>&gt; </a:t>
+            </a:r>
+            <a:r>
+              <a:rPr lang="en-US" sz="2400" b="1" dirty="0" smtClean="0"/>
+              <a:t>Dempster-Shafer Theory</a:t>
+            </a:r>
+            <a:endParaRPr lang="en-US" sz="2000" b="1" i="1" dirty="0"/>
+          </a:p>
+        </p:txBody>
+      </p:sp>
+      <p:pic>
+        <p:nvPicPr>
+          <p:cNvPr id="6146" name="Picture 2"/>
+          <p:cNvPicPr>
+            <a:picLocks noChangeAspect="1" noChangeArrowheads="1"/>
+          </p:cNvPicPr>
+          <p:nvPr/>
+        </p:nvPicPr>
+        <p:blipFill>
+          <a:blip r:embed="rId3">
+            <a:extLst>
+              <a:ext uri="{28A0092B-C50C-407E-A947-70E740481C1C}">
+                <a14:useLocalDpi xmlns:a14="http://schemas.microsoft.com/office/drawing/2010/main" val="0"/>
+              </a:ext>
+            </a:extLst>
+          </a:blip>
+          <a:srcRect/>
+          <a:stretch>
+            <a:fillRect/>
+          </a:stretch>
+        </p:blipFill>
+        <p:spPr bwMode="auto">
+          <a:xfrm>
+            <a:off x="742950" y="1800225"/>
+            <a:ext cx="7658100" cy="409575"/>
+          </a:xfrm>
+          <a:prstGeom prst="rect">
+            <a:avLst/>
+          </a:prstGeom>
+          <a:noFill/>
+          <a:ln>
+            <a:noFill/>
+          </a:ln>
+          <a:extLst>
+            <a:ext uri="{909E8E84-426E-40DD-AFC4-6F175D3DCCD1}">
+              <a14:hiddenFill xmlns:a14="http://schemas.microsoft.com/office/drawing/2010/main">
+                <a:solidFill>
+                  <a:schemeClr val="accent1"/>
+                </a:solidFill>
+              </a14:hiddenFill>
+            </a:ext>
+            <a:ext uri="{91240B29-F687-4F45-9708-019B960494DF}">
+              <a14:hiddenLine xmlns:a14="http://schemas.microsoft.com/office/drawing/2010/main" w="9525">
+                <a:solidFill>
+                  <a:schemeClr val="tx1"/>
+                </a:solidFill>
+                <a:miter lim="800000"/>
+                <a:headEnd/>
+                <a:tailEnd/>
+              </a14:hiddenLine>
+            </a:ext>
+          </a:extLst>
+        </p:spPr>
+      </p:pic>
+      <p:pic>
+        <p:nvPicPr>
+          <p:cNvPr id="6147" name="Picture 3"/>
+          <p:cNvPicPr>
+            <a:picLocks noChangeAspect="1" noChangeArrowheads="1"/>
+          </p:cNvPicPr>
+          <p:nvPr/>
+        </p:nvPicPr>
+        <p:blipFill>
+          <a:blip r:embed="rId4">
+            <a:extLst>
+              <a:ext uri="{28A0092B-C50C-407E-A947-70E740481C1C}">
+                <a14:useLocalDpi xmlns:a14="http://schemas.microsoft.com/office/drawing/2010/main" val="0"/>
+              </a:ext>
+            </a:extLst>
+          </a:blip>
+          <a:srcRect/>
+          <a:stretch>
+            <a:fillRect/>
+          </a:stretch>
+        </p:blipFill>
+        <p:spPr bwMode="auto">
+          <a:xfrm>
+            <a:off x="1524000" y="2911927"/>
+            <a:ext cx="2657475" cy="304800"/>
+          </a:xfrm>
+          <a:prstGeom prst="rect">
+            <a:avLst/>
+          </a:prstGeom>
+          <a:noFill/>
+          <a:ln>
+            <a:noFill/>
+          </a:ln>
+          <a:extLst>
+            <a:ext uri="{909E8E84-426E-40DD-AFC4-6F175D3DCCD1}">
+              <a14:hiddenFill xmlns:a14="http://schemas.microsoft.com/office/drawing/2010/main">
+                <a:solidFill>
+                  <a:schemeClr val="accent1"/>
+                </a:solidFill>
+              </a14:hiddenFill>
+            </a:ext>
+            <a:ext uri="{91240B29-F687-4F45-9708-019B960494DF}">
+              <a14:hiddenLine xmlns:a14="http://schemas.microsoft.com/office/drawing/2010/main" w="9525">
+                <a:solidFill>
+                  <a:schemeClr val="tx1"/>
+                </a:solidFill>
+                <a:miter lim="800000"/>
+                <a:headEnd/>
+                <a:tailEnd/>
+              </a14:hiddenLine>
+            </a:ext>
+          </a:extLst>
+        </p:spPr>
+      </p:pic>
+      <p:pic>
+        <p:nvPicPr>
+          <p:cNvPr id="6148" name="Picture 4"/>
+          <p:cNvPicPr>
+            <a:picLocks noChangeAspect="1" noChangeArrowheads="1"/>
+          </p:cNvPicPr>
+          <p:nvPr/>
+        </p:nvPicPr>
+        <p:blipFill>
+          <a:blip r:embed="rId5">
+            <a:extLst>
+              <a:ext uri="{28A0092B-C50C-407E-A947-70E740481C1C}">
+                <a14:useLocalDpi xmlns:a14="http://schemas.microsoft.com/office/drawing/2010/main" val="0"/>
+              </a:ext>
+            </a:extLst>
+          </a:blip>
+          <a:srcRect/>
+          <a:stretch>
+            <a:fillRect/>
+          </a:stretch>
+        </p:blipFill>
+        <p:spPr bwMode="auto">
+          <a:xfrm>
+            <a:off x="1828800" y="3453492"/>
+            <a:ext cx="2724150" cy="342900"/>
+          </a:xfrm>
+          <a:prstGeom prst="rect">
+            <a:avLst/>
+          </a:prstGeom>
+          <a:noFill/>
+          <a:ln>
+            <a:noFill/>
+          </a:ln>
+          <a:extLst>
+            <a:ext uri="{909E8E84-426E-40DD-AFC4-6F175D3DCCD1}">
+              <a14:hiddenFill xmlns:a14="http://schemas.microsoft.com/office/drawing/2010/main">
+                <a:solidFill>
+                  <a:schemeClr val="accent1"/>
+                </a:solidFill>
+              </a14:hiddenFill>
+            </a:ext>
+            <a:ext uri="{91240B29-F687-4F45-9708-019B960494DF}">
+              <a14:hiddenLine xmlns:a14="http://schemas.microsoft.com/office/drawing/2010/main" w="9525">
+                <a:solidFill>
+                  <a:schemeClr val="tx1"/>
+                </a:solidFill>
+                <a:miter lim="800000"/>
+                <a:headEnd/>
+                <a:tailEnd/>
+              </a14:hiddenLine>
+            </a:ext>
+          </a:extLst>
+        </p:spPr>
+      </p:pic>
+      <p:pic>
+        <p:nvPicPr>
+          <p:cNvPr id="6149" name="Picture 5" descr="C:\Users\Mohammad\Documents\GitHub\CompExam3\figure\uncertainty.png"/>
+          <p:cNvPicPr>
+            <a:picLocks noChangeAspect="1" noChangeArrowheads="1"/>
+          </p:cNvPicPr>
+          <p:nvPr/>
+        </p:nvPicPr>
+        <p:blipFill>
+          <a:blip r:embed="rId6" cstate="print">
+            <a:extLst>
+              <a:ext uri="{28A0092B-C50C-407E-A947-70E740481C1C}">
+                <a14:useLocalDpi xmlns:a14="http://schemas.microsoft.com/office/drawing/2010/main" val="0"/>
+              </a:ext>
+            </a:extLst>
+          </a:blip>
+          <a:srcRect/>
+          <a:stretch>
+            <a:fillRect/>
+          </a:stretch>
+        </p:blipFill>
+        <p:spPr bwMode="auto">
+          <a:xfrm>
+            <a:off x="4953000" y="2383348"/>
+            <a:ext cx="4057650" cy="1731452"/>
+          </a:xfrm>
+          <a:prstGeom prst="rect">
+            <a:avLst/>
+          </a:prstGeom>
+          <a:noFill/>
+          <a:extLst>
+            <a:ext uri="{909E8E84-426E-40DD-AFC4-6F175D3DCCD1}">
+              <a14:hiddenFill xmlns:a14="http://schemas.microsoft.com/office/drawing/2010/main">
+                <a:solidFill>
+                  <a:srgbClr val="FFFFFF"/>
+                </a:solidFill>
+              </a14:hiddenFill>
+            </a:ext>
+          </a:extLst>
+        </p:spPr>
+      </p:pic>
+      <p:pic>
+        <p:nvPicPr>
+          <p:cNvPr id="6150" name="Picture 6"/>
+          <p:cNvPicPr>
+            <a:picLocks noChangeAspect="1" noChangeArrowheads="1"/>
+          </p:cNvPicPr>
+          <p:nvPr/>
+        </p:nvPicPr>
+        <p:blipFill>
+          <a:blip r:embed="rId7">
+            <a:extLst>
+              <a:ext uri="{28A0092B-C50C-407E-A947-70E740481C1C}">
+                <a14:useLocalDpi xmlns:a14="http://schemas.microsoft.com/office/drawing/2010/main" val="0"/>
+              </a:ext>
+            </a:extLst>
+          </a:blip>
+          <a:srcRect/>
+          <a:stretch>
+            <a:fillRect/>
+          </a:stretch>
+        </p:blipFill>
+        <p:spPr bwMode="auto">
+          <a:xfrm>
+            <a:off x="1862137" y="5164023"/>
+            <a:ext cx="5419725" cy="1600200"/>
+          </a:xfrm>
+          <a:prstGeom prst="rect">
+            <a:avLst/>
+          </a:prstGeom>
+          <a:noFill/>
+          <a:ln>
+            <a:noFill/>
+          </a:ln>
+          <a:extLst>
+            <a:ext uri="{909E8E84-426E-40DD-AFC4-6F175D3DCCD1}">
+              <a14:hiddenFill xmlns:a14="http://schemas.microsoft.com/office/drawing/2010/main">
+                <a:solidFill>
+                  <a:schemeClr val="accent1"/>
+                </a:solidFill>
+              </a14:hiddenFill>
+            </a:ext>
+            <a:ext uri="{91240B29-F687-4F45-9708-019B960494DF}">
+              <a14:hiddenLine xmlns:a14="http://schemas.microsoft.com/office/drawing/2010/main" w="9525">
+                <a:solidFill>
+                  <a:schemeClr val="tx1"/>
+                </a:solidFill>
+                <a:miter lim="800000"/>
+                <a:headEnd/>
+                <a:tailEnd/>
+              </a14:hiddenLine>
+            </a:ext>
+          </a:extLst>
+        </p:spPr>
+      </p:pic>
+    </p:spTree>
+    <p:extLst>
+      <p:ext uri="{BB962C8B-B14F-4D97-AF65-F5344CB8AC3E}">
+        <p14:creationId xmlns:p14="http://schemas.microsoft.com/office/powerpoint/2010/main" val="2483432796"/>
       </p:ext>
     </p:extLst>
   </p:cSld>

--- a/presentation/PhD-comprehensive-exam.pptx
+++ b/presentation/PhD-comprehensive-exam.pptx
@@ -5,7 +5,7 @@
     <p:sldMasterId id="2147483648" r:id="rId1"/>
   </p:sldMasterIdLst>
   <p:notesMasterIdLst>
-    <p:notesMasterId r:id="rId41"/>
+    <p:notesMasterId r:id="rId46"/>
   </p:notesMasterIdLst>
   <p:sldIdLst>
     <p:sldId id="257" r:id="rId2"/>
@@ -47,6 +47,11 @@
     <p:sldId id="345" r:id="rId38"/>
     <p:sldId id="346" r:id="rId39"/>
     <p:sldId id="347" r:id="rId40"/>
+    <p:sldId id="348" r:id="rId41"/>
+    <p:sldId id="350" r:id="rId42"/>
+    <p:sldId id="349" r:id="rId43"/>
+    <p:sldId id="351" r:id="rId44"/>
+    <p:sldId id="352" r:id="rId45"/>
   </p:sldIdLst>
   <p:sldSz cx="9144000" cy="6858000" type="screen4x3"/>
   <p:notesSz cx="6858000" cy="9144000"/>
@@ -4509,7 +4514,7 @@
               <a:tabLst/>
               <a:defRPr/>
             </a:pPr>
-            <a:endParaRPr lang="en-US" baseline="0" smtClean="0"/>
+            <a:endParaRPr lang="en-US" baseline="0" dirty="0" smtClean="0"/>
           </a:p>
           <a:p>
             <a:pPr marL="171450" marR="0" indent="-171450" algn="l" defTabSz="914400" rtl="0" eaLnBrk="1" fontAlgn="auto" latinLnBrk="0" hangingPunct="1">
@@ -4551,6 +4556,484 @@
             <a:fld id="{D91B34AF-DFC3-47C6-893A-07AE93C6324A}" type="slidenum">
               <a:rPr lang="en-US" smtClean="0"/>
               <a:t>39</a:t>
+            </a:fld>
+            <a:endParaRPr lang="en-US"/>
+          </a:p>
+        </p:txBody>
+      </p:sp>
+    </p:spTree>
+    <p:extLst>
+      <p:ext uri="{BB962C8B-B14F-4D97-AF65-F5344CB8AC3E}">
+        <p14:creationId xmlns:p14="http://schemas.microsoft.com/office/powerpoint/2010/main" val="1845102120"/>
+      </p:ext>
+    </p:extLst>
+  </p:cSld>
+  <p:clrMapOvr>
+    <a:masterClrMapping/>
+  </p:clrMapOvr>
+</p:notes>
+</file>
+
+<file path=ppt/notesSlides/notesSlide36.xml><?xml version="1.0" encoding="utf-8"?>
+<p:notes xmlns:a="http://schemas.openxmlformats.org/drawingml/2006/main" xmlns:r="http://schemas.openxmlformats.org/officeDocument/2006/relationships" xmlns:p="http://schemas.openxmlformats.org/presentationml/2006/main">
+  <p:cSld>
+    <p:spTree>
+      <p:nvGrpSpPr>
+        <p:cNvPr id="1" name=""/>
+        <p:cNvGrpSpPr/>
+        <p:nvPr/>
+      </p:nvGrpSpPr>
+      <p:grpSpPr>
+        <a:xfrm>
+          <a:off x="0" y="0"/>
+          <a:ext cx="0" cy="0"/>
+          <a:chOff x="0" y="0"/>
+          <a:chExt cx="0" cy="0"/>
+        </a:xfrm>
+      </p:grpSpPr>
+      <p:sp>
+        <p:nvSpPr>
+          <p:cNvPr id="2" name="Slide Image Placeholder 1"/>
+          <p:cNvSpPr>
+            <a:spLocks noGrp="1" noRot="1" noChangeAspect="1"/>
+          </p:cNvSpPr>
+          <p:nvPr>
+            <p:ph type="sldImg"/>
+          </p:nvPr>
+        </p:nvSpPr>
+        <p:spPr/>
+      </p:sp>
+      <p:sp>
+        <p:nvSpPr>
+          <p:cNvPr id="3" name="Notes Placeholder 2"/>
+          <p:cNvSpPr>
+            <a:spLocks noGrp="1"/>
+          </p:cNvSpPr>
+          <p:nvPr>
+            <p:ph type="body" idx="1"/>
+          </p:nvPr>
+        </p:nvSpPr>
+        <p:spPr/>
+        <p:txBody>
+          <a:bodyPr/>
+          <a:lstStyle/>
+          <a:p>
+            <a:pPr marL="171450" indent="-171450">
+              <a:buFontTx/>
+              <a:buChar char="-"/>
+            </a:pPr>
+            <a:r>
+              <a:rPr lang="en-US" dirty="0" smtClean="0"/>
+              <a:t>Fuzzy Logic</a:t>
+            </a:r>
+            <a:r>
+              <a:rPr lang="en-US" baseline="0" dirty="0" smtClean="0"/>
+              <a:t> </a:t>
+            </a:r>
+            <a:r>
+              <a:rPr lang="en-US" dirty="0" smtClean="0"/>
+              <a:t>provides a mathematical framework to capture uncertainty.</a:t>
+            </a:r>
+          </a:p>
+          <a:p>
+            <a:pPr marL="171450" indent="-171450">
+              <a:buFontTx/>
+              <a:buChar char="-"/>
+            </a:pPr>
+            <a:endParaRPr lang="en-US" dirty="0" smtClean="0"/>
+          </a:p>
+          <a:p>
+            <a:pPr marL="171450" indent="-171450">
+              <a:buFontTx/>
+              <a:buChar char="-"/>
+            </a:pPr>
+            <a:r>
+              <a:rPr lang="en-US" b="1" dirty="0" smtClean="0"/>
+              <a:t>Fuzziness</a:t>
+            </a:r>
+            <a:r>
+              <a:rPr lang="en-US" dirty="0" smtClean="0"/>
+              <a:t> manipulates uncertainty by dealing with the </a:t>
+            </a:r>
+            <a:r>
+              <a:rPr lang="en-US" b="1" dirty="0" smtClean="0"/>
+              <a:t>boundaries of a set </a:t>
+            </a:r>
+            <a:r>
+              <a:rPr lang="en-US" dirty="0" smtClean="0"/>
+              <a:t>that are not clearly defined.</a:t>
+            </a:r>
+          </a:p>
+          <a:p>
+            <a:pPr marL="171450" indent="-171450">
+              <a:buFontTx/>
+              <a:buChar char="-"/>
+            </a:pPr>
+            <a:endParaRPr lang="en-US" dirty="0" smtClean="0"/>
+          </a:p>
+          <a:p>
+            <a:pPr marL="171450" indent="-171450">
+              <a:buFontTx/>
+              <a:buChar char="-"/>
+            </a:pPr>
+            <a:r>
+              <a:rPr lang="en-US" dirty="0" smtClean="0"/>
+              <a:t>Fuzzy Logic is a multivalued logic, that allows intermediate values to be defined between conventional evaluations like ``true'' and ``false''.</a:t>
+            </a:r>
+          </a:p>
+          <a:p>
+            <a:pPr marL="171450" indent="-171450">
+              <a:buFontTx/>
+              <a:buChar char="-"/>
+            </a:pPr>
+            <a:endParaRPr lang="en-US" dirty="0" smtClean="0"/>
+          </a:p>
+          <a:p>
+            <a:pPr marL="171450" indent="-171450">
+              <a:buFontTx/>
+              <a:buChar char="-"/>
+            </a:pPr>
+            <a:r>
+              <a:rPr lang="en-US" dirty="0" smtClean="0"/>
+              <a:t>Logic as a base for reasoning can be essentially distinguished by three items: truth values, operators, and reasoning procedures (e.g., tautologies).</a:t>
+            </a:r>
+          </a:p>
+          <a:p>
+            <a:pPr marL="171450" indent="-171450">
+              <a:buFontTx/>
+              <a:buChar char="-"/>
+            </a:pPr>
+            <a:endParaRPr lang="en-US" dirty="0" smtClean="0"/>
+          </a:p>
+          <a:p>
+            <a:pPr marL="171450" indent="-171450">
+              <a:buFontTx/>
+              <a:buChar char="-"/>
+            </a:pPr>
+            <a:r>
+              <a:rPr lang="en-US" dirty="0" smtClean="0"/>
+              <a:t>The transition from membership to non-membership is gradual rather than abrupt.</a:t>
+            </a:r>
+          </a:p>
+          <a:p>
+            <a:pPr marL="171450" indent="-171450">
+              <a:buFontTx/>
+              <a:buChar char="-"/>
+            </a:pPr>
+            <a:endParaRPr lang="en-US" dirty="0" smtClean="0"/>
+          </a:p>
+        </p:txBody>
+      </p:sp>
+      <p:sp>
+        <p:nvSpPr>
+          <p:cNvPr id="4" name="Slide Number Placeholder 3"/>
+          <p:cNvSpPr>
+            <a:spLocks noGrp="1"/>
+          </p:cNvSpPr>
+          <p:nvPr>
+            <p:ph type="sldNum" sz="quarter" idx="10"/>
+          </p:nvPr>
+        </p:nvSpPr>
+        <p:spPr/>
+        <p:txBody>
+          <a:bodyPr/>
+          <a:lstStyle/>
+          <a:p>
+            <a:fld id="{D91B34AF-DFC3-47C6-893A-07AE93C6324A}" type="slidenum">
+              <a:rPr lang="en-US" smtClean="0"/>
+              <a:t>40</a:t>
+            </a:fld>
+            <a:endParaRPr lang="en-US"/>
+          </a:p>
+        </p:txBody>
+      </p:sp>
+    </p:spTree>
+    <p:extLst>
+      <p:ext uri="{BB962C8B-B14F-4D97-AF65-F5344CB8AC3E}">
+        <p14:creationId xmlns:p14="http://schemas.microsoft.com/office/powerpoint/2010/main" val="1845102120"/>
+      </p:ext>
+    </p:extLst>
+  </p:cSld>
+  <p:clrMapOvr>
+    <a:masterClrMapping/>
+  </p:clrMapOvr>
+</p:notes>
+</file>
+
+<file path=ppt/notesSlides/notesSlide37.xml><?xml version="1.0" encoding="utf-8"?>
+<p:notes xmlns:a="http://schemas.openxmlformats.org/drawingml/2006/main" xmlns:r="http://schemas.openxmlformats.org/officeDocument/2006/relationships" xmlns:p="http://schemas.openxmlformats.org/presentationml/2006/main">
+  <p:cSld>
+    <p:spTree>
+      <p:nvGrpSpPr>
+        <p:cNvPr id="1" name=""/>
+        <p:cNvGrpSpPr/>
+        <p:nvPr/>
+      </p:nvGrpSpPr>
+      <p:grpSpPr>
+        <a:xfrm>
+          <a:off x="0" y="0"/>
+          <a:ext cx="0" cy="0"/>
+          <a:chOff x="0" y="0"/>
+          <a:chExt cx="0" cy="0"/>
+        </a:xfrm>
+      </p:grpSpPr>
+      <p:sp>
+        <p:nvSpPr>
+          <p:cNvPr id="2" name="Slide Image Placeholder 1"/>
+          <p:cNvSpPr>
+            <a:spLocks noGrp="1" noRot="1" noChangeAspect="1"/>
+          </p:cNvSpPr>
+          <p:nvPr>
+            <p:ph type="sldImg"/>
+          </p:nvPr>
+        </p:nvSpPr>
+        <p:spPr/>
+      </p:sp>
+      <p:sp>
+        <p:nvSpPr>
+          <p:cNvPr id="3" name="Notes Placeholder 2"/>
+          <p:cNvSpPr>
+            <a:spLocks noGrp="1"/>
+          </p:cNvSpPr>
+          <p:nvPr>
+            <p:ph type="body" idx="1"/>
+          </p:nvPr>
+        </p:nvSpPr>
+        <p:spPr/>
+        <p:txBody>
+          <a:bodyPr/>
+          <a:lstStyle/>
+          <a:p>
+            <a:pPr marL="171450" indent="-171450">
+              <a:buFontTx/>
+              <a:buChar char="-"/>
+            </a:pPr>
+            <a:r>
+              <a:rPr lang="en-US" dirty="0" smtClean="0"/>
+              <a:t>A value can belong to multiple sets at the same time.</a:t>
+            </a:r>
+            <a:endParaRPr lang="en-US" dirty="0"/>
+          </a:p>
+        </p:txBody>
+      </p:sp>
+      <p:sp>
+        <p:nvSpPr>
+          <p:cNvPr id="4" name="Slide Number Placeholder 3"/>
+          <p:cNvSpPr>
+            <a:spLocks noGrp="1"/>
+          </p:cNvSpPr>
+          <p:nvPr>
+            <p:ph type="sldNum" sz="quarter" idx="10"/>
+          </p:nvPr>
+        </p:nvSpPr>
+        <p:spPr/>
+        <p:txBody>
+          <a:bodyPr/>
+          <a:lstStyle/>
+          <a:p>
+            <a:fld id="{D91B34AF-DFC3-47C6-893A-07AE93C6324A}" type="slidenum">
+              <a:rPr lang="en-US" smtClean="0"/>
+              <a:t>41</a:t>
+            </a:fld>
+            <a:endParaRPr lang="en-US"/>
+          </a:p>
+        </p:txBody>
+      </p:sp>
+    </p:spTree>
+    <p:extLst>
+      <p:ext uri="{BB962C8B-B14F-4D97-AF65-F5344CB8AC3E}">
+        <p14:creationId xmlns:p14="http://schemas.microsoft.com/office/powerpoint/2010/main" val="1845102120"/>
+      </p:ext>
+    </p:extLst>
+  </p:cSld>
+  <p:clrMapOvr>
+    <a:masterClrMapping/>
+  </p:clrMapOvr>
+</p:notes>
+</file>
+
+<file path=ppt/notesSlides/notesSlide38.xml><?xml version="1.0" encoding="utf-8"?>
+<p:notes xmlns:a="http://schemas.openxmlformats.org/drawingml/2006/main" xmlns:r="http://schemas.openxmlformats.org/officeDocument/2006/relationships" xmlns:p="http://schemas.openxmlformats.org/presentationml/2006/main">
+  <p:cSld>
+    <p:spTree>
+      <p:nvGrpSpPr>
+        <p:cNvPr id="1" name=""/>
+        <p:cNvGrpSpPr/>
+        <p:nvPr/>
+      </p:nvGrpSpPr>
+      <p:grpSpPr>
+        <a:xfrm>
+          <a:off x="0" y="0"/>
+          <a:ext cx="0" cy="0"/>
+          <a:chOff x="0" y="0"/>
+          <a:chExt cx="0" cy="0"/>
+        </a:xfrm>
+      </p:grpSpPr>
+      <p:sp>
+        <p:nvSpPr>
+          <p:cNvPr id="2" name="Slide Image Placeholder 1"/>
+          <p:cNvSpPr>
+            <a:spLocks noGrp="1" noRot="1" noChangeAspect="1"/>
+          </p:cNvSpPr>
+          <p:nvPr>
+            <p:ph type="sldImg"/>
+          </p:nvPr>
+        </p:nvSpPr>
+        <p:spPr/>
+      </p:sp>
+      <p:sp>
+        <p:nvSpPr>
+          <p:cNvPr id="3" name="Notes Placeholder 2"/>
+          <p:cNvSpPr>
+            <a:spLocks noGrp="1"/>
+          </p:cNvSpPr>
+          <p:nvPr>
+            <p:ph type="body" idx="1"/>
+          </p:nvPr>
+        </p:nvSpPr>
+        <p:spPr/>
+        <p:txBody>
+          <a:bodyPr/>
+          <a:lstStyle/>
+          <a:p>
+            <a:pPr marL="171450" indent="-171450">
+              <a:buFontTx/>
+              <a:buChar char="-"/>
+            </a:pPr>
+            <a:r>
+              <a:rPr lang="en-US" dirty="0" smtClean="0"/>
+              <a:t>Fuzzy operators are used in order to manipulate fuzzy sets, and to evaluate the constructed fuzzy rules, and ultimately to combine the results of the individual rules.</a:t>
+            </a:r>
+          </a:p>
+          <a:p>
+            <a:pPr marL="171450" indent="-171450">
+              <a:buFontTx/>
+              <a:buChar char="-"/>
+            </a:pPr>
+            <a:endParaRPr lang="en-US" dirty="0" smtClean="0"/>
+          </a:p>
+          <a:p>
+            <a:pPr marL="171450" indent="-171450">
+              <a:buFontTx/>
+              <a:buChar char="-"/>
+            </a:pPr>
+            <a:endParaRPr lang="en-US" dirty="0"/>
+          </a:p>
+        </p:txBody>
+      </p:sp>
+      <p:sp>
+        <p:nvSpPr>
+          <p:cNvPr id="4" name="Slide Number Placeholder 3"/>
+          <p:cNvSpPr>
+            <a:spLocks noGrp="1"/>
+          </p:cNvSpPr>
+          <p:nvPr>
+            <p:ph type="sldNum" sz="quarter" idx="10"/>
+          </p:nvPr>
+        </p:nvSpPr>
+        <p:spPr/>
+        <p:txBody>
+          <a:bodyPr/>
+          <a:lstStyle/>
+          <a:p>
+            <a:fld id="{D91B34AF-DFC3-47C6-893A-07AE93C6324A}" type="slidenum">
+              <a:rPr lang="en-US" smtClean="0"/>
+              <a:t>42</a:t>
+            </a:fld>
+            <a:endParaRPr lang="en-US"/>
+          </a:p>
+        </p:txBody>
+      </p:sp>
+    </p:spTree>
+    <p:extLst>
+      <p:ext uri="{BB962C8B-B14F-4D97-AF65-F5344CB8AC3E}">
+        <p14:creationId xmlns:p14="http://schemas.microsoft.com/office/powerpoint/2010/main" val="1845102120"/>
+      </p:ext>
+    </p:extLst>
+  </p:cSld>
+  <p:clrMapOvr>
+    <a:masterClrMapping/>
+  </p:clrMapOvr>
+</p:notes>
+</file>
+
+<file path=ppt/notesSlides/notesSlide39.xml><?xml version="1.0" encoding="utf-8"?>
+<p:notes xmlns:a="http://schemas.openxmlformats.org/drawingml/2006/main" xmlns:r="http://schemas.openxmlformats.org/officeDocument/2006/relationships" xmlns:p="http://schemas.openxmlformats.org/presentationml/2006/main">
+  <p:cSld>
+    <p:spTree>
+      <p:nvGrpSpPr>
+        <p:cNvPr id="1" name=""/>
+        <p:cNvGrpSpPr/>
+        <p:nvPr/>
+      </p:nvGrpSpPr>
+      <p:grpSpPr>
+        <a:xfrm>
+          <a:off x="0" y="0"/>
+          <a:ext cx="0" cy="0"/>
+          <a:chOff x="0" y="0"/>
+          <a:chExt cx="0" cy="0"/>
+        </a:xfrm>
+      </p:grpSpPr>
+      <p:sp>
+        <p:nvSpPr>
+          <p:cNvPr id="2" name="Slide Image Placeholder 1"/>
+          <p:cNvSpPr>
+            <a:spLocks noGrp="1" noRot="1" noChangeAspect="1"/>
+          </p:cNvSpPr>
+          <p:nvPr>
+            <p:ph type="sldImg"/>
+          </p:nvPr>
+        </p:nvSpPr>
+        <p:spPr/>
+      </p:sp>
+      <p:sp>
+        <p:nvSpPr>
+          <p:cNvPr id="3" name="Notes Placeholder 2"/>
+          <p:cNvSpPr>
+            <a:spLocks noGrp="1"/>
+          </p:cNvSpPr>
+          <p:nvPr>
+            <p:ph type="body" idx="1"/>
+          </p:nvPr>
+        </p:nvSpPr>
+        <p:spPr/>
+        <p:txBody>
+          <a:bodyPr/>
+          <a:lstStyle/>
+          <a:p>
+            <a:pPr marL="0" indent="0">
+              <a:buFontTx/>
+              <a:buNone/>
+            </a:pPr>
+            <a:endParaRPr lang="en-US" dirty="0" smtClean="0"/>
+          </a:p>
+          <a:p>
+            <a:pPr marL="171450" indent="-171450">
+              <a:buFontTx/>
+              <a:buChar char="-"/>
+            </a:pPr>
+            <a:endParaRPr lang="en-US" dirty="0"/>
+          </a:p>
+        </p:txBody>
+      </p:sp>
+      <p:sp>
+        <p:nvSpPr>
+          <p:cNvPr id="4" name="Slide Number Placeholder 3"/>
+          <p:cNvSpPr>
+            <a:spLocks noGrp="1"/>
+          </p:cNvSpPr>
+          <p:nvPr>
+            <p:ph type="sldNum" sz="quarter" idx="10"/>
+          </p:nvPr>
+        </p:nvSpPr>
+        <p:spPr/>
+        <p:txBody>
+          <a:bodyPr/>
+          <a:lstStyle/>
+          <a:p>
+            <a:fld id="{D91B34AF-DFC3-47C6-893A-07AE93C6324A}" type="slidenum">
+              <a:rPr lang="en-US" smtClean="0"/>
+              <a:t>43</a:t>
             </a:fld>
             <a:endParaRPr lang="en-US"/>
           </a:p>
@@ -4635,6 +5118,101 @@
             <a:fld id="{D91B34AF-DFC3-47C6-893A-07AE93C6324A}" type="slidenum">
               <a:rPr lang="en-US" smtClean="0"/>
               <a:t>6</a:t>
+            </a:fld>
+            <a:endParaRPr lang="en-US"/>
+          </a:p>
+        </p:txBody>
+      </p:sp>
+    </p:spTree>
+    <p:extLst>
+      <p:ext uri="{BB962C8B-B14F-4D97-AF65-F5344CB8AC3E}">
+        <p14:creationId xmlns:p14="http://schemas.microsoft.com/office/powerpoint/2010/main" val="1845102120"/>
+      </p:ext>
+    </p:extLst>
+  </p:cSld>
+  <p:clrMapOvr>
+    <a:masterClrMapping/>
+  </p:clrMapOvr>
+</p:notes>
+</file>
+
+<file path=ppt/notesSlides/notesSlide40.xml><?xml version="1.0" encoding="utf-8"?>
+<p:notes xmlns:a="http://schemas.openxmlformats.org/drawingml/2006/main" xmlns:r="http://schemas.openxmlformats.org/officeDocument/2006/relationships" xmlns:p="http://schemas.openxmlformats.org/presentationml/2006/main">
+  <p:cSld>
+    <p:spTree>
+      <p:nvGrpSpPr>
+        <p:cNvPr id="1" name=""/>
+        <p:cNvGrpSpPr/>
+        <p:nvPr/>
+      </p:nvGrpSpPr>
+      <p:grpSpPr>
+        <a:xfrm>
+          <a:off x="0" y="0"/>
+          <a:ext cx="0" cy="0"/>
+          <a:chOff x="0" y="0"/>
+          <a:chExt cx="0" cy="0"/>
+        </a:xfrm>
+      </p:grpSpPr>
+      <p:sp>
+        <p:nvSpPr>
+          <p:cNvPr id="2" name="Slide Image Placeholder 1"/>
+          <p:cNvSpPr>
+            <a:spLocks noGrp="1" noRot="1" noChangeAspect="1"/>
+          </p:cNvSpPr>
+          <p:nvPr>
+            <p:ph type="sldImg"/>
+          </p:nvPr>
+        </p:nvSpPr>
+        <p:spPr/>
+      </p:sp>
+      <p:sp>
+        <p:nvSpPr>
+          <p:cNvPr id="3" name="Notes Placeholder 2"/>
+          <p:cNvSpPr>
+            <a:spLocks noGrp="1"/>
+          </p:cNvSpPr>
+          <p:nvPr>
+            <p:ph type="body" idx="1"/>
+          </p:nvPr>
+        </p:nvSpPr>
+        <p:spPr/>
+        <p:txBody>
+          <a:bodyPr/>
+          <a:lstStyle/>
+          <a:p>
+            <a:pPr marL="0" indent="0">
+              <a:buFontTx/>
+              <a:buNone/>
+            </a:pPr>
+            <a:endParaRPr lang="en-US" dirty="0" smtClean="0"/>
+          </a:p>
+          <a:p>
+            <a:pPr marL="171450" indent="-171450">
+              <a:buFontTx/>
+              <a:buChar char="-"/>
+            </a:pPr>
+            <a:endParaRPr lang="en-US" dirty="0"/>
+          </a:p>
+        </p:txBody>
+      </p:sp>
+      <p:sp>
+        <p:nvSpPr>
+          <p:cNvPr id="4" name="Slide Number Placeholder 3"/>
+          <p:cNvSpPr>
+            <a:spLocks noGrp="1"/>
+          </p:cNvSpPr>
+          <p:nvPr>
+            <p:ph type="sldNum" sz="quarter" idx="10"/>
+          </p:nvPr>
+        </p:nvSpPr>
+        <p:spPr/>
+        <p:txBody>
+          <a:bodyPr/>
+          <a:lstStyle/>
+          <a:p>
+            <a:fld id="{D91B34AF-DFC3-47C6-893A-07AE93C6324A}" type="slidenum">
+              <a:rPr lang="en-US" smtClean="0"/>
+              <a:t>44</a:t>
             </a:fld>
             <a:endParaRPr lang="en-US"/>
           </a:p>
@@ -22046,6 +22624,1947 @@
     <p:extLst>
       <p:ext uri="{BB962C8B-B14F-4D97-AF65-F5344CB8AC3E}">
         <p14:creationId xmlns:p14="http://schemas.microsoft.com/office/powerpoint/2010/main" val="2658903132"/>
+      </p:ext>
+    </p:extLst>
+  </p:cSld>
+  <p:clrMapOvr>
+    <a:masterClrMapping/>
+  </p:clrMapOvr>
+  <p:timing>
+    <p:tnLst>
+      <p:par>
+        <p:cTn id="1" dur="indefinite" restart="never" nodeType="tmRoot"/>
+      </p:par>
+    </p:tnLst>
+  </p:timing>
+</p:sld>
+</file>
+
+<file path=ppt/slides/slide40.xml><?xml version="1.0" encoding="utf-8"?>
+<p:sld xmlns:a="http://schemas.openxmlformats.org/drawingml/2006/main" xmlns:r="http://schemas.openxmlformats.org/officeDocument/2006/relationships" xmlns:p="http://schemas.openxmlformats.org/presentationml/2006/main">
+  <p:cSld>
+    <p:spTree>
+      <p:nvGrpSpPr>
+        <p:cNvPr id="1" name=""/>
+        <p:cNvGrpSpPr/>
+        <p:nvPr/>
+      </p:nvGrpSpPr>
+      <p:grpSpPr>
+        <a:xfrm>
+          <a:off x="0" y="0"/>
+          <a:ext cx="0" cy="0"/>
+          <a:chOff x="0" y="0"/>
+          <a:chExt cx="0" cy="0"/>
+        </a:xfrm>
+      </p:grpSpPr>
+      <p:sp>
+        <p:nvSpPr>
+          <p:cNvPr id="5" name="Content Placeholder 2"/>
+          <p:cNvSpPr txBox="1">
+            <a:spLocks/>
+          </p:cNvSpPr>
+          <p:nvPr/>
+        </p:nvSpPr>
+        <p:spPr>
+          <a:xfrm>
+            <a:off x="457199" y="1219201"/>
+            <a:ext cx="8206611" cy="5181599"/>
+          </a:xfrm>
+          <a:prstGeom prst="rect">
+            <a:avLst/>
+          </a:prstGeom>
+        </p:spPr>
+        <p:txBody>
+          <a:bodyPr vert="horz" lIns="91440" tIns="45720" rIns="91440" bIns="45720" rtlCol="0">
+            <a:normAutofit/>
+          </a:bodyPr>
+          <a:lstStyle>
+            <a:lvl1pPr marL="342900" indent="-342900" algn="l" defTabSz="914400" rtl="0" eaLnBrk="1" latinLnBrk="0" hangingPunct="1">
+              <a:spcBef>
+                <a:spcPct val="20000"/>
+              </a:spcBef>
+              <a:buFont typeface="Arial" panose="020B0604020202020204" pitchFamily="34" charset="0"/>
+              <a:buChar char="•"/>
+              <a:defRPr sz="3200" kern="1200">
+                <a:solidFill>
+                  <a:schemeClr val="tx1"/>
+                </a:solidFill>
+                <a:latin typeface="+mn-lt"/>
+                <a:ea typeface="+mn-ea"/>
+                <a:cs typeface="+mn-cs"/>
+              </a:defRPr>
+            </a:lvl1pPr>
+            <a:lvl2pPr marL="742950" indent="-285750" algn="l" defTabSz="914400" rtl="0" eaLnBrk="1" latinLnBrk="0" hangingPunct="1">
+              <a:spcBef>
+                <a:spcPct val="20000"/>
+              </a:spcBef>
+              <a:buFont typeface="Arial" panose="020B0604020202020204" pitchFamily="34" charset="0"/>
+              <a:buChar char="–"/>
+              <a:defRPr sz="2800" kern="1200">
+                <a:solidFill>
+                  <a:schemeClr val="tx1"/>
+                </a:solidFill>
+                <a:latin typeface="+mn-lt"/>
+                <a:ea typeface="+mn-ea"/>
+                <a:cs typeface="+mn-cs"/>
+              </a:defRPr>
+            </a:lvl2pPr>
+            <a:lvl3pPr marL="1143000" indent="-228600" algn="l" defTabSz="914400" rtl="0" eaLnBrk="1" latinLnBrk="0" hangingPunct="1">
+              <a:spcBef>
+                <a:spcPct val="20000"/>
+              </a:spcBef>
+              <a:buFont typeface="Arial" panose="020B0604020202020204" pitchFamily="34" charset="0"/>
+              <a:buChar char="•"/>
+              <a:defRPr sz="2400" kern="1200">
+                <a:solidFill>
+                  <a:schemeClr val="tx1"/>
+                </a:solidFill>
+                <a:latin typeface="+mn-lt"/>
+                <a:ea typeface="+mn-ea"/>
+                <a:cs typeface="+mn-cs"/>
+              </a:defRPr>
+            </a:lvl3pPr>
+            <a:lvl4pPr marL="1600200" indent="-228600" algn="l" defTabSz="914400" rtl="0" eaLnBrk="1" latinLnBrk="0" hangingPunct="1">
+              <a:spcBef>
+                <a:spcPct val="20000"/>
+              </a:spcBef>
+              <a:buFont typeface="Arial" panose="020B0604020202020204" pitchFamily="34" charset="0"/>
+              <a:buChar char="–"/>
+              <a:defRPr sz="2000" kern="1200">
+                <a:solidFill>
+                  <a:schemeClr val="tx1"/>
+                </a:solidFill>
+                <a:latin typeface="+mn-lt"/>
+                <a:ea typeface="+mn-ea"/>
+                <a:cs typeface="+mn-cs"/>
+              </a:defRPr>
+            </a:lvl4pPr>
+            <a:lvl5pPr marL="2057400" indent="-228600" algn="l" defTabSz="914400" rtl="0" eaLnBrk="1" latinLnBrk="0" hangingPunct="1">
+              <a:spcBef>
+                <a:spcPct val="20000"/>
+              </a:spcBef>
+              <a:buFont typeface="Arial" panose="020B0604020202020204" pitchFamily="34" charset="0"/>
+              <a:buChar char="»"/>
+              <a:defRPr sz="2000" kern="1200">
+                <a:solidFill>
+                  <a:schemeClr val="tx1"/>
+                </a:solidFill>
+                <a:latin typeface="+mn-lt"/>
+                <a:ea typeface="+mn-ea"/>
+                <a:cs typeface="+mn-cs"/>
+              </a:defRPr>
+            </a:lvl5pPr>
+            <a:lvl6pPr marL="2514600" indent="-228600" algn="l" defTabSz="914400" rtl="0" eaLnBrk="1" latinLnBrk="0" hangingPunct="1">
+              <a:spcBef>
+                <a:spcPct val="20000"/>
+              </a:spcBef>
+              <a:buFont typeface="Arial" panose="020B0604020202020204" pitchFamily="34" charset="0"/>
+              <a:buChar char="•"/>
+              <a:defRPr sz="2000" kern="1200">
+                <a:solidFill>
+                  <a:schemeClr val="tx1"/>
+                </a:solidFill>
+                <a:latin typeface="+mn-lt"/>
+                <a:ea typeface="+mn-ea"/>
+                <a:cs typeface="+mn-cs"/>
+              </a:defRPr>
+            </a:lvl6pPr>
+            <a:lvl7pPr marL="2971800" indent="-228600" algn="l" defTabSz="914400" rtl="0" eaLnBrk="1" latinLnBrk="0" hangingPunct="1">
+              <a:spcBef>
+                <a:spcPct val="20000"/>
+              </a:spcBef>
+              <a:buFont typeface="Arial" panose="020B0604020202020204" pitchFamily="34" charset="0"/>
+              <a:buChar char="•"/>
+              <a:defRPr sz="2000" kern="1200">
+                <a:solidFill>
+                  <a:schemeClr val="tx1"/>
+                </a:solidFill>
+                <a:latin typeface="+mn-lt"/>
+                <a:ea typeface="+mn-ea"/>
+                <a:cs typeface="+mn-cs"/>
+              </a:defRPr>
+            </a:lvl7pPr>
+            <a:lvl8pPr marL="3429000" indent="-228600" algn="l" defTabSz="914400" rtl="0" eaLnBrk="1" latinLnBrk="0" hangingPunct="1">
+              <a:spcBef>
+                <a:spcPct val="20000"/>
+              </a:spcBef>
+              <a:buFont typeface="Arial" panose="020B0604020202020204" pitchFamily="34" charset="0"/>
+              <a:buChar char="•"/>
+              <a:defRPr sz="2000" kern="1200">
+                <a:solidFill>
+                  <a:schemeClr val="tx1"/>
+                </a:solidFill>
+                <a:latin typeface="+mn-lt"/>
+                <a:ea typeface="+mn-ea"/>
+                <a:cs typeface="+mn-cs"/>
+              </a:defRPr>
+            </a:lvl8pPr>
+            <a:lvl9pPr marL="3886200" indent="-228600" algn="l" defTabSz="914400" rtl="0" eaLnBrk="1" latinLnBrk="0" hangingPunct="1">
+              <a:spcBef>
+                <a:spcPct val="20000"/>
+              </a:spcBef>
+              <a:buFont typeface="Arial" panose="020B0604020202020204" pitchFamily="34" charset="0"/>
+              <a:buChar char="•"/>
+              <a:defRPr sz="2000" kern="1200">
+                <a:solidFill>
+                  <a:schemeClr val="tx1"/>
+                </a:solidFill>
+                <a:latin typeface="+mn-lt"/>
+                <a:ea typeface="+mn-ea"/>
+                <a:cs typeface="+mn-cs"/>
+              </a:defRPr>
+            </a:lvl9pPr>
+          </a:lstStyle>
+          <a:p>
+            <a:r>
+              <a:rPr lang="en-US" sz="2000" dirty="0"/>
+              <a:t>Fuzzy </a:t>
+            </a:r>
+            <a:r>
+              <a:rPr lang="en-US" sz="2000" dirty="0" smtClean="0"/>
+              <a:t>Logic's ultimate </a:t>
+            </a:r>
+            <a:r>
+              <a:rPr lang="en-US" sz="2000" dirty="0"/>
+              <a:t>goal is to provide foundations for approximate reasoning </a:t>
+            </a:r>
+            <a:r>
+              <a:rPr lang="en-US" sz="2000" dirty="0" smtClean="0"/>
+              <a:t>using imprecise </a:t>
+            </a:r>
+            <a:r>
+              <a:rPr lang="en-US" sz="2000" dirty="0"/>
+              <a:t>propositions based on fuzzy set theory</a:t>
+            </a:r>
+            <a:r>
+              <a:rPr lang="en-US" sz="2000" dirty="0" smtClean="0"/>
+              <a:t>.</a:t>
+            </a:r>
+          </a:p>
+          <a:p>
+            <a:r>
+              <a:rPr lang="en-US" sz="2000" dirty="0"/>
+              <a:t>In order to deal with </a:t>
+            </a:r>
+            <a:r>
+              <a:rPr lang="en-US" sz="2000" dirty="0" smtClean="0"/>
+              <a:t>such imprecise </a:t>
+            </a:r>
+            <a:r>
+              <a:rPr lang="en-US" sz="2000" dirty="0"/>
+              <a:t>inference, Fuzzy Logic allows the imprecise linguistic terms such as:</a:t>
+            </a:r>
+          </a:p>
+          <a:p>
+            <a:pPr lvl="1"/>
+            <a:r>
+              <a:rPr lang="en-US" sz="1800" dirty="0"/>
+              <a:t>fuzzy predicates (e.g., old, expensive), </a:t>
+            </a:r>
+            <a:endParaRPr lang="en-US" sz="1800" dirty="0" smtClean="0"/>
+          </a:p>
+          <a:p>
+            <a:pPr lvl="1"/>
+            <a:r>
+              <a:rPr lang="en-US" sz="1800" dirty="0" smtClean="0"/>
+              <a:t>fuzzy </a:t>
+            </a:r>
+            <a:r>
+              <a:rPr lang="en-US" sz="1800" dirty="0"/>
+              <a:t>quantifiers (e.g., many, little</a:t>
+            </a:r>
+            <a:r>
+              <a:rPr lang="en-US" sz="1800" dirty="0" smtClean="0"/>
+              <a:t>),</a:t>
+            </a:r>
+          </a:p>
+          <a:p>
+            <a:pPr lvl="1"/>
+            <a:r>
+              <a:rPr lang="en-US" sz="1800" dirty="0" smtClean="0"/>
+              <a:t>and </a:t>
+            </a:r>
+            <a:r>
+              <a:rPr lang="en-US" sz="1800" dirty="0"/>
+              <a:t>fuzzy truth values (e.g., unlikely false or unlikely true</a:t>
+            </a:r>
+            <a:r>
+              <a:rPr lang="en-US" sz="1800" dirty="0" smtClean="0"/>
+              <a:t>).</a:t>
+            </a:r>
+          </a:p>
+          <a:p>
+            <a:pPr marL="457200" lvl="1" indent="0">
+              <a:buNone/>
+            </a:pPr>
+            <a:endParaRPr lang="en-US" sz="1800" dirty="0"/>
+          </a:p>
+          <a:p>
+            <a:r>
+              <a:rPr lang="en-US" sz="2000" b="1" dirty="0"/>
+              <a:t>Fuzzy Sets:</a:t>
+            </a:r>
+            <a:r>
+              <a:rPr lang="en-US" sz="2000" dirty="0"/>
+              <a:t> A fuzzy set is a class of objects with a continuum of degrees of membership</a:t>
+            </a:r>
+            <a:r>
+              <a:rPr lang="en-US" sz="2000" dirty="0" smtClean="0"/>
+              <a:t>.</a:t>
+            </a:r>
+          </a:p>
+          <a:p>
+            <a:endParaRPr lang="en-US" sz="2000" dirty="0" smtClean="0"/>
+          </a:p>
+          <a:p>
+            <a:r>
+              <a:rPr lang="en-US" sz="2000" dirty="0"/>
+              <a:t>A fuzzy set </a:t>
+            </a:r>
+            <a:r>
+              <a:rPr lang="en-US" sz="2000" b="1" i="1" dirty="0" smtClean="0"/>
+              <a:t>A</a:t>
+            </a:r>
+            <a:r>
+              <a:rPr lang="en-US" sz="2000" dirty="0" smtClean="0"/>
+              <a:t> </a:t>
+            </a:r>
+            <a:r>
+              <a:rPr lang="en-US" sz="2000" dirty="0"/>
+              <a:t>is </a:t>
+            </a:r>
+            <a:r>
+              <a:rPr lang="en-US" sz="2000" dirty="0" smtClean="0"/>
+              <a:t>defined by </a:t>
+            </a:r>
+            <a:r>
+              <a:rPr lang="en-US" sz="2000" dirty="0"/>
+              <a:t>a membership function </a:t>
+            </a:r>
+            <a:r>
+              <a:rPr lang="en-US" sz="2000" dirty="0" smtClean="0"/>
+              <a:t>      from </a:t>
+            </a:r>
+            <a:r>
+              <a:rPr lang="en-US" sz="2000" dirty="0"/>
+              <a:t>the universe of discourse </a:t>
+            </a:r>
+            <a:r>
+              <a:rPr lang="en-US" sz="2000" b="1" i="1" dirty="0" smtClean="0"/>
+              <a:t>X</a:t>
+            </a:r>
+            <a:r>
+              <a:rPr lang="en-US" sz="2000" dirty="0" smtClean="0"/>
+              <a:t> to the </a:t>
+            </a:r>
+            <a:r>
+              <a:rPr lang="en-US" sz="2000" dirty="0"/>
+              <a:t>closed unit interval </a:t>
+            </a:r>
+            <a:r>
+              <a:rPr lang="en-US" sz="2000" b="1" dirty="0"/>
+              <a:t>[0,1]</a:t>
+            </a:r>
+            <a:r>
+              <a:rPr lang="en-US" sz="2000" dirty="0"/>
+              <a:t>. We interpret </a:t>
+            </a:r>
+            <a:r>
+              <a:rPr lang="en-US" sz="2000" dirty="0" smtClean="0"/>
+              <a:t>            as </a:t>
+            </a:r>
+            <a:r>
+              <a:rPr lang="en-US" sz="2000" dirty="0"/>
+              <a:t>the </a:t>
+            </a:r>
+            <a:r>
+              <a:rPr lang="en-US" sz="2000" dirty="0" smtClean="0"/>
+              <a:t>degree of </a:t>
+            </a:r>
+            <a:r>
+              <a:rPr lang="en-US" sz="2000" dirty="0"/>
+              <a:t>membership of </a:t>
+            </a:r>
+            <a:r>
+              <a:rPr lang="en-US" sz="2000" b="1" i="1" dirty="0" smtClean="0"/>
+              <a:t>x</a:t>
+            </a:r>
+            <a:r>
+              <a:rPr lang="en-US" sz="2000" dirty="0" smtClean="0"/>
+              <a:t> </a:t>
+            </a:r>
+            <a:r>
+              <a:rPr lang="en-US" sz="2000" dirty="0"/>
+              <a:t>in </a:t>
+            </a:r>
+            <a:r>
+              <a:rPr lang="en-US" sz="2000" b="1" i="1" dirty="0" smtClean="0"/>
+              <a:t>A</a:t>
+            </a:r>
+            <a:r>
+              <a:rPr lang="en-US" sz="2000" dirty="0" smtClean="0"/>
+              <a:t>.</a:t>
+            </a:r>
+            <a:endParaRPr lang="en-US" sz="2000" dirty="0"/>
+          </a:p>
+          <a:p>
+            <a:pPr marL="0" indent="0">
+              <a:buNone/>
+            </a:pPr>
+            <a:endParaRPr lang="en-US" sz="2000" dirty="0" smtClean="0"/>
+          </a:p>
+        </p:txBody>
+      </p:sp>
+      <p:sp>
+        <p:nvSpPr>
+          <p:cNvPr id="9" name="Title 1"/>
+          <p:cNvSpPr txBox="1">
+            <a:spLocks/>
+          </p:cNvSpPr>
+          <p:nvPr/>
+        </p:nvSpPr>
+        <p:spPr>
+          <a:xfrm>
+            <a:off x="228600" y="0"/>
+            <a:ext cx="8839200" cy="1143000"/>
+          </a:xfrm>
+          <a:prstGeom prst="rect">
+            <a:avLst/>
+          </a:prstGeom>
+        </p:spPr>
+        <p:txBody>
+          <a:bodyPr vert="horz" lIns="91440" tIns="45720" rIns="91440" bIns="45720" rtlCol="0" anchor="ctr">
+            <a:normAutofit/>
+          </a:bodyPr>
+          <a:lstStyle>
+            <a:lvl1pPr algn="ctr" defTabSz="914400" rtl="0" eaLnBrk="1" latinLnBrk="0" hangingPunct="1">
+              <a:spcBef>
+                <a:spcPct val="0"/>
+              </a:spcBef>
+              <a:buNone/>
+              <a:defRPr sz="4400" kern="1200">
+                <a:solidFill>
+                  <a:schemeClr val="tx1"/>
+                </a:solidFill>
+                <a:latin typeface="+mj-lt"/>
+                <a:ea typeface="+mj-ea"/>
+                <a:cs typeface="+mj-cs"/>
+              </a:defRPr>
+            </a:lvl1pPr>
+          </a:lstStyle>
+          <a:p>
+            <a:pPr algn="l"/>
+            <a:r>
+              <a:rPr lang="en-US" sz="2400" b="1" dirty="0" smtClean="0"/>
+              <a:t>Uncertainty in AI </a:t>
+            </a:r>
+            <a:r>
+              <a:rPr lang="en-US" sz="2400" b="1" dirty="0"/>
+              <a:t>&gt; </a:t>
+            </a:r>
+            <a:r>
+              <a:rPr lang="en-US" sz="2400" b="1" dirty="0" smtClean="0"/>
+              <a:t>Fuzzy Logic Theory</a:t>
+            </a:r>
+            <a:endParaRPr lang="en-US" sz="2000" b="1" i="1" dirty="0"/>
+          </a:p>
+        </p:txBody>
+      </p:sp>
+      <p:pic>
+        <p:nvPicPr>
+          <p:cNvPr id="8194" name="Picture 2"/>
+          <p:cNvPicPr>
+            <a:picLocks noChangeAspect="1" noChangeArrowheads="1"/>
+          </p:cNvPicPr>
+          <p:nvPr/>
+        </p:nvPicPr>
+        <p:blipFill>
+          <a:blip r:embed="rId3">
+            <a:extLst>
+              <a:ext uri="{28A0092B-C50C-407E-A947-70E740481C1C}">
+                <a14:useLocalDpi xmlns:a14="http://schemas.microsoft.com/office/drawing/2010/main" val="0"/>
+              </a:ext>
+            </a:extLst>
+          </a:blip>
+          <a:srcRect/>
+          <a:stretch>
+            <a:fillRect/>
+          </a:stretch>
+        </p:blipFill>
+        <p:spPr bwMode="auto">
+          <a:xfrm>
+            <a:off x="6007101" y="4978400"/>
+            <a:ext cx="411752" cy="322943"/>
+          </a:xfrm>
+          <a:prstGeom prst="rect">
+            <a:avLst/>
+          </a:prstGeom>
+          <a:noFill/>
+          <a:ln>
+            <a:noFill/>
+          </a:ln>
+          <a:extLst>
+            <a:ext uri="{909E8E84-426E-40DD-AFC4-6F175D3DCCD1}">
+              <a14:hiddenFill xmlns:a14="http://schemas.microsoft.com/office/drawing/2010/main">
+                <a:solidFill>
+                  <a:schemeClr val="accent1"/>
+                </a:solidFill>
+              </a14:hiddenFill>
+            </a:ext>
+            <a:ext uri="{91240B29-F687-4F45-9708-019B960494DF}">
+              <a14:hiddenLine xmlns:a14="http://schemas.microsoft.com/office/drawing/2010/main" w="9525">
+                <a:solidFill>
+                  <a:schemeClr val="tx1"/>
+                </a:solidFill>
+                <a:miter lim="800000"/>
+                <a:headEnd/>
+                <a:tailEnd/>
+              </a14:hiddenLine>
+            </a:ext>
+          </a:extLst>
+        </p:spPr>
+      </p:pic>
+      <p:pic>
+        <p:nvPicPr>
+          <p:cNvPr id="8195" name="Picture 3"/>
+          <p:cNvPicPr>
+            <a:picLocks noChangeAspect="1" noChangeArrowheads="1"/>
+          </p:cNvPicPr>
+          <p:nvPr/>
+        </p:nvPicPr>
+        <p:blipFill>
+          <a:blip r:embed="rId4">
+            <a:extLst>
+              <a:ext uri="{28A0092B-C50C-407E-A947-70E740481C1C}">
+                <a14:useLocalDpi xmlns:a14="http://schemas.microsoft.com/office/drawing/2010/main" val="0"/>
+              </a:ext>
+            </a:extLst>
+          </a:blip>
+          <a:srcRect/>
+          <a:stretch>
+            <a:fillRect/>
+          </a:stretch>
+        </p:blipFill>
+        <p:spPr bwMode="auto">
+          <a:xfrm>
+            <a:off x="6762750" y="5283738"/>
+            <a:ext cx="704850" cy="319894"/>
+          </a:xfrm>
+          <a:prstGeom prst="rect">
+            <a:avLst/>
+          </a:prstGeom>
+          <a:noFill/>
+          <a:ln>
+            <a:noFill/>
+          </a:ln>
+          <a:extLst>
+            <a:ext uri="{909E8E84-426E-40DD-AFC4-6F175D3DCCD1}">
+              <a14:hiddenFill xmlns:a14="http://schemas.microsoft.com/office/drawing/2010/main">
+                <a:solidFill>
+                  <a:schemeClr val="accent1"/>
+                </a:solidFill>
+              </a14:hiddenFill>
+            </a:ext>
+            <a:ext uri="{91240B29-F687-4F45-9708-019B960494DF}">
+              <a14:hiddenLine xmlns:a14="http://schemas.microsoft.com/office/drawing/2010/main" w="9525">
+                <a:solidFill>
+                  <a:schemeClr val="tx1"/>
+                </a:solidFill>
+                <a:miter lim="800000"/>
+                <a:headEnd/>
+                <a:tailEnd/>
+              </a14:hiddenLine>
+            </a:ext>
+          </a:extLst>
+        </p:spPr>
+      </p:pic>
+    </p:spTree>
+    <p:extLst>
+      <p:ext uri="{BB962C8B-B14F-4D97-AF65-F5344CB8AC3E}">
+        <p14:creationId xmlns:p14="http://schemas.microsoft.com/office/powerpoint/2010/main" val="3908126863"/>
+      </p:ext>
+    </p:extLst>
+  </p:cSld>
+  <p:clrMapOvr>
+    <a:masterClrMapping/>
+  </p:clrMapOvr>
+  <p:timing>
+    <p:tnLst>
+      <p:par>
+        <p:cTn id="1" dur="indefinite" restart="never" nodeType="tmRoot"/>
+      </p:par>
+    </p:tnLst>
+  </p:timing>
+</p:sld>
+</file>
+
+<file path=ppt/slides/slide41.xml><?xml version="1.0" encoding="utf-8"?>
+<p:sld xmlns:a="http://schemas.openxmlformats.org/drawingml/2006/main" xmlns:r="http://schemas.openxmlformats.org/officeDocument/2006/relationships" xmlns:p="http://schemas.openxmlformats.org/presentationml/2006/main">
+  <p:cSld>
+    <p:spTree>
+      <p:nvGrpSpPr>
+        <p:cNvPr id="1" name=""/>
+        <p:cNvGrpSpPr/>
+        <p:nvPr/>
+      </p:nvGrpSpPr>
+      <p:grpSpPr>
+        <a:xfrm>
+          <a:off x="0" y="0"/>
+          <a:ext cx="0" cy="0"/>
+          <a:chOff x="0" y="0"/>
+          <a:chExt cx="0" cy="0"/>
+        </a:xfrm>
+      </p:grpSpPr>
+      <p:sp>
+        <p:nvSpPr>
+          <p:cNvPr id="5" name="Content Placeholder 2"/>
+          <p:cNvSpPr txBox="1">
+            <a:spLocks/>
+          </p:cNvSpPr>
+          <p:nvPr/>
+        </p:nvSpPr>
+        <p:spPr>
+          <a:xfrm>
+            <a:off x="457199" y="1219201"/>
+            <a:ext cx="8206611" cy="5181599"/>
+          </a:xfrm>
+          <a:prstGeom prst="rect">
+            <a:avLst/>
+          </a:prstGeom>
+        </p:spPr>
+        <p:txBody>
+          <a:bodyPr vert="horz" lIns="91440" tIns="45720" rIns="91440" bIns="45720" rtlCol="0">
+            <a:normAutofit/>
+          </a:bodyPr>
+          <a:lstStyle>
+            <a:lvl1pPr marL="342900" indent="-342900" algn="l" defTabSz="914400" rtl="0" eaLnBrk="1" latinLnBrk="0" hangingPunct="1">
+              <a:spcBef>
+                <a:spcPct val="20000"/>
+              </a:spcBef>
+              <a:buFont typeface="Arial" panose="020B0604020202020204" pitchFamily="34" charset="0"/>
+              <a:buChar char="•"/>
+              <a:defRPr sz="3200" kern="1200">
+                <a:solidFill>
+                  <a:schemeClr val="tx1"/>
+                </a:solidFill>
+                <a:latin typeface="+mn-lt"/>
+                <a:ea typeface="+mn-ea"/>
+                <a:cs typeface="+mn-cs"/>
+              </a:defRPr>
+            </a:lvl1pPr>
+            <a:lvl2pPr marL="742950" indent="-285750" algn="l" defTabSz="914400" rtl="0" eaLnBrk="1" latinLnBrk="0" hangingPunct="1">
+              <a:spcBef>
+                <a:spcPct val="20000"/>
+              </a:spcBef>
+              <a:buFont typeface="Arial" panose="020B0604020202020204" pitchFamily="34" charset="0"/>
+              <a:buChar char="–"/>
+              <a:defRPr sz="2800" kern="1200">
+                <a:solidFill>
+                  <a:schemeClr val="tx1"/>
+                </a:solidFill>
+                <a:latin typeface="+mn-lt"/>
+                <a:ea typeface="+mn-ea"/>
+                <a:cs typeface="+mn-cs"/>
+              </a:defRPr>
+            </a:lvl2pPr>
+            <a:lvl3pPr marL="1143000" indent="-228600" algn="l" defTabSz="914400" rtl="0" eaLnBrk="1" latinLnBrk="0" hangingPunct="1">
+              <a:spcBef>
+                <a:spcPct val="20000"/>
+              </a:spcBef>
+              <a:buFont typeface="Arial" panose="020B0604020202020204" pitchFamily="34" charset="0"/>
+              <a:buChar char="•"/>
+              <a:defRPr sz="2400" kern="1200">
+                <a:solidFill>
+                  <a:schemeClr val="tx1"/>
+                </a:solidFill>
+                <a:latin typeface="+mn-lt"/>
+                <a:ea typeface="+mn-ea"/>
+                <a:cs typeface="+mn-cs"/>
+              </a:defRPr>
+            </a:lvl3pPr>
+            <a:lvl4pPr marL="1600200" indent="-228600" algn="l" defTabSz="914400" rtl="0" eaLnBrk="1" latinLnBrk="0" hangingPunct="1">
+              <a:spcBef>
+                <a:spcPct val="20000"/>
+              </a:spcBef>
+              <a:buFont typeface="Arial" panose="020B0604020202020204" pitchFamily="34" charset="0"/>
+              <a:buChar char="–"/>
+              <a:defRPr sz="2000" kern="1200">
+                <a:solidFill>
+                  <a:schemeClr val="tx1"/>
+                </a:solidFill>
+                <a:latin typeface="+mn-lt"/>
+                <a:ea typeface="+mn-ea"/>
+                <a:cs typeface="+mn-cs"/>
+              </a:defRPr>
+            </a:lvl4pPr>
+            <a:lvl5pPr marL="2057400" indent="-228600" algn="l" defTabSz="914400" rtl="0" eaLnBrk="1" latinLnBrk="0" hangingPunct="1">
+              <a:spcBef>
+                <a:spcPct val="20000"/>
+              </a:spcBef>
+              <a:buFont typeface="Arial" panose="020B0604020202020204" pitchFamily="34" charset="0"/>
+              <a:buChar char="»"/>
+              <a:defRPr sz="2000" kern="1200">
+                <a:solidFill>
+                  <a:schemeClr val="tx1"/>
+                </a:solidFill>
+                <a:latin typeface="+mn-lt"/>
+                <a:ea typeface="+mn-ea"/>
+                <a:cs typeface="+mn-cs"/>
+              </a:defRPr>
+            </a:lvl5pPr>
+            <a:lvl6pPr marL="2514600" indent="-228600" algn="l" defTabSz="914400" rtl="0" eaLnBrk="1" latinLnBrk="0" hangingPunct="1">
+              <a:spcBef>
+                <a:spcPct val="20000"/>
+              </a:spcBef>
+              <a:buFont typeface="Arial" panose="020B0604020202020204" pitchFamily="34" charset="0"/>
+              <a:buChar char="•"/>
+              <a:defRPr sz="2000" kern="1200">
+                <a:solidFill>
+                  <a:schemeClr val="tx1"/>
+                </a:solidFill>
+                <a:latin typeface="+mn-lt"/>
+                <a:ea typeface="+mn-ea"/>
+                <a:cs typeface="+mn-cs"/>
+              </a:defRPr>
+            </a:lvl6pPr>
+            <a:lvl7pPr marL="2971800" indent="-228600" algn="l" defTabSz="914400" rtl="0" eaLnBrk="1" latinLnBrk="0" hangingPunct="1">
+              <a:spcBef>
+                <a:spcPct val="20000"/>
+              </a:spcBef>
+              <a:buFont typeface="Arial" panose="020B0604020202020204" pitchFamily="34" charset="0"/>
+              <a:buChar char="•"/>
+              <a:defRPr sz="2000" kern="1200">
+                <a:solidFill>
+                  <a:schemeClr val="tx1"/>
+                </a:solidFill>
+                <a:latin typeface="+mn-lt"/>
+                <a:ea typeface="+mn-ea"/>
+                <a:cs typeface="+mn-cs"/>
+              </a:defRPr>
+            </a:lvl7pPr>
+            <a:lvl8pPr marL="3429000" indent="-228600" algn="l" defTabSz="914400" rtl="0" eaLnBrk="1" latinLnBrk="0" hangingPunct="1">
+              <a:spcBef>
+                <a:spcPct val="20000"/>
+              </a:spcBef>
+              <a:buFont typeface="Arial" panose="020B0604020202020204" pitchFamily="34" charset="0"/>
+              <a:buChar char="•"/>
+              <a:defRPr sz="2000" kern="1200">
+                <a:solidFill>
+                  <a:schemeClr val="tx1"/>
+                </a:solidFill>
+                <a:latin typeface="+mn-lt"/>
+                <a:ea typeface="+mn-ea"/>
+                <a:cs typeface="+mn-cs"/>
+              </a:defRPr>
+            </a:lvl8pPr>
+            <a:lvl9pPr marL="3886200" indent="-228600" algn="l" defTabSz="914400" rtl="0" eaLnBrk="1" latinLnBrk="0" hangingPunct="1">
+              <a:spcBef>
+                <a:spcPct val="20000"/>
+              </a:spcBef>
+              <a:buFont typeface="Arial" panose="020B0604020202020204" pitchFamily="34" charset="0"/>
+              <a:buChar char="•"/>
+              <a:defRPr sz="2000" kern="1200">
+                <a:solidFill>
+                  <a:schemeClr val="tx1"/>
+                </a:solidFill>
+                <a:latin typeface="+mn-lt"/>
+                <a:ea typeface="+mn-ea"/>
+                <a:cs typeface="+mn-cs"/>
+              </a:defRPr>
+            </a:lvl9pPr>
+          </a:lstStyle>
+          <a:p>
+            <a:r>
+              <a:rPr lang="en-US" sz="2000" dirty="0"/>
+              <a:t>Membership functions </a:t>
+            </a:r>
+            <a:r>
+              <a:rPr lang="en-US" sz="2000" dirty="0" smtClean="0"/>
+              <a:t>are mathematical </a:t>
+            </a:r>
+            <a:r>
+              <a:rPr lang="en-US" sz="2000" dirty="0"/>
+              <a:t>tools for indicating flexible membership to a set, modeling, </a:t>
+            </a:r>
+            <a:r>
+              <a:rPr lang="en-US" sz="2000" dirty="0" smtClean="0"/>
+              <a:t>and quantifying </a:t>
+            </a:r>
+            <a:r>
+              <a:rPr lang="en-US" sz="2000" dirty="0"/>
+              <a:t>the meaning of symbols</a:t>
+            </a:r>
+            <a:r>
+              <a:rPr lang="en-US" sz="2000" dirty="0" smtClean="0"/>
+              <a:t>.</a:t>
+            </a:r>
+          </a:p>
+          <a:p>
+            <a:r>
+              <a:rPr lang="en-US" sz="2000" dirty="0"/>
+              <a:t>Membership functions are used in </a:t>
+            </a:r>
+            <a:r>
+              <a:rPr lang="en-US" sz="2000" dirty="0" smtClean="0"/>
+              <a:t>the fuzzification </a:t>
+            </a:r>
+            <a:r>
+              <a:rPr lang="en-US" sz="2000" dirty="0"/>
+              <a:t>and defuzzification steps of a Fuzzy Logic system.</a:t>
+            </a:r>
+          </a:p>
+          <a:p>
+            <a:r>
+              <a:rPr lang="en-US" sz="2000" dirty="0"/>
+              <a:t>A membership function </a:t>
+            </a:r>
+            <a:r>
+              <a:rPr lang="en-US" sz="2000" dirty="0" smtClean="0"/>
+              <a:t>is used </a:t>
+            </a:r>
+            <a:r>
+              <a:rPr lang="en-US" sz="2000" dirty="0"/>
+              <a:t>to quantify a linguistic </a:t>
+            </a:r>
+            <a:r>
+              <a:rPr lang="en-US" sz="2000" dirty="0" smtClean="0"/>
+              <a:t>term.</a:t>
+            </a:r>
+          </a:p>
+          <a:p>
+            <a:endParaRPr lang="en-US" sz="2000" dirty="0"/>
+          </a:p>
+          <a:p>
+            <a:pPr marL="0" indent="0">
+              <a:buNone/>
+            </a:pPr>
+            <a:endParaRPr lang="en-US" sz="2000" dirty="0" smtClean="0"/>
+          </a:p>
+        </p:txBody>
+      </p:sp>
+      <p:sp>
+        <p:nvSpPr>
+          <p:cNvPr id="9" name="Title 1"/>
+          <p:cNvSpPr txBox="1">
+            <a:spLocks/>
+          </p:cNvSpPr>
+          <p:nvPr/>
+        </p:nvSpPr>
+        <p:spPr>
+          <a:xfrm>
+            <a:off x="228600" y="0"/>
+            <a:ext cx="8839200" cy="1143000"/>
+          </a:xfrm>
+          <a:prstGeom prst="rect">
+            <a:avLst/>
+          </a:prstGeom>
+        </p:spPr>
+        <p:txBody>
+          <a:bodyPr vert="horz" lIns="91440" tIns="45720" rIns="91440" bIns="45720" rtlCol="0" anchor="ctr">
+            <a:normAutofit/>
+          </a:bodyPr>
+          <a:lstStyle>
+            <a:lvl1pPr algn="ctr" defTabSz="914400" rtl="0" eaLnBrk="1" latinLnBrk="0" hangingPunct="1">
+              <a:spcBef>
+                <a:spcPct val="0"/>
+              </a:spcBef>
+              <a:buNone/>
+              <a:defRPr sz="4400" kern="1200">
+                <a:solidFill>
+                  <a:schemeClr val="tx1"/>
+                </a:solidFill>
+                <a:latin typeface="+mj-lt"/>
+                <a:ea typeface="+mj-ea"/>
+                <a:cs typeface="+mj-cs"/>
+              </a:defRPr>
+            </a:lvl1pPr>
+          </a:lstStyle>
+          <a:p>
+            <a:pPr algn="l"/>
+            <a:r>
+              <a:rPr lang="en-US" sz="2400" b="1" dirty="0" smtClean="0"/>
+              <a:t>Uncertainty in AI </a:t>
+            </a:r>
+            <a:r>
+              <a:rPr lang="en-US" sz="2400" b="1" dirty="0"/>
+              <a:t>&gt; </a:t>
+            </a:r>
+            <a:r>
+              <a:rPr lang="en-US" sz="2400" b="1" dirty="0"/>
+              <a:t>Fuzzy Logic </a:t>
+            </a:r>
+            <a:r>
+              <a:rPr lang="en-US" sz="2400" b="1" dirty="0" smtClean="0"/>
+              <a:t>Theory: </a:t>
+            </a:r>
+            <a:r>
+              <a:rPr lang="en-US" sz="2000" b="1" dirty="0" smtClean="0"/>
+              <a:t>Membership </a:t>
+            </a:r>
+            <a:r>
+              <a:rPr lang="en-US" sz="2000" b="1" dirty="0" err="1" smtClean="0"/>
+              <a:t>Funcitons</a:t>
+            </a:r>
+            <a:endParaRPr lang="en-US" sz="2000" b="1" i="1" dirty="0"/>
+          </a:p>
+        </p:txBody>
+      </p:sp>
+      <p:pic>
+        <p:nvPicPr>
+          <p:cNvPr id="9218" name="Picture 2" descr="C:\Users\Mohammad\Documents\GitHub\CompExam3\figure\membership-function.png"/>
+          <p:cNvPicPr>
+            <a:picLocks noChangeAspect="1" noChangeArrowheads="1"/>
+          </p:cNvPicPr>
+          <p:nvPr/>
+        </p:nvPicPr>
+        <p:blipFill>
+          <a:blip r:embed="rId3" cstate="print">
+            <a:extLst>
+              <a:ext uri="{28A0092B-C50C-407E-A947-70E740481C1C}">
+                <a14:useLocalDpi xmlns:a14="http://schemas.microsoft.com/office/drawing/2010/main" val="0"/>
+              </a:ext>
+            </a:extLst>
+          </a:blip>
+          <a:srcRect/>
+          <a:stretch>
+            <a:fillRect/>
+          </a:stretch>
+        </p:blipFill>
+        <p:spPr bwMode="auto">
+          <a:xfrm>
+            <a:off x="2455137" y="3385664"/>
+            <a:ext cx="4210733" cy="3015136"/>
+          </a:xfrm>
+          <a:prstGeom prst="rect">
+            <a:avLst/>
+          </a:prstGeom>
+          <a:noFill/>
+          <a:extLst>
+            <a:ext uri="{909E8E84-426E-40DD-AFC4-6F175D3DCCD1}">
+              <a14:hiddenFill xmlns:a14="http://schemas.microsoft.com/office/drawing/2010/main">
+                <a:solidFill>
+                  <a:srgbClr val="FFFFFF"/>
+                </a:solidFill>
+              </a14:hiddenFill>
+            </a:ext>
+          </a:extLst>
+        </p:spPr>
+      </p:pic>
+    </p:spTree>
+    <p:extLst>
+      <p:ext uri="{BB962C8B-B14F-4D97-AF65-F5344CB8AC3E}">
+        <p14:creationId xmlns:p14="http://schemas.microsoft.com/office/powerpoint/2010/main" val="157934192"/>
+      </p:ext>
+    </p:extLst>
+  </p:cSld>
+  <p:clrMapOvr>
+    <a:masterClrMapping/>
+  </p:clrMapOvr>
+  <p:timing>
+    <p:tnLst>
+      <p:par>
+        <p:cTn id="1" dur="indefinite" restart="never" nodeType="tmRoot"/>
+      </p:par>
+    </p:tnLst>
+  </p:timing>
+</p:sld>
+</file>
+
+<file path=ppt/slides/slide42.xml><?xml version="1.0" encoding="utf-8"?>
+<p:sld xmlns:a="http://schemas.openxmlformats.org/drawingml/2006/main" xmlns:r="http://schemas.openxmlformats.org/officeDocument/2006/relationships" xmlns:p="http://schemas.openxmlformats.org/presentationml/2006/main">
+  <p:cSld>
+    <p:spTree>
+      <p:nvGrpSpPr>
+        <p:cNvPr id="1" name=""/>
+        <p:cNvGrpSpPr/>
+        <p:nvPr/>
+      </p:nvGrpSpPr>
+      <p:grpSpPr>
+        <a:xfrm>
+          <a:off x="0" y="0"/>
+          <a:ext cx="0" cy="0"/>
+          <a:chOff x="0" y="0"/>
+          <a:chExt cx="0" cy="0"/>
+        </a:xfrm>
+      </p:grpSpPr>
+      <p:sp>
+        <p:nvSpPr>
+          <p:cNvPr id="5" name="Content Placeholder 2"/>
+          <p:cNvSpPr txBox="1">
+            <a:spLocks/>
+          </p:cNvSpPr>
+          <p:nvPr/>
+        </p:nvSpPr>
+        <p:spPr>
+          <a:xfrm>
+            <a:off x="457199" y="4114800"/>
+            <a:ext cx="8206611" cy="2286000"/>
+          </a:xfrm>
+          <a:prstGeom prst="rect">
+            <a:avLst/>
+          </a:prstGeom>
+        </p:spPr>
+        <p:txBody>
+          <a:bodyPr vert="horz" lIns="91440" tIns="45720" rIns="91440" bIns="45720" rtlCol="0">
+            <a:normAutofit/>
+          </a:bodyPr>
+          <a:lstStyle>
+            <a:lvl1pPr marL="342900" indent="-342900" algn="l" defTabSz="914400" rtl="0" eaLnBrk="1" latinLnBrk="0" hangingPunct="1">
+              <a:spcBef>
+                <a:spcPct val="20000"/>
+              </a:spcBef>
+              <a:buFont typeface="Arial" panose="020B0604020202020204" pitchFamily="34" charset="0"/>
+              <a:buChar char="•"/>
+              <a:defRPr sz="3200" kern="1200">
+                <a:solidFill>
+                  <a:schemeClr val="tx1"/>
+                </a:solidFill>
+                <a:latin typeface="+mn-lt"/>
+                <a:ea typeface="+mn-ea"/>
+                <a:cs typeface="+mn-cs"/>
+              </a:defRPr>
+            </a:lvl1pPr>
+            <a:lvl2pPr marL="742950" indent="-285750" algn="l" defTabSz="914400" rtl="0" eaLnBrk="1" latinLnBrk="0" hangingPunct="1">
+              <a:spcBef>
+                <a:spcPct val="20000"/>
+              </a:spcBef>
+              <a:buFont typeface="Arial" panose="020B0604020202020204" pitchFamily="34" charset="0"/>
+              <a:buChar char="–"/>
+              <a:defRPr sz="2800" kern="1200">
+                <a:solidFill>
+                  <a:schemeClr val="tx1"/>
+                </a:solidFill>
+                <a:latin typeface="+mn-lt"/>
+                <a:ea typeface="+mn-ea"/>
+                <a:cs typeface="+mn-cs"/>
+              </a:defRPr>
+            </a:lvl2pPr>
+            <a:lvl3pPr marL="1143000" indent="-228600" algn="l" defTabSz="914400" rtl="0" eaLnBrk="1" latinLnBrk="0" hangingPunct="1">
+              <a:spcBef>
+                <a:spcPct val="20000"/>
+              </a:spcBef>
+              <a:buFont typeface="Arial" panose="020B0604020202020204" pitchFamily="34" charset="0"/>
+              <a:buChar char="•"/>
+              <a:defRPr sz="2400" kern="1200">
+                <a:solidFill>
+                  <a:schemeClr val="tx1"/>
+                </a:solidFill>
+                <a:latin typeface="+mn-lt"/>
+                <a:ea typeface="+mn-ea"/>
+                <a:cs typeface="+mn-cs"/>
+              </a:defRPr>
+            </a:lvl3pPr>
+            <a:lvl4pPr marL="1600200" indent="-228600" algn="l" defTabSz="914400" rtl="0" eaLnBrk="1" latinLnBrk="0" hangingPunct="1">
+              <a:spcBef>
+                <a:spcPct val="20000"/>
+              </a:spcBef>
+              <a:buFont typeface="Arial" panose="020B0604020202020204" pitchFamily="34" charset="0"/>
+              <a:buChar char="–"/>
+              <a:defRPr sz="2000" kern="1200">
+                <a:solidFill>
+                  <a:schemeClr val="tx1"/>
+                </a:solidFill>
+                <a:latin typeface="+mn-lt"/>
+                <a:ea typeface="+mn-ea"/>
+                <a:cs typeface="+mn-cs"/>
+              </a:defRPr>
+            </a:lvl4pPr>
+            <a:lvl5pPr marL="2057400" indent="-228600" algn="l" defTabSz="914400" rtl="0" eaLnBrk="1" latinLnBrk="0" hangingPunct="1">
+              <a:spcBef>
+                <a:spcPct val="20000"/>
+              </a:spcBef>
+              <a:buFont typeface="Arial" panose="020B0604020202020204" pitchFamily="34" charset="0"/>
+              <a:buChar char="»"/>
+              <a:defRPr sz="2000" kern="1200">
+                <a:solidFill>
+                  <a:schemeClr val="tx1"/>
+                </a:solidFill>
+                <a:latin typeface="+mn-lt"/>
+                <a:ea typeface="+mn-ea"/>
+                <a:cs typeface="+mn-cs"/>
+              </a:defRPr>
+            </a:lvl5pPr>
+            <a:lvl6pPr marL="2514600" indent="-228600" algn="l" defTabSz="914400" rtl="0" eaLnBrk="1" latinLnBrk="0" hangingPunct="1">
+              <a:spcBef>
+                <a:spcPct val="20000"/>
+              </a:spcBef>
+              <a:buFont typeface="Arial" panose="020B0604020202020204" pitchFamily="34" charset="0"/>
+              <a:buChar char="•"/>
+              <a:defRPr sz="2000" kern="1200">
+                <a:solidFill>
+                  <a:schemeClr val="tx1"/>
+                </a:solidFill>
+                <a:latin typeface="+mn-lt"/>
+                <a:ea typeface="+mn-ea"/>
+                <a:cs typeface="+mn-cs"/>
+              </a:defRPr>
+            </a:lvl6pPr>
+            <a:lvl7pPr marL="2971800" indent="-228600" algn="l" defTabSz="914400" rtl="0" eaLnBrk="1" latinLnBrk="0" hangingPunct="1">
+              <a:spcBef>
+                <a:spcPct val="20000"/>
+              </a:spcBef>
+              <a:buFont typeface="Arial" panose="020B0604020202020204" pitchFamily="34" charset="0"/>
+              <a:buChar char="•"/>
+              <a:defRPr sz="2000" kern="1200">
+                <a:solidFill>
+                  <a:schemeClr val="tx1"/>
+                </a:solidFill>
+                <a:latin typeface="+mn-lt"/>
+                <a:ea typeface="+mn-ea"/>
+                <a:cs typeface="+mn-cs"/>
+              </a:defRPr>
+            </a:lvl7pPr>
+            <a:lvl8pPr marL="3429000" indent="-228600" algn="l" defTabSz="914400" rtl="0" eaLnBrk="1" latinLnBrk="0" hangingPunct="1">
+              <a:spcBef>
+                <a:spcPct val="20000"/>
+              </a:spcBef>
+              <a:buFont typeface="Arial" panose="020B0604020202020204" pitchFamily="34" charset="0"/>
+              <a:buChar char="•"/>
+              <a:defRPr sz="2000" kern="1200">
+                <a:solidFill>
+                  <a:schemeClr val="tx1"/>
+                </a:solidFill>
+                <a:latin typeface="+mn-lt"/>
+                <a:ea typeface="+mn-ea"/>
+                <a:cs typeface="+mn-cs"/>
+              </a:defRPr>
+            </a:lvl8pPr>
+            <a:lvl9pPr marL="3886200" indent="-228600" algn="l" defTabSz="914400" rtl="0" eaLnBrk="1" latinLnBrk="0" hangingPunct="1">
+              <a:spcBef>
+                <a:spcPct val="20000"/>
+              </a:spcBef>
+              <a:buFont typeface="Arial" panose="020B0604020202020204" pitchFamily="34" charset="0"/>
+              <a:buChar char="•"/>
+              <a:defRPr sz="2000" kern="1200">
+                <a:solidFill>
+                  <a:schemeClr val="tx1"/>
+                </a:solidFill>
+                <a:latin typeface="+mn-lt"/>
+                <a:ea typeface="+mn-ea"/>
+                <a:cs typeface="+mn-cs"/>
+              </a:defRPr>
+            </a:lvl9pPr>
+          </a:lstStyle>
+          <a:p>
+            <a:pPr marL="0" indent="0">
+              <a:buNone/>
+            </a:pPr>
+            <a:r>
+              <a:rPr lang="en-US" sz="2000" b="1" dirty="0" smtClean="0"/>
+              <a:t>Linguistic Variables:</a:t>
+            </a:r>
+          </a:p>
+          <a:p>
+            <a:r>
+              <a:rPr lang="en-US" sz="2000" dirty="0"/>
+              <a:t>Linguistic variables are the input or output variables of the </a:t>
+            </a:r>
+            <a:r>
+              <a:rPr lang="en-US" sz="2000" dirty="0" smtClean="0"/>
+              <a:t>system whose </a:t>
+            </a:r>
+            <a:r>
+              <a:rPr lang="en-US" sz="2000" dirty="0"/>
+              <a:t>values </a:t>
+            </a:r>
+            <a:r>
+              <a:rPr lang="en-US" sz="2000" dirty="0" smtClean="0"/>
+              <a:t>(linguistic terms) are </a:t>
+            </a:r>
+            <a:r>
+              <a:rPr lang="en-US" sz="2000" dirty="0"/>
+              <a:t>words or sentences from a natural </a:t>
+            </a:r>
+            <a:r>
+              <a:rPr lang="en-US" sz="2000" dirty="0" smtClean="0"/>
+              <a:t>language.</a:t>
+            </a:r>
+          </a:p>
+          <a:p>
+            <a:pPr marL="0" indent="0">
+              <a:buNone/>
+            </a:pPr>
+            <a:r>
+              <a:rPr lang="en-US" sz="2000" b="1" dirty="0" smtClean="0"/>
+              <a:t>Fuzzy Rules:</a:t>
+            </a:r>
+            <a:endParaRPr lang="en-US" sz="2000" b="1" dirty="0" smtClean="0"/>
+          </a:p>
+          <a:p>
+            <a:r>
+              <a:rPr lang="en-US" sz="2000" dirty="0" smtClean="0"/>
+              <a:t>A </a:t>
+            </a:r>
+            <a:r>
+              <a:rPr lang="en-US" sz="2000" dirty="0"/>
+              <a:t>rule-base is constructed to determine and control </a:t>
+            </a:r>
+            <a:r>
+              <a:rPr lang="en-US" sz="2000" dirty="0" smtClean="0"/>
+              <a:t>the output </a:t>
+            </a:r>
+            <a:r>
+              <a:rPr lang="en-US" sz="2000" dirty="0"/>
+              <a:t>variable</a:t>
+            </a:r>
+            <a:r>
+              <a:rPr lang="en-US" sz="2000" dirty="0" smtClean="0"/>
+              <a:t>.</a:t>
+            </a:r>
+          </a:p>
+          <a:p>
+            <a:endParaRPr lang="en-US" sz="2000" dirty="0" smtClean="0"/>
+          </a:p>
+        </p:txBody>
+      </p:sp>
+      <p:sp>
+        <p:nvSpPr>
+          <p:cNvPr id="9" name="Title 1"/>
+          <p:cNvSpPr txBox="1">
+            <a:spLocks/>
+          </p:cNvSpPr>
+          <p:nvPr/>
+        </p:nvSpPr>
+        <p:spPr>
+          <a:xfrm>
+            <a:off x="228600" y="0"/>
+            <a:ext cx="8839200" cy="1143000"/>
+          </a:xfrm>
+          <a:prstGeom prst="rect">
+            <a:avLst/>
+          </a:prstGeom>
+        </p:spPr>
+        <p:txBody>
+          <a:bodyPr vert="horz" lIns="91440" tIns="45720" rIns="91440" bIns="45720" rtlCol="0" anchor="ctr">
+            <a:normAutofit/>
+          </a:bodyPr>
+          <a:lstStyle>
+            <a:lvl1pPr algn="ctr" defTabSz="914400" rtl="0" eaLnBrk="1" latinLnBrk="0" hangingPunct="1">
+              <a:spcBef>
+                <a:spcPct val="0"/>
+              </a:spcBef>
+              <a:buNone/>
+              <a:defRPr sz="4400" kern="1200">
+                <a:solidFill>
+                  <a:schemeClr val="tx1"/>
+                </a:solidFill>
+                <a:latin typeface="+mj-lt"/>
+                <a:ea typeface="+mj-ea"/>
+                <a:cs typeface="+mj-cs"/>
+              </a:defRPr>
+            </a:lvl1pPr>
+          </a:lstStyle>
+          <a:p>
+            <a:pPr algn="l"/>
+            <a:r>
+              <a:rPr lang="en-US" sz="2400" b="1" dirty="0" smtClean="0"/>
+              <a:t>Uncertainty in AI </a:t>
+            </a:r>
+            <a:r>
+              <a:rPr lang="en-US" sz="2400" b="1" dirty="0"/>
+              <a:t>&gt; </a:t>
+            </a:r>
+            <a:r>
+              <a:rPr lang="en-US" sz="2400" b="1" dirty="0" smtClean="0"/>
+              <a:t>Fuzzy Logic Theory: </a:t>
+            </a:r>
+            <a:r>
+              <a:rPr lang="en-US" sz="2000" b="1" i="1" dirty="0" smtClean="0"/>
+              <a:t>Algorithm</a:t>
+            </a:r>
+            <a:endParaRPr lang="en-US" sz="2000" b="1" i="1" dirty="0"/>
+          </a:p>
+        </p:txBody>
+      </p:sp>
+      <p:pic>
+        <p:nvPicPr>
+          <p:cNvPr id="7170" name="Picture 2" descr="C:\Users\Mohammad\Documents\GitHub\CompExam3\figure\fuzzy-algorithm.png"/>
+          <p:cNvPicPr>
+            <a:picLocks noChangeAspect="1" noChangeArrowheads="1"/>
+          </p:cNvPicPr>
+          <p:nvPr/>
+        </p:nvPicPr>
+        <p:blipFill>
+          <a:blip r:embed="rId3">
+            <a:extLst>
+              <a:ext uri="{28A0092B-C50C-407E-A947-70E740481C1C}">
+                <a14:useLocalDpi xmlns:a14="http://schemas.microsoft.com/office/drawing/2010/main" val="0"/>
+              </a:ext>
+            </a:extLst>
+          </a:blip>
+          <a:srcRect/>
+          <a:stretch>
+            <a:fillRect/>
+          </a:stretch>
+        </p:blipFill>
+        <p:spPr bwMode="auto">
+          <a:xfrm>
+            <a:off x="76200" y="1165461"/>
+            <a:ext cx="9045575" cy="2720739"/>
+          </a:xfrm>
+          <a:prstGeom prst="rect">
+            <a:avLst/>
+          </a:prstGeom>
+          <a:noFill/>
+          <a:extLst>
+            <a:ext uri="{909E8E84-426E-40DD-AFC4-6F175D3DCCD1}">
+              <a14:hiddenFill xmlns:a14="http://schemas.microsoft.com/office/drawing/2010/main">
+                <a:solidFill>
+                  <a:srgbClr val="FFFFFF"/>
+                </a:solidFill>
+              </a14:hiddenFill>
+            </a:ext>
+          </a:extLst>
+        </p:spPr>
+      </p:pic>
+      <p:pic>
+        <p:nvPicPr>
+          <p:cNvPr id="7171" name="Picture 3"/>
+          <p:cNvPicPr>
+            <a:picLocks noChangeAspect="1" noChangeArrowheads="1"/>
+          </p:cNvPicPr>
+          <p:nvPr/>
+        </p:nvPicPr>
+        <p:blipFill>
+          <a:blip r:embed="rId4">
+            <a:extLst>
+              <a:ext uri="{28A0092B-C50C-407E-A947-70E740481C1C}">
+                <a14:useLocalDpi xmlns:a14="http://schemas.microsoft.com/office/drawing/2010/main" val="0"/>
+              </a:ext>
+            </a:extLst>
+          </a:blip>
+          <a:srcRect/>
+          <a:stretch>
+            <a:fillRect/>
+          </a:stretch>
+        </p:blipFill>
+        <p:spPr bwMode="auto">
+          <a:xfrm>
+            <a:off x="983866" y="5943600"/>
+            <a:ext cx="7153275" cy="628650"/>
+          </a:xfrm>
+          <a:prstGeom prst="rect">
+            <a:avLst/>
+          </a:prstGeom>
+          <a:noFill/>
+          <a:ln>
+            <a:noFill/>
+          </a:ln>
+          <a:extLst>
+            <a:ext uri="{909E8E84-426E-40DD-AFC4-6F175D3DCCD1}">
+              <a14:hiddenFill xmlns:a14="http://schemas.microsoft.com/office/drawing/2010/main">
+                <a:solidFill>
+                  <a:schemeClr val="accent1"/>
+                </a:solidFill>
+              </a14:hiddenFill>
+            </a:ext>
+            <a:ext uri="{91240B29-F687-4F45-9708-019B960494DF}">
+              <a14:hiddenLine xmlns:a14="http://schemas.microsoft.com/office/drawing/2010/main" w="9525">
+                <a:solidFill>
+                  <a:schemeClr val="tx1"/>
+                </a:solidFill>
+                <a:miter lim="800000"/>
+                <a:headEnd/>
+                <a:tailEnd/>
+              </a14:hiddenLine>
+            </a:ext>
+          </a:extLst>
+        </p:spPr>
+      </p:pic>
+    </p:spTree>
+    <p:extLst>
+      <p:ext uri="{BB962C8B-B14F-4D97-AF65-F5344CB8AC3E}">
+        <p14:creationId xmlns:p14="http://schemas.microsoft.com/office/powerpoint/2010/main" val="2579971460"/>
+      </p:ext>
+    </p:extLst>
+  </p:cSld>
+  <p:clrMapOvr>
+    <a:masterClrMapping/>
+  </p:clrMapOvr>
+  <p:timing>
+    <p:tnLst>
+      <p:par>
+        <p:cTn id="1" dur="indefinite" restart="never" nodeType="tmRoot"/>
+      </p:par>
+    </p:tnLst>
+  </p:timing>
+</p:sld>
+</file>
+
+<file path=ppt/slides/slide43.xml><?xml version="1.0" encoding="utf-8"?>
+<p:sld xmlns:a="http://schemas.openxmlformats.org/drawingml/2006/main" xmlns:r="http://schemas.openxmlformats.org/officeDocument/2006/relationships" xmlns:p="http://schemas.openxmlformats.org/presentationml/2006/main">
+  <p:cSld>
+    <p:spTree>
+      <p:nvGrpSpPr>
+        <p:cNvPr id="1" name=""/>
+        <p:cNvGrpSpPr/>
+        <p:nvPr/>
+      </p:nvGrpSpPr>
+      <p:grpSpPr>
+        <a:xfrm>
+          <a:off x="0" y="0"/>
+          <a:ext cx="0" cy="0"/>
+          <a:chOff x="0" y="0"/>
+          <a:chExt cx="0" cy="0"/>
+        </a:xfrm>
+      </p:grpSpPr>
+      <p:sp>
+        <p:nvSpPr>
+          <p:cNvPr id="5" name="Content Placeholder 2"/>
+          <p:cNvSpPr txBox="1">
+            <a:spLocks/>
+          </p:cNvSpPr>
+          <p:nvPr/>
+        </p:nvSpPr>
+        <p:spPr>
+          <a:xfrm>
+            <a:off x="457199" y="4114800"/>
+            <a:ext cx="8206611" cy="2286000"/>
+          </a:xfrm>
+          <a:prstGeom prst="rect">
+            <a:avLst/>
+          </a:prstGeom>
+        </p:spPr>
+        <p:txBody>
+          <a:bodyPr vert="horz" lIns="91440" tIns="45720" rIns="91440" bIns="45720" rtlCol="0">
+            <a:normAutofit/>
+          </a:bodyPr>
+          <a:lstStyle>
+            <a:lvl1pPr marL="342900" indent="-342900" algn="l" defTabSz="914400" rtl="0" eaLnBrk="1" latinLnBrk="0" hangingPunct="1">
+              <a:spcBef>
+                <a:spcPct val="20000"/>
+              </a:spcBef>
+              <a:buFont typeface="Arial" panose="020B0604020202020204" pitchFamily="34" charset="0"/>
+              <a:buChar char="•"/>
+              <a:defRPr sz="3200" kern="1200">
+                <a:solidFill>
+                  <a:schemeClr val="tx1"/>
+                </a:solidFill>
+                <a:latin typeface="+mn-lt"/>
+                <a:ea typeface="+mn-ea"/>
+                <a:cs typeface="+mn-cs"/>
+              </a:defRPr>
+            </a:lvl1pPr>
+            <a:lvl2pPr marL="742950" indent="-285750" algn="l" defTabSz="914400" rtl="0" eaLnBrk="1" latinLnBrk="0" hangingPunct="1">
+              <a:spcBef>
+                <a:spcPct val="20000"/>
+              </a:spcBef>
+              <a:buFont typeface="Arial" panose="020B0604020202020204" pitchFamily="34" charset="0"/>
+              <a:buChar char="–"/>
+              <a:defRPr sz="2800" kern="1200">
+                <a:solidFill>
+                  <a:schemeClr val="tx1"/>
+                </a:solidFill>
+                <a:latin typeface="+mn-lt"/>
+                <a:ea typeface="+mn-ea"/>
+                <a:cs typeface="+mn-cs"/>
+              </a:defRPr>
+            </a:lvl2pPr>
+            <a:lvl3pPr marL="1143000" indent="-228600" algn="l" defTabSz="914400" rtl="0" eaLnBrk="1" latinLnBrk="0" hangingPunct="1">
+              <a:spcBef>
+                <a:spcPct val="20000"/>
+              </a:spcBef>
+              <a:buFont typeface="Arial" panose="020B0604020202020204" pitchFamily="34" charset="0"/>
+              <a:buChar char="•"/>
+              <a:defRPr sz="2400" kern="1200">
+                <a:solidFill>
+                  <a:schemeClr val="tx1"/>
+                </a:solidFill>
+                <a:latin typeface="+mn-lt"/>
+                <a:ea typeface="+mn-ea"/>
+                <a:cs typeface="+mn-cs"/>
+              </a:defRPr>
+            </a:lvl3pPr>
+            <a:lvl4pPr marL="1600200" indent="-228600" algn="l" defTabSz="914400" rtl="0" eaLnBrk="1" latinLnBrk="0" hangingPunct="1">
+              <a:spcBef>
+                <a:spcPct val="20000"/>
+              </a:spcBef>
+              <a:buFont typeface="Arial" panose="020B0604020202020204" pitchFamily="34" charset="0"/>
+              <a:buChar char="–"/>
+              <a:defRPr sz="2000" kern="1200">
+                <a:solidFill>
+                  <a:schemeClr val="tx1"/>
+                </a:solidFill>
+                <a:latin typeface="+mn-lt"/>
+                <a:ea typeface="+mn-ea"/>
+                <a:cs typeface="+mn-cs"/>
+              </a:defRPr>
+            </a:lvl4pPr>
+            <a:lvl5pPr marL="2057400" indent="-228600" algn="l" defTabSz="914400" rtl="0" eaLnBrk="1" latinLnBrk="0" hangingPunct="1">
+              <a:spcBef>
+                <a:spcPct val="20000"/>
+              </a:spcBef>
+              <a:buFont typeface="Arial" panose="020B0604020202020204" pitchFamily="34" charset="0"/>
+              <a:buChar char="»"/>
+              <a:defRPr sz="2000" kern="1200">
+                <a:solidFill>
+                  <a:schemeClr val="tx1"/>
+                </a:solidFill>
+                <a:latin typeface="+mn-lt"/>
+                <a:ea typeface="+mn-ea"/>
+                <a:cs typeface="+mn-cs"/>
+              </a:defRPr>
+            </a:lvl5pPr>
+            <a:lvl6pPr marL="2514600" indent="-228600" algn="l" defTabSz="914400" rtl="0" eaLnBrk="1" latinLnBrk="0" hangingPunct="1">
+              <a:spcBef>
+                <a:spcPct val="20000"/>
+              </a:spcBef>
+              <a:buFont typeface="Arial" panose="020B0604020202020204" pitchFamily="34" charset="0"/>
+              <a:buChar char="•"/>
+              <a:defRPr sz="2000" kern="1200">
+                <a:solidFill>
+                  <a:schemeClr val="tx1"/>
+                </a:solidFill>
+                <a:latin typeface="+mn-lt"/>
+                <a:ea typeface="+mn-ea"/>
+                <a:cs typeface="+mn-cs"/>
+              </a:defRPr>
+            </a:lvl6pPr>
+            <a:lvl7pPr marL="2971800" indent="-228600" algn="l" defTabSz="914400" rtl="0" eaLnBrk="1" latinLnBrk="0" hangingPunct="1">
+              <a:spcBef>
+                <a:spcPct val="20000"/>
+              </a:spcBef>
+              <a:buFont typeface="Arial" panose="020B0604020202020204" pitchFamily="34" charset="0"/>
+              <a:buChar char="•"/>
+              <a:defRPr sz="2000" kern="1200">
+                <a:solidFill>
+                  <a:schemeClr val="tx1"/>
+                </a:solidFill>
+                <a:latin typeface="+mn-lt"/>
+                <a:ea typeface="+mn-ea"/>
+                <a:cs typeface="+mn-cs"/>
+              </a:defRPr>
+            </a:lvl7pPr>
+            <a:lvl8pPr marL="3429000" indent="-228600" algn="l" defTabSz="914400" rtl="0" eaLnBrk="1" latinLnBrk="0" hangingPunct="1">
+              <a:spcBef>
+                <a:spcPct val="20000"/>
+              </a:spcBef>
+              <a:buFont typeface="Arial" panose="020B0604020202020204" pitchFamily="34" charset="0"/>
+              <a:buChar char="•"/>
+              <a:defRPr sz="2000" kern="1200">
+                <a:solidFill>
+                  <a:schemeClr val="tx1"/>
+                </a:solidFill>
+                <a:latin typeface="+mn-lt"/>
+                <a:ea typeface="+mn-ea"/>
+                <a:cs typeface="+mn-cs"/>
+              </a:defRPr>
+            </a:lvl8pPr>
+            <a:lvl9pPr marL="3886200" indent="-228600" algn="l" defTabSz="914400" rtl="0" eaLnBrk="1" latinLnBrk="0" hangingPunct="1">
+              <a:spcBef>
+                <a:spcPct val="20000"/>
+              </a:spcBef>
+              <a:buFont typeface="Arial" panose="020B0604020202020204" pitchFamily="34" charset="0"/>
+              <a:buChar char="•"/>
+              <a:defRPr sz="2000" kern="1200">
+                <a:solidFill>
+                  <a:schemeClr val="tx1"/>
+                </a:solidFill>
+                <a:latin typeface="+mn-lt"/>
+                <a:ea typeface="+mn-ea"/>
+                <a:cs typeface="+mn-cs"/>
+              </a:defRPr>
+            </a:lvl9pPr>
+          </a:lstStyle>
+          <a:p>
+            <a:r>
+              <a:rPr lang="en-US" sz="2000" b="1" dirty="0" smtClean="0"/>
+              <a:t>Fuzzification: </a:t>
+            </a:r>
+            <a:r>
+              <a:rPr lang="en-US" sz="2000" dirty="0" smtClean="0"/>
+              <a:t>The process of obtaining one fuzzy value for each crisp input.</a:t>
+            </a:r>
+          </a:p>
+          <a:p>
+            <a:r>
+              <a:rPr lang="en-US" sz="2000" b="1" dirty="0" smtClean="0"/>
+              <a:t>Reasoning: </a:t>
+            </a:r>
+            <a:r>
+              <a:rPr lang="en-US" sz="2000" dirty="0" smtClean="0"/>
+              <a:t>The process of combining the results of the rules to obtain a final result.</a:t>
+            </a:r>
+          </a:p>
+          <a:p>
+            <a:r>
+              <a:rPr lang="en-US" sz="2000" b="1" dirty="0" smtClean="0"/>
+              <a:t>Defuzzification: </a:t>
+            </a:r>
+            <a:r>
+              <a:rPr lang="en-US" sz="2000" dirty="0" smtClean="0"/>
+              <a:t>The process of obtaining a crisp value by defuzzifying the final fuzzy result using the membership function of the output variable.</a:t>
+            </a:r>
+          </a:p>
+          <a:p>
+            <a:pPr marL="0" indent="0">
+              <a:buNone/>
+            </a:pPr>
+            <a:endParaRPr lang="en-US" sz="2000" dirty="0" smtClean="0"/>
+          </a:p>
+          <a:p>
+            <a:endParaRPr lang="en-US" sz="2000" dirty="0" smtClean="0"/>
+          </a:p>
+        </p:txBody>
+      </p:sp>
+      <p:sp>
+        <p:nvSpPr>
+          <p:cNvPr id="9" name="Title 1"/>
+          <p:cNvSpPr txBox="1">
+            <a:spLocks/>
+          </p:cNvSpPr>
+          <p:nvPr/>
+        </p:nvSpPr>
+        <p:spPr>
+          <a:xfrm>
+            <a:off x="228600" y="0"/>
+            <a:ext cx="8839200" cy="1143000"/>
+          </a:xfrm>
+          <a:prstGeom prst="rect">
+            <a:avLst/>
+          </a:prstGeom>
+        </p:spPr>
+        <p:txBody>
+          <a:bodyPr vert="horz" lIns="91440" tIns="45720" rIns="91440" bIns="45720" rtlCol="0" anchor="ctr">
+            <a:normAutofit/>
+          </a:bodyPr>
+          <a:lstStyle>
+            <a:lvl1pPr algn="ctr" defTabSz="914400" rtl="0" eaLnBrk="1" latinLnBrk="0" hangingPunct="1">
+              <a:spcBef>
+                <a:spcPct val="0"/>
+              </a:spcBef>
+              <a:buNone/>
+              <a:defRPr sz="4400" kern="1200">
+                <a:solidFill>
+                  <a:schemeClr val="tx1"/>
+                </a:solidFill>
+                <a:latin typeface="+mj-lt"/>
+                <a:ea typeface="+mj-ea"/>
+                <a:cs typeface="+mj-cs"/>
+              </a:defRPr>
+            </a:lvl1pPr>
+          </a:lstStyle>
+          <a:p>
+            <a:pPr algn="l"/>
+            <a:r>
+              <a:rPr lang="en-US" sz="2400" b="1" dirty="0" smtClean="0"/>
+              <a:t>Uncertainty in AI </a:t>
+            </a:r>
+            <a:r>
+              <a:rPr lang="en-US" sz="2400" b="1" dirty="0"/>
+              <a:t>&gt; </a:t>
+            </a:r>
+            <a:r>
+              <a:rPr lang="en-US" sz="2400" b="1" dirty="0" smtClean="0"/>
+              <a:t>Fuzzy Logic Theory: </a:t>
+            </a:r>
+            <a:r>
+              <a:rPr lang="en-US" sz="2000" b="1" i="1" dirty="0" smtClean="0"/>
+              <a:t>Algorithm</a:t>
+            </a:r>
+            <a:endParaRPr lang="en-US" sz="2000" b="1" i="1" dirty="0"/>
+          </a:p>
+        </p:txBody>
+      </p:sp>
+      <p:pic>
+        <p:nvPicPr>
+          <p:cNvPr id="7170" name="Picture 2" descr="C:\Users\Mohammad\Documents\GitHub\CompExam3\figure\fuzzy-algorithm.png"/>
+          <p:cNvPicPr>
+            <a:picLocks noChangeAspect="1" noChangeArrowheads="1"/>
+          </p:cNvPicPr>
+          <p:nvPr/>
+        </p:nvPicPr>
+        <p:blipFill>
+          <a:blip r:embed="rId3">
+            <a:extLst>
+              <a:ext uri="{28A0092B-C50C-407E-A947-70E740481C1C}">
+                <a14:useLocalDpi xmlns:a14="http://schemas.microsoft.com/office/drawing/2010/main" val="0"/>
+              </a:ext>
+            </a:extLst>
+          </a:blip>
+          <a:srcRect/>
+          <a:stretch>
+            <a:fillRect/>
+          </a:stretch>
+        </p:blipFill>
+        <p:spPr bwMode="auto">
+          <a:xfrm>
+            <a:off x="76200" y="1165461"/>
+            <a:ext cx="9045575" cy="2720739"/>
+          </a:xfrm>
+          <a:prstGeom prst="rect">
+            <a:avLst/>
+          </a:prstGeom>
+          <a:noFill/>
+          <a:extLst>
+            <a:ext uri="{909E8E84-426E-40DD-AFC4-6F175D3DCCD1}">
+              <a14:hiddenFill xmlns:a14="http://schemas.microsoft.com/office/drawing/2010/main">
+                <a:solidFill>
+                  <a:srgbClr val="FFFFFF"/>
+                </a:solidFill>
+              </a14:hiddenFill>
+            </a:ext>
+          </a:extLst>
+        </p:spPr>
+      </p:pic>
+    </p:spTree>
+    <p:extLst>
+      <p:ext uri="{BB962C8B-B14F-4D97-AF65-F5344CB8AC3E}">
+        <p14:creationId xmlns:p14="http://schemas.microsoft.com/office/powerpoint/2010/main" val="125689435"/>
+      </p:ext>
+    </p:extLst>
+  </p:cSld>
+  <p:clrMapOvr>
+    <a:masterClrMapping/>
+  </p:clrMapOvr>
+  <p:timing>
+    <p:tnLst>
+      <p:par>
+        <p:cTn id="1" dur="indefinite" restart="never" nodeType="tmRoot"/>
+      </p:par>
+    </p:tnLst>
+  </p:timing>
+</p:sld>
+</file>
+
+<file path=ppt/slides/slide44.xml><?xml version="1.0" encoding="utf-8"?>
+<p:sld xmlns:a="http://schemas.openxmlformats.org/drawingml/2006/main" xmlns:r="http://schemas.openxmlformats.org/officeDocument/2006/relationships" xmlns:p="http://schemas.openxmlformats.org/presentationml/2006/main">
+  <p:cSld>
+    <p:spTree>
+      <p:nvGrpSpPr>
+        <p:cNvPr id="1" name=""/>
+        <p:cNvGrpSpPr/>
+        <p:nvPr/>
+      </p:nvGrpSpPr>
+      <p:grpSpPr>
+        <a:xfrm>
+          <a:off x="0" y="0"/>
+          <a:ext cx="0" cy="0"/>
+          <a:chOff x="0" y="0"/>
+          <a:chExt cx="0" cy="0"/>
+        </a:xfrm>
+      </p:grpSpPr>
+      <p:sp>
+        <p:nvSpPr>
+          <p:cNvPr id="5" name="Content Placeholder 2"/>
+          <p:cNvSpPr txBox="1">
+            <a:spLocks/>
+          </p:cNvSpPr>
+          <p:nvPr/>
+        </p:nvSpPr>
+        <p:spPr>
+          <a:xfrm>
+            <a:off x="457199" y="1143000"/>
+            <a:ext cx="8206611" cy="5257800"/>
+          </a:xfrm>
+          <a:prstGeom prst="rect">
+            <a:avLst/>
+          </a:prstGeom>
+        </p:spPr>
+        <p:txBody>
+          <a:bodyPr vert="horz" lIns="91440" tIns="45720" rIns="91440" bIns="45720" rtlCol="0">
+            <a:normAutofit/>
+          </a:bodyPr>
+          <a:lstStyle>
+            <a:lvl1pPr marL="342900" indent="-342900" algn="l" defTabSz="914400" rtl="0" eaLnBrk="1" latinLnBrk="0" hangingPunct="1">
+              <a:spcBef>
+                <a:spcPct val="20000"/>
+              </a:spcBef>
+              <a:buFont typeface="Arial" panose="020B0604020202020204" pitchFamily="34" charset="0"/>
+              <a:buChar char="•"/>
+              <a:defRPr sz="3200" kern="1200">
+                <a:solidFill>
+                  <a:schemeClr val="tx1"/>
+                </a:solidFill>
+                <a:latin typeface="+mn-lt"/>
+                <a:ea typeface="+mn-ea"/>
+                <a:cs typeface="+mn-cs"/>
+              </a:defRPr>
+            </a:lvl1pPr>
+            <a:lvl2pPr marL="742950" indent="-285750" algn="l" defTabSz="914400" rtl="0" eaLnBrk="1" latinLnBrk="0" hangingPunct="1">
+              <a:spcBef>
+                <a:spcPct val="20000"/>
+              </a:spcBef>
+              <a:buFont typeface="Arial" panose="020B0604020202020204" pitchFamily="34" charset="0"/>
+              <a:buChar char="–"/>
+              <a:defRPr sz="2800" kern="1200">
+                <a:solidFill>
+                  <a:schemeClr val="tx1"/>
+                </a:solidFill>
+                <a:latin typeface="+mn-lt"/>
+                <a:ea typeface="+mn-ea"/>
+                <a:cs typeface="+mn-cs"/>
+              </a:defRPr>
+            </a:lvl2pPr>
+            <a:lvl3pPr marL="1143000" indent="-228600" algn="l" defTabSz="914400" rtl="0" eaLnBrk="1" latinLnBrk="0" hangingPunct="1">
+              <a:spcBef>
+                <a:spcPct val="20000"/>
+              </a:spcBef>
+              <a:buFont typeface="Arial" panose="020B0604020202020204" pitchFamily="34" charset="0"/>
+              <a:buChar char="•"/>
+              <a:defRPr sz="2400" kern="1200">
+                <a:solidFill>
+                  <a:schemeClr val="tx1"/>
+                </a:solidFill>
+                <a:latin typeface="+mn-lt"/>
+                <a:ea typeface="+mn-ea"/>
+                <a:cs typeface="+mn-cs"/>
+              </a:defRPr>
+            </a:lvl3pPr>
+            <a:lvl4pPr marL="1600200" indent="-228600" algn="l" defTabSz="914400" rtl="0" eaLnBrk="1" latinLnBrk="0" hangingPunct="1">
+              <a:spcBef>
+                <a:spcPct val="20000"/>
+              </a:spcBef>
+              <a:buFont typeface="Arial" panose="020B0604020202020204" pitchFamily="34" charset="0"/>
+              <a:buChar char="–"/>
+              <a:defRPr sz="2000" kern="1200">
+                <a:solidFill>
+                  <a:schemeClr val="tx1"/>
+                </a:solidFill>
+                <a:latin typeface="+mn-lt"/>
+                <a:ea typeface="+mn-ea"/>
+                <a:cs typeface="+mn-cs"/>
+              </a:defRPr>
+            </a:lvl4pPr>
+            <a:lvl5pPr marL="2057400" indent="-228600" algn="l" defTabSz="914400" rtl="0" eaLnBrk="1" latinLnBrk="0" hangingPunct="1">
+              <a:spcBef>
+                <a:spcPct val="20000"/>
+              </a:spcBef>
+              <a:buFont typeface="Arial" panose="020B0604020202020204" pitchFamily="34" charset="0"/>
+              <a:buChar char="»"/>
+              <a:defRPr sz="2000" kern="1200">
+                <a:solidFill>
+                  <a:schemeClr val="tx1"/>
+                </a:solidFill>
+                <a:latin typeface="+mn-lt"/>
+                <a:ea typeface="+mn-ea"/>
+                <a:cs typeface="+mn-cs"/>
+              </a:defRPr>
+            </a:lvl5pPr>
+            <a:lvl6pPr marL="2514600" indent="-228600" algn="l" defTabSz="914400" rtl="0" eaLnBrk="1" latinLnBrk="0" hangingPunct="1">
+              <a:spcBef>
+                <a:spcPct val="20000"/>
+              </a:spcBef>
+              <a:buFont typeface="Arial" panose="020B0604020202020204" pitchFamily="34" charset="0"/>
+              <a:buChar char="•"/>
+              <a:defRPr sz="2000" kern="1200">
+                <a:solidFill>
+                  <a:schemeClr val="tx1"/>
+                </a:solidFill>
+                <a:latin typeface="+mn-lt"/>
+                <a:ea typeface="+mn-ea"/>
+                <a:cs typeface="+mn-cs"/>
+              </a:defRPr>
+            </a:lvl6pPr>
+            <a:lvl7pPr marL="2971800" indent="-228600" algn="l" defTabSz="914400" rtl="0" eaLnBrk="1" latinLnBrk="0" hangingPunct="1">
+              <a:spcBef>
+                <a:spcPct val="20000"/>
+              </a:spcBef>
+              <a:buFont typeface="Arial" panose="020B0604020202020204" pitchFamily="34" charset="0"/>
+              <a:buChar char="•"/>
+              <a:defRPr sz="2000" kern="1200">
+                <a:solidFill>
+                  <a:schemeClr val="tx1"/>
+                </a:solidFill>
+                <a:latin typeface="+mn-lt"/>
+                <a:ea typeface="+mn-ea"/>
+                <a:cs typeface="+mn-cs"/>
+              </a:defRPr>
+            </a:lvl7pPr>
+            <a:lvl8pPr marL="3429000" indent="-228600" algn="l" defTabSz="914400" rtl="0" eaLnBrk="1" latinLnBrk="0" hangingPunct="1">
+              <a:spcBef>
+                <a:spcPct val="20000"/>
+              </a:spcBef>
+              <a:buFont typeface="Arial" panose="020B0604020202020204" pitchFamily="34" charset="0"/>
+              <a:buChar char="•"/>
+              <a:defRPr sz="2000" kern="1200">
+                <a:solidFill>
+                  <a:schemeClr val="tx1"/>
+                </a:solidFill>
+                <a:latin typeface="+mn-lt"/>
+                <a:ea typeface="+mn-ea"/>
+                <a:cs typeface="+mn-cs"/>
+              </a:defRPr>
+            </a:lvl8pPr>
+            <a:lvl9pPr marL="3886200" indent="-228600" algn="l" defTabSz="914400" rtl="0" eaLnBrk="1" latinLnBrk="0" hangingPunct="1">
+              <a:spcBef>
+                <a:spcPct val="20000"/>
+              </a:spcBef>
+              <a:buFont typeface="Arial" panose="020B0604020202020204" pitchFamily="34" charset="0"/>
+              <a:buChar char="•"/>
+              <a:defRPr sz="2000" kern="1200">
+                <a:solidFill>
+                  <a:schemeClr val="tx1"/>
+                </a:solidFill>
+                <a:latin typeface="+mn-lt"/>
+                <a:ea typeface="+mn-ea"/>
+                <a:cs typeface="+mn-cs"/>
+              </a:defRPr>
+            </a:lvl9pPr>
+          </a:lstStyle>
+          <a:p>
+            <a:r>
+              <a:rPr lang="en-US" sz="2000" dirty="0"/>
+              <a:t>a</a:t>
+            </a:r>
+            <a:endParaRPr lang="en-US" sz="2000" dirty="0" smtClean="0"/>
+          </a:p>
+          <a:p>
+            <a:endParaRPr lang="en-US" sz="2000" dirty="0" smtClean="0"/>
+          </a:p>
+        </p:txBody>
+      </p:sp>
+      <p:sp>
+        <p:nvSpPr>
+          <p:cNvPr id="9" name="Title 1"/>
+          <p:cNvSpPr txBox="1">
+            <a:spLocks/>
+          </p:cNvSpPr>
+          <p:nvPr/>
+        </p:nvSpPr>
+        <p:spPr>
+          <a:xfrm>
+            <a:off x="228600" y="0"/>
+            <a:ext cx="8839200" cy="1143000"/>
+          </a:xfrm>
+          <a:prstGeom prst="rect">
+            <a:avLst/>
+          </a:prstGeom>
+        </p:spPr>
+        <p:txBody>
+          <a:bodyPr vert="horz" lIns="91440" tIns="45720" rIns="91440" bIns="45720" rtlCol="0" anchor="ctr">
+            <a:normAutofit/>
+          </a:bodyPr>
+          <a:lstStyle>
+            <a:lvl1pPr algn="ctr" defTabSz="914400" rtl="0" eaLnBrk="1" latinLnBrk="0" hangingPunct="1">
+              <a:spcBef>
+                <a:spcPct val="0"/>
+              </a:spcBef>
+              <a:buNone/>
+              <a:defRPr sz="4400" kern="1200">
+                <a:solidFill>
+                  <a:schemeClr val="tx1"/>
+                </a:solidFill>
+                <a:latin typeface="+mj-lt"/>
+                <a:ea typeface="+mj-ea"/>
+                <a:cs typeface="+mj-cs"/>
+              </a:defRPr>
+            </a:lvl1pPr>
+          </a:lstStyle>
+          <a:p>
+            <a:pPr algn="l"/>
+            <a:r>
+              <a:rPr lang="en-US" sz="2400" b="1" dirty="0" smtClean="0"/>
+              <a:t>Uncertainty in AI &gt; Advantages &amp; Disadvantages</a:t>
+            </a:r>
+            <a:endParaRPr lang="en-US" sz="2000" b="1" i="1" dirty="0"/>
+          </a:p>
+        </p:txBody>
+      </p:sp>
+    </p:spTree>
+    <p:extLst>
+      <p:ext uri="{BB962C8B-B14F-4D97-AF65-F5344CB8AC3E}">
+        <p14:creationId xmlns:p14="http://schemas.microsoft.com/office/powerpoint/2010/main" val="3756859906"/>
       </p:ext>
     </p:extLst>
   </p:cSld>

--- a/presentation/PhD-comprehensive-exam.pptx
+++ b/presentation/PhD-comprehensive-exam.pptx
@@ -5,7 +5,7 @@
     <p:sldMasterId id="2147483648" r:id="rId1"/>
   </p:sldMasterIdLst>
   <p:notesMasterIdLst>
-    <p:notesMasterId r:id="rId46"/>
+    <p:notesMasterId r:id="rId51"/>
   </p:notesMasterIdLst>
   <p:sldIdLst>
     <p:sldId id="257" r:id="rId2"/>
@@ -52,6 +52,11 @@
     <p:sldId id="349" r:id="rId43"/>
     <p:sldId id="351" r:id="rId44"/>
     <p:sldId id="352" r:id="rId45"/>
+    <p:sldId id="353" r:id="rId46"/>
+    <p:sldId id="354" r:id="rId47"/>
+    <p:sldId id="355" r:id="rId48"/>
+    <p:sldId id="356" r:id="rId49"/>
+    <p:sldId id="357" r:id="rId50"/>
   </p:sldIdLst>
   <p:sldSz cx="9144000" cy="6858000" type="screen4x3"/>
   <p:notesSz cx="6858000" cy="9144000"/>
@@ -5213,6 +5218,481 @@
             <a:fld id="{D91B34AF-DFC3-47C6-893A-07AE93C6324A}" type="slidenum">
               <a:rPr lang="en-US" smtClean="0"/>
               <a:t>44</a:t>
+            </a:fld>
+            <a:endParaRPr lang="en-US"/>
+          </a:p>
+        </p:txBody>
+      </p:sp>
+    </p:spTree>
+    <p:extLst>
+      <p:ext uri="{BB962C8B-B14F-4D97-AF65-F5344CB8AC3E}">
+        <p14:creationId xmlns:p14="http://schemas.microsoft.com/office/powerpoint/2010/main" val="1845102120"/>
+      </p:ext>
+    </p:extLst>
+  </p:cSld>
+  <p:clrMapOvr>
+    <a:masterClrMapping/>
+  </p:clrMapOvr>
+</p:notes>
+</file>
+
+<file path=ppt/notesSlides/notesSlide41.xml><?xml version="1.0" encoding="utf-8"?>
+<p:notes xmlns:a="http://schemas.openxmlformats.org/drawingml/2006/main" xmlns:r="http://schemas.openxmlformats.org/officeDocument/2006/relationships" xmlns:p="http://schemas.openxmlformats.org/presentationml/2006/main">
+  <p:cSld>
+    <p:spTree>
+      <p:nvGrpSpPr>
+        <p:cNvPr id="1" name=""/>
+        <p:cNvGrpSpPr/>
+        <p:nvPr/>
+      </p:nvGrpSpPr>
+      <p:grpSpPr>
+        <a:xfrm>
+          <a:off x="0" y="0"/>
+          <a:ext cx="0" cy="0"/>
+          <a:chOff x="0" y="0"/>
+          <a:chExt cx="0" cy="0"/>
+        </a:xfrm>
+      </p:grpSpPr>
+      <p:sp>
+        <p:nvSpPr>
+          <p:cNvPr id="2" name="Slide Image Placeholder 1"/>
+          <p:cNvSpPr>
+            <a:spLocks noGrp="1" noRot="1" noChangeAspect="1"/>
+          </p:cNvSpPr>
+          <p:nvPr>
+            <p:ph type="sldImg"/>
+          </p:nvPr>
+        </p:nvSpPr>
+        <p:spPr/>
+      </p:sp>
+      <p:sp>
+        <p:nvSpPr>
+          <p:cNvPr id="3" name="Notes Placeholder 2"/>
+          <p:cNvSpPr>
+            <a:spLocks noGrp="1"/>
+          </p:cNvSpPr>
+          <p:nvPr>
+            <p:ph type="body" idx="1"/>
+          </p:nvPr>
+        </p:nvSpPr>
+        <p:spPr/>
+        <p:txBody>
+          <a:bodyPr/>
+          <a:lstStyle/>
+          <a:p>
+            <a:pPr marL="0" indent="0">
+              <a:buFontTx/>
+              <a:buNone/>
+            </a:pPr>
+            <a:endParaRPr lang="en-US" dirty="0" smtClean="0"/>
+          </a:p>
+          <a:p>
+            <a:pPr marL="171450" indent="-171450">
+              <a:buFontTx/>
+              <a:buChar char="-"/>
+            </a:pPr>
+            <a:endParaRPr lang="en-US" dirty="0"/>
+          </a:p>
+        </p:txBody>
+      </p:sp>
+      <p:sp>
+        <p:nvSpPr>
+          <p:cNvPr id="4" name="Slide Number Placeholder 3"/>
+          <p:cNvSpPr>
+            <a:spLocks noGrp="1"/>
+          </p:cNvSpPr>
+          <p:nvPr>
+            <p:ph type="sldNum" sz="quarter" idx="10"/>
+          </p:nvPr>
+        </p:nvSpPr>
+        <p:spPr/>
+        <p:txBody>
+          <a:bodyPr/>
+          <a:lstStyle/>
+          <a:p>
+            <a:fld id="{D91B34AF-DFC3-47C6-893A-07AE93C6324A}" type="slidenum">
+              <a:rPr lang="en-US" smtClean="0"/>
+              <a:t>45</a:t>
+            </a:fld>
+            <a:endParaRPr lang="en-US"/>
+          </a:p>
+        </p:txBody>
+      </p:sp>
+    </p:spTree>
+    <p:extLst>
+      <p:ext uri="{BB962C8B-B14F-4D97-AF65-F5344CB8AC3E}">
+        <p14:creationId xmlns:p14="http://schemas.microsoft.com/office/powerpoint/2010/main" val="1845102120"/>
+      </p:ext>
+    </p:extLst>
+  </p:cSld>
+  <p:clrMapOvr>
+    <a:masterClrMapping/>
+  </p:clrMapOvr>
+</p:notes>
+</file>
+
+<file path=ppt/notesSlides/notesSlide42.xml><?xml version="1.0" encoding="utf-8"?>
+<p:notes xmlns:a="http://schemas.openxmlformats.org/drawingml/2006/main" xmlns:r="http://schemas.openxmlformats.org/officeDocument/2006/relationships" xmlns:p="http://schemas.openxmlformats.org/presentationml/2006/main">
+  <p:cSld>
+    <p:spTree>
+      <p:nvGrpSpPr>
+        <p:cNvPr id="1" name=""/>
+        <p:cNvGrpSpPr/>
+        <p:nvPr/>
+      </p:nvGrpSpPr>
+      <p:grpSpPr>
+        <a:xfrm>
+          <a:off x="0" y="0"/>
+          <a:ext cx="0" cy="0"/>
+          <a:chOff x="0" y="0"/>
+          <a:chExt cx="0" cy="0"/>
+        </a:xfrm>
+      </p:grpSpPr>
+      <p:sp>
+        <p:nvSpPr>
+          <p:cNvPr id="2" name="Slide Image Placeholder 1"/>
+          <p:cNvSpPr>
+            <a:spLocks noGrp="1" noRot="1" noChangeAspect="1"/>
+          </p:cNvSpPr>
+          <p:nvPr>
+            <p:ph type="sldImg"/>
+          </p:nvPr>
+        </p:nvSpPr>
+        <p:spPr/>
+      </p:sp>
+      <p:sp>
+        <p:nvSpPr>
+          <p:cNvPr id="3" name="Notes Placeholder 2"/>
+          <p:cNvSpPr>
+            <a:spLocks noGrp="1"/>
+          </p:cNvSpPr>
+          <p:nvPr>
+            <p:ph type="body" idx="1"/>
+          </p:nvPr>
+        </p:nvSpPr>
+        <p:spPr/>
+        <p:txBody>
+          <a:bodyPr/>
+          <a:lstStyle/>
+          <a:p>
+            <a:pPr marL="0" indent="0">
+              <a:buFontTx/>
+              <a:buNone/>
+            </a:pPr>
+            <a:endParaRPr lang="en-US" dirty="0" smtClean="0"/>
+          </a:p>
+          <a:p>
+            <a:pPr marL="171450" indent="-171450">
+              <a:buFontTx/>
+              <a:buChar char="-"/>
+            </a:pPr>
+            <a:endParaRPr lang="en-US" dirty="0"/>
+          </a:p>
+        </p:txBody>
+      </p:sp>
+      <p:sp>
+        <p:nvSpPr>
+          <p:cNvPr id="4" name="Slide Number Placeholder 3"/>
+          <p:cNvSpPr>
+            <a:spLocks noGrp="1"/>
+          </p:cNvSpPr>
+          <p:nvPr>
+            <p:ph type="sldNum" sz="quarter" idx="10"/>
+          </p:nvPr>
+        </p:nvSpPr>
+        <p:spPr/>
+        <p:txBody>
+          <a:bodyPr/>
+          <a:lstStyle/>
+          <a:p>
+            <a:fld id="{D91B34AF-DFC3-47C6-893A-07AE93C6324A}" type="slidenum">
+              <a:rPr lang="en-US" smtClean="0"/>
+              <a:t>46</a:t>
+            </a:fld>
+            <a:endParaRPr lang="en-US"/>
+          </a:p>
+        </p:txBody>
+      </p:sp>
+    </p:spTree>
+    <p:extLst>
+      <p:ext uri="{BB962C8B-B14F-4D97-AF65-F5344CB8AC3E}">
+        <p14:creationId xmlns:p14="http://schemas.microsoft.com/office/powerpoint/2010/main" val="1845102120"/>
+      </p:ext>
+    </p:extLst>
+  </p:cSld>
+  <p:clrMapOvr>
+    <a:masterClrMapping/>
+  </p:clrMapOvr>
+</p:notes>
+</file>
+
+<file path=ppt/notesSlides/notesSlide43.xml><?xml version="1.0" encoding="utf-8"?>
+<p:notes xmlns:a="http://schemas.openxmlformats.org/drawingml/2006/main" xmlns:r="http://schemas.openxmlformats.org/officeDocument/2006/relationships" xmlns:p="http://schemas.openxmlformats.org/presentationml/2006/main">
+  <p:cSld>
+    <p:spTree>
+      <p:nvGrpSpPr>
+        <p:cNvPr id="1" name=""/>
+        <p:cNvGrpSpPr/>
+        <p:nvPr/>
+      </p:nvGrpSpPr>
+      <p:grpSpPr>
+        <a:xfrm>
+          <a:off x="0" y="0"/>
+          <a:ext cx="0" cy="0"/>
+          <a:chOff x="0" y="0"/>
+          <a:chExt cx="0" cy="0"/>
+        </a:xfrm>
+      </p:grpSpPr>
+      <p:sp>
+        <p:nvSpPr>
+          <p:cNvPr id="2" name="Slide Image Placeholder 1"/>
+          <p:cNvSpPr>
+            <a:spLocks noGrp="1" noRot="1" noChangeAspect="1"/>
+          </p:cNvSpPr>
+          <p:nvPr>
+            <p:ph type="sldImg"/>
+          </p:nvPr>
+        </p:nvSpPr>
+        <p:spPr/>
+      </p:sp>
+      <p:sp>
+        <p:nvSpPr>
+          <p:cNvPr id="3" name="Notes Placeholder 2"/>
+          <p:cNvSpPr>
+            <a:spLocks noGrp="1"/>
+          </p:cNvSpPr>
+          <p:nvPr>
+            <p:ph type="body" idx="1"/>
+          </p:nvPr>
+        </p:nvSpPr>
+        <p:spPr/>
+        <p:txBody>
+          <a:bodyPr/>
+          <a:lstStyle/>
+          <a:p>
+            <a:pPr marL="0" indent="0">
+              <a:buFontTx/>
+              <a:buNone/>
+            </a:pPr>
+            <a:endParaRPr lang="en-US" dirty="0" smtClean="0"/>
+          </a:p>
+          <a:p>
+            <a:pPr marL="171450" indent="-171450">
+              <a:buFontTx/>
+              <a:buChar char="-"/>
+            </a:pPr>
+            <a:endParaRPr lang="en-US" dirty="0"/>
+          </a:p>
+        </p:txBody>
+      </p:sp>
+      <p:sp>
+        <p:nvSpPr>
+          <p:cNvPr id="4" name="Slide Number Placeholder 3"/>
+          <p:cNvSpPr>
+            <a:spLocks noGrp="1"/>
+          </p:cNvSpPr>
+          <p:nvPr>
+            <p:ph type="sldNum" sz="quarter" idx="10"/>
+          </p:nvPr>
+        </p:nvSpPr>
+        <p:spPr/>
+        <p:txBody>
+          <a:bodyPr/>
+          <a:lstStyle/>
+          <a:p>
+            <a:fld id="{D91B34AF-DFC3-47C6-893A-07AE93C6324A}" type="slidenum">
+              <a:rPr lang="en-US" smtClean="0"/>
+              <a:t>47</a:t>
+            </a:fld>
+            <a:endParaRPr lang="en-US"/>
+          </a:p>
+        </p:txBody>
+      </p:sp>
+    </p:spTree>
+    <p:extLst>
+      <p:ext uri="{BB962C8B-B14F-4D97-AF65-F5344CB8AC3E}">
+        <p14:creationId xmlns:p14="http://schemas.microsoft.com/office/powerpoint/2010/main" val="1845102120"/>
+      </p:ext>
+    </p:extLst>
+  </p:cSld>
+  <p:clrMapOvr>
+    <a:masterClrMapping/>
+  </p:clrMapOvr>
+</p:notes>
+</file>
+
+<file path=ppt/notesSlides/notesSlide44.xml><?xml version="1.0" encoding="utf-8"?>
+<p:notes xmlns:a="http://schemas.openxmlformats.org/drawingml/2006/main" xmlns:r="http://schemas.openxmlformats.org/officeDocument/2006/relationships" xmlns:p="http://schemas.openxmlformats.org/presentationml/2006/main">
+  <p:cSld>
+    <p:spTree>
+      <p:nvGrpSpPr>
+        <p:cNvPr id="1" name=""/>
+        <p:cNvGrpSpPr/>
+        <p:nvPr/>
+      </p:nvGrpSpPr>
+      <p:grpSpPr>
+        <a:xfrm>
+          <a:off x="0" y="0"/>
+          <a:ext cx="0" cy="0"/>
+          <a:chOff x="0" y="0"/>
+          <a:chExt cx="0" cy="0"/>
+        </a:xfrm>
+      </p:grpSpPr>
+      <p:sp>
+        <p:nvSpPr>
+          <p:cNvPr id="2" name="Slide Image Placeholder 1"/>
+          <p:cNvSpPr>
+            <a:spLocks noGrp="1" noRot="1" noChangeAspect="1"/>
+          </p:cNvSpPr>
+          <p:nvPr>
+            <p:ph type="sldImg"/>
+          </p:nvPr>
+        </p:nvSpPr>
+        <p:spPr/>
+      </p:sp>
+      <p:sp>
+        <p:nvSpPr>
+          <p:cNvPr id="3" name="Notes Placeholder 2"/>
+          <p:cNvSpPr>
+            <a:spLocks noGrp="1"/>
+          </p:cNvSpPr>
+          <p:nvPr>
+            <p:ph type="body" idx="1"/>
+          </p:nvPr>
+        </p:nvSpPr>
+        <p:spPr/>
+        <p:txBody>
+          <a:bodyPr/>
+          <a:lstStyle/>
+          <a:p>
+            <a:pPr marL="0" indent="0">
+              <a:buFontTx/>
+              <a:buNone/>
+            </a:pPr>
+            <a:endParaRPr lang="en-US" dirty="0" smtClean="0"/>
+          </a:p>
+          <a:p>
+            <a:pPr marL="171450" indent="-171450">
+              <a:buFontTx/>
+              <a:buChar char="-"/>
+            </a:pPr>
+            <a:endParaRPr lang="en-US" dirty="0"/>
+          </a:p>
+        </p:txBody>
+      </p:sp>
+      <p:sp>
+        <p:nvSpPr>
+          <p:cNvPr id="4" name="Slide Number Placeholder 3"/>
+          <p:cNvSpPr>
+            <a:spLocks noGrp="1"/>
+          </p:cNvSpPr>
+          <p:nvPr>
+            <p:ph type="sldNum" sz="quarter" idx="10"/>
+          </p:nvPr>
+        </p:nvSpPr>
+        <p:spPr/>
+        <p:txBody>
+          <a:bodyPr/>
+          <a:lstStyle/>
+          <a:p>
+            <a:fld id="{D91B34AF-DFC3-47C6-893A-07AE93C6324A}" type="slidenum">
+              <a:rPr lang="en-US" smtClean="0"/>
+              <a:t>48</a:t>
+            </a:fld>
+            <a:endParaRPr lang="en-US"/>
+          </a:p>
+        </p:txBody>
+      </p:sp>
+    </p:spTree>
+    <p:extLst>
+      <p:ext uri="{BB962C8B-B14F-4D97-AF65-F5344CB8AC3E}">
+        <p14:creationId xmlns:p14="http://schemas.microsoft.com/office/powerpoint/2010/main" val="1845102120"/>
+      </p:ext>
+    </p:extLst>
+  </p:cSld>
+  <p:clrMapOvr>
+    <a:masterClrMapping/>
+  </p:clrMapOvr>
+</p:notes>
+</file>
+
+<file path=ppt/notesSlides/notesSlide45.xml><?xml version="1.0" encoding="utf-8"?>
+<p:notes xmlns:a="http://schemas.openxmlformats.org/drawingml/2006/main" xmlns:r="http://schemas.openxmlformats.org/officeDocument/2006/relationships" xmlns:p="http://schemas.openxmlformats.org/presentationml/2006/main">
+  <p:cSld>
+    <p:spTree>
+      <p:nvGrpSpPr>
+        <p:cNvPr id="1" name=""/>
+        <p:cNvGrpSpPr/>
+        <p:nvPr/>
+      </p:nvGrpSpPr>
+      <p:grpSpPr>
+        <a:xfrm>
+          <a:off x="0" y="0"/>
+          <a:ext cx="0" cy="0"/>
+          <a:chOff x="0" y="0"/>
+          <a:chExt cx="0" cy="0"/>
+        </a:xfrm>
+      </p:grpSpPr>
+      <p:sp>
+        <p:nvSpPr>
+          <p:cNvPr id="2" name="Slide Image Placeholder 1"/>
+          <p:cNvSpPr>
+            <a:spLocks noGrp="1" noRot="1" noChangeAspect="1"/>
+          </p:cNvSpPr>
+          <p:nvPr>
+            <p:ph type="sldImg"/>
+          </p:nvPr>
+        </p:nvSpPr>
+        <p:spPr/>
+      </p:sp>
+      <p:sp>
+        <p:nvSpPr>
+          <p:cNvPr id="3" name="Notes Placeholder 2"/>
+          <p:cNvSpPr>
+            <a:spLocks noGrp="1"/>
+          </p:cNvSpPr>
+          <p:nvPr>
+            <p:ph type="body" idx="1"/>
+          </p:nvPr>
+        </p:nvSpPr>
+        <p:spPr/>
+        <p:txBody>
+          <a:bodyPr/>
+          <a:lstStyle/>
+          <a:p>
+            <a:pPr marL="0" indent="0">
+              <a:buFontTx/>
+              <a:buNone/>
+            </a:pPr>
+            <a:endParaRPr lang="en-US" dirty="0" smtClean="0"/>
+          </a:p>
+          <a:p>
+            <a:pPr marL="171450" indent="-171450">
+              <a:buFontTx/>
+              <a:buChar char="-"/>
+            </a:pPr>
+            <a:endParaRPr lang="en-US" dirty="0"/>
+          </a:p>
+        </p:txBody>
+      </p:sp>
+      <p:sp>
+        <p:nvSpPr>
+          <p:cNvPr id="4" name="Slide Number Placeholder 3"/>
+          <p:cNvSpPr>
+            <a:spLocks noGrp="1"/>
+          </p:cNvSpPr>
+          <p:nvPr>
+            <p:ph type="sldNum" sz="quarter" idx="10"/>
+          </p:nvPr>
+        </p:nvSpPr>
+        <p:spPr/>
+        <p:txBody>
+          <a:bodyPr/>
+          <a:lstStyle/>
+          <a:p>
+            <a:fld id="{D91B34AF-DFC3-47C6-893A-07AE93C6324A}" type="slidenum">
+              <a:rPr lang="en-US" smtClean="0"/>
+              <a:t>49</a:t>
             </a:fld>
             <a:endParaRPr lang="en-US"/>
           </a:p>
@@ -24503,9 +24983,100 @@
             </a:lvl9pPr>
           </a:lstStyle>
           <a:p>
+            <a:pPr marL="0" indent="0">
+              <a:buNone/>
+            </a:pPr>
+            <a:r>
+              <a:rPr lang="en-US" sz="2000" b="1" dirty="0" smtClean="0"/>
+              <a:t>Advantages:</a:t>
+            </a:r>
+          </a:p>
+          <a:p>
             <a:r>
               <a:rPr lang="en-US" sz="2000" dirty="0"/>
-              <a:t>a</a:t>
+              <a:t>Transparent representation of causal relationships between </a:t>
+            </a:r>
+            <a:r>
+              <a:rPr lang="en-US" sz="2000" dirty="0" smtClean="0"/>
+              <a:t>variables.</a:t>
+            </a:r>
+          </a:p>
+          <a:p>
+            <a:r>
+              <a:rPr lang="en-US" sz="2000" dirty="0"/>
+              <a:t>Relatively easy recognition of dependencies and independencies </a:t>
+            </a:r>
+            <a:r>
+              <a:rPr lang="en-US" sz="2000" dirty="0" smtClean="0"/>
+              <a:t>between   </a:t>
+            </a:r>
+            <a:r>
+              <a:rPr lang="en-US" sz="2000" dirty="0"/>
+              <a:t>various nodes</a:t>
+            </a:r>
+            <a:r>
+              <a:rPr lang="en-US" sz="2000" dirty="0" smtClean="0"/>
+              <a:t>.</a:t>
+            </a:r>
+          </a:p>
+          <a:p>
+            <a:r>
+              <a:rPr lang="en-US" sz="2000" dirty="0"/>
+              <a:t>The ability to handle situations where the data set is incomplete </a:t>
+            </a:r>
+            <a:r>
+              <a:rPr lang="en-US" sz="2000" dirty="0" smtClean="0"/>
+              <a:t>since the </a:t>
+            </a:r>
+            <a:r>
+              <a:rPr lang="en-US" sz="2000" dirty="0"/>
+              <a:t>model accounts for dependencies between all variables</a:t>
+            </a:r>
+            <a:r>
+              <a:rPr lang="en-US" sz="2000" dirty="0" smtClean="0"/>
+              <a:t>.</a:t>
+            </a:r>
+          </a:p>
+          <a:p>
+            <a:r>
+              <a:rPr lang="en-US" sz="2000" dirty="0"/>
+              <a:t>Capable of being readily updated when a new </a:t>
+            </a:r>
+            <a:r>
+              <a:rPr lang="en-US" sz="2000" dirty="0" smtClean="0"/>
+              <a:t>evidence becomes available.</a:t>
+            </a:r>
+          </a:p>
+          <a:p>
+            <a:r>
+              <a:rPr lang="en-US" sz="2000" dirty="0"/>
+              <a:t>Both predictive/deductive and diagnostic/</a:t>
+            </a:r>
+            <a:r>
+              <a:rPr lang="en-US" sz="2000" dirty="0" err="1"/>
+              <a:t>abductive</a:t>
+            </a:r>
+            <a:r>
+              <a:rPr lang="en-US" sz="2000" dirty="0"/>
+              <a:t> reasonings </a:t>
+            </a:r>
+            <a:r>
+              <a:rPr lang="en-US" sz="2000" dirty="0" smtClean="0"/>
+              <a:t>are  </a:t>
+            </a:r>
+            <a:r>
+              <a:rPr lang="en-US" sz="2000" dirty="0"/>
+              <a:t>possible</a:t>
+            </a:r>
+            <a:r>
+              <a:rPr lang="en-US" sz="2000" dirty="0" smtClean="0"/>
+              <a:t>.</a:t>
+            </a:r>
+          </a:p>
+          <a:p>
+            <a:r>
+              <a:rPr lang="en-US" sz="2000" dirty="0"/>
+              <a:t>Computational tractability exists for most practical applications.</a:t>
             </a:r>
             <a:endParaRPr lang="en-US" sz="2000" dirty="0" smtClean="0"/>
           </a:p>
@@ -24555,7 +25126,11 @@
             <a:pPr algn="l"/>
             <a:r>
               <a:rPr lang="en-US" sz="2400" b="1" dirty="0" smtClean="0"/>
-              <a:t>Uncertainty in AI &gt; Advantages &amp; Disadvantages</a:t>
+              <a:t>Uncertainty in AI &gt; Advantages &amp; Disadvantages: </a:t>
+            </a:r>
+            <a:r>
+              <a:rPr lang="en-US" sz="2000" b="1" i="1" dirty="0" smtClean="0"/>
+              <a:t>Bayesian Networks</a:t>
             </a:r>
             <a:endParaRPr lang="en-US" sz="2000" b="1" i="1" dirty="0"/>
           </a:p>
@@ -24565,6 +25140,1636 @@
     <p:extLst>
       <p:ext uri="{BB962C8B-B14F-4D97-AF65-F5344CB8AC3E}">
         <p14:creationId xmlns:p14="http://schemas.microsoft.com/office/powerpoint/2010/main" val="3756859906"/>
+      </p:ext>
+    </p:extLst>
+  </p:cSld>
+  <p:clrMapOvr>
+    <a:masterClrMapping/>
+  </p:clrMapOvr>
+  <p:timing>
+    <p:tnLst>
+      <p:par>
+        <p:cTn id="1" dur="indefinite" restart="never" nodeType="tmRoot"/>
+      </p:par>
+    </p:tnLst>
+  </p:timing>
+</p:sld>
+</file>
+
+<file path=ppt/slides/slide45.xml><?xml version="1.0" encoding="utf-8"?>
+<p:sld xmlns:a="http://schemas.openxmlformats.org/drawingml/2006/main" xmlns:r="http://schemas.openxmlformats.org/officeDocument/2006/relationships" xmlns:p="http://schemas.openxmlformats.org/presentationml/2006/main">
+  <p:cSld>
+    <p:spTree>
+      <p:nvGrpSpPr>
+        <p:cNvPr id="1" name=""/>
+        <p:cNvGrpSpPr/>
+        <p:nvPr/>
+      </p:nvGrpSpPr>
+      <p:grpSpPr>
+        <a:xfrm>
+          <a:off x="0" y="0"/>
+          <a:ext cx="0" cy="0"/>
+          <a:chOff x="0" y="0"/>
+          <a:chExt cx="0" cy="0"/>
+        </a:xfrm>
+      </p:grpSpPr>
+      <p:sp>
+        <p:nvSpPr>
+          <p:cNvPr id="5" name="Content Placeholder 2"/>
+          <p:cNvSpPr txBox="1">
+            <a:spLocks/>
+          </p:cNvSpPr>
+          <p:nvPr/>
+        </p:nvSpPr>
+        <p:spPr>
+          <a:xfrm>
+            <a:off x="457199" y="1143000"/>
+            <a:ext cx="8206611" cy="5257800"/>
+          </a:xfrm>
+          <a:prstGeom prst="rect">
+            <a:avLst/>
+          </a:prstGeom>
+        </p:spPr>
+        <p:txBody>
+          <a:bodyPr vert="horz" lIns="91440" tIns="45720" rIns="91440" bIns="45720" rtlCol="0">
+            <a:normAutofit/>
+          </a:bodyPr>
+          <a:lstStyle>
+            <a:lvl1pPr marL="342900" indent="-342900" algn="l" defTabSz="914400" rtl="0" eaLnBrk="1" latinLnBrk="0" hangingPunct="1">
+              <a:spcBef>
+                <a:spcPct val="20000"/>
+              </a:spcBef>
+              <a:buFont typeface="Arial" panose="020B0604020202020204" pitchFamily="34" charset="0"/>
+              <a:buChar char="•"/>
+              <a:defRPr sz="3200" kern="1200">
+                <a:solidFill>
+                  <a:schemeClr val="tx1"/>
+                </a:solidFill>
+                <a:latin typeface="+mn-lt"/>
+                <a:ea typeface="+mn-ea"/>
+                <a:cs typeface="+mn-cs"/>
+              </a:defRPr>
+            </a:lvl1pPr>
+            <a:lvl2pPr marL="742950" indent="-285750" algn="l" defTabSz="914400" rtl="0" eaLnBrk="1" latinLnBrk="0" hangingPunct="1">
+              <a:spcBef>
+                <a:spcPct val="20000"/>
+              </a:spcBef>
+              <a:buFont typeface="Arial" panose="020B0604020202020204" pitchFamily="34" charset="0"/>
+              <a:buChar char="–"/>
+              <a:defRPr sz="2800" kern="1200">
+                <a:solidFill>
+                  <a:schemeClr val="tx1"/>
+                </a:solidFill>
+                <a:latin typeface="+mn-lt"/>
+                <a:ea typeface="+mn-ea"/>
+                <a:cs typeface="+mn-cs"/>
+              </a:defRPr>
+            </a:lvl2pPr>
+            <a:lvl3pPr marL="1143000" indent="-228600" algn="l" defTabSz="914400" rtl="0" eaLnBrk="1" latinLnBrk="0" hangingPunct="1">
+              <a:spcBef>
+                <a:spcPct val="20000"/>
+              </a:spcBef>
+              <a:buFont typeface="Arial" panose="020B0604020202020204" pitchFamily="34" charset="0"/>
+              <a:buChar char="•"/>
+              <a:defRPr sz="2400" kern="1200">
+                <a:solidFill>
+                  <a:schemeClr val="tx1"/>
+                </a:solidFill>
+                <a:latin typeface="+mn-lt"/>
+                <a:ea typeface="+mn-ea"/>
+                <a:cs typeface="+mn-cs"/>
+              </a:defRPr>
+            </a:lvl3pPr>
+            <a:lvl4pPr marL="1600200" indent="-228600" algn="l" defTabSz="914400" rtl="0" eaLnBrk="1" latinLnBrk="0" hangingPunct="1">
+              <a:spcBef>
+                <a:spcPct val="20000"/>
+              </a:spcBef>
+              <a:buFont typeface="Arial" panose="020B0604020202020204" pitchFamily="34" charset="0"/>
+              <a:buChar char="–"/>
+              <a:defRPr sz="2000" kern="1200">
+                <a:solidFill>
+                  <a:schemeClr val="tx1"/>
+                </a:solidFill>
+                <a:latin typeface="+mn-lt"/>
+                <a:ea typeface="+mn-ea"/>
+                <a:cs typeface="+mn-cs"/>
+              </a:defRPr>
+            </a:lvl4pPr>
+            <a:lvl5pPr marL="2057400" indent="-228600" algn="l" defTabSz="914400" rtl="0" eaLnBrk="1" latinLnBrk="0" hangingPunct="1">
+              <a:spcBef>
+                <a:spcPct val="20000"/>
+              </a:spcBef>
+              <a:buFont typeface="Arial" panose="020B0604020202020204" pitchFamily="34" charset="0"/>
+              <a:buChar char="»"/>
+              <a:defRPr sz="2000" kern="1200">
+                <a:solidFill>
+                  <a:schemeClr val="tx1"/>
+                </a:solidFill>
+                <a:latin typeface="+mn-lt"/>
+                <a:ea typeface="+mn-ea"/>
+                <a:cs typeface="+mn-cs"/>
+              </a:defRPr>
+            </a:lvl5pPr>
+            <a:lvl6pPr marL="2514600" indent="-228600" algn="l" defTabSz="914400" rtl="0" eaLnBrk="1" latinLnBrk="0" hangingPunct="1">
+              <a:spcBef>
+                <a:spcPct val="20000"/>
+              </a:spcBef>
+              <a:buFont typeface="Arial" panose="020B0604020202020204" pitchFamily="34" charset="0"/>
+              <a:buChar char="•"/>
+              <a:defRPr sz="2000" kern="1200">
+                <a:solidFill>
+                  <a:schemeClr val="tx1"/>
+                </a:solidFill>
+                <a:latin typeface="+mn-lt"/>
+                <a:ea typeface="+mn-ea"/>
+                <a:cs typeface="+mn-cs"/>
+              </a:defRPr>
+            </a:lvl6pPr>
+            <a:lvl7pPr marL="2971800" indent="-228600" algn="l" defTabSz="914400" rtl="0" eaLnBrk="1" latinLnBrk="0" hangingPunct="1">
+              <a:spcBef>
+                <a:spcPct val="20000"/>
+              </a:spcBef>
+              <a:buFont typeface="Arial" panose="020B0604020202020204" pitchFamily="34" charset="0"/>
+              <a:buChar char="•"/>
+              <a:defRPr sz="2000" kern="1200">
+                <a:solidFill>
+                  <a:schemeClr val="tx1"/>
+                </a:solidFill>
+                <a:latin typeface="+mn-lt"/>
+                <a:ea typeface="+mn-ea"/>
+                <a:cs typeface="+mn-cs"/>
+              </a:defRPr>
+            </a:lvl7pPr>
+            <a:lvl8pPr marL="3429000" indent="-228600" algn="l" defTabSz="914400" rtl="0" eaLnBrk="1" latinLnBrk="0" hangingPunct="1">
+              <a:spcBef>
+                <a:spcPct val="20000"/>
+              </a:spcBef>
+              <a:buFont typeface="Arial" panose="020B0604020202020204" pitchFamily="34" charset="0"/>
+              <a:buChar char="•"/>
+              <a:defRPr sz="2000" kern="1200">
+                <a:solidFill>
+                  <a:schemeClr val="tx1"/>
+                </a:solidFill>
+                <a:latin typeface="+mn-lt"/>
+                <a:ea typeface="+mn-ea"/>
+                <a:cs typeface="+mn-cs"/>
+              </a:defRPr>
+            </a:lvl8pPr>
+            <a:lvl9pPr marL="3886200" indent="-228600" algn="l" defTabSz="914400" rtl="0" eaLnBrk="1" latinLnBrk="0" hangingPunct="1">
+              <a:spcBef>
+                <a:spcPct val="20000"/>
+              </a:spcBef>
+              <a:buFont typeface="Arial" panose="020B0604020202020204" pitchFamily="34" charset="0"/>
+              <a:buChar char="•"/>
+              <a:defRPr sz="2000" kern="1200">
+                <a:solidFill>
+                  <a:schemeClr val="tx1"/>
+                </a:solidFill>
+                <a:latin typeface="+mn-lt"/>
+                <a:ea typeface="+mn-ea"/>
+                <a:cs typeface="+mn-cs"/>
+              </a:defRPr>
+            </a:lvl9pPr>
+          </a:lstStyle>
+          <a:p>
+            <a:pPr marL="0" indent="0">
+              <a:buNone/>
+            </a:pPr>
+            <a:r>
+              <a:rPr lang="en-US" sz="2000" b="1" dirty="0" smtClean="0"/>
+              <a:t>Disadvantages:</a:t>
+            </a:r>
+          </a:p>
+          <a:p>
+            <a:r>
+              <a:rPr lang="en-US" sz="2000" dirty="0"/>
+              <a:t>A high level of effort is required to build network models where </a:t>
+            </a:r>
+            <a:r>
+              <a:rPr lang="en-US" sz="2000" dirty="0" smtClean="0"/>
+              <a:t>a significant </a:t>
+            </a:r>
+            <a:r>
+              <a:rPr lang="en-US" sz="2000" dirty="0"/>
+              <a:t>amount of probability data is required due to an increasing </a:t>
+            </a:r>
+            <a:r>
+              <a:rPr lang="en-US" sz="2000" dirty="0" smtClean="0"/>
+              <a:t>number of </a:t>
+            </a:r>
+            <a:r>
+              <a:rPr lang="en-US" sz="2000" dirty="0"/>
+              <a:t>nodes and links in the structure (possible large CPT sizes</a:t>
+            </a:r>
+            <a:r>
+              <a:rPr lang="en-US" sz="2000" dirty="0" smtClean="0"/>
+              <a:t>).</a:t>
+            </a:r>
+          </a:p>
+          <a:p>
+            <a:r>
+              <a:rPr lang="en-US" sz="2000" dirty="0"/>
+              <a:t>Computationally intensive if the conditional independencies are </a:t>
+            </a:r>
+            <a:r>
+              <a:rPr lang="en-US" sz="2000" dirty="0" smtClean="0"/>
+              <a:t>not  </a:t>
+            </a:r>
+            <a:r>
+              <a:rPr lang="en-US" sz="2000" dirty="0"/>
+              <a:t>properly considered among the variables</a:t>
+            </a:r>
+            <a:r>
+              <a:rPr lang="en-US" sz="2000" dirty="0" smtClean="0"/>
+              <a:t>.</a:t>
+            </a:r>
+          </a:p>
+          <a:p>
+            <a:r>
+              <a:rPr lang="en-US" sz="2000" dirty="0"/>
+              <a:t>Challenging to obtain experts' knowledge in the form of probability </a:t>
+            </a:r>
+            <a:r>
+              <a:rPr lang="en-US" sz="2000" dirty="0" smtClean="0"/>
+              <a:t>to  </a:t>
+            </a:r>
+            <a:r>
+              <a:rPr lang="en-US" sz="2000" dirty="0"/>
+              <a:t>build the network</a:t>
+            </a:r>
+            <a:r>
+              <a:rPr lang="en-US" sz="2000" dirty="0" smtClean="0"/>
+              <a:t>.</a:t>
+            </a:r>
+          </a:p>
+          <a:p>
+            <a:r>
+              <a:rPr lang="en-US" sz="2000" dirty="0"/>
+              <a:t>No feedback loops in the Bayesian network's structure, which has </a:t>
+            </a:r>
+            <a:r>
+              <a:rPr lang="en-US" sz="2000" dirty="0" smtClean="0"/>
+              <a:t>an  </a:t>
+            </a:r>
+            <a:r>
+              <a:rPr lang="en-US" sz="2000" dirty="0"/>
+              <a:t>acyclic nature. This structure prevents typical feedback loops in design </a:t>
+            </a:r>
+            <a:r>
+              <a:rPr lang="en-US" sz="2000" dirty="0" smtClean="0"/>
+              <a:t>of  </a:t>
+            </a:r>
+            <a:r>
+              <a:rPr lang="en-US" sz="2000" dirty="0"/>
+              <a:t>Bayesian network models</a:t>
+            </a:r>
+            <a:r>
+              <a:rPr lang="en-US" sz="2000" dirty="0" smtClean="0"/>
+              <a:t>.</a:t>
+            </a:r>
+          </a:p>
+          <a:p>
+            <a:endParaRPr lang="en-US" sz="2000" dirty="0" smtClean="0"/>
+          </a:p>
+        </p:txBody>
+      </p:sp>
+      <p:sp>
+        <p:nvSpPr>
+          <p:cNvPr id="9" name="Title 1"/>
+          <p:cNvSpPr txBox="1">
+            <a:spLocks/>
+          </p:cNvSpPr>
+          <p:nvPr/>
+        </p:nvSpPr>
+        <p:spPr>
+          <a:xfrm>
+            <a:off x="228600" y="0"/>
+            <a:ext cx="8839200" cy="1143000"/>
+          </a:xfrm>
+          <a:prstGeom prst="rect">
+            <a:avLst/>
+          </a:prstGeom>
+        </p:spPr>
+        <p:txBody>
+          <a:bodyPr vert="horz" lIns="91440" tIns="45720" rIns="91440" bIns="45720" rtlCol="0" anchor="ctr">
+            <a:normAutofit/>
+          </a:bodyPr>
+          <a:lstStyle>
+            <a:lvl1pPr algn="ctr" defTabSz="914400" rtl="0" eaLnBrk="1" latinLnBrk="0" hangingPunct="1">
+              <a:spcBef>
+                <a:spcPct val="0"/>
+              </a:spcBef>
+              <a:buNone/>
+              <a:defRPr sz="4400" kern="1200">
+                <a:solidFill>
+                  <a:schemeClr val="tx1"/>
+                </a:solidFill>
+                <a:latin typeface="+mj-lt"/>
+                <a:ea typeface="+mj-ea"/>
+                <a:cs typeface="+mj-cs"/>
+              </a:defRPr>
+            </a:lvl1pPr>
+          </a:lstStyle>
+          <a:p>
+            <a:pPr algn="l"/>
+            <a:r>
+              <a:rPr lang="en-US" sz="2400" b="1" dirty="0" smtClean="0"/>
+              <a:t>Uncertainty in AI &gt; Advantages &amp; Disadvantages: </a:t>
+            </a:r>
+            <a:r>
+              <a:rPr lang="en-US" sz="2000" b="1" i="1" dirty="0" smtClean="0"/>
+              <a:t>Bayesian Networks</a:t>
+            </a:r>
+            <a:endParaRPr lang="en-US" sz="2000" b="1" i="1" dirty="0"/>
+          </a:p>
+        </p:txBody>
+      </p:sp>
+    </p:spTree>
+    <p:extLst>
+      <p:ext uri="{BB962C8B-B14F-4D97-AF65-F5344CB8AC3E}">
+        <p14:creationId xmlns:p14="http://schemas.microsoft.com/office/powerpoint/2010/main" val="785658135"/>
+      </p:ext>
+    </p:extLst>
+  </p:cSld>
+  <p:clrMapOvr>
+    <a:masterClrMapping/>
+  </p:clrMapOvr>
+  <p:timing>
+    <p:tnLst>
+      <p:par>
+        <p:cTn id="1" dur="indefinite" restart="never" nodeType="tmRoot"/>
+      </p:par>
+    </p:tnLst>
+  </p:timing>
+</p:sld>
+</file>
+
+<file path=ppt/slides/slide46.xml><?xml version="1.0" encoding="utf-8"?>
+<p:sld xmlns:a="http://schemas.openxmlformats.org/drawingml/2006/main" xmlns:r="http://schemas.openxmlformats.org/officeDocument/2006/relationships" xmlns:p="http://schemas.openxmlformats.org/presentationml/2006/main">
+  <p:cSld>
+    <p:spTree>
+      <p:nvGrpSpPr>
+        <p:cNvPr id="1" name=""/>
+        <p:cNvGrpSpPr/>
+        <p:nvPr/>
+      </p:nvGrpSpPr>
+      <p:grpSpPr>
+        <a:xfrm>
+          <a:off x="0" y="0"/>
+          <a:ext cx="0" cy="0"/>
+          <a:chOff x="0" y="0"/>
+          <a:chExt cx="0" cy="0"/>
+        </a:xfrm>
+      </p:grpSpPr>
+      <p:sp>
+        <p:nvSpPr>
+          <p:cNvPr id="5" name="Content Placeholder 2"/>
+          <p:cNvSpPr txBox="1">
+            <a:spLocks/>
+          </p:cNvSpPr>
+          <p:nvPr/>
+        </p:nvSpPr>
+        <p:spPr>
+          <a:xfrm>
+            <a:off x="457199" y="1143000"/>
+            <a:ext cx="8206611" cy="5257800"/>
+          </a:xfrm>
+          <a:prstGeom prst="rect">
+            <a:avLst/>
+          </a:prstGeom>
+        </p:spPr>
+        <p:txBody>
+          <a:bodyPr vert="horz" lIns="91440" tIns="45720" rIns="91440" bIns="45720" rtlCol="0">
+            <a:normAutofit/>
+          </a:bodyPr>
+          <a:lstStyle>
+            <a:lvl1pPr marL="342900" indent="-342900" algn="l" defTabSz="914400" rtl="0" eaLnBrk="1" latinLnBrk="0" hangingPunct="1">
+              <a:spcBef>
+                <a:spcPct val="20000"/>
+              </a:spcBef>
+              <a:buFont typeface="Arial" panose="020B0604020202020204" pitchFamily="34" charset="0"/>
+              <a:buChar char="•"/>
+              <a:defRPr sz="3200" kern="1200">
+                <a:solidFill>
+                  <a:schemeClr val="tx1"/>
+                </a:solidFill>
+                <a:latin typeface="+mn-lt"/>
+                <a:ea typeface="+mn-ea"/>
+                <a:cs typeface="+mn-cs"/>
+              </a:defRPr>
+            </a:lvl1pPr>
+            <a:lvl2pPr marL="742950" indent="-285750" algn="l" defTabSz="914400" rtl="0" eaLnBrk="1" latinLnBrk="0" hangingPunct="1">
+              <a:spcBef>
+                <a:spcPct val="20000"/>
+              </a:spcBef>
+              <a:buFont typeface="Arial" panose="020B0604020202020204" pitchFamily="34" charset="0"/>
+              <a:buChar char="–"/>
+              <a:defRPr sz="2800" kern="1200">
+                <a:solidFill>
+                  <a:schemeClr val="tx1"/>
+                </a:solidFill>
+                <a:latin typeface="+mn-lt"/>
+                <a:ea typeface="+mn-ea"/>
+                <a:cs typeface="+mn-cs"/>
+              </a:defRPr>
+            </a:lvl2pPr>
+            <a:lvl3pPr marL="1143000" indent="-228600" algn="l" defTabSz="914400" rtl="0" eaLnBrk="1" latinLnBrk="0" hangingPunct="1">
+              <a:spcBef>
+                <a:spcPct val="20000"/>
+              </a:spcBef>
+              <a:buFont typeface="Arial" panose="020B0604020202020204" pitchFamily="34" charset="0"/>
+              <a:buChar char="•"/>
+              <a:defRPr sz="2400" kern="1200">
+                <a:solidFill>
+                  <a:schemeClr val="tx1"/>
+                </a:solidFill>
+                <a:latin typeface="+mn-lt"/>
+                <a:ea typeface="+mn-ea"/>
+                <a:cs typeface="+mn-cs"/>
+              </a:defRPr>
+            </a:lvl3pPr>
+            <a:lvl4pPr marL="1600200" indent="-228600" algn="l" defTabSz="914400" rtl="0" eaLnBrk="1" latinLnBrk="0" hangingPunct="1">
+              <a:spcBef>
+                <a:spcPct val="20000"/>
+              </a:spcBef>
+              <a:buFont typeface="Arial" panose="020B0604020202020204" pitchFamily="34" charset="0"/>
+              <a:buChar char="–"/>
+              <a:defRPr sz="2000" kern="1200">
+                <a:solidFill>
+                  <a:schemeClr val="tx1"/>
+                </a:solidFill>
+                <a:latin typeface="+mn-lt"/>
+                <a:ea typeface="+mn-ea"/>
+                <a:cs typeface="+mn-cs"/>
+              </a:defRPr>
+            </a:lvl4pPr>
+            <a:lvl5pPr marL="2057400" indent="-228600" algn="l" defTabSz="914400" rtl="0" eaLnBrk="1" latinLnBrk="0" hangingPunct="1">
+              <a:spcBef>
+                <a:spcPct val="20000"/>
+              </a:spcBef>
+              <a:buFont typeface="Arial" panose="020B0604020202020204" pitchFamily="34" charset="0"/>
+              <a:buChar char="»"/>
+              <a:defRPr sz="2000" kern="1200">
+                <a:solidFill>
+                  <a:schemeClr val="tx1"/>
+                </a:solidFill>
+                <a:latin typeface="+mn-lt"/>
+                <a:ea typeface="+mn-ea"/>
+                <a:cs typeface="+mn-cs"/>
+              </a:defRPr>
+            </a:lvl5pPr>
+            <a:lvl6pPr marL="2514600" indent="-228600" algn="l" defTabSz="914400" rtl="0" eaLnBrk="1" latinLnBrk="0" hangingPunct="1">
+              <a:spcBef>
+                <a:spcPct val="20000"/>
+              </a:spcBef>
+              <a:buFont typeface="Arial" panose="020B0604020202020204" pitchFamily="34" charset="0"/>
+              <a:buChar char="•"/>
+              <a:defRPr sz="2000" kern="1200">
+                <a:solidFill>
+                  <a:schemeClr val="tx1"/>
+                </a:solidFill>
+                <a:latin typeface="+mn-lt"/>
+                <a:ea typeface="+mn-ea"/>
+                <a:cs typeface="+mn-cs"/>
+              </a:defRPr>
+            </a:lvl6pPr>
+            <a:lvl7pPr marL="2971800" indent="-228600" algn="l" defTabSz="914400" rtl="0" eaLnBrk="1" latinLnBrk="0" hangingPunct="1">
+              <a:spcBef>
+                <a:spcPct val="20000"/>
+              </a:spcBef>
+              <a:buFont typeface="Arial" panose="020B0604020202020204" pitchFamily="34" charset="0"/>
+              <a:buChar char="•"/>
+              <a:defRPr sz="2000" kern="1200">
+                <a:solidFill>
+                  <a:schemeClr val="tx1"/>
+                </a:solidFill>
+                <a:latin typeface="+mn-lt"/>
+                <a:ea typeface="+mn-ea"/>
+                <a:cs typeface="+mn-cs"/>
+              </a:defRPr>
+            </a:lvl7pPr>
+            <a:lvl8pPr marL="3429000" indent="-228600" algn="l" defTabSz="914400" rtl="0" eaLnBrk="1" latinLnBrk="0" hangingPunct="1">
+              <a:spcBef>
+                <a:spcPct val="20000"/>
+              </a:spcBef>
+              <a:buFont typeface="Arial" panose="020B0604020202020204" pitchFamily="34" charset="0"/>
+              <a:buChar char="•"/>
+              <a:defRPr sz="2000" kern="1200">
+                <a:solidFill>
+                  <a:schemeClr val="tx1"/>
+                </a:solidFill>
+                <a:latin typeface="+mn-lt"/>
+                <a:ea typeface="+mn-ea"/>
+                <a:cs typeface="+mn-cs"/>
+              </a:defRPr>
+            </a:lvl8pPr>
+            <a:lvl9pPr marL="3886200" indent="-228600" algn="l" defTabSz="914400" rtl="0" eaLnBrk="1" latinLnBrk="0" hangingPunct="1">
+              <a:spcBef>
+                <a:spcPct val="20000"/>
+              </a:spcBef>
+              <a:buFont typeface="Arial" panose="020B0604020202020204" pitchFamily="34" charset="0"/>
+              <a:buChar char="•"/>
+              <a:defRPr sz="2000" kern="1200">
+                <a:solidFill>
+                  <a:schemeClr val="tx1"/>
+                </a:solidFill>
+                <a:latin typeface="+mn-lt"/>
+                <a:ea typeface="+mn-ea"/>
+                <a:cs typeface="+mn-cs"/>
+              </a:defRPr>
+            </a:lvl9pPr>
+          </a:lstStyle>
+          <a:p>
+            <a:pPr marL="0" indent="0">
+              <a:buNone/>
+            </a:pPr>
+            <a:r>
+              <a:rPr lang="en-US" sz="2000" b="1" dirty="0" smtClean="0"/>
+              <a:t>Advantages:</a:t>
+            </a:r>
+          </a:p>
+          <a:p>
+            <a:r>
+              <a:rPr lang="en-US" sz="2000" dirty="0"/>
+              <a:t>Addressing the concept of possibility</a:t>
+            </a:r>
+            <a:r>
+              <a:rPr lang="en-US" sz="2000" dirty="0" smtClean="0"/>
+              <a:t>.</a:t>
+            </a:r>
+          </a:p>
+          <a:p>
+            <a:r>
+              <a:rPr lang="en-US" sz="2000" dirty="0"/>
+              <a:t>The ability to represent the concept of ignorance to allow one </a:t>
+            </a:r>
+            <a:r>
+              <a:rPr lang="en-US" sz="2000" dirty="0" smtClean="0"/>
+              <a:t>to specify </a:t>
+            </a:r>
+            <a:r>
+              <a:rPr lang="en-US" sz="2000" dirty="0"/>
+              <a:t>a degree of ignorance in a situation, instead of being forced </a:t>
+            </a:r>
+            <a:r>
+              <a:rPr lang="en-US" sz="2000" dirty="0" smtClean="0"/>
+              <a:t>to supply </a:t>
+            </a:r>
+            <a:r>
+              <a:rPr lang="en-US" sz="2000" dirty="0"/>
+              <a:t>prior probabilities</a:t>
+            </a:r>
+            <a:r>
+              <a:rPr lang="en-US" sz="2000" dirty="0" smtClean="0"/>
+              <a:t>.</a:t>
+            </a:r>
+          </a:p>
+          <a:p>
+            <a:r>
+              <a:rPr lang="en-US" sz="2000" dirty="0"/>
+              <a:t>Consistent with classical probability theory</a:t>
+            </a:r>
+            <a:r>
+              <a:rPr lang="en-US" sz="2000" dirty="0" smtClean="0"/>
+              <a:t>.</a:t>
+            </a:r>
+          </a:p>
+          <a:p>
+            <a:r>
+              <a:rPr lang="en-US" sz="2000" dirty="0"/>
+              <a:t>Distinguishing randomness from missing information</a:t>
+            </a:r>
+            <a:r>
+              <a:rPr lang="en-US" sz="2000" dirty="0" smtClean="0"/>
+              <a:t>.</a:t>
+            </a:r>
+          </a:p>
+          <a:p>
+            <a:r>
+              <a:rPr lang="en-US" sz="2000" dirty="0"/>
+              <a:t>No required a priori knowledge</a:t>
+            </a:r>
+            <a:r>
+              <a:rPr lang="en-US" sz="2000" dirty="0" smtClean="0"/>
+              <a:t>.</a:t>
+            </a:r>
+          </a:p>
+          <a:p>
+            <a:r>
+              <a:rPr lang="en-US" sz="2000" dirty="0"/>
+              <a:t>Including an evidence combination rule which provides an operator </a:t>
+            </a:r>
+            <a:r>
+              <a:rPr lang="en-US" sz="2000" dirty="0" smtClean="0"/>
+              <a:t>to integrate </a:t>
+            </a:r>
+            <a:r>
+              <a:rPr lang="en-US" sz="2000" dirty="0"/>
+              <a:t>multiple pieces of information from different sources.</a:t>
+            </a:r>
+            <a:endParaRPr lang="en-US" sz="2000" dirty="0" smtClean="0"/>
+          </a:p>
+        </p:txBody>
+      </p:sp>
+      <p:sp>
+        <p:nvSpPr>
+          <p:cNvPr id="9" name="Title 1"/>
+          <p:cNvSpPr txBox="1">
+            <a:spLocks/>
+          </p:cNvSpPr>
+          <p:nvPr/>
+        </p:nvSpPr>
+        <p:spPr>
+          <a:xfrm>
+            <a:off x="76200" y="0"/>
+            <a:ext cx="8991600" cy="1143000"/>
+          </a:xfrm>
+          <a:prstGeom prst="rect">
+            <a:avLst/>
+          </a:prstGeom>
+        </p:spPr>
+        <p:txBody>
+          <a:bodyPr vert="horz" lIns="91440" tIns="45720" rIns="91440" bIns="45720" rtlCol="0" anchor="ctr">
+            <a:normAutofit/>
+          </a:bodyPr>
+          <a:lstStyle>
+            <a:lvl1pPr algn="ctr" defTabSz="914400" rtl="0" eaLnBrk="1" latinLnBrk="0" hangingPunct="1">
+              <a:spcBef>
+                <a:spcPct val="0"/>
+              </a:spcBef>
+              <a:buNone/>
+              <a:defRPr sz="4400" kern="1200">
+                <a:solidFill>
+                  <a:schemeClr val="tx1"/>
+                </a:solidFill>
+                <a:latin typeface="+mj-lt"/>
+                <a:ea typeface="+mj-ea"/>
+                <a:cs typeface="+mj-cs"/>
+              </a:defRPr>
+            </a:lvl1pPr>
+          </a:lstStyle>
+          <a:p>
+            <a:pPr algn="l"/>
+            <a:r>
+              <a:rPr lang="en-US" sz="2400" b="1" dirty="0" smtClean="0"/>
+              <a:t>Uncertainty in AI &gt; Advantages &amp; Disadvantages: </a:t>
+            </a:r>
+            <a:r>
+              <a:rPr lang="en-US" sz="2000" b="1" i="1" dirty="0" smtClean="0"/>
+              <a:t>Dempster-Shafer Theory</a:t>
+            </a:r>
+            <a:endParaRPr lang="en-US" sz="2000" b="1" i="1" dirty="0"/>
+          </a:p>
+        </p:txBody>
+      </p:sp>
+    </p:spTree>
+    <p:extLst>
+      <p:ext uri="{BB962C8B-B14F-4D97-AF65-F5344CB8AC3E}">
+        <p14:creationId xmlns:p14="http://schemas.microsoft.com/office/powerpoint/2010/main" val="1900588142"/>
+      </p:ext>
+    </p:extLst>
+  </p:cSld>
+  <p:clrMapOvr>
+    <a:masterClrMapping/>
+  </p:clrMapOvr>
+  <p:timing>
+    <p:tnLst>
+      <p:par>
+        <p:cTn id="1" dur="indefinite" restart="never" nodeType="tmRoot"/>
+      </p:par>
+    </p:tnLst>
+  </p:timing>
+</p:sld>
+</file>
+
+<file path=ppt/slides/slide47.xml><?xml version="1.0" encoding="utf-8"?>
+<p:sld xmlns:a="http://schemas.openxmlformats.org/drawingml/2006/main" xmlns:r="http://schemas.openxmlformats.org/officeDocument/2006/relationships" xmlns:p="http://schemas.openxmlformats.org/presentationml/2006/main">
+  <p:cSld>
+    <p:spTree>
+      <p:nvGrpSpPr>
+        <p:cNvPr id="1" name=""/>
+        <p:cNvGrpSpPr/>
+        <p:nvPr/>
+      </p:nvGrpSpPr>
+      <p:grpSpPr>
+        <a:xfrm>
+          <a:off x="0" y="0"/>
+          <a:ext cx="0" cy="0"/>
+          <a:chOff x="0" y="0"/>
+          <a:chExt cx="0" cy="0"/>
+        </a:xfrm>
+      </p:grpSpPr>
+      <p:sp>
+        <p:nvSpPr>
+          <p:cNvPr id="5" name="Content Placeholder 2"/>
+          <p:cNvSpPr txBox="1">
+            <a:spLocks/>
+          </p:cNvSpPr>
+          <p:nvPr/>
+        </p:nvSpPr>
+        <p:spPr>
+          <a:xfrm>
+            <a:off x="457199" y="1143000"/>
+            <a:ext cx="8206611" cy="5257800"/>
+          </a:xfrm>
+          <a:prstGeom prst="rect">
+            <a:avLst/>
+          </a:prstGeom>
+        </p:spPr>
+        <p:txBody>
+          <a:bodyPr vert="horz" lIns="91440" tIns="45720" rIns="91440" bIns="45720" rtlCol="0">
+            <a:normAutofit/>
+          </a:bodyPr>
+          <a:lstStyle>
+            <a:lvl1pPr marL="342900" indent="-342900" algn="l" defTabSz="914400" rtl="0" eaLnBrk="1" latinLnBrk="0" hangingPunct="1">
+              <a:spcBef>
+                <a:spcPct val="20000"/>
+              </a:spcBef>
+              <a:buFont typeface="Arial" panose="020B0604020202020204" pitchFamily="34" charset="0"/>
+              <a:buChar char="•"/>
+              <a:defRPr sz="3200" kern="1200">
+                <a:solidFill>
+                  <a:schemeClr val="tx1"/>
+                </a:solidFill>
+                <a:latin typeface="+mn-lt"/>
+                <a:ea typeface="+mn-ea"/>
+                <a:cs typeface="+mn-cs"/>
+              </a:defRPr>
+            </a:lvl1pPr>
+            <a:lvl2pPr marL="742950" indent="-285750" algn="l" defTabSz="914400" rtl="0" eaLnBrk="1" latinLnBrk="0" hangingPunct="1">
+              <a:spcBef>
+                <a:spcPct val="20000"/>
+              </a:spcBef>
+              <a:buFont typeface="Arial" panose="020B0604020202020204" pitchFamily="34" charset="0"/>
+              <a:buChar char="–"/>
+              <a:defRPr sz="2800" kern="1200">
+                <a:solidFill>
+                  <a:schemeClr val="tx1"/>
+                </a:solidFill>
+                <a:latin typeface="+mn-lt"/>
+                <a:ea typeface="+mn-ea"/>
+                <a:cs typeface="+mn-cs"/>
+              </a:defRPr>
+            </a:lvl2pPr>
+            <a:lvl3pPr marL="1143000" indent="-228600" algn="l" defTabSz="914400" rtl="0" eaLnBrk="1" latinLnBrk="0" hangingPunct="1">
+              <a:spcBef>
+                <a:spcPct val="20000"/>
+              </a:spcBef>
+              <a:buFont typeface="Arial" panose="020B0604020202020204" pitchFamily="34" charset="0"/>
+              <a:buChar char="•"/>
+              <a:defRPr sz="2400" kern="1200">
+                <a:solidFill>
+                  <a:schemeClr val="tx1"/>
+                </a:solidFill>
+                <a:latin typeface="+mn-lt"/>
+                <a:ea typeface="+mn-ea"/>
+                <a:cs typeface="+mn-cs"/>
+              </a:defRPr>
+            </a:lvl3pPr>
+            <a:lvl4pPr marL="1600200" indent="-228600" algn="l" defTabSz="914400" rtl="0" eaLnBrk="1" latinLnBrk="0" hangingPunct="1">
+              <a:spcBef>
+                <a:spcPct val="20000"/>
+              </a:spcBef>
+              <a:buFont typeface="Arial" panose="020B0604020202020204" pitchFamily="34" charset="0"/>
+              <a:buChar char="–"/>
+              <a:defRPr sz="2000" kern="1200">
+                <a:solidFill>
+                  <a:schemeClr val="tx1"/>
+                </a:solidFill>
+                <a:latin typeface="+mn-lt"/>
+                <a:ea typeface="+mn-ea"/>
+                <a:cs typeface="+mn-cs"/>
+              </a:defRPr>
+            </a:lvl4pPr>
+            <a:lvl5pPr marL="2057400" indent="-228600" algn="l" defTabSz="914400" rtl="0" eaLnBrk="1" latinLnBrk="0" hangingPunct="1">
+              <a:spcBef>
+                <a:spcPct val="20000"/>
+              </a:spcBef>
+              <a:buFont typeface="Arial" panose="020B0604020202020204" pitchFamily="34" charset="0"/>
+              <a:buChar char="»"/>
+              <a:defRPr sz="2000" kern="1200">
+                <a:solidFill>
+                  <a:schemeClr val="tx1"/>
+                </a:solidFill>
+                <a:latin typeface="+mn-lt"/>
+                <a:ea typeface="+mn-ea"/>
+                <a:cs typeface="+mn-cs"/>
+              </a:defRPr>
+            </a:lvl5pPr>
+            <a:lvl6pPr marL="2514600" indent="-228600" algn="l" defTabSz="914400" rtl="0" eaLnBrk="1" latinLnBrk="0" hangingPunct="1">
+              <a:spcBef>
+                <a:spcPct val="20000"/>
+              </a:spcBef>
+              <a:buFont typeface="Arial" panose="020B0604020202020204" pitchFamily="34" charset="0"/>
+              <a:buChar char="•"/>
+              <a:defRPr sz="2000" kern="1200">
+                <a:solidFill>
+                  <a:schemeClr val="tx1"/>
+                </a:solidFill>
+                <a:latin typeface="+mn-lt"/>
+                <a:ea typeface="+mn-ea"/>
+                <a:cs typeface="+mn-cs"/>
+              </a:defRPr>
+            </a:lvl6pPr>
+            <a:lvl7pPr marL="2971800" indent="-228600" algn="l" defTabSz="914400" rtl="0" eaLnBrk="1" latinLnBrk="0" hangingPunct="1">
+              <a:spcBef>
+                <a:spcPct val="20000"/>
+              </a:spcBef>
+              <a:buFont typeface="Arial" panose="020B0604020202020204" pitchFamily="34" charset="0"/>
+              <a:buChar char="•"/>
+              <a:defRPr sz="2000" kern="1200">
+                <a:solidFill>
+                  <a:schemeClr val="tx1"/>
+                </a:solidFill>
+                <a:latin typeface="+mn-lt"/>
+                <a:ea typeface="+mn-ea"/>
+                <a:cs typeface="+mn-cs"/>
+              </a:defRPr>
+            </a:lvl7pPr>
+            <a:lvl8pPr marL="3429000" indent="-228600" algn="l" defTabSz="914400" rtl="0" eaLnBrk="1" latinLnBrk="0" hangingPunct="1">
+              <a:spcBef>
+                <a:spcPct val="20000"/>
+              </a:spcBef>
+              <a:buFont typeface="Arial" panose="020B0604020202020204" pitchFamily="34" charset="0"/>
+              <a:buChar char="•"/>
+              <a:defRPr sz="2000" kern="1200">
+                <a:solidFill>
+                  <a:schemeClr val="tx1"/>
+                </a:solidFill>
+                <a:latin typeface="+mn-lt"/>
+                <a:ea typeface="+mn-ea"/>
+                <a:cs typeface="+mn-cs"/>
+              </a:defRPr>
+            </a:lvl8pPr>
+            <a:lvl9pPr marL="3886200" indent="-228600" algn="l" defTabSz="914400" rtl="0" eaLnBrk="1" latinLnBrk="0" hangingPunct="1">
+              <a:spcBef>
+                <a:spcPct val="20000"/>
+              </a:spcBef>
+              <a:buFont typeface="Arial" panose="020B0604020202020204" pitchFamily="34" charset="0"/>
+              <a:buChar char="•"/>
+              <a:defRPr sz="2000" kern="1200">
+                <a:solidFill>
+                  <a:schemeClr val="tx1"/>
+                </a:solidFill>
+                <a:latin typeface="+mn-lt"/>
+                <a:ea typeface="+mn-ea"/>
+                <a:cs typeface="+mn-cs"/>
+              </a:defRPr>
+            </a:lvl9pPr>
+          </a:lstStyle>
+          <a:p>
+            <a:pPr marL="0" indent="0">
+              <a:buNone/>
+            </a:pPr>
+            <a:r>
+              <a:rPr lang="en-US" sz="2000" b="1" dirty="0" smtClean="0"/>
+              <a:t>Disadvantages:</a:t>
+            </a:r>
+          </a:p>
+          <a:p>
+            <a:r>
+              <a:rPr lang="en-US" sz="2000" dirty="0"/>
+              <a:t>Computational complexity grows exponentially with the number </a:t>
+            </a:r>
+            <a:r>
+              <a:rPr lang="en-US" sz="2000" dirty="0" smtClean="0"/>
+              <a:t>of hypotheses </a:t>
+            </a:r>
+            <a:r>
+              <a:rPr lang="en-US" sz="2000" dirty="0"/>
+              <a:t>(in original formulation</a:t>
+            </a:r>
+            <a:r>
+              <a:rPr lang="en-US" sz="2000" dirty="0" smtClean="0"/>
+              <a:t>).</a:t>
+            </a:r>
+          </a:p>
+          <a:p>
+            <a:r>
+              <a:rPr lang="en-US" sz="2000" dirty="0"/>
+              <a:t>Small modifications in the evidence assignments may lead to </a:t>
+            </a:r>
+            <a:r>
+              <a:rPr lang="en-US" sz="2000" dirty="0" smtClean="0"/>
+              <a:t>a  </a:t>
+            </a:r>
+            <a:r>
+              <a:rPr lang="en-US" sz="2000" dirty="0"/>
+              <a:t>completely different conclusion, which can lead to misleading </a:t>
+            </a:r>
+            <a:r>
+              <a:rPr lang="en-US" sz="2000" dirty="0" smtClean="0"/>
+              <a:t>and  </a:t>
+            </a:r>
+            <a:r>
+              <a:rPr lang="en-US" sz="2000" dirty="0"/>
+              <a:t>counter-intuitive results.</a:t>
+            </a:r>
+            <a:endParaRPr lang="en-US" sz="2000" dirty="0" smtClean="0"/>
+          </a:p>
+        </p:txBody>
+      </p:sp>
+      <p:sp>
+        <p:nvSpPr>
+          <p:cNvPr id="9" name="Title 1"/>
+          <p:cNvSpPr txBox="1">
+            <a:spLocks/>
+          </p:cNvSpPr>
+          <p:nvPr/>
+        </p:nvSpPr>
+        <p:spPr>
+          <a:xfrm>
+            <a:off x="76200" y="0"/>
+            <a:ext cx="8991600" cy="1143000"/>
+          </a:xfrm>
+          <a:prstGeom prst="rect">
+            <a:avLst/>
+          </a:prstGeom>
+        </p:spPr>
+        <p:txBody>
+          <a:bodyPr vert="horz" lIns="91440" tIns="45720" rIns="91440" bIns="45720" rtlCol="0" anchor="ctr">
+            <a:normAutofit/>
+          </a:bodyPr>
+          <a:lstStyle>
+            <a:lvl1pPr algn="ctr" defTabSz="914400" rtl="0" eaLnBrk="1" latinLnBrk="0" hangingPunct="1">
+              <a:spcBef>
+                <a:spcPct val="0"/>
+              </a:spcBef>
+              <a:buNone/>
+              <a:defRPr sz="4400" kern="1200">
+                <a:solidFill>
+                  <a:schemeClr val="tx1"/>
+                </a:solidFill>
+                <a:latin typeface="+mj-lt"/>
+                <a:ea typeface="+mj-ea"/>
+                <a:cs typeface="+mj-cs"/>
+              </a:defRPr>
+            </a:lvl1pPr>
+          </a:lstStyle>
+          <a:p>
+            <a:pPr algn="l"/>
+            <a:r>
+              <a:rPr lang="en-US" sz="2400" b="1" dirty="0" smtClean="0"/>
+              <a:t>Uncertainty in AI &gt; Advantages &amp; Disadvantages: </a:t>
+            </a:r>
+            <a:r>
+              <a:rPr lang="en-US" sz="2000" b="1" i="1" dirty="0"/>
+              <a:t>Dempster-Shafer Theory</a:t>
+            </a:r>
+            <a:endParaRPr lang="en-US" sz="2000" b="1" i="1" dirty="0"/>
+          </a:p>
+        </p:txBody>
+      </p:sp>
+    </p:spTree>
+    <p:extLst>
+      <p:ext uri="{BB962C8B-B14F-4D97-AF65-F5344CB8AC3E}">
+        <p14:creationId xmlns:p14="http://schemas.microsoft.com/office/powerpoint/2010/main" val="878198587"/>
+      </p:ext>
+    </p:extLst>
+  </p:cSld>
+  <p:clrMapOvr>
+    <a:masterClrMapping/>
+  </p:clrMapOvr>
+  <p:timing>
+    <p:tnLst>
+      <p:par>
+        <p:cTn id="1" dur="indefinite" restart="never" nodeType="tmRoot"/>
+      </p:par>
+    </p:tnLst>
+  </p:timing>
+</p:sld>
+</file>
+
+<file path=ppt/slides/slide48.xml><?xml version="1.0" encoding="utf-8"?>
+<p:sld xmlns:a="http://schemas.openxmlformats.org/drawingml/2006/main" xmlns:r="http://schemas.openxmlformats.org/officeDocument/2006/relationships" xmlns:p="http://schemas.openxmlformats.org/presentationml/2006/main">
+  <p:cSld>
+    <p:spTree>
+      <p:nvGrpSpPr>
+        <p:cNvPr id="1" name=""/>
+        <p:cNvGrpSpPr/>
+        <p:nvPr/>
+      </p:nvGrpSpPr>
+      <p:grpSpPr>
+        <a:xfrm>
+          <a:off x="0" y="0"/>
+          <a:ext cx="0" cy="0"/>
+          <a:chOff x="0" y="0"/>
+          <a:chExt cx="0" cy="0"/>
+        </a:xfrm>
+      </p:grpSpPr>
+      <p:sp>
+        <p:nvSpPr>
+          <p:cNvPr id="5" name="Content Placeholder 2"/>
+          <p:cNvSpPr txBox="1">
+            <a:spLocks/>
+          </p:cNvSpPr>
+          <p:nvPr/>
+        </p:nvSpPr>
+        <p:spPr>
+          <a:xfrm>
+            <a:off x="457199" y="1143000"/>
+            <a:ext cx="8206611" cy="5257800"/>
+          </a:xfrm>
+          <a:prstGeom prst="rect">
+            <a:avLst/>
+          </a:prstGeom>
+        </p:spPr>
+        <p:txBody>
+          <a:bodyPr vert="horz" lIns="91440" tIns="45720" rIns="91440" bIns="45720" rtlCol="0">
+            <a:normAutofit/>
+          </a:bodyPr>
+          <a:lstStyle>
+            <a:lvl1pPr marL="342900" indent="-342900" algn="l" defTabSz="914400" rtl="0" eaLnBrk="1" latinLnBrk="0" hangingPunct="1">
+              <a:spcBef>
+                <a:spcPct val="20000"/>
+              </a:spcBef>
+              <a:buFont typeface="Arial" panose="020B0604020202020204" pitchFamily="34" charset="0"/>
+              <a:buChar char="•"/>
+              <a:defRPr sz="3200" kern="1200">
+                <a:solidFill>
+                  <a:schemeClr val="tx1"/>
+                </a:solidFill>
+                <a:latin typeface="+mn-lt"/>
+                <a:ea typeface="+mn-ea"/>
+                <a:cs typeface="+mn-cs"/>
+              </a:defRPr>
+            </a:lvl1pPr>
+            <a:lvl2pPr marL="742950" indent="-285750" algn="l" defTabSz="914400" rtl="0" eaLnBrk="1" latinLnBrk="0" hangingPunct="1">
+              <a:spcBef>
+                <a:spcPct val="20000"/>
+              </a:spcBef>
+              <a:buFont typeface="Arial" panose="020B0604020202020204" pitchFamily="34" charset="0"/>
+              <a:buChar char="–"/>
+              <a:defRPr sz="2800" kern="1200">
+                <a:solidFill>
+                  <a:schemeClr val="tx1"/>
+                </a:solidFill>
+                <a:latin typeface="+mn-lt"/>
+                <a:ea typeface="+mn-ea"/>
+                <a:cs typeface="+mn-cs"/>
+              </a:defRPr>
+            </a:lvl2pPr>
+            <a:lvl3pPr marL="1143000" indent="-228600" algn="l" defTabSz="914400" rtl="0" eaLnBrk="1" latinLnBrk="0" hangingPunct="1">
+              <a:spcBef>
+                <a:spcPct val="20000"/>
+              </a:spcBef>
+              <a:buFont typeface="Arial" panose="020B0604020202020204" pitchFamily="34" charset="0"/>
+              <a:buChar char="•"/>
+              <a:defRPr sz="2400" kern="1200">
+                <a:solidFill>
+                  <a:schemeClr val="tx1"/>
+                </a:solidFill>
+                <a:latin typeface="+mn-lt"/>
+                <a:ea typeface="+mn-ea"/>
+                <a:cs typeface="+mn-cs"/>
+              </a:defRPr>
+            </a:lvl3pPr>
+            <a:lvl4pPr marL="1600200" indent="-228600" algn="l" defTabSz="914400" rtl="0" eaLnBrk="1" latinLnBrk="0" hangingPunct="1">
+              <a:spcBef>
+                <a:spcPct val="20000"/>
+              </a:spcBef>
+              <a:buFont typeface="Arial" panose="020B0604020202020204" pitchFamily="34" charset="0"/>
+              <a:buChar char="–"/>
+              <a:defRPr sz="2000" kern="1200">
+                <a:solidFill>
+                  <a:schemeClr val="tx1"/>
+                </a:solidFill>
+                <a:latin typeface="+mn-lt"/>
+                <a:ea typeface="+mn-ea"/>
+                <a:cs typeface="+mn-cs"/>
+              </a:defRPr>
+            </a:lvl4pPr>
+            <a:lvl5pPr marL="2057400" indent="-228600" algn="l" defTabSz="914400" rtl="0" eaLnBrk="1" latinLnBrk="0" hangingPunct="1">
+              <a:spcBef>
+                <a:spcPct val="20000"/>
+              </a:spcBef>
+              <a:buFont typeface="Arial" panose="020B0604020202020204" pitchFamily="34" charset="0"/>
+              <a:buChar char="»"/>
+              <a:defRPr sz="2000" kern="1200">
+                <a:solidFill>
+                  <a:schemeClr val="tx1"/>
+                </a:solidFill>
+                <a:latin typeface="+mn-lt"/>
+                <a:ea typeface="+mn-ea"/>
+                <a:cs typeface="+mn-cs"/>
+              </a:defRPr>
+            </a:lvl5pPr>
+            <a:lvl6pPr marL="2514600" indent="-228600" algn="l" defTabSz="914400" rtl="0" eaLnBrk="1" latinLnBrk="0" hangingPunct="1">
+              <a:spcBef>
+                <a:spcPct val="20000"/>
+              </a:spcBef>
+              <a:buFont typeface="Arial" panose="020B0604020202020204" pitchFamily="34" charset="0"/>
+              <a:buChar char="•"/>
+              <a:defRPr sz="2000" kern="1200">
+                <a:solidFill>
+                  <a:schemeClr val="tx1"/>
+                </a:solidFill>
+                <a:latin typeface="+mn-lt"/>
+                <a:ea typeface="+mn-ea"/>
+                <a:cs typeface="+mn-cs"/>
+              </a:defRPr>
+            </a:lvl6pPr>
+            <a:lvl7pPr marL="2971800" indent="-228600" algn="l" defTabSz="914400" rtl="0" eaLnBrk="1" latinLnBrk="0" hangingPunct="1">
+              <a:spcBef>
+                <a:spcPct val="20000"/>
+              </a:spcBef>
+              <a:buFont typeface="Arial" panose="020B0604020202020204" pitchFamily="34" charset="0"/>
+              <a:buChar char="•"/>
+              <a:defRPr sz="2000" kern="1200">
+                <a:solidFill>
+                  <a:schemeClr val="tx1"/>
+                </a:solidFill>
+                <a:latin typeface="+mn-lt"/>
+                <a:ea typeface="+mn-ea"/>
+                <a:cs typeface="+mn-cs"/>
+              </a:defRPr>
+            </a:lvl7pPr>
+            <a:lvl8pPr marL="3429000" indent="-228600" algn="l" defTabSz="914400" rtl="0" eaLnBrk="1" latinLnBrk="0" hangingPunct="1">
+              <a:spcBef>
+                <a:spcPct val="20000"/>
+              </a:spcBef>
+              <a:buFont typeface="Arial" panose="020B0604020202020204" pitchFamily="34" charset="0"/>
+              <a:buChar char="•"/>
+              <a:defRPr sz="2000" kern="1200">
+                <a:solidFill>
+                  <a:schemeClr val="tx1"/>
+                </a:solidFill>
+                <a:latin typeface="+mn-lt"/>
+                <a:ea typeface="+mn-ea"/>
+                <a:cs typeface="+mn-cs"/>
+              </a:defRPr>
+            </a:lvl8pPr>
+            <a:lvl9pPr marL="3886200" indent="-228600" algn="l" defTabSz="914400" rtl="0" eaLnBrk="1" latinLnBrk="0" hangingPunct="1">
+              <a:spcBef>
+                <a:spcPct val="20000"/>
+              </a:spcBef>
+              <a:buFont typeface="Arial" panose="020B0604020202020204" pitchFamily="34" charset="0"/>
+              <a:buChar char="•"/>
+              <a:defRPr sz="2000" kern="1200">
+                <a:solidFill>
+                  <a:schemeClr val="tx1"/>
+                </a:solidFill>
+                <a:latin typeface="+mn-lt"/>
+                <a:ea typeface="+mn-ea"/>
+                <a:cs typeface="+mn-cs"/>
+              </a:defRPr>
+            </a:lvl9pPr>
+          </a:lstStyle>
+          <a:p>
+            <a:pPr marL="0" indent="0">
+              <a:buNone/>
+            </a:pPr>
+            <a:r>
+              <a:rPr lang="en-US" sz="2000" b="1" dirty="0" smtClean="0"/>
+              <a:t>Advantages:</a:t>
+            </a:r>
+          </a:p>
+          <a:p>
+            <a:r>
+              <a:rPr lang="en-US" sz="2000" dirty="0"/>
+              <a:t>Describing algorithms in terms of a combination of </a:t>
+            </a:r>
+            <a:r>
+              <a:rPr lang="en-US" sz="2000" dirty="0" err="1"/>
+              <a:t>numerics</a:t>
+            </a:r>
+            <a:r>
+              <a:rPr lang="en-US" sz="2000" dirty="0"/>
+              <a:t> </a:t>
+            </a:r>
+            <a:r>
+              <a:rPr lang="en-US" sz="2000" dirty="0" smtClean="0"/>
+              <a:t>and  </a:t>
+            </a:r>
+            <a:r>
+              <a:rPr lang="en-US" sz="2000" dirty="0"/>
+              <a:t>linguistics</a:t>
+            </a:r>
+            <a:r>
+              <a:rPr lang="en-US" sz="2000" dirty="0" smtClean="0"/>
+              <a:t>.</a:t>
+            </a:r>
+          </a:p>
+          <a:p>
+            <a:r>
+              <a:rPr lang="en-US" sz="2000" dirty="0"/>
+              <a:t>Capturing the concept of the ambiguity of information</a:t>
+            </a:r>
+            <a:r>
+              <a:rPr lang="en-US" sz="2000" dirty="0" smtClean="0"/>
+              <a:t>.</a:t>
+            </a:r>
+          </a:p>
+          <a:p>
+            <a:r>
+              <a:rPr lang="en-US" sz="2000" dirty="0"/>
+              <a:t>Flexible and intuitive knowledge-base design</a:t>
+            </a:r>
+            <a:r>
+              <a:rPr lang="en-US" sz="2000" dirty="0" smtClean="0"/>
+              <a:t>.</a:t>
+            </a:r>
+          </a:p>
+          <a:p>
+            <a:r>
+              <a:rPr lang="en-US" sz="2000" dirty="0"/>
+              <a:t>Easy computation</a:t>
+            </a:r>
+            <a:r>
+              <a:rPr lang="en-US" sz="2000" dirty="0" smtClean="0"/>
+              <a:t>.</a:t>
+            </a:r>
+          </a:p>
+          <a:p>
+            <a:r>
+              <a:rPr lang="en-US" sz="2000" dirty="0"/>
+              <a:t>Relatively robust algorithms.</a:t>
+            </a:r>
+            <a:endParaRPr lang="en-US" sz="2000" dirty="0" smtClean="0"/>
+          </a:p>
+        </p:txBody>
+      </p:sp>
+      <p:sp>
+        <p:nvSpPr>
+          <p:cNvPr id="9" name="Title 1"/>
+          <p:cNvSpPr txBox="1">
+            <a:spLocks/>
+          </p:cNvSpPr>
+          <p:nvPr/>
+        </p:nvSpPr>
+        <p:spPr>
+          <a:xfrm>
+            <a:off x="76200" y="0"/>
+            <a:ext cx="8991600" cy="1143000"/>
+          </a:xfrm>
+          <a:prstGeom prst="rect">
+            <a:avLst/>
+          </a:prstGeom>
+        </p:spPr>
+        <p:txBody>
+          <a:bodyPr vert="horz" lIns="91440" tIns="45720" rIns="91440" bIns="45720" rtlCol="0" anchor="ctr">
+            <a:normAutofit/>
+          </a:bodyPr>
+          <a:lstStyle>
+            <a:lvl1pPr algn="ctr" defTabSz="914400" rtl="0" eaLnBrk="1" latinLnBrk="0" hangingPunct="1">
+              <a:spcBef>
+                <a:spcPct val="0"/>
+              </a:spcBef>
+              <a:buNone/>
+              <a:defRPr sz="4400" kern="1200">
+                <a:solidFill>
+                  <a:schemeClr val="tx1"/>
+                </a:solidFill>
+                <a:latin typeface="+mj-lt"/>
+                <a:ea typeface="+mj-ea"/>
+                <a:cs typeface="+mj-cs"/>
+              </a:defRPr>
+            </a:lvl1pPr>
+          </a:lstStyle>
+          <a:p>
+            <a:pPr algn="l"/>
+            <a:r>
+              <a:rPr lang="en-US" sz="2400" b="1" dirty="0" smtClean="0"/>
+              <a:t>Uncertainty in AI &gt; Advantages &amp; Disadvantages: </a:t>
+            </a:r>
+            <a:r>
+              <a:rPr lang="en-US" sz="2000" b="1" i="1" dirty="0" smtClean="0"/>
+              <a:t>Fuzzy Logic Theory</a:t>
+            </a:r>
+            <a:endParaRPr lang="en-US" sz="2000" b="1" i="1" dirty="0"/>
+          </a:p>
+        </p:txBody>
+      </p:sp>
+    </p:spTree>
+    <p:extLst>
+      <p:ext uri="{BB962C8B-B14F-4D97-AF65-F5344CB8AC3E}">
+        <p14:creationId xmlns:p14="http://schemas.microsoft.com/office/powerpoint/2010/main" val="3799516951"/>
+      </p:ext>
+    </p:extLst>
+  </p:cSld>
+  <p:clrMapOvr>
+    <a:masterClrMapping/>
+  </p:clrMapOvr>
+  <p:timing>
+    <p:tnLst>
+      <p:par>
+        <p:cTn id="1" dur="indefinite" restart="never" nodeType="tmRoot"/>
+      </p:par>
+    </p:tnLst>
+  </p:timing>
+</p:sld>
+</file>
+
+<file path=ppt/slides/slide49.xml><?xml version="1.0" encoding="utf-8"?>
+<p:sld xmlns:a="http://schemas.openxmlformats.org/drawingml/2006/main" xmlns:r="http://schemas.openxmlformats.org/officeDocument/2006/relationships" xmlns:p="http://schemas.openxmlformats.org/presentationml/2006/main">
+  <p:cSld>
+    <p:spTree>
+      <p:nvGrpSpPr>
+        <p:cNvPr id="1" name=""/>
+        <p:cNvGrpSpPr/>
+        <p:nvPr/>
+      </p:nvGrpSpPr>
+      <p:grpSpPr>
+        <a:xfrm>
+          <a:off x="0" y="0"/>
+          <a:ext cx="0" cy="0"/>
+          <a:chOff x="0" y="0"/>
+          <a:chExt cx="0" cy="0"/>
+        </a:xfrm>
+      </p:grpSpPr>
+      <p:sp>
+        <p:nvSpPr>
+          <p:cNvPr id="5" name="Content Placeholder 2"/>
+          <p:cNvSpPr txBox="1">
+            <a:spLocks/>
+          </p:cNvSpPr>
+          <p:nvPr/>
+        </p:nvSpPr>
+        <p:spPr>
+          <a:xfrm>
+            <a:off x="457199" y="1143000"/>
+            <a:ext cx="8206611" cy="5257800"/>
+          </a:xfrm>
+          <a:prstGeom prst="rect">
+            <a:avLst/>
+          </a:prstGeom>
+        </p:spPr>
+        <p:txBody>
+          <a:bodyPr vert="horz" lIns="91440" tIns="45720" rIns="91440" bIns="45720" rtlCol="0">
+            <a:normAutofit/>
+          </a:bodyPr>
+          <a:lstStyle>
+            <a:lvl1pPr marL="342900" indent="-342900" algn="l" defTabSz="914400" rtl="0" eaLnBrk="1" latinLnBrk="0" hangingPunct="1">
+              <a:spcBef>
+                <a:spcPct val="20000"/>
+              </a:spcBef>
+              <a:buFont typeface="Arial" panose="020B0604020202020204" pitchFamily="34" charset="0"/>
+              <a:buChar char="•"/>
+              <a:defRPr sz="3200" kern="1200">
+                <a:solidFill>
+                  <a:schemeClr val="tx1"/>
+                </a:solidFill>
+                <a:latin typeface="+mn-lt"/>
+                <a:ea typeface="+mn-ea"/>
+                <a:cs typeface="+mn-cs"/>
+              </a:defRPr>
+            </a:lvl1pPr>
+            <a:lvl2pPr marL="742950" indent="-285750" algn="l" defTabSz="914400" rtl="0" eaLnBrk="1" latinLnBrk="0" hangingPunct="1">
+              <a:spcBef>
+                <a:spcPct val="20000"/>
+              </a:spcBef>
+              <a:buFont typeface="Arial" panose="020B0604020202020204" pitchFamily="34" charset="0"/>
+              <a:buChar char="–"/>
+              <a:defRPr sz="2800" kern="1200">
+                <a:solidFill>
+                  <a:schemeClr val="tx1"/>
+                </a:solidFill>
+                <a:latin typeface="+mn-lt"/>
+                <a:ea typeface="+mn-ea"/>
+                <a:cs typeface="+mn-cs"/>
+              </a:defRPr>
+            </a:lvl2pPr>
+            <a:lvl3pPr marL="1143000" indent="-228600" algn="l" defTabSz="914400" rtl="0" eaLnBrk="1" latinLnBrk="0" hangingPunct="1">
+              <a:spcBef>
+                <a:spcPct val="20000"/>
+              </a:spcBef>
+              <a:buFont typeface="Arial" panose="020B0604020202020204" pitchFamily="34" charset="0"/>
+              <a:buChar char="•"/>
+              <a:defRPr sz="2400" kern="1200">
+                <a:solidFill>
+                  <a:schemeClr val="tx1"/>
+                </a:solidFill>
+                <a:latin typeface="+mn-lt"/>
+                <a:ea typeface="+mn-ea"/>
+                <a:cs typeface="+mn-cs"/>
+              </a:defRPr>
+            </a:lvl3pPr>
+            <a:lvl4pPr marL="1600200" indent="-228600" algn="l" defTabSz="914400" rtl="0" eaLnBrk="1" latinLnBrk="0" hangingPunct="1">
+              <a:spcBef>
+                <a:spcPct val="20000"/>
+              </a:spcBef>
+              <a:buFont typeface="Arial" panose="020B0604020202020204" pitchFamily="34" charset="0"/>
+              <a:buChar char="–"/>
+              <a:defRPr sz="2000" kern="1200">
+                <a:solidFill>
+                  <a:schemeClr val="tx1"/>
+                </a:solidFill>
+                <a:latin typeface="+mn-lt"/>
+                <a:ea typeface="+mn-ea"/>
+                <a:cs typeface="+mn-cs"/>
+              </a:defRPr>
+            </a:lvl4pPr>
+            <a:lvl5pPr marL="2057400" indent="-228600" algn="l" defTabSz="914400" rtl="0" eaLnBrk="1" latinLnBrk="0" hangingPunct="1">
+              <a:spcBef>
+                <a:spcPct val="20000"/>
+              </a:spcBef>
+              <a:buFont typeface="Arial" panose="020B0604020202020204" pitchFamily="34" charset="0"/>
+              <a:buChar char="»"/>
+              <a:defRPr sz="2000" kern="1200">
+                <a:solidFill>
+                  <a:schemeClr val="tx1"/>
+                </a:solidFill>
+                <a:latin typeface="+mn-lt"/>
+                <a:ea typeface="+mn-ea"/>
+                <a:cs typeface="+mn-cs"/>
+              </a:defRPr>
+            </a:lvl5pPr>
+            <a:lvl6pPr marL="2514600" indent="-228600" algn="l" defTabSz="914400" rtl="0" eaLnBrk="1" latinLnBrk="0" hangingPunct="1">
+              <a:spcBef>
+                <a:spcPct val="20000"/>
+              </a:spcBef>
+              <a:buFont typeface="Arial" panose="020B0604020202020204" pitchFamily="34" charset="0"/>
+              <a:buChar char="•"/>
+              <a:defRPr sz="2000" kern="1200">
+                <a:solidFill>
+                  <a:schemeClr val="tx1"/>
+                </a:solidFill>
+                <a:latin typeface="+mn-lt"/>
+                <a:ea typeface="+mn-ea"/>
+                <a:cs typeface="+mn-cs"/>
+              </a:defRPr>
+            </a:lvl6pPr>
+            <a:lvl7pPr marL="2971800" indent="-228600" algn="l" defTabSz="914400" rtl="0" eaLnBrk="1" latinLnBrk="0" hangingPunct="1">
+              <a:spcBef>
+                <a:spcPct val="20000"/>
+              </a:spcBef>
+              <a:buFont typeface="Arial" panose="020B0604020202020204" pitchFamily="34" charset="0"/>
+              <a:buChar char="•"/>
+              <a:defRPr sz="2000" kern="1200">
+                <a:solidFill>
+                  <a:schemeClr val="tx1"/>
+                </a:solidFill>
+                <a:latin typeface="+mn-lt"/>
+                <a:ea typeface="+mn-ea"/>
+                <a:cs typeface="+mn-cs"/>
+              </a:defRPr>
+            </a:lvl7pPr>
+            <a:lvl8pPr marL="3429000" indent="-228600" algn="l" defTabSz="914400" rtl="0" eaLnBrk="1" latinLnBrk="0" hangingPunct="1">
+              <a:spcBef>
+                <a:spcPct val="20000"/>
+              </a:spcBef>
+              <a:buFont typeface="Arial" panose="020B0604020202020204" pitchFamily="34" charset="0"/>
+              <a:buChar char="•"/>
+              <a:defRPr sz="2000" kern="1200">
+                <a:solidFill>
+                  <a:schemeClr val="tx1"/>
+                </a:solidFill>
+                <a:latin typeface="+mn-lt"/>
+                <a:ea typeface="+mn-ea"/>
+                <a:cs typeface="+mn-cs"/>
+              </a:defRPr>
+            </a:lvl8pPr>
+            <a:lvl9pPr marL="3886200" indent="-228600" algn="l" defTabSz="914400" rtl="0" eaLnBrk="1" latinLnBrk="0" hangingPunct="1">
+              <a:spcBef>
+                <a:spcPct val="20000"/>
+              </a:spcBef>
+              <a:buFont typeface="Arial" panose="020B0604020202020204" pitchFamily="34" charset="0"/>
+              <a:buChar char="•"/>
+              <a:defRPr sz="2000" kern="1200">
+                <a:solidFill>
+                  <a:schemeClr val="tx1"/>
+                </a:solidFill>
+                <a:latin typeface="+mn-lt"/>
+                <a:ea typeface="+mn-ea"/>
+                <a:cs typeface="+mn-cs"/>
+              </a:defRPr>
+            </a:lvl9pPr>
+          </a:lstStyle>
+          <a:p>
+            <a:pPr marL="0" indent="0">
+              <a:buNone/>
+            </a:pPr>
+            <a:r>
+              <a:rPr lang="en-US" sz="2000" b="1" dirty="0" smtClean="0"/>
+              <a:t>Disadvantages:</a:t>
+            </a:r>
+          </a:p>
+          <a:p>
+            <a:r>
+              <a:rPr lang="en-US" sz="2000" dirty="0"/>
+              <a:t>Determining the exact fuzzy rules and membership functions is a </a:t>
+            </a:r>
+            <a:r>
+              <a:rPr lang="en-US" sz="2000" dirty="0" smtClean="0"/>
+              <a:t>hard  </a:t>
+            </a:r>
+            <a:r>
+              <a:rPr lang="en-US" sz="2000" dirty="0"/>
+              <a:t>task</a:t>
+            </a:r>
+            <a:r>
+              <a:rPr lang="en-US" sz="2000" dirty="0" smtClean="0"/>
+              <a:t>.</a:t>
+            </a:r>
+          </a:p>
+          <a:p>
+            <a:r>
+              <a:rPr lang="en-US" sz="2000" dirty="0"/>
+              <a:t>Requires manual tuning to obtain a better result</a:t>
+            </a:r>
+            <a:r>
+              <a:rPr lang="en-US" sz="2000" dirty="0" smtClean="0"/>
+              <a:t>.</a:t>
+            </a:r>
+          </a:p>
+          <a:p>
+            <a:r>
+              <a:rPr lang="en-US" sz="2000" dirty="0"/>
+              <a:t>Requires tuning in many options in design of a system</a:t>
+            </a:r>
+            <a:r>
+              <a:rPr lang="en-US" sz="2000" dirty="0" smtClean="0"/>
+              <a:t>.</a:t>
+            </a:r>
+          </a:p>
+          <a:p>
+            <a:r>
+              <a:rPr lang="en-US" sz="2000" dirty="0"/>
+              <a:t>The order of inference steps matters</a:t>
+            </a:r>
+            <a:r>
+              <a:rPr lang="en-US" sz="2000" dirty="0" smtClean="0"/>
+              <a:t>.</a:t>
+            </a:r>
+          </a:p>
+          <a:p>
+            <a:r>
+              <a:rPr lang="en-US" sz="2000" dirty="0"/>
+              <a:t>After reasoning, it can be difficult to exactly interpret the </a:t>
+            </a:r>
+            <a:r>
+              <a:rPr lang="en-US" sz="2000" dirty="0" smtClean="0"/>
+              <a:t>membership value.</a:t>
+            </a:r>
+          </a:p>
+          <a:p>
+            <a:r>
+              <a:rPr lang="en-US" sz="2000" dirty="0"/>
+              <a:t>Validation of a fuzzy knowledge-base is typically expensive.</a:t>
+            </a:r>
+            <a:endParaRPr lang="en-US" sz="2000" dirty="0" smtClean="0"/>
+          </a:p>
+        </p:txBody>
+      </p:sp>
+      <p:sp>
+        <p:nvSpPr>
+          <p:cNvPr id="9" name="Title 1"/>
+          <p:cNvSpPr txBox="1">
+            <a:spLocks/>
+          </p:cNvSpPr>
+          <p:nvPr/>
+        </p:nvSpPr>
+        <p:spPr>
+          <a:xfrm>
+            <a:off x="76200" y="0"/>
+            <a:ext cx="8991600" cy="1143000"/>
+          </a:xfrm>
+          <a:prstGeom prst="rect">
+            <a:avLst/>
+          </a:prstGeom>
+        </p:spPr>
+        <p:txBody>
+          <a:bodyPr vert="horz" lIns="91440" tIns="45720" rIns="91440" bIns="45720" rtlCol="0" anchor="ctr">
+            <a:normAutofit/>
+          </a:bodyPr>
+          <a:lstStyle>
+            <a:lvl1pPr algn="ctr" defTabSz="914400" rtl="0" eaLnBrk="1" latinLnBrk="0" hangingPunct="1">
+              <a:spcBef>
+                <a:spcPct val="0"/>
+              </a:spcBef>
+              <a:buNone/>
+              <a:defRPr sz="4400" kern="1200">
+                <a:solidFill>
+                  <a:schemeClr val="tx1"/>
+                </a:solidFill>
+                <a:latin typeface="+mj-lt"/>
+                <a:ea typeface="+mj-ea"/>
+                <a:cs typeface="+mj-cs"/>
+              </a:defRPr>
+            </a:lvl1pPr>
+          </a:lstStyle>
+          <a:p>
+            <a:pPr algn="l"/>
+            <a:r>
+              <a:rPr lang="en-US" sz="2400" b="1" dirty="0" smtClean="0"/>
+              <a:t>Uncertainty in AI &gt; Advantages &amp; Disadvantages: </a:t>
+            </a:r>
+            <a:r>
+              <a:rPr lang="en-US" sz="2000" b="1" i="1" dirty="0" smtClean="0"/>
+              <a:t>Fuzzy Logic </a:t>
+            </a:r>
+            <a:r>
+              <a:rPr lang="en-US" sz="2000" b="1" i="1" dirty="0"/>
+              <a:t>Theory</a:t>
+            </a:r>
+            <a:endParaRPr lang="en-US" sz="2000" b="1" i="1" dirty="0"/>
+          </a:p>
+        </p:txBody>
+      </p:sp>
+    </p:spTree>
+    <p:extLst>
+      <p:ext uri="{BB962C8B-B14F-4D97-AF65-F5344CB8AC3E}">
+        <p14:creationId xmlns:p14="http://schemas.microsoft.com/office/powerpoint/2010/main" val="1009409535"/>
       </p:ext>
     </p:extLst>
   </p:cSld>

--- a/presentation/PhD-comprehensive-exam.pptx
+++ b/presentation/PhD-comprehensive-exam.pptx
@@ -5,7 +5,7 @@
     <p:sldMasterId id="2147483648" r:id="rId1"/>
   </p:sldMasterIdLst>
   <p:notesMasterIdLst>
-    <p:notesMasterId r:id="rId51"/>
+    <p:notesMasterId r:id="rId53"/>
   </p:notesMasterIdLst>
   <p:sldIdLst>
     <p:sldId id="257" r:id="rId2"/>
@@ -57,6 +57,8 @@
     <p:sldId id="355" r:id="rId48"/>
     <p:sldId id="356" r:id="rId49"/>
     <p:sldId id="357" r:id="rId50"/>
+    <p:sldId id="358" r:id="rId51"/>
+    <p:sldId id="359" r:id="rId52"/>
   </p:sldIdLst>
   <p:sldSz cx="9144000" cy="6858000" type="screen4x3"/>
   <p:notesSz cx="6858000" cy="9144000"/>
@@ -5693,6 +5695,196 @@
             <a:fld id="{D91B34AF-DFC3-47C6-893A-07AE93C6324A}" type="slidenum">
               <a:rPr lang="en-US" smtClean="0"/>
               <a:t>49</a:t>
+            </a:fld>
+            <a:endParaRPr lang="en-US"/>
+          </a:p>
+        </p:txBody>
+      </p:sp>
+    </p:spTree>
+    <p:extLst>
+      <p:ext uri="{BB962C8B-B14F-4D97-AF65-F5344CB8AC3E}">
+        <p14:creationId xmlns:p14="http://schemas.microsoft.com/office/powerpoint/2010/main" val="1845102120"/>
+      </p:ext>
+    </p:extLst>
+  </p:cSld>
+  <p:clrMapOvr>
+    <a:masterClrMapping/>
+  </p:clrMapOvr>
+</p:notes>
+</file>
+
+<file path=ppt/notesSlides/notesSlide46.xml><?xml version="1.0" encoding="utf-8"?>
+<p:notes xmlns:a="http://schemas.openxmlformats.org/drawingml/2006/main" xmlns:r="http://schemas.openxmlformats.org/officeDocument/2006/relationships" xmlns:p="http://schemas.openxmlformats.org/presentationml/2006/main">
+  <p:cSld>
+    <p:spTree>
+      <p:nvGrpSpPr>
+        <p:cNvPr id="1" name=""/>
+        <p:cNvGrpSpPr/>
+        <p:nvPr/>
+      </p:nvGrpSpPr>
+      <p:grpSpPr>
+        <a:xfrm>
+          <a:off x="0" y="0"/>
+          <a:ext cx="0" cy="0"/>
+          <a:chOff x="0" y="0"/>
+          <a:chExt cx="0" cy="0"/>
+        </a:xfrm>
+      </p:grpSpPr>
+      <p:sp>
+        <p:nvSpPr>
+          <p:cNvPr id="2" name="Slide Image Placeholder 1"/>
+          <p:cNvSpPr>
+            <a:spLocks noGrp="1" noRot="1" noChangeAspect="1"/>
+          </p:cNvSpPr>
+          <p:nvPr>
+            <p:ph type="sldImg"/>
+          </p:nvPr>
+        </p:nvSpPr>
+        <p:spPr/>
+      </p:sp>
+      <p:sp>
+        <p:nvSpPr>
+          <p:cNvPr id="3" name="Notes Placeholder 2"/>
+          <p:cNvSpPr>
+            <a:spLocks noGrp="1"/>
+          </p:cNvSpPr>
+          <p:nvPr>
+            <p:ph type="body" idx="1"/>
+          </p:nvPr>
+        </p:nvSpPr>
+        <p:spPr/>
+        <p:txBody>
+          <a:bodyPr/>
+          <a:lstStyle/>
+          <a:p>
+            <a:pPr marL="0" indent="0">
+              <a:buFontTx/>
+              <a:buNone/>
+            </a:pPr>
+            <a:endParaRPr lang="en-US" dirty="0" smtClean="0"/>
+          </a:p>
+          <a:p>
+            <a:pPr marL="171450" indent="-171450">
+              <a:buFontTx/>
+              <a:buChar char="-"/>
+            </a:pPr>
+            <a:endParaRPr lang="en-US" dirty="0"/>
+          </a:p>
+        </p:txBody>
+      </p:sp>
+      <p:sp>
+        <p:nvSpPr>
+          <p:cNvPr id="4" name="Slide Number Placeholder 3"/>
+          <p:cNvSpPr>
+            <a:spLocks noGrp="1"/>
+          </p:cNvSpPr>
+          <p:nvPr>
+            <p:ph type="sldNum" sz="quarter" idx="10"/>
+          </p:nvPr>
+        </p:nvSpPr>
+        <p:spPr/>
+        <p:txBody>
+          <a:bodyPr/>
+          <a:lstStyle/>
+          <a:p>
+            <a:fld id="{D91B34AF-DFC3-47C6-893A-07AE93C6324A}" type="slidenum">
+              <a:rPr lang="en-US" smtClean="0"/>
+              <a:t>50</a:t>
+            </a:fld>
+            <a:endParaRPr lang="en-US"/>
+          </a:p>
+        </p:txBody>
+      </p:sp>
+    </p:spTree>
+    <p:extLst>
+      <p:ext uri="{BB962C8B-B14F-4D97-AF65-F5344CB8AC3E}">
+        <p14:creationId xmlns:p14="http://schemas.microsoft.com/office/powerpoint/2010/main" val="1845102120"/>
+      </p:ext>
+    </p:extLst>
+  </p:cSld>
+  <p:clrMapOvr>
+    <a:masterClrMapping/>
+  </p:clrMapOvr>
+</p:notes>
+</file>
+
+<file path=ppt/notesSlides/notesSlide47.xml><?xml version="1.0" encoding="utf-8"?>
+<p:notes xmlns:a="http://schemas.openxmlformats.org/drawingml/2006/main" xmlns:r="http://schemas.openxmlformats.org/officeDocument/2006/relationships" xmlns:p="http://schemas.openxmlformats.org/presentationml/2006/main">
+  <p:cSld>
+    <p:spTree>
+      <p:nvGrpSpPr>
+        <p:cNvPr id="1" name=""/>
+        <p:cNvGrpSpPr/>
+        <p:nvPr/>
+      </p:nvGrpSpPr>
+      <p:grpSpPr>
+        <a:xfrm>
+          <a:off x="0" y="0"/>
+          <a:ext cx="0" cy="0"/>
+          <a:chOff x="0" y="0"/>
+          <a:chExt cx="0" cy="0"/>
+        </a:xfrm>
+      </p:grpSpPr>
+      <p:sp>
+        <p:nvSpPr>
+          <p:cNvPr id="2" name="Slide Image Placeholder 1"/>
+          <p:cNvSpPr>
+            <a:spLocks noGrp="1" noRot="1" noChangeAspect="1"/>
+          </p:cNvSpPr>
+          <p:nvPr>
+            <p:ph type="sldImg"/>
+          </p:nvPr>
+        </p:nvSpPr>
+        <p:spPr/>
+      </p:sp>
+      <p:sp>
+        <p:nvSpPr>
+          <p:cNvPr id="3" name="Notes Placeholder 2"/>
+          <p:cNvSpPr>
+            <a:spLocks noGrp="1"/>
+          </p:cNvSpPr>
+          <p:nvPr>
+            <p:ph type="body" idx="1"/>
+          </p:nvPr>
+        </p:nvSpPr>
+        <p:spPr/>
+        <p:txBody>
+          <a:bodyPr/>
+          <a:lstStyle/>
+          <a:p>
+            <a:pPr marL="0" indent="0">
+              <a:buFontTx/>
+              <a:buNone/>
+            </a:pPr>
+            <a:endParaRPr lang="en-US" dirty="0" smtClean="0"/>
+          </a:p>
+          <a:p>
+            <a:pPr marL="171450" indent="-171450">
+              <a:buFontTx/>
+              <a:buChar char="-"/>
+            </a:pPr>
+            <a:endParaRPr lang="en-US" dirty="0"/>
+          </a:p>
+        </p:txBody>
+      </p:sp>
+      <p:sp>
+        <p:nvSpPr>
+          <p:cNvPr id="4" name="Slide Number Placeholder 3"/>
+          <p:cNvSpPr>
+            <a:spLocks noGrp="1"/>
+          </p:cNvSpPr>
+          <p:nvPr>
+            <p:ph type="sldNum" sz="quarter" idx="10"/>
+          </p:nvPr>
+        </p:nvSpPr>
+        <p:spPr/>
+        <p:txBody>
+          <a:bodyPr/>
+          <a:lstStyle/>
+          <a:p>
+            <a:fld id="{D91B34AF-DFC3-47C6-893A-07AE93C6324A}" type="slidenum">
+              <a:rPr lang="en-US" smtClean="0"/>
+              <a:t>51</a:t>
             </a:fld>
             <a:endParaRPr lang="en-US"/>
           </a:p>
@@ -27097,6 +27289,728 @@
     <p:extLst>
       <p:ext uri="{BB962C8B-B14F-4D97-AF65-F5344CB8AC3E}">
         <p14:creationId xmlns:p14="http://schemas.microsoft.com/office/powerpoint/2010/main" val="2102917277"/>
+      </p:ext>
+    </p:extLst>
+  </p:cSld>
+  <p:clrMapOvr>
+    <a:masterClrMapping/>
+  </p:clrMapOvr>
+  <p:timing>
+    <p:tnLst>
+      <p:par>
+        <p:cTn id="1" dur="indefinite" restart="never" nodeType="tmRoot"/>
+      </p:par>
+    </p:tnLst>
+  </p:timing>
+</p:sld>
+</file>
+
+<file path=ppt/slides/slide50.xml><?xml version="1.0" encoding="utf-8"?>
+<p:sld xmlns:a="http://schemas.openxmlformats.org/drawingml/2006/main" xmlns:r="http://schemas.openxmlformats.org/officeDocument/2006/relationships" xmlns:p="http://schemas.openxmlformats.org/presentationml/2006/main">
+  <p:cSld>
+    <p:spTree>
+      <p:nvGrpSpPr>
+        <p:cNvPr id="1" name=""/>
+        <p:cNvGrpSpPr/>
+        <p:nvPr/>
+      </p:nvGrpSpPr>
+      <p:grpSpPr>
+        <a:xfrm>
+          <a:off x="0" y="0"/>
+          <a:ext cx="0" cy="0"/>
+          <a:chOff x="0" y="0"/>
+          <a:chExt cx="0" cy="0"/>
+        </a:xfrm>
+      </p:grpSpPr>
+      <p:sp>
+        <p:nvSpPr>
+          <p:cNvPr id="5" name="Content Placeholder 2"/>
+          <p:cNvSpPr txBox="1">
+            <a:spLocks/>
+          </p:cNvSpPr>
+          <p:nvPr/>
+        </p:nvSpPr>
+        <p:spPr>
+          <a:xfrm>
+            <a:off x="457199" y="1143000"/>
+            <a:ext cx="8206611" cy="5638800"/>
+          </a:xfrm>
+          <a:prstGeom prst="rect">
+            <a:avLst/>
+          </a:prstGeom>
+        </p:spPr>
+        <p:txBody>
+          <a:bodyPr vert="horz" lIns="91440" tIns="45720" rIns="91440" bIns="45720" rtlCol="0">
+            <a:normAutofit/>
+          </a:bodyPr>
+          <a:lstStyle>
+            <a:lvl1pPr marL="342900" indent="-342900" algn="l" defTabSz="914400" rtl="0" eaLnBrk="1" latinLnBrk="0" hangingPunct="1">
+              <a:spcBef>
+                <a:spcPct val="20000"/>
+              </a:spcBef>
+              <a:buFont typeface="Arial" panose="020B0604020202020204" pitchFamily="34" charset="0"/>
+              <a:buChar char="•"/>
+              <a:defRPr sz="3200" kern="1200">
+                <a:solidFill>
+                  <a:schemeClr val="tx1"/>
+                </a:solidFill>
+                <a:latin typeface="+mn-lt"/>
+                <a:ea typeface="+mn-ea"/>
+                <a:cs typeface="+mn-cs"/>
+              </a:defRPr>
+            </a:lvl1pPr>
+            <a:lvl2pPr marL="742950" indent="-285750" algn="l" defTabSz="914400" rtl="0" eaLnBrk="1" latinLnBrk="0" hangingPunct="1">
+              <a:spcBef>
+                <a:spcPct val="20000"/>
+              </a:spcBef>
+              <a:buFont typeface="Arial" panose="020B0604020202020204" pitchFamily="34" charset="0"/>
+              <a:buChar char="–"/>
+              <a:defRPr sz="2800" kern="1200">
+                <a:solidFill>
+                  <a:schemeClr val="tx1"/>
+                </a:solidFill>
+                <a:latin typeface="+mn-lt"/>
+                <a:ea typeface="+mn-ea"/>
+                <a:cs typeface="+mn-cs"/>
+              </a:defRPr>
+            </a:lvl2pPr>
+            <a:lvl3pPr marL="1143000" indent="-228600" algn="l" defTabSz="914400" rtl="0" eaLnBrk="1" latinLnBrk="0" hangingPunct="1">
+              <a:spcBef>
+                <a:spcPct val="20000"/>
+              </a:spcBef>
+              <a:buFont typeface="Arial" panose="020B0604020202020204" pitchFamily="34" charset="0"/>
+              <a:buChar char="•"/>
+              <a:defRPr sz="2400" kern="1200">
+                <a:solidFill>
+                  <a:schemeClr val="tx1"/>
+                </a:solidFill>
+                <a:latin typeface="+mn-lt"/>
+                <a:ea typeface="+mn-ea"/>
+                <a:cs typeface="+mn-cs"/>
+              </a:defRPr>
+            </a:lvl3pPr>
+            <a:lvl4pPr marL="1600200" indent="-228600" algn="l" defTabSz="914400" rtl="0" eaLnBrk="1" latinLnBrk="0" hangingPunct="1">
+              <a:spcBef>
+                <a:spcPct val="20000"/>
+              </a:spcBef>
+              <a:buFont typeface="Arial" panose="020B0604020202020204" pitchFamily="34" charset="0"/>
+              <a:buChar char="–"/>
+              <a:defRPr sz="2000" kern="1200">
+                <a:solidFill>
+                  <a:schemeClr val="tx1"/>
+                </a:solidFill>
+                <a:latin typeface="+mn-lt"/>
+                <a:ea typeface="+mn-ea"/>
+                <a:cs typeface="+mn-cs"/>
+              </a:defRPr>
+            </a:lvl4pPr>
+            <a:lvl5pPr marL="2057400" indent="-228600" algn="l" defTabSz="914400" rtl="0" eaLnBrk="1" latinLnBrk="0" hangingPunct="1">
+              <a:spcBef>
+                <a:spcPct val="20000"/>
+              </a:spcBef>
+              <a:buFont typeface="Arial" panose="020B0604020202020204" pitchFamily="34" charset="0"/>
+              <a:buChar char="»"/>
+              <a:defRPr sz="2000" kern="1200">
+                <a:solidFill>
+                  <a:schemeClr val="tx1"/>
+                </a:solidFill>
+                <a:latin typeface="+mn-lt"/>
+                <a:ea typeface="+mn-ea"/>
+                <a:cs typeface="+mn-cs"/>
+              </a:defRPr>
+            </a:lvl5pPr>
+            <a:lvl6pPr marL="2514600" indent="-228600" algn="l" defTabSz="914400" rtl="0" eaLnBrk="1" latinLnBrk="0" hangingPunct="1">
+              <a:spcBef>
+                <a:spcPct val="20000"/>
+              </a:spcBef>
+              <a:buFont typeface="Arial" panose="020B0604020202020204" pitchFamily="34" charset="0"/>
+              <a:buChar char="•"/>
+              <a:defRPr sz="2000" kern="1200">
+                <a:solidFill>
+                  <a:schemeClr val="tx1"/>
+                </a:solidFill>
+                <a:latin typeface="+mn-lt"/>
+                <a:ea typeface="+mn-ea"/>
+                <a:cs typeface="+mn-cs"/>
+              </a:defRPr>
+            </a:lvl6pPr>
+            <a:lvl7pPr marL="2971800" indent="-228600" algn="l" defTabSz="914400" rtl="0" eaLnBrk="1" latinLnBrk="0" hangingPunct="1">
+              <a:spcBef>
+                <a:spcPct val="20000"/>
+              </a:spcBef>
+              <a:buFont typeface="Arial" panose="020B0604020202020204" pitchFamily="34" charset="0"/>
+              <a:buChar char="•"/>
+              <a:defRPr sz="2000" kern="1200">
+                <a:solidFill>
+                  <a:schemeClr val="tx1"/>
+                </a:solidFill>
+                <a:latin typeface="+mn-lt"/>
+                <a:ea typeface="+mn-ea"/>
+                <a:cs typeface="+mn-cs"/>
+              </a:defRPr>
+            </a:lvl7pPr>
+            <a:lvl8pPr marL="3429000" indent="-228600" algn="l" defTabSz="914400" rtl="0" eaLnBrk="1" latinLnBrk="0" hangingPunct="1">
+              <a:spcBef>
+                <a:spcPct val="20000"/>
+              </a:spcBef>
+              <a:buFont typeface="Arial" panose="020B0604020202020204" pitchFamily="34" charset="0"/>
+              <a:buChar char="•"/>
+              <a:defRPr sz="2000" kern="1200">
+                <a:solidFill>
+                  <a:schemeClr val="tx1"/>
+                </a:solidFill>
+                <a:latin typeface="+mn-lt"/>
+                <a:ea typeface="+mn-ea"/>
+                <a:cs typeface="+mn-cs"/>
+              </a:defRPr>
+            </a:lvl8pPr>
+            <a:lvl9pPr marL="3886200" indent="-228600" algn="l" defTabSz="914400" rtl="0" eaLnBrk="1" latinLnBrk="0" hangingPunct="1">
+              <a:spcBef>
+                <a:spcPct val="20000"/>
+              </a:spcBef>
+              <a:buFont typeface="Arial" panose="020B0604020202020204" pitchFamily="34" charset="0"/>
+              <a:buChar char="•"/>
+              <a:defRPr sz="2000" kern="1200">
+                <a:solidFill>
+                  <a:schemeClr val="tx1"/>
+                </a:solidFill>
+                <a:latin typeface="+mn-lt"/>
+                <a:ea typeface="+mn-ea"/>
+                <a:cs typeface="+mn-cs"/>
+              </a:defRPr>
+            </a:lvl9pPr>
+          </a:lstStyle>
+          <a:p>
+            <a:r>
+              <a:rPr lang="en-US" sz="2000" dirty="0" smtClean="0"/>
+              <a:t>Robot’s motion control</a:t>
+            </a:r>
+          </a:p>
+          <a:p>
+            <a:r>
+              <a:rPr lang="en-US" sz="2000" dirty="0" smtClean="0"/>
+              <a:t>Sensory data fusion in robots</a:t>
+            </a:r>
+          </a:p>
+          <a:p>
+            <a:r>
+              <a:rPr lang="en-US" sz="2000" dirty="0" smtClean="0"/>
+              <a:t>Modeling domain knowledge</a:t>
+            </a:r>
+          </a:p>
+          <a:p>
+            <a:r>
+              <a:rPr lang="en-US" sz="2000" dirty="0" smtClean="0"/>
+              <a:t>Modeling human-robot interaction</a:t>
+            </a:r>
+          </a:p>
+          <a:p>
+            <a:r>
+              <a:rPr lang="en-US" sz="2000" dirty="0" smtClean="0"/>
+              <a:t>Modeling emotional state of the robot</a:t>
+            </a:r>
+          </a:p>
+          <a:p>
+            <a:r>
+              <a:rPr lang="en-US" sz="2000" dirty="0" smtClean="0"/>
+              <a:t>Modeling forward model of robot’s actions</a:t>
+            </a:r>
+          </a:p>
+          <a:p>
+            <a:r>
+              <a:rPr lang="en-US" sz="2000" dirty="0" smtClean="0"/>
+              <a:t>Modeling object affordances</a:t>
+            </a:r>
+          </a:p>
+          <a:p>
+            <a:r>
+              <a:rPr lang="en-US" sz="2000" dirty="0" smtClean="0"/>
+              <a:t>Robot’s navigation</a:t>
+            </a:r>
+          </a:p>
+          <a:p>
+            <a:r>
+              <a:rPr lang="en-US" sz="2000" dirty="0" smtClean="0"/>
+              <a:t>Learning robot’s decision function</a:t>
+            </a:r>
+          </a:p>
+          <a:p>
+            <a:r>
+              <a:rPr lang="en-US" sz="2000" dirty="0" smtClean="0"/>
+              <a:t>Learning imitative body motions of humans</a:t>
+            </a:r>
+          </a:p>
+          <a:p>
+            <a:r>
+              <a:rPr lang="en-US" sz="2000" dirty="0" smtClean="0"/>
+              <a:t>Intention recognition</a:t>
+            </a:r>
+          </a:p>
+          <a:p>
+            <a:r>
+              <a:rPr lang="en-US" sz="2000" dirty="0" smtClean="0"/>
+              <a:t>Mobile-robot localization</a:t>
+            </a:r>
+          </a:p>
+          <a:p>
+            <a:r>
+              <a:rPr lang="en-US" sz="2000" dirty="0" smtClean="0"/>
+              <a:t>Modeling cooperative agents</a:t>
+            </a:r>
+          </a:p>
+          <a:p>
+            <a:r>
+              <a:rPr lang="en-US" sz="2000" dirty="0" smtClean="0"/>
+              <a:t>Agent’s argumentation and decision making framework</a:t>
+            </a:r>
+          </a:p>
+          <a:p>
+            <a:r>
+              <a:rPr lang="en-US" sz="2000" dirty="0" smtClean="0"/>
+              <a:t>Modeling theory of mind</a:t>
+            </a:r>
+          </a:p>
+          <a:p>
+            <a:endParaRPr lang="en-US" sz="2000" dirty="0" smtClean="0"/>
+          </a:p>
+        </p:txBody>
+      </p:sp>
+      <p:sp>
+        <p:nvSpPr>
+          <p:cNvPr id="9" name="Title 1"/>
+          <p:cNvSpPr txBox="1">
+            <a:spLocks/>
+          </p:cNvSpPr>
+          <p:nvPr/>
+        </p:nvSpPr>
+        <p:spPr>
+          <a:xfrm>
+            <a:off x="76200" y="0"/>
+            <a:ext cx="8991600" cy="1143000"/>
+          </a:xfrm>
+          <a:prstGeom prst="rect">
+            <a:avLst/>
+          </a:prstGeom>
+        </p:spPr>
+        <p:txBody>
+          <a:bodyPr vert="horz" lIns="91440" tIns="45720" rIns="91440" bIns="45720" rtlCol="0" anchor="ctr">
+            <a:normAutofit/>
+          </a:bodyPr>
+          <a:lstStyle>
+            <a:lvl1pPr algn="ctr" defTabSz="914400" rtl="0" eaLnBrk="1" latinLnBrk="0" hangingPunct="1">
+              <a:spcBef>
+                <a:spcPct val="0"/>
+              </a:spcBef>
+              <a:buNone/>
+              <a:defRPr sz="4400" kern="1200">
+                <a:solidFill>
+                  <a:schemeClr val="tx1"/>
+                </a:solidFill>
+                <a:latin typeface="+mj-lt"/>
+                <a:ea typeface="+mj-ea"/>
+                <a:cs typeface="+mj-cs"/>
+              </a:defRPr>
+            </a:lvl1pPr>
+          </a:lstStyle>
+          <a:p>
+            <a:pPr algn="l"/>
+            <a:r>
+              <a:rPr lang="en-US" sz="2400" b="1" dirty="0" smtClean="0"/>
+              <a:t>Uncertainty in AI &gt; Applications</a:t>
+            </a:r>
+            <a:endParaRPr lang="en-US" sz="2000" b="1" i="1" dirty="0"/>
+          </a:p>
+        </p:txBody>
+      </p:sp>
+    </p:spTree>
+    <p:extLst>
+      <p:ext uri="{BB962C8B-B14F-4D97-AF65-F5344CB8AC3E}">
+        <p14:creationId xmlns:p14="http://schemas.microsoft.com/office/powerpoint/2010/main" val="2801804510"/>
+      </p:ext>
+    </p:extLst>
+  </p:cSld>
+  <p:clrMapOvr>
+    <a:masterClrMapping/>
+  </p:clrMapOvr>
+  <p:timing>
+    <p:tnLst>
+      <p:par>
+        <p:cTn id="1" dur="indefinite" restart="never" nodeType="tmRoot"/>
+      </p:par>
+    </p:tnLst>
+  </p:timing>
+</p:sld>
+</file>
+
+<file path=ppt/slides/slide51.xml><?xml version="1.0" encoding="utf-8"?>
+<p:sld xmlns:a="http://schemas.openxmlformats.org/drawingml/2006/main" xmlns:r="http://schemas.openxmlformats.org/officeDocument/2006/relationships" xmlns:p="http://schemas.openxmlformats.org/presentationml/2006/main">
+  <p:cSld>
+    <p:spTree>
+      <p:nvGrpSpPr>
+        <p:cNvPr id="1" name=""/>
+        <p:cNvGrpSpPr/>
+        <p:nvPr/>
+      </p:nvGrpSpPr>
+      <p:grpSpPr>
+        <a:xfrm>
+          <a:off x="0" y="0"/>
+          <a:ext cx="0" cy="0"/>
+          <a:chOff x="0" y="0"/>
+          <a:chExt cx="0" cy="0"/>
+        </a:xfrm>
+      </p:grpSpPr>
+      <p:sp>
+        <p:nvSpPr>
+          <p:cNvPr id="5" name="Content Placeholder 2"/>
+          <p:cNvSpPr txBox="1">
+            <a:spLocks/>
+          </p:cNvSpPr>
+          <p:nvPr/>
+        </p:nvSpPr>
+        <p:spPr>
+          <a:xfrm>
+            <a:off x="457199" y="1143000"/>
+            <a:ext cx="8206611" cy="5257800"/>
+          </a:xfrm>
+          <a:prstGeom prst="rect">
+            <a:avLst/>
+          </a:prstGeom>
+        </p:spPr>
+        <p:txBody>
+          <a:bodyPr vert="horz" lIns="91440" tIns="45720" rIns="91440" bIns="45720" rtlCol="0">
+            <a:normAutofit lnSpcReduction="10000"/>
+          </a:bodyPr>
+          <a:lstStyle>
+            <a:lvl1pPr marL="342900" indent="-342900" algn="l" defTabSz="914400" rtl="0" eaLnBrk="1" latinLnBrk="0" hangingPunct="1">
+              <a:spcBef>
+                <a:spcPct val="20000"/>
+              </a:spcBef>
+              <a:buFont typeface="Arial" panose="020B0604020202020204" pitchFamily="34" charset="0"/>
+              <a:buChar char="•"/>
+              <a:defRPr sz="3200" kern="1200">
+                <a:solidFill>
+                  <a:schemeClr val="tx1"/>
+                </a:solidFill>
+                <a:latin typeface="+mn-lt"/>
+                <a:ea typeface="+mn-ea"/>
+                <a:cs typeface="+mn-cs"/>
+              </a:defRPr>
+            </a:lvl1pPr>
+            <a:lvl2pPr marL="742950" indent="-285750" algn="l" defTabSz="914400" rtl="0" eaLnBrk="1" latinLnBrk="0" hangingPunct="1">
+              <a:spcBef>
+                <a:spcPct val="20000"/>
+              </a:spcBef>
+              <a:buFont typeface="Arial" panose="020B0604020202020204" pitchFamily="34" charset="0"/>
+              <a:buChar char="–"/>
+              <a:defRPr sz="2800" kern="1200">
+                <a:solidFill>
+                  <a:schemeClr val="tx1"/>
+                </a:solidFill>
+                <a:latin typeface="+mn-lt"/>
+                <a:ea typeface="+mn-ea"/>
+                <a:cs typeface="+mn-cs"/>
+              </a:defRPr>
+            </a:lvl2pPr>
+            <a:lvl3pPr marL="1143000" indent="-228600" algn="l" defTabSz="914400" rtl="0" eaLnBrk="1" latinLnBrk="0" hangingPunct="1">
+              <a:spcBef>
+                <a:spcPct val="20000"/>
+              </a:spcBef>
+              <a:buFont typeface="Arial" panose="020B0604020202020204" pitchFamily="34" charset="0"/>
+              <a:buChar char="•"/>
+              <a:defRPr sz="2400" kern="1200">
+                <a:solidFill>
+                  <a:schemeClr val="tx1"/>
+                </a:solidFill>
+                <a:latin typeface="+mn-lt"/>
+                <a:ea typeface="+mn-ea"/>
+                <a:cs typeface="+mn-cs"/>
+              </a:defRPr>
+            </a:lvl3pPr>
+            <a:lvl4pPr marL="1600200" indent="-228600" algn="l" defTabSz="914400" rtl="0" eaLnBrk="1" latinLnBrk="0" hangingPunct="1">
+              <a:spcBef>
+                <a:spcPct val="20000"/>
+              </a:spcBef>
+              <a:buFont typeface="Arial" panose="020B0604020202020204" pitchFamily="34" charset="0"/>
+              <a:buChar char="–"/>
+              <a:defRPr sz="2000" kern="1200">
+                <a:solidFill>
+                  <a:schemeClr val="tx1"/>
+                </a:solidFill>
+                <a:latin typeface="+mn-lt"/>
+                <a:ea typeface="+mn-ea"/>
+                <a:cs typeface="+mn-cs"/>
+              </a:defRPr>
+            </a:lvl4pPr>
+            <a:lvl5pPr marL="2057400" indent="-228600" algn="l" defTabSz="914400" rtl="0" eaLnBrk="1" latinLnBrk="0" hangingPunct="1">
+              <a:spcBef>
+                <a:spcPct val="20000"/>
+              </a:spcBef>
+              <a:buFont typeface="Arial" panose="020B0604020202020204" pitchFamily="34" charset="0"/>
+              <a:buChar char="»"/>
+              <a:defRPr sz="2000" kern="1200">
+                <a:solidFill>
+                  <a:schemeClr val="tx1"/>
+                </a:solidFill>
+                <a:latin typeface="+mn-lt"/>
+                <a:ea typeface="+mn-ea"/>
+                <a:cs typeface="+mn-cs"/>
+              </a:defRPr>
+            </a:lvl5pPr>
+            <a:lvl6pPr marL="2514600" indent="-228600" algn="l" defTabSz="914400" rtl="0" eaLnBrk="1" latinLnBrk="0" hangingPunct="1">
+              <a:spcBef>
+                <a:spcPct val="20000"/>
+              </a:spcBef>
+              <a:buFont typeface="Arial" panose="020B0604020202020204" pitchFamily="34" charset="0"/>
+              <a:buChar char="•"/>
+              <a:defRPr sz="2000" kern="1200">
+                <a:solidFill>
+                  <a:schemeClr val="tx1"/>
+                </a:solidFill>
+                <a:latin typeface="+mn-lt"/>
+                <a:ea typeface="+mn-ea"/>
+                <a:cs typeface="+mn-cs"/>
+              </a:defRPr>
+            </a:lvl6pPr>
+            <a:lvl7pPr marL="2971800" indent="-228600" algn="l" defTabSz="914400" rtl="0" eaLnBrk="1" latinLnBrk="0" hangingPunct="1">
+              <a:spcBef>
+                <a:spcPct val="20000"/>
+              </a:spcBef>
+              <a:buFont typeface="Arial" panose="020B0604020202020204" pitchFamily="34" charset="0"/>
+              <a:buChar char="•"/>
+              <a:defRPr sz="2000" kern="1200">
+                <a:solidFill>
+                  <a:schemeClr val="tx1"/>
+                </a:solidFill>
+                <a:latin typeface="+mn-lt"/>
+                <a:ea typeface="+mn-ea"/>
+                <a:cs typeface="+mn-cs"/>
+              </a:defRPr>
+            </a:lvl7pPr>
+            <a:lvl8pPr marL="3429000" indent="-228600" algn="l" defTabSz="914400" rtl="0" eaLnBrk="1" latinLnBrk="0" hangingPunct="1">
+              <a:spcBef>
+                <a:spcPct val="20000"/>
+              </a:spcBef>
+              <a:buFont typeface="Arial" panose="020B0604020202020204" pitchFamily="34" charset="0"/>
+              <a:buChar char="•"/>
+              <a:defRPr sz="2000" kern="1200">
+                <a:solidFill>
+                  <a:schemeClr val="tx1"/>
+                </a:solidFill>
+                <a:latin typeface="+mn-lt"/>
+                <a:ea typeface="+mn-ea"/>
+                <a:cs typeface="+mn-cs"/>
+              </a:defRPr>
+            </a:lvl8pPr>
+            <a:lvl9pPr marL="3886200" indent="-228600" algn="l" defTabSz="914400" rtl="0" eaLnBrk="1" latinLnBrk="0" hangingPunct="1">
+              <a:spcBef>
+                <a:spcPct val="20000"/>
+              </a:spcBef>
+              <a:buFont typeface="Arial" panose="020B0604020202020204" pitchFamily="34" charset="0"/>
+              <a:buChar char="•"/>
+              <a:defRPr sz="2000" kern="1200">
+                <a:solidFill>
+                  <a:schemeClr val="tx1"/>
+                </a:solidFill>
+                <a:latin typeface="+mn-lt"/>
+                <a:ea typeface="+mn-ea"/>
+                <a:cs typeface="+mn-cs"/>
+              </a:defRPr>
+            </a:lvl9pPr>
+          </a:lstStyle>
+          <a:p>
+            <a:r>
+              <a:rPr lang="en-US" sz="2000" dirty="0" smtClean="0"/>
+              <a:t>Uncertainty is involved in collaboration:</a:t>
+            </a:r>
+            <a:endParaRPr lang="en-US" sz="1600" dirty="0"/>
+          </a:p>
+          <a:p>
+            <a:pPr lvl="1"/>
+            <a:r>
+              <a:rPr lang="en-US" sz="1800" dirty="0"/>
+              <a:t>Different theories are concerned about teamwork and the involvement of others to form an intention,</a:t>
+            </a:r>
+          </a:p>
+          <a:p>
+            <a:pPr lvl="1"/>
+            <a:r>
+              <a:rPr lang="en-US" sz="1800" dirty="0"/>
+              <a:t>to generate or evolve the shared plan,</a:t>
+            </a:r>
+          </a:p>
+          <a:p>
+            <a:pPr lvl="1"/>
+            <a:r>
+              <a:rPr lang="en-US" sz="1800" dirty="0"/>
+              <a:t>or even to establish a single mutual belief.</a:t>
+            </a:r>
+          </a:p>
+          <a:p>
+            <a:r>
+              <a:rPr lang="en-US" sz="2000" dirty="0" smtClean="0"/>
+              <a:t>There </a:t>
+            </a:r>
+            <a:r>
+              <a:rPr lang="en-US" sz="2000" dirty="0"/>
+              <a:t>is a certain amount of </a:t>
+            </a:r>
+            <a:r>
+              <a:rPr lang="en-US" sz="2000" dirty="0" smtClean="0"/>
+              <a:t>uncertainty, ambiguity </a:t>
+            </a:r>
+            <a:r>
+              <a:rPr lang="en-US" sz="2000" dirty="0"/>
+              <a:t>and lack of evidence in perceiving </a:t>
+            </a:r>
+            <a:r>
+              <a:rPr lang="en-US" sz="2000" dirty="0" smtClean="0"/>
+              <a:t>others‘ behaviors.</a:t>
+            </a:r>
+          </a:p>
+          <a:p>
+            <a:r>
+              <a:rPr lang="en-US" sz="2000" dirty="0" smtClean="0"/>
+              <a:t>Processes involved </a:t>
+            </a:r>
+            <a:r>
+              <a:rPr lang="en-US" sz="2000" dirty="0"/>
+              <a:t>in </a:t>
+            </a:r>
+            <a:r>
+              <a:rPr lang="en-US" sz="2000" dirty="0" smtClean="0"/>
+              <a:t>collaboration need </a:t>
+            </a:r>
+            <a:r>
+              <a:rPr lang="en-US" sz="2000" dirty="0"/>
+              <a:t>to be designed to address the existence of </a:t>
+            </a:r>
+            <a:r>
+              <a:rPr lang="en-US" sz="2000" dirty="0" smtClean="0"/>
+              <a:t>uncertainty.</a:t>
+            </a:r>
+          </a:p>
+          <a:p>
+            <a:r>
+              <a:rPr lang="en-US" sz="2000" dirty="0" smtClean="0"/>
+              <a:t>Beliefs include certain amount of uncertainty independent of their source.</a:t>
+            </a:r>
+          </a:p>
+          <a:p>
+            <a:pPr lvl="1"/>
+            <a:r>
+              <a:rPr lang="en-US" sz="1700" dirty="0"/>
+              <a:t>the lack of evidence about a counterpart's belief about an event,</a:t>
+            </a:r>
+          </a:p>
+          <a:p>
+            <a:pPr lvl="1"/>
+            <a:r>
+              <a:rPr lang="en-US" sz="1700" dirty="0"/>
+              <a:t>the lack of evidence about the feeling of a counterpart for a collaborative action,</a:t>
+            </a:r>
+          </a:p>
+          <a:p>
+            <a:r>
+              <a:rPr lang="en-US" sz="2000" dirty="0" smtClean="0"/>
+              <a:t>Consequences can </a:t>
+            </a:r>
+            <a:r>
+              <a:rPr lang="en-US" sz="2000" dirty="0"/>
+              <a:t>be </a:t>
+            </a:r>
+            <a:r>
+              <a:rPr lang="en-US" sz="2000" dirty="0" smtClean="0"/>
+              <a:t>mitigated </a:t>
+            </a:r>
+            <a:r>
+              <a:rPr lang="en-US" sz="2000" dirty="0"/>
+              <a:t>by having </a:t>
+            </a:r>
+            <a:r>
+              <a:rPr lang="en-US" sz="2000" dirty="0" smtClean="0"/>
+              <a:t>a mechanism </a:t>
+            </a:r>
+            <a:r>
+              <a:rPr lang="en-US" sz="2000" dirty="0"/>
+              <a:t>to deal with uncertainty in some level</a:t>
+            </a:r>
+            <a:r>
+              <a:rPr lang="en-US" sz="2000" dirty="0" smtClean="0"/>
+              <a:t>.</a:t>
+            </a:r>
+          </a:p>
+          <a:p>
+            <a:r>
+              <a:rPr lang="en-US" sz="2000" dirty="0" smtClean="0"/>
+              <a:t>It </a:t>
+            </a:r>
+            <a:r>
+              <a:rPr lang="en-US" sz="2000" dirty="0"/>
+              <a:t>is for us to choose where to apply the appropriate mechanism to make </a:t>
+            </a:r>
+            <a:r>
+              <a:rPr lang="en-US" sz="2000" dirty="0" smtClean="0"/>
+              <a:t>more stable </a:t>
+            </a:r>
+            <a:r>
+              <a:rPr lang="en-US" sz="2000" dirty="0"/>
+              <a:t>collaborative behaviors.</a:t>
+            </a:r>
+            <a:endParaRPr lang="en-US" sz="2000" dirty="0" smtClean="0"/>
+          </a:p>
+        </p:txBody>
+      </p:sp>
+      <p:sp>
+        <p:nvSpPr>
+          <p:cNvPr id="9" name="Title 1"/>
+          <p:cNvSpPr txBox="1">
+            <a:spLocks/>
+          </p:cNvSpPr>
+          <p:nvPr/>
+        </p:nvSpPr>
+        <p:spPr>
+          <a:xfrm>
+            <a:off x="228600" y="0"/>
+            <a:ext cx="8839200" cy="1143000"/>
+          </a:xfrm>
+          <a:prstGeom prst="rect">
+            <a:avLst/>
+          </a:prstGeom>
+        </p:spPr>
+        <p:txBody>
+          <a:bodyPr vert="horz" lIns="91440" tIns="45720" rIns="91440" bIns="45720" rtlCol="0" anchor="ctr">
+            <a:normAutofit/>
+          </a:bodyPr>
+          <a:lstStyle>
+            <a:lvl1pPr algn="ctr" defTabSz="914400" rtl="0" eaLnBrk="1" latinLnBrk="0" hangingPunct="1">
+              <a:spcBef>
+                <a:spcPct val="0"/>
+              </a:spcBef>
+              <a:buNone/>
+              <a:defRPr sz="4400" kern="1200">
+                <a:solidFill>
+                  <a:schemeClr val="tx1"/>
+                </a:solidFill>
+                <a:latin typeface="+mj-lt"/>
+                <a:ea typeface="+mj-ea"/>
+                <a:cs typeface="+mj-cs"/>
+              </a:defRPr>
+            </a:lvl1pPr>
+          </a:lstStyle>
+          <a:p>
+            <a:pPr algn="l"/>
+            <a:r>
+              <a:rPr lang="en-US" sz="2400" b="1" dirty="0" smtClean="0"/>
+              <a:t>Uncertainty in AI &gt; Conclusion</a:t>
+            </a:r>
+            <a:endParaRPr lang="en-US" sz="2000" b="1" i="1" dirty="0"/>
+          </a:p>
+        </p:txBody>
+      </p:sp>
+    </p:spTree>
+    <p:extLst>
+      <p:ext uri="{BB962C8B-B14F-4D97-AF65-F5344CB8AC3E}">
+        <p14:creationId xmlns:p14="http://schemas.microsoft.com/office/powerpoint/2010/main" val="388088869"/>
       </p:ext>
     </p:extLst>
   </p:cSld>
